--- a/lab7/report/slides.pptx
+++ b/lab7/report/slides.pptx
@@ -5,7 +5,7 @@
     <p:sldMasterId id="2147483648" r:id="rId1"/>
   </p:sldMasterIdLst>
   <p:notesMasterIdLst>
-    <p:notesMasterId r:id="rId13"/>
+    <p:notesMasterId r:id="rId19"/>
   </p:notesMasterIdLst>
   <p:sldIdLst>
     <p:sldId id="256" r:id="rId2"/>
@@ -17,13 +17,19 @@
     <p:sldId id="451" r:id="rId8"/>
     <p:sldId id="452" r:id="rId9"/>
     <p:sldId id="449" r:id="rId10"/>
-    <p:sldId id="450" r:id="rId11"/>
-    <p:sldId id="328" r:id="rId12"/>
+    <p:sldId id="453" r:id="rId11"/>
+    <p:sldId id="456" r:id="rId12"/>
+    <p:sldId id="457" r:id="rId13"/>
+    <p:sldId id="458" r:id="rId14"/>
+    <p:sldId id="459" r:id="rId15"/>
+    <p:sldId id="460" r:id="rId16"/>
+    <p:sldId id="461" r:id="rId17"/>
+    <p:sldId id="328" r:id="rId18"/>
   </p:sldIdLst>
   <p:sldSz cx="12192000" cy="6858000"/>
   <p:notesSz cx="6858000" cy="9144000"/>
   <p:custDataLst>
-    <p:tags r:id="rId14"/>
+    <p:tags r:id="rId20"/>
   </p:custDataLst>
   <p:defaultTextStyle>
     <a:defPPr>
@@ -636,7 +642,7 @@
     </p:spTree>
     <p:extLst>
       <p:ext uri="{BB962C8B-B14F-4D97-AF65-F5344CB8AC3E}">
-        <p14:creationId xmlns:p14="http://schemas.microsoft.com/office/powerpoint/2010/main" val="1112388033"/>
+        <p14:creationId xmlns:p14="http://schemas.microsoft.com/office/powerpoint/2010/main" val="2382027364"/>
       </p:ext>
     </p:extLst>
   </p:cSld>
@@ -712,6 +718,510 @@
             <a:fld id="{6EDC296E-2C0A-4FFE-AF18-6ACF9EA98876}" type="slidenum">
               <a:rPr lang="zh-CN" altLang="en-US" smtClean="0"/>
               <a:t>11</a:t>
+            </a:fld>
+            <a:endParaRPr lang="zh-CN" altLang="en-US"/>
+          </a:p>
+        </p:txBody>
+      </p:sp>
+    </p:spTree>
+    <p:extLst>
+      <p:ext uri="{BB962C8B-B14F-4D97-AF65-F5344CB8AC3E}">
+        <p14:creationId xmlns:p14="http://schemas.microsoft.com/office/powerpoint/2010/main" val="4082260163"/>
+      </p:ext>
+    </p:extLst>
+  </p:cSld>
+  <p:clrMapOvr>
+    <a:masterClrMapping/>
+  </p:clrMapOvr>
+</p:notes>
+</file>
+
+<file path=ppt/notesSlides/notesSlide12.xml><?xml version="1.0" encoding="utf-8"?>
+<p:notes xmlns:a="http://schemas.openxmlformats.org/drawingml/2006/main" xmlns:r="http://schemas.openxmlformats.org/officeDocument/2006/relationships" xmlns:p="http://schemas.openxmlformats.org/presentationml/2006/main">
+  <p:cSld>
+    <p:spTree>
+      <p:nvGrpSpPr>
+        <p:cNvPr id="1" name=""/>
+        <p:cNvGrpSpPr/>
+        <p:nvPr/>
+      </p:nvGrpSpPr>
+      <p:grpSpPr>
+        <a:xfrm>
+          <a:off x="0" y="0"/>
+          <a:ext cx="0" cy="0"/>
+          <a:chOff x="0" y="0"/>
+          <a:chExt cx="0" cy="0"/>
+        </a:xfrm>
+      </p:grpSpPr>
+      <p:sp>
+        <p:nvSpPr>
+          <p:cNvPr id="2" name="幻灯片图像占位符 1"/>
+          <p:cNvSpPr>
+            <a:spLocks noGrp="1" noRot="1" noChangeAspect="1"/>
+          </p:cNvSpPr>
+          <p:nvPr>
+            <p:ph type="sldImg"/>
+          </p:nvPr>
+        </p:nvSpPr>
+        <p:spPr/>
+      </p:sp>
+      <p:sp>
+        <p:nvSpPr>
+          <p:cNvPr id="3" name="备注占位符 2"/>
+          <p:cNvSpPr>
+            <a:spLocks noGrp="1"/>
+          </p:cNvSpPr>
+          <p:nvPr>
+            <p:ph type="body" idx="1"/>
+          </p:nvPr>
+        </p:nvSpPr>
+        <p:spPr/>
+        <p:txBody>
+          <a:bodyPr/>
+          <a:lstStyle/>
+          <a:p>
+            <a:endParaRPr lang="zh-CN" altLang="en-US" dirty="0"/>
+          </a:p>
+        </p:txBody>
+      </p:sp>
+      <p:sp>
+        <p:nvSpPr>
+          <p:cNvPr id="4" name="灯片编号占位符 3"/>
+          <p:cNvSpPr>
+            <a:spLocks noGrp="1"/>
+          </p:cNvSpPr>
+          <p:nvPr>
+            <p:ph type="sldNum" sz="quarter" idx="5"/>
+          </p:nvPr>
+        </p:nvSpPr>
+        <p:spPr/>
+        <p:txBody>
+          <a:bodyPr/>
+          <a:lstStyle/>
+          <a:p>
+            <a:fld id="{6EDC296E-2C0A-4FFE-AF18-6ACF9EA98876}" type="slidenum">
+              <a:rPr lang="zh-CN" altLang="en-US" smtClean="0"/>
+              <a:t>12</a:t>
+            </a:fld>
+            <a:endParaRPr lang="zh-CN" altLang="en-US"/>
+          </a:p>
+        </p:txBody>
+      </p:sp>
+    </p:spTree>
+    <p:extLst>
+      <p:ext uri="{BB962C8B-B14F-4D97-AF65-F5344CB8AC3E}">
+        <p14:creationId xmlns:p14="http://schemas.microsoft.com/office/powerpoint/2010/main" val="2441351392"/>
+      </p:ext>
+    </p:extLst>
+  </p:cSld>
+  <p:clrMapOvr>
+    <a:masterClrMapping/>
+  </p:clrMapOvr>
+</p:notes>
+</file>
+
+<file path=ppt/notesSlides/notesSlide13.xml><?xml version="1.0" encoding="utf-8"?>
+<p:notes xmlns:a="http://schemas.openxmlformats.org/drawingml/2006/main" xmlns:r="http://schemas.openxmlformats.org/officeDocument/2006/relationships" xmlns:p="http://schemas.openxmlformats.org/presentationml/2006/main">
+  <p:cSld>
+    <p:spTree>
+      <p:nvGrpSpPr>
+        <p:cNvPr id="1" name=""/>
+        <p:cNvGrpSpPr/>
+        <p:nvPr/>
+      </p:nvGrpSpPr>
+      <p:grpSpPr>
+        <a:xfrm>
+          <a:off x="0" y="0"/>
+          <a:ext cx="0" cy="0"/>
+          <a:chOff x="0" y="0"/>
+          <a:chExt cx="0" cy="0"/>
+        </a:xfrm>
+      </p:grpSpPr>
+      <p:sp>
+        <p:nvSpPr>
+          <p:cNvPr id="2" name="幻灯片图像占位符 1"/>
+          <p:cNvSpPr>
+            <a:spLocks noGrp="1" noRot="1" noChangeAspect="1"/>
+          </p:cNvSpPr>
+          <p:nvPr>
+            <p:ph type="sldImg"/>
+          </p:nvPr>
+        </p:nvSpPr>
+        <p:spPr/>
+      </p:sp>
+      <p:sp>
+        <p:nvSpPr>
+          <p:cNvPr id="3" name="备注占位符 2"/>
+          <p:cNvSpPr>
+            <a:spLocks noGrp="1"/>
+          </p:cNvSpPr>
+          <p:nvPr>
+            <p:ph type="body" idx="1"/>
+          </p:nvPr>
+        </p:nvSpPr>
+        <p:spPr/>
+        <p:txBody>
+          <a:bodyPr/>
+          <a:lstStyle/>
+          <a:p>
+            <a:endParaRPr lang="zh-CN" altLang="en-US" dirty="0"/>
+          </a:p>
+        </p:txBody>
+      </p:sp>
+      <p:sp>
+        <p:nvSpPr>
+          <p:cNvPr id="4" name="灯片编号占位符 3"/>
+          <p:cNvSpPr>
+            <a:spLocks noGrp="1"/>
+          </p:cNvSpPr>
+          <p:nvPr>
+            <p:ph type="sldNum" sz="quarter" idx="5"/>
+          </p:nvPr>
+        </p:nvSpPr>
+        <p:spPr/>
+        <p:txBody>
+          <a:bodyPr/>
+          <a:lstStyle/>
+          <a:p>
+            <a:fld id="{6EDC296E-2C0A-4FFE-AF18-6ACF9EA98876}" type="slidenum">
+              <a:rPr lang="zh-CN" altLang="en-US" smtClean="0"/>
+              <a:t>13</a:t>
+            </a:fld>
+            <a:endParaRPr lang="zh-CN" altLang="en-US"/>
+          </a:p>
+        </p:txBody>
+      </p:sp>
+    </p:spTree>
+    <p:extLst>
+      <p:ext uri="{BB962C8B-B14F-4D97-AF65-F5344CB8AC3E}">
+        <p14:creationId xmlns:p14="http://schemas.microsoft.com/office/powerpoint/2010/main" val="1715732589"/>
+      </p:ext>
+    </p:extLst>
+  </p:cSld>
+  <p:clrMapOvr>
+    <a:masterClrMapping/>
+  </p:clrMapOvr>
+</p:notes>
+</file>
+
+<file path=ppt/notesSlides/notesSlide14.xml><?xml version="1.0" encoding="utf-8"?>
+<p:notes xmlns:a="http://schemas.openxmlformats.org/drawingml/2006/main" xmlns:r="http://schemas.openxmlformats.org/officeDocument/2006/relationships" xmlns:p="http://schemas.openxmlformats.org/presentationml/2006/main">
+  <p:cSld>
+    <p:spTree>
+      <p:nvGrpSpPr>
+        <p:cNvPr id="1" name=""/>
+        <p:cNvGrpSpPr/>
+        <p:nvPr/>
+      </p:nvGrpSpPr>
+      <p:grpSpPr>
+        <a:xfrm>
+          <a:off x="0" y="0"/>
+          <a:ext cx="0" cy="0"/>
+          <a:chOff x="0" y="0"/>
+          <a:chExt cx="0" cy="0"/>
+        </a:xfrm>
+      </p:grpSpPr>
+      <p:sp>
+        <p:nvSpPr>
+          <p:cNvPr id="2" name="幻灯片图像占位符 1"/>
+          <p:cNvSpPr>
+            <a:spLocks noGrp="1" noRot="1" noChangeAspect="1"/>
+          </p:cNvSpPr>
+          <p:nvPr>
+            <p:ph type="sldImg"/>
+          </p:nvPr>
+        </p:nvSpPr>
+        <p:spPr/>
+      </p:sp>
+      <p:sp>
+        <p:nvSpPr>
+          <p:cNvPr id="3" name="备注占位符 2"/>
+          <p:cNvSpPr>
+            <a:spLocks noGrp="1"/>
+          </p:cNvSpPr>
+          <p:nvPr>
+            <p:ph type="body" idx="1"/>
+          </p:nvPr>
+        </p:nvSpPr>
+        <p:spPr/>
+        <p:txBody>
+          <a:bodyPr/>
+          <a:lstStyle/>
+          <a:p>
+            <a:endParaRPr lang="zh-CN" altLang="en-US" dirty="0"/>
+          </a:p>
+        </p:txBody>
+      </p:sp>
+      <p:sp>
+        <p:nvSpPr>
+          <p:cNvPr id="4" name="灯片编号占位符 3"/>
+          <p:cNvSpPr>
+            <a:spLocks noGrp="1"/>
+          </p:cNvSpPr>
+          <p:nvPr>
+            <p:ph type="sldNum" sz="quarter" idx="5"/>
+          </p:nvPr>
+        </p:nvSpPr>
+        <p:spPr/>
+        <p:txBody>
+          <a:bodyPr/>
+          <a:lstStyle/>
+          <a:p>
+            <a:fld id="{6EDC296E-2C0A-4FFE-AF18-6ACF9EA98876}" type="slidenum">
+              <a:rPr lang="zh-CN" altLang="en-US" smtClean="0"/>
+              <a:t>14</a:t>
+            </a:fld>
+            <a:endParaRPr lang="zh-CN" altLang="en-US"/>
+          </a:p>
+        </p:txBody>
+      </p:sp>
+    </p:spTree>
+    <p:extLst>
+      <p:ext uri="{BB962C8B-B14F-4D97-AF65-F5344CB8AC3E}">
+        <p14:creationId xmlns:p14="http://schemas.microsoft.com/office/powerpoint/2010/main" val="1311492494"/>
+      </p:ext>
+    </p:extLst>
+  </p:cSld>
+  <p:clrMapOvr>
+    <a:masterClrMapping/>
+  </p:clrMapOvr>
+</p:notes>
+</file>
+
+<file path=ppt/notesSlides/notesSlide15.xml><?xml version="1.0" encoding="utf-8"?>
+<p:notes xmlns:a="http://schemas.openxmlformats.org/drawingml/2006/main" xmlns:r="http://schemas.openxmlformats.org/officeDocument/2006/relationships" xmlns:p="http://schemas.openxmlformats.org/presentationml/2006/main">
+  <p:cSld>
+    <p:spTree>
+      <p:nvGrpSpPr>
+        <p:cNvPr id="1" name=""/>
+        <p:cNvGrpSpPr/>
+        <p:nvPr/>
+      </p:nvGrpSpPr>
+      <p:grpSpPr>
+        <a:xfrm>
+          <a:off x="0" y="0"/>
+          <a:ext cx="0" cy="0"/>
+          <a:chOff x="0" y="0"/>
+          <a:chExt cx="0" cy="0"/>
+        </a:xfrm>
+      </p:grpSpPr>
+      <p:sp>
+        <p:nvSpPr>
+          <p:cNvPr id="2" name="幻灯片图像占位符 1"/>
+          <p:cNvSpPr>
+            <a:spLocks noGrp="1" noRot="1" noChangeAspect="1"/>
+          </p:cNvSpPr>
+          <p:nvPr>
+            <p:ph type="sldImg"/>
+          </p:nvPr>
+        </p:nvSpPr>
+        <p:spPr/>
+      </p:sp>
+      <p:sp>
+        <p:nvSpPr>
+          <p:cNvPr id="3" name="备注占位符 2"/>
+          <p:cNvSpPr>
+            <a:spLocks noGrp="1"/>
+          </p:cNvSpPr>
+          <p:nvPr>
+            <p:ph type="body" idx="1"/>
+          </p:nvPr>
+        </p:nvSpPr>
+        <p:spPr/>
+        <p:txBody>
+          <a:bodyPr/>
+          <a:lstStyle/>
+          <a:p>
+            <a:endParaRPr lang="zh-CN" altLang="en-US" dirty="0"/>
+          </a:p>
+        </p:txBody>
+      </p:sp>
+      <p:sp>
+        <p:nvSpPr>
+          <p:cNvPr id="4" name="灯片编号占位符 3"/>
+          <p:cNvSpPr>
+            <a:spLocks noGrp="1"/>
+          </p:cNvSpPr>
+          <p:nvPr>
+            <p:ph type="sldNum" sz="quarter" idx="5"/>
+          </p:nvPr>
+        </p:nvSpPr>
+        <p:spPr/>
+        <p:txBody>
+          <a:bodyPr/>
+          <a:lstStyle/>
+          <a:p>
+            <a:fld id="{6EDC296E-2C0A-4FFE-AF18-6ACF9EA98876}" type="slidenum">
+              <a:rPr lang="zh-CN" altLang="en-US" smtClean="0"/>
+              <a:t>15</a:t>
+            </a:fld>
+            <a:endParaRPr lang="zh-CN" altLang="en-US"/>
+          </a:p>
+        </p:txBody>
+      </p:sp>
+    </p:spTree>
+    <p:extLst>
+      <p:ext uri="{BB962C8B-B14F-4D97-AF65-F5344CB8AC3E}">
+        <p14:creationId xmlns:p14="http://schemas.microsoft.com/office/powerpoint/2010/main" val="2876342032"/>
+      </p:ext>
+    </p:extLst>
+  </p:cSld>
+  <p:clrMapOvr>
+    <a:masterClrMapping/>
+  </p:clrMapOvr>
+</p:notes>
+</file>
+
+<file path=ppt/notesSlides/notesSlide16.xml><?xml version="1.0" encoding="utf-8"?>
+<p:notes xmlns:a="http://schemas.openxmlformats.org/drawingml/2006/main" xmlns:r="http://schemas.openxmlformats.org/officeDocument/2006/relationships" xmlns:p="http://schemas.openxmlformats.org/presentationml/2006/main">
+  <p:cSld>
+    <p:spTree>
+      <p:nvGrpSpPr>
+        <p:cNvPr id="1" name=""/>
+        <p:cNvGrpSpPr/>
+        <p:nvPr/>
+      </p:nvGrpSpPr>
+      <p:grpSpPr>
+        <a:xfrm>
+          <a:off x="0" y="0"/>
+          <a:ext cx="0" cy="0"/>
+          <a:chOff x="0" y="0"/>
+          <a:chExt cx="0" cy="0"/>
+        </a:xfrm>
+      </p:grpSpPr>
+      <p:sp>
+        <p:nvSpPr>
+          <p:cNvPr id="2" name="幻灯片图像占位符 1"/>
+          <p:cNvSpPr>
+            <a:spLocks noGrp="1" noRot="1" noChangeAspect="1"/>
+          </p:cNvSpPr>
+          <p:nvPr>
+            <p:ph type="sldImg"/>
+          </p:nvPr>
+        </p:nvSpPr>
+        <p:spPr/>
+      </p:sp>
+      <p:sp>
+        <p:nvSpPr>
+          <p:cNvPr id="3" name="备注占位符 2"/>
+          <p:cNvSpPr>
+            <a:spLocks noGrp="1"/>
+          </p:cNvSpPr>
+          <p:nvPr>
+            <p:ph type="body" idx="1"/>
+          </p:nvPr>
+        </p:nvSpPr>
+        <p:spPr/>
+        <p:txBody>
+          <a:bodyPr/>
+          <a:lstStyle/>
+          <a:p>
+            <a:endParaRPr lang="zh-CN" altLang="en-US" dirty="0"/>
+          </a:p>
+        </p:txBody>
+      </p:sp>
+      <p:sp>
+        <p:nvSpPr>
+          <p:cNvPr id="4" name="灯片编号占位符 3"/>
+          <p:cNvSpPr>
+            <a:spLocks noGrp="1"/>
+          </p:cNvSpPr>
+          <p:nvPr>
+            <p:ph type="sldNum" sz="quarter" idx="5"/>
+          </p:nvPr>
+        </p:nvSpPr>
+        <p:spPr/>
+        <p:txBody>
+          <a:bodyPr/>
+          <a:lstStyle/>
+          <a:p>
+            <a:fld id="{6EDC296E-2C0A-4FFE-AF18-6ACF9EA98876}" type="slidenum">
+              <a:rPr lang="zh-CN" altLang="en-US" smtClean="0"/>
+              <a:t>16</a:t>
+            </a:fld>
+            <a:endParaRPr lang="zh-CN" altLang="en-US"/>
+          </a:p>
+        </p:txBody>
+      </p:sp>
+    </p:spTree>
+    <p:extLst>
+      <p:ext uri="{BB962C8B-B14F-4D97-AF65-F5344CB8AC3E}">
+        <p14:creationId xmlns:p14="http://schemas.microsoft.com/office/powerpoint/2010/main" val="2964405578"/>
+      </p:ext>
+    </p:extLst>
+  </p:cSld>
+  <p:clrMapOvr>
+    <a:masterClrMapping/>
+  </p:clrMapOvr>
+</p:notes>
+</file>
+
+<file path=ppt/notesSlides/notesSlide17.xml><?xml version="1.0" encoding="utf-8"?>
+<p:notes xmlns:a="http://schemas.openxmlformats.org/drawingml/2006/main" xmlns:r="http://schemas.openxmlformats.org/officeDocument/2006/relationships" xmlns:p="http://schemas.openxmlformats.org/presentationml/2006/main">
+  <p:cSld>
+    <p:spTree>
+      <p:nvGrpSpPr>
+        <p:cNvPr id="1" name=""/>
+        <p:cNvGrpSpPr/>
+        <p:nvPr/>
+      </p:nvGrpSpPr>
+      <p:grpSpPr>
+        <a:xfrm>
+          <a:off x="0" y="0"/>
+          <a:ext cx="0" cy="0"/>
+          <a:chOff x="0" y="0"/>
+          <a:chExt cx="0" cy="0"/>
+        </a:xfrm>
+      </p:grpSpPr>
+      <p:sp>
+        <p:nvSpPr>
+          <p:cNvPr id="2" name="幻灯片图像占位符 1"/>
+          <p:cNvSpPr>
+            <a:spLocks noGrp="1" noRot="1" noChangeAspect="1"/>
+          </p:cNvSpPr>
+          <p:nvPr>
+            <p:ph type="sldImg"/>
+          </p:nvPr>
+        </p:nvSpPr>
+        <p:spPr/>
+      </p:sp>
+      <p:sp>
+        <p:nvSpPr>
+          <p:cNvPr id="3" name="备注占位符 2"/>
+          <p:cNvSpPr>
+            <a:spLocks noGrp="1"/>
+          </p:cNvSpPr>
+          <p:nvPr>
+            <p:ph type="body" idx="1"/>
+          </p:nvPr>
+        </p:nvSpPr>
+        <p:spPr/>
+        <p:txBody>
+          <a:bodyPr/>
+          <a:lstStyle/>
+          <a:p>
+            <a:endParaRPr lang="zh-CN" altLang="en-US" dirty="0"/>
+          </a:p>
+        </p:txBody>
+      </p:sp>
+      <p:sp>
+        <p:nvSpPr>
+          <p:cNvPr id="4" name="灯片编号占位符 3"/>
+          <p:cNvSpPr>
+            <a:spLocks noGrp="1"/>
+          </p:cNvSpPr>
+          <p:nvPr>
+            <p:ph type="sldNum" sz="quarter" idx="5"/>
+          </p:nvPr>
+        </p:nvSpPr>
+        <p:spPr/>
+        <p:txBody>
+          <a:bodyPr/>
+          <a:lstStyle/>
+          <a:p>
+            <a:fld id="{6EDC296E-2C0A-4FFE-AF18-6ACF9EA98876}" type="slidenum">
+              <a:rPr lang="zh-CN" altLang="en-US" smtClean="0"/>
+              <a:t>17</a:t>
             </a:fld>
             <a:endParaRPr lang="zh-CN" altLang="en-US"/>
           </a:p>
@@ -4441,143 +4951,6 @@
           </a:p>
         </p:txBody>
       </p:sp>
-      <p:sp>
-        <p:nvSpPr>
-          <p:cNvPr id="5" name="文本框 4"/>
-          <p:cNvSpPr txBox="1"/>
-          <p:nvPr/>
-        </p:nvSpPr>
-        <p:spPr>
-          <a:xfrm>
-            <a:off x="2998850" y="5421373"/>
-            <a:ext cx="6194300" cy="1200329"/>
-          </a:xfrm>
-          <a:prstGeom prst="rect">
-            <a:avLst/>
-          </a:prstGeom>
-          <a:noFill/>
-        </p:spPr>
-        <p:txBody>
-          <a:bodyPr wrap="square" rtlCol="0">
-            <a:spAutoFit/>
-          </a:bodyPr>
-          <a:lstStyle/>
-          <a:p>
-            <a:pPr algn="ctr"/>
-            <a:r>
-              <a:rPr lang="zh-CN" altLang="en-US" b="1" dirty="0">
-                <a:latin typeface="华文中宋" panose="02010600040101010101" pitchFamily="2" charset="-122"/>
-                <a:ea typeface="华文中宋" panose="02010600040101010101" pitchFamily="2" charset="-122"/>
-              </a:rPr>
-              <a:t>刘修铭   </a:t>
-            </a:r>
-            <a:r>
-              <a:rPr lang="en-US" altLang="zh-CN" b="1" dirty="0">
-                <a:latin typeface="华文中宋" panose="02010600040101010101" pitchFamily="2" charset="-122"/>
-                <a:ea typeface="华文中宋" panose="02010600040101010101" pitchFamily="2" charset="-122"/>
-              </a:rPr>
-              <a:t>2112492   </a:t>
-            </a:r>
-            <a:r>
-              <a:rPr lang="zh-CN" altLang="en-US" b="1" dirty="0">
-                <a:latin typeface="华文中宋" panose="02010600040101010101" pitchFamily="2" charset="-122"/>
-                <a:ea typeface="华文中宋" panose="02010600040101010101" pitchFamily="2" charset="-122"/>
-              </a:rPr>
-              <a:t>信息安全专业</a:t>
-            </a:r>
-          </a:p>
-          <a:p>
-            <a:pPr algn="ctr"/>
-            <a:r>
-              <a:rPr lang="zh-CN" altLang="en-US" b="1" dirty="0">
-                <a:latin typeface="华文中宋" panose="02010600040101010101" pitchFamily="2" charset="-122"/>
-                <a:ea typeface="华文中宋" panose="02010600040101010101" pitchFamily="2" charset="-122"/>
-                <a:sym typeface="+mn-ea"/>
-              </a:rPr>
-              <a:t>周钰宸   </a:t>
-            </a:r>
-            <a:r>
-              <a:rPr lang="en-US" altLang="zh-CN" b="1" dirty="0">
-                <a:latin typeface="华文中宋" panose="02010600040101010101" pitchFamily="2" charset="-122"/>
-                <a:ea typeface="华文中宋" panose="02010600040101010101" pitchFamily="2" charset="-122"/>
-                <a:sym typeface="+mn-ea"/>
-              </a:rPr>
-              <a:t>2111408   </a:t>
-            </a:r>
-            <a:r>
-              <a:rPr lang="zh-CN" altLang="en-US" b="1" dirty="0">
-                <a:latin typeface="华文中宋" panose="02010600040101010101" pitchFamily="2" charset="-122"/>
-                <a:ea typeface="华文中宋" panose="02010600040101010101" pitchFamily="2" charset="-122"/>
-                <a:sym typeface="+mn-ea"/>
-              </a:rPr>
-              <a:t>信息安全专业</a:t>
-            </a:r>
-            <a:endParaRPr lang="zh-CN" altLang="en-US" b="1" dirty="0">
-              <a:latin typeface="华文中宋" panose="02010600040101010101" pitchFamily="2" charset="-122"/>
-              <a:ea typeface="华文中宋" panose="02010600040101010101" pitchFamily="2" charset="-122"/>
-            </a:endParaRPr>
-          </a:p>
-          <a:p>
-            <a:pPr algn="ctr"/>
-            <a:r>
-              <a:rPr lang="zh-CN" altLang="en-US" b="1" dirty="0">
-                <a:latin typeface="华文中宋" panose="02010600040101010101" pitchFamily="2" charset="-122"/>
-                <a:ea typeface="华文中宋" panose="02010600040101010101" pitchFamily="2" charset="-122"/>
-              </a:rPr>
-              <a:t>齐明杰   </a:t>
-            </a:r>
-            <a:r>
-              <a:rPr lang="en-US" altLang="zh-CN" b="1" dirty="0">
-                <a:latin typeface="华文中宋" panose="02010600040101010101" pitchFamily="2" charset="-122"/>
-                <a:ea typeface="华文中宋" panose="02010600040101010101" pitchFamily="2" charset="-122"/>
-              </a:rPr>
-              <a:t>2113997   </a:t>
-            </a:r>
-            <a:r>
-              <a:rPr lang="zh-CN" altLang="en-US" b="1" dirty="0">
-                <a:latin typeface="华文中宋" panose="02010600040101010101" pitchFamily="2" charset="-122"/>
-                <a:ea typeface="华文中宋" panose="02010600040101010101" pitchFamily="2" charset="-122"/>
-              </a:rPr>
-              <a:t>信息安全专业</a:t>
-            </a:r>
-            <a:endParaRPr lang="en-US" altLang="zh-CN" b="1" dirty="0">
-              <a:latin typeface="华文中宋" panose="02010600040101010101" pitchFamily="2" charset="-122"/>
-              <a:ea typeface="华文中宋" panose="02010600040101010101" pitchFamily="2" charset="-122"/>
-            </a:endParaRPr>
-          </a:p>
-          <a:p>
-            <a:pPr algn="ctr"/>
-            <a:r>
-              <a:rPr lang="zh-CN" altLang="en-US" b="1" dirty="0">
-                <a:latin typeface="华文中宋" panose="02010600040101010101" pitchFamily="2" charset="-122"/>
-                <a:ea typeface="华文中宋" panose="02010600040101010101" pitchFamily="2" charset="-122"/>
-                <a:sym typeface="+mn-ea"/>
-              </a:rPr>
-              <a:t>纪潇洋   </a:t>
-            </a:r>
-            <a:r>
-              <a:rPr lang="en-US" altLang="zh-CN" b="1" dirty="0">
-                <a:latin typeface="华文中宋" panose="02010600040101010101" pitchFamily="2" charset="-122"/>
-                <a:ea typeface="华文中宋" panose="02010600040101010101" pitchFamily="2" charset="-122"/>
-                <a:sym typeface="+mn-ea"/>
-              </a:rPr>
-              <a:t>2110611  </a:t>
-            </a:r>
-            <a:r>
-              <a:rPr lang="zh-CN" altLang="en-US" b="1" dirty="0">
-                <a:latin typeface="华文中宋" panose="02010600040101010101" pitchFamily="2" charset="-122"/>
-                <a:ea typeface="华文中宋" panose="02010600040101010101" pitchFamily="2" charset="-122"/>
-                <a:sym typeface="+mn-ea"/>
-              </a:rPr>
-              <a:t> 密码科学与技术专业</a:t>
-            </a:r>
-            <a:endParaRPr lang="zh-CN" altLang="en-US" b="1" dirty="0">
-              <a:latin typeface="华文中宋" panose="02010600040101010101" pitchFamily="2" charset="-122"/>
-              <a:ea typeface="华文中宋" panose="02010600040101010101" pitchFamily="2" charset="-122"/>
-            </a:endParaRPr>
-          </a:p>
-        </p:txBody>
-      </p:sp>
       <p:pic>
         <p:nvPicPr>
           <p:cNvPr id="7" name="图形 6"/>
@@ -4768,6 +5141,582 @@
           </a:p>
         </p:txBody>
       </p:sp>
+      <p:graphicFrame>
+        <p:nvGraphicFramePr>
+          <p:cNvPr id="3" name="表格 2">
+            <a:extLst>
+              <a:ext uri="{FF2B5EF4-FFF2-40B4-BE49-F238E27FC236}">
+                <a16:creationId xmlns:a16="http://schemas.microsoft.com/office/drawing/2014/main" id="{0D3D121E-6E42-D000-AAE5-A208C0BCF7A3}"/>
+              </a:ext>
+            </a:extLst>
+          </p:cNvPr>
+          <p:cNvGraphicFramePr>
+            <a:graphicFrameLocks noGrp="1"/>
+          </p:cNvGraphicFramePr>
+          <p:nvPr>
+            <p:extLst>
+              <p:ext uri="{D42A27DB-BD31-4B8C-83A1-F6EECF244321}">
+                <p14:modId xmlns:p14="http://schemas.microsoft.com/office/powerpoint/2010/main" val="1022292635"/>
+              </p:ext>
+            </p:extLst>
+          </p:nvPr>
+        </p:nvGraphicFramePr>
+        <p:xfrm>
+          <a:off x="3929698" y="5028902"/>
+          <a:ext cx="4332603" cy="1124696"/>
+        </p:xfrm>
+        <a:graphic>
+          <a:graphicData uri="http://schemas.openxmlformats.org/drawingml/2006/table">
+            <a:tbl>
+              <a:tblPr firstRow="1" bandRow="1">
+                <a:tableStyleId>{5C22544A-7EE6-4342-B048-85BDC9FD1C3A}</a:tableStyleId>
+              </a:tblPr>
+              <a:tblGrid>
+                <a:gridCol w="1013532">
+                  <a:extLst>
+                    <a:ext uri="{9D8B030D-6E8A-4147-A177-3AD203B41FA5}">
+                      <a16:colId xmlns:a16="http://schemas.microsoft.com/office/drawing/2014/main" val="577754717"/>
+                    </a:ext>
+                  </a:extLst>
+                </a:gridCol>
+                <a:gridCol w="720250">
+                  <a:extLst>
+                    <a:ext uri="{9D8B030D-6E8A-4147-A177-3AD203B41FA5}">
+                      <a16:colId xmlns:a16="http://schemas.microsoft.com/office/drawing/2014/main" val="1208414747"/>
+                    </a:ext>
+                  </a:extLst>
+                </a:gridCol>
+                <a:gridCol w="2598821">
+                  <a:extLst>
+                    <a:ext uri="{9D8B030D-6E8A-4147-A177-3AD203B41FA5}">
+                      <a16:colId xmlns:a16="http://schemas.microsoft.com/office/drawing/2014/main" val="2887465251"/>
+                    </a:ext>
+                  </a:extLst>
+                </a:gridCol>
+              </a:tblGrid>
+              <a:tr h="281174">
+                <a:tc>
+                  <a:txBody>
+                    <a:bodyPr/>
+                    <a:lstStyle/>
+                    <a:p>
+                      <a:pPr marL="0" algn="ctr" defTabSz="914400" rtl="0" eaLnBrk="1" latinLnBrk="0" hangingPunct="1"/>
+                      <a:r>
+                        <a:rPr lang="en-US" altLang="zh-CN" sz="1200" b="0" kern="1200" dirty="0">
+                          <a:solidFill>
+                            <a:schemeClr val="dk1"/>
+                          </a:solidFill>
+                          <a:latin typeface="Times New Roman" panose="02020603050405020304" pitchFamily="18" charset="0"/>
+                          <a:ea typeface="华文中宋" panose="02010600040101010101" pitchFamily="2" charset="-122"/>
+                          <a:cs typeface="Times New Roman" panose="02020603050405020304" pitchFamily="18" charset="0"/>
+                        </a:rPr>
+                        <a:t>Xiuming</a:t>
+                      </a:r>
+                      <a:r>
+                        <a:rPr lang="zh-CN" altLang="en-US" sz="1200" b="0" kern="1200" dirty="0">
+                          <a:solidFill>
+                            <a:schemeClr val="dk1"/>
+                          </a:solidFill>
+                          <a:latin typeface="Times New Roman" panose="02020603050405020304" pitchFamily="18" charset="0"/>
+                          <a:ea typeface="华文中宋" panose="02010600040101010101" pitchFamily="2" charset="-122"/>
+                          <a:cs typeface="Times New Roman" panose="02020603050405020304" pitchFamily="18" charset="0"/>
+                        </a:rPr>
+                        <a:t> </a:t>
+                      </a:r>
+                      <a:r>
+                        <a:rPr lang="en-US" altLang="zh-CN" sz="1200" b="0" kern="1200" dirty="0">
+                          <a:solidFill>
+                            <a:schemeClr val="dk1"/>
+                          </a:solidFill>
+                          <a:latin typeface="Times New Roman" panose="02020603050405020304" pitchFamily="18" charset="0"/>
+                          <a:ea typeface="华文中宋" panose="02010600040101010101" pitchFamily="2" charset="-122"/>
+                          <a:cs typeface="Times New Roman" panose="02020603050405020304" pitchFamily="18" charset="0"/>
+                        </a:rPr>
+                        <a:t>Liu</a:t>
+                      </a:r>
+                      <a:endParaRPr lang="zh-CN" altLang="en-US" sz="1200" b="0" kern="1200" dirty="0">
+                        <a:solidFill>
+                          <a:schemeClr val="dk1"/>
+                        </a:solidFill>
+                        <a:latin typeface="Times New Roman" panose="02020603050405020304" pitchFamily="18" charset="0"/>
+                        <a:ea typeface="华文中宋" panose="02010600040101010101" pitchFamily="2" charset="-122"/>
+                        <a:cs typeface="Times New Roman" panose="02020603050405020304" pitchFamily="18" charset="0"/>
+                      </a:endParaRPr>
+                    </a:p>
+                  </a:txBody>
+                  <a:tcPr anchor="ctr">
+                    <a:noFill/>
+                  </a:tcPr>
+                </a:tc>
+                <a:tc>
+                  <a:txBody>
+                    <a:bodyPr/>
+                    <a:lstStyle/>
+                    <a:p>
+                      <a:pPr marL="0" algn="ctr" defTabSz="914400" rtl="0" eaLnBrk="1" latinLnBrk="0" hangingPunct="1"/>
+                      <a:r>
+                        <a:rPr lang="en-US" altLang="zh-CN" sz="1200" b="0" kern="1200" dirty="0">
+                          <a:solidFill>
+                            <a:schemeClr val="dk1"/>
+                          </a:solidFill>
+                          <a:latin typeface="Times New Roman" panose="02020603050405020304" pitchFamily="18" charset="0"/>
+                          <a:ea typeface="华文中宋" panose="02010600040101010101" pitchFamily="2" charset="-122"/>
+                          <a:cs typeface="Times New Roman" panose="02020603050405020304" pitchFamily="18" charset="0"/>
+                        </a:rPr>
+                        <a:t>2112492</a:t>
+                      </a:r>
+                      <a:endParaRPr lang="zh-CN" altLang="en-US" sz="1200" b="0" kern="1200" dirty="0">
+                        <a:solidFill>
+                          <a:schemeClr val="dk1"/>
+                        </a:solidFill>
+                        <a:latin typeface="Times New Roman" panose="02020603050405020304" pitchFamily="18" charset="0"/>
+                        <a:ea typeface="华文中宋" panose="02010600040101010101" pitchFamily="2" charset="-122"/>
+                        <a:cs typeface="Times New Roman" panose="02020603050405020304" pitchFamily="18" charset="0"/>
+                      </a:endParaRPr>
+                    </a:p>
+                  </a:txBody>
+                  <a:tcPr anchor="ctr">
+                    <a:noFill/>
+                  </a:tcPr>
+                </a:tc>
+                <a:tc>
+                  <a:txBody>
+                    <a:bodyPr/>
+                    <a:lstStyle/>
+                    <a:p>
+                      <a:pPr marL="0" algn="ctr" defTabSz="914400" rtl="0" eaLnBrk="1" latinLnBrk="0" hangingPunct="1"/>
+                      <a:r>
+                        <a:rPr lang="en-US" altLang="zh-CN" sz="1200" b="0" kern="1200" dirty="0">
+                          <a:solidFill>
+                            <a:schemeClr val="dk1"/>
+                          </a:solidFill>
+                          <a:latin typeface="Times New Roman" panose="02020603050405020304" pitchFamily="18" charset="0"/>
+                          <a:ea typeface="华文中宋" panose="02010600040101010101" pitchFamily="2" charset="-122"/>
+                          <a:cs typeface="Times New Roman" panose="02020603050405020304" pitchFamily="18" charset="0"/>
+                        </a:rPr>
+                        <a:t>Information Security</a:t>
+                      </a:r>
+                      <a:endParaRPr lang="zh-CN" altLang="en-US" sz="1200" b="0" kern="1200" dirty="0">
+                        <a:solidFill>
+                          <a:schemeClr val="dk1"/>
+                        </a:solidFill>
+                        <a:latin typeface="Times New Roman" panose="02020603050405020304" pitchFamily="18" charset="0"/>
+                        <a:ea typeface="华文中宋" panose="02010600040101010101" pitchFamily="2" charset="-122"/>
+                        <a:cs typeface="Times New Roman" panose="02020603050405020304" pitchFamily="18" charset="0"/>
+                      </a:endParaRPr>
+                    </a:p>
+                  </a:txBody>
+                  <a:tcPr anchor="ctr">
+                    <a:noFill/>
+                  </a:tcPr>
+                </a:tc>
+                <a:extLst>
+                  <a:ext uri="{0D108BD9-81ED-4DB2-BD59-A6C34878D82A}">
+                    <a16:rowId xmlns:a16="http://schemas.microsoft.com/office/drawing/2014/main" val="3513765569"/>
+                  </a:ext>
+                </a:extLst>
+              </a:tr>
+              <a:tr h="281174">
+                <a:tc>
+                  <a:txBody>
+                    <a:bodyPr/>
+                    <a:lstStyle/>
+                    <a:p>
+                      <a:pPr marL="0" algn="ctr" defTabSz="914400" rtl="0" eaLnBrk="1" latinLnBrk="0" hangingPunct="1"/>
+                      <a:r>
+                        <a:rPr lang="en-US" altLang="zh-CN" sz="1200" b="0" kern="1200" dirty="0">
+                          <a:solidFill>
+                            <a:schemeClr val="dk1"/>
+                          </a:solidFill>
+                          <a:latin typeface="Times New Roman" panose="02020603050405020304" pitchFamily="18" charset="0"/>
+                          <a:ea typeface="华文中宋" panose="02010600040101010101" pitchFamily="2" charset="-122"/>
+                          <a:cs typeface="Times New Roman" panose="02020603050405020304" pitchFamily="18" charset="0"/>
+                          <a:sym typeface="+mn-ea"/>
+                        </a:rPr>
+                        <a:t>Yuchen</a:t>
+                      </a:r>
+                      <a:r>
+                        <a:rPr lang="zh-CN" altLang="en-US" sz="1200" b="0" kern="1200" dirty="0">
+                          <a:solidFill>
+                            <a:schemeClr val="dk1"/>
+                          </a:solidFill>
+                          <a:latin typeface="Times New Roman" panose="02020603050405020304" pitchFamily="18" charset="0"/>
+                          <a:ea typeface="华文中宋" panose="02010600040101010101" pitchFamily="2" charset="-122"/>
+                          <a:cs typeface="Times New Roman" panose="02020603050405020304" pitchFamily="18" charset="0"/>
+                          <a:sym typeface="+mn-ea"/>
+                        </a:rPr>
+                        <a:t> </a:t>
+                      </a:r>
+                      <a:r>
+                        <a:rPr lang="en-US" altLang="zh-CN" sz="1200" b="0" kern="1200" dirty="0">
+                          <a:solidFill>
+                            <a:schemeClr val="dk1"/>
+                          </a:solidFill>
+                          <a:latin typeface="Times New Roman" panose="02020603050405020304" pitchFamily="18" charset="0"/>
+                          <a:ea typeface="华文中宋" panose="02010600040101010101" pitchFamily="2" charset="-122"/>
+                          <a:cs typeface="Times New Roman" panose="02020603050405020304" pitchFamily="18" charset="0"/>
+                          <a:sym typeface="+mn-ea"/>
+                        </a:rPr>
+                        <a:t>Zhou</a:t>
+                      </a:r>
+                      <a:endParaRPr lang="zh-CN" altLang="en-US" sz="1200" b="0" kern="1200" dirty="0">
+                        <a:solidFill>
+                          <a:schemeClr val="dk1"/>
+                        </a:solidFill>
+                        <a:latin typeface="Times New Roman" panose="02020603050405020304" pitchFamily="18" charset="0"/>
+                        <a:ea typeface="华文中宋" panose="02010600040101010101" pitchFamily="2" charset="-122"/>
+                        <a:cs typeface="Times New Roman" panose="02020603050405020304" pitchFamily="18" charset="0"/>
+                      </a:endParaRPr>
+                    </a:p>
+                  </a:txBody>
+                  <a:tcPr anchor="ctr">
+                    <a:noFill/>
+                  </a:tcPr>
+                </a:tc>
+                <a:tc>
+                  <a:txBody>
+                    <a:bodyPr/>
+                    <a:lstStyle/>
+                    <a:p>
+                      <a:pPr marL="0" algn="ctr" defTabSz="914400" rtl="0" eaLnBrk="1" latinLnBrk="0" hangingPunct="1"/>
+                      <a:r>
+                        <a:rPr lang="en-US" altLang="zh-CN" sz="1200" b="0" kern="1200" dirty="0">
+                          <a:solidFill>
+                            <a:schemeClr val="dk1"/>
+                          </a:solidFill>
+                          <a:latin typeface="Times New Roman" panose="02020603050405020304" pitchFamily="18" charset="0"/>
+                          <a:ea typeface="华文中宋" panose="02010600040101010101" pitchFamily="2" charset="-122"/>
+                          <a:cs typeface="Times New Roman" panose="02020603050405020304" pitchFamily="18" charset="0"/>
+                        </a:rPr>
+                        <a:t>2111408</a:t>
+                      </a:r>
+                      <a:endParaRPr lang="zh-CN" altLang="en-US" sz="1200" b="0" kern="1200" dirty="0">
+                        <a:solidFill>
+                          <a:schemeClr val="dk1"/>
+                        </a:solidFill>
+                        <a:latin typeface="Times New Roman" panose="02020603050405020304" pitchFamily="18" charset="0"/>
+                        <a:ea typeface="华文中宋" panose="02010600040101010101" pitchFamily="2" charset="-122"/>
+                        <a:cs typeface="Times New Roman" panose="02020603050405020304" pitchFamily="18" charset="0"/>
+                      </a:endParaRPr>
+                    </a:p>
+                  </a:txBody>
+                  <a:tcPr anchor="ctr">
+                    <a:noFill/>
+                  </a:tcPr>
+                </a:tc>
+                <a:tc>
+                  <a:txBody>
+                    <a:bodyPr/>
+                    <a:lstStyle/>
+                    <a:p>
+                      <a:pPr marL="0" algn="ctr" defTabSz="914400" rtl="0" eaLnBrk="1" latinLnBrk="0" hangingPunct="1"/>
+                      <a:r>
+                        <a:rPr lang="en-US" altLang="zh-CN" sz="1200" b="0" kern="1200" dirty="0">
+                          <a:solidFill>
+                            <a:schemeClr val="dk1"/>
+                          </a:solidFill>
+                          <a:latin typeface="Times New Roman" panose="02020603050405020304" pitchFamily="18" charset="0"/>
+                          <a:ea typeface="华文中宋" panose="02010600040101010101" pitchFamily="2" charset="-122"/>
+                          <a:cs typeface="Times New Roman" panose="02020603050405020304" pitchFamily="18" charset="0"/>
+                        </a:rPr>
+                        <a:t>Information Security</a:t>
+                      </a:r>
+                      <a:endParaRPr lang="zh-CN" altLang="en-US" sz="1200" b="0" kern="1200" dirty="0">
+                        <a:solidFill>
+                          <a:schemeClr val="dk1"/>
+                        </a:solidFill>
+                        <a:latin typeface="Times New Roman" panose="02020603050405020304" pitchFamily="18" charset="0"/>
+                        <a:ea typeface="华文中宋" panose="02010600040101010101" pitchFamily="2" charset="-122"/>
+                        <a:cs typeface="Times New Roman" panose="02020603050405020304" pitchFamily="18" charset="0"/>
+                      </a:endParaRPr>
+                    </a:p>
+                  </a:txBody>
+                  <a:tcPr anchor="ctr">
+                    <a:noFill/>
+                  </a:tcPr>
+                </a:tc>
+                <a:extLst>
+                  <a:ext uri="{0D108BD9-81ED-4DB2-BD59-A6C34878D82A}">
+                    <a16:rowId xmlns:a16="http://schemas.microsoft.com/office/drawing/2014/main" val="1747075956"/>
+                  </a:ext>
+                </a:extLst>
+              </a:tr>
+              <a:tr h="281174">
+                <a:tc>
+                  <a:txBody>
+                    <a:bodyPr/>
+                    <a:lstStyle/>
+                    <a:p>
+                      <a:pPr marL="0" algn="ctr" defTabSz="914400" rtl="0" eaLnBrk="1" latinLnBrk="0" hangingPunct="1"/>
+                      <a:r>
+                        <a:rPr lang="en-US" altLang="zh-CN" sz="1200" b="0" kern="1200" dirty="0" err="1">
+                          <a:solidFill>
+                            <a:schemeClr val="dk1"/>
+                          </a:solidFill>
+                          <a:latin typeface="Times New Roman" panose="02020603050405020304" pitchFamily="18" charset="0"/>
+                          <a:ea typeface="华文中宋" panose="02010600040101010101" pitchFamily="2" charset="-122"/>
+                          <a:cs typeface="Times New Roman" panose="02020603050405020304" pitchFamily="18" charset="0"/>
+                        </a:rPr>
+                        <a:t>Mingjie</a:t>
+                      </a:r>
+                      <a:r>
+                        <a:rPr lang="en-US" altLang="zh-CN" sz="1200" b="0" kern="1200" dirty="0">
+                          <a:solidFill>
+                            <a:schemeClr val="dk1"/>
+                          </a:solidFill>
+                          <a:latin typeface="Times New Roman" panose="02020603050405020304" pitchFamily="18" charset="0"/>
+                          <a:ea typeface="华文中宋" panose="02010600040101010101" pitchFamily="2" charset="-122"/>
+                          <a:cs typeface="Times New Roman" panose="02020603050405020304" pitchFamily="18" charset="0"/>
+                        </a:rPr>
+                        <a:t> Qi</a:t>
+                      </a:r>
+                      <a:endParaRPr lang="zh-CN" altLang="en-US" sz="1200" b="0" kern="1200" dirty="0">
+                        <a:solidFill>
+                          <a:schemeClr val="dk1"/>
+                        </a:solidFill>
+                        <a:latin typeface="Times New Roman" panose="02020603050405020304" pitchFamily="18" charset="0"/>
+                        <a:ea typeface="华文中宋" panose="02010600040101010101" pitchFamily="2" charset="-122"/>
+                        <a:cs typeface="Times New Roman" panose="02020603050405020304" pitchFamily="18" charset="0"/>
+                      </a:endParaRPr>
+                    </a:p>
+                  </a:txBody>
+                  <a:tcPr anchor="ctr">
+                    <a:noFill/>
+                  </a:tcPr>
+                </a:tc>
+                <a:tc>
+                  <a:txBody>
+                    <a:bodyPr/>
+                    <a:lstStyle/>
+                    <a:p>
+                      <a:pPr marL="0" algn="ctr" defTabSz="914400" rtl="0" eaLnBrk="1" latinLnBrk="0" hangingPunct="1"/>
+                      <a:r>
+                        <a:rPr lang="en-US" altLang="zh-CN" sz="1200" b="0" kern="1200" dirty="0">
+                          <a:solidFill>
+                            <a:schemeClr val="dk1"/>
+                          </a:solidFill>
+                          <a:latin typeface="Times New Roman" panose="02020603050405020304" pitchFamily="18" charset="0"/>
+                          <a:ea typeface="华文中宋" panose="02010600040101010101" pitchFamily="2" charset="-122"/>
+                          <a:cs typeface="Times New Roman" panose="02020603050405020304" pitchFamily="18" charset="0"/>
+                        </a:rPr>
+                        <a:t>2113997</a:t>
+                      </a:r>
+                    </a:p>
+                  </a:txBody>
+                  <a:tcPr anchor="ctr">
+                    <a:noFill/>
+                  </a:tcPr>
+                </a:tc>
+                <a:tc>
+                  <a:txBody>
+                    <a:bodyPr/>
+                    <a:lstStyle/>
+                    <a:p>
+                      <a:pPr marL="0" algn="ctr" defTabSz="914400" rtl="0" eaLnBrk="1" latinLnBrk="0" hangingPunct="1"/>
+                      <a:r>
+                        <a:rPr lang="en-US" altLang="zh-CN" sz="1200" b="0" kern="1200" dirty="0">
+                          <a:solidFill>
+                            <a:schemeClr val="dk1"/>
+                          </a:solidFill>
+                          <a:latin typeface="Times New Roman" panose="02020603050405020304" pitchFamily="18" charset="0"/>
+                          <a:ea typeface="华文中宋" panose="02010600040101010101" pitchFamily="2" charset="-122"/>
+                          <a:cs typeface="Times New Roman" panose="02020603050405020304" pitchFamily="18" charset="0"/>
+                        </a:rPr>
+                        <a:t>Information Security</a:t>
+                      </a:r>
+                      <a:endParaRPr lang="zh-CN" altLang="en-US" sz="1200" b="0" kern="1200" dirty="0">
+                        <a:solidFill>
+                          <a:schemeClr val="dk1"/>
+                        </a:solidFill>
+                        <a:latin typeface="Times New Roman" panose="02020603050405020304" pitchFamily="18" charset="0"/>
+                        <a:ea typeface="华文中宋" panose="02010600040101010101" pitchFamily="2" charset="-122"/>
+                        <a:cs typeface="Times New Roman" panose="02020603050405020304" pitchFamily="18" charset="0"/>
+                      </a:endParaRPr>
+                    </a:p>
+                  </a:txBody>
+                  <a:tcPr anchor="ctr">
+                    <a:noFill/>
+                  </a:tcPr>
+                </a:tc>
+                <a:extLst>
+                  <a:ext uri="{0D108BD9-81ED-4DB2-BD59-A6C34878D82A}">
+                    <a16:rowId xmlns:a16="http://schemas.microsoft.com/office/drawing/2014/main" val="587174579"/>
+                  </a:ext>
+                </a:extLst>
+              </a:tr>
+              <a:tr h="281174">
+                <a:tc>
+                  <a:txBody>
+                    <a:bodyPr/>
+                    <a:lstStyle/>
+                    <a:p>
+                      <a:pPr marL="0" algn="ctr" defTabSz="914400" rtl="0" eaLnBrk="1" latinLnBrk="0" hangingPunct="1"/>
+                      <a:r>
+                        <a:rPr lang="en-US" altLang="zh-CN" sz="1200" b="0" kern="1200" dirty="0" err="1">
+                          <a:solidFill>
+                            <a:schemeClr val="dk1"/>
+                          </a:solidFill>
+                          <a:latin typeface="Times New Roman" panose="02020603050405020304" pitchFamily="18" charset="0"/>
+                          <a:ea typeface="华文中宋" panose="02010600040101010101" pitchFamily="2" charset="-122"/>
+                          <a:cs typeface="Times New Roman" panose="02020603050405020304" pitchFamily="18" charset="0"/>
+                          <a:sym typeface="+mn-ea"/>
+                        </a:rPr>
+                        <a:t>Xiaoyang</a:t>
+                      </a:r>
+                      <a:r>
+                        <a:rPr lang="zh-CN" altLang="en-US" sz="1200" b="0" kern="1200" dirty="0">
+                          <a:solidFill>
+                            <a:schemeClr val="dk1"/>
+                          </a:solidFill>
+                          <a:latin typeface="Times New Roman" panose="02020603050405020304" pitchFamily="18" charset="0"/>
+                          <a:ea typeface="华文中宋" panose="02010600040101010101" pitchFamily="2" charset="-122"/>
+                          <a:cs typeface="Times New Roman" panose="02020603050405020304" pitchFamily="18" charset="0"/>
+                          <a:sym typeface="+mn-ea"/>
+                        </a:rPr>
+                        <a:t> </a:t>
+                      </a:r>
+                      <a:r>
+                        <a:rPr lang="en-US" altLang="zh-CN" sz="1200" b="0" kern="1200" dirty="0">
+                          <a:solidFill>
+                            <a:schemeClr val="dk1"/>
+                          </a:solidFill>
+                          <a:latin typeface="Times New Roman" panose="02020603050405020304" pitchFamily="18" charset="0"/>
+                          <a:ea typeface="华文中宋" panose="02010600040101010101" pitchFamily="2" charset="-122"/>
+                          <a:cs typeface="Times New Roman" panose="02020603050405020304" pitchFamily="18" charset="0"/>
+                          <a:sym typeface="+mn-ea"/>
+                        </a:rPr>
+                        <a:t>Ji</a:t>
+                      </a:r>
+                      <a:endParaRPr lang="zh-CN" altLang="en-US" sz="1200" b="0" kern="1200" dirty="0">
+                        <a:solidFill>
+                          <a:schemeClr val="dk1"/>
+                        </a:solidFill>
+                        <a:latin typeface="Times New Roman" panose="02020603050405020304" pitchFamily="18" charset="0"/>
+                        <a:ea typeface="华文中宋" panose="02010600040101010101" pitchFamily="2" charset="-122"/>
+                        <a:cs typeface="Times New Roman" panose="02020603050405020304" pitchFamily="18" charset="0"/>
+                      </a:endParaRPr>
+                    </a:p>
+                  </a:txBody>
+                  <a:tcPr anchor="ctr">
+                    <a:noFill/>
+                  </a:tcPr>
+                </a:tc>
+                <a:tc>
+                  <a:txBody>
+                    <a:bodyPr/>
+                    <a:lstStyle/>
+                    <a:p>
+                      <a:pPr marL="0" algn="ctr" defTabSz="914400" rtl="0" eaLnBrk="1" latinLnBrk="0" hangingPunct="1"/>
+                      <a:r>
+                        <a:rPr lang="en-US" altLang="zh-CN" sz="1200" b="0" kern="1200" dirty="0">
+                          <a:solidFill>
+                            <a:schemeClr val="dk1"/>
+                          </a:solidFill>
+                          <a:latin typeface="Times New Roman" panose="02020603050405020304" pitchFamily="18" charset="0"/>
+                          <a:ea typeface="华文中宋" panose="02010600040101010101" pitchFamily="2" charset="-122"/>
+                          <a:cs typeface="Times New Roman" panose="02020603050405020304" pitchFamily="18" charset="0"/>
+                        </a:rPr>
+                        <a:t>2110611</a:t>
+                      </a:r>
+                      <a:endParaRPr lang="zh-CN" altLang="en-US" sz="1200" b="0" kern="1200" dirty="0">
+                        <a:solidFill>
+                          <a:schemeClr val="dk1"/>
+                        </a:solidFill>
+                        <a:latin typeface="Times New Roman" panose="02020603050405020304" pitchFamily="18" charset="0"/>
+                        <a:ea typeface="华文中宋" panose="02010600040101010101" pitchFamily="2" charset="-122"/>
+                        <a:cs typeface="Times New Roman" panose="02020603050405020304" pitchFamily="18" charset="0"/>
+                      </a:endParaRPr>
+                    </a:p>
+                  </a:txBody>
+                  <a:tcPr anchor="ctr">
+                    <a:noFill/>
+                  </a:tcPr>
+                </a:tc>
+                <a:tc>
+                  <a:txBody>
+                    <a:bodyPr/>
+                    <a:lstStyle/>
+                    <a:p>
+                      <a:pPr marL="0" algn="ctr" defTabSz="914400" rtl="0" eaLnBrk="1" latinLnBrk="0" hangingPunct="1"/>
+                      <a:r>
+                        <a:rPr lang="en-US" altLang="zh-CN" sz="1200" b="0" kern="1200" dirty="0">
+                          <a:solidFill>
+                            <a:schemeClr val="dk1"/>
+                          </a:solidFill>
+                          <a:latin typeface="Times New Roman" panose="02020603050405020304" pitchFamily="18" charset="0"/>
+                          <a:ea typeface="华文中宋" panose="02010600040101010101" pitchFamily="2" charset="-122"/>
+                          <a:cs typeface="Times New Roman" panose="02020603050405020304" pitchFamily="18" charset="0"/>
+                          <a:sym typeface="+mn-ea"/>
+                        </a:rPr>
+                        <a:t>Cryptographic Science and Technology</a:t>
+                      </a:r>
+                      <a:endParaRPr lang="zh-CN" altLang="en-US" sz="1200" b="0" kern="1200" dirty="0">
+                        <a:solidFill>
+                          <a:schemeClr val="dk1"/>
+                        </a:solidFill>
+                        <a:latin typeface="Times New Roman" panose="02020603050405020304" pitchFamily="18" charset="0"/>
+                        <a:ea typeface="华文中宋" panose="02010600040101010101" pitchFamily="2" charset="-122"/>
+                        <a:cs typeface="Times New Roman" panose="02020603050405020304" pitchFamily="18" charset="0"/>
+                      </a:endParaRPr>
+                    </a:p>
+                  </a:txBody>
+                  <a:tcPr anchor="ctr">
+                    <a:noFill/>
+                  </a:tcPr>
+                </a:tc>
+                <a:extLst>
+                  <a:ext uri="{0D108BD9-81ED-4DB2-BD59-A6C34878D82A}">
+                    <a16:rowId xmlns:a16="http://schemas.microsoft.com/office/drawing/2014/main" val="3851097379"/>
+                  </a:ext>
+                </a:extLst>
+              </a:tr>
+            </a:tbl>
+          </a:graphicData>
+        </a:graphic>
+      </p:graphicFrame>
+      <p:sp>
+        <p:nvSpPr>
+          <p:cNvPr id="8" name="文本框 7">
+            <a:extLst>
+              <a:ext uri="{FF2B5EF4-FFF2-40B4-BE49-F238E27FC236}">
+                <a16:creationId xmlns:a16="http://schemas.microsoft.com/office/drawing/2014/main" id="{2F2CDA2C-10A9-79E1-2017-84ECA2C6BA7A}"/>
+              </a:ext>
+            </a:extLst>
+          </p:cNvPr>
+          <p:cNvSpPr txBox="1"/>
+          <p:nvPr/>
+        </p:nvSpPr>
+        <p:spPr>
+          <a:xfrm>
+            <a:off x="5361025" y="6153598"/>
+            <a:ext cx="1469952" cy="575517"/>
+          </a:xfrm>
+          <a:prstGeom prst="rect">
+            <a:avLst/>
+          </a:prstGeom>
+          <a:noFill/>
+        </p:spPr>
+        <p:txBody>
+          <a:bodyPr wrap="square" rtlCol="0">
+            <a:noAutofit/>
+          </a:bodyPr>
+          <a:lstStyle/>
+          <a:p>
+            <a:pPr algn="ctr">
+              <a:lnSpc>
+                <a:spcPct val="150000"/>
+              </a:lnSpc>
+            </a:pPr>
+            <a:r>
+              <a:rPr lang="en-US" altLang="zh-CN" sz="2000" dirty="0">
+                <a:latin typeface="华文中宋" panose="02010600040101010101" pitchFamily="2" charset="-122"/>
+                <a:ea typeface="华文中宋" panose="02010600040101010101" pitchFamily="2" charset="-122"/>
+              </a:rPr>
+              <a:t>2024.5</a:t>
+            </a:r>
+          </a:p>
+        </p:txBody>
+      </p:sp>
     </p:spTree>
   </p:cSld>
   <p:clrMapOvr>
@@ -4810,7 +5759,7 @@
           <a:p>
             <a:r>
               <a:rPr lang="en-US" altLang="zh-CN" dirty="0"/>
-              <a:t>Contributions</a:t>
+              <a:t>Methodology</a:t>
             </a:r>
             <a:endParaRPr lang="zh-CN" altLang="en-US" dirty="0"/>
           </a:p>
@@ -4825,7 +5774,7 @@
         <p:spPr>
           <a:xfrm>
             <a:off x="399191" y="971400"/>
-            <a:ext cx="11208310" cy="5255895"/>
+            <a:ext cx="10891956" cy="4724973"/>
           </a:xfrm>
           <a:prstGeom prst="rect">
             <a:avLst/>
@@ -4853,7 +5802,7 @@
                 <a:latin typeface="华文中宋" panose="02010600040101010101" pitchFamily="2" charset="-122"/>
                 <a:ea typeface="华文中宋" panose="02010600040101010101" pitchFamily="2" charset="-122"/>
               </a:rPr>
-              <a:t>DEPN</a:t>
+              <a:t>Privacy Neuron Detector</a:t>
             </a:r>
           </a:p>
           <a:p>
@@ -4869,35 +5818,7 @@
                 <a:latin typeface="华文中宋" panose="02010600040101010101" pitchFamily="2" charset="-122"/>
                 <a:ea typeface="华文中宋" panose="02010600040101010101" pitchFamily="2" charset="-122"/>
               </a:rPr>
-              <a:t>Explore model editing into privacy protection of pretrained language models, propose DEPN to</a:t>
-            </a:r>
-            <a:r>
-              <a:rPr lang="zh-CN" altLang="en-US" sz="2000" dirty="0">
-                <a:latin typeface="华文中宋" panose="02010600040101010101" pitchFamily="2" charset="-122"/>
-                <a:ea typeface="华文中宋" panose="02010600040101010101" pitchFamily="2" charset="-122"/>
-              </a:rPr>
-              <a:t> </a:t>
-            </a:r>
-            <a:r>
-              <a:rPr lang="en-US" altLang="zh-CN" sz="2000" dirty="0">
-                <a:latin typeface="华文中宋" panose="02010600040101010101" pitchFamily="2" charset="-122"/>
-                <a:ea typeface="华文中宋" panose="02010600040101010101" pitchFamily="2" charset="-122"/>
-              </a:rPr>
-              <a:t>eliminate model </a:t>
-            </a:r>
-            <a:r>
-              <a:rPr lang="en-US" altLang="zh-CN" sz="2000" dirty="0" err="1">
-                <a:latin typeface="华文中宋" panose="02010600040101010101" pitchFamily="2" charset="-122"/>
-                <a:ea typeface="华文中宋" panose="02010600040101010101" pitchFamily="2" charset="-122"/>
-              </a:rPr>
-              <a:t>memorizatio</a:t>
-            </a:r>
-            <a:r>
-              <a:rPr lang="en-US" altLang="zh-CN" sz="2000" dirty="0">
-                <a:latin typeface="华文中宋" panose="02010600040101010101" pitchFamily="2" charset="-122"/>
-                <a:ea typeface="华文中宋" panose="02010600040101010101" pitchFamily="2" charset="-122"/>
-              </a:rPr>
-              <a:t>. </a:t>
+              <a:t>speculate that private information might be encoded in specific neurons</a:t>
             </a:r>
           </a:p>
           <a:p>
@@ -4913,22 +5834,35 @@
                 <a:latin typeface="华文中宋" panose="02010600040101010101" pitchFamily="2" charset="-122"/>
                 <a:ea typeface="华文中宋" panose="02010600040101010101" pitchFamily="2" charset="-122"/>
               </a:rPr>
-              <a:t>Propose the privacy neuron detector to localize privacy neurons based on gradient attribution, and the privacy neuron editor to </a:t>
-            </a:r>
-            <a:r>
-              <a:rPr lang="en-US" altLang="zh-CN" sz="2000" dirty="0" err="1">
-                <a:latin typeface="华文中宋" panose="02010600040101010101" pitchFamily="2" charset="-122"/>
-                <a:ea typeface="华文中宋" panose="02010600040101010101" pitchFamily="2" charset="-122"/>
-              </a:rPr>
-              <a:t>dememorize</a:t>
-            </a:r>
+              <a:t>propose a privacy attribution method based on gradient integration</a:t>
+            </a:r>
+          </a:p>
+          <a:p>
+            <a:pPr marL="1371600" lvl="2" indent="-457200">
+              <a:lnSpc>
+                <a:spcPct val="150000"/>
+              </a:lnSpc>
+              <a:buFont typeface="Arial" panose="020B0604020202020204" pitchFamily="34" charset="0"/>
+              <a:buChar char="•"/>
+            </a:pPr>
             <a:r>
               <a:rPr lang="en-US" altLang="zh-CN" sz="2000" dirty="0">
                 <a:latin typeface="华文中宋" panose="02010600040101010101" pitchFamily="2" charset="-122"/>
                 <a:ea typeface="华文中宋" panose="02010600040101010101" pitchFamily="2" charset="-122"/>
               </a:rPr>
-              <a:t> privacy information. </a:t>
-            </a:r>
+              <a:t>the probability of the model outputting private information</a:t>
+            </a:r>
+            <a:r>
+              <a:rPr lang="zh-CN" altLang="en-US" sz="2000" dirty="0">
+                <a:latin typeface="华文中宋" panose="02010600040101010101" pitchFamily="2" charset="-122"/>
+                <a:ea typeface="华文中宋" panose="02010600040101010101" pitchFamily="2" charset="-122"/>
+              </a:rPr>
+              <a:t>：</a:t>
+            </a:r>
+            <a:endParaRPr lang="en-US" altLang="zh-CN" sz="2000" dirty="0">
+              <a:latin typeface="华文中宋" panose="02010600040101010101" pitchFamily="2" charset="-122"/>
+              <a:ea typeface="华文中宋" panose="02010600040101010101" pitchFamily="2" charset="-122"/>
+            </a:endParaRPr>
           </a:p>
           <a:p>
             <a:pPr marL="914400" lvl="1" indent="-457200">
@@ -4938,24 +5872,241 @@
               <a:buFont typeface="Arial" panose="020B0604020202020204" pitchFamily="34" charset="0"/>
               <a:buChar char="•"/>
             </a:pPr>
-            <a:r>
-              <a:rPr lang="en-US" altLang="zh-CN" sz="2000" dirty="0">
-                <a:latin typeface="华文中宋" panose="02010600040101010101" pitchFamily="2" charset="-122"/>
-                <a:ea typeface="华文中宋" panose="02010600040101010101" pitchFamily="2" charset="-122"/>
-              </a:rPr>
-              <a:t>Experiments</a:t>
-            </a:r>
-            <a:endParaRPr lang="en-US" altLang="zh-CN" dirty="0">
+            <a:endParaRPr lang="en-US" altLang="zh-CN" sz="2000" dirty="0">
               <a:latin typeface="华文中宋" panose="02010600040101010101" pitchFamily="2" charset="-122"/>
               <a:ea typeface="华文中宋" panose="02010600040101010101" pitchFamily="2" charset="-122"/>
             </a:endParaRPr>
           </a:p>
+          <a:p>
+            <a:pPr marL="914400" lvl="1" indent="-457200">
+              <a:lnSpc>
+                <a:spcPct val="150000"/>
+              </a:lnSpc>
+              <a:buFont typeface="Arial" panose="020B0604020202020204" pitchFamily="34" charset="0"/>
+              <a:buChar char="•"/>
+            </a:pPr>
+            <a:endParaRPr lang="en-US" altLang="zh-CN" sz="2000" dirty="0">
+              <a:latin typeface="华文中宋" panose="02010600040101010101" pitchFamily="2" charset="-122"/>
+              <a:ea typeface="华文中宋" panose="02010600040101010101" pitchFamily="2" charset="-122"/>
+            </a:endParaRPr>
+          </a:p>
+          <a:p>
+            <a:pPr marL="1371600" lvl="2" indent="-457200">
+              <a:lnSpc>
+                <a:spcPct val="150000"/>
+              </a:lnSpc>
+              <a:buFont typeface="Arial" panose="020B0604020202020204" pitchFamily="34" charset="0"/>
+              <a:buChar char="•"/>
+            </a:pPr>
+            <a:r>
+              <a:rPr lang="en-US" altLang="zh-CN" sz="2000" dirty="0">
+                <a:latin typeface="华文中宋" panose="02010600040101010101" pitchFamily="2" charset="-122"/>
+                <a:ea typeface="华文中宋" panose="02010600040101010101" pitchFamily="2" charset="-122"/>
+              </a:rPr>
+              <a:t>the privacy attribution score</a:t>
+            </a:r>
+            <a:r>
+              <a:rPr lang="zh-CN" altLang="en-US" sz="2000" dirty="0">
+                <a:latin typeface="华文中宋" panose="02010600040101010101" pitchFamily="2" charset="-122"/>
+                <a:ea typeface="华文中宋" panose="02010600040101010101" pitchFamily="2" charset="-122"/>
+              </a:rPr>
+              <a:t>：</a:t>
+            </a:r>
+            <a:endParaRPr lang="en-US" altLang="zh-CN" sz="2000" dirty="0">
+              <a:latin typeface="华文中宋" panose="02010600040101010101" pitchFamily="2" charset="-122"/>
+              <a:ea typeface="华文中宋" panose="02010600040101010101" pitchFamily="2" charset="-122"/>
+            </a:endParaRPr>
+          </a:p>
+          <a:p>
+            <a:pPr marL="1371600" lvl="2" indent="-457200">
+              <a:lnSpc>
+                <a:spcPct val="150000"/>
+              </a:lnSpc>
+              <a:buFont typeface="Arial" panose="020B0604020202020204" pitchFamily="34" charset="0"/>
+              <a:buChar char="•"/>
+            </a:pPr>
+            <a:endParaRPr lang="en-US" altLang="zh-CN" sz="2000" dirty="0">
+              <a:latin typeface="华文中宋" panose="02010600040101010101" pitchFamily="2" charset="-122"/>
+              <a:ea typeface="华文中宋" panose="02010600040101010101" pitchFamily="2" charset="-122"/>
+            </a:endParaRPr>
+          </a:p>
+          <a:p>
+            <a:pPr marL="1371600" lvl="2" indent="-457200">
+              <a:lnSpc>
+                <a:spcPct val="150000"/>
+              </a:lnSpc>
+              <a:buFont typeface="Arial" panose="020B0604020202020204" pitchFamily="34" charset="0"/>
+              <a:buChar char="•"/>
+            </a:pPr>
+            <a:endParaRPr lang="en-US" altLang="zh-CN" sz="2000" dirty="0">
+              <a:latin typeface="华文中宋" panose="02010600040101010101" pitchFamily="2" charset="-122"/>
+              <a:ea typeface="华文中宋" panose="02010600040101010101" pitchFamily="2" charset="-122"/>
+            </a:endParaRPr>
+          </a:p>
+          <a:p>
+            <a:pPr marL="1371600" lvl="2" indent="-457200">
+              <a:lnSpc>
+                <a:spcPct val="150000"/>
+              </a:lnSpc>
+              <a:buFont typeface="Arial" panose="020B0604020202020204" pitchFamily="34" charset="0"/>
+              <a:buChar char="•"/>
+            </a:pPr>
+            <a:r>
+              <a:rPr lang="en-US" altLang="zh-CN" sz="2000" dirty="0">
+                <a:latin typeface="华文中宋" panose="02010600040101010101" pitchFamily="2" charset="-122"/>
+                <a:ea typeface="华文中宋" panose="02010600040101010101" pitchFamily="2" charset="-122"/>
+              </a:rPr>
+              <a:t>the greater the privacy attribution score, the greater the privacy sensitivity of the neuron</a:t>
+            </a:r>
+          </a:p>
+        </p:txBody>
+      </p:sp>
+      <p:pic>
+        <p:nvPicPr>
+          <p:cNvPr id="5" name="图片 4">
+            <a:extLst>
+              <a:ext uri="{FF2B5EF4-FFF2-40B4-BE49-F238E27FC236}">
+                <a16:creationId xmlns:a16="http://schemas.microsoft.com/office/drawing/2014/main" id="{51CB06A2-EA0A-B579-09B9-B9B2DB24F730}"/>
+              </a:ext>
+            </a:extLst>
+          </p:cNvPr>
+          <p:cNvPicPr>
+            <a:picLocks noChangeAspect="1"/>
+          </p:cNvPicPr>
+          <p:nvPr/>
+        </p:nvPicPr>
+        <p:blipFill>
+          <a:blip r:embed="rId3"/>
+          <a:stretch>
+            <a:fillRect/>
+          </a:stretch>
+        </p:blipFill>
+        <p:spPr>
+          <a:xfrm>
+            <a:off x="1816021" y="3015679"/>
+            <a:ext cx="3073558" cy="736638"/>
+          </a:xfrm>
+          <a:prstGeom prst="rect">
+            <a:avLst/>
+          </a:prstGeom>
+        </p:spPr>
+      </p:pic>
+      <p:pic>
+        <p:nvPicPr>
+          <p:cNvPr id="13" name="图片 12">
+            <a:extLst>
+              <a:ext uri="{FF2B5EF4-FFF2-40B4-BE49-F238E27FC236}">
+                <a16:creationId xmlns:a16="http://schemas.microsoft.com/office/drawing/2014/main" id="{BA4F2F12-53B9-BA00-9A16-DF5FFDE1C034}"/>
+              </a:ext>
+            </a:extLst>
+          </p:cNvPr>
+          <p:cNvPicPr>
+            <a:picLocks noChangeAspect="1"/>
+          </p:cNvPicPr>
+          <p:nvPr/>
+        </p:nvPicPr>
+        <p:blipFill>
+          <a:blip r:embed="rId4"/>
+          <a:stretch>
+            <a:fillRect/>
+          </a:stretch>
+        </p:blipFill>
+        <p:spPr>
+          <a:xfrm>
+            <a:off x="1870208" y="4406828"/>
+            <a:ext cx="2946551" cy="635033"/>
+          </a:xfrm>
+          <a:prstGeom prst="rect">
+            <a:avLst/>
+          </a:prstGeom>
+        </p:spPr>
+      </p:pic>
+      <p:pic>
+        <p:nvPicPr>
+          <p:cNvPr id="15" name="图片 14">
+            <a:extLst>
+              <a:ext uri="{FF2B5EF4-FFF2-40B4-BE49-F238E27FC236}">
+                <a16:creationId xmlns:a16="http://schemas.microsoft.com/office/drawing/2014/main" id="{5ECC5D9D-6B08-326D-ABC6-8812D5904ECA}"/>
+              </a:ext>
+            </a:extLst>
+          </p:cNvPr>
+          <p:cNvPicPr>
+            <a:picLocks noChangeAspect="1"/>
+          </p:cNvPicPr>
+          <p:nvPr/>
+        </p:nvPicPr>
+        <p:blipFill>
+          <a:blip r:embed="rId5"/>
+          <a:stretch>
+            <a:fillRect/>
+          </a:stretch>
+        </p:blipFill>
+        <p:spPr>
+          <a:xfrm>
+            <a:off x="5903082" y="4406827"/>
+            <a:ext cx="3460928" cy="635033"/>
+          </a:xfrm>
+          <a:prstGeom prst="rect">
+            <a:avLst/>
+          </a:prstGeom>
+        </p:spPr>
+      </p:pic>
+      <p:sp>
+        <p:nvSpPr>
+          <p:cNvPr id="16" name="下箭头 11">
+            <a:extLst>
+              <a:ext uri="{FF2B5EF4-FFF2-40B4-BE49-F238E27FC236}">
+                <a16:creationId xmlns:a16="http://schemas.microsoft.com/office/drawing/2014/main" id="{3FEA8400-A72D-25BE-1D19-AAA1B88CEE1C}"/>
+              </a:ext>
+            </a:extLst>
+          </p:cNvPr>
+          <p:cNvSpPr/>
+          <p:nvPr/>
+        </p:nvSpPr>
+        <p:spPr>
+          <a:xfrm rot="16200000">
+            <a:off x="5052508" y="4368638"/>
+            <a:ext cx="613185" cy="711414"/>
+          </a:xfrm>
+          <a:prstGeom prst="downArrow">
+            <a:avLst/>
+          </a:prstGeom>
+          <a:solidFill>
+            <a:srgbClr val="802258"/>
+          </a:solidFill>
+          <a:ln>
+            <a:noFill/>
+          </a:ln>
+        </p:spPr>
+        <p:style>
+          <a:lnRef idx="2">
+            <a:schemeClr val="accent1">
+              <a:shade val="50000"/>
+            </a:schemeClr>
+          </a:lnRef>
+          <a:fillRef idx="1">
+            <a:schemeClr val="accent1"/>
+          </a:fillRef>
+          <a:effectRef idx="0">
+            <a:schemeClr val="accent1"/>
+          </a:effectRef>
+          <a:fontRef idx="minor">
+            <a:schemeClr val="lt1"/>
+          </a:fontRef>
+        </p:style>
+        <p:txBody>
+          <a:bodyPr rtlCol="0" anchor="ctr"/>
+          <a:lstStyle/>
+          <a:p>
+            <a:pPr algn="ctr"/>
+            <a:endParaRPr kumimoji="1" lang="zh-CN" altLang="en-US"/>
+          </a:p>
         </p:txBody>
       </p:sp>
     </p:spTree>
     <p:extLst>
       <p:ext uri="{BB962C8B-B14F-4D97-AF65-F5344CB8AC3E}">
-        <p14:creationId xmlns:p14="http://schemas.microsoft.com/office/powerpoint/2010/main" val="3005986135"/>
+        <p14:creationId xmlns:p14="http://schemas.microsoft.com/office/powerpoint/2010/main" val="3105279882"/>
       </p:ext>
     </p:extLst>
   </p:cSld>
@@ -4984,13 +6135,2418 @@
       </p:grpSpPr>
       <p:sp>
         <p:nvSpPr>
+          <p:cNvPr id="2" name="标题 1"/>
+          <p:cNvSpPr>
+            <a:spLocks noGrp="1"/>
+          </p:cNvSpPr>
+          <p:nvPr>
+            <p:ph type="title"/>
+          </p:nvPr>
+        </p:nvSpPr>
+        <p:spPr/>
+        <p:txBody>
+          <a:bodyPr/>
+          <a:lstStyle/>
+          <a:p>
+            <a:r>
+              <a:rPr lang="en-US" altLang="zh-CN" dirty="0"/>
+              <a:t>Methodology</a:t>
+            </a:r>
+            <a:endParaRPr lang="zh-CN" altLang="en-US" dirty="0"/>
+          </a:p>
+        </p:txBody>
+      </p:sp>
+      <p:sp>
+        <p:nvSpPr>
+          <p:cNvPr id="3" name="文本框 2"/>
+          <p:cNvSpPr txBox="1"/>
+          <p:nvPr/>
+        </p:nvSpPr>
+        <p:spPr>
+          <a:xfrm>
+            <a:off x="399191" y="971400"/>
+            <a:ext cx="10891956" cy="4724973"/>
+          </a:xfrm>
+          <a:prstGeom prst="rect">
+            <a:avLst/>
+          </a:prstGeom>
+          <a:noFill/>
+        </p:spPr>
+        <p:txBody>
+          <a:bodyPr wrap="square" rtlCol="0">
+            <a:noAutofit/>
+          </a:bodyPr>
+          <a:lstStyle/>
+          <a:p>
+            <a:pPr marL="457200" indent="-457200">
+              <a:lnSpc>
+                <a:spcPct val="150000"/>
+              </a:lnSpc>
+              <a:buFont typeface="Arial" panose="020B0604020202020204" pitchFamily="34" charset="0"/>
+              <a:buChar char="•"/>
+            </a:pPr>
+            <a:r>
+              <a:rPr lang="en-US" altLang="zh-CN" sz="2400" b="1" dirty="0">
+                <a:solidFill>
+                  <a:srgbClr val="802258"/>
+                </a:solidFill>
+                <a:latin typeface="华文中宋" panose="02010600040101010101" pitchFamily="2" charset="-122"/>
+                <a:ea typeface="华文中宋" panose="02010600040101010101" pitchFamily="2" charset="-122"/>
+              </a:rPr>
+              <a:t>Privacy Editor</a:t>
+            </a:r>
+          </a:p>
+          <a:p>
+            <a:pPr marL="914400" lvl="1" indent="-457200">
+              <a:lnSpc>
+                <a:spcPct val="150000"/>
+              </a:lnSpc>
+              <a:buFont typeface="Arial" panose="020B0604020202020204" pitchFamily="34" charset="0"/>
+              <a:buChar char="•"/>
+            </a:pPr>
+            <a:r>
+              <a:rPr lang="en-US" altLang="zh-CN" sz="2000" dirty="0">
+                <a:latin typeface="华文中宋" panose="02010600040101010101" pitchFamily="2" charset="-122"/>
+                <a:ea typeface="华文中宋" panose="02010600040101010101" pitchFamily="2" charset="-122"/>
+              </a:rPr>
+              <a:t>setting the activation values of the corresponding neurons to 0</a:t>
+            </a:r>
+          </a:p>
+        </p:txBody>
+      </p:sp>
+    </p:spTree>
+    <p:extLst>
+      <p:ext uri="{BB962C8B-B14F-4D97-AF65-F5344CB8AC3E}">
+        <p14:creationId xmlns:p14="http://schemas.microsoft.com/office/powerpoint/2010/main" val="4138193118"/>
+      </p:ext>
+    </p:extLst>
+  </p:cSld>
+  <p:clrMapOvr>
+    <a:masterClrMapping/>
+  </p:clrMapOvr>
+</p:sld>
+</file>
+
+<file path=ppt/slides/slide12.xml><?xml version="1.0" encoding="utf-8"?>
+<p:sld xmlns:a="http://schemas.openxmlformats.org/drawingml/2006/main" xmlns:r="http://schemas.openxmlformats.org/officeDocument/2006/relationships" xmlns:p="http://schemas.openxmlformats.org/presentationml/2006/main">
+  <p:cSld>
+    <p:spTree>
+      <p:nvGrpSpPr>
+        <p:cNvPr id="1" name=""/>
+        <p:cNvGrpSpPr/>
+        <p:nvPr/>
+      </p:nvGrpSpPr>
+      <p:grpSpPr>
+        <a:xfrm>
+          <a:off x="0" y="0"/>
+          <a:ext cx="0" cy="0"/>
+          <a:chOff x="0" y="0"/>
+          <a:chExt cx="0" cy="0"/>
+        </a:xfrm>
+      </p:grpSpPr>
+      <p:sp>
+        <p:nvSpPr>
+          <p:cNvPr id="2" name="标题 1"/>
+          <p:cNvSpPr>
+            <a:spLocks noGrp="1"/>
+          </p:cNvSpPr>
+          <p:nvPr>
+            <p:ph type="title"/>
+          </p:nvPr>
+        </p:nvSpPr>
+        <p:spPr/>
+        <p:txBody>
+          <a:bodyPr/>
+          <a:lstStyle/>
+          <a:p>
+            <a:r>
+              <a:rPr lang="en-US" altLang="zh-CN" dirty="0"/>
+              <a:t>Methodology</a:t>
+            </a:r>
+            <a:endParaRPr lang="zh-CN" altLang="en-US" dirty="0"/>
+          </a:p>
+        </p:txBody>
+      </p:sp>
+      <p:sp>
+        <p:nvSpPr>
+          <p:cNvPr id="3" name="文本框 2"/>
+          <p:cNvSpPr txBox="1"/>
+          <p:nvPr/>
+        </p:nvSpPr>
+        <p:spPr>
+          <a:xfrm>
+            <a:off x="399191" y="971400"/>
+            <a:ext cx="10891956" cy="4724973"/>
+          </a:xfrm>
+          <a:prstGeom prst="rect">
+            <a:avLst/>
+          </a:prstGeom>
+          <a:noFill/>
+        </p:spPr>
+        <p:txBody>
+          <a:bodyPr wrap="square" rtlCol="0">
+            <a:noAutofit/>
+          </a:bodyPr>
+          <a:lstStyle/>
+          <a:p>
+            <a:pPr marL="457200" indent="-457200">
+              <a:lnSpc>
+                <a:spcPct val="150000"/>
+              </a:lnSpc>
+              <a:buFont typeface="Arial" panose="020B0604020202020204" pitchFamily="34" charset="0"/>
+              <a:buChar char="•"/>
+            </a:pPr>
+            <a:r>
+              <a:rPr lang="en-US" altLang="zh-CN" sz="2400" b="1" dirty="0">
+                <a:solidFill>
+                  <a:srgbClr val="802258"/>
+                </a:solidFill>
+                <a:latin typeface="华文中宋" panose="02010600040101010101" pitchFamily="2" charset="-122"/>
+                <a:ea typeface="华文中宋" panose="02010600040101010101" pitchFamily="2" charset="-122"/>
+              </a:rPr>
+              <a:t>Privacy Neuron Aggregator</a:t>
+            </a:r>
+          </a:p>
+          <a:p>
+            <a:pPr marL="914400" lvl="1" indent="-457200">
+              <a:lnSpc>
+                <a:spcPct val="150000"/>
+              </a:lnSpc>
+              <a:buFont typeface="Arial" panose="020B0604020202020204" pitchFamily="34" charset="0"/>
+              <a:buChar char="•"/>
+            </a:pPr>
+            <a:r>
+              <a:rPr lang="en-US" altLang="zh-CN" sz="2000" dirty="0">
+                <a:latin typeface="华文中宋" panose="02010600040101010101" pitchFamily="2" charset="-122"/>
+                <a:ea typeface="华文中宋" panose="02010600040101010101" pitchFamily="2" charset="-122"/>
+              </a:rPr>
+              <a:t>erase privacy information encoded in the language model</a:t>
+            </a:r>
+          </a:p>
+          <a:p>
+            <a:pPr marL="914400" lvl="1" indent="-457200">
+              <a:lnSpc>
+                <a:spcPct val="150000"/>
+              </a:lnSpc>
+              <a:buFont typeface="Arial" panose="020B0604020202020204" pitchFamily="34" charset="0"/>
+              <a:buChar char="•"/>
+            </a:pPr>
+            <a:r>
+              <a:rPr lang="en-US" altLang="zh-CN" sz="2000" dirty="0">
+                <a:latin typeface="华文中宋" panose="02010600040101010101" pitchFamily="2" charset="-122"/>
+                <a:ea typeface="华文中宋" panose="02010600040101010101" pitchFamily="2" charset="-122"/>
+              </a:rPr>
+              <a:t>propose the privacy neuron aggregator</a:t>
+            </a:r>
+          </a:p>
+          <a:p>
+            <a:pPr marL="1371600" lvl="2" indent="-457200">
+              <a:lnSpc>
+                <a:spcPct val="150000"/>
+              </a:lnSpc>
+              <a:buFont typeface="Arial" panose="020B0604020202020204" pitchFamily="34" charset="0"/>
+              <a:buChar char="•"/>
+            </a:pPr>
+            <a:r>
+              <a:rPr lang="en-US" altLang="zh-CN" sz="2000" dirty="0">
+                <a:latin typeface="华文中宋" panose="02010600040101010101" pitchFamily="2" charset="-122"/>
+                <a:ea typeface="华文中宋" panose="02010600040101010101" pitchFamily="2" charset="-122"/>
+              </a:rPr>
+              <a:t>calculate the privacy attribution score matrix of each sequence in the batch</a:t>
+            </a:r>
+          </a:p>
+          <a:p>
+            <a:pPr marL="1371600" lvl="2" indent="-457200">
+              <a:lnSpc>
+                <a:spcPct val="150000"/>
+              </a:lnSpc>
+              <a:buFont typeface="Arial" panose="020B0604020202020204" pitchFamily="34" charset="0"/>
+              <a:buChar char="•"/>
+            </a:pPr>
+            <a:r>
+              <a:rPr lang="en-US" altLang="zh-CN" sz="2000" dirty="0">
+                <a:latin typeface="华文中宋" panose="02010600040101010101" pitchFamily="2" charset="-122"/>
+                <a:ea typeface="华文中宋" panose="02010600040101010101" pitchFamily="2" charset="-122"/>
+              </a:rPr>
+              <a:t>let each sequence vote for neurons according to their privacy attribution scores</a:t>
+            </a:r>
+          </a:p>
+          <a:p>
+            <a:pPr marL="1371600" lvl="2" indent="-457200">
+              <a:lnSpc>
+                <a:spcPct val="150000"/>
+              </a:lnSpc>
+              <a:buFont typeface="Arial" panose="020B0604020202020204" pitchFamily="34" charset="0"/>
+              <a:buChar char="•"/>
+            </a:pPr>
+            <a:r>
+              <a:rPr lang="en-US" altLang="zh-CN" sz="2000" dirty="0">
+                <a:latin typeface="华文中宋" panose="02010600040101010101" pitchFamily="2" charset="-122"/>
+                <a:ea typeface="华文中宋" panose="02010600040101010101" pitchFamily="2" charset="-122"/>
+              </a:rPr>
+              <a:t>select the top z neurons with the most votes</a:t>
+            </a:r>
+          </a:p>
+        </p:txBody>
+      </p:sp>
+    </p:spTree>
+    <p:extLst>
+      <p:ext uri="{BB962C8B-B14F-4D97-AF65-F5344CB8AC3E}">
+        <p14:creationId xmlns:p14="http://schemas.microsoft.com/office/powerpoint/2010/main" val="3412095408"/>
+      </p:ext>
+    </p:extLst>
+  </p:cSld>
+  <p:clrMapOvr>
+    <a:masterClrMapping/>
+  </p:clrMapOvr>
+</p:sld>
+</file>
+
+<file path=ppt/slides/slide13.xml><?xml version="1.0" encoding="utf-8"?>
+<p:sld xmlns:a="http://schemas.openxmlformats.org/drawingml/2006/main" xmlns:r="http://schemas.openxmlformats.org/officeDocument/2006/relationships" xmlns:p="http://schemas.openxmlformats.org/presentationml/2006/main">
+  <p:cSld>
+    <p:spTree>
+      <p:nvGrpSpPr>
+        <p:cNvPr id="1" name=""/>
+        <p:cNvGrpSpPr/>
+        <p:nvPr/>
+      </p:nvGrpSpPr>
+      <p:grpSpPr>
+        <a:xfrm>
+          <a:off x="0" y="0"/>
+          <a:ext cx="0" cy="0"/>
+          <a:chOff x="0" y="0"/>
+          <a:chExt cx="0" cy="0"/>
+        </a:xfrm>
+      </p:grpSpPr>
+      <p:sp>
+        <p:nvSpPr>
+          <p:cNvPr id="2" name="标题 1"/>
+          <p:cNvSpPr>
+            <a:spLocks noGrp="1"/>
+          </p:cNvSpPr>
+          <p:nvPr>
+            <p:ph type="title"/>
+          </p:nvPr>
+        </p:nvSpPr>
+        <p:spPr/>
+        <p:txBody>
+          <a:bodyPr/>
+          <a:lstStyle/>
+          <a:p>
+            <a:r>
+              <a:rPr lang="en-US" altLang="zh-CN" b="1" dirty="0"/>
+              <a:t>Experiments</a:t>
+            </a:r>
+            <a:endParaRPr lang="zh-CN" altLang="en-US" dirty="0"/>
+          </a:p>
+        </p:txBody>
+      </p:sp>
+      <p:sp>
+        <p:nvSpPr>
+          <p:cNvPr id="3" name="文本框 2"/>
+          <p:cNvSpPr txBox="1"/>
+          <p:nvPr/>
+        </p:nvSpPr>
+        <p:spPr>
+          <a:xfrm>
+            <a:off x="399190" y="971400"/>
+            <a:ext cx="11792809" cy="4724973"/>
+          </a:xfrm>
+          <a:prstGeom prst="rect">
+            <a:avLst/>
+          </a:prstGeom>
+          <a:noFill/>
+        </p:spPr>
+        <p:txBody>
+          <a:bodyPr wrap="square" rtlCol="0">
+            <a:noAutofit/>
+          </a:bodyPr>
+          <a:lstStyle/>
+          <a:p>
+            <a:pPr marL="457200" indent="-457200">
+              <a:lnSpc>
+                <a:spcPct val="150000"/>
+              </a:lnSpc>
+              <a:buFont typeface="Arial" panose="020B0604020202020204" pitchFamily="34" charset="0"/>
+              <a:buChar char="•"/>
+            </a:pPr>
+            <a:r>
+              <a:rPr lang="en-US" altLang="zh-CN" sz="2400" b="1" dirty="0">
+                <a:solidFill>
+                  <a:srgbClr val="802258"/>
+                </a:solidFill>
+                <a:latin typeface="华文中宋" panose="02010600040101010101" pitchFamily="2" charset="-122"/>
+                <a:ea typeface="华文中宋" panose="02010600040101010101" pitchFamily="2" charset="-122"/>
+              </a:rPr>
+              <a:t>Setup</a:t>
+            </a:r>
+          </a:p>
+          <a:p>
+            <a:pPr marL="914400" lvl="1" indent="-457200">
+              <a:lnSpc>
+                <a:spcPct val="150000"/>
+              </a:lnSpc>
+              <a:buFont typeface="Arial" panose="020B0604020202020204" pitchFamily="34" charset="0"/>
+              <a:buChar char="•"/>
+            </a:pPr>
+            <a:r>
+              <a:rPr lang="en-US" altLang="zh-CN" sz="2000" dirty="0">
+                <a:latin typeface="华文中宋" panose="02010600040101010101" pitchFamily="2" charset="-122"/>
+                <a:ea typeface="华文中宋" panose="02010600040101010101" pitchFamily="2" charset="-122"/>
+              </a:rPr>
+              <a:t>Dataset</a:t>
+            </a:r>
+            <a:r>
+              <a:rPr lang="zh-CN" altLang="en-US" sz="2000" dirty="0">
+                <a:latin typeface="华文中宋" panose="02010600040101010101" pitchFamily="2" charset="-122"/>
+                <a:ea typeface="华文中宋" panose="02010600040101010101" pitchFamily="2" charset="-122"/>
+              </a:rPr>
+              <a:t>：</a:t>
+            </a:r>
+            <a:r>
+              <a:rPr lang="en-US" altLang="zh-CN" sz="2000" dirty="0">
+                <a:latin typeface="华文中宋" panose="02010600040101010101" pitchFamily="2" charset="-122"/>
+                <a:ea typeface="华文中宋" panose="02010600040101010101" pitchFamily="2" charset="-122"/>
+              </a:rPr>
+              <a:t>Enron</a:t>
+            </a:r>
+          </a:p>
+          <a:p>
+            <a:pPr marL="914400" lvl="1" indent="-457200">
+              <a:lnSpc>
+                <a:spcPct val="150000"/>
+              </a:lnSpc>
+              <a:buFont typeface="Arial" panose="020B0604020202020204" pitchFamily="34" charset="0"/>
+              <a:buChar char="•"/>
+            </a:pPr>
+            <a:r>
+              <a:rPr lang="en-US" altLang="zh-CN" sz="2000" dirty="0">
+                <a:latin typeface="华文中宋" panose="02010600040101010101" pitchFamily="2" charset="-122"/>
+                <a:ea typeface="华文中宋" panose="02010600040101010101" pitchFamily="2" charset="-122"/>
+              </a:rPr>
+              <a:t>Private Information Sampling</a:t>
+            </a:r>
+          </a:p>
+          <a:p>
+            <a:pPr marL="1371600" lvl="2" indent="-457200">
+              <a:lnSpc>
+                <a:spcPct val="150000"/>
+              </a:lnSpc>
+              <a:buFont typeface="Arial" panose="020B0604020202020204" pitchFamily="34" charset="0"/>
+              <a:buChar char="•"/>
+            </a:pPr>
+            <a:r>
+              <a:rPr lang="en-US" altLang="zh-CN" sz="2000" dirty="0">
+                <a:latin typeface="华文中宋" panose="02010600040101010101" pitchFamily="2" charset="-122"/>
+                <a:ea typeface="华文中宋" panose="02010600040101010101" pitchFamily="2" charset="-122"/>
+              </a:rPr>
+              <a:t>private phrases,</a:t>
+            </a:r>
+            <a:r>
+              <a:rPr lang="zh-CN" altLang="en-US" sz="2000" dirty="0">
+                <a:latin typeface="华文中宋" panose="02010600040101010101" pitchFamily="2" charset="-122"/>
+                <a:ea typeface="华文中宋" panose="02010600040101010101" pitchFamily="2" charset="-122"/>
+              </a:rPr>
+              <a:t> </a:t>
+            </a:r>
+            <a:r>
+              <a:rPr lang="en-US" altLang="zh-CN" sz="2000" dirty="0">
+                <a:latin typeface="华文中宋" panose="02010600040101010101" pitchFamily="2" charset="-122"/>
+                <a:ea typeface="华文中宋" panose="02010600040101010101" pitchFamily="2" charset="-122"/>
+              </a:rPr>
+              <a:t>for the narrow definition of privacy</a:t>
+            </a:r>
+          </a:p>
+          <a:p>
+            <a:pPr marL="1828800" lvl="3" indent="-457200">
+              <a:lnSpc>
+                <a:spcPct val="150000"/>
+              </a:lnSpc>
+              <a:buFont typeface="Arial" panose="020B0604020202020204" pitchFamily="34" charset="0"/>
+              <a:buChar char="•"/>
+            </a:pPr>
+            <a:r>
+              <a:rPr lang="en-US" altLang="zh-CN" sz="2000" dirty="0">
+                <a:latin typeface="华文中宋" panose="02010600040101010101" pitchFamily="2" charset="-122"/>
+                <a:ea typeface="华文中宋" panose="02010600040101010101" pitchFamily="2" charset="-122"/>
+              </a:rPr>
+              <a:t>Names: 20 unique names that are memorized by language models</a:t>
+            </a:r>
+          </a:p>
+          <a:p>
+            <a:pPr marL="1828800" lvl="3" indent="-457200">
+              <a:lnSpc>
+                <a:spcPct val="150000"/>
+              </a:lnSpc>
+              <a:buFont typeface="Arial" panose="020B0604020202020204" pitchFamily="34" charset="0"/>
+              <a:buChar char="•"/>
+            </a:pPr>
+            <a:r>
+              <a:rPr lang="en-US" altLang="zh-CN" sz="2000" dirty="0">
+                <a:latin typeface="华文中宋" panose="02010600040101010101" pitchFamily="2" charset="-122"/>
+                <a:ea typeface="华文中宋" panose="02010600040101010101" pitchFamily="2" charset="-122"/>
+              </a:rPr>
+              <a:t>Phone Numbers: 20 unique LM-memorized phone numbers</a:t>
+            </a:r>
+          </a:p>
+          <a:p>
+            <a:pPr marL="1371600" lvl="2" indent="-457200">
+              <a:lnSpc>
+                <a:spcPct val="150000"/>
+              </a:lnSpc>
+              <a:buFont typeface="Arial" panose="020B0604020202020204" pitchFamily="34" charset="0"/>
+              <a:buChar char="•"/>
+            </a:pPr>
+            <a:r>
+              <a:rPr lang="en-US" altLang="zh-CN" sz="2000" dirty="0">
+                <a:latin typeface="华文中宋" panose="02010600040101010101" pitchFamily="2" charset="-122"/>
+                <a:ea typeface="华文中宋" panose="02010600040101010101" pitchFamily="2" charset="-122"/>
+              </a:rPr>
+              <a:t>a batch of randomly sampled sentences to be edit</a:t>
+            </a:r>
+          </a:p>
+          <a:p>
+            <a:pPr marL="1828800" lvl="3" indent="-457200">
+              <a:lnSpc>
+                <a:spcPct val="150000"/>
+              </a:lnSpc>
+              <a:buFont typeface="Arial" panose="020B0604020202020204" pitchFamily="34" charset="0"/>
+              <a:buChar char="•"/>
+            </a:pPr>
+            <a:r>
+              <a:rPr lang="en-US" altLang="zh-CN" sz="2000" dirty="0">
+                <a:latin typeface="华文中宋" panose="02010600040101010101" pitchFamily="2" charset="-122"/>
+                <a:ea typeface="华文中宋" panose="02010600040101010101" pitchFamily="2" charset="-122"/>
+              </a:rPr>
+              <a:t>Private texts: 100 sentences that are not semantically overlapping with each other</a:t>
+            </a:r>
+          </a:p>
+        </p:txBody>
+      </p:sp>
+    </p:spTree>
+    <p:extLst>
+      <p:ext uri="{BB962C8B-B14F-4D97-AF65-F5344CB8AC3E}">
+        <p14:creationId xmlns:p14="http://schemas.microsoft.com/office/powerpoint/2010/main" val="2468030"/>
+      </p:ext>
+    </p:extLst>
+  </p:cSld>
+  <p:clrMapOvr>
+    <a:masterClrMapping/>
+  </p:clrMapOvr>
+</p:sld>
+</file>
+
+<file path=ppt/slides/slide14.xml><?xml version="1.0" encoding="utf-8"?>
+<p:sld xmlns:a="http://schemas.openxmlformats.org/drawingml/2006/main" xmlns:r="http://schemas.openxmlformats.org/officeDocument/2006/relationships" xmlns:p="http://schemas.openxmlformats.org/presentationml/2006/main">
+  <p:cSld>
+    <p:spTree>
+      <p:nvGrpSpPr>
+        <p:cNvPr id="1" name=""/>
+        <p:cNvGrpSpPr/>
+        <p:nvPr/>
+      </p:nvGrpSpPr>
+      <p:grpSpPr>
+        <a:xfrm>
+          <a:off x="0" y="0"/>
+          <a:ext cx="0" cy="0"/>
+          <a:chOff x="0" y="0"/>
+          <a:chExt cx="0" cy="0"/>
+        </a:xfrm>
+      </p:grpSpPr>
+      <p:sp>
+        <p:nvSpPr>
+          <p:cNvPr id="2" name="标题 1"/>
+          <p:cNvSpPr>
+            <a:spLocks noGrp="1"/>
+          </p:cNvSpPr>
+          <p:nvPr>
+            <p:ph type="title"/>
+          </p:nvPr>
+        </p:nvSpPr>
+        <p:spPr/>
+        <p:txBody>
+          <a:bodyPr/>
+          <a:lstStyle/>
+          <a:p>
+            <a:r>
+              <a:rPr lang="en-US" altLang="zh-CN" b="1" dirty="0"/>
+              <a:t>Experiments</a:t>
+            </a:r>
+            <a:endParaRPr lang="zh-CN" altLang="en-US" dirty="0"/>
+          </a:p>
+        </p:txBody>
+      </p:sp>
+      <p:sp>
+        <p:nvSpPr>
+          <p:cNvPr id="3" name="文本框 2"/>
+          <p:cNvSpPr txBox="1"/>
+          <p:nvPr/>
+        </p:nvSpPr>
+        <p:spPr>
+          <a:xfrm>
+            <a:off x="399190" y="971400"/>
+            <a:ext cx="11792809" cy="5497133"/>
+          </a:xfrm>
+          <a:prstGeom prst="rect">
+            <a:avLst/>
+          </a:prstGeom>
+          <a:noFill/>
+        </p:spPr>
+        <p:txBody>
+          <a:bodyPr wrap="square" rtlCol="0">
+            <a:noAutofit/>
+          </a:bodyPr>
+          <a:lstStyle/>
+          <a:p>
+            <a:pPr marL="457200" indent="-457200">
+              <a:lnSpc>
+                <a:spcPct val="150000"/>
+              </a:lnSpc>
+              <a:buFont typeface="Arial" panose="020B0604020202020204" pitchFamily="34" charset="0"/>
+              <a:buChar char="•"/>
+            </a:pPr>
+            <a:r>
+              <a:rPr lang="en-US" altLang="zh-CN" sz="2400" b="1" dirty="0">
+                <a:solidFill>
+                  <a:srgbClr val="802258"/>
+                </a:solidFill>
+                <a:latin typeface="华文中宋" panose="02010600040101010101" pitchFamily="2" charset="-122"/>
+                <a:ea typeface="华文中宋" panose="02010600040101010101" pitchFamily="2" charset="-122"/>
+              </a:rPr>
+              <a:t>Setup</a:t>
+            </a:r>
+          </a:p>
+          <a:p>
+            <a:pPr marL="914400" lvl="1" indent="-457200">
+              <a:lnSpc>
+                <a:spcPct val="150000"/>
+              </a:lnSpc>
+              <a:buFont typeface="Arial" panose="020B0604020202020204" pitchFamily="34" charset="0"/>
+              <a:buChar char="•"/>
+            </a:pPr>
+            <a:r>
+              <a:rPr lang="en-US" altLang="zh-CN" sz="2000" dirty="0">
+                <a:latin typeface="华文中宋" panose="02010600040101010101" pitchFamily="2" charset="-122"/>
+                <a:ea typeface="华文中宋" panose="02010600040101010101" pitchFamily="2" charset="-122"/>
+              </a:rPr>
+              <a:t>Model Settings</a:t>
+            </a:r>
+            <a:r>
+              <a:rPr lang="zh-CN" altLang="en-US" sz="2000" dirty="0">
+                <a:latin typeface="华文中宋" panose="02010600040101010101" pitchFamily="2" charset="-122"/>
+                <a:ea typeface="华文中宋" panose="02010600040101010101" pitchFamily="2" charset="-122"/>
+              </a:rPr>
+              <a:t>：</a:t>
+            </a:r>
+            <a:r>
+              <a:rPr lang="en-US" altLang="zh-CN" sz="2000" dirty="0">
+                <a:latin typeface="华文中宋" panose="02010600040101010101" pitchFamily="2" charset="-122"/>
+                <a:ea typeface="华文中宋" panose="02010600040101010101" pitchFamily="2" charset="-122"/>
+              </a:rPr>
+              <a:t>BERT-base, 12 transformer layers</a:t>
+            </a:r>
+          </a:p>
+          <a:p>
+            <a:pPr marL="914400" lvl="1" indent="-457200">
+              <a:lnSpc>
+                <a:spcPct val="150000"/>
+              </a:lnSpc>
+              <a:buFont typeface="Arial" panose="020B0604020202020204" pitchFamily="34" charset="0"/>
+              <a:buChar char="•"/>
+            </a:pPr>
+            <a:r>
+              <a:rPr lang="en-US" altLang="zh-CN" sz="2000" dirty="0">
+                <a:latin typeface="华文中宋" panose="02010600040101010101" pitchFamily="2" charset="-122"/>
+                <a:ea typeface="华文中宋" panose="02010600040101010101" pitchFamily="2" charset="-122"/>
+              </a:rPr>
+              <a:t>Baseline</a:t>
+            </a:r>
+          </a:p>
+          <a:p>
+            <a:pPr marL="1371600" lvl="2" indent="-457200">
+              <a:lnSpc>
+                <a:spcPct val="150000"/>
+              </a:lnSpc>
+              <a:buFont typeface="Arial" panose="020B0604020202020204" pitchFamily="34" charset="0"/>
+              <a:buChar char="•"/>
+            </a:pPr>
+            <a:r>
+              <a:rPr lang="en-US" altLang="zh-CN" sz="2000" dirty="0">
+                <a:latin typeface="华文中宋" panose="02010600040101010101" pitchFamily="2" charset="-122"/>
+                <a:ea typeface="华文中宋" panose="02010600040101010101" pitchFamily="2" charset="-122"/>
+              </a:rPr>
+              <a:t>BERT-O: No Enron, an oracle for assessing the risk of privacy leakage</a:t>
+            </a:r>
+          </a:p>
+          <a:p>
+            <a:pPr marL="1371600" lvl="2" indent="-457200">
+              <a:lnSpc>
+                <a:spcPct val="150000"/>
+              </a:lnSpc>
+              <a:buFont typeface="Arial" panose="020B0604020202020204" pitchFamily="34" charset="0"/>
+              <a:buChar char="•"/>
+            </a:pPr>
+            <a:r>
+              <a:rPr lang="en-US" altLang="zh-CN" sz="2000" dirty="0">
+                <a:latin typeface="华文中宋" panose="02010600040101010101" pitchFamily="2" charset="-122"/>
+                <a:ea typeface="华文中宋" panose="02010600040101010101" pitchFamily="2" charset="-122"/>
+              </a:rPr>
+              <a:t>BERT-F: Enron + BERT, best predictive performance on the Enron, has the greatest risk of privacy leakage</a:t>
+            </a:r>
+          </a:p>
+          <a:p>
+            <a:pPr marL="1371600" lvl="2" indent="-457200">
+              <a:lnSpc>
+                <a:spcPct val="150000"/>
+              </a:lnSpc>
+              <a:buFont typeface="Arial" panose="020B0604020202020204" pitchFamily="34" charset="0"/>
+              <a:buChar char="•"/>
+            </a:pPr>
+            <a:r>
+              <a:rPr lang="en-US" altLang="zh-CN" sz="2000" dirty="0">
+                <a:latin typeface="华文中宋" panose="02010600040101010101" pitchFamily="2" charset="-122"/>
+                <a:ea typeface="华文中宋" panose="02010600040101010101" pitchFamily="2" charset="-122"/>
+              </a:rPr>
+              <a:t>BERT-DP: Enron + BERT + differential privacy gradient descent</a:t>
+            </a:r>
+          </a:p>
+          <a:p>
+            <a:pPr marL="914400" lvl="1" indent="-457200">
+              <a:lnSpc>
+                <a:spcPct val="150000"/>
+              </a:lnSpc>
+              <a:buFont typeface="Arial" panose="020B0604020202020204" pitchFamily="34" charset="0"/>
+              <a:buChar char="•"/>
+            </a:pPr>
+            <a:r>
+              <a:rPr lang="en-US" altLang="zh-CN" sz="2000" dirty="0">
+                <a:latin typeface="华文中宋" panose="02010600040101010101" pitchFamily="2" charset="-122"/>
+                <a:ea typeface="华文中宋" panose="02010600040101010101" pitchFamily="2" charset="-122"/>
+              </a:rPr>
+              <a:t>Metrics</a:t>
+            </a:r>
+          </a:p>
+          <a:p>
+            <a:pPr marL="1371600" lvl="2" indent="-457200">
+              <a:lnSpc>
+                <a:spcPct val="150000"/>
+              </a:lnSpc>
+              <a:buFont typeface="Arial" panose="020B0604020202020204" pitchFamily="34" charset="0"/>
+              <a:buChar char="•"/>
+            </a:pPr>
+            <a:r>
+              <a:rPr lang="en-US" altLang="zh-CN" sz="2000" dirty="0">
+                <a:latin typeface="华文中宋" panose="02010600040101010101" pitchFamily="2" charset="-122"/>
+                <a:ea typeface="华文中宋" panose="02010600040101010101" pitchFamily="2" charset="-122"/>
+              </a:rPr>
+              <a:t>Exposure: measure the exposure risk of phone numbers</a:t>
+            </a:r>
+          </a:p>
+          <a:p>
+            <a:pPr marL="1371600" lvl="2" indent="-457200">
+              <a:lnSpc>
+                <a:spcPct val="150000"/>
+              </a:lnSpc>
+              <a:buFont typeface="Arial" panose="020B0604020202020204" pitchFamily="34" charset="0"/>
+              <a:buChar char="•"/>
+            </a:pPr>
+            <a:r>
+              <a:rPr lang="en-US" altLang="zh-CN" sz="2000" dirty="0">
+                <a:latin typeface="华文中宋" panose="02010600040101010101" pitchFamily="2" charset="-122"/>
+                <a:ea typeface="华文中宋" panose="02010600040101010101" pitchFamily="2" charset="-122"/>
+              </a:rPr>
+              <a:t>Mean Reciprocal Rank (MRR): measure the model's memorization of names</a:t>
+            </a:r>
+          </a:p>
+          <a:p>
+            <a:pPr marL="1371600" lvl="2" indent="-457200">
+              <a:lnSpc>
+                <a:spcPct val="150000"/>
+              </a:lnSpc>
+              <a:buFont typeface="Arial" panose="020B0604020202020204" pitchFamily="34" charset="0"/>
+              <a:buChar char="•"/>
+            </a:pPr>
+            <a:r>
+              <a:rPr lang="en-US" altLang="zh-CN" sz="2000" dirty="0">
+                <a:latin typeface="华文中宋" panose="02010600040101010101" pitchFamily="2" charset="-122"/>
+                <a:ea typeface="华文中宋" panose="02010600040101010101" pitchFamily="2" charset="-122"/>
+              </a:rPr>
+              <a:t>Perplexity (PPL): measure the model memorization</a:t>
+            </a:r>
+          </a:p>
+        </p:txBody>
+      </p:sp>
+      <p:pic>
+        <p:nvPicPr>
+          <p:cNvPr id="5" name="图片 4">
+            <a:extLst>
+              <a:ext uri="{FF2B5EF4-FFF2-40B4-BE49-F238E27FC236}">
+                <a16:creationId xmlns:a16="http://schemas.microsoft.com/office/drawing/2014/main" id="{8EA75BCB-2BDA-0805-07EA-DD91502B22C5}"/>
+              </a:ext>
+            </a:extLst>
+          </p:cNvPr>
+          <p:cNvPicPr>
+            <a:picLocks noChangeAspect="1"/>
+          </p:cNvPicPr>
+          <p:nvPr/>
+        </p:nvPicPr>
+        <p:blipFill>
+          <a:blip r:embed="rId3"/>
+          <a:stretch>
+            <a:fillRect/>
+          </a:stretch>
+        </p:blipFill>
+        <p:spPr>
+          <a:xfrm>
+            <a:off x="8909623" y="4823880"/>
+            <a:ext cx="2760830" cy="434777"/>
+          </a:xfrm>
+          <a:prstGeom prst="rect">
+            <a:avLst/>
+          </a:prstGeom>
+        </p:spPr>
+      </p:pic>
+      <p:pic>
+        <p:nvPicPr>
+          <p:cNvPr id="7" name="图片 6">
+            <a:extLst>
+              <a:ext uri="{FF2B5EF4-FFF2-40B4-BE49-F238E27FC236}">
+                <a16:creationId xmlns:a16="http://schemas.microsoft.com/office/drawing/2014/main" id="{5DCC2485-E8F1-753A-E660-BAC3FA652D1C}"/>
+              </a:ext>
+            </a:extLst>
+          </p:cNvPr>
+          <p:cNvPicPr>
+            <a:picLocks noChangeAspect="1"/>
+          </p:cNvPicPr>
+          <p:nvPr/>
+        </p:nvPicPr>
+        <p:blipFill>
+          <a:blip r:embed="rId4"/>
+          <a:stretch>
+            <a:fillRect/>
+          </a:stretch>
+        </p:blipFill>
+        <p:spPr>
+          <a:xfrm>
+            <a:off x="9922683" y="5617235"/>
+            <a:ext cx="1952166" cy="792302"/>
+          </a:xfrm>
+          <a:prstGeom prst="rect">
+            <a:avLst/>
+          </a:prstGeom>
+        </p:spPr>
+      </p:pic>
+    </p:spTree>
+    <p:extLst>
+      <p:ext uri="{BB962C8B-B14F-4D97-AF65-F5344CB8AC3E}">
+        <p14:creationId xmlns:p14="http://schemas.microsoft.com/office/powerpoint/2010/main" val="4093196619"/>
+      </p:ext>
+    </p:extLst>
+  </p:cSld>
+  <p:clrMapOvr>
+    <a:masterClrMapping/>
+  </p:clrMapOvr>
+</p:sld>
+</file>
+
+<file path=ppt/slides/slide15.xml><?xml version="1.0" encoding="utf-8"?>
+<p:sld xmlns:a="http://schemas.openxmlformats.org/drawingml/2006/main" xmlns:r="http://schemas.openxmlformats.org/officeDocument/2006/relationships" xmlns:p="http://schemas.openxmlformats.org/presentationml/2006/main">
+  <p:cSld>
+    <p:spTree>
+      <p:nvGrpSpPr>
+        <p:cNvPr id="1" name=""/>
+        <p:cNvGrpSpPr/>
+        <p:nvPr/>
+      </p:nvGrpSpPr>
+      <p:grpSpPr>
+        <a:xfrm>
+          <a:off x="0" y="0"/>
+          <a:ext cx="0" cy="0"/>
+          <a:chOff x="0" y="0"/>
+          <a:chExt cx="0" cy="0"/>
+        </a:xfrm>
+      </p:grpSpPr>
+      <p:sp>
+        <p:nvSpPr>
+          <p:cNvPr id="2" name="标题 1"/>
+          <p:cNvSpPr>
+            <a:spLocks noGrp="1"/>
+          </p:cNvSpPr>
+          <p:nvPr>
+            <p:ph type="title"/>
+          </p:nvPr>
+        </p:nvSpPr>
+        <p:spPr/>
+        <p:txBody>
+          <a:bodyPr/>
+          <a:lstStyle/>
+          <a:p>
+            <a:r>
+              <a:rPr lang="en-US" altLang="zh-CN" b="1" dirty="0"/>
+              <a:t>Experiments</a:t>
+            </a:r>
+            <a:endParaRPr lang="zh-CN" altLang="en-US" dirty="0"/>
+          </a:p>
+        </p:txBody>
+      </p:sp>
+      <p:sp>
+        <p:nvSpPr>
+          <p:cNvPr id="3" name="文本框 2"/>
+          <p:cNvSpPr txBox="1"/>
+          <p:nvPr/>
+        </p:nvSpPr>
+        <p:spPr>
+          <a:xfrm>
+            <a:off x="399190" y="971400"/>
+            <a:ext cx="11792809" cy="681293"/>
+          </a:xfrm>
+          <a:prstGeom prst="rect">
+            <a:avLst/>
+          </a:prstGeom>
+          <a:noFill/>
+        </p:spPr>
+        <p:txBody>
+          <a:bodyPr wrap="square" rtlCol="0">
+            <a:noAutofit/>
+          </a:bodyPr>
+          <a:lstStyle/>
+          <a:p>
+            <a:pPr marL="457200" indent="-457200">
+              <a:lnSpc>
+                <a:spcPct val="150000"/>
+              </a:lnSpc>
+              <a:buFont typeface="Arial" panose="020B0604020202020204" pitchFamily="34" charset="0"/>
+              <a:buChar char="•"/>
+            </a:pPr>
+            <a:r>
+              <a:rPr lang="en-US" altLang="zh-CN" sz="2400" b="1" dirty="0">
+                <a:solidFill>
+                  <a:srgbClr val="802258"/>
+                </a:solidFill>
+                <a:latin typeface="华文中宋" panose="02010600040101010101" pitchFamily="2" charset="-122"/>
+                <a:ea typeface="华文中宋" panose="02010600040101010101" pitchFamily="2" charset="-122"/>
+              </a:rPr>
+              <a:t>Main Results</a:t>
+            </a:r>
+          </a:p>
+        </p:txBody>
+      </p:sp>
+      <p:pic>
+        <p:nvPicPr>
+          <p:cNvPr id="6" name="图片 5">
+            <a:extLst>
+              <a:ext uri="{FF2B5EF4-FFF2-40B4-BE49-F238E27FC236}">
+                <a16:creationId xmlns:a16="http://schemas.microsoft.com/office/drawing/2014/main" id="{6C624072-D8A9-226F-D158-81AA026375BD}"/>
+              </a:ext>
+            </a:extLst>
+          </p:cNvPr>
+          <p:cNvPicPr>
+            <a:picLocks noChangeAspect="1"/>
+          </p:cNvPicPr>
+          <p:nvPr/>
+        </p:nvPicPr>
+        <p:blipFill>
+          <a:blip r:embed="rId3"/>
+          <a:stretch>
+            <a:fillRect/>
+          </a:stretch>
+        </p:blipFill>
+        <p:spPr>
+          <a:xfrm>
+            <a:off x="1818539" y="1698536"/>
+            <a:ext cx="8554918" cy="3834236"/>
+          </a:xfrm>
+          <a:prstGeom prst="rect">
+            <a:avLst/>
+          </a:prstGeom>
+        </p:spPr>
+      </p:pic>
+      <p:grpSp>
+        <p:nvGrpSpPr>
+          <p:cNvPr id="20" name="组合 19">
+            <a:extLst>
+              <a:ext uri="{FF2B5EF4-FFF2-40B4-BE49-F238E27FC236}">
+                <a16:creationId xmlns:a16="http://schemas.microsoft.com/office/drawing/2014/main" id="{F58D8D15-22EC-95E5-573E-0CA6863F74E8}"/>
+              </a:ext>
+            </a:extLst>
+          </p:cNvPr>
+          <p:cNvGrpSpPr/>
+          <p:nvPr/>
+        </p:nvGrpSpPr>
+        <p:grpSpPr>
+          <a:xfrm>
+            <a:off x="6197600" y="2221654"/>
+            <a:ext cx="1273387" cy="2356635"/>
+            <a:chOff x="6197600" y="2221654"/>
+            <a:chExt cx="1273387" cy="2356635"/>
+          </a:xfrm>
+        </p:grpSpPr>
+        <p:sp>
+          <p:nvSpPr>
+            <p:cNvPr id="8" name="矩形 7">
+              <a:extLst>
+                <a:ext uri="{FF2B5EF4-FFF2-40B4-BE49-F238E27FC236}">
+                  <a16:creationId xmlns:a16="http://schemas.microsoft.com/office/drawing/2014/main" id="{86398A25-45ED-FE25-0247-BC8ADA7FEE15}"/>
+                </a:ext>
+              </a:extLst>
+            </p:cNvPr>
+            <p:cNvSpPr/>
+            <p:nvPr/>
+          </p:nvSpPr>
+          <p:spPr>
+            <a:xfrm>
+              <a:off x="6197600" y="2221654"/>
+              <a:ext cx="1273387" cy="196426"/>
+            </a:xfrm>
+            <a:prstGeom prst="rect">
+              <a:avLst/>
+            </a:prstGeom>
+            <a:noFill/>
+            <a:ln w="38100">
+              <a:solidFill>
+                <a:srgbClr val="802258"/>
+              </a:solidFill>
+            </a:ln>
+          </p:spPr>
+          <p:style>
+            <a:lnRef idx="2">
+              <a:schemeClr val="accent1">
+                <a:shade val="15000"/>
+              </a:schemeClr>
+            </a:lnRef>
+            <a:fillRef idx="1">
+              <a:schemeClr val="accent1"/>
+            </a:fillRef>
+            <a:effectRef idx="0">
+              <a:schemeClr val="accent1"/>
+            </a:effectRef>
+            <a:fontRef idx="minor">
+              <a:schemeClr val="lt1"/>
+            </a:fontRef>
+          </p:style>
+          <p:txBody>
+            <a:bodyPr rtlCol="0" anchor="ctr"/>
+            <a:lstStyle/>
+            <a:p>
+              <a:pPr algn="ctr"/>
+              <a:endParaRPr lang="zh-CN" altLang="en-US" dirty="0"/>
+            </a:p>
+          </p:txBody>
+        </p:sp>
+        <p:sp>
+          <p:nvSpPr>
+            <p:cNvPr id="9" name="矩形 8">
+              <a:extLst>
+                <a:ext uri="{FF2B5EF4-FFF2-40B4-BE49-F238E27FC236}">
+                  <a16:creationId xmlns:a16="http://schemas.microsoft.com/office/drawing/2014/main" id="{B409F537-523B-5D3C-3086-A5E77DEC0B6B}"/>
+                </a:ext>
+              </a:extLst>
+            </p:cNvPr>
+            <p:cNvSpPr/>
+            <p:nvPr/>
+          </p:nvSpPr>
+          <p:spPr>
+            <a:xfrm>
+              <a:off x="6197600" y="2809120"/>
+              <a:ext cx="1273387" cy="196426"/>
+            </a:xfrm>
+            <a:prstGeom prst="rect">
+              <a:avLst/>
+            </a:prstGeom>
+            <a:noFill/>
+            <a:ln w="38100">
+              <a:solidFill>
+                <a:srgbClr val="802258"/>
+              </a:solidFill>
+            </a:ln>
+          </p:spPr>
+          <p:style>
+            <a:lnRef idx="2">
+              <a:schemeClr val="accent1">
+                <a:shade val="15000"/>
+              </a:schemeClr>
+            </a:lnRef>
+            <a:fillRef idx="1">
+              <a:schemeClr val="accent1"/>
+            </a:fillRef>
+            <a:effectRef idx="0">
+              <a:schemeClr val="accent1"/>
+            </a:effectRef>
+            <a:fontRef idx="minor">
+              <a:schemeClr val="lt1"/>
+            </a:fontRef>
+          </p:style>
+          <p:txBody>
+            <a:bodyPr rtlCol="0" anchor="ctr"/>
+            <a:lstStyle/>
+            <a:p>
+              <a:pPr algn="ctr"/>
+              <a:endParaRPr lang="zh-CN" altLang="en-US"/>
+            </a:p>
+          </p:txBody>
+        </p:sp>
+        <p:sp>
+          <p:nvSpPr>
+            <p:cNvPr id="10" name="矩形 9">
+              <a:extLst>
+                <a:ext uri="{FF2B5EF4-FFF2-40B4-BE49-F238E27FC236}">
+                  <a16:creationId xmlns:a16="http://schemas.microsoft.com/office/drawing/2014/main" id="{771F43AE-B954-F188-7837-CAE44025819E}"/>
+                </a:ext>
+              </a:extLst>
+            </p:cNvPr>
+            <p:cNvSpPr/>
+            <p:nvPr/>
+          </p:nvSpPr>
+          <p:spPr>
+            <a:xfrm>
+              <a:off x="6197600" y="3005546"/>
+              <a:ext cx="1273387" cy="196426"/>
+            </a:xfrm>
+            <a:prstGeom prst="rect">
+              <a:avLst/>
+            </a:prstGeom>
+            <a:noFill/>
+            <a:ln w="38100">
+              <a:solidFill>
+                <a:srgbClr val="802258"/>
+              </a:solidFill>
+            </a:ln>
+          </p:spPr>
+          <p:style>
+            <a:lnRef idx="2">
+              <a:schemeClr val="accent1">
+                <a:shade val="15000"/>
+              </a:schemeClr>
+            </a:lnRef>
+            <a:fillRef idx="1">
+              <a:schemeClr val="accent1"/>
+            </a:fillRef>
+            <a:effectRef idx="0">
+              <a:schemeClr val="accent1"/>
+            </a:effectRef>
+            <a:fontRef idx="minor">
+              <a:schemeClr val="lt1"/>
+            </a:fontRef>
+          </p:style>
+          <p:txBody>
+            <a:bodyPr rtlCol="0" anchor="ctr"/>
+            <a:lstStyle/>
+            <a:p>
+              <a:pPr algn="ctr"/>
+              <a:endParaRPr lang="zh-CN" altLang="en-US"/>
+            </a:p>
+          </p:txBody>
+        </p:sp>
+        <p:sp>
+          <p:nvSpPr>
+            <p:cNvPr id="11" name="矩形 10">
+              <a:extLst>
+                <a:ext uri="{FF2B5EF4-FFF2-40B4-BE49-F238E27FC236}">
+                  <a16:creationId xmlns:a16="http://schemas.microsoft.com/office/drawing/2014/main" id="{090726F9-E55D-A3D8-231D-2516001F56B8}"/>
+                </a:ext>
+              </a:extLst>
+            </p:cNvPr>
+            <p:cNvSpPr/>
+            <p:nvPr/>
+          </p:nvSpPr>
+          <p:spPr>
+            <a:xfrm>
+              <a:off x="6197600" y="3593012"/>
+              <a:ext cx="1273387" cy="196426"/>
+            </a:xfrm>
+            <a:prstGeom prst="rect">
+              <a:avLst/>
+            </a:prstGeom>
+            <a:noFill/>
+            <a:ln w="38100">
+              <a:solidFill>
+                <a:srgbClr val="802258"/>
+              </a:solidFill>
+            </a:ln>
+          </p:spPr>
+          <p:style>
+            <a:lnRef idx="2">
+              <a:schemeClr val="accent1">
+                <a:shade val="15000"/>
+              </a:schemeClr>
+            </a:lnRef>
+            <a:fillRef idx="1">
+              <a:schemeClr val="accent1"/>
+            </a:fillRef>
+            <a:effectRef idx="0">
+              <a:schemeClr val="accent1"/>
+            </a:effectRef>
+            <a:fontRef idx="minor">
+              <a:schemeClr val="lt1"/>
+            </a:fontRef>
+          </p:style>
+          <p:txBody>
+            <a:bodyPr rtlCol="0" anchor="ctr"/>
+            <a:lstStyle/>
+            <a:p>
+              <a:pPr algn="ctr"/>
+              <a:endParaRPr lang="zh-CN" altLang="en-US"/>
+            </a:p>
+          </p:txBody>
+        </p:sp>
+        <p:sp>
+          <p:nvSpPr>
+            <p:cNvPr id="12" name="矩形 11">
+              <a:extLst>
+                <a:ext uri="{FF2B5EF4-FFF2-40B4-BE49-F238E27FC236}">
+                  <a16:creationId xmlns:a16="http://schemas.microsoft.com/office/drawing/2014/main" id="{C737E8A4-8404-4CBC-5A85-CBD637903A48}"/>
+                </a:ext>
+              </a:extLst>
+            </p:cNvPr>
+            <p:cNvSpPr/>
+            <p:nvPr/>
+          </p:nvSpPr>
+          <p:spPr>
+            <a:xfrm>
+              <a:off x="6197600" y="3794397"/>
+              <a:ext cx="1273387" cy="196426"/>
+            </a:xfrm>
+            <a:prstGeom prst="rect">
+              <a:avLst/>
+            </a:prstGeom>
+            <a:noFill/>
+            <a:ln w="38100">
+              <a:solidFill>
+                <a:srgbClr val="802258"/>
+              </a:solidFill>
+            </a:ln>
+          </p:spPr>
+          <p:style>
+            <a:lnRef idx="2">
+              <a:schemeClr val="accent1">
+                <a:shade val="15000"/>
+              </a:schemeClr>
+            </a:lnRef>
+            <a:fillRef idx="1">
+              <a:schemeClr val="accent1"/>
+            </a:fillRef>
+            <a:effectRef idx="0">
+              <a:schemeClr val="accent1"/>
+            </a:effectRef>
+            <a:fontRef idx="minor">
+              <a:schemeClr val="lt1"/>
+            </a:fontRef>
+          </p:style>
+          <p:txBody>
+            <a:bodyPr rtlCol="0" anchor="ctr"/>
+            <a:lstStyle/>
+            <a:p>
+              <a:pPr algn="ctr"/>
+              <a:endParaRPr lang="zh-CN" altLang="en-US"/>
+            </a:p>
+          </p:txBody>
+        </p:sp>
+        <p:sp>
+          <p:nvSpPr>
+            <p:cNvPr id="13" name="矩形 12">
+              <a:extLst>
+                <a:ext uri="{FF2B5EF4-FFF2-40B4-BE49-F238E27FC236}">
+                  <a16:creationId xmlns:a16="http://schemas.microsoft.com/office/drawing/2014/main" id="{C6D93333-1148-A1AB-646F-959E5BB2F318}"/>
+                </a:ext>
+              </a:extLst>
+            </p:cNvPr>
+            <p:cNvSpPr/>
+            <p:nvPr/>
+          </p:nvSpPr>
+          <p:spPr>
+            <a:xfrm>
+              <a:off x="6197600" y="4381863"/>
+              <a:ext cx="1273387" cy="196426"/>
+            </a:xfrm>
+            <a:prstGeom prst="rect">
+              <a:avLst/>
+            </a:prstGeom>
+            <a:noFill/>
+            <a:ln w="38100">
+              <a:solidFill>
+                <a:srgbClr val="802258"/>
+              </a:solidFill>
+            </a:ln>
+          </p:spPr>
+          <p:style>
+            <a:lnRef idx="2">
+              <a:schemeClr val="accent1">
+                <a:shade val="15000"/>
+              </a:schemeClr>
+            </a:lnRef>
+            <a:fillRef idx="1">
+              <a:schemeClr val="accent1"/>
+            </a:fillRef>
+            <a:effectRef idx="0">
+              <a:schemeClr val="accent1"/>
+            </a:effectRef>
+            <a:fontRef idx="minor">
+              <a:schemeClr val="lt1"/>
+            </a:fontRef>
+          </p:style>
+          <p:txBody>
+            <a:bodyPr rtlCol="0" anchor="ctr"/>
+            <a:lstStyle/>
+            <a:p>
+              <a:pPr algn="ctr"/>
+              <a:endParaRPr lang="zh-CN" altLang="en-US"/>
+            </a:p>
+          </p:txBody>
+        </p:sp>
+      </p:grpSp>
+      <p:grpSp>
+        <p:nvGrpSpPr>
+          <p:cNvPr id="18" name="组合 17">
+            <a:extLst>
+              <a:ext uri="{FF2B5EF4-FFF2-40B4-BE49-F238E27FC236}">
+                <a16:creationId xmlns:a16="http://schemas.microsoft.com/office/drawing/2014/main" id="{2D7A5D1D-4984-8558-F4E9-CE76EB1E161E}"/>
+              </a:ext>
+            </a:extLst>
+          </p:cNvPr>
+          <p:cNvGrpSpPr/>
+          <p:nvPr/>
+        </p:nvGrpSpPr>
+        <p:grpSpPr>
+          <a:xfrm>
+            <a:off x="6197600" y="2416267"/>
+            <a:ext cx="1273387" cy="1968617"/>
+            <a:chOff x="6197600" y="2416267"/>
+            <a:chExt cx="1273387" cy="1968617"/>
+          </a:xfrm>
+        </p:grpSpPr>
+        <p:sp>
+          <p:nvSpPr>
+            <p:cNvPr id="14" name="矩形 13">
+              <a:extLst>
+                <a:ext uri="{FF2B5EF4-FFF2-40B4-BE49-F238E27FC236}">
+                  <a16:creationId xmlns:a16="http://schemas.microsoft.com/office/drawing/2014/main" id="{2216A2D8-A61B-A32E-489E-6D58DDE21D7A}"/>
+                </a:ext>
+              </a:extLst>
+            </p:cNvPr>
+            <p:cNvSpPr/>
+            <p:nvPr/>
+          </p:nvSpPr>
+          <p:spPr>
+            <a:xfrm>
+              <a:off x="6197600" y="2416267"/>
+              <a:ext cx="1273387" cy="387893"/>
+            </a:xfrm>
+            <a:prstGeom prst="rect">
+              <a:avLst/>
+            </a:prstGeom>
+            <a:noFill/>
+            <a:ln w="38100">
+              <a:solidFill>
+                <a:srgbClr val="00B050"/>
+              </a:solidFill>
+            </a:ln>
+          </p:spPr>
+          <p:style>
+            <a:lnRef idx="2">
+              <a:schemeClr val="accent1">
+                <a:shade val="15000"/>
+              </a:schemeClr>
+            </a:lnRef>
+            <a:fillRef idx="1">
+              <a:schemeClr val="accent1"/>
+            </a:fillRef>
+            <a:effectRef idx="0">
+              <a:schemeClr val="accent1"/>
+            </a:effectRef>
+            <a:fontRef idx="minor">
+              <a:schemeClr val="lt1"/>
+            </a:fontRef>
+          </p:style>
+          <p:txBody>
+            <a:bodyPr rtlCol="0" anchor="ctr"/>
+            <a:lstStyle/>
+            <a:p>
+              <a:pPr algn="ctr"/>
+              <a:endParaRPr lang="zh-CN" altLang="en-US" dirty="0"/>
+            </a:p>
+          </p:txBody>
+        </p:sp>
+        <p:sp>
+          <p:nvSpPr>
+            <p:cNvPr id="15" name="矩形 14">
+              <a:extLst>
+                <a:ext uri="{FF2B5EF4-FFF2-40B4-BE49-F238E27FC236}">
+                  <a16:creationId xmlns:a16="http://schemas.microsoft.com/office/drawing/2014/main" id="{3A385FD7-2A99-0C25-AE11-3990DAF1AD0F}"/>
+                </a:ext>
+              </a:extLst>
+            </p:cNvPr>
+            <p:cNvSpPr/>
+            <p:nvPr/>
+          </p:nvSpPr>
+          <p:spPr>
+            <a:xfrm>
+              <a:off x="6197600" y="3209410"/>
+              <a:ext cx="1273387" cy="387893"/>
+            </a:xfrm>
+            <a:prstGeom prst="rect">
+              <a:avLst/>
+            </a:prstGeom>
+            <a:noFill/>
+            <a:ln w="38100">
+              <a:solidFill>
+                <a:srgbClr val="00B050"/>
+              </a:solidFill>
+            </a:ln>
+          </p:spPr>
+          <p:style>
+            <a:lnRef idx="2">
+              <a:schemeClr val="accent1">
+                <a:shade val="15000"/>
+              </a:schemeClr>
+            </a:lnRef>
+            <a:fillRef idx="1">
+              <a:schemeClr val="accent1"/>
+            </a:fillRef>
+            <a:effectRef idx="0">
+              <a:schemeClr val="accent1"/>
+            </a:effectRef>
+            <a:fontRef idx="minor">
+              <a:schemeClr val="lt1"/>
+            </a:fontRef>
+          </p:style>
+          <p:txBody>
+            <a:bodyPr rtlCol="0" anchor="ctr"/>
+            <a:lstStyle/>
+            <a:p>
+              <a:pPr algn="ctr"/>
+              <a:endParaRPr lang="zh-CN" altLang="en-US"/>
+            </a:p>
+          </p:txBody>
+        </p:sp>
+        <p:sp>
+          <p:nvSpPr>
+            <p:cNvPr id="16" name="矩形 15">
+              <a:extLst>
+                <a:ext uri="{FF2B5EF4-FFF2-40B4-BE49-F238E27FC236}">
+                  <a16:creationId xmlns:a16="http://schemas.microsoft.com/office/drawing/2014/main" id="{959C43F9-4B6A-F3AB-1851-813343CC491D}"/>
+                </a:ext>
+              </a:extLst>
+            </p:cNvPr>
+            <p:cNvSpPr/>
+            <p:nvPr/>
+          </p:nvSpPr>
+          <p:spPr>
+            <a:xfrm>
+              <a:off x="6197600" y="3996991"/>
+              <a:ext cx="1273387" cy="387893"/>
+            </a:xfrm>
+            <a:prstGeom prst="rect">
+              <a:avLst/>
+            </a:prstGeom>
+            <a:noFill/>
+            <a:ln w="38100">
+              <a:solidFill>
+                <a:srgbClr val="00B050"/>
+              </a:solidFill>
+            </a:ln>
+          </p:spPr>
+          <p:style>
+            <a:lnRef idx="2">
+              <a:schemeClr val="accent1">
+                <a:shade val="15000"/>
+              </a:schemeClr>
+            </a:lnRef>
+            <a:fillRef idx="1">
+              <a:schemeClr val="accent1"/>
+            </a:fillRef>
+            <a:effectRef idx="0">
+              <a:schemeClr val="accent1"/>
+            </a:effectRef>
+            <a:fontRef idx="minor">
+              <a:schemeClr val="lt1"/>
+            </a:fontRef>
+          </p:style>
+          <p:txBody>
+            <a:bodyPr rtlCol="0" anchor="ctr"/>
+            <a:lstStyle/>
+            <a:p>
+              <a:pPr algn="ctr"/>
+              <a:endParaRPr lang="zh-CN" altLang="en-US"/>
+            </a:p>
+          </p:txBody>
+        </p:sp>
+      </p:grpSp>
+      <p:grpSp>
+        <p:nvGrpSpPr>
+          <p:cNvPr id="26" name="组合 25">
+            <a:extLst>
+              <a:ext uri="{FF2B5EF4-FFF2-40B4-BE49-F238E27FC236}">
+                <a16:creationId xmlns:a16="http://schemas.microsoft.com/office/drawing/2014/main" id="{F25DDD6D-0E70-4A97-4988-E31648669E6D}"/>
+              </a:ext>
+            </a:extLst>
+          </p:cNvPr>
+          <p:cNvGrpSpPr/>
+          <p:nvPr/>
+        </p:nvGrpSpPr>
+        <p:grpSpPr>
+          <a:xfrm>
+            <a:off x="7844589" y="2416267"/>
+            <a:ext cx="2110683" cy="1983642"/>
+            <a:chOff x="3681281" y="2416267"/>
+            <a:chExt cx="6273991" cy="1983642"/>
+          </a:xfrm>
+        </p:grpSpPr>
+        <p:sp>
+          <p:nvSpPr>
+            <p:cNvPr id="19" name="矩形 18">
+              <a:extLst>
+                <a:ext uri="{FF2B5EF4-FFF2-40B4-BE49-F238E27FC236}">
+                  <a16:creationId xmlns:a16="http://schemas.microsoft.com/office/drawing/2014/main" id="{152DAD73-1556-0659-EC34-3E684B6CB885}"/>
+                </a:ext>
+              </a:extLst>
+            </p:cNvPr>
+            <p:cNvSpPr/>
+            <p:nvPr/>
+          </p:nvSpPr>
+          <p:spPr>
+            <a:xfrm>
+              <a:off x="3681281" y="2416267"/>
+              <a:ext cx="6273991" cy="387893"/>
+            </a:xfrm>
+            <a:prstGeom prst="rect">
+              <a:avLst/>
+            </a:prstGeom>
+            <a:noFill/>
+            <a:ln w="38100">
+              <a:solidFill>
+                <a:srgbClr val="802258"/>
+              </a:solidFill>
+            </a:ln>
+          </p:spPr>
+          <p:style>
+            <a:lnRef idx="2">
+              <a:schemeClr val="accent1">
+                <a:shade val="15000"/>
+              </a:schemeClr>
+            </a:lnRef>
+            <a:fillRef idx="1">
+              <a:schemeClr val="accent1"/>
+            </a:fillRef>
+            <a:effectRef idx="0">
+              <a:schemeClr val="accent1"/>
+            </a:effectRef>
+            <a:fontRef idx="minor">
+              <a:schemeClr val="lt1"/>
+            </a:fontRef>
+          </p:style>
+          <p:txBody>
+            <a:bodyPr rtlCol="0" anchor="ctr"/>
+            <a:lstStyle/>
+            <a:p>
+              <a:pPr algn="ctr"/>
+              <a:endParaRPr lang="zh-CN" altLang="en-US" dirty="0"/>
+            </a:p>
+          </p:txBody>
+        </p:sp>
+        <p:sp>
+          <p:nvSpPr>
+            <p:cNvPr id="21" name="矩形 20">
+              <a:extLst>
+                <a:ext uri="{FF2B5EF4-FFF2-40B4-BE49-F238E27FC236}">
+                  <a16:creationId xmlns:a16="http://schemas.microsoft.com/office/drawing/2014/main" id="{FD2FCA24-111B-06D6-6DC6-115024CEBB18}"/>
+                </a:ext>
+              </a:extLst>
+            </p:cNvPr>
+            <p:cNvSpPr/>
+            <p:nvPr/>
+          </p:nvSpPr>
+          <p:spPr>
+            <a:xfrm>
+              <a:off x="3681281" y="3201972"/>
+              <a:ext cx="6273991" cy="392852"/>
+            </a:xfrm>
+            <a:prstGeom prst="rect">
+              <a:avLst/>
+            </a:prstGeom>
+            <a:noFill/>
+            <a:ln w="38100">
+              <a:solidFill>
+                <a:srgbClr val="802258"/>
+              </a:solidFill>
+            </a:ln>
+          </p:spPr>
+          <p:style>
+            <a:lnRef idx="2">
+              <a:schemeClr val="accent1">
+                <a:shade val="15000"/>
+              </a:schemeClr>
+            </a:lnRef>
+            <a:fillRef idx="1">
+              <a:schemeClr val="accent1"/>
+            </a:fillRef>
+            <a:effectRef idx="0">
+              <a:schemeClr val="accent1"/>
+            </a:effectRef>
+            <a:fontRef idx="minor">
+              <a:schemeClr val="lt1"/>
+            </a:fontRef>
+          </p:style>
+          <p:txBody>
+            <a:bodyPr rtlCol="0" anchor="ctr"/>
+            <a:lstStyle/>
+            <a:p>
+              <a:pPr algn="ctr"/>
+              <a:endParaRPr lang="zh-CN" altLang="en-US" dirty="0"/>
+            </a:p>
+          </p:txBody>
+        </p:sp>
+        <p:sp>
+          <p:nvSpPr>
+            <p:cNvPr id="22" name="矩形 21">
+              <a:extLst>
+                <a:ext uri="{FF2B5EF4-FFF2-40B4-BE49-F238E27FC236}">
+                  <a16:creationId xmlns:a16="http://schemas.microsoft.com/office/drawing/2014/main" id="{61161A79-D68B-150A-8F0F-A61817BE3280}"/>
+                </a:ext>
+              </a:extLst>
+            </p:cNvPr>
+            <p:cNvSpPr/>
+            <p:nvPr/>
+          </p:nvSpPr>
+          <p:spPr>
+            <a:xfrm>
+              <a:off x="3681281" y="3990823"/>
+              <a:ext cx="6273991" cy="409086"/>
+            </a:xfrm>
+            <a:prstGeom prst="rect">
+              <a:avLst/>
+            </a:prstGeom>
+            <a:noFill/>
+            <a:ln w="38100">
+              <a:solidFill>
+                <a:srgbClr val="802258"/>
+              </a:solidFill>
+            </a:ln>
+          </p:spPr>
+          <p:style>
+            <a:lnRef idx="2">
+              <a:schemeClr val="accent1">
+                <a:shade val="15000"/>
+              </a:schemeClr>
+            </a:lnRef>
+            <a:fillRef idx="1">
+              <a:schemeClr val="accent1"/>
+            </a:fillRef>
+            <a:effectRef idx="0">
+              <a:schemeClr val="accent1"/>
+            </a:effectRef>
+            <a:fontRef idx="minor">
+              <a:schemeClr val="lt1"/>
+            </a:fontRef>
+          </p:style>
+          <p:txBody>
+            <a:bodyPr rtlCol="0" anchor="ctr"/>
+            <a:lstStyle/>
+            <a:p>
+              <a:pPr algn="ctr"/>
+              <a:endParaRPr lang="zh-CN" altLang="en-US" dirty="0"/>
+            </a:p>
+          </p:txBody>
+        </p:sp>
+      </p:grpSp>
+      <p:grpSp>
+        <p:nvGrpSpPr>
+          <p:cNvPr id="33" name="组合 32">
+            <a:extLst>
+              <a:ext uri="{FF2B5EF4-FFF2-40B4-BE49-F238E27FC236}">
+                <a16:creationId xmlns:a16="http://schemas.microsoft.com/office/drawing/2014/main" id="{394EDCE2-A7DC-426D-56DA-13839E3406C8}"/>
+              </a:ext>
+            </a:extLst>
+          </p:cNvPr>
+          <p:cNvGrpSpPr/>
+          <p:nvPr/>
+        </p:nvGrpSpPr>
+        <p:grpSpPr>
+          <a:xfrm>
+            <a:off x="5039513" y="2413786"/>
+            <a:ext cx="1003777" cy="2183263"/>
+            <a:chOff x="5039513" y="2413786"/>
+            <a:chExt cx="1003777" cy="2183263"/>
+          </a:xfrm>
+        </p:grpSpPr>
+        <p:sp>
+          <p:nvSpPr>
+            <p:cNvPr id="30" name="矩形 29">
+              <a:extLst>
+                <a:ext uri="{FF2B5EF4-FFF2-40B4-BE49-F238E27FC236}">
+                  <a16:creationId xmlns:a16="http://schemas.microsoft.com/office/drawing/2014/main" id="{2FA170C5-68A2-2AC0-A6C2-B1F281188DB8}"/>
+                </a:ext>
+              </a:extLst>
+            </p:cNvPr>
+            <p:cNvSpPr/>
+            <p:nvPr/>
+          </p:nvSpPr>
+          <p:spPr>
+            <a:xfrm>
+              <a:off x="5039513" y="2413786"/>
+              <a:ext cx="1003777" cy="584321"/>
+            </a:xfrm>
+            <a:prstGeom prst="rect">
+              <a:avLst/>
+            </a:prstGeom>
+            <a:noFill/>
+            <a:ln w="38100">
+              <a:solidFill>
+                <a:srgbClr val="00B050"/>
+              </a:solidFill>
+            </a:ln>
+          </p:spPr>
+          <p:style>
+            <a:lnRef idx="2">
+              <a:schemeClr val="accent1">
+                <a:shade val="15000"/>
+              </a:schemeClr>
+            </a:lnRef>
+            <a:fillRef idx="1">
+              <a:schemeClr val="accent1"/>
+            </a:fillRef>
+            <a:effectRef idx="0">
+              <a:schemeClr val="accent1"/>
+            </a:effectRef>
+            <a:fontRef idx="minor">
+              <a:schemeClr val="lt1"/>
+            </a:fontRef>
+          </p:style>
+          <p:txBody>
+            <a:bodyPr rtlCol="0" anchor="ctr"/>
+            <a:lstStyle/>
+            <a:p>
+              <a:pPr algn="ctr"/>
+              <a:endParaRPr lang="zh-CN" altLang="en-US" dirty="0"/>
+            </a:p>
+          </p:txBody>
+        </p:sp>
+        <p:sp>
+          <p:nvSpPr>
+            <p:cNvPr id="31" name="矩形 30">
+              <a:extLst>
+                <a:ext uri="{FF2B5EF4-FFF2-40B4-BE49-F238E27FC236}">
+                  <a16:creationId xmlns:a16="http://schemas.microsoft.com/office/drawing/2014/main" id="{BAFDF943-ADAD-B00E-5D11-18AEA659FC01}"/>
+                </a:ext>
+              </a:extLst>
+            </p:cNvPr>
+            <p:cNvSpPr/>
+            <p:nvPr/>
+          </p:nvSpPr>
+          <p:spPr>
+            <a:xfrm>
+              <a:off x="5039513" y="3205117"/>
+              <a:ext cx="1003777" cy="584321"/>
+            </a:xfrm>
+            <a:prstGeom prst="rect">
+              <a:avLst/>
+            </a:prstGeom>
+            <a:noFill/>
+            <a:ln w="38100">
+              <a:solidFill>
+                <a:srgbClr val="00B050"/>
+              </a:solidFill>
+            </a:ln>
+          </p:spPr>
+          <p:style>
+            <a:lnRef idx="2">
+              <a:schemeClr val="accent1">
+                <a:shade val="15000"/>
+              </a:schemeClr>
+            </a:lnRef>
+            <a:fillRef idx="1">
+              <a:schemeClr val="accent1"/>
+            </a:fillRef>
+            <a:effectRef idx="0">
+              <a:schemeClr val="accent1"/>
+            </a:effectRef>
+            <a:fontRef idx="minor">
+              <a:schemeClr val="lt1"/>
+            </a:fontRef>
+          </p:style>
+          <p:txBody>
+            <a:bodyPr rtlCol="0" anchor="ctr"/>
+            <a:lstStyle/>
+            <a:p>
+              <a:pPr algn="ctr"/>
+              <a:endParaRPr lang="zh-CN" altLang="en-US" dirty="0"/>
+            </a:p>
+          </p:txBody>
+        </p:sp>
+        <p:sp>
+          <p:nvSpPr>
+            <p:cNvPr id="32" name="矩形 31">
+              <a:extLst>
+                <a:ext uri="{FF2B5EF4-FFF2-40B4-BE49-F238E27FC236}">
+                  <a16:creationId xmlns:a16="http://schemas.microsoft.com/office/drawing/2014/main" id="{5DA60B6B-19C9-9A39-CB2D-663AC446F8BC}"/>
+                </a:ext>
+              </a:extLst>
+            </p:cNvPr>
+            <p:cNvSpPr/>
+            <p:nvPr/>
+          </p:nvSpPr>
+          <p:spPr>
+            <a:xfrm>
+              <a:off x="5039513" y="4012728"/>
+              <a:ext cx="1003777" cy="584321"/>
+            </a:xfrm>
+            <a:prstGeom prst="rect">
+              <a:avLst/>
+            </a:prstGeom>
+            <a:noFill/>
+            <a:ln w="38100">
+              <a:solidFill>
+                <a:srgbClr val="00B050"/>
+              </a:solidFill>
+            </a:ln>
+          </p:spPr>
+          <p:style>
+            <a:lnRef idx="2">
+              <a:schemeClr val="accent1">
+                <a:shade val="15000"/>
+              </a:schemeClr>
+            </a:lnRef>
+            <a:fillRef idx="1">
+              <a:schemeClr val="accent1"/>
+            </a:fillRef>
+            <a:effectRef idx="0">
+              <a:schemeClr val="accent1"/>
+            </a:effectRef>
+            <a:fontRef idx="minor">
+              <a:schemeClr val="lt1"/>
+            </a:fontRef>
+          </p:style>
+          <p:txBody>
+            <a:bodyPr rtlCol="0" anchor="ctr"/>
+            <a:lstStyle/>
+            <a:p>
+              <a:pPr algn="ctr"/>
+              <a:endParaRPr lang="zh-CN" altLang="en-US" dirty="0"/>
+            </a:p>
+          </p:txBody>
+        </p:sp>
+      </p:grpSp>
+    </p:spTree>
+    <p:extLst>
+      <p:ext uri="{BB962C8B-B14F-4D97-AF65-F5344CB8AC3E}">
+        <p14:creationId xmlns:p14="http://schemas.microsoft.com/office/powerpoint/2010/main" val="4212836861"/>
+      </p:ext>
+    </p:extLst>
+  </p:cSld>
+  <p:clrMapOvr>
+    <a:masterClrMapping/>
+  </p:clrMapOvr>
+  <p:timing>
+    <p:tnLst>
+      <p:par>
+        <p:cTn id="1" dur="indefinite" restart="never" nodeType="tmRoot">
+          <p:childTnLst>
+            <p:seq concurrent="1" nextAc="seek">
+              <p:cTn id="2" dur="indefinite" nodeType="mainSeq">
+                <p:childTnLst>
+                  <p:par>
+                    <p:cTn id="3" fill="hold">
+                      <p:stCondLst>
+                        <p:cond delay="indefinite"/>
+                      </p:stCondLst>
+                      <p:childTnLst>
+                        <p:par>
+                          <p:cTn id="4" fill="hold">
+                            <p:stCondLst>
+                              <p:cond delay="0"/>
+                            </p:stCondLst>
+                            <p:childTnLst>
+                              <p:par>
+                                <p:cTn id="5" presetID="1" presetClass="entr" presetSubtype="0" fill="hold" nodeType="clickEffect">
+                                  <p:stCondLst>
+                                    <p:cond delay="0"/>
+                                  </p:stCondLst>
+                                  <p:childTnLst>
+                                    <p:set>
+                                      <p:cBhvr>
+                                        <p:cTn id="6" dur="1" fill="hold">
+                                          <p:stCondLst>
+                                            <p:cond delay="0"/>
+                                          </p:stCondLst>
+                                        </p:cTn>
+                                        <p:tgtEl>
+                                          <p:spTgt spid="20"/>
+                                        </p:tgtEl>
+                                        <p:attrNameLst>
+                                          <p:attrName>style.visibility</p:attrName>
+                                        </p:attrNameLst>
+                                      </p:cBhvr>
+                                      <p:to>
+                                        <p:strVal val="visible"/>
+                                      </p:to>
+                                    </p:set>
+                                  </p:childTnLst>
+                                </p:cTn>
+                              </p:par>
+                            </p:childTnLst>
+                          </p:cTn>
+                        </p:par>
+                      </p:childTnLst>
+                    </p:cTn>
+                  </p:par>
+                  <p:par>
+                    <p:cTn id="7" fill="hold">
+                      <p:stCondLst>
+                        <p:cond delay="indefinite"/>
+                      </p:stCondLst>
+                      <p:childTnLst>
+                        <p:par>
+                          <p:cTn id="8" fill="hold">
+                            <p:stCondLst>
+                              <p:cond delay="0"/>
+                            </p:stCondLst>
+                            <p:childTnLst>
+                              <p:par>
+                                <p:cTn id="9" presetID="1" presetClass="entr" presetSubtype="0" fill="hold" nodeType="clickEffect">
+                                  <p:stCondLst>
+                                    <p:cond delay="0"/>
+                                  </p:stCondLst>
+                                  <p:childTnLst>
+                                    <p:set>
+                                      <p:cBhvr>
+                                        <p:cTn id="10" dur="1" fill="hold">
+                                          <p:stCondLst>
+                                            <p:cond delay="0"/>
+                                          </p:stCondLst>
+                                        </p:cTn>
+                                        <p:tgtEl>
+                                          <p:spTgt spid="18"/>
+                                        </p:tgtEl>
+                                        <p:attrNameLst>
+                                          <p:attrName>style.visibility</p:attrName>
+                                        </p:attrNameLst>
+                                      </p:cBhvr>
+                                      <p:to>
+                                        <p:strVal val="visible"/>
+                                      </p:to>
+                                    </p:set>
+                                  </p:childTnLst>
+                                </p:cTn>
+                              </p:par>
+                              <p:par>
+                                <p:cTn id="11" presetID="1" presetClass="exit" presetSubtype="0" fill="hold" nodeType="withEffect">
+                                  <p:stCondLst>
+                                    <p:cond delay="0"/>
+                                  </p:stCondLst>
+                                  <p:childTnLst>
+                                    <p:set>
+                                      <p:cBhvr>
+                                        <p:cTn id="12" dur="1" fill="hold">
+                                          <p:stCondLst>
+                                            <p:cond delay="0"/>
+                                          </p:stCondLst>
+                                        </p:cTn>
+                                        <p:tgtEl>
+                                          <p:spTgt spid="20"/>
+                                        </p:tgtEl>
+                                        <p:attrNameLst>
+                                          <p:attrName>style.visibility</p:attrName>
+                                        </p:attrNameLst>
+                                      </p:cBhvr>
+                                      <p:to>
+                                        <p:strVal val="hidden"/>
+                                      </p:to>
+                                    </p:set>
+                                  </p:childTnLst>
+                                </p:cTn>
+                              </p:par>
+                            </p:childTnLst>
+                          </p:cTn>
+                        </p:par>
+                      </p:childTnLst>
+                    </p:cTn>
+                  </p:par>
+                  <p:par>
+                    <p:cTn id="13" fill="hold">
+                      <p:stCondLst>
+                        <p:cond delay="indefinite"/>
+                      </p:stCondLst>
+                      <p:childTnLst>
+                        <p:par>
+                          <p:cTn id="14" fill="hold">
+                            <p:stCondLst>
+                              <p:cond delay="0"/>
+                            </p:stCondLst>
+                            <p:childTnLst>
+                              <p:par>
+                                <p:cTn id="15" presetID="1" presetClass="entr" presetSubtype="0" fill="hold" nodeType="clickEffect">
+                                  <p:stCondLst>
+                                    <p:cond delay="0"/>
+                                  </p:stCondLst>
+                                  <p:childTnLst>
+                                    <p:set>
+                                      <p:cBhvr>
+                                        <p:cTn id="16" dur="1" fill="hold">
+                                          <p:stCondLst>
+                                            <p:cond delay="0"/>
+                                          </p:stCondLst>
+                                        </p:cTn>
+                                        <p:tgtEl>
+                                          <p:spTgt spid="26"/>
+                                        </p:tgtEl>
+                                        <p:attrNameLst>
+                                          <p:attrName>style.visibility</p:attrName>
+                                        </p:attrNameLst>
+                                      </p:cBhvr>
+                                      <p:to>
+                                        <p:strVal val="visible"/>
+                                      </p:to>
+                                    </p:set>
+                                  </p:childTnLst>
+                                </p:cTn>
+                              </p:par>
+                              <p:par>
+                                <p:cTn id="17" presetID="1" presetClass="exit" presetSubtype="0" fill="hold" nodeType="withEffect">
+                                  <p:stCondLst>
+                                    <p:cond delay="0"/>
+                                  </p:stCondLst>
+                                  <p:childTnLst>
+                                    <p:set>
+                                      <p:cBhvr>
+                                        <p:cTn id="18" dur="1" fill="hold">
+                                          <p:stCondLst>
+                                            <p:cond delay="0"/>
+                                          </p:stCondLst>
+                                        </p:cTn>
+                                        <p:tgtEl>
+                                          <p:spTgt spid="18"/>
+                                        </p:tgtEl>
+                                        <p:attrNameLst>
+                                          <p:attrName>style.visibility</p:attrName>
+                                        </p:attrNameLst>
+                                      </p:cBhvr>
+                                      <p:to>
+                                        <p:strVal val="hidden"/>
+                                      </p:to>
+                                    </p:set>
+                                  </p:childTnLst>
+                                </p:cTn>
+                              </p:par>
+                            </p:childTnLst>
+                          </p:cTn>
+                        </p:par>
+                      </p:childTnLst>
+                    </p:cTn>
+                  </p:par>
+                  <p:par>
+                    <p:cTn id="19" fill="hold">
+                      <p:stCondLst>
+                        <p:cond delay="indefinite"/>
+                      </p:stCondLst>
+                      <p:childTnLst>
+                        <p:par>
+                          <p:cTn id="20" fill="hold">
+                            <p:stCondLst>
+                              <p:cond delay="0"/>
+                            </p:stCondLst>
+                            <p:childTnLst>
+                              <p:par>
+                                <p:cTn id="21" presetID="1" presetClass="entr" presetSubtype="0" fill="hold" nodeType="clickEffect">
+                                  <p:stCondLst>
+                                    <p:cond delay="0"/>
+                                  </p:stCondLst>
+                                  <p:childTnLst>
+                                    <p:set>
+                                      <p:cBhvr>
+                                        <p:cTn id="22" dur="1" fill="hold">
+                                          <p:stCondLst>
+                                            <p:cond delay="0"/>
+                                          </p:stCondLst>
+                                        </p:cTn>
+                                        <p:tgtEl>
+                                          <p:spTgt spid="33"/>
+                                        </p:tgtEl>
+                                        <p:attrNameLst>
+                                          <p:attrName>style.visibility</p:attrName>
+                                        </p:attrNameLst>
+                                      </p:cBhvr>
+                                      <p:to>
+                                        <p:strVal val="visible"/>
+                                      </p:to>
+                                    </p:set>
+                                  </p:childTnLst>
+                                </p:cTn>
+                              </p:par>
+                              <p:par>
+                                <p:cTn id="23" presetID="1" presetClass="exit" presetSubtype="0" fill="hold" nodeType="withEffect">
+                                  <p:stCondLst>
+                                    <p:cond delay="0"/>
+                                  </p:stCondLst>
+                                  <p:childTnLst>
+                                    <p:set>
+                                      <p:cBhvr>
+                                        <p:cTn id="24" dur="1" fill="hold">
+                                          <p:stCondLst>
+                                            <p:cond delay="0"/>
+                                          </p:stCondLst>
+                                        </p:cTn>
+                                        <p:tgtEl>
+                                          <p:spTgt spid="26"/>
+                                        </p:tgtEl>
+                                        <p:attrNameLst>
+                                          <p:attrName>style.visibility</p:attrName>
+                                        </p:attrNameLst>
+                                      </p:cBhvr>
+                                      <p:to>
+                                        <p:strVal val="hidden"/>
+                                      </p:to>
+                                    </p:set>
+                                  </p:childTnLst>
+                                </p:cTn>
+                              </p:par>
+                            </p:childTnLst>
+                          </p:cTn>
+                        </p:par>
+                      </p:childTnLst>
+                    </p:cTn>
+                  </p:par>
+                </p:childTnLst>
+              </p:cTn>
+              <p:prevCondLst>
+                <p:cond evt="onPrev" delay="0">
+                  <p:tgtEl>
+                    <p:sldTgt/>
+                  </p:tgtEl>
+                </p:cond>
+              </p:prevCondLst>
+              <p:nextCondLst>
+                <p:cond evt="onNext" delay="0">
+                  <p:tgtEl>
+                    <p:sldTgt/>
+                  </p:tgtEl>
+                </p:cond>
+              </p:nextCondLst>
+            </p:seq>
+          </p:childTnLst>
+        </p:cTn>
+      </p:par>
+    </p:tnLst>
+  </p:timing>
+</p:sld>
+</file>
+
+<file path=ppt/slides/slide16.xml><?xml version="1.0" encoding="utf-8"?>
+<p:sld xmlns:a="http://schemas.openxmlformats.org/drawingml/2006/main" xmlns:r="http://schemas.openxmlformats.org/officeDocument/2006/relationships" xmlns:p="http://schemas.openxmlformats.org/presentationml/2006/main">
+  <p:cSld>
+    <p:spTree>
+      <p:nvGrpSpPr>
+        <p:cNvPr id="1" name=""/>
+        <p:cNvGrpSpPr/>
+        <p:nvPr/>
+      </p:nvGrpSpPr>
+      <p:grpSpPr>
+        <a:xfrm>
+          <a:off x="0" y="0"/>
+          <a:ext cx="0" cy="0"/>
+          <a:chOff x="0" y="0"/>
+          <a:chExt cx="0" cy="0"/>
+        </a:xfrm>
+      </p:grpSpPr>
+      <p:sp>
+        <p:nvSpPr>
+          <p:cNvPr id="2" name="标题 1"/>
+          <p:cNvSpPr>
+            <a:spLocks noGrp="1"/>
+          </p:cNvSpPr>
+          <p:nvPr>
+            <p:ph type="title"/>
+          </p:nvPr>
+        </p:nvSpPr>
+        <p:spPr/>
+        <p:txBody>
+          <a:bodyPr/>
+          <a:lstStyle/>
+          <a:p>
+            <a:r>
+              <a:rPr lang="en-US" altLang="zh-CN" b="1" dirty="0"/>
+              <a:t>Analysis</a:t>
+            </a:r>
+          </a:p>
+        </p:txBody>
+      </p:sp>
+      <p:sp>
+        <p:nvSpPr>
+          <p:cNvPr id="3" name="文本框 2"/>
+          <p:cNvSpPr txBox="1"/>
+          <p:nvPr/>
+        </p:nvSpPr>
+        <p:spPr>
+          <a:xfrm>
+            <a:off x="399190" y="971400"/>
+            <a:ext cx="11792809" cy="5497133"/>
+          </a:xfrm>
+          <a:prstGeom prst="rect">
+            <a:avLst/>
+          </a:prstGeom>
+          <a:noFill/>
+        </p:spPr>
+        <p:txBody>
+          <a:bodyPr wrap="square" rtlCol="0">
+            <a:noAutofit/>
+          </a:bodyPr>
+          <a:lstStyle/>
+          <a:p>
+            <a:pPr marL="457200" indent="-457200">
+              <a:lnSpc>
+                <a:spcPct val="150000"/>
+              </a:lnSpc>
+              <a:buFont typeface="Arial" panose="020B0604020202020204" pitchFamily="34" charset="0"/>
+              <a:buChar char="•"/>
+            </a:pPr>
+            <a:r>
+              <a:rPr lang="en-US" altLang="zh-CN" sz="2400" b="1" dirty="0">
+                <a:solidFill>
+                  <a:srgbClr val="802258"/>
+                </a:solidFill>
+                <a:latin typeface="华文中宋" panose="02010600040101010101" pitchFamily="2" charset="-122"/>
+                <a:ea typeface="华文中宋" panose="02010600040101010101" pitchFamily="2" charset="-122"/>
+              </a:rPr>
+              <a:t>Effect of the Hyperparameter</a:t>
+            </a:r>
+          </a:p>
+          <a:p>
+            <a:pPr marL="914400" lvl="1" indent="-457200">
+              <a:lnSpc>
+                <a:spcPct val="150000"/>
+              </a:lnSpc>
+              <a:buFont typeface="Arial" panose="020B0604020202020204" pitchFamily="34" charset="0"/>
+              <a:buChar char="•"/>
+            </a:pPr>
+            <a:endParaRPr lang="en-US" altLang="zh-CN" sz="2000" dirty="0">
+              <a:latin typeface="华文中宋" panose="02010600040101010101" pitchFamily="2" charset="-122"/>
+              <a:ea typeface="华文中宋" panose="02010600040101010101" pitchFamily="2" charset="-122"/>
+            </a:endParaRPr>
+          </a:p>
+          <a:p>
+            <a:pPr marL="914400" lvl="1" indent="-457200">
+              <a:lnSpc>
+                <a:spcPct val="150000"/>
+              </a:lnSpc>
+              <a:buFont typeface="Arial" panose="020B0604020202020204" pitchFamily="34" charset="0"/>
+              <a:buChar char="•"/>
+            </a:pPr>
+            <a:endParaRPr lang="en-US" altLang="zh-CN" sz="2000" dirty="0">
+              <a:latin typeface="华文中宋" panose="02010600040101010101" pitchFamily="2" charset="-122"/>
+              <a:ea typeface="华文中宋" panose="02010600040101010101" pitchFamily="2" charset="-122"/>
+            </a:endParaRPr>
+          </a:p>
+          <a:p>
+            <a:pPr marL="914400" lvl="1" indent="-457200">
+              <a:lnSpc>
+                <a:spcPct val="150000"/>
+              </a:lnSpc>
+              <a:buFont typeface="Arial" panose="020B0604020202020204" pitchFamily="34" charset="0"/>
+              <a:buChar char="•"/>
+            </a:pPr>
+            <a:endParaRPr lang="en-US" altLang="zh-CN" sz="2000" dirty="0">
+              <a:latin typeface="华文中宋" panose="02010600040101010101" pitchFamily="2" charset="-122"/>
+              <a:ea typeface="华文中宋" panose="02010600040101010101" pitchFamily="2" charset="-122"/>
+            </a:endParaRPr>
+          </a:p>
+          <a:p>
+            <a:pPr marL="914400" lvl="1" indent="-457200">
+              <a:lnSpc>
+                <a:spcPct val="150000"/>
+              </a:lnSpc>
+              <a:buFont typeface="Arial" panose="020B0604020202020204" pitchFamily="34" charset="0"/>
+              <a:buChar char="•"/>
+            </a:pPr>
+            <a:r>
+              <a:rPr lang="en-US" altLang="zh-CN" sz="2000" dirty="0">
+                <a:latin typeface="华文中宋" panose="02010600040101010101" pitchFamily="2" charset="-122"/>
+                <a:ea typeface="华文中宋" panose="02010600040101010101" pitchFamily="2" charset="-122"/>
+              </a:rPr>
+              <a:t>Model Settings</a:t>
+            </a:r>
+            <a:r>
+              <a:rPr lang="zh-CN" altLang="en-US" sz="2000" dirty="0">
+                <a:latin typeface="华文中宋" panose="02010600040101010101" pitchFamily="2" charset="-122"/>
+                <a:ea typeface="华文中宋" panose="02010600040101010101" pitchFamily="2" charset="-122"/>
+              </a:rPr>
+              <a:t>：</a:t>
+            </a:r>
+            <a:r>
+              <a:rPr lang="en-US" altLang="zh-CN" sz="2000" dirty="0">
+                <a:latin typeface="华文中宋" panose="02010600040101010101" pitchFamily="2" charset="-122"/>
+                <a:ea typeface="华文中宋" panose="02010600040101010101" pitchFamily="2" charset="-122"/>
+              </a:rPr>
+              <a:t>BERT-base, 12 transformer layers</a:t>
+            </a:r>
+          </a:p>
+          <a:p>
+            <a:pPr marL="914400" lvl="1" indent="-457200">
+              <a:lnSpc>
+                <a:spcPct val="150000"/>
+              </a:lnSpc>
+              <a:buFont typeface="Arial" panose="020B0604020202020204" pitchFamily="34" charset="0"/>
+              <a:buChar char="•"/>
+            </a:pPr>
+            <a:r>
+              <a:rPr lang="en-US" altLang="zh-CN" sz="2000" dirty="0">
+                <a:latin typeface="华文中宋" panose="02010600040101010101" pitchFamily="2" charset="-122"/>
+                <a:ea typeface="华文中宋" panose="02010600040101010101" pitchFamily="2" charset="-122"/>
+              </a:rPr>
+              <a:t>Baseline</a:t>
+            </a:r>
+          </a:p>
+          <a:p>
+            <a:pPr marL="1371600" lvl="2" indent="-457200">
+              <a:lnSpc>
+                <a:spcPct val="150000"/>
+              </a:lnSpc>
+              <a:buFont typeface="Arial" panose="020B0604020202020204" pitchFamily="34" charset="0"/>
+              <a:buChar char="•"/>
+            </a:pPr>
+            <a:r>
+              <a:rPr lang="en-US" altLang="zh-CN" sz="2000" dirty="0">
+                <a:latin typeface="华文中宋" panose="02010600040101010101" pitchFamily="2" charset="-122"/>
+                <a:ea typeface="华文中宋" panose="02010600040101010101" pitchFamily="2" charset="-122"/>
+              </a:rPr>
+              <a:t>BERT-O: No Enron, an oracle for assessing the risk of privacy leakage</a:t>
+            </a:r>
+          </a:p>
+          <a:p>
+            <a:pPr marL="1371600" lvl="2" indent="-457200">
+              <a:lnSpc>
+                <a:spcPct val="150000"/>
+              </a:lnSpc>
+              <a:buFont typeface="Arial" panose="020B0604020202020204" pitchFamily="34" charset="0"/>
+              <a:buChar char="•"/>
+            </a:pPr>
+            <a:r>
+              <a:rPr lang="en-US" altLang="zh-CN" sz="2000" dirty="0">
+                <a:latin typeface="华文中宋" panose="02010600040101010101" pitchFamily="2" charset="-122"/>
+                <a:ea typeface="华文中宋" panose="02010600040101010101" pitchFamily="2" charset="-122"/>
+              </a:rPr>
+              <a:t>BERT-F: Enron + BERT, best predictive performance on the Enron, has the greatest risk of privacy leakage</a:t>
+            </a:r>
+          </a:p>
+          <a:p>
+            <a:pPr marL="1371600" lvl="2" indent="-457200">
+              <a:lnSpc>
+                <a:spcPct val="150000"/>
+              </a:lnSpc>
+              <a:buFont typeface="Arial" panose="020B0604020202020204" pitchFamily="34" charset="0"/>
+              <a:buChar char="•"/>
+            </a:pPr>
+            <a:r>
+              <a:rPr lang="en-US" altLang="zh-CN" sz="2000" dirty="0">
+                <a:latin typeface="华文中宋" panose="02010600040101010101" pitchFamily="2" charset="-122"/>
+                <a:ea typeface="华文中宋" panose="02010600040101010101" pitchFamily="2" charset="-122"/>
+              </a:rPr>
+              <a:t>BERT-DP: Enron + BERT + differential privacy gradient descent</a:t>
+            </a:r>
+          </a:p>
+          <a:p>
+            <a:pPr marL="914400" lvl="1" indent="-457200">
+              <a:lnSpc>
+                <a:spcPct val="150000"/>
+              </a:lnSpc>
+              <a:buFont typeface="Arial" panose="020B0604020202020204" pitchFamily="34" charset="0"/>
+              <a:buChar char="•"/>
+            </a:pPr>
+            <a:r>
+              <a:rPr lang="en-US" altLang="zh-CN" sz="2000" dirty="0">
+                <a:latin typeface="华文中宋" panose="02010600040101010101" pitchFamily="2" charset="-122"/>
+                <a:ea typeface="华文中宋" panose="02010600040101010101" pitchFamily="2" charset="-122"/>
+              </a:rPr>
+              <a:t>Metrics</a:t>
+            </a:r>
+          </a:p>
+          <a:p>
+            <a:pPr marL="1371600" lvl="2" indent="-457200">
+              <a:lnSpc>
+                <a:spcPct val="150000"/>
+              </a:lnSpc>
+              <a:buFont typeface="Arial" panose="020B0604020202020204" pitchFamily="34" charset="0"/>
+              <a:buChar char="•"/>
+            </a:pPr>
+            <a:r>
+              <a:rPr lang="en-US" altLang="zh-CN" sz="2000" dirty="0">
+                <a:latin typeface="华文中宋" panose="02010600040101010101" pitchFamily="2" charset="-122"/>
+                <a:ea typeface="华文中宋" panose="02010600040101010101" pitchFamily="2" charset="-122"/>
+              </a:rPr>
+              <a:t>Exposure: measure the exposure risk of phone numbers</a:t>
+            </a:r>
+          </a:p>
+          <a:p>
+            <a:pPr marL="1371600" lvl="2" indent="-457200">
+              <a:lnSpc>
+                <a:spcPct val="150000"/>
+              </a:lnSpc>
+              <a:buFont typeface="Arial" panose="020B0604020202020204" pitchFamily="34" charset="0"/>
+              <a:buChar char="•"/>
+            </a:pPr>
+            <a:r>
+              <a:rPr lang="en-US" altLang="zh-CN" sz="2000" dirty="0">
+                <a:latin typeface="华文中宋" panose="02010600040101010101" pitchFamily="2" charset="-122"/>
+                <a:ea typeface="华文中宋" panose="02010600040101010101" pitchFamily="2" charset="-122"/>
+              </a:rPr>
+              <a:t>Mean Reciprocal Rank (MRR): measure the model's memorization of names</a:t>
+            </a:r>
+          </a:p>
+          <a:p>
+            <a:pPr marL="1371600" lvl="2" indent="-457200">
+              <a:lnSpc>
+                <a:spcPct val="150000"/>
+              </a:lnSpc>
+              <a:buFont typeface="Arial" panose="020B0604020202020204" pitchFamily="34" charset="0"/>
+              <a:buChar char="•"/>
+            </a:pPr>
+            <a:r>
+              <a:rPr lang="en-US" altLang="zh-CN" sz="2000" dirty="0">
+                <a:latin typeface="华文中宋" panose="02010600040101010101" pitchFamily="2" charset="-122"/>
+                <a:ea typeface="华文中宋" panose="02010600040101010101" pitchFamily="2" charset="-122"/>
+              </a:rPr>
+              <a:t>Perplexity (PPL): measure the model memorization</a:t>
+            </a:r>
+          </a:p>
+        </p:txBody>
+      </p:sp>
+    </p:spTree>
+    <p:extLst>
+      <p:ext uri="{BB962C8B-B14F-4D97-AF65-F5344CB8AC3E}">
+        <p14:creationId xmlns:p14="http://schemas.microsoft.com/office/powerpoint/2010/main" val="2088825589"/>
+      </p:ext>
+    </p:extLst>
+  </p:cSld>
+  <p:clrMapOvr>
+    <a:masterClrMapping/>
+  </p:clrMapOvr>
+</p:sld>
+</file>
+
+<file path=ppt/slides/slide17.xml><?xml version="1.0" encoding="utf-8"?>
+<p:sld xmlns:a="http://schemas.openxmlformats.org/drawingml/2006/main" xmlns:r="http://schemas.openxmlformats.org/officeDocument/2006/relationships" xmlns:p="http://schemas.openxmlformats.org/presentationml/2006/main">
+  <p:cSld>
+    <p:spTree>
+      <p:nvGrpSpPr>
+        <p:cNvPr id="1" name=""/>
+        <p:cNvGrpSpPr/>
+        <p:nvPr/>
+      </p:nvGrpSpPr>
+      <p:grpSpPr>
+        <a:xfrm>
+          <a:off x="0" y="0"/>
+          <a:ext cx="0" cy="0"/>
+          <a:chOff x="0" y="0"/>
+          <a:chExt cx="0" cy="0"/>
+        </a:xfrm>
+      </p:grpSpPr>
+      <p:sp>
+        <p:nvSpPr>
           <p:cNvPr id="4" name="文本框 3"/>
           <p:cNvSpPr txBox="1"/>
           <p:nvPr/>
         </p:nvSpPr>
         <p:spPr>
           <a:xfrm>
-            <a:off x="2172586" y="2875002"/>
+            <a:off x="2172586" y="2008728"/>
             <a:ext cx="7846828" cy="1107996"/>
           </a:xfrm>
           <a:prstGeom prst="rect">
@@ -5012,6 +8568,582 @@
                 <a:cs typeface="Times New Roman" panose="02020603050405020304" pitchFamily="18" charset="0"/>
               </a:rPr>
               <a:t>Thanks</a:t>
+            </a:r>
+          </a:p>
+        </p:txBody>
+      </p:sp>
+      <p:graphicFrame>
+        <p:nvGraphicFramePr>
+          <p:cNvPr id="2" name="表格 1">
+            <a:extLst>
+              <a:ext uri="{FF2B5EF4-FFF2-40B4-BE49-F238E27FC236}">
+                <a16:creationId xmlns:a16="http://schemas.microsoft.com/office/drawing/2014/main" id="{F50D888B-B0E4-9C9D-BB04-FC1B98AE292B}"/>
+              </a:ext>
+            </a:extLst>
+          </p:cNvPr>
+          <p:cNvGraphicFramePr>
+            <a:graphicFrameLocks noGrp="1"/>
+          </p:cNvGraphicFramePr>
+          <p:nvPr>
+            <p:extLst>
+              <p:ext uri="{D42A27DB-BD31-4B8C-83A1-F6EECF244321}">
+                <p14:modId xmlns:p14="http://schemas.microsoft.com/office/powerpoint/2010/main" val="2971285066"/>
+              </p:ext>
+            </p:extLst>
+          </p:nvPr>
+        </p:nvGraphicFramePr>
+        <p:xfrm>
+          <a:off x="3929698" y="5028902"/>
+          <a:ext cx="4332603" cy="1124696"/>
+        </p:xfrm>
+        <a:graphic>
+          <a:graphicData uri="http://schemas.openxmlformats.org/drawingml/2006/table">
+            <a:tbl>
+              <a:tblPr firstRow="1" bandRow="1">
+                <a:tableStyleId>{5C22544A-7EE6-4342-B048-85BDC9FD1C3A}</a:tableStyleId>
+              </a:tblPr>
+              <a:tblGrid>
+                <a:gridCol w="1013532">
+                  <a:extLst>
+                    <a:ext uri="{9D8B030D-6E8A-4147-A177-3AD203B41FA5}">
+                      <a16:colId xmlns:a16="http://schemas.microsoft.com/office/drawing/2014/main" val="577754717"/>
+                    </a:ext>
+                  </a:extLst>
+                </a:gridCol>
+                <a:gridCol w="720250">
+                  <a:extLst>
+                    <a:ext uri="{9D8B030D-6E8A-4147-A177-3AD203B41FA5}">
+                      <a16:colId xmlns:a16="http://schemas.microsoft.com/office/drawing/2014/main" val="1208414747"/>
+                    </a:ext>
+                  </a:extLst>
+                </a:gridCol>
+                <a:gridCol w="2598821">
+                  <a:extLst>
+                    <a:ext uri="{9D8B030D-6E8A-4147-A177-3AD203B41FA5}">
+                      <a16:colId xmlns:a16="http://schemas.microsoft.com/office/drawing/2014/main" val="2887465251"/>
+                    </a:ext>
+                  </a:extLst>
+                </a:gridCol>
+              </a:tblGrid>
+              <a:tr h="281174">
+                <a:tc>
+                  <a:txBody>
+                    <a:bodyPr/>
+                    <a:lstStyle/>
+                    <a:p>
+                      <a:pPr marL="0" algn="ctr" defTabSz="914400" rtl="0" eaLnBrk="1" latinLnBrk="0" hangingPunct="1"/>
+                      <a:r>
+                        <a:rPr lang="en-US" altLang="zh-CN" sz="1200" b="0" kern="1200" dirty="0">
+                          <a:solidFill>
+                            <a:schemeClr val="dk1"/>
+                          </a:solidFill>
+                          <a:latin typeface="Times New Roman" panose="02020603050405020304" pitchFamily="18" charset="0"/>
+                          <a:ea typeface="华文中宋" panose="02010600040101010101" pitchFamily="2" charset="-122"/>
+                          <a:cs typeface="Times New Roman" panose="02020603050405020304" pitchFamily="18" charset="0"/>
+                        </a:rPr>
+                        <a:t>Xiuming</a:t>
+                      </a:r>
+                      <a:r>
+                        <a:rPr lang="zh-CN" altLang="en-US" sz="1200" b="0" kern="1200" dirty="0">
+                          <a:solidFill>
+                            <a:schemeClr val="dk1"/>
+                          </a:solidFill>
+                          <a:latin typeface="Times New Roman" panose="02020603050405020304" pitchFamily="18" charset="0"/>
+                          <a:ea typeface="华文中宋" panose="02010600040101010101" pitchFamily="2" charset="-122"/>
+                          <a:cs typeface="Times New Roman" panose="02020603050405020304" pitchFamily="18" charset="0"/>
+                        </a:rPr>
+                        <a:t> </a:t>
+                      </a:r>
+                      <a:r>
+                        <a:rPr lang="en-US" altLang="zh-CN" sz="1200" b="0" kern="1200" dirty="0">
+                          <a:solidFill>
+                            <a:schemeClr val="dk1"/>
+                          </a:solidFill>
+                          <a:latin typeface="Times New Roman" panose="02020603050405020304" pitchFamily="18" charset="0"/>
+                          <a:ea typeface="华文中宋" panose="02010600040101010101" pitchFamily="2" charset="-122"/>
+                          <a:cs typeface="Times New Roman" panose="02020603050405020304" pitchFamily="18" charset="0"/>
+                        </a:rPr>
+                        <a:t>Liu</a:t>
+                      </a:r>
+                      <a:endParaRPr lang="zh-CN" altLang="en-US" sz="1200" b="0" kern="1200" dirty="0">
+                        <a:solidFill>
+                          <a:schemeClr val="dk1"/>
+                        </a:solidFill>
+                        <a:latin typeface="Times New Roman" panose="02020603050405020304" pitchFamily="18" charset="0"/>
+                        <a:ea typeface="华文中宋" panose="02010600040101010101" pitchFamily="2" charset="-122"/>
+                        <a:cs typeface="Times New Roman" panose="02020603050405020304" pitchFamily="18" charset="0"/>
+                      </a:endParaRPr>
+                    </a:p>
+                  </a:txBody>
+                  <a:tcPr anchor="ctr">
+                    <a:noFill/>
+                  </a:tcPr>
+                </a:tc>
+                <a:tc>
+                  <a:txBody>
+                    <a:bodyPr/>
+                    <a:lstStyle/>
+                    <a:p>
+                      <a:pPr marL="0" algn="ctr" defTabSz="914400" rtl="0" eaLnBrk="1" latinLnBrk="0" hangingPunct="1"/>
+                      <a:r>
+                        <a:rPr lang="en-US" altLang="zh-CN" sz="1200" b="0" kern="1200" dirty="0">
+                          <a:solidFill>
+                            <a:schemeClr val="dk1"/>
+                          </a:solidFill>
+                          <a:latin typeface="Times New Roman" panose="02020603050405020304" pitchFamily="18" charset="0"/>
+                          <a:ea typeface="华文中宋" panose="02010600040101010101" pitchFamily="2" charset="-122"/>
+                          <a:cs typeface="Times New Roman" panose="02020603050405020304" pitchFamily="18" charset="0"/>
+                        </a:rPr>
+                        <a:t>2112492</a:t>
+                      </a:r>
+                      <a:endParaRPr lang="zh-CN" altLang="en-US" sz="1200" b="0" kern="1200" dirty="0">
+                        <a:solidFill>
+                          <a:schemeClr val="dk1"/>
+                        </a:solidFill>
+                        <a:latin typeface="Times New Roman" panose="02020603050405020304" pitchFamily="18" charset="0"/>
+                        <a:ea typeface="华文中宋" panose="02010600040101010101" pitchFamily="2" charset="-122"/>
+                        <a:cs typeface="Times New Roman" panose="02020603050405020304" pitchFamily="18" charset="0"/>
+                      </a:endParaRPr>
+                    </a:p>
+                  </a:txBody>
+                  <a:tcPr anchor="ctr">
+                    <a:noFill/>
+                  </a:tcPr>
+                </a:tc>
+                <a:tc>
+                  <a:txBody>
+                    <a:bodyPr/>
+                    <a:lstStyle/>
+                    <a:p>
+                      <a:pPr marL="0" algn="ctr" defTabSz="914400" rtl="0" eaLnBrk="1" latinLnBrk="0" hangingPunct="1"/>
+                      <a:r>
+                        <a:rPr lang="en-US" altLang="zh-CN" sz="1200" b="0" kern="1200" dirty="0">
+                          <a:solidFill>
+                            <a:schemeClr val="dk1"/>
+                          </a:solidFill>
+                          <a:latin typeface="Times New Roman" panose="02020603050405020304" pitchFamily="18" charset="0"/>
+                          <a:ea typeface="华文中宋" panose="02010600040101010101" pitchFamily="2" charset="-122"/>
+                          <a:cs typeface="Times New Roman" panose="02020603050405020304" pitchFamily="18" charset="0"/>
+                        </a:rPr>
+                        <a:t>Information Security</a:t>
+                      </a:r>
+                      <a:endParaRPr lang="zh-CN" altLang="en-US" sz="1200" b="0" kern="1200" dirty="0">
+                        <a:solidFill>
+                          <a:schemeClr val="dk1"/>
+                        </a:solidFill>
+                        <a:latin typeface="Times New Roman" panose="02020603050405020304" pitchFamily="18" charset="0"/>
+                        <a:ea typeface="华文中宋" panose="02010600040101010101" pitchFamily="2" charset="-122"/>
+                        <a:cs typeface="Times New Roman" panose="02020603050405020304" pitchFamily="18" charset="0"/>
+                      </a:endParaRPr>
+                    </a:p>
+                  </a:txBody>
+                  <a:tcPr anchor="ctr">
+                    <a:noFill/>
+                  </a:tcPr>
+                </a:tc>
+                <a:extLst>
+                  <a:ext uri="{0D108BD9-81ED-4DB2-BD59-A6C34878D82A}">
+                    <a16:rowId xmlns:a16="http://schemas.microsoft.com/office/drawing/2014/main" val="3513765569"/>
+                  </a:ext>
+                </a:extLst>
+              </a:tr>
+              <a:tr h="281174">
+                <a:tc>
+                  <a:txBody>
+                    <a:bodyPr/>
+                    <a:lstStyle/>
+                    <a:p>
+                      <a:pPr marL="0" algn="ctr" defTabSz="914400" rtl="0" eaLnBrk="1" latinLnBrk="0" hangingPunct="1"/>
+                      <a:r>
+                        <a:rPr lang="en-US" altLang="zh-CN" sz="1200" b="0" kern="1200" dirty="0">
+                          <a:solidFill>
+                            <a:schemeClr val="dk1"/>
+                          </a:solidFill>
+                          <a:latin typeface="Times New Roman" panose="02020603050405020304" pitchFamily="18" charset="0"/>
+                          <a:ea typeface="华文中宋" panose="02010600040101010101" pitchFamily="2" charset="-122"/>
+                          <a:cs typeface="Times New Roman" panose="02020603050405020304" pitchFamily="18" charset="0"/>
+                          <a:sym typeface="+mn-ea"/>
+                        </a:rPr>
+                        <a:t>Yuchen</a:t>
+                      </a:r>
+                      <a:r>
+                        <a:rPr lang="zh-CN" altLang="en-US" sz="1200" b="0" kern="1200" dirty="0">
+                          <a:solidFill>
+                            <a:schemeClr val="dk1"/>
+                          </a:solidFill>
+                          <a:latin typeface="Times New Roman" panose="02020603050405020304" pitchFamily="18" charset="0"/>
+                          <a:ea typeface="华文中宋" panose="02010600040101010101" pitchFamily="2" charset="-122"/>
+                          <a:cs typeface="Times New Roman" panose="02020603050405020304" pitchFamily="18" charset="0"/>
+                          <a:sym typeface="+mn-ea"/>
+                        </a:rPr>
+                        <a:t> </a:t>
+                      </a:r>
+                      <a:r>
+                        <a:rPr lang="en-US" altLang="zh-CN" sz="1200" b="0" kern="1200" dirty="0">
+                          <a:solidFill>
+                            <a:schemeClr val="dk1"/>
+                          </a:solidFill>
+                          <a:latin typeface="Times New Roman" panose="02020603050405020304" pitchFamily="18" charset="0"/>
+                          <a:ea typeface="华文中宋" panose="02010600040101010101" pitchFamily="2" charset="-122"/>
+                          <a:cs typeface="Times New Roman" panose="02020603050405020304" pitchFamily="18" charset="0"/>
+                          <a:sym typeface="+mn-ea"/>
+                        </a:rPr>
+                        <a:t>Zhou</a:t>
+                      </a:r>
+                      <a:endParaRPr lang="zh-CN" altLang="en-US" sz="1200" b="0" kern="1200" dirty="0">
+                        <a:solidFill>
+                          <a:schemeClr val="dk1"/>
+                        </a:solidFill>
+                        <a:latin typeface="Times New Roman" panose="02020603050405020304" pitchFamily="18" charset="0"/>
+                        <a:ea typeface="华文中宋" panose="02010600040101010101" pitchFamily="2" charset="-122"/>
+                        <a:cs typeface="Times New Roman" panose="02020603050405020304" pitchFamily="18" charset="0"/>
+                      </a:endParaRPr>
+                    </a:p>
+                  </a:txBody>
+                  <a:tcPr anchor="ctr">
+                    <a:noFill/>
+                  </a:tcPr>
+                </a:tc>
+                <a:tc>
+                  <a:txBody>
+                    <a:bodyPr/>
+                    <a:lstStyle/>
+                    <a:p>
+                      <a:pPr marL="0" algn="ctr" defTabSz="914400" rtl="0" eaLnBrk="1" latinLnBrk="0" hangingPunct="1"/>
+                      <a:r>
+                        <a:rPr lang="en-US" altLang="zh-CN" sz="1200" b="0" kern="1200" dirty="0">
+                          <a:solidFill>
+                            <a:schemeClr val="dk1"/>
+                          </a:solidFill>
+                          <a:latin typeface="Times New Roman" panose="02020603050405020304" pitchFamily="18" charset="0"/>
+                          <a:ea typeface="华文中宋" panose="02010600040101010101" pitchFamily="2" charset="-122"/>
+                          <a:cs typeface="Times New Roman" panose="02020603050405020304" pitchFamily="18" charset="0"/>
+                        </a:rPr>
+                        <a:t>2111408</a:t>
+                      </a:r>
+                      <a:endParaRPr lang="zh-CN" altLang="en-US" sz="1200" b="0" kern="1200" dirty="0">
+                        <a:solidFill>
+                          <a:schemeClr val="dk1"/>
+                        </a:solidFill>
+                        <a:latin typeface="Times New Roman" panose="02020603050405020304" pitchFamily="18" charset="0"/>
+                        <a:ea typeface="华文中宋" panose="02010600040101010101" pitchFamily="2" charset="-122"/>
+                        <a:cs typeface="Times New Roman" panose="02020603050405020304" pitchFamily="18" charset="0"/>
+                      </a:endParaRPr>
+                    </a:p>
+                  </a:txBody>
+                  <a:tcPr anchor="ctr">
+                    <a:noFill/>
+                  </a:tcPr>
+                </a:tc>
+                <a:tc>
+                  <a:txBody>
+                    <a:bodyPr/>
+                    <a:lstStyle/>
+                    <a:p>
+                      <a:pPr marL="0" algn="ctr" defTabSz="914400" rtl="0" eaLnBrk="1" latinLnBrk="0" hangingPunct="1"/>
+                      <a:r>
+                        <a:rPr lang="en-US" altLang="zh-CN" sz="1200" b="0" kern="1200" dirty="0">
+                          <a:solidFill>
+                            <a:schemeClr val="dk1"/>
+                          </a:solidFill>
+                          <a:latin typeface="Times New Roman" panose="02020603050405020304" pitchFamily="18" charset="0"/>
+                          <a:ea typeface="华文中宋" panose="02010600040101010101" pitchFamily="2" charset="-122"/>
+                          <a:cs typeface="Times New Roman" panose="02020603050405020304" pitchFamily="18" charset="0"/>
+                        </a:rPr>
+                        <a:t>Information Security</a:t>
+                      </a:r>
+                      <a:endParaRPr lang="zh-CN" altLang="en-US" sz="1200" b="0" kern="1200" dirty="0">
+                        <a:solidFill>
+                          <a:schemeClr val="dk1"/>
+                        </a:solidFill>
+                        <a:latin typeface="Times New Roman" panose="02020603050405020304" pitchFamily="18" charset="0"/>
+                        <a:ea typeface="华文中宋" panose="02010600040101010101" pitchFamily="2" charset="-122"/>
+                        <a:cs typeface="Times New Roman" panose="02020603050405020304" pitchFamily="18" charset="0"/>
+                      </a:endParaRPr>
+                    </a:p>
+                  </a:txBody>
+                  <a:tcPr anchor="ctr">
+                    <a:noFill/>
+                  </a:tcPr>
+                </a:tc>
+                <a:extLst>
+                  <a:ext uri="{0D108BD9-81ED-4DB2-BD59-A6C34878D82A}">
+                    <a16:rowId xmlns:a16="http://schemas.microsoft.com/office/drawing/2014/main" val="1747075956"/>
+                  </a:ext>
+                </a:extLst>
+              </a:tr>
+              <a:tr h="281174">
+                <a:tc>
+                  <a:txBody>
+                    <a:bodyPr/>
+                    <a:lstStyle/>
+                    <a:p>
+                      <a:pPr marL="0" algn="ctr" defTabSz="914400" rtl="0" eaLnBrk="1" latinLnBrk="0" hangingPunct="1"/>
+                      <a:r>
+                        <a:rPr lang="en-US" altLang="zh-CN" sz="1200" b="0" kern="1200" dirty="0" err="1">
+                          <a:solidFill>
+                            <a:schemeClr val="dk1"/>
+                          </a:solidFill>
+                          <a:latin typeface="Times New Roman" panose="02020603050405020304" pitchFamily="18" charset="0"/>
+                          <a:ea typeface="华文中宋" panose="02010600040101010101" pitchFamily="2" charset="-122"/>
+                          <a:cs typeface="Times New Roman" panose="02020603050405020304" pitchFamily="18" charset="0"/>
+                        </a:rPr>
+                        <a:t>Mingjie</a:t>
+                      </a:r>
+                      <a:r>
+                        <a:rPr lang="en-US" altLang="zh-CN" sz="1200" b="0" kern="1200" dirty="0">
+                          <a:solidFill>
+                            <a:schemeClr val="dk1"/>
+                          </a:solidFill>
+                          <a:latin typeface="Times New Roman" panose="02020603050405020304" pitchFamily="18" charset="0"/>
+                          <a:ea typeface="华文中宋" panose="02010600040101010101" pitchFamily="2" charset="-122"/>
+                          <a:cs typeface="Times New Roman" panose="02020603050405020304" pitchFamily="18" charset="0"/>
+                        </a:rPr>
+                        <a:t> Qi</a:t>
+                      </a:r>
+                      <a:endParaRPr lang="zh-CN" altLang="en-US" sz="1200" b="0" kern="1200" dirty="0">
+                        <a:solidFill>
+                          <a:schemeClr val="dk1"/>
+                        </a:solidFill>
+                        <a:latin typeface="Times New Roman" panose="02020603050405020304" pitchFamily="18" charset="0"/>
+                        <a:ea typeface="华文中宋" panose="02010600040101010101" pitchFamily="2" charset="-122"/>
+                        <a:cs typeface="Times New Roman" panose="02020603050405020304" pitchFamily="18" charset="0"/>
+                      </a:endParaRPr>
+                    </a:p>
+                  </a:txBody>
+                  <a:tcPr anchor="ctr">
+                    <a:noFill/>
+                  </a:tcPr>
+                </a:tc>
+                <a:tc>
+                  <a:txBody>
+                    <a:bodyPr/>
+                    <a:lstStyle/>
+                    <a:p>
+                      <a:pPr marL="0" algn="ctr" defTabSz="914400" rtl="0" eaLnBrk="1" latinLnBrk="0" hangingPunct="1"/>
+                      <a:r>
+                        <a:rPr lang="en-US" altLang="zh-CN" sz="1200" b="0" kern="1200" dirty="0">
+                          <a:solidFill>
+                            <a:schemeClr val="dk1"/>
+                          </a:solidFill>
+                          <a:latin typeface="Times New Roman" panose="02020603050405020304" pitchFamily="18" charset="0"/>
+                          <a:ea typeface="华文中宋" panose="02010600040101010101" pitchFamily="2" charset="-122"/>
+                          <a:cs typeface="Times New Roman" panose="02020603050405020304" pitchFamily="18" charset="0"/>
+                        </a:rPr>
+                        <a:t>2113997</a:t>
+                      </a:r>
+                    </a:p>
+                  </a:txBody>
+                  <a:tcPr anchor="ctr">
+                    <a:noFill/>
+                  </a:tcPr>
+                </a:tc>
+                <a:tc>
+                  <a:txBody>
+                    <a:bodyPr/>
+                    <a:lstStyle/>
+                    <a:p>
+                      <a:pPr marL="0" algn="ctr" defTabSz="914400" rtl="0" eaLnBrk="1" latinLnBrk="0" hangingPunct="1"/>
+                      <a:r>
+                        <a:rPr lang="en-US" altLang="zh-CN" sz="1200" b="0" kern="1200" dirty="0">
+                          <a:solidFill>
+                            <a:schemeClr val="dk1"/>
+                          </a:solidFill>
+                          <a:latin typeface="Times New Roman" panose="02020603050405020304" pitchFamily="18" charset="0"/>
+                          <a:ea typeface="华文中宋" panose="02010600040101010101" pitchFamily="2" charset="-122"/>
+                          <a:cs typeface="Times New Roman" panose="02020603050405020304" pitchFamily="18" charset="0"/>
+                        </a:rPr>
+                        <a:t>Information Security</a:t>
+                      </a:r>
+                      <a:endParaRPr lang="zh-CN" altLang="en-US" sz="1200" b="0" kern="1200" dirty="0">
+                        <a:solidFill>
+                          <a:schemeClr val="dk1"/>
+                        </a:solidFill>
+                        <a:latin typeface="Times New Roman" panose="02020603050405020304" pitchFamily="18" charset="0"/>
+                        <a:ea typeface="华文中宋" panose="02010600040101010101" pitchFamily="2" charset="-122"/>
+                        <a:cs typeface="Times New Roman" panose="02020603050405020304" pitchFamily="18" charset="0"/>
+                      </a:endParaRPr>
+                    </a:p>
+                  </a:txBody>
+                  <a:tcPr anchor="ctr">
+                    <a:noFill/>
+                  </a:tcPr>
+                </a:tc>
+                <a:extLst>
+                  <a:ext uri="{0D108BD9-81ED-4DB2-BD59-A6C34878D82A}">
+                    <a16:rowId xmlns:a16="http://schemas.microsoft.com/office/drawing/2014/main" val="587174579"/>
+                  </a:ext>
+                </a:extLst>
+              </a:tr>
+              <a:tr h="281174">
+                <a:tc>
+                  <a:txBody>
+                    <a:bodyPr/>
+                    <a:lstStyle/>
+                    <a:p>
+                      <a:pPr marL="0" algn="ctr" defTabSz="914400" rtl="0" eaLnBrk="1" latinLnBrk="0" hangingPunct="1"/>
+                      <a:r>
+                        <a:rPr lang="en-US" altLang="zh-CN" sz="1200" b="0" kern="1200" dirty="0" err="1">
+                          <a:solidFill>
+                            <a:schemeClr val="dk1"/>
+                          </a:solidFill>
+                          <a:latin typeface="Times New Roman" panose="02020603050405020304" pitchFamily="18" charset="0"/>
+                          <a:ea typeface="华文中宋" panose="02010600040101010101" pitchFamily="2" charset="-122"/>
+                          <a:cs typeface="Times New Roman" panose="02020603050405020304" pitchFamily="18" charset="0"/>
+                          <a:sym typeface="+mn-ea"/>
+                        </a:rPr>
+                        <a:t>Xiaoyang</a:t>
+                      </a:r>
+                      <a:r>
+                        <a:rPr lang="zh-CN" altLang="en-US" sz="1200" b="0" kern="1200" dirty="0">
+                          <a:solidFill>
+                            <a:schemeClr val="dk1"/>
+                          </a:solidFill>
+                          <a:latin typeface="Times New Roman" panose="02020603050405020304" pitchFamily="18" charset="0"/>
+                          <a:ea typeface="华文中宋" panose="02010600040101010101" pitchFamily="2" charset="-122"/>
+                          <a:cs typeface="Times New Roman" panose="02020603050405020304" pitchFamily="18" charset="0"/>
+                          <a:sym typeface="+mn-ea"/>
+                        </a:rPr>
+                        <a:t> </a:t>
+                      </a:r>
+                      <a:r>
+                        <a:rPr lang="en-US" altLang="zh-CN" sz="1200" b="0" kern="1200" dirty="0">
+                          <a:solidFill>
+                            <a:schemeClr val="dk1"/>
+                          </a:solidFill>
+                          <a:latin typeface="Times New Roman" panose="02020603050405020304" pitchFamily="18" charset="0"/>
+                          <a:ea typeface="华文中宋" panose="02010600040101010101" pitchFamily="2" charset="-122"/>
+                          <a:cs typeface="Times New Roman" panose="02020603050405020304" pitchFamily="18" charset="0"/>
+                          <a:sym typeface="+mn-ea"/>
+                        </a:rPr>
+                        <a:t>Ji</a:t>
+                      </a:r>
+                      <a:endParaRPr lang="zh-CN" altLang="en-US" sz="1200" b="0" kern="1200" dirty="0">
+                        <a:solidFill>
+                          <a:schemeClr val="dk1"/>
+                        </a:solidFill>
+                        <a:latin typeface="Times New Roman" panose="02020603050405020304" pitchFamily="18" charset="0"/>
+                        <a:ea typeface="华文中宋" panose="02010600040101010101" pitchFamily="2" charset="-122"/>
+                        <a:cs typeface="Times New Roman" panose="02020603050405020304" pitchFamily="18" charset="0"/>
+                      </a:endParaRPr>
+                    </a:p>
+                  </a:txBody>
+                  <a:tcPr anchor="ctr">
+                    <a:noFill/>
+                  </a:tcPr>
+                </a:tc>
+                <a:tc>
+                  <a:txBody>
+                    <a:bodyPr/>
+                    <a:lstStyle/>
+                    <a:p>
+                      <a:pPr marL="0" algn="ctr" defTabSz="914400" rtl="0" eaLnBrk="1" latinLnBrk="0" hangingPunct="1"/>
+                      <a:r>
+                        <a:rPr lang="en-US" altLang="zh-CN" sz="1200" b="0" kern="1200" dirty="0">
+                          <a:solidFill>
+                            <a:schemeClr val="dk1"/>
+                          </a:solidFill>
+                          <a:latin typeface="Times New Roman" panose="02020603050405020304" pitchFamily="18" charset="0"/>
+                          <a:ea typeface="华文中宋" panose="02010600040101010101" pitchFamily="2" charset="-122"/>
+                          <a:cs typeface="Times New Roman" panose="02020603050405020304" pitchFamily="18" charset="0"/>
+                        </a:rPr>
+                        <a:t>2110611</a:t>
+                      </a:r>
+                      <a:endParaRPr lang="zh-CN" altLang="en-US" sz="1200" b="0" kern="1200" dirty="0">
+                        <a:solidFill>
+                          <a:schemeClr val="dk1"/>
+                        </a:solidFill>
+                        <a:latin typeface="Times New Roman" panose="02020603050405020304" pitchFamily="18" charset="0"/>
+                        <a:ea typeface="华文中宋" panose="02010600040101010101" pitchFamily="2" charset="-122"/>
+                        <a:cs typeface="Times New Roman" panose="02020603050405020304" pitchFamily="18" charset="0"/>
+                      </a:endParaRPr>
+                    </a:p>
+                  </a:txBody>
+                  <a:tcPr anchor="ctr">
+                    <a:noFill/>
+                  </a:tcPr>
+                </a:tc>
+                <a:tc>
+                  <a:txBody>
+                    <a:bodyPr/>
+                    <a:lstStyle/>
+                    <a:p>
+                      <a:pPr marL="0" algn="ctr" defTabSz="914400" rtl="0" eaLnBrk="1" latinLnBrk="0" hangingPunct="1"/>
+                      <a:r>
+                        <a:rPr lang="en-US" altLang="zh-CN" sz="1200" b="0" kern="1200" dirty="0">
+                          <a:solidFill>
+                            <a:schemeClr val="dk1"/>
+                          </a:solidFill>
+                          <a:latin typeface="Times New Roman" panose="02020603050405020304" pitchFamily="18" charset="0"/>
+                          <a:ea typeface="华文中宋" panose="02010600040101010101" pitchFamily="2" charset="-122"/>
+                          <a:cs typeface="Times New Roman" panose="02020603050405020304" pitchFamily="18" charset="0"/>
+                          <a:sym typeface="+mn-ea"/>
+                        </a:rPr>
+                        <a:t>Cryptographic Science and Technology</a:t>
+                      </a:r>
+                      <a:endParaRPr lang="zh-CN" altLang="en-US" sz="1200" b="0" kern="1200" dirty="0">
+                        <a:solidFill>
+                          <a:schemeClr val="dk1"/>
+                        </a:solidFill>
+                        <a:latin typeface="Times New Roman" panose="02020603050405020304" pitchFamily="18" charset="0"/>
+                        <a:ea typeface="华文中宋" panose="02010600040101010101" pitchFamily="2" charset="-122"/>
+                        <a:cs typeface="Times New Roman" panose="02020603050405020304" pitchFamily="18" charset="0"/>
+                      </a:endParaRPr>
+                    </a:p>
+                  </a:txBody>
+                  <a:tcPr anchor="ctr">
+                    <a:noFill/>
+                  </a:tcPr>
+                </a:tc>
+                <a:extLst>
+                  <a:ext uri="{0D108BD9-81ED-4DB2-BD59-A6C34878D82A}">
+                    <a16:rowId xmlns:a16="http://schemas.microsoft.com/office/drawing/2014/main" val="3851097379"/>
+                  </a:ext>
+                </a:extLst>
+              </a:tr>
+            </a:tbl>
+          </a:graphicData>
+        </a:graphic>
+      </p:graphicFrame>
+      <p:sp>
+        <p:nvSpPr>
+          <p:cNvPr id="3" name="文本框 2">
+            <a:extLst>
+              <a:ext uri="{FF2B5EF4-FFF2-40B4-BE49-F238E27FC236}">
+                <a16:creationId xmlns:a16="http://schemas.microsoft.com/office/drawing/2014/main" id="{8F89C1F3-F219-BE4C-AC11-274750AE2A2D}"/>
+              </a:ext>
+            </a:extLst>
+          </p:cNvPr>
+          <p:cNvSpPr txBox="1"/>
+          <p:nvPr/>
+        </p:nvSpPr>
+        <p:spPr>
+          <a:xfrm>
+            <a:off x="5361025" y="6153598"/>
+            <a:ext cx="1469952" cy="575517"/>
+          </a:xfrm>
+          <a:prstGeom prst="rect">
+            <a:avLst/>
+          </a:prstGeom>
+          <a:noFill/>
+        </p:spPr>
+        <p:txBody>
+          <a:bodyPr wrap="square" rtlCol="0">
+            <a:noAutofit/>
+          </a:bodyPr>
+          <a:lstStyle/>
+          <a:p>
+            <a:pPr algn="ctr">
+              <a:lnSpc>
+                <a:spcPct val="150000"/>
+              </a:lnSpc>
+            </a:pPr>
+            <a:r>
+              <a:rPr lang="en-US" altLang="zh-CN" sz="2000" dirty="0">
+                <a:latin typeface="华文中宋" panose="02010600040101010101" pitchFamily="2" charset="-122"/>
+                <a:ea typeface="华文中宋" panose="02010600040101010101" pitchFamily="2" charset="-122"/>
+              </a:rPr>
+              <a:t>2024.5</a:t>
             </a:r>
           </a:p>
         </p:txBody>
@@ -6737,21 +10869,7 @@
                 <a:latin typeface="华文中宋" panose="02010600040101010101" pitchFamily="2" charset="-122"/>
                 <a:ea typeface="华文中宋" panose="02010600040101010101" pitchFamily="2" charset="-122"/>
               </a:rPr>
-              <a:t>"_ _ is a senior writer at </a:t>
-            </a:r>
-            <a:r>
-              <a:rPr lang="en-US" altLang="zh-CN" sz="2000" dirty="0" err="1">
-                <a:latin typeface="华文中宋" panose="02010600040101010101" pitchFamily="2" charset="-122"/>
-                <a:ea typeface="华文中宋" panose="02010600040101010101" pitchFamily="2" charset="-122"/>
-              </a:rPr>
-              <a:t>ESPN.com</a:t>
-            </a:r>
-            <a:r>
-              <a:rPr lang="en-US" altLang="zh-CN" sz="2000" dirty="0">
-                <a:latin typeface="华文中宋" panose="02010600040101010101" pitchFamily="2" charset="-122"/>
-                <a:ea typeface="华文中宋" panose="02010600040101010101" pitchFamily="2" charset="-122"/>
-              </a:rPr>
-              <a:t>", reduce the probability of privacy leakage</a:t>
+              <a:t>"_ _ is a senior writer at ESPN.com" reduce the probability of privacy leakage</a:t>
             </a:r>
           </a:p>
         </p:txBody>

--- a/lab7/report/slides.pptx
+++ b/lab7/report/slides.pptx
@@ -5,13 +5,13 @@
     <p:sldMasterId id="2147483648" r:id="rId1"/>
   </p:sldMasterIdLst>
   <p:notesMasterIdLst>
-    <p:notesMasterId r:id="rId19"/>
+    <p:notesMasterId r:id="rId29"/>
   </p:notesMasterIdLst>
   <p:sldIdLst>
     <p:sldId id="256" r:id="rId2"/>
     <p:sldId id="440" r:id="rId3"/>
     <p:sldId id="441" r:id="rId4"/>
-    <p:sldId id="446" r:id="rId5"/>
+    <p:sldId id="472" r:id="rId5"/>
     <p:sldId id="447" r:id="rId6"/>
     <p:sldId id="448" r:id="rId7"/>
     <p:sldId id="451" r:id="rId8"/>
@@ -22,14 +22,24 @@
     <p:sldId id="457" r:id="rId13"/>
     <p:sldId id="458" r:id="rId14"/>
     <p:sldId id="459" r:id="rId15"/>
-    <p:sldId id="460" r:id="rId16"/>
-    <p:sldId id="461" r:id="rId17"/>
-    <p:sldId id="328" r:id="rId18"/>
+    <p:sldId id="471" r:id="rId16"/>
+    <p:sldId id="460" r:id="rId17"/>
+    <p:sldId id="461" r:id="rId18"/>
+    <p:sldId id="473" r:id="rId19"/>
+    <p:sldId id="462" r:id="rId20"/>
+    <p:sldId id="470" r:id="rId21"/>
+    <p:sldId id="464" r:id="rId22"/>
+    <p:sldId id="465" r:id="rId23"/>
+    <p:sldId id="466" r:id="rId24"/>
+    <p:sldId id="467" r:id="rId25"/>
+    <p:sldId id="468" r:id="rId26"/>
+    <p:sldId id="469" r:id="rId27"/>
+    <p:sldId id="328" r:id="rId28"/>
   </p:sldIdLst>
   <p:sldSz cx="12192000" cy="6858000"/>
   <p:notesSz cx="6858000" cy="9144000"/>
   <p:custDataLst>
-    <p:tags r:id="rId20"/>
+    <p:tags r:id="rId30"/>
   </p:custDataLst>
   <p:defaultTextStyle>
     <a:defPPr>
@@ -1062,7 +1072,7 @@
     </p:spTree>
     <p:extLst>
       <p:ext uri="{BB962C8B-B14F-4D97-AF65-F5344CB8AC3E}">
-        <p14:creationId xmlns:p14="http://schemas.microsoft.com/office/powerpoint/2010/main" val="2876342032"/>
+        <p14:creationId xmlns:p14="http://schemas.microsoft.com/office/powerpoint/2010/main" val="3045250131"/>
       </p:ext>
     </p:extLst>
   </p:cSld>
@@ -1146,7 +1156,7 @@
     </p:spTree>
     <p:extLst>
       <p:ext uri="{BB962C8B-B14F-4D97-AF65-F5344CB8AC3E}">
-        <p14:creationId xmlns:p14="http://schemas.microsoft.com/office/powerpoint/2010/main" val="2964405578"/>
+        <p14:creationId xmlns:p14="http://schemas.microsoft.com/office/powerpoint/2010/main" val="2876342032"/>
       </p:ext>
     </p:extLst>
   </p:cSld>
@@ -1228,6 +1238,179 @@
         </p:txBody>
       </p:sp>
     </p:spTree>
+    <p:extLst>
+      <p:ext uri="{BB962C8B-B14F-4D97-AF65-F5344CB8AC3E}">
+        <p14:creationId xmlns:p14="http://schemas.microsoft.com/office/powerpoint/2010/main" val="2964405578"/>
+      </p:ext>
+    </p:extLst>
+  </p:cSld>
+  <p:clrMapOvr>
+    <a:masterClrMapping/>
+  </p:clrMapOvr>
+</p:notes>
+</file>
+
+<file path=ppt/notesSlides/notesSlide18.xml><?xml version="1.0" encoding="utf-8"?>
+<p:notes xmlns:a="http://schemas.openxmlformats.org/drawingml/2006/main" xmlns:r="http://schemas.openxmlformats.org/officeDocument/2006/relationships" xmlns:p="http://schemas.openxmlformats.org/presentationml/2006/main">
+  <p:cSld>
+    <p:spTree>
+      <p:nvGrpSpPr>
+        <p:cNvPr id="1" name=""/>
+        <p:cNvGrpSpPr/>
+        <p:nvPr/>
+      </p:nvGrpSpPr>
+      <p:grpSpPr>
+        <a:xfrm>
+          <a:off x="0" y="0"/>
+          <a:ext cx="0" cy="0"/>
+          <a:chOff x="0" y="0"/>
+          <a:chExt cx="0" cy="0"/>
+        </a:xfrm>
+      </p:grpSpPr>
+      <p:sp>
+        <p:nvSpPr>
+          <p:cNvPr id="2" name="幻灯片图像占位符 1"/>
+          <p:cNvSpPr>
+            <a:spLocks noGrp="1" noRot="1" noChangeAspect="1"/>
+          </p:cNvSpPr>
+          <p:nvPr>
+            <p:ph type="sldImg"/>
+          </p:nvPr>
+        </p:nvSpPr>
+        <p:spPr/>
+      </p:sp>
+      <p:sp>
+        <p:nvSpPr>
+          <p:cNvPr id="3" name="备注占位符 2"/>
+          <p:cNvSpPr>
+            <a:spLocks noGrp="1"/>
+          </p:cNvSpPr>
+          <p:nvPr>
+            <p:ph type="body" idx="1"/>
+          </p:nvPr>
+        </p:nvSpPr>
+        <p:spPr/>
+        <p:txBody>
+          <a:bodyPr/>
+          <a:lstStyle/>
+          <a:p>
+            <a:endParaRPr lang="zh-CN" altLang="en-US" dirty="0"/>
+          </a:p>
+        </p:txBody>
+      </p:sp>
+      <p:sp>
+        <p:nvSpPr>
+          <p:cNvPr id="4" name="灯片编号占位符 3"/>
+          <p:cNvSpPr>
+            <a:spLocks noGrp="1"/>
+          </p:cNvSpPr>
+          <p:nvPr>
+            <p:ph type="sldNum" sz="quarter" idx="5"/>
+          </p:nvPr>
+        </p:nvSpPr>
+        <p:spPr/>
+        <p:txBody>
+          <a:bodyPr/>
+          <a:lstStyle/>
+          <a:p>
+            <a:fld id="{6EDC296E-2C0A-4FFE-AF18-6ACF9EA98876}" type="slidenum">
+              <a:rPr lang="zh-CN" altLang="en-US" smtClean="0"/>
+              <a:t>18</a:t>
+            </a:fld>
+            <a:endParaRPr lang="zh-CN" altLang="en-US"/>
+          </a:p>
+        </p:txBody>
+      </p:sp>
+    </p:spTree>
+    <p:extLst>
+      <p:ext uri="{BB962C8B-B14F-4D97-AF65-F5344CB8AC3E}">
+        <p14:creationId xmlns:p14="http://schemas.microsoft.com/office/powerpoint/2010/main" val="4028276679"/>
+      </p:ext>
+    </p:extLst>
+  </p:cSld>
+  <p:clrMapOvr>
+    <a:masterClrMapping/>
+  </p:clrMapOvr>
+</p:notes>
+</file>
+
+<file path=ppt/notesSlides/notesSlide19.xml><?xml version="1.0" encoding="utf-8"?>
+<p:notes xmlns:a="http://schemas.openxmlformats.org/drawingml/2006/main" xmlns:r="http://schemas.openxmlformats.org/officeDocument/2006/relationships" xmlns:p="http://schemas.openxmlformats.org/presentationml/2006/main">
+  <p:cSld>
+    <p:spTree>
+      <p:nvGrpSpPr>
+        <p:cNvPr id="1" name=""/>
+        <p:cNvGrpSpPr/>
+        <p:nvPr/>
+      </p:nvGrpSpPr>
+      <p:grpSpPr>
+        <a:xfrm>
+          <a:off x="0" y="0"/>
+          <a:ext cx="0" cy="0"/>
+          <a:chOff x="0" y="0"/>
+          <a:chExt cx="0" cy="0"/>
+        </a:xfrm>
+      </p:grpSpPr>
+      <p:sp>
+        <p:nvSpPr>
+          <p:cNvPr id="2" name="幻灯片图像占位符 1"/>
+          <p:cNvSpPr>
+            <a:spLocks noGrp="1" noRot="1" noChangeAspect="1"/>
+          </p:cNvSpPr>
+          <p:nvPr>
+            <p:ph type="sldImg"/>
+          </p:nvPr>
+        </p:nvSpPr>
+        <p:spPr/>
+      </p:sp>
+      <p:sp>
+        <p:nvSpPr>
+          <p:cNvPr id="3" name="备注占位符 2"/>
+          <p:cNvSpPr>
+            <a:spLocks noGrp="1"/>
+          </p:cNvSpPr>
+          <p:nvPr>
+            <p:ph type="body" idx="1"/>
+          </p:nvPr>
+        </p:nvSpPr>
+        <p:spPr/>
+        <p:txBody>
+          <a:bodyPr/>
+          <a:lstStyle/>
+          <a:p>
+            <a:endParaRPr lang="zh-CN" altLang="en-US" dirty="0"/>
+          </a:p>
+        </p:txBody>
+      </p:sp>
+      <p:sp>
+        <p:nvSpPr>
+          <p:cNvPr id="4" name="灯片编号占位符 3"/>
+          <p:cNvSpPr>
+            <a:spLocks noGrp="1"/>
+          </p:cNvSpPr>
+          <p:nvPr>
+            <p:ph type="sldNum" sz="quarter" idx="5"/>
+          </p:nvPr>
+        </p:nvSpPr>
+        <p:spPr/>
+        <p:txBody>
+          <a:bodyPr/>
+          <a:lstStyle/>
+          <a:p>
+            <a:fld id="{6EDC296E-2C0A-4FFE-AF18-6ACF9EA98876}" type="slidenum">
+              <a:rPr lang="zh-CN" altLang="en-US" smtClean="0"/>
+              <a:t>19</a:t>
+            </a:fld>
+            <a:endParaRPr lang="zh-CN" altLang="en-US"/>
+          </a:p>
+        </p:txBody>
+      </p:sp>
+    </p:spTree>
+    <p:extLst>
+      <p:ext uri="{BB962C8B-B14F-4D97-AF65-F5344CB8AC3E}">
+        <p14:creationId xmlns:p14="http://schemas.microsoft.com/office/powerpoint/2010/main" val="3733474807"/>
+      </p:ext>
+    </p:extLst>
   </p:cSld>
   <p:clrMapOvr>
     <a:masterClrMapping/>
@@ -1312,6 +1495,673 @@
         <p14:creationId xmlns:p14="http://schemas.microsoft.com/office/powerpoint/2010/main" val="1115874086"/>
       </p:ext>
     </p:extLst>
+  </p:cSld>
+  <p:clrMapOvr>
+    <a:masterClrMapping/>
+  </p:clrMapOvr>
+</p:notes>
+</file>
+
+<file path=ppt/notesSlides/notesSlide20.xml><?xml version="1.0" encoding="utf-8"?>
+<p:notes xmlns:a="http://schemas.openxmlformats.org/drawingml/2006/main" xmlns:r="http://schemas.openxmlformats.org/officeDocument/2006/relationships" xmlns:p="http://schemas.openxmlformats.org/presentationml/2006/main">
+  <p:cSld>
+    <p:spTree>
+      <p:nvGrpSpPr>
+        <p:cNvPr id="1" name=""/>
+        <p:cNvGrpSpPr/>
+        <p:nvPr/>
+      </p:nvGrpSpPr>
+      <p:grpSpPr>
+        <a:xfrm>
+          <a:off x="0" y="0"/>
+          <a:ext cx="0" cy="0"/>
+          <a:chOff x="0" y="0"/>
+          <a:chExt cx="0" cy="0"/>
+        </a:xfrm>
+      </p:grpSpPr>
+      <p:sp>
+        <p:nvSpPr>
+          <p:cNvPr id="2" name="幻灯片图像占位符 1"/>
+          <p:cNvSpPr>
+            <a:spLocks noGrp="1" noRot="1" noChangeAspect="1"/>
+          </p:cNvSpPr>
+          <p:nvPr>
+            <p:ph type="sldImg"/>
+          </p:nvPr>
+        </p:nvSpPr>
+        <p:spPr/>
+      </p:sp>
+      <p:sp>
+        <p:nvSpPr>
+          <p:cNvPr id="3" name="备注占位符 2"/>
+          <p:cNvSpPr>
+            <a:spLocks noGrp="1"/>
+          </p:cNvSpPr>
+          <p:nvPr>
+            <p:ph type="body" idx="1"/>
+          </p:nvPr>
+        </p:nvSpPr>
+        <p:spPr/>
+        <p:txBody>
+          <a:bodyPr/>
+          <a:lstStyle/>
+          <a:p>
+            <a:endParaRPr lang="zh-CN" altLang="en-US" dirty="0"/>
+          </a:p>
+        </p:txBody>
+      </p:sp>
+      <p:sp>
+        <p:nvSpPr>
+          <p:cNvPr id="4" name="灯片编号占位符 3"/>
+          <p:cNvSpPr>
+            <a:spLocks noGrp="1"/>
+          </p:cNvSpPr>
+          <p:nvPr>
+            <p:ph type="sldNum" sz="quarter" idx="5"/>
+          </p:nvPr>
+        </p:nvSpPr>
+        <p:spPr/>
+        <p:txBody>
+          <a:bodyPr/>
+          <a:lstStyle/>
+          <a:p>
+            <a:fld id="{6EDC296E-2C0A-4FFE-AF18-6ACF9EA98876}" type="slidenum">
+              <a:rPr lang="zh-CN" altLang="en-US" smtClean="0"/>
+              <a:t>20</a:t>
+            </a:fld>
+            <a:endParaRPr lang="zh-CN" altLang="en-US"/>
+          </a:p>
+        </p:txBody>
+      </p:sp>
+    </p:spTree>
+    <p:extLst>
+      <p:ext uri="{BB962C8B-B14F-4D97-AF65-F5344CB8AC3E}">
+        <p14:creationId xmlns:p14="http://schemas.microsoft.com/office/powerpoint/2010/main" val="4021785300"/>
+      </p:ext>
+    </p:extLst>
+  </p:cSld>
+  <p:clrMapOvr>
+    <a:masterClrMapping/>
+  </p:clrMapOvr>
+</p:notes>
+</file>
+
+<file path=ppt/notesSlides/notesSlide21.xml><?xml version="1.0" encoding="utf-8"?>
+<p:notes xmlns:a="http://schemas.openxmlformats.org/drawingml/2006/main" xmlns:r="http://schemas.openxmlformats.org/officeDocument/2006/relationships" xmlns:p="http://schemas.openxmlformats.org/presentationml/2006/main">
+  <p:cSld>
+    <p:spTree>
+      <p:nvGrpSpPr>
+        <p:cNvPr id="1" name=""/>
+        <p:cNvGrpSpPr/>
+        <p:nvPr/>
+      </p:nvGrpSpPr>
+      <p:grpSpPr>
+        <a:xfrm>
+          <a:off x="0" y="0"/>
+          <a:ext cx="0" cy="0"/>
+          <a:chOff x="0" y="0"/>
+          <a:chExt cx="0" cy="0"/>
+        </a:xfrm>
+      </p:grpSpPr>
+      <p:sp>
+        <p:nvSpPr>
+          <p:cNvPr id="2" name="幻灯片图像占位符 1"/>
+          <p:cNvSpPr>
+            <a:spLocks noGrp="1" noRot="1" noChangeAspect="1"/>
+          </p:cNvSpPr>
+          <p:nvPr>
+            <p:ph type="sldImg"/>
+          </p:nvPr>
+        </p:nvSpPr>
+        <p:spPr/>
+      </p:sp>
+      <p:sp>
+        <p:nvSpPr>
+          <p:cNvPr id="3" name="备注占位符 2"/>
+          <p:cNvSpPr>
+            <a:spLocks noGrp="1"/>
+          </p:cNvSpPr>
+          <p:nvPr>
+            <p:ph type="body" idx="1"/>
+          </p:nvPr>
+        </p:nvSpPr>
+        <p:spPr/>
+        <p:txBody>
+          <a:bodyPr/>
+          <a:lstStyle/>
+          <a:p>
+            <a:endParaRPr lang="zh-CN" altLang="en-US" dirty="0"/>
+          </a:p>
+        </p:txBody>
+      </p:sp>
+      <p:sp>
+        <p:nvSpPr>
+          <p:cNvPr id="4" name="灯片编号占位符 3"/>
+          <p:cNvSpPr>
+            <a:spLocks noGrp="1"/>
+          </p:cNvSpPr>
+          <p:nvPr>
+            <p:ph type="sldNum" sz="quarter" idx="5"/>
+          </p:nvPr>
+        </p:nvSpPr>
+        <p:spPr/>
+        <p:txBody>
+          <a:bodyPr/>
+          <a:lstStyle/>
+          <a:p>
+            <a:fld id="{6EDC296E-2C0A-4FFE-AF18-6ACF9EA98876}" type="slidenum">
+              <a:rPr lang="zh-CN" altLang="en-US" smtClean="0"/>
+              <a:t>21</a:t>
+            </a:fld>
+            <a:endParaRPr lang="zh-CN" altLang="en-US"/>
+          </a:p>
+        </p:txBody>
+      </p:sp>
+    </p:spTree>
+    <p:extLst>
+      <p:ext uri="{BB962C8B-B14F-4D97-AF65-F5344CB8AC3E}">
+        <p14:creationId xmlns:p14="http://schemas.microsoft.com/office/powerpoint/2010/main" val="421350826"/>
+      </p:ext>
+    </p:extLst>
+  </p:cSld>
+  <p:clrMapOvr>
+    <a:masterClrMapping/>
+  </p:clrMapOvr>
+</p:notes>
+</file>
+
+<file path=ppt/notesSlides/notesSlide22.xml><?xml version="1.0" encoding="utf-8"?>
+<p:notes xmlns:a="http://schemas.openxmlformats.org/drawingml/2006/main" xmlns:r="http://schemas.openxmlformats.org/officeDocument/2006/relationships" xmlns:p="http://schemas.openxmlformats.org/presentationml/2006/main">
+  <p:cSld>
+    <p:spTree>
+      <p:nvGrpSpPr>
+        <p:cNvPr id="1" name=""/>
+        <p:cNvGrpSpPr/>
+        <p:nvPr/>
+      </p:nvGrpSpPr>
+      <p:grpSpPr>
+        <a:xfrm>
+          <a:off x="0" y="0"/>
+          <a:ext cx="0" cy="0"/>
+          <a:chOff x="0" y="0"/>
+          <a:chExt cx="0" cy="0"/>
+        </a:xfrm>
+      </p:grpSpPr>
+      <p:sp>
+        <p:nvSpPr>
+          <p:cNvPr id="2" name="幻灯片图像占位符 1"/>
+          <p:cNvSpPr>
+            <a:spLocks noGrp="1" noRot="1" noChangeAspect="1"/>
+          </p:cNvSpPr>
+          <p:nvPr>
+            <p:ph type="sldImg"/>
+          </p:nvPr>
+        </p:nvSpPr>
+        <p:spPr/>
+      </p:sp>
+      <p:sp>
+        <p:nvSpPr>
+          <p:cNvPr id="3" name="备注占位符 2"/>
+          <p:cNvSpPr>
+            <a:spLocks noGrp="1"/>
+          </p:cNvSpPr>
+          <p:nvPr>
+            <p:ph type="body" idx="1"/>
+          </p:nvPr>
+        </p:nvSpPr>
+        <p:spPr/>
+        <p:txBody>
+          <a:bodyPr/>
+          <a:lstStyle/>
+          <a:p>
+            <a:endParaRPr lang="zh-CN" altLang="en-US" dirty="0"/>
+          </a:p>
+        </p:txBody>
+      </p:sp>
+      <p:sp>
+        <p:nvSpPr>
+          <p:cNvPr id="4" name="灯片编号占位符 3"/>
+          <p:cNvSpPr>
+            <a:spLocks noGrp="1"/>
+          </p:cNvSpPr>
+          <p:nvPr>
+            <p:ph type="sldNum" sz="quarter" idx="5"/>
+          </p:nvPr>
+        </p:nvSpPr>
+        <p:spPr/>
+        <p:txBody>
+          <a:bodyPr/>
+          <a:lstStyle/>
+          <a:p>
+            <a:fld id="{6EDC296E-2C0A-4FFE-AF18-6ACF9EA98876}" type="slidenum">
+              <a:rPr lang="zh-CN" altLang="en-US" smtClean="0"/>
+              <a:t>22</a:t>
+            </a:fld>
+            <a:endParaRPr lang="zh-CN" altLang="en-US"/>
+          </a:p>
+        </p:txBody>
+      </p:sp>
+    </p:spTree>
+    <p:extLst>
+      <p:ext uri="{BB962C8B-B14F-4D97-AF65-F5344CB8AC3E}">
+        <p14:creationId xmlns:p14="http://schemas.microsoft.com/office/powerpoint/2010/main" val="3857180883"/>
+      </p:ext>
+    </p:extLst>
+  </p:cSld>
+  <p:clrMapOvr>
+    <a:masterClrMapping/>
+  </p:clrMapOvr>
+</p:notes>
+</file>
+
+<file path=ppt/notesSlides/notesSlide23.xml><?xml version="1.0" encoding="utf-8"?>
+<p:notes xmlns:a="http://schemas.openxmlformats.org/drawingml/2006/main" xmlns:r="http://schemas.openxmlformats.org/officeDocument/2006/relationships" xmlns:p="http://schemas.openxmlformats.org/presentationml/2006/main">
+  <p:cSld>
+    <p:spTree>
+      <p:nvGrpSpPr>
+        <p:cNvPr id="1" name=""/>
+        <p:cNvGrpSpPr/>
+        <p:nvPr/>
+      </p:nvGrpSpPr>
+      <p:grpSpPr>
+        <a:xfrm>
+          <a:off x="0" y="0"/>
+          <a:ext cx="0" cy="0"/>
+          <a:chOff x="0" y="0"/>
+          <a:chExt cx="0" cy="0"/>
+        </a:xfrm>
+      </p:grpSpPr>
+      <p:sp>
+        <p:nvSpPr>
+          <p:cNvPr id="2" name="幻灯片图像占位符 1"/>
+          <p:cNvSpPr>
+            <a:spLocks noGrp="1" noRot="1" noChangeAspect="1"/>
+          </p:cNvSpPr>
+          <p:nvPr>
+            <p:ph type="sldImg"/>
+          </p:nvPr>
+        </p:nvSpPr>
+        <p:spPr/>
+      </p:sp>
+      <p:sp>
+        <p:nvSpPr>
+          <p:cNvPr id="3" name="备注占位符 2"/>
+          <p:cNvSpPr>
+            <a:spLocks noGrp="1"/>
+          </p:cNvSpPr>
+          <p:nvPr>
+            <p:ph type="body" idx="1"/>
+          </p:nvPr>
+        </p:nvSpPr>
+        <p:spPr/>
+        <p:txBody>
+          <a:bodyPr/>
+          <a:lstStyle/>
+          <a:p>
+            <a:endParaRPr lang="zh-CN" altLang="en-US" dirty="0"/>
+          </a:p>
+        </p:txBody>
+      </p:sp>
+      <p:sp>
+        <p:nvSpPr>
+          <p:cNvPr id="4" name="灯片编号占位符 3"/>
+          <p:cNvSpPr>
+            <a:spLocks noGrp="1"/>
+          </p:cNvSpPr>
+          <p:nvPr>
+            <p:ph type="sldNum" sz="quarter" idx="5"/>
+          </p:nvPr>
+        </p:nvSpPr>
+        <p:spPr/>
+        <p:txBody>
+          <a:bodyPr/>
+          <a:lstStyle/>
+          <a:p>
+            <a:fld id="{6EDC296E-2C0A-4FFE-AF18-6ACF9EA98876}" type="slidenum">
+              <a:rPr lang="zh-CN" altLang="en-US" smtClean="0"/>
+              <a:t>23</a:t>
+            </a:fld>
+            <a:endParaRPr lang="zh-CN" altLang="en-US"/>
+          </a:p>
+        </p:txBody>
+      </p:sp>
+    </p:spTree>
+    <p:extLst>
+      <p:ext uri="{BB962C8B-B14F-4D97-AF65-F5344CB8AC3E}">
+        <p14:creationId xmlns:p14="http://schemas.microsoft.com/office/powerpoint/2010/main" val="1873994057"/>
+      </p:ext>
+    </p:extLst>
+  </p:cSld>
+  <p:clrMapOvr>
+    <a:masterClrMapping/>
+  </p:clrMapOvr>
+</p:notes>
+</file>
+
+<file path=ppt/notesSlides/notesSlide24.xml><?xml version="1.0" encoding="utf-8"?>
+<p:notes xmlns:a="http://schemas.openxmlformats.org/drawingml/2006/main" xmlns:r="http://schemas.openxmlformats.org/officeDocument/2006/relationships" xmlns:p="http://schemas.openxmlformats.org/presentationml/2006/main">
+  <p:cSld>
+    <p:spTree>
+      <p:nvGrpSpPr>
+        <p:cNvPr id="1" name=""/>
+        <p:cNvGrpSpPr/>
+        <p:nvPr/>
+      </p:nvGrpSpPr>
+      <p:grpSpPr>
+        <a:xfrm>
+          <a:off x="0" y="0"/>
+          <a:ext cx="0" cy="0"/>
+          <a:chOff x="0" y="0"/>
+          <a:chExt cx="0" cy="0"/>
+        </a:xfrm>
+      </p:grpSpPr>
+      <p:sp>
+        <p:nvSpPr>
+          <p:cNvPr id="2" name="幻灯片图像占位符 1"/>
+          <p:cNvSpPr>
+            <a:spLocks noGrp="1" noRot="1" noChangeAspect="1"/>
+          </p:cNvSpPr>
+          <p:nvPr>
+            <p:ph type="sldImg"/>
+          </p:nvPr>
+        </p:nvSpPr>
+        <p:spPr/>
+      </p:sp>
+      <p:sp>
+        <p:nvSpPr>
+          <p:cNvPr id="3" name="备注占位符 2"/>
+          <p:cNvSpPr>
+            <a:spLocks noGrp="1"/>
+          </p:cNvSpPr>
+          <p:nvPr>
+            <p:ph type="body" idx="1"/>
+          </p:nvPr>
+        </p:nvSpPr>
+        <p:spPr/>
+        <p:txBody>
+          <a:bodyPr/>
+          <a:lstStyle/>
+          <a:p>
+            <a:endParaRPr lang="zh-CN" altLang="en-US" dirty="0"/>
+          </a:p>
+        </p:txBody>
+      </p:sp>
+      <p:sp>
+        <p:nvSpPr>
+          <p:cNvPr id="4" name="灯片编号占位符 3"/>
+          <p:cNvSpPr>
+            <a:spLocks noGrp="1"/>
+          </p:cNvSpPr>
+          <p:nvPr>
+            <p:ph type="sldNum" sz="quarter" idx="5"/>
+          </p:nvPr>
+        </p:nvSpPr>
+        <p:spPr/>
+        <p:txBody>
+          <a:bodyPr/>
+          <a:lstStyle/>
+          <a:p>
+            <a:fld id="{6EDC296E-2C0A-4FFE-AF18-6ACF9EA98876}" type="slidenum">
+              <a:rPr lang="zh-CN" altLang="en-US" smtClean="0"/>
+              <a:t>24</a:t>
+            </a:fld>
+            <a:endParaRPr lang="zh-CN" altLang="en-US"/>
+          </a:p>
+        </p:txBody>
+      </p:sp>
+    </p:spTree>
+    <p:extLst>
+      <p:ext uri="{BB962C8B-B14F-4D97-AF65-F5344CB8AC3E}">
+        <p14:creationId xmlns:p14="http://schemas.microsoft.com/office/powerpoint/2010/main" val="1640340459"/>
+      </p:ext>
+    </p:extLst>
+  </p:cSld>
+  <p:clrMapOvr>
+    <a:masterClrMapping/>
+  </p:clrMapOvr>
+</p:notes>
+</file>
+
+<file path=ppt/notesSlides/notesSlide25.xml><?xml version="1.0" encoding="utf-8"?>
+<p:notes xmlns:a="http://schemas.openxmlformats.org/drawingml/2006/main" xmlns:r="http://schemas.openxmlformats.org/officeDocument/2006/relationships" xmlns:p="http://schemas.openxmlformats.org/presentationml/2006/main">
+  <p:cSld>
+    <p:spTree>
+      <p:nvGrpSpPr>
+        <p:cNvPr id="1" name=""/>
+        <p:cNvGrpSpPr/>
+        <p:nvPr/>
+      </p:nvGrpSpPr>
+      <p:grpSpPr>
+        <a:xfrm>
+          <a:off x="0" y="0"/>
+          <a:ext cx="0" cy="0"/>
+          <a:chOff x="0" y="0"/>
+          <a:chExt cx="0" cy="0"/>
+        </a:xfrm>
+      </p:grpSpPr>
+      <p:sp>
+        <p:nvSpPr>
+          <p:cNvPr id="2" name="幻灯片图像占位符 1"/>
+          <p:cNvSpPr>
+            <a:spLocks noGrp="1" noRot="1" noChangeAspect="1"/>
+          </p:cNvSpPr>
+          <p:nvPr>
+            <p:ph type="sldImg"/>
+          </p:nvPr>
+        </p:nvSpPr>
+        <p:spPr/>
+      </p:sp>
+      <p:sp>
+        <p:nvSpPr>
+          <p:cNvPr id="3" name="备注占位符 2"/>
+          <p:cNvSpPr>
+            <a:spLocks noGrp="1"/>
+          </p:cNvSpPr>
+          <p:nvPr>
+            <p:ph type="body" idx="1"/>
+          </p:nvPr>
+        </p:nvSpPr>
+        <p:spPr/>
+        <p:txBody>
+          <a:bodyPr/>
+          <a:lstStyle/>
+          <a:p>
+            <a:endParaRPr lang="zh-CN" altLang="en-US" dirty="0"/>
+          </a:p>
+        </p:txBody>
+      </p:sp>
+      <p:sp>
+        <p:nvSpPr>
+          <p:cNvPr id="4" name="灯片编号占位符 3"/>
+          <p:cNvSpPr>
+            <a:spLocks noGrp="1"/>
+          </p:cNvSpPr>
+          <p:nvPr>
+            <p:ph type="sldNum" sz="quarter" idx="5"/>
+          </p:nvPr>
+        </p:nvSpPr>
+        <p:spPr/>
+        <p:txBody>
+          <a:bodyPr/>
+          <a:lstStyle/>
+          <a:p>
+            <a:fld id="{6EDC296E-2C0A-4FFE-AF18-6ACF9EA98876}" type="slidenum">
+              <a:rPr lang="zh-CN" altLang="en-US" smtClean="0"/>
+              <a:t>25</a:t>
+            </a:fld>
+            <a:endParaRPr lang="zh-CN" altLang="en-US"/>
+          </a:p>
+        </p:txBody>
+      </p:sp>
+    </p:spTree>
+    <p:extLst>
+      <p:ext uri="{BB962C8B-B14F-4D97-AF65-F5344CB8AC3E}">
+        <p14:creationId xmlns:p14="http://schemas.microsoft.com/office/powerpoint/2010/main" val="1144193171"/>
+      </p:ext>
+    </p:extLst>
+  </p:cSld>
+  <p:clrMapOvr>
+    <a:masterClrMapping/>
+  </p:clrMapOvr>
+</p:notes>
+</file>
+
+<file path=ppt/notesSlides/notesSlide26.xml><?xml version="1.0" encoding="utf-8"?>
+<p:notes xmlns:a="http://schemas.openxmlformats.org/drawingml/2006/main" xmlns:r="http://schemas.openxmlformats.org/officeDocument/2006/relationships" xmlns:p="http://schemas.openxmlformats.org/presentationml/2006/main">
+  <p:cSld>
+    <p:spTree>
+      <p:nvGrpSpPr>
+        <p:cNvPr id="1" name=""/>
+        <p:cNvGrpSpPr/>
+        <p:nvPr/>
+      </p:nvGrpSpPr>
+      <p:grpSpPr>
+        <a:xfrm>
+          <a:off x="0" y="0"/>
+          <a:ext cx="0" cy="0"/>
+          <a:chOff x="0" y="0"/>
+          <a:chExt cx="0" cy="0"/>
+        </a:xfrm>
+      </p:grpSpPr>
+      <p:sp>
+        <p:nvSpPr>
+          <p:cNvPr id="2" name="幻灯片图像占位符 1"/>
+          <p:cNvSpPr>
+            <a:spLocks noGrp="1" noRot="1" noChangeAspect="1"/>
+          </p:cNvSpPr>
+          <p:nvPr>
+            <p:ph type="sldImg"/>
+          </p:nvPr>
+        </p:nvSpPr>
+        <p:spPr/>
+      </p:sp>
+      <p:sp>
+        <p:nvSpPr>
+          <p:cNvPr id="3" name="备注占位符 2"/>
+          <p:cNvSpPr>
+            <a:spLocks noGrp="1"/>
+          </p:cNvSpPr>
+          <p:nvPr>
+            <p:ph type="body" idx="1"/>
+          </p:nvPr>
+        </p:nvSpPr>
+        <p:spPr/>
+        <p:txBody>
+          <a:bodyPr/>
+          <a:lstStyle/>
+          <a:p>
+            <a:endParaRPr lang="zh-CN" altLang="en-US" dirty="0"/>
+          </a:p>
+        </p:txBody>
+      </p:sp>
+      <p:sp>
+        <p:nvSpPr>
+          <p:cNvPr id="4" name="灯片编号占位符 3"/>
+          <p:cNvSpPr>
+            <a:spLocks noGrp="1"/>
+          </p:cNvSpPr>
+          <p:nvPr>
+            <p:ph type="sldNum" sz="quarter" idx="5"/>
+          </p:nvPr>
+        </p:nvSpPr>
+        <p:spPr/>
+        <p:txBody>
+          <a:bodyPr/>
+          <a:lstStyle/>
+          <a:p>
+            <a:fld id="{6EDC296E-2C0A-4FFE-AF18-6ACF9EA98876}" type="slidenum">
+              <a:rPr lang="zh-CN" altLang="en-US" smtClean="0"/>
+              <a:t>26</a:t>
+            </a:fld>
+            <a:endParaRPr lang="zh-CN" altLang="en-US"/>
+          </a:p>
+        </p:txBody>
+      </p:sp>
+    </p:spTree>
+    <p:extLst>
+      <p:ext uri="{BB962C8B-B14F-4D97-AF65-F5344CB8AC3E}">
+        <p14:creationId xmlns:p14="http://schemas.microsoft.com/office/powerpoint/2010/main" val="2032555078"/>
+      </p:ext>
+    </p:extLst>
+  </p:cSld>
+  <p:clrMapOvr>
+    <a:masterClrMapping/>
+  </p:clrMapOvr>
+</p:notes>
+</file>
+
+<file path=ppt/notesSlides/notesSlide27.xml><?xml version="1.0" encoding="utf-8"?>
+<p:notes xmlns:a="http://schemas.openxmlformats.org/drawingml/2006/main" xmlns:r="http://schemas.openxmlformats.org/officeDocument/2006/relationships" xmlns:p="http://schemas.openxmlformats.org/presentationml/2006/main">
+  <p:cSld>
+    <p:spTree>
+      <p:nvGrpSpPr>
+        <p:cNvPr id="1" name=""/>
+        <p:cNvGrpSpPr/>
+        <p:nvPr/>
+      </p:nvGrpSpPr>
+      <p:grpSpPr>
+        <a:xfrm>
+          <a:off x="0" y="0"/>
+          <a:ext cx="0" cy="0"/>
+          <a:chOff x="0" y="0"/>
+          <a:chExt cx="0" cy="0"/>
+        </a:xfrm>
+      </p:grpSpPr>
+      <p:sp>
+        <p:nvSpPr>
+          <p:cNvPr id="2" name="幻灯片图像占位符 1"/>
+          <p:cNvSpPr>
+            <a:spLocks noGrp="1" noRot="1" noChangeAspect="1"/>
+          </p:cNvSpPr>
+          <p:nvPr>
+            <p:ph type="sldImg"/>
+          </p:nvPr>
+        </p:nvSpPr>
+        <p:spPr/>
+      </p:sp>
+      <p:sp>
+        <p:nvSpPr>
+          <p:cNvPr id="3" name="备注占位符 2"/>
+          <p:cNvSpPr>
+            <a:spLocks noGrp="1"/>
+          </p:cNvSpPr>
+          <p:nvPr>
+            <p:ph type="body" idx="1"/>
+          </p:nvPr>
+        </p:nvSpPr>
+        <p:spPr/>
+        <p:txBody>
+          <a:bodyPr/>
+          <a:lstStyle/>
+          <a:p>
+            <a:endParaRPr lang="zh-CN" altLang="en-US" dirty="0"/>
+          </a:p>
+        </p:txBody>
+      </p:sp>
+      <p:sp>
+        <p:nvSpPr>
+          <p:cNvPr id="4" name="灯片编号占位符 3"/>
+          <p:cNvSpPr>
+            <a:spLocks noGrp="1"/>
+          </p:cNvSpPr>
+          <p:nvPr>
+            <p:ph type="sldNum" sz="quarter" idx="5"/>
+          </p:nvPr>
+        </p:nvSpPr>
+        <p:spPr/>
+        <p:txBody>
+          <a:bodyPr/>
+          <a:lstStyle/>
+          <a:p>
+            <a:fld id="{6EDC296E-2C0A-4FFE-AF18-6ACF9EA98876}" type="slidenum">
+              <a:rPr lang="zh-CN" altLang="en-US" smtClean="0"/>
+              <a:t>27</a:t>
+            </a:fld>
+            <a:endParaRPr lang="zh-CN" altLang="en-US"/>
+          </a:p>
+        </p:txBody>
+      </p:sp>
+    </p:spTree>
   </p:cSld>
   <p:clrMapOvr>
     <a:masterClrMapping/>
@@ -1477,7 +2327,7 @@
     </p:spTree>
     <p:extLst>
       <p:ext uri="{BB962C8B-B14F-4D97-AF65-F5344CB8AC3E}">
-        <p14:creationId xmlns:p14="http://schemas.microsoft.com/office/powerpoint/2010/main" val="1410245497"/>
+        <p14:creationId xmlns:p14="http://schemas.microsoft.com/office/powerpoint/2010/main" val="806781471"/>
       </p:ext>
     </p:extLst>
   </p:cSld>
@@ -5141,12 +5991,55 @@
           </a:p>
         </p:txBody>
       </p:sp>
+      <p:sp>
+        <p:nvSpPr>
+          <p:cNvPr id="8" name="文本框 7">
+            <a:extLst>
+              <a:ext uri="{FF2B5EF4-FFF2-40B4-BE49-F238E27FC236}">
+                <a16:creationId xmlns:a16="http://schemas.microsoft.com/office/drawing/2014/main" id="{2F2CDA2C-10A9-79E1-2017-84ECA2C6BA7A}"/>
+              </a:ext>
+            </a:extLst>
+          </p:cNvPr>
+          <p:cNvSpPr txBox="1"/>
+          <p:nvPr/>
+        </p:nvSpPr>
+        <p:spPr>
+          <a:xfrm>
+            <a:off x="5361025" y="6153598"/>
+            <a:ext cx="1469952" cy="575517"/>
+          </a:xfrm>
+          <a:prstGeom prst="rect">
+            <a:avLst/>
+          </a:prstGeom>
+          <a:noFill/>
+        </p:spPr>
+        <p:txBody>
+          <a:bodyPr wrap="square" rtlCol="0">
+            <a:noAutofit/>
+          </a:bodyPr>
+          <a:lstStyle/>
+          <a:p>
+            <a:pPr algn="ctr">
+              <a:lnSpc>
+                <a:spcPct val="150000"/>
+              </a:lnSpc>
+            </a:pPr>
+            <a:r>
+              <a:rPr lang="en-US" altLang="zh-CN" sz="2000" dirty="0">
+                <a:latin typeface="华文中宋" panose="02010600040101010101" pitchFamily="2" charset="-122"/>
+                <a:ea typeface="华文中宋" panose="02010600040101010101" pitchFamily="2" charset="-122"/>
+              </a:rPr>
+              <a:t>2024.5</a:t>
+            </a:r>
+          </a:p>
+        </p:txBody>
+      </p:sp>
       <p:graphicFrame>
         <p:nvGraphicFramePr>
-          <p:cNvPr id="3" name="表格 2">
+          <p:cNvPr id="9" name="表格 8">
             <a:extLst>
               <a:ext uri="{FF2B5EF4-FFF2-40B4-BE49-F238E27FC236}">
-                <a16:creationId xmlns:a16="http://schemas.microsoft.com/office/drawing/2014/main" id="{0D3D121E-6E42-D000-AAE5-A208C0BCF7A3}"/>
+                <a16:creationId xmlns:a16="http://schemas.microsoft.com/office/drawing/2014/main" id="{3C2B5C22-7AEA-2C46-B14F-AE5D89C73054}"/>
               </a:ext>
             </a:extLst>
           </p:cNvPr>
@@ -5156,14 +6049,14 @@
           <p:nvPr>
             <p:extLst>
               <p:ext uri="{D42A27DB-BD31-4B8C-83A1-F6EECF244321}">
-                <p14:modId xmlns:p14="http://schemas.microsoft.com/office/powerpoint/2010/main" val="1022292635"/>
+                <p14:modId xmlns:p14="http://schemas.microsoft.com/office/powerpoint/2010/main" val="1921376285"/>
               </p:ext>
             </p:extLst>
           </p:nvPr>
         </p:nvGraphicFramePr>
         <p:xfrm>
-          <a:off x="3929698" y="5028902"/>
-          <a:ext cx="4332603" cy="1124696"/>
+          <a:off x="3569531" y="4988255"/>
+          <a:ext cx="5052937" cy="1219200"/>
         </p:xfrm>
         <a:graphic>
           <a:graphicData uri="http://schemas.openxmlformats.org/drawingml/2006/table">
@@ -5172,21 +6065,21 @@
                 <a:tableStyleId>{5C22544A-7EE6-4342-B048-85BDC9FD1C3A}</a:tableStyleId>
               </a:tblPr>
               <a:tblGrid>
-                <a:gridCol w="1013532">
+                <a:gridCol w="1182041">
                   <a:extLst>
                     <a:ext uri="{9D8B030D-6E8A-4147-A177-3AD203B41FA5}">
                       <a16:colId xmlns:a16="http://schemas.microsoft.com/office/drawing/2014/main" val="577754717"/>
                     </a:ext>
                   </a:extLst>
                 </a:gridCol>
-                <a:gridCol w="720250">
+                <a:gridCol w="839998">
                   <a:extLst>
                     <a:ext uri="{9D8B030D-6E8A-4147-A177-3AD203B41FA5}">
                       <a16:colId xmlns:a16="http://schemas.microsoft.com/office/drawing/2014/main" val="1208414747"/>
                     </a:ext>
                   </a:extLst>
                 </a:gridCol>
-                <a:gridCol w="2598821">
+                <a:gridCol w="3030898">
                   <a:extLst>
                     <a:ext uri="{9D8B030D-6E8A-4147-A177-3AD203B41FA5}">
                       <a16:colId xmlns:a16="http://schemas.microsoft.com/office/drawing/2014/main" val="2887465251"/>
@@ -5202,7 +6095,7 @@
                     <a:p>
                       <a:pPr marL="0" algn="ctr" defTabSz="914400" rtl="0" eaLnBrk="1" latinLnBrk="0" hangingPunct="1"/>
                       <a:r>
-                        <a:rPr lang="en-US" altLang="zh-CN" sz="1200" b="0" kern="1200" dirty="0">
+                        <a:rPr lang="en-US" altLang="zh-CN" sz="1400" b="0" kern="1200" dirty="0">
                           <a:solidFill>
                             <a:schemeClr val="dk1"/>
                           </a:solidFill>
@@ -5213,7 +6106,7 @@
                         <a:t>Xiuming</a:t>
                       </a:r>
                       <a:r>
-                        <a:rPr lang="zh-CN" altLang="en-US" sz="1200" b="0" kern="1200" dirty="0">
+                        <a:rPr lang="zh-CN" altLang="en-US" sz="1400" b="0" kern="1200" dirty="0">
                           <a:solidFill>
                             <a:schemeClr val="dk1"/>
                           </a:solidFill>
@@ -5224,7 +6117,7 @@
                         <a:t> </a:t>
                       </a:r>
                       <a:r>
-                        <a:rPr lang="en-US" altLang="zh-CN" sz="1200" b="0" kern="1200" dirty="0">
+                        <a:rPr lang="en-US" altLang="zh-CN" sz="1400" b="0" kern="1200" dirty="0">
                           <a:solidFill>
                             <a:schemeClr val="dk1"/>
                           </a:solidFill>
@@ -5234,7 +6127,7 @@
                         </a:rPr>
                         <a:t>Liu</a:t>
                       </a:r>
-                      <a:endParaRPr lang="zh-CN" altLang="en-US" sz="1200" b="0" kern="1200" dirty="0">
+                      <a:endParaRPr lang="zh-CN" altLang="en-US" sz="1400" b="0" kern="1200" dirty="0">
                         <a:solidFill>
                           <a:schemeClr val="dk1"/>
                         </a:solidFill>
@@ -5255,7 +6148,7 @@
                     <a:p>
                       <a:pPr marL="0" algn="ctr" defTabSz="914400" rtl="0" eaLnBrk="1" latinLnBrk="0" hangingPunct="1"/>
                       <a:r>
-                        <a:rPr lang="en-US" altLang="zh-CN" sz="1200" b="0" kern="1200" dirty="0">
+                        <a:rPr lang="en-US" altLang="zh-CN" sz="1400" b="0" kern="1200" dirty="0">
                           <a:solidFill>
                             <a:schemeClr val="dk1"/>
                           </a:solidFill>
@@ -5265,7 +6158,7 @@
                         </a:rPr>
                         <a:t>2112492</a:t>
                       </a:r>
-                      <a:endParaRPr lang="zh-CN" altLang="en-US" sz="1200" b="0" kern="1200" dirty="0">
+                      <a:endParaRPr lang="zh-CN" altLang="en-US" sz="1400" b="0" kern="1200" dirty="0">
                         <a:solidFill>
                           <a:schemeClr val="dk1"/>
                         </a:solidFill>
@@ -5286,7 +6179,7 @@
                     <a:p>
                       <a:pPr marL="0" algn="ctr" defTabSz="914400" rtl="0" eaLnBrk="1" latinLnBrk="0" hangingPunct="1"/>
                       <a:r>
-                        <a:rPr lang="en-US" altLang="zh-CN" sz="1200" b="0" kern="1200" dirty="0">
+                        <a:rPr lang="en-US" altLang="zh-CN" sz="1400" b="0" kern="1200" dirty="0">
                           <a:solidFill>
                             <a:schemeClr val="dk1"/>
                           </a:solidFill>
@@ -5296,7 +6189,7 @@
                         </a:rPr>
                         <a:t>Information Security</a:t>
                       </a:r>
-                      <a:endParaRPr lang="zh-CN" altLang="en-US" sz="1200" b="0" kern="1200" dirty="0">
+                      <a:endParaRPr lang="zh-CN" altLang="en-US" sz="1400" b="0" kern="1200" dirty="0">
                         <a:solidFill>
                           <a:schemeClr val="dk1"/>
                         </a:solidFill>
@@ -5324,7 +6217,7 @@
                     <a:p>
                       <a:pPr marL="0" algn="ctr" defTabSz="914400" rtl="0" eaLnBrk="1" latinLnBrk="0" hangingPunct="1"/>
                       <a:r>
-                        <a:rPr lang="en-US" altLang="zh-CN" sz="1200" b="0" kern="1200" dirty="0">
+                        <a:rPr lang="en-US" altLang="zh-CN" sz="1400" b="0" kern="1200" dirty="0">
                           <a:solidFill>
                             <a:schemeClr val="dk1"/>
                           </a:solidFill>
@@ -5336,7 +6229,7 @@
                         <a:t>Yuchen</a:t>
                       </a:r>
                       <a:r>
-                        <a:rPr lang="zh-CN" altLang="en-US" sz="1200" b="0" kern="1200" dirty="0">
+                        <a:rPr lang="zh-CN" altLang="en-US" sz="1400" b="0" kern="1200" dirty="0">
                           <a:solidFill>
                             <a:schemeClr val="dk1"/>
                           </a:solidFill>
@@ -5348,7 +6241,7 @@
                         <a:t> </a:t>
                       </a:r>
                       <a:r>
-                        <a:rPr lang="en-US" altLang="zh-CN" sz="1200" b="0" kern="1200" dirty="0">
+                        <a:rPr lang="en-US" altLang="zh-CN" sz="1400" b="0" kern="1200" dirty="0">
                           <a:solidFill>
                             <a:schemeClr val="dk1"/>
                           </a:solidFill>
@@ -5359,7 +6252,7 @@
                         </a:rPr>
                         <a:t>Zhou</a:t>
                       </a:r>
-                      <a:endParaRPr lang="zh-CN" altLang="en-US" sz="1200" b="0" kern="1200" dirty="0">
+                      <a:endParaRPr lang="zh-CN" altLang="en-US" sz="1400" b="0" kern="1200" dirty="0">
                         <a:solidFill>
                           <a:schemeClr val="dk1"/>
                         </a:solidFill>
@@ -5380,7 +6273,7 @@
                     <a:p>
                       <a:pPr marL="0" algn="ctr" defTabSz="914400" rtl="0" eaLnBrk="1" latinLnBrk="0" hangingPunct="1"/>
                       <a:r>
-                        <a:rPr lang="en-US" altLang="zh-CN" sz="1200" b="0" kern="1200" dirty="0">
+                        <a:rPr lang="en-US" altLang="zh-CN" sz="1400" b="0" kern="1200" dirty="0">
                           <a:solidFill>
                             <a:schemeClr val="dk1"/>
                           </a:solidFill>
@@ -5390,7 +6283,7 @@
                         </a:rPr>
                         <a:t>2111408</a:t>
                       </a:r>
-                      <a:endParaRPr lang="zh-CN" altLang="en-US" sz="1200" b="0" kern="1200" dirty="0">
+                      <a:endParaRPr lang="zh-CN" altLang="en-US" sz="1400" b="0" kern="1200" dirty="0">
                         <a:solidFill>
                           <a:schemeClr val="dk1"/>
                         </a:solidFill>
@@ -5411,7 +6304,7 @@
                     <a:p>
                       <a:pPr marL="0" algn="ctr" defTabSz="914400" rtl="0" eaLnBrk="1" latinLnBrk="0" hangingPunct="1"/>
                       <a:r>
-                        <a:rPr lang="en-US" altLang="zh-CN" sz="1200" b="0" kern="1200" dirty="0">
+                        <a:rPr lang="en-US" altLang="zh-CN" sz="1400" b="0" kern="1200" dirty="0">
                           <a:solidFill>
                             <a:schemeClr val="dk1"/>
                           </a:solidFill>
@@ -5421,7 +6314,7 @@
                         </a:rPr>
                         <a:t>Information Security</a:t>
                       </a:r>
-                      <a:endParaRPr lang="zh-CN" altLang="en-US" sz="1200" b="0" kern="1200" dirty="0">
+                      <a:endParaRPr lang="zh-CN" altLang="en-US" sz="1400" b="0" kern="1200" dirty="0">
                         <a:solidFill>
                           <a:schemeClr val="dk1"/>
                         </a:solidFill>
@@ -5449,7 +6342,7 @@
                     <a:p>
                       <a:pPr marL="0" algn="ctr" defTabSz="914400" rtl="0" eaLnBrk="1" latinLnBrk="0" hangingPunct="1"/>
                       <a:r>
-                        <a:rPr lang="en-US" altLang="zh-CN" sz="1200" b="0" kern="1200" dirty="0" err="1">
+                        <a:rPr lang="en-US" altLang="zh-CN" sz="1400" b="0" kern="1200" dirty="0" err="1">
                           <a:solidFill>
                             <a:schemeClr val="dk1"/>
                           </a:solidFill>
@@ -5460,7 +6353,7 @@
                         <a:t>Mingjie</a:t>
                       </a:r>
                       <a:r>
-                        <a:rPr lang="en-US" altLang="zh-CN" sz="1200" b="0" kern="1200" dirty="0">
+                        <a:rPr lang="en-US" altLang="zh-CN" sz="1400" b="0" kern="1200" dirty="0">
                           <a:solidFill>
                             <a:schemeClr val="dk1"/>
                           </a:solidFill>
@@ -5470,7 +6363,7 @@
                         </a:rPr>
                         <a:t> Qi</a:t>
                       </a:r>
-                      <a:endParaRPr lang="zh-CN" altLang="en-US" sz="1200" b="0" kern="1200" dirty="0">
+                      <a:endParaRPr lang="zh-CN" altLang="en-US" sz="1400" b="0" kern="1200" dirty="0">
                         <a:solidFill>
                           <a:schemeClr val="dk1"/>
                         </a:solidFill>
@@ -5491,7 +6384,7 @@
                     <a:p>
                       <a:pPr marL="0" algn="ctr" defTabSz="914400" rtl="0" eaLnBrk="1" latinLnBrk="0" hangingPunct="1"/>
                       <a:r>
-                        <a:rPr lang="en-US" altLang="zh-CN" sz="1200" b="0" kern="1200" dirty="0">
+                        <a:rPr lang="en-US" altLang="zh-CN" sz="1400" b="0" kern="1200" dirty="0">
                           <a:solidFill>
                             <a:schemeClr val="dk1"/>
                           </a:solidFill>
@@ -5514,7 +6407,7 @@
                     <a:p>
                       <a:pPr marL="0" algn="ctr" defTabSz="914400" rtl="0" eaLnBrk="1" latinLnBrk="0" hangingPunct="1"/>
                       <a:r>
-                        <a:rPr lang="en-US" altLang="zh-CN" sz="1200" b="0" kern="1200" dirty="0">
+                        <a:rPr lang="en-US" altLang="zh-CN" sz="1400" b="0" kern="1200" dirty="0">
                           <a:solidFill>
                             <a:schemeClr val="dk1"/>
                           </a:solidFill>
@@ -5524,7 +6417,7 @@
                         </a:rPr>
                         <a:t>Information Security</a:t>
                       </a:r>
-                      <a:endParaRPr lang="zh-CN" altLang="en-US" sz="1200" b="0" kern="1200" dirty="0">
+                      <a:endParaRPr lang="zh-CN" altLang="en-US" sz="1400" b="0" kern="1200" dirty="0">
                         <a:solidFill>
                           <a:schemeClr val="dk1"/>
                         </a:solidFill>
@@ -5552,7 +6445,7 @@
                     <a:p>
                       <a:pPr marL="0" algn="ctr" defTabSz="914400" rtl="0" eaLnBrk="1" latinLnBrk="0" hangingPunct="1"/>
                       <a:r>
-                        <a:rPr lang="en-US" altLang="zh-CN" sz="1200" b="0" kern="1200" dirty="0" err="1">
+                        <a:rPr lang="en-US" altLang="zh-CN" sz="1400" b="0" kern="1200" dirty="0" err="1">
                           <a:solidFill>
                             <a:schemeClr val="dk1"/>
                           </a:solidFill>
@@ -5564,7 +6457,7 @@
                         <a:t>Xiaoyang</a:t>
                       </a:r>
                       <a:r>
-                        <a:rPr lang="zh-CN" altLang="en-US" sz="1200" b="0" kern="1200" dirty="0">
+                        <a:rPr lang="zh-CN" altLang="en-US" sz="1400" b="0" kern="1200" dirty="0">
                           <a:solidFill>
                             <a:schemeClr val="dk1"/>
                           </a:solidFill>
@@ -5576,7 +6469,7 @@
                         <a:t> </a:t>
                       </a:r>
                       <a:r>
-                        <a:rPr lang="en-US" altLang="zh-CN" sz="1200" b="0" kern="1200" dirty="0">
+                        <a:rPr lang="en-US" altLang="zh-CN" sz="1400" b="0" kern="1200" dirty="0">
                           <a:solidFill>
                             <a:schemeClr val="dk1"/>
                           </a:solidFill>
@@ -5587,7 +6480,7 @@
                         </a:rPr>
                         <a:t>Ji</a:t>
                       </a:r>
-                      <a:endParaRPr lang="zh-CN" altLang="en-US" sz="1200" b="0" kern="1200" dirty="0">
+                      <a:endParaRPr lang="zh-CN" altLang="en-US" sz="1400" b="0" kern="1200" dirty="0">
                         <a:solidFill>
                           <a:schemeClr val="dk1"/>
                         </a:solidFill>
@@ -5608,7 +6501,7 @@
                     <a:p>
                       <a:pPr marL="0" algn="ctr" defTabSz="914400" rtl="0" eaLnBrk="1" latinLnBrk="0" hangingPunct="1"/>
                       <a:r>
-                        <a:rPr lang="en-US" altLang="zh-CN" sz="1200" b="0" kern="1200" dirty="0">
+                        <a:rPr lang="en-US" altLang="zh-CN" sz="1400" b="0" kern="1200" dirty="0">
                           <a:solidFill>
                             <a:schemeClr val="dk1"/>
                           </a:solidFill>
@@ -5618,7 +6511,7 @@
                         </a:rPr>
                         <a:t>2110611</a:t>
                       </a:r>
-                      <a:endParaRPr lang="zh-CN" altLang="en-US" sz="1200" b="0" kern="1200" dirty="0">
+                      <a:endParaRPr lang="zh-CN" altLang="en-US" sz="1400" b="0" kern="1200" dirty="0">
                         <a:solidFill>
                           <a:schemeClr val="dk1"/>
                         </a:solidFill>
@@ -5639,7 +6532,7 @@
                     <a:p>
                       <a:pPr marL="0" algn="ctr" defTabSz="914400" rtl="0" eaLnBrk="1" latinLnBrk="0" hangingPunct="1"/>
                       <a:r>
-                        <a:rPr lang="en-US" altLang="zh-CN" sz="1200" b="0" kern="1200" dirty="0">
+                        <a:rPr lang="en-US" altLang="zh-CN" sz="1400" b="0" kern="1200" dirty="0">
                           <a:solidFill>
                             <a:schemeClr val="dk1"/>
                           </a:solidFill>
@@ -5650,7 +6543,7 @@
                         </a:rPr>
                         <a:t>Cryptographic Science and Technology</a:t>
                       </a:r>
-                      <a:endParaRPr lang="zh-CN" altLang="en-US" sz="1200" b="0" kern="1200" dirty="0">
+                      <a:endParaRPr lang="zh-CN" altLang="en-US" sz="1400" b="0" kern="1200" dirty="0">
                         <a:solidFill>
                           <a:schemeClr val="dk1"/>
                         </a:solidFill>
@@ -5674,49 +6567,6 @@
           </a:graphicData>
         </a:graphic>
       </p:graphicFrame>
-      <p:sp>
-        <p:nvSpPr>
-          <p:cNvPr id="8" name="文本框 7">
-            <a:extLst>
-              <a:ext uri="{FF2B5EF4-FFF2-40B4-BE49-F238E27FC236}">
-                <a16:creationId xmlns:a16="http://schemas.microsoft.com/office/drawing/2014/main" id="{2F2CDA2C-10A9-79E1-2017-84ECA2C6BA7A}"/>
-              </a:ext>
-            </a:extLst>
-          </p:cNvPr>
-          <p:cNvSpPr txBox="1"/>
-          <p:nvPr/>
-        </p:nvSpPr>
-        <p:spPr>
-          <a:xfrm>
-            <a:off x="5361025" y="6153598"/>
-            <a:ext cx="1469952" cy="575517"/>
-          </a:xfrm>
-          <a:prstGeom prst="rect">
-            <a:avLst/>
-          </a:prstGeom>
-          <a:noFill/>
-        </p:spPr>
-        <p:txBody>
-          <a:bodyPr wrap="square" rtlCol="0">
-            <a:noAutofit/>
-          </a:bodyPr>
-          <a:lstStyle/>
-          <a:p>
-            <a:pPr algn="ctr">
-              <a:lnSpc>
-                <a:spcPct val="150000"/>
-              </a:lnSpc>
-            </a:pPr>
-            <a:r>
-              <a:rPr lang="en-US" altLang="zh-CN" sz="2000" dirty="0">
-                <a:latin typeface="华文中宋" panose="02010600040101010101" pitchFamily="2" charset="-122"/>
-                <a:ea typeface="华文中宋" panose="02010600040101010101" pitchFamily="2" charset="-122"/>
-              </a:rPr>
-              <a:t>2024.5</a:t>
-            </a:r>
-          </a:p>
-        </p:txBody>
-      </p:sp>
     </p:spTree>
   </p:cSld>
   <p:clrMapOvr>
@@ -6811,6 +7661,101 @@
               <a:t>BERT-DP: Enron + BERT + differential privacy gradient descent</a:t>
             </a:r>
           </a:p>
+        </p:txBody>
+      </p:sp>
+    </p:spTree>
+    <p:extLst>
+      <p:ext uri="{BB962C8B-B14F-4D97-AF65-F5344CB8AC3E}">
+        <p14:creationId xmlns:p14="http://schemas.microsoft.com/office/powerpoint/2010/main" val="4093196619"/>
+      </p:ext>
+    </p:extLst>
+  </p:cSld>
+  <p:clrMapOvr>
+    <a:masterClrMapping/>
+  </p:clrMapOvr>
+</p:sld>
+</file>
+
+<file path=ppt/slides/slide15.xml><?xml version="1.0" encoding="utf-8"?>
+<p:sld xmlns:a="http://schemas.openxmlformats.org/drawingml/2006/main" xmlns:r="http://schemas.openxmlformats.org/officeDocument/2006/relationships" xmlns:p="http://schemas.openxmlformats.org/presentationml/2006/main">
+  <p:cSld>
+    <p:spTree>
+      <p:nvGrpSpPr>
+        <p:cNvPr id="1" name=""/>
+        <p:cNvGrpSpPr/>
+        <p:nvPr/>
+      </p:nvGrpSpPr>
+      <p:grpSpPr>
+        <a:xfrm>
+          <a:off x="0" y="0"/>
+          <a:ext cx="0" cy="0"/>
+          <a:chOff x="0" y="0"/>
+          <a:chExt cx="0" cy="0"/>
+        </a:xfrm>
+      </p:grpSpPr>
+      <p:sp>
+        <p:nvSpPr>
+          <p:cNvPr id="2" name="标题 1"/>
+          <p:cNvSpPr>
+            <a:spLocks noGrp="1"/>
+          </p:cNvSpPr>
+          <p:nvPr>
+            <p:ph type="title"/>
+          </p:nvPr>
+        </p:nvSpPr>
+        <p:spPr/>
+        <p:txBody>
+          <a:bodyPr/>
+          <a:lstStyle/>
+          <a:p>
+            <a:r>
+              <a:rPr lang="en-US" altLang="zh-CN" b="1" dirty="0"/>
+              <a:t>Experiments</a:t>
+            </a:r>
+            <a:endParaRPr lang="zh-CN" altLang="en-US" dirty="0"/>
+          </a:p>
+        </p:txBody>
+      </p:sp>
+      <p:sp>
+        <p:nvSpPr>
+          <p:cNvPr id="3" name="文本框 2"/>
+          <p:cNvSpPr txBox="1"/>
+          <p:nvPr/>
+        </p:nvSpPr>
+        <p:spPr>
+          <a:xfrm>
+            <a:off x="399190" y="971400"/>
+            <a:ext cx="11792809" cy="5497133"/>
+          </a:xfrm>
+          <a:prstGeom prst="rect">
+            <a:avLst/>
+          </a:prstGeom>
+          <a:noFill/>
+        </p:spPr>
+        <p:txBody>
+          <a:bodyPr wrap="square" rtlCol="0">
+            <a:noAutofit/>
+          </a:bodyPr>
+          <a:lstStyle/>
+          <a:p>
+            <a:pPr marL="457200" indent="-457200">
+              <a:lnSpc>
+                <a:spcPct val="150000"/>
+              </a:lnSpc>
+              <a:buFont typeface="Arial" panose="020B0604020202020204" pitchFamily="34" charset="0"/>
+              <a:buChar char="•"/>
+            </a:pPr>
+            <a:r>
+              <a:rPr lang="en-US" altLang="zh-CN" sz="2400" b="1" dirty="0">
+                <a:solidFill>
+                  <a:srgbClr val="802258"/>
+                </a:solidFill>
+                <a:latin typeface="华文中宋" panose="02010600040101010101" pitchFamily="2" charset="-122"/>
+                <a:ea typeface="华文中宋" panose="02010600040101010101" pitchFamily="2" charset="-122"/>
+              </a:rPr>
+              <a:t>Setup</a:t>
+            </a:r>
+          </a:p>
           <a:p>
             <a:pPr marL="914400" lvl="1" indent="-457200">
               <a:lnSpc>
@@ -6858,6 +7803,32 @@
               </a:rPr>
               <a:t>Mean Reciprocal Rank (MRR): measure the model's memorization of names</a:t>
             </a:r>
+          </a:p>
+          <a:p>
+            <a:pPr marL="1371600" lvl="2" indent="-457200">
+              <a:lnSpc>
+                <a:spcPct val="150000"/>
+              </a:lnSpc>
+              <a:buFont typeface="Arial" panose="020B0604020202020204" pitchFamily="34" charset="0"/>
+              <a:buChar char="•"/>
+            </a:pPr>
+            <a:endParaRPr lang="en-US" altLang="zh-CN" sz="2000" dirty="0">
+              <a:latin typeface="华文中宋" panose="02010600040101010101" pitchFamily="2" charset="-122"/>
+              <a:ea typeface="华文中宋" panose="02010600040101010101" pitchFamily="2" charset="-122"/>
+            </a:endParaRPr>
+          </a:p>
+          <a:p>
+            <a:pPr marL="1371600" lvl="2" indent="-457200">
+              <a:lnSpc>
+                <a:spcPct val="150000"/>
+              </a:lnSpc>
+              <a:buFont typeface="Arial" panose="020B0604020202020204" pitchFamily="34" charset="0"/>
+              <a:buChar char="•"/>
+            </a:pPr>
+            <a:endParaRPr lang="en-US" altLang="zh-CN" sz="2000" dirty="0">
+              <a:latin typeface="华文中宋" panose="02010600040101010101" pitchFamily="2" charset="-122"/>
+              <a:ea typeface="华文中宋" panose="02010600040101010101" pitchFamily="2" charset="-122"/>
+            </a:endParaRPr>
           </a:p>
           <a:p>
             <a:pPr marL="1371600" lvl="2" indent="-457200">
@@ -6899,7 +7870,7 @@
         </p:blipFill>
         <p:spPr>
           <a:xfrm>
-            <a:off x="8909623" y="4823880"/>
+            <a:off x="8888108" y="2048407"/>
             <a:ext cx="2760830" cy="434777"/>
           </a:xfrm>
           <a:prstGeom prst="rect">
@@ -6929,7 +7900,7 @@
         </p:blipFill>
         <p:spPr>
           <a:xfrm>
-            <a:off x="9922683" y="5617235"/>
+            <a:off x="1725356" y="3032849"/>
             <a:ext cx="1952166" cy="792302"/>
           </a:xfrm>
           <a:prstGeom prst="rect">
@@ -6940,7 +7911,7 @@
     </p:spTree>
     <p:extLst>
       <p:ext uri="{BB962C8B-B14F-4D97-AF65-F5344CB8AC3E}">
-        <p14:creationId xmlns:p14="http://schemas.microsoft.com/office/powerpoint/2010/main" val="4093196619"/>
+        <p14:creationId xmlns:p14="http://schemas.microsoft.com/office/powerpoint/2010/main" val="2751668217"/>
       </p:ext>
     </p:extLst>
   </p:cSld>
@@ -6950,7 +7921,7 @@
 </p:sld>
 </file>
 
-<file path=ppt/slides/slide15.xml><?xml version="1.0" encoding="utf-8"?>
+<file path=ppt/slides/slide16.xml><?xml version="1.0" encoding="utf-8"?>
 <p:sld xmlns:a="http://schemas.openxmlformats.org/drawingml/2006/main" xmlns:r="http://schemas.openxmlformats.org/officeDocument/2006/relationships" xmlns:p="http://schemas.openxmlformats.org/presentationml/2006/main">
   <p:cSld>
     <p:spTree>
@@ -8230,297 +9201,6 @@
 </p:sld>
 </file>
 
-<file path=ppt/slides/slide16.xml><?xml version="1.0" encoding="utf-8"?>
-<p:sld xmlns:a="http://schemas.openxmlformats.org/drawingml/2006/main" xmlns:r="http://schemas.openxmlformats.org/officeDocument/2006/relationships" xmlns:p="http://schemas.openxmlformats.org/presentationml/2006/main">
-  <p:cSld>
-    <p:spTree>
-      <p:nvGrpSpPr>
-        <p:cNvPr id="1" name=""/>
-        <p:cNvGrpSpPr/>
-        <p:nvPr/>
-      </p:nvGrpSpPr>
-      <p:grpSpPr>
-        <a:xfrm>
-          <a:off x="0" y="0"/>
-          <a:ext cx="0" cy="0"/>
-          <a:chOff x="0" y="0"/>
-          <a:chExt cx="0" cy="0"/>
-        </a:xfrm>
-      </p:grpSpPr>
-      <p:sp>
-        <p:nvSpPr>
-          <p:cNvPr id="2" name="标题 1"/>
-          <p:cNvSpPr>
-            <a:spLocks noGrp="1"/>
-          </p:cNvSpPr>
-          <p:nvPr>
-            <p:ph type="title"/>
-          </p:nvPr>
-        </p:nvSpPr>
-        <p:spPr/>
-        <p:txBody>
-          <a:bodyPr/>
-          <a:lstStyle/>
-          <a:p>
-            <a:r>
-              <a:rPr lang="en-US" altLang="zh-CN" b="1" dirty="0"/>
-              <a:t>Analysis</a:t>
-            </a:r>
-          </a:p>
-        </p:txBody>
-      </p:sp>
-      <p:sp>
-        <p:nvSpPr>
-          <p:cNvPr id="3" name="文本框 2"/>
-          <p:cNvSpPr txBox="1"/>
-          <p:nvPr/>
-        </p:nvSpPr>
-        <p:spPr>
-          <a:xfrm>
-            <a:off x="399190" y="971400"/>
-            <a:ext cx="11792809" cy="5497133"/>
-          </a:xfrm>
-          <a:prstGeom prst="rect">
-            <a:avLst/>
-          </a:prstGeom>
-          <a:noFill/>
-        </p:spPr>
-        <p:txBody>
-          <a:bodyPr wrap="square" rtlCol="0">
-            <a:noAutofit/>
-          </a:bodyPr>
-          <a:lstStyle/>
-          <a:p>
-            <a:pPr marL="457200" indent="-457200">
-              <a:lnSpc>
-                <a:spcPct val="150000"/>
-              </a:lnSpc>
-              <a:buFont typeface="Arial" panose="020B0604020202020204" pitchFamily="34" charset="0"/>
-              <a:buChar char="•"/>
-            </a:pPr>
-            <a:r>
-              <a:rPr lang="en-US" altLang="zh-CN" sz="2400" b="1" dirty="0">
-                <a:solidFill>
-                  <a:srgbClr val="802258"/>
-                </a:solidFill>
-                <a:latin typeface="华文中宋" panose="02010600040101010101" pitchFamily="2" charset="-122"/>
-                <a:ea typeface="华文中宋" panose="02010600040101010101" pitchFamily="2" charset="-122"/>
-              </a:rPr>
-              <a:t>Effect of the Hyperparameter</a:t>
-            </a:r>
-          </a:p>
-          <a:p>
-            <a:pPr marL="914400" lvl="1" indent="-457200">
-              <a:lnSpc>
-                <a:spcPct val="150000"/>
-              </a:lnSpc>
-              <a:buFont typeface="Arial" panose="020B0604020202020204" pitchFamily="34" charset="0"/>
-              <a:buChar char="•"/>
-            </a:pPr>
-            <a:endParaRPr lang="en-US" altLang="zh-CN" sz="2000" dirty="0">
-              <a:latin typeface="华文中宋" panose="02010600040101010101" pitchFamily="2" charset="-122"/>
-              <a:ea typeface="华文中宋" panose="02010600040101010101" pitchFamily="2" charset="-122"/>
-            </a:endParaRPr>
-          </a:p>
-          <a:p>
-            <a:pPr marL="914400" lvl="1" indent="-457200">
-              <a:lnSpc>
-                <a:spcPct val="150000"/>
-              </a:lnSpc>
-              <a:buFont typeface="Arial" panose="020B0604020202020204" pitchFamily="34" charset="0"/>
-              <a:buChar char="•"/>
-            </a:pPr>
-            <a:endParaRPr lang="en-US" altLang="zh-CN" sz="2000" dirty="0">
-              <a:latin typeface="华文中宋" panose="02010600040101010101" pitchFamily="2" charset="-122"/>
-              <a:ea typeface="华文中宋" panose="02010600040101010101" pitchFamily="2" charset="-122"/>
-            </a:endParaRPr>
-          </a:p>
-          <a:p>
-            <a:pPr marL="914400" lvl="1" indent="-457200">
-              <a:lnSpc>
-                <a:spcPct val="150000"/>
-              </a:lnSpc>
-              <a:buFont typeface="Arial" panose="020B0604020202020204" pitchFamily="34" charset="0"/>
-              <a:buChar char="•"/>
-            </a:pPr>
-            <a:endParaRPr lang="en-US" altLang="zh-CN" sz="2000" dirty="0">
-              <a:latin typeface="华文中宋" panose="02010600040101010101" pitchFamily="2" charset="-122"/>
-              <a:ea typeface="华文中宋" panose="02010600040101010101" pitchFamily="2" charset="-122"/>
-            </a:endParaRPr>
-          </a:p>
-          <a:p>
-            <a:pPr marL="914400" lvl="1" indent="-457200">
-              <a:lnSpc>
-                <a:spcPct val="150000"/>
-              </a:lnSpc>
-              <a:buFont typeface="Arial" panose="020B0604020202020204" pitchFamily="34" charset="0"/>
-              <a:buChar char="•"/>
-            </a:pPr>
-            <a:r>
-              <a:rPr lang="en-US" altLang="zh-CN" sz="2000" dirty="0">
-                <a:latin typeface="华文中宋" panose="02010600040101010101" pitchFamily="2" charset="-122"/>
-                <a:ea typeface="华文中宋" panose="02010600040101010101" pitchFamily="2" charset="-122"/>
-              </a:rPr>
-              <a:t>Model Settings</a:t>
-            </a:r>
-            <a:r>
-              <a:rPr lang="zh-CN" altLang="en-US" sz="2000" dirty="0">
-                <a:latin typeface="华文中宋" panose="02010600040101010101" pitchFamily="2" charset="-122"/>
-                <a:ea typeface="华文中宋" panose="02010600040101010101" pitchFamily="2" charset="-122"/>
-              </a:rPr>
-              <a:t>：</a:t>
-            </a:r>
-            <a:r>
-              <a:rPr lang="en-US" altLang="zh-CN" sz="2000" dirty="0">
-                <a:latin typeface="华文中宋" panose="02010600040101010101" pitchFamily="2" charset="-122"/>
-                <a:ea typeface="华文中宋" panose="02010600040101010101" pitchFamily="2" charset="-122"/>
-              </a:rPr>
-              <a:t>BERT-base, 12 transformer layers</a:t>
-            </a:r>
-          </a:p>
-          <a:p>
-            <a:pPr marL="914400" lvl="1" indent="-457200">
-              <a:lnSpc>
-                <a:spcPct val="150000"/>
-              </a:lnSpc>
-              <a:buFont typeface="Arial" panose="020B0604020202020204" pitchFamily="34" charset="0"/>
-              <a:buChar char="•"/>
-            </a:pPr>
-            <a:r>
-              <a:rPr lang="en-US" altLang="zh-CN" sz="2000" dirty="0">
-                <a:latin typeface="华文中宋" panose="02010600040101010101" pitchFamily="2" charset="-122"/>
-                <a:ea typeface="华文中宋" panose="02010600040101010101" pitchFamily="2" charset="-122"/>
-              </a:rPr>
-              <a:t>Baseline</a:t>
-            </a:r>
-          </a:p>
-          <a:p>
-            <a:pPr marL="1371600" lvl="2" indent="-457200">
-              <a:lnSpc>
-                <a:spcPct val="150000"/>
-              </a:lnSpc>
-              <a:buFont typeface="Arial" panose="020B0604020202020204" pitchFamily="34" charset="0"/>
-              <a:buChar char="•"/>
-            </a:pPr>
-            <a:r>
-              <a:rPr lang="en-US" altLang="zh-CN" sz="2000" dirty="0">
-                <a:latin typeface="华文中宋" panose="02010600040101010101" pitchFamily="2" charset="-122"/>
-                <a:ea typeface="华文中宋" panose="02010600040101010101" pitchFamily="2" charset="-122"/>
-              </a:rPr>
-              <a:t>BERT-O: No Enron, an oracle for assessing the risk of privacy leakage</a:t>
-            </a:r>
-          </a:p>
-          <a:p>
-            <a:pPr marL="1371600" lvl="2" indent="-457200">
-              <a:lnSpc>
-                <a:spcPct val="150000"/>
-              </a:lnSpc>
-              <a:buFont typeface="Arial" panose="020B0604020202020204" pitchFamily="34" charset="0"/>
-              <a:buChar char="•"/>
-            </a:pPr>
-            <a:r>
-              <a:rPr lang="en-US" altLang="zh-CN" sz="2000" dirty="0">
-                <a:latin typeface="华文中宋" panose="02010600040101010101" pitchFamily="2" charset="-122"/>
-                <a:ea typeface="华文中宋" panose="02010600040101010101" pitchFamily="2" charset="-122"/>
-              </a:rPr>
-              <a:t>BERT-F: Enron + BERT, best predictive performance on the Enron, has the greatest risk of privacy leakage</a:t>
-            </a:r>
-          </a:p>
-          <a:p>
-            <a:pPr marL="1371600" lvl="2" indent="-457200">
-              <a:lnSpc>
-                <a:spcPct val="150000"/>
-              </a:lnSpc>
-              <a:buFont typeface="Arial" panose="020B0604020202020204" pitchFamily="34" charset="0"/>
-              <a:buChar char="•"/>
-            </a:pPr>
-            <a:r>
-              <a:rPr lang="en-US" altLang="zh-CN" sz="2000" dirty="0">
-                <a:latin typeface="华文中宋" panose="02010600040101010101" pitchFamily="2" charset="-122"/>
-                <a:ea typeface="华文中宋" panose="02010600040101010101" pitchFamily="2" charset="-122"/>
-              </a:rPr>
-              <a:t>BERT-DP: Enron + BERT + differential privacy gradient descent</a:t>
-            </a:r>
-          </a:p>
-          <a:p>
-            <a:pPr marL="914400" lvl="1" indent="-457200">
-              <a:lnSpc>
-                <a:spcPct val="150000"/>
-              </a:lnSpc>
-              <a:buFont typeface="Arial" panose="020B0604020202020204" pitchFamily="34" charset="0"/>
-              <a:buChar char="•"/>
-            </a:pPr>
-            <a:r>
-              <a:rPr lang="en-US" altLang="zh-CN" sz="2000" dirty="0">
-                <a:latin typeface="华文中宋" panose="02010600040101010101" pitchFamily="2" charset="-122"/>
-                <a:ea typeface="华文中宋" panose="02010600040101010101" pitchFamily="2" charset="-122"/>
-              </a:rPr>
-              <a:t>Metrics</a:t>
-            </a:r>
-          </a:p>
-          <a:p>
-            <a:pPr marL="1371600" lvl="2" indent="-457200">
-              <a:lnSpc>
-                <a:spcPct val="150000"/>
-              </a:lnSpc>
-              <a:buFont typeface="Arial" panose="020B0604020202020204" pitchFamily="34" charset="0"/>
-              <a:buChar char="•"/>
-            </a:pPr>
-            <a:r>
-              <a:rPr lang="en-US" altLang="zh-CN" sz="2000" dirty="0">
-                <a:latin typeface="华文中宋" panose="02010600040101010101" pitchFamily="2" charset="-122"/>
-                <a:ea typeface="华文中宋" panose="02010600040101010101" pitchFamily="2" charset="-122"/>
-              </a:rPr>
-              <a:t>Exposure: measure the exposure risk of phone numbers</a:t>
-            </a:r>
-          </a:p>
-          <a:p>
-            <a:pPr marL="1371600" lvl="2" indent="-457200">
-              <a:lnSpc>
-                <a:spcPct val="150000"/>
-              </a:lnSpc>
-              <a:buFont typeface="Arial" panose="020B0604020202020204" pitchFamily="34" charset="0"/>
-              <a:buChar char="•"/>
-            </a:pPr>
-            <a:r>
-              <a:rPr lang="en-US" altLang="zh-CN" sz="2000" dirty="0">
-                <a:latin typeface="华文中宋" panose="02010600040101010101" pitchFamily="2" charset="-122"/>
-                <a:ea typeface="华文中宋" panose="02010600040101010101" pitchFamily="2" charset="-122"/>
-              </a:rPr>
-              <a:t>Mean Reciprocal Rank (MRR): measure the model's memorization of names</a:t>
-            </a:r>
-          </a:p>
-          <a:p>
-            <a:pPr marL="1371600" lvl="2" indent="-457200">
-              <a:lnSpc>
-                <a:spcPct val="150000"/>
-              </a:lnSpc>
-              <a:buFont typeface="Arial" panose="020B0604020202020204" pitchFamily="34" charset="0"/>
-              <a:buChar char="•"/>
-            </a:pPr>
-            <a:r>
-              <a:rPr lang="en-US" altLang="zh-CN" sz="2000" dirty="0">
-                <a:latin typeface="华文中宋" panose="02010600040101010101" pitchFamily="2" charset="-122"/>
-                <a:ea typeface="华文中宋" panose="02010600040101010101" pitchFamily="2" charset="-122"/>
-              </a:rPr>
-              <a:t>Perplexity (PPL): measure the model memorization</a:t>
-            </a:r>
-          </a:p>
-        </p:txBody>
-      </p:sp>
-    </p:spTree>
-    <p:extLst>
-      <p:ext uri="{BB962C8B-B14F-4D97-AF65-F5344CB8AC3E}">
-        <p14:creationId xmlns:p14="http://schemas.microsoft.com/office/powerpoint/2010/main" val="2088825589"/>
-      </p:ext>
-    </p:extLst>
-  </p:cSld>
-  <p:clrMapOvr>
-    <a:masterClrMapping/>
-  </p:clrMapOvr>
-</p:sld>
-</file>
-
 <file path=ppt/slides/slide17.xml><?xml version="1.0" encoding="utf-8"?>
 <p:sld xmlns:a="http://schemas.openxmlformats.org/drawingml/2006/main" xmlns:r="http://schemas.openxmlformats.org/officeDocument/2006/relationships" xmlns:p="http://schemas.openxmlformats.org/presentationml/2006/main">
   <p:cSld>
@@ -8540,14 +9220,36 @@
       </p:grpSpPr>
       <p:sp>
         <p:nvSpPr>
-          <p:cNvPr id="4" name="文本框 3"/>
+          <p:cNvPr id="2" name="标题 1"/>
+          <p:cNvSpPr>
+            <a:spLocks noGrp="1"/>
+          </p:cNvSpPr>
+          <p:nvPr>
+            <p:ph type="title"/>
+          </p:nvPr>
+        </p:nvSpPr>
+        <p:spPr/>
+        <p:txBody>
+          <a:bodyPr/>
+          <a:lstStyle/>
+          <a:p>
+            <a:r>
+              <a:rPr lang="en-US" altLang="zh-CN" b="1" dirty="0"/>
+              <a:t>Analysis</a:t>
+            </a:r>
+          </a:p>
+        </p:txBody>
+      </p:sp>
+      <p:sp>
+        <p:nvSpPr>
+          <p:cNvPr id="3" name="文本框 2"/>
           <p:cNvSpPr txBox="1"/>
           <p:nvPr/>
         </p:nvSpPr>
         <p:spPr>
           <a:xfrm>
-            <a:off x="2172586" y="2008728"/>
-            <a:ext cx="7846828" cy="1107996"/>
+            <a:off x="399190" y="971400"/>
+            <a:ext cx="11792809" cy="5497133"/>
           </a:xfrm>
           <a:prstGeom prst="rect">
             <a:avLst/>
@@ -8556,571 +9258,135 @@
         </p:spPr>
         <p:txBody>
           <a:bodyPr wrap="square" rtlCol="0">
-            <a:spAutoFit/>
+            <a:noAutofit/>
           </a:bodyPr>
           <a:lstStyle/>
           <a:p>
-            <a:pPr algn="ctr"/>
-            <a:r>
-              <a:rPr lang="en-US" altLang="zh-CN" sz="6600" b="1" dirty="0">
-                <a:latin typeface="Times New Roman" panose="02020603050405020304" pitchFamily="18" charset="0"/>
-                <a:ea typeface="楷体" panose="02010609060101010101" pitchFamily="49" charset="-122"/>
-                <a:cs typeface="Times New Roman" panose="02020603050405020304" pitchFamily="18" charset="0"/>
-              </a:rPr>
-              <a:t>Thanks</a:t>
-            </a:r>
-          </a:p>
-        </p:txBody>
-      </p:sp>
-      <p:graphicFrame>
-        <p:nvGraphicFramePr>
-          <p:cNvPr id="2" name="表格 1">
+            <a:pPr marL="457200" indent="-457200">
+              <a:lnSpc>
+                <a:spcPct val="150000"/>
+              </a:lnSpc>
+              <a:buFont typeface="Arial" panose="020B0604020202020204" pitchFamily="34" charset="0"/>
+              <a:buChar char="•"/>
+            </a:pPr>
+            <a:r>
+              <a:rPr lang="en-US" altLang="zh-CN" sz="2400" b="1" dirty="0">
+                <a:solidFill>
+                  <a:srgbClr val="802258"/>
+                </a:solidFill>
+                <a:latin typeface="华文中宋" panose="02010600040101010101" pitchFamily="2" charset="-122"/>
+                <a:ea typeface="华文中宋" panose="02010600040101010101" pitchFamily="2" charset="-122"/>
+              </a:rPr>
+              <a:t>Effect of the Hyperparameter</a:t>
+            </a:r>
+          </a:p>
+          <a:p>
+            <a:pPr marL="914400" lvl="1" indent="-457200">
+              <a:lnSpc>
+                <a:spcPct val="150000"/>
+              </a:lnSpc>
+              <a:buFont typeface="Arial" panose="020B0604020202020204" pitchFamily="34" charset="0"/>
+              <a:buChar char="•"/>
+            </a:pPr>
+            <a:endParaRPr lang="en-US" altLang="zh-CN" sz="2000" dirty="0">
+              <a:latin typeface="华文中宋" panose="02010600040101010101" pitchFamily="2" charset="-122"/>
+              <a:ea typeface="华文中宋" panose="02010600040101010101" pitchFamily="2" charset="-122"/>
+            </a:endParaRPr>
+          </a:p>
+        </p:txBody>
+      </p:sp>
+      <p:pic>
+        <p:nvPicPr>
+          <p:cNvPr id="4" name="图片 3">
             <a:extLst>
               <a:ext uri="{FF2B5EF4-FFF2-40B4-BE49-F238E27FC236}">
-                <a16:creationId xmlns:a16="http://schemas.microsoft.com/office/drawing/2014/main" id="{F50D888B-B0E4-9C9D-BB04-FC1B98AE292B}"/>
+                <a16:creationId xmlns:a16="http://schemas.microsoft.com/office/drawing/2014/main" id="{FE8DB3BF-B60E-C840-A6C3-3AAD3FB62440}"/>
               </a:ext>
             </a:extLst>
           </p:cNvPr>
-          <p:cNvGraphicFramePr>
-            <a:graphicFrameLocks noGrp="1"/>
-          </p:cNvGraphicFramePr>
-          <p:nvPr>
-            <p:extLst>
-              <p:ext uri="{D42A27DB-BD31-4B8C-83A1-F6EECF244321}">
-                <p14:modId xmlns:p14="http://schemas.microsoft.com/office/powerpoint/2010/main" val="2971285066"/>
-              </p:ext>
-            </p:extLst>
-          </p:nvPr>
-        </p:nvGraphicFramePr>
-        <p:xfrm>
-          <a:off x="3929698" y="5028902"/>
-          <a:ext cx="4332603" cy="1124696"/>
-        </p:xfrm>
-        <a:graphic>
-          <a:graphicData uri="http://schemas.openxmlformats.org/drawingml/2006/table">
-            <a:tbl>
-              <a:tblPr firstRow="1" bandRow="1">
-                <a:tableStyleId>{5C22544A-7EE6-4342-B048-85BDC9FD1C3A}</a:tableStyleId>
-              </a:tblPr>
-              <a:tblGrid>
-                <a:gridCol w="1013532">
-                  <a:extLst>
-                    <a:ext uri="{9D8B030D-6E8A-4147-A177-3AD203B41FA5}">
-                      <a16:colId xmlns:a16="http://schemas.microsoft.com/office/drawing/2014/main" val="577754717"/>
-                    </a:ext>
-                  </a:extLst>
-                </a:gridCol>
-                <a:gridCol w="720250">
-                  <a:extLst>
-                    <a:ext uri="{9D8B030D-6E8A-4147-A177-3AD203B41FA5}">
-                      <a16:colId xmlns:a16="http://schemas.microsoft.com/office/drawing/2014/main" val="1208414747"/>
-                    </a:ext>
-                  </a:extLst>
-                </a:gridCol>
-                <a:gridCol w="2598821">
-                  <a:extLst>
-                    <a:ext uri="{9D8B030D-6E8A-4147-A177-3AD203B41FA5}">
-                      <a16:colId xmlns:a16="http://schemas.microsoft.com/office/drawing/2014/main" val="2887465251"/>
-                    </a:ext>
-                  </a:extLst>
-                </a:gridCol>
-              </a:tblGrid>
-              <a:tr h="281174">
-                <a:tc>
-                  <a:txBody>
-                    <a:bodyPr/>
-                    <a:lstStyle/>
-                    <a:p>
-                      <a:pPr marL="0" algn="ctr" defTabSz="914400" rtl="0" eaLnBrk="1" latinLnBrk="0" hangingPunct="1"/>
-                      <a:r>
-                        <a:rPr lang="en-US" altLang="zh-CN" sz="1200" b="0" kern="1200" dirty="0">
-                          <a:solidFill>
-                            <a:schemeClr val="dk1"/>
-                          </a:solidFill>
-                          <a:latin typeface="Times New Roman" panose="02020603050405020304" pitchFamily="18" charset="0"/>
-                          <a:ea typeface="华文中宋" panose="02010600040101010101" pitchFamily="2" charset="-122"/>
-                          <a:cs typeface="Times New Roman" panose="02020603050405020304" pitchFamily="18" charset="0"/>
-                        </a:rPr>
-                        <a:t>Xiuming</a:t>
-                      </a:r>
-                      <a:r>
-                        <a:rPr lang="zh-CN" altLang="en-US" sz="1200" b="0" kern="1200" dirty="0">
-                          <a:solidFill>
-                            <a:schemeClr val="dk1"/>
-                          </a:solidFill>
-                          <a:latin typeface="Times New Roman" panose="02020603050405020304" pitchFamily="18" charset="0"/>
-                          <a:ea typeface="华文中宋" panose="02010600040101010101" pitchFamily="2" charset="-122"/>
-                          <a:cs typeface="Times New Roman" panose="02020603050405020304" pitchFamily="18" charset="0"/>
-                        </a:rPr>
-                        <a:t> </a:t>
-                      </a:r>
-                      <a:r>
-                        <a:rPr lang="en-US" altLang="zh-CN" sz="1200" b="0" kern="1200" dirty="0">
-                          <a:solidFill>
-                            <a:schemeClr val="dk1"/>
-                          </a:solidFill>
-                          <a:latin typeface="Times New Roman" panose="02020603050405020304" pitchFamily="18" charset="0"/>
-                          <a:ea typeface="华文中宋" panose="02010600040101010101" pitchFamily="2" charset="-122"/>
-                          <a:cs typeface="Times New Roman" panose="02020603050405020304" pitchFamily="18" charset="0"/>
-                        </a:rPr>
-                        <a:t>Liu</a:t>
-                      </a:r>
-                      <a:endParaRPr lang="zh-CN" altLang="en-US" sz="1200" b="0" kern="1200" dirty="0">
-                        <a:solidFill>
-                          <a:schemeClr val="dk1"/>
-                        </a:solidFill>
-                        <a:latin typeface="Times New Roman" panose="02020603050405020304" pitchFamily="18" charset="0"/>
-                        <a:ea typeface="华文中宋" panose="02010600040101010101" pitchFamily="2" charset="-122"/>
-                        <a:cs typeface="Times New Roman" panose="02020603050405020304" pitchFamily="18" charset="0"/>
-                      </a:endParaRPr>
-                    </a:p>
-                  </a:txBody>
-                  <a:tcPr anchor="ctr">
-                    <a:noFill/>
-                  </a:tcPr>
-                </a:tc>
-                <a:tc>
-                  <a:txBody>
-                    <a:bodyPr/>
-                    <a:lstStyle/>
-                    <a:p>
-                      <a:pPr marL="0" algn="ctr" defTabSz="914400" rtl="0" eaLnBrk="1" latinLnBrk="0" hangingPunct="1"/>
-                      <a:r>
-                        <a:rPr lang="en-US" altLang="zh-CN" sz="1200" b="0" kern="1200" dirty="0">
-                          <a:solidFill>
-                            <a:schemeClr val="dk1"/>
-                          </a:solidFill>
-                          <a:latin typeface="Times New Roman" panose="02020603050405020304" pitchFamily="18" charset="0"/>
-                          <a:ea typeface="华文中宋" panose="02010600040101010101" pitchFamily="2" charset="-122"/>
-                          <a:cs typeface="Times New Roman" panose="02020603050405020304" pitchFamily="18" charset="0"/>
-                        </a:rPr>
-                        <a:t>2112492</a:t>
-                      </a:r>
-                      <a:endParaRPr lang="zh-CN" altLang="en-US" sz="1200" b="0" kern="1200" dirty="0">
-                        <a:solidFill>
-                          <a:schemeClr val="dk1"/>
-                        </a:solidFill>
-                        <a:latin typeface="Times New Roman" panose="02020603050405020304" pitchFamily="18" charset="0"/>
-                        <a:ea typeface="华文中宋" panose="02010600040101010101" pitchFamily="2" charset="-122"/>
-                        <a:cs typeface="Times New Roman" panose="02020603050405020304" pitchFamily="18" charset="0"/>
-                      </a:endParaRPr>
-                    </a:p>
-                  </a:txBody>
-                  <a:tcPr anchor="ctr">
-                    <a:noFill/>
-                  </a:tcPr>
-                </a:tc>
-                <a:tc>
-                  <a:txBody>
-                    <a:bodyPr/>
-                    <a:lstStyle/>
-                    <a:p>
-                      <a:pPr marL="0" algn="ctr" defTabSz="914400" rtl="0" eaLnBrk="1" latinLnBrk="0" hangingPunct="1"/>
-                      <a:r>
-                        <a:rPr lang="en-US" altLang="zh-CN" sz="1200" b="0" kern="1200" dirty="0">
-                          <a:solidFill>
-                            <a:schemeClr val="dk1"/>
-                          </a:solidFill>
-                          <a:latin typeface="Times New Roman" panose="02020603050405020304" pitchFamily="18" charset="0"/>
-                          <a:ea typeface="华文中宋" panose="02010600040101010101" pitchFamily="2" charset="-122"/>
-                          <a:cs typeface="Times New Roman" panose="02020603050405020304" pitchFamily="18" charset="0"/>
-                        </a:rPr>
-                        <a:t>Information Security</a:t>
-                      </a:r>
-                      <a:endParaRPr lang="zh-CN" altLang="en-US" sz="1200" b="0" kern="1200" dirty="0">
-                        <a:solidFill>
-                          <a:schemeClr val="dk1"/>
-                        </a:solidFill>
-                        <a:latin typeface="Times New Roman" panose="02020603050405020304" pitchFamily="18" charset="0"/>
-                        <a:ea typeface="华文中宋" panose="02010600040101010101" pitchFamily="2" charset="-122"/>
-                        <a:cs typeface="Times New Roman" panose="02020603050405020304" pitchFamily="18" charset="0"/>
-                      </a:endParaRPr>
-                    </a:p>
-                  </a:txBody>
-                  <a:tcPr anchor="ctr">
-                    <a:noFill/>
-                  </a:tcPr>
-                </a:tc>
-                <a:extLst>
-                  <a:ext uri="{0D108BD9-81ED-4DB2-BD59-A6C34878D82A}">
-                    <a16:rowId xmlns:a16="http://schemas.microsoft.com/office/drawing/2014/main" val="3513765569"/>
-                  </a:ext>
-                </a:extLst>
-              </a:tr>
-              <a:tr h="281174">
-                <a:tc>
-                  <a:txBody>
-                    <a:bodyPr/>
-                    <a:lstStyle/>
-                    <a:p>
-                      <a:pPr marL="0" algn="ctr" defTabSz="914400" rtl="0" eaLnBrk="1" latinLnBrk="0" hangingPunct="1"/>
-                      <a:r>
-                        <a:rPr lang="en-US" altLang="zh-CN" sz="1200" b="0" kern="1200" dirty="0">
-                          <a:solidFill>
-                            <a:schemeClr val="dk1"/>
-                          </a:solidFill>
-                          <a:latin typeface="Times New Roman" panose="02020603050405020304" pitchFamily="18" charset="0"/>
-                          <a:ea typeface="华文中宋" panose="02010600040101010101" pitchFamily="2" charset="-122"/>
-                          <a:cs typeface="Times New Roman" panose="02020603050405020304" pitchFamily="18" charset="0"/>
-                          <a:sym typeface="+mn-ea"/>
-                        </a:rPr>
-                        <a:t>Yuchen</a:t>
-                      </a:r>
-                      <a:r>
-                        <a:rPr lang="zh-CN" altLang="en-US" sz="1200" b="0" kern="1200" dirty="0">
-                          <a:solidFill>
-                            <a:schemeClr val="dk1"/>
-                          </a:solidFill>
-                          <a:latin typeface="Times New Roman" panose="02020603050405020304" pitchFamily="18" charset="0"/>
-                          <a:ea typeface="华文中宋" panose="02010600040101010101" pitchFamily="2" charset="-122"/>
-                          <a:cs typeface="Times New Roman" panose="02020603050405020304" pitchFamily="18" charset="0"/>
-                          <a:sym typeface="+mn-ea"/>
-                        </a:rPr>
-                        <a:t> </a:t>
-                      </a:r>
-                      <a:r>
-                        <a:rPr lang="en-US" altLang="zh-CN" sz="1200" b="0" kern="1200" dirty="0">
-                          <a:solidFill>
-                            <a:schemeClr val="dk1"/>
-                          </a:solidFill>
-                          <a:latin typeface="Times New Roman" panose="02020603050405020304" pitchFamily="18" charset="0"/>
-                          <a:ea typeface="华文中宋" panose="02010600040101010101" pitchFamily="2" charset="-122"/>
-                          <a:cs typeface="Times New Roman" panose="02020603050405020304" pitchFamily="18" charset="0"/>
-                          <a:sym typeface="+mn-ea"/>
-                        </a:rPr>
-                        <a:t>Zhou</a:t>
-                      </a:r>
-                      <a:endParaRPr lang="zh-CN" altLang="en-US" sz="1200" b="0" kern="1200" dirty="0">
-                        <a:solidFill>
-                          <a:schemeClr val="dk1"/>
-                        </a:solidFill>
-                        <a:latin typeface="Times New Roman" panose="02020603050405020304" pitchFamily="18" charset="0"/>
-                        <a:ea typeface="华文中宋" panose="02010600040101010101" pitchFamily="2" charset="-122"/>
-                        <a:cs typeface="Times New Roman" panose="02020603050405020304" pitchFamily="18" charset="0"/>
-                      </a:endParaRPr>
-                    </a:p>
-                  </a:txBody>
-                  <a:tcPr anchor="ctr">
-                    <a:noFill/>
-                  </a:tcPr>
-                </a:tc>
-                <a:tc>
-                  <a:txBody>
-                    <a:bodyPr/>
-                    <a:lstStyle/>
-                    <a:p>
-                      <a:pPr marL="0" algn="ctr" defTabSz="914400" rtl="0" eaLnBrk="1" latinLnBrk="0" hangingPunct="1"/>
-                      <a:r>
-                        <a:rPr lang="en-US" altLang="zh-CN" sz="1200" b="0" kern="1200" dirty="0">
-                          <a:solidFill>
-                            <a:schemeClr val="dk1"/>
-                          </a:solidFill>
-                          <a:latin typeface="Times New Roman" panose="02020603050405020304" pitchFamily="18" charset="0"/>
-                          <a:ea typeface="华文中宋" panose="02010600040101010101" pitchFamily="2" charset="-122"/>
-                          <a:cs typeface="Times New Roman" panose="02020603050405020304" pitchFamily="18" charset="0"/>
-                        </a:rPr>
-                        <a:t>2111408</a:t>
-                      </a:r>
-                      <a:endParaRPr lang="zh-CN" altLang="en-US" sz="1200" b="0" kern="1200" dirty="0">
-                        <a:solidFill>
-                          <a:schemeClr val="dk1"/>
-                        </a:solidFill>
-                        <a:latin typeface="Times New Roman" panose="02020603050405020304" pitchFamily="18" charset="0"/>
-                        <a:ea typeface="华文中宋" panose="02010600040101010101" pitchFamily="2" charset="-122"/>
-                        <a:cs typeface="Times New Roman" panose="02020603050405020304" pitchFamily="18" charset="0"/>
-                      </a:endParaRPr>
-                    </a:p>
-                  </a:txBody>
-                  <a:tcPr anchor="ctr">
-                    <a:noFill/>
-                  </a:tcPr>
-                </a:tc>
-                <a:tc>
-                  <a:txBody>
-                    <a:bodyPr/>
-                    <a:lstStyle/>
-                    <a:p>
-                      <a:pPr marL="0" algn="ctr" defTabSz="914400" rtl="0" eaLnBrk="1" latinLnBrk="0" hangingPunct="1"/>
-                      <a:r>
-                        <a:rPr lang="en-US" altLang="zh-CN" sz="1200" b="0" kern="1200" dirty="0">
-                          <a:solidFill>
-                            <a:schemeClr val="dk1"/>
-                          </a:solidFill>
-                          <a:latin typeface="Times New Roman" panose="02020603050405020304" pitchFamily="18" charset="0"/>
-                          <a:ea typeface="华文中宋" panose="02010600040101010101" pitchFamily="2" charset="-122"/>
-                          <a:cs typeface="Times New Roman" panose="02020603050405020304" pitchFamily="18" charset="0"/>
-                        </a:rPr>
-                        <a:t>Information Security</a:t>
-                      </a:r>
-                      <a:endParaRPr lang="zh-CN" altLang="en-US" sz="1200" b="0" kern="1200" dirty="0">
-                        <a:solidFill>
-                          <a:schemeClr val="dk1"/>
-                        </a:solidFill>
-                        <a:latin typeface="Times New Roman" panose="02020603050405020304" pitchFamily="18" charset="0"/>
-                        <a:ea typeface="华文中宋" panose="02010600040101010101" pitchFamily="2" charset="-122"/>
-                        <a:cs typeface="Times New Roman" panose="02020603050405020304" pitchFamily="18" charset="0"/>
-                      </a:endParaRPr>
-                    </a:p>
-                  </a:txBody>
-                  <a:tcPr anchor="ctr">
-                    <a:noFill/>
-                  </a:tcPr>
-                </a:tc>
-                <a:extLst>
-                  <a:ext uri="{0D108BD9-81ED-4DB2-BD59-A6C34878D82A}">
-                    <a16:rowId xmlns:a16="http://schemas.microsoft.com/office/drawing/2014/main" val="1747075956"/>
-                  </a:ext>
-                </a:extLst>
-              </a:tr>
-              <a:tr h="281174">
-                <a:tc>
-                  <a:txBody>
-                    <a:bodyPr/>
-                    <a:lstStyle/>
-                    <a:p>
-                      <a:pPr marL="0" algn="ctr" defTabSz="914400" rtl="0" eaLnBrk="1" latinLnBrk="0" hangingPunct="1"/>
-                      <a:r>
-                        <a:rPr lang="en-US" altLang="zh-CN" sz="1200" b="0" kern="1200" dirty="0" err="1">
-                          <a:solidFill>
-                            <a:schemeClr val="dk1"/>
-                          </a:solidFill>
-                          <a:latin typeface="Times New Roman" panose="02020603050405020304" pitchFamily="18" charset="0"/>
-                          <a:ea typeface="华文中宋" panose="02010600040101010101" pitchFamily="2" charset="-122"/>
-                          <a:cs typeface="Times New Roman" panose="02020603050405020304" pitchFamily="18" charset="0"/>
-                        </a:rPr>
-                        <a:t>Mingjie</a:t>
-                      </a:r>
-                      <a:r>
-                        <a:rPr lang="en-US" altLang="zh-CN" sz="1200" b="0" kern="1200" dirty="0">
-                          <a:solidFill>
-                            <a:schemeClr val="dk1"/>
-                          </a:solidFill>
-                          <a:latin typeface="Times New Roman" panose="02020603050405020304" pitchFamily="18" charset="0"/>
-                          <a:ea typeface="华文中宋" panose="02010600040101010101" pitchFamily="2" charset="-122"/>
-                          <a:cs typeface="Times New Roman" panose="02020603050405020304" pitchFamily="18" charset="0"/>
-                        </a:rPr>
-                        <a:t> Qi</a:t>
-                      </a:r>
-                      <a:endParaRPr lang="zh-CN" altLang="en-US" sz="1200" b="0" kern="1200" dirty="0">
-                        <a:solidFill>
-                          <a:schemeClr val="dk1"/>
-                        </a:solidFill>
-                        <a:latin typeface="Times New Roman" panose="02020603050405020304" pitchFamily="18" charset="0"/>
-                        <a:ea typeface="华文中宋" panose="02010600040101010101" pitchFamily="2" charset="-122"/>
-                        <a:cs typeface="Times New Roman" panose="02020603050405020304" pitchFamily="18" charset="0"/>
-                      </a:endParaRPr>
-                    </a:p>
-                  </a:txBody>
-                  <a:tcPr anchor="ctr">
-                    <a:noFill/>
-                  </a:tcPr>
-                </a:tc>
-                <a:tc>
-                  <a:txBody>
-                    <a:bodyPr/>
-                    <a:lstStyle/>
-                    <a:p>
-                      <a:pPr marL="0" algn="ctr" defTabSz="914400" rtl="0" eaLnBrk="1" latinLnBrk="0" hangingPunct="1"/>
-                      <a:r>
-                        <a:rPr lang="en-US" altLang="zh-CN" sz="1200" b="0" kern="1200" dirty="0">
-                          <a:solidFill>
-                            <a:schemeClr val="dk1"/>
-                          </a:solidFill>
-                          <a:latin typeface="Times New Roman" panose="02020603050405020304" pitchFamily="18" charset="0"/>
-                          <a:ea typeface="华文中宋" panose="02010600040101010101" pitchFamily="2" charset="-122"/>
-                          <a:cs typeface="Times New Roman" panose="02020603050405020304" pitchFamily="18" charset="0"/>
-                        </a:rPr>
-                        <a:t>2113997</a:t>
-                      </a:r>
-                    </a:p>
-                  </a:txBody>
-                  <a:tcPr anchor="ctr">
-                    <a:noFill/>
-                  </a:tcPr>
-                </a:tc>
-                <a:tc>
-                  <a:txBody>
-                    <a:bodyPr/>
-                    <a:lstStyle/>
-                    <a:p>
-                      <a:pPr marL="0" algn="ctr" defTabSz="914400" rtl="0" eaLnBrk="1" latinLnBrk="0" hangingPunct="1"/>
-                      <a:r>
-                        <a:rPr lang="en-US" altLang="zh-CN" sz="1200" b="0" kern="1200" dirty="0">
-                          <a:solidFill>
-                            <a:schemeClr val="dk1"/>
-                          </a:solidFill>
-                          <a:latin typeface="Times New Roman" panose="02020603050405020304" pitchFamily="18" charset="0"/>
-                          <a:ea typeface="华文中宋" panose="02010600040101010101" pitchFamily="2" charset="-122"/>
-                          <a:cs typeface="Times New Roman" panose="02020603050405020304" pitchFamily="18" charset="0"/>
-                        </a:rPr>
-                        <a:t>Information Security</a:t>
-                      </a:r>
-                      <a:endParaRPr lang="zh-CN" altLang="en-US" sz="1200" b="0" kern="1200" dirty="0">
-                        <a:solidFill>
-                          <a:schemeClr val="dk1"/>
-                        </a:solidFill>
-                        <a:latin typeface="Times New Roman" panose="02020603050405020304" pitchFamily="18" charset="0"/>
-                        <a:ea typeface="华文中宋" panose="02010600040101010101" pitchFamily="2" charset="-122"/>
-                        <a:cs typeface="Times New Roman" panose="02020603050405020304" pitchFamily="18" charset="0"/>
-                      </a:endParaRPr>
-                    </a:p>
-                  </a:txBody>
-                  <a:tcPr anchor="ctr">
-                    <a:noFill/>
-                  </a:tcPr>
-                </a:tc>
-                <a:extLst>
-                  <a:ext uri="{0D108BD9-81ED-4DB2-BD59-A6C34878D82A}">
-                    <a16:rowId xmlns:a16="http://schemas.microsoft.com/office/drawing/2014/main" val="587174579"/>
-                  </a:ext>
-                </a:extLst>
-              </a:tr>
-              <a:tr h="281174">
-                <a:tc>
-                  <a:txBody>
-                    <a:bodyPr/>
-                    <a:lstStyle/>
-                    <a:p>
-                      <a:pPr marL="0" algn="ctr" defTabSz="914400" rtl="0" eaLnBrk="1" latinLnBrk="0" hangingPunct="1"/>
-                      <a:r>
-                        <a:rPr lang="en-US" altLang="zh-CN" sz="1200" b="0" kern="1200" dirty="0" err="1">
-                          <a:solidFill>
-                            <a:schemeClr val="dk1"/>
-                          </a:solidFill>
-                          <a:latin typeface="Times New Roman" panose="02020603050405020304" pitchFamily="18" charset="0"/>
-                          <a:ea typeface="华文中宋" panose="02010600040101010101" pitchFamily="2" charset="-122"/>
-                          <a:cs typeface="Times New Roman" panose="02020603050405020304" pitchFamily="18" charset="0"/>
-                          <a:sym typeface="+mn-ea"/>
-                        </a:rPr>
-                        <a:t>Xiaoyang</a:t>
-                      </a:r>
-                      <a:r>
-                        <a:rPr lang="zh-CN" altLang="en-US" sz="1200" b="0" kern="1200" dirty="0">
-                          <a:solidFill>
-                            <a:schemeClr val="dk1"/>
-                          </a:solidFill>
-                          <a:latin typeface="Times New Roman" panose="02020603050405020304" pitchFamily="18" charset="0"/>
-                          <a:ea typeface="华文中宋" panose="02010600040101010101" pitchFamily="2" charset="-122"/>
-                          <a:cs typeface="Times New Roman" panose="02020603050405020304" pitchFamily="18" charset="0"/>
-                          <a:sym typeface="+mn-ea"/>
-                        </a:rPr>
-                        <a:t> </a:t>
-                      </a:r>
-                      <a:r>
-                        <a:rPr lang="en-US" altLang="zh-CN" sz="1200" b="0" kern="1200" dirty="0">
-                          <a:solidFill>
-                            <a:schemeClr val="dk1"/>
-                          </a:solidFill>
-                          <a:latin typeface="Times New Roman" panose="02020603050405020304" pitchFamily="18" charset="0"/>
-                          <a:ea typeface="华文中宋" panose="02010600040101010101" pitchFamily="2" charset="-122"/>
-                          <a:cs typeface="Times New Roman" panose="02020603050405020304" pitchFamily="18" charset="0"/>
-                          <a:sym typeface="+mn-ea"/>
-                        </a:rPr>
-                        <a:t>Ji</a:t>
-                      </a:r>
-                      <a:endParaRPr lang="zh-CN" altLang="en-US" sz="1200" b="0" kern="1200" dirty="0">
-                        <a:solidFill>
-                          <a:schemeClr val="dk1"/>
-                        </a:solidFill>
-                        <a:latin typeface="Times New Roman" panose="02020603050405020304" pitchFamily="18" charset="0"/>
-                        <a:ea typeface="华文中宋" panose="02010600040101010101" pitchFamily="2" charset="-122"/>
-                        <a:cs typeface="Times New Roman" panose="02020603050405020304" pitchFamily="18" charset="0"/>
-                      </a:endParaRPr>
-                    </a:p>
-                  </a:txBody>
-                  <a:tcPr anchor="ctr">
-                    <a:noFill/>
-                  </a:tcPr>
-                </a:tc>
-                <a:tc>
-                  <a:txBody>
-                    <a:bodyPr/>
-                    <a:lstStyle/>
-                    <a:p>
-                      <a:pPr marL="0" algn="ctr" defTabSz="914400" rtl="0" eaLnBrk="1" latinLnBrk="0" hangingPunct="1"/>
-                      <a:r>
-                        <a:rPr lang="en-US" altLang="zh-CN" sz="1200" b="0" kern="1200" dirty="0">
-                          <a:solidFill>
-                            <a:schemeClr val="dk1"/>
-                          </a:solidFill>
-                          <a:latin typeface="Times New Roman" panose="02020603050405020304" pitchFamily="18" charset="0"/>
-                          <a:ea typeface="华文中宋" panose="02010600040101010101" pitchFamily="2" charset="-122"/>
-                          <a:cs typeface="Times New Roman" panose="02020603050405020304" pitchFamily="18" charset="0"/>
-                        </a:rPr>
-                        <a:t>2110611</a:t>
-                      </a:r>
-                      <a:endParaRPr lang="zh-CN" altLang="en-US" sz="1200" b="0" kern="1200" dirty="0">
-                        <a:solidFill>
-                          <a:schemeClr val="dk1"/>
-                        </a:solidFill>
-                        <a:latin typeface="Times New Roman" panose="02020603050405020304" pitchFamily="18" charset="0"/>
-                        <a:ea typeface="华文中宋" panose="02010600040101010101" pitchFamily="2" charset="-122"/>
-                        <a:cs typeface="Times New Roman" panose="02020603050405020304" pitchFamily="18" charset="0"/>
-                      </a:endParaRPr>
-                    </a:p>
-                  </a:txBody>
-                  <a:tcPr anchor="ctr">
-                    <a:noFill/>
-                  </a:tcPr>
-                </a:tc>
-                <a:tc>
-                  <a:txBody>
-                    <a:bodyPr/>
-                    <a:lstStyle/>
-                    <a:p>
-                      <a:pPr marL="0" algn="ctr" defTabSz="914400" rtl="0" eaLnBrk="1" latinLnBrk="0" hangingPunct="1"/>
-                      <a:r>
-                        <a:rPr lang="en-US" altLang="zh-CN" sz="1200" b="0" kern="1200" dirty="0">
-                          <a:solidFill>
-                            <a:schemeClr val="dk1"/>
-                          </a:solidFill>
-                          <a:latin typeface="Times New Roman" panose="02020603050405020304" pitchFamily="18" charset="0"/>
-                          <a:ea typeface="华文中宋" panose="02010600040101010101" pitchFamily="2" charset="-122"/>
-                          <a:cs typeface="Times New Roman" panose="02020603050405020304" pitchFamily="18" charset="0"/>
-                          <a:sym typeface="+mn-ea"/>
-                        </a:rPr>
-                        <a:t>Cryptographic Science and Technology</a:t>
-                      </a:r>
-                      <a:endParaRPr lang="zh-CN" altLang="en-US" sz="1200" b="0" kern="1200" dirty="0">
-                        <a:solidFill>
-                          <a:schemeClr val="dk1"/>
-                        </a:solidFill>
-                        <a:latin typeface="Times New Roman" panose="02020603050405020304" pitchFamily="18" charset="0"/>
-                        <a:ea typeface="华文中宋" panose="02010600040101010101" pitchFamily="2" charset="-122"/>
-                        <a:cs typeface="Times New Roman" panose="02020603050405020304" pitchFamily="18" charset="0"/>
-                      </a:endParaRPr>
-                    </a:p>
-                  </a:txBody>
-                  <a:tcPr anchor="ctr">
-                    <a:noFill/>
-                  </a:tcPr>
-                </a:tc>
-                <a:extLst>
-                  <a:ext uri="{0D108BD9-81ED-4DB2-BD59-A6C34878D82A}">
-                    <a16:rowId xmlns:a16="http://schemas.microsoft.com/office/drawing/2014/main" val="3851097379"/>
-                  </a:ext>
-                </a:extLst>
-              </a:tr>
-            </a:tbl>
-          </a:graphicData>
-        </a:graphic>
-      </p:graphicFrame>
-      <p:sp>
-        <p:nvSpPr>
-          <p:cNvPr id="3" name="文本框 2">
-            <a:extLst>
-              <a:ext uri="{FF2B5EF4-FFF2-40B4-BE49-F238E27FC236}">
-                <a16:creationId xmlns:a16="http://schemas.microsoft.com/office/drawing/2014/main" id="{8F89C1F3-F219-BE4C-AC11-274750AE2A2D}"/>
-              </a:ext>
-            </a:extLst>
-          </p:cNvPr>
+          <p:cNvPicPr>
+            <a:picLocks noChangeAspect="1"/>
+          </p:cNvPicPr>
+          <p:nvPr/>
+        </p:nvPicPr>
+        <p:blipFill>
+          <a:blip r:embed="rId3"/>
+          <a:stretch>
+            <a:fillRect/>
+          </a:stretch>
+        </p:blipFill>
+        <p:spPr>
+          <a:xfrm>
+            <a:off x="1098548" y="1680692"/>
+            <a:ext cx="9994900" cy="4572000"/>
+          </a:xfrm>
+          <a:prstGeom prst="rect">
+            <a:avLst/>
+          </a:prstGeom>
+        </p:spPr>
+      </p:pic>
+    </p:spTree>
+    <p:extLst>
+      <p:ext uri="{BB962C8B-B14F-4D97-AF65-F5344CB8AC3E}">
+        <p14:creationId xmlns:p14="http://schemas.microsoft.com/office/powerpoint/2010/main" val="2088825589"/>
+      </p:ext>
+    </p:extLst>
+  </p:cSld>
+  <p:clrMapOvr>
+    <a:masterClrMapping/>
+  </p:clrMapOvr>
+</p:sld>
+</file>
+
+<file path=ppt/slides/slide18.xml><?xml version="1.0" encoding="utf-8"?>
+<p:sld xmlns:a="http://schemas.openxmlformats.org/drawingml/2006/main" xmlns:r="http://schemas.openxmlformats.org/officeDocument/2006/relationships" xmlns:p="http://schemas.openxmlformats.org/presentationml/2006/main">
+  <p:cSld>
+    <p:spTree>
+      <p:nvGrpSpPr>
+        <p:cNvPr id="1" name=""/>
+        <p:cNvGrpSpPr/>
+        <p:nvPr/>
+      </p:nvGrpSpPr>
+      <p:grpSpPr>
+        <a:xfrm>
+          <a:off x="0" y="0"/>
+          <a:ext cx="0" cy="0"/>
+          <a:chOff x="0" y="0"/>
+          <a:chExt cx="0" cy="0"/>
+        </a:xfrm>
+      </p:grpSpPr>
+      <p:sp>
+        <p:nvSpPr>
+          <p:cNvPr id="2" name="标题 1"/>
+          <p:cNvSpPr>
+            <a:spLocks noGrp="1"/>
+          </p:cNvSpPr>
+          <p:nvPr>
+            <p:ph type="title"/>
+          </p:nvPr>
+        </p:nvSpPr>
+        <p:spPr/>
+        <p:txBody>
+          <a:bodyPr/>
+          <a:lstStyle/>
+          <a:p>
+            <a:r>
+              <a:rPr lang="en-US" altLang="zh-CN" b="1" dirty="0"/>
+              <a:t>Analysis</a:t>
+            </a:r>
+          </a:p>
+        </p:txBody>
+      </p:sp>
+      <p:sp>
+        <p:nvSpPr>
+          <p:cNvPr id="3" name="文本框 2"/>
           <p:cNvSpPr txBox="1"/>
           <p:nvPr/>
         </p:nvSpPr>
         <p:spPr>
           <a:xfrm>
-            <a:off x="5361025" y="6153598"/>
-            <a:ext cx="1469952" cy="575517"/>
+            <a:off x="399190" y="971400"/>
+            <a:ext cx="11792809" cy="5497133"/>
           </a:xfrm>
           <a:prstGeom prst="rect">
             <a:avLst/>
@@ -9133,22 +9399,216 @@
           </a:bodyPr>
           <a:lstStyle/>
           <a:p>
-            <a:pPr algn="ctr">
+            <a:pPr marL="457200" indent="-457200">
               <a:lnSpc>
                 <a:spcPct val="150000"/>
               </a:lnSpc>
+              <a:buFont typeface="Arial" panose="020B0604020202020204" pitchFamily="34" charset="0"/>
+              <a:buChar char="•"/>
             </a:pPr>
             <a:r>
+              <a:rPr lang="en-US" altLang="zh-CN" sz="2400" b="1" dirty="0">
+                <a:solidFill>
+                  <a:srgbClr val="802258"/>
+                </a:solidFill>
+                <a:latin typeface="华文中宋" panose="02010600040101010101" pitchFamily="2" charset="-122"/>
+                <a:ea typeface="华文中宋" panose="02010600040101010101" pitchFamily="2" charset="-122"/>
+              </a:rPr>
+              <a:t>Effect of the Frequency of Privacy Data </a:t>
+            </a:r>
+            <a:r>
+              <a:rPr lang="en-US" altLang="zh-CN" sz="2400" b="1" dirty="0" err="1">
+                <a:solidFill>
+                  <a:srgbClr val="802258"/>
+                </a:solidFill>
+                <a:latin typeface="华文中宋" panose="02010600040101010101" pitchFamily="2" charset="-122"/>
+                <a:ea typeface="华文中宋" panose="02010600040101010101" pitchFamily="2" charset="-122"/>
+              </a:rPr>
+              <a:t>Ocurrence</a:t>
+            </a:r>
+            <a:endParaRPr lang="en-US" altLang="zh-CN" sz="2000" dirty="0">
+              <a:latin typeface="华文中宋" panose="02010600040101010101" pitchFamily="2" charset="-122"/>
+              <a:ea typeface="华文中宋" panose="02010600040101010101" pitchFamily="2" charset="-122"/>
+            </a:endParaRPr>
+          </a:p>
+        </p:txBody>
+      </p:sp>
+      <p:pic>
+        <p:nvPicPr>
+          <p:cNvPr id="5" name="图片 4">
+            <a:extLst>
+              <a:ext uri="{FF2B5EF4-FFF2-40B4-BE49-F238E27FC236}">
+                <a16:creationId xmlns:a16="http://schemas.microsoft.com/office/drawing/2014/main" id="{B0A43C94-AC84-A84B-8D85-47EB9A2A3A8F}"/>
+              </a:ext>
+            </a:extLst>
+          </p:cNvPr>
+          <p:cNvPicPr>
+            <a:picLocks noChangeAspect="1"/>
+          </p:cNvPicPr>
+          <p:nvPr/>
+        </p:nvPicPr>
+        <p:blipFill>
+          <a:blip r:embed="rId3"/>
+          <a:stretch>
+            <a:fillRect/>
+          </a:stretch>
+        </p:blipFill>
+        <p:spPr>
+          <a:xfrm>
+            <a:off x="3657600" y="2540000"/>
+            <a:ext cx="4876800" cy="1778000"/>
+          </a:xfrm>
+          <a:prstGeom prst="rect">
+            <a:avLst/>
+          </a:prstGeom>
+        </p:spPr>
+      </p:pic>
+    </p:spTree>
+    <p:extLst>
+      <p:ext uri="{BB962C8B-B14F-4D97-AF65-F5344CB8AC3E}">
+        <p14:creationId xmlns:p14="http://schemas.microsoft.com/office/powerpoint/2010/main" val="1894436804"/>
+      </p:ext>
+    </p:extLst>
+  </p:cSld>
+  <p:clrMapOvr>
+    <a:masterClrMapping/>
+  </p:clrMapOvr>
+</p:sld>
+</file>
+
+<file path=ppt/slides/slide19.xml><?xml version="1.0" encoding="utf-8"?>
+<p:sld xmlns:a="http://schemas.openxmlformats.org/drawingml/2006/main" xmlns:r="http://schemas.openxmlformats.org/officeDocument/2006/relationships" xmlns:p="http://schemas.openxmlformats.org/presentationml/2006/main">
+  <p:cSld>
+    <p:spTree>
+      <p:nvGrpSpPr>
+        <p:cNvPr id="1" name=""/>
+        <p:cNvGrpSpPr/>
+        <p:nvPr/>
+      </p:nvGrpSpPr>
+      <p:grpSpPr>
+        <a:xfrm>
+          <a:off x="0" y="0"/>
+          <a:ext cx="0" cy="0"/>
+          <a:chOff x="0" y="0"/>
+          <a:chExt cx="0" cy="0"/>
+        </a:xfrm>
+      </p:grpSpPr>
+      <p:sp>
+        <p:nvSpPr>
+          <p:cNvPr id="2" name="标题 1"/>
+          <p:cNvSpPr>
+            <a:spLocks noGrp="1"/>
+          </p:cNvSpPr>
+          <p:nvPr>
+            <p:ph type="title"/>
+          </p:nvPr>
+        </p:nvSpPr>
+        <p:spPr/>
+        <p:txBody>
+          <a:bodyPr/>
+          <a:lstStyle/>
+          <a:p>
+            <a:r>
+              <a:rPr lang="en-US" altLang="zh-CN" b="1" dirty="0"/>
+              <a:t>Analysis</a:t>
+            </a:r>
+          </a:p>
+        </p:txBody>
+      </p:sp>
+      <p:sp>
+        <p:nvSpPr>
+          <p:cNvPr id="3" name="文本框 2"/>
+          <p:cNvSpPr txBox="1"/>
+          <p:nvPr/>
+        </p:nvSpPr>
+        <p:spPr>
+          <a:xfrm>
+            <a:off x="399190" y="971400"/>
+            <a:ext cx="11792809" cy="5497133"/>
+          </a:xfrm>
+          <a:prstGeom prst="rect">
+            <a:avLst/>
+          </a:prstGeom>
+          <a:noFill/>
+        </p:spPr>
+        <p:txBody>
+          <a:bodyPr wrap="square" rtlCol="0">
+            <a:noAutofit/>
+          </a:bodyPr>
+          <a:lstStyle/>
+          <a:p>
+            <a:pPr marL="457200" indent="-457200">
+              <a:lnSpc>
+                <a:spcPct val="150000"/>
+              </a:lnSpc>
+              <a:buFont typeface="Arial" panose="020B0604020202020204" pitchFamily="34" charset="0"/>
+              <a:buChar char="•"/>
+            </a:pPr>
+            <a:r>
+              <a:rPr lang="en-US" altLang="zh-CN" sz="2400" b="1" dirty="0">
+                <a:solidFill>
+                  <a:srgbClr val="802258"/>
+                </a:solidFill>
+                <a:latin typeface="华文中宋" panose="02010600040101010101" pitchFamily="2" charset="-122"/>
+                <a:ea typeface="华文中宋" panose="02010600040101010101" pitchFamily="2" charset="-122"/>
+              </a:rPr>
+              <a:t>Relationship between Memorization And Privacy Neurons</a:t>
+            </a:r>
+          </a:p>
+          <a:p>
+            <a:pPr marL="914400" lvl="1" indent="-457200">
+              <a:lnSpc>
+                <a:spcPct val="150000"/>
+              </a:lnSpc>
+              <a:buFont typeface="Arial" panose="020B0604020202020204" pitchFamily="34" charset="0"/>
+              <a:buChar char="•"/>
+            </a:pPr>
+            <a:r>
               <a:rPr lang="en-US" altLang="zh-CN" sz="2000" dirty="0">
                 <a:latin typeface="华文中宋" panose="02010600040101010101" pitchFamily="2" charset="-122"/>
                 <a:ea typeface="华文中宋" panose="02010600040101010101" pitchFamily="2" charset="-122"/>
               </a:rPr>
-              <a:t>2024.5</a:t>
-            </a:r>
-          </a:p>
-        </p:txBody>
-      </p:sp>
+              <a:t>Impact of Training Time on Privacy Neuron Distribution over Layers</a:t>
+            </a:r>
+          </a:p>
+        </p:txBody>
+      </p:sp>
+      <p:pic>
+        <p:nvPicPr>
+          <p:cNvPr id="5" name="图片 4">
+            <a:extLst>
+              <a:ext uri="{FF2B5EF4-FFF2-40B4-BE49-F238E27FC236}">
+                <a16:creationId xmlns:a16="http://schemas.microsoft.com/office/drawing/2014/main" id="{3652A461-7C71-1042-8B99-F14C0583EEA2}"/>
+              </a:ext>
+            </a:extLst>
+          </p:cNvPr>
+          <p:cNvPicPr>
+            <a:picLocks noChangeAspect="1"/>
+          </p:cNvPicPr>
+          <p:nvPr/>
+        </p:nvPicPr>
+        <p:blipFill>
+          <a:blip r:embed="rId3"/>
+          <a:stretch>
+            <a:fillRect/>
+          </a:stretch>
+        </p:blipFill>
+        <p:spPr>
+          <a:xfrm>
+            <a:off x="2117174" y="2107116"/>
+            <a:ext cx="7957648" cy="4186107"/>
+          </a:xfrm>
+          <a:prstGeom prst="rect">
+            <a:avLst/>
+          </a:prstGeom>
+        </p:spPr>
+      </p:pic>
     </p:spTree>
+    <p:extLst>
+      <p:ext uri="{BB962C8B-B14F-4D97-AF65-F5344CB8AC3E}">
+        <p14:creationId xmlns:p14="http://schemas.microsoft.com/office/powerpoint/2010/main" val="2147594649"/>
+      </p:ext>
+    </p:extLst>
   </p:cSld>
   <p:clrMapOvr>
     <a:masterClrMapping/>
@@ -9391,6 +9851,1895 @@
 </p:sld>
 </file>
 
+<file path=ppt/slides/slide20.xml><?xml version="1.0" encoding="utf-8"?>
+<p:sld xmlns:a="http://schemas.openxmlformats.org/drawingml/2006/main" xmlns:r="http://schemas.openxmlformats.org/officeDocument/2006/relationships" xmlns:p="http://schemas.openxmlformats.org/presentationml/2006/main">
+  <p:cSld>
+    <p:spTree>
+      <p:nvGrpSpPr>
+        <p:cNvPr id="1" name=""/>
+        <p:cNvGrpSpPr/>
+        <p:nvPr/>
+      </p:nvGrpSpPr>
+      <p:grpSpPr>
+        <a:xfrm>
+          <a:off x="0" y="0"/>
+          <a:ext cx="0" cy="0"/>
+          <a:chOff x="0" y="0"/>
+          <a:chExt cx="0" cy="0"/>
+        </a:xfrm>
+      </p:grpSpPr>
+      <p:sp>
+        <p:nvSpPr>
+          <p:cNvPr id="2" name="标题 1"/>
+          <p:cNvSpPr>
+            <a:spLocks noGrp="1"/>
+          </p:cNvSpPr>
+          <p:nvPr>
+            <p:ph type="title"/>
+          </p:nvPr>
+        </p:nvSpPr>
+        <p:spPr/>
+        <p:txBody>
+          <a:bodyPr/>
+          <a:lstStyle/>
+          <a:p>
+            <a:r>
+              <a:rPr lang="en-US" altLang="zh-CN" b="1" dirty="0"/>
+              <a:t>Analysis</a:t>
+            </a:r>
+          </a:p>
+        </p:txBody>
+      </p:sp>
+      <p:sp>
+        <p:nvSpPr>
+          <p:cNvPr id="3" name="文本框 2"/>
+          <p:cNvSpPr txBox="1"/>
+          <p:nvPr/>
+        </p:nvSpPr>
+        <p:spPr>
+          <a:xfrm>
+            <a:off x="399190" y="971400"/>
+            <a:ext cx="11792809" cy="5497133"/>
+          </a:xfrm>
+          <a:prstGeom prst="rect">
+            <a:avLst/>
+          </a:prstGeom>
+          <a:noFill/>
+        </p:spPr>
+        <p:txBody>
+          <a:bodyPr wrap="square" rtlCol="0">
+            <a:noAutofit/>
+          </a:bodyPr>
+          <a:lstStyle/>
+          <a:p>
+            <a:pPr marL="457200" indent="-457200">
+              <a:lnSpc>
+                <a:spcPct val="150000"/>
+              </a:lnSpc>
+              <a:buFont typeface="Arial" panose="020B0604020202020204" pitchFamily="34" charset="0"/>
+              <a:buChar char="•"/>
+            </a:pPr>
+            <a:r>
+              <a:rPr lang="en-US" altLang="zh-CN" sz="2400" b="1" dirty="0">
+                <a:solidFill>
+                  <a:srgbClr val="802258"/>
+                </a:solidFill>
+                <a:latin typeface="华文中宋" panose="02010600040101010101" pitchFamily="2" charset="-122"/>
+                <a:ea typeface="华文中宋" panose="02010600040101010101" pitchFamily="2" charset="-122"/>
+              </a:rPr>
+              <a:t>Relationship between Memorization And Privacy Neurons</a:t>
+            </a:r>
+          </a:p>
+          <a:p>
+            <a:pPr marL="914400" lvl="1" indent="-457200">
+              <a:lnSpc>
+                <a:spcPct val="150000"/>
+              </a:lnSpc>
+              <a:buFont typeface="Arial" panose="020B0604020202020204" pitchFamily="34" charset="0"/>
+              <a:buChar char="•"/>
+            </a:pPr>
+            <a:r>
+              <a:rPr lang="en-US" altLang="zh-CN" sz="2000" dirty="0">
+                <a:latin typeface="华文中宋" panose="02010600040101010101" pitchFamily="2" charset="-122"/>
+                <a:ea typeface="华文中宋" panose="02010600040101010101" pitchFamily="2" charset="-122"/>
+              </a:rPr>
+              <a:t>Impact of Training Time on Privacy Neuron Distribution over Layers</a:t>
+            </a:r>
+          </a:p>
+          <a:p>
+            <a:pPr marL="1371600" lvl="2" indent="-457200">
+              <a:lnSpc>
+                <a:spcPct val="150000"/>
+              </a:lnSpc>
+              <a:buFont typeface="Arial" panose="020B0604020202020204" pitchFamily="34" charset="0"/>
+              <a:buChar char="•"/>
+            </a:pPr>
+            <a:r>
+              <a:rPr lang="en-US" altLang="zh-CN" sz="2000" dirty="0">
+                <a:latin typeface="华文中宋" panose="02010600040101010101" pitchFamily="2" charset="-122"/>
+                <a:ea typeface="华文中宋" panose="02010600040101010101" pitchFamily="2" charset="-122"/>
+              </a:rPr>
+              <a:t>the changes in exposure before and after erasing privacy neurons in models with different training epochs</a:t>
+            </a:r>
+          </a:p>
+        </p:txBody>
+      </p:sp>
+      <p:pic>
+        <p:nvPicPr>
+          <p:cNvPr id="6" name="图片 5">
+            <a:extLst>
+              <a:ext uri="{FF2B5EF4-FFF2-40B4-BE49-F238E27FC236}">
+                <a16:creationId xmlns:a16="http://schemas.microsoft.com/office/drawing/2014/main" id="{422919BF-51E7-D042-9052-44AE70954730}"/>
+              </a:ext>
+            </a:extLst>
+          </p:cNvPr>
+          <p:cNvPicPr>
+            <a:picLocks noChangeAspect="1"/>
+          </p:cNvPicPr>
+          <p:nvPr/>
+        </p:nvPicPr>
+        <p:blipFill>
+          <a:blip r:embed="rId3"/>
+          <a:stretch>
+            <a:fillRect/>
+          </a:stretch>
+        </p:blipFill>
+        <p:spPr>
+          <a:xfrm>
+            <a:off x="4143379" y="2979868"/>
+            <a:ext cx="3905237" cy="3292848"/>
+          </a:xfrm>
+          <a:prstGeom prst="rect">
+            <a:avLst/>
+          </a:prstGeom>
+        </p:spPr>
+      </p:pic>
+    </p:spTree>
+    <p:extLst>
+      <p:ext uri="{BB962C8B-B14F-4D97-AF65-F5344CB8AC3E}">
+        <p14:creationId xmlns:p14="http://schemas.microsoft.com/office/powerpoint/2010/main" val="493063071"/>
+      </p:ext>
+    </p:extLst>
+  </p:cSld>
+  <p:clrMapOvr>
+    <a:masterClrMapping/>
+  </p:clrMapOvr>
+</p:sld>
+</file>
+
+<file path=ppt/slides/slide21.xml><?xml version="1.0" encoding="utf-8"?>
+<p:sld xmlns:a="http://schemas.openxmlformats.org/drawingml/2006/main" xmlns:r="http://schemas.openxmlformats.org/officeDocument/2006/relationships" xmlns:p="http://schemas.openxmlformats.org/presentationml/2006/main">
+  <p:cSld>
+    <p:spTree>
+      <p:nvGrpSpPr>
+        <p:cNvPr id="1" name=""/>
+        <p:cNvGrpSpPr/>
+        <p:nvPr/>
+      </p:nvGrpSpPr>
+      <p:grpSpPr>
+        <a:xfrm>
+          <a:off x="0" y="0"/>
+          <a:ext cx="0" cy="0"/>
+          <a:chOff x="0" y="0"/>
+          <a:chExt cx="0" cy="0"/>
+        </a:xfrm>
+      </p:grpSpPr>
+      <p:sp>
+        <p:nvSpPr>
+          <p:cNvPr id="2" name="标题 1"/>
+          <p:cNvSpPr>
+            <a:spLocks noGrp="1"/>
+          </p:cNvSpPr>
+          <p:nvPr>
+            <p:ph type="title"/>
+          </p:nvPr>
+        </p:nvSpPr>
+        <p:spPr/>
+        <p:txBody>
+          <a:bodyPr/>
+          <a:lstStyle/>
+          <a:p>
+            <a:r>
+              <a:rPr lang="en-US" altLang="zh-CN" b="1" dirty="0"/>
+              <a:t>Analysis</a:t>
+            </a:r>
+          </a:p>
+        </p:txBody>
+      </p:sp>
+      <p:sp>
+        <p:nvSpPr>
+          <p:cNvPr id="3" name="文本框 2"/>
+          <p:cNvSpPr txBox="1"/>
+          <p:nvPr/>
+        </p:nvSpPr>
+        <p:spPr>
+          <a:xfrm>
+            <a:off x="399190" y="971400"/>
+            <a:ext cx="11792809" cy="5497133"/>
+          </a:xfrm>
+          <a:prstGeom prst="rect">
+            <a:avLst/>
+          </a:prstGeom>
+          <a:noFill/>
+        </p:spPr>
+        <p:txBody>
+          <a:bodyPr wrap="square" rtlCol="0">
+            <a:noAutofit/>
+          </a:bodyPr>
+          <a:lstStyle/>
+          <a:p>
+            <a:pPr marL="457200" indent="-457200">
+              <a:lnSpc>
+                <a:spcPct val="150000"/>
+              </a:lnSpc>
+              <a:buFont typeface="Arial" panose="020B0604020202020204" pitchFamily="34" charset="0"/>
+              <a:buChar char="•"/>
+            </a:pPr>
+            <a:r>
+              <a:rPr lang="en-US" altLang="zh-CN" sz="2400" b="1" dirty="0">
+                <a:solidFill>
+                  <a:srgbClr val="802258"/>
+                </a:solidFill>
+                <a:latin typeface="华文中宋" panose="02010600040101010101" pitchFamily="2" charset="-122"/>
+                <a:ea typeface="华文中宋" panose="02010600040101010101" pitchFamily="2" charset="-122"/>
+              </a:rPr>
+              <a:t>Relationship between Memorization And Privacy Neurons</a:t>
+            </a:r>
+          </a:p>
+          <a:p>
+            <a:pPr marL="914400" lvl="1" indent="-457200">
+              <a:lnSpc>
+                <a:spcPct val="150000"/>
+              </a:lnSpc>
+              <a:buFont typeface="Arial" panose="020B0604020202020204" pitchFamily="34" charset="0"/>
+              <a:buChar char="•"/>
+            </a:pPr>
+            <a:r>
+              <a:rPr lang="en-US" altLang="zh-CN" sz="2000" dirty="0">
+                <a:latin typeface="华文中宋" panose="02010600040101010101" pitchFamily="2" charset="-122"/>
+                <a:ea typeface="华文中宋" panose="02010600040101010101" pitchFamily="2" charset="-122"/>
+              </a:rPr>
+              <a:t>Impact of Training Time on Privacy Neuron Distribution over Layers</a:t>
+            </a:r>
+          </a:p>
+          <a:p>
+            <a:pPr marL="914400" lvl="1" indent="-457200">
+              <a:lnSpc>
+                <a:spcPct val="150000"/>
+              </a:lnSpc>
+              <a:buFont typeface="Arial" panose="020B0604020202020204" pitchFamily="34" charset="0"/>
+              <a:buChar char="•"/>
+            </a:pPr>
+            <a:r>
+              <a:rPr lang="en-US" altLang="zh-CN" sz="2000" dirty="0">
+                <a:latin typeface="华文中宋" panose="02010600040101010101" pitchFamily="2" charset="-122"/>
+                <a:ea typeface="华文中宋" panose="02010600040101010101" pitchFamily="2" charset="-122"/>
+              </a:rPr>
+              <a:t>Effect of the Model Size</a:t>
+            </a:r>
+          </a:p>
+          <a:p>
+            <a:pPr marL="1371600" lvl="2" indent="-457200">
+              <a:lnSpc>
+                <a:spcPct val="150000"/>
+              </a:lnSpc>
+              <a:buFont typeface="Arial" panose="020B0604020202020204" pitchFamily="34" charset="0"/>
+              <a:buChar char="•"/>
+            </a:pPr>
+            <a:r>
+              <a:rPr lang="en-US" altLang="zh-CN" sz="2000" dirty="0">
+                <a:latin typeface="华文中宋" panose="02010600040101010101" pitchFamily="2" charset="-122"/>
+                <a:ea typeface="华文中宋" panose="02010600040101010101" pitchFamily="2" charset="-122"/>
+              </a:rPr>
+              <a:t>10 epochs</a:t>
+            </a:r>
+          </a:p>
+          <a:p>
+            <a:pPr marL="1371600" lvl="2" indent="-457200">
+              <a:lnSpc>
+                <a:spcPct val="150000"/>
+              </a:lnSpc>
+              <a:buFont typeface="Arial" panose="020B0604020202020204" pitchFamily="34" charset="0"/>
+              <a:buChar char="•"/>
+            </a:pPr>
+            <a:r>
+              <a:rPr lang="en-US" altLang="zh-CN" sz="2000" dirty="0">
+                <a:latin typeface="华文中宋" panose="02010600040101010101" pitchFamily="2" charset="-122"/>
+                <a:ea typeface="华文中宋" panose="02010600040101010101" pitchFamily="2" charset="-122"/>
+              </a:rPr>
+              <a:t>the optimal hyperparameter settings</a:t>
+            </a:r>
+          </a:p>
+        </p:txBody>
+      </p:sp>
+      <p:pic>
+        <p:nvPicPr>
+          <p:cNvPr id="4" name="图片 3">
+            <a:extLst>
+              <a:ext uri="{FF2B5EF4-FFF2-40B4-BE49-F238E27FC236}">
+                <a16:creationId xmlns:a16="http://schemas.microsoft.com/office/drawing/2014/main" id="{19B2043A-E800-0C4E-A848-C43140B65A7F}"/>
+              </a:ext>
+            </a:extLst>
+          </p:cNvPr>
+          <p:cNvPicPr>
+            <a:picLocks noChangeAspect="1"/>
+          </p:cNvPicPr>
+          <p:nvPr/>
+        </p:nvPicPr>
+        <p:blipFill>
+          <a:blip r:embed="rId3"/>
+          <a:stretch>
+            <a:fillRect/>
+          </a:stretch>
+        </p:blipFill>
+        <p:spPr>
+          <a:xfrm>
+            <a:off x="2038348" y="3429000"/>
+            <a:ext cx="8115300" cy="1739900"/>
+          </a:xfrm>
+          <a:prstGeom prst="rect">
+            <a:avLst/>
+          </a:prstGeom>
+        </p:spPr>
+      </p:pic>
+      <p:sp>
+        <p:nvSpPr>
+          <p:cNvPr id="6" name="矩形 5">
+            <a:extLst>
+              <a:ext uri="{FF2B5EF4-FFF2-40B4-BE49-F238E27FC236}">
+                <a16:creationId xmlns:a16="http://schemas.microsoft.com/office/drawing/2014/main" id="{4B4BCFAF-A1C4-3B4B-BE2D-63D19BF05A3D}"/>
+              </a:ext>
+            </a:extLst>
+          </p:cNvPr>
+          <p:cNvSpPr/>
+          <p:nvPr/>
+        </p:nvSpPr>
+        <p:spPr>
+          <a:xfrm>
+            <a:off x="9025666" y="4432151"/>
+            <a:ext cx="656216" cy="204395"/>
+          </a:xfrm>
+          <a:prstGeom prst="rect">
+            <a:avLst/>
+          </a:prstGeom>
+          <a:noFill/>
+          <a:ln w="38100">
+            <a:solidFill>
+              <a:srgbClr val="802258"/>
+            </a:solidFill>
+          </a:ln>
+        </p:spPr>
+        <p:style>
+          <a:lnRef idx="2">
+            <a:schemeClr val="accent1">
+              <a:shade val="50000"/>
+            </a:schemeClr>
+          </a:lnRef>
+          <a:fillRef idx="1">
+            <a:schemeClr val="accent1"/>
+          </a:fillRef>
+          <a:effectRef idx="0">
+            <a:schemeClr val="accent1"/>
+          </a:effectRef>
+          <a:fontRef idx="minor">
+            <a:schemeClr val="lt1"/>
+          </a:fontRef>
+        </p:style>
+        <p:txBody>
+          <a:bodyPr rtlCol="0" anchor="ctr"/>
+          <a:lstStyle/>
+          <a:p>
+            <a:pPr algn="ctr"/>
+            <a:endParaRPr kumimoji="1" lang="zh-CN" altLang="en-US"/>
+          </a:p>
+        </p:txBody>
+      </p:sp>
+    </p:spTree>
+    <p:extLst>
+      <p:ext uri="{BB962C8B-B14F-4D97-AF65-F5344CB8AC3E}">
+        <p14:creationId xmlns:p14="http://schemas.microsoft.com/office/powerpoint/2010/main" val="1105268623"/>
+      </p:ext>
+    </p:extLst>
+  </p:cSld>
+  <p:clrMapOvr>
+    <a:masterClrMapping/>
+  </p:clrMapOvr>
+</p:sld>
+</file>
+
+<file path=ppt/slides/slide22.xml><?xml version="1.0" encoding="utf-8"?>
+<p:sld xmlns:a="http://schemas.openxmlformats.org/drawingml/2006/main" xmlns:r="http://schemas.openxmlformats.org/officeDocument/2006/relationships" xmlns:p="http://schemas.openxmlformats.org/presentationml/2006/main">
+  <p:cSld>
+    <p:spTree>
+      <p:nvGrpSpPr>
+        <p:cNvPr id="1" name=""/>
+        <p:cNvGrpSpPr/>
+        <p:nvPr/>
+      </p:nvGrpSpPr>
+      <p:grpSpPr>
+        <a:xfrm>
+          <a:off x="0" y="0"/>
+          <a:ext cx="0" cy="0"/>
+          <a:chOff x="0" y="0"/>
+          <a:chExt cx="0" cy="0"/>
+        </a:xfrm>
+      </p:grpSpPr>
+      <p:sp>
+        <p:nvSpPr>
+          <p:cNvPr id="2" name="标题 1"/>
+          <p:cNvSpPr>
+            <a:spLocks noGrp="1"/>
+          </p:cNvSpPr>
+          <p:nvPr>
+            <p:ph type="title"/>
+          </p:nvPr>
+        </p:nvSpPr>
+        <p:spPr/>
+        <p:txBody>
+          <a:bodyPr/>
+          <a:lstStyle/>
+          <a:p>
+            <a:r>
+              <a:rPr lang="en-US" altLang="zh-CN" b="1" dirty="0"/>
+              <a:t>Analysis</a:t>
+            </a:r>
+          </a:p>
+        </p:txBody>
+      </p:sp>
+      <p:sp>
+        <p:nvSpPr>
+          <p:cNvPr id="3" name="文本框 2"/>
+          <p:cNvSpPr txBox="1"/>
+          <p:nvPr/>
+        </p:nvSpPr>
+        <p:spPr>
+          <a:xfrm>
+            <a:off x="399190" y="971400"/>
+            <a:ext cx="11792809" cy="5497133"/>
+          </a:xfrm>
+          <a:prstGeom prst="rect">
+            <a:avLst/>
+          </a:prstGeom>
+          <a:noFill/>
+        </p:spPr>
+        <p:txBody>
+          <a:bodyPr wrap="square" rtlCol="0">
+            <a:noAutofit/>
+          </a:bodyPr>
+          <a:lstStyle/>
+          <a:p>
+            <a:pPr marL="457200" indent="-457200">
+              <a:lnSpc>
+                <a:spcPct val="150000"/>
+              </a:lnSpc>
+              <a:buFont typeface="Arial" panose="020B0604020202020204" pitchFamily="34" charset="0"/>
+              <a:buChar char="•"/>
+            </a:pPr>
+            <a:r>
+              <a:rPr lang="en-US" altLang="zh-CN" sz="2400" b="1" dirty="0">
+                <a:solidFill>
+                  <a:srgbClr val="802258"/>
+                </a:solidFill>
+                <a:latin typeface="华文中宋" panose="02010600040101010101" pitchFamily="2" charset="-122"/>
+                <a:ea typeface="华文中宋" panose="02010600040101010101" pitchFamily="2" charset="-122"/>
+              </a:rPr>
+              <a:t>Relationship between Memorization And Privacy Neurons</a:t>
+            </a:r>
+          </a:p>
+          <a:p>
+            <a:pPr marL="914400" lvl="1" indent="-457200">
+              <a:lnSpc>
+                <a:spcPct val="150000"/>
+              </a:lnSpc>
+              <a:buFont typeface="Arial" panose="020B0604020202020204" pitchFamily="34" charset="0"/>
+              <a:buChar char="•"/>
+            </a:pPr>
+            <a:r>
+              <a:rPr lang="en-US" altLang="zh-CN" sz="2000" dirty="0">
+                <a:latin typeface="华文中宋" panose="02010600040101010101" pitchFamily="2" charset="-122"/>
+                <a:ea typeface="华文中宋" panose="02010600040101010101" pitchFamily="2" charset="-122"/>
+              </a:rPr>
+              <a:t>Impact of Training Time on Privacy Neuron Distribution over Layers</a:t>
+            </a:r>
+          </a:p>
+          <a:p>
+            <a:pPr marL="914400" lvl="1" indent="-457200">
+              <a:lnSpc>
+                <a:spcPct val="150000"/>
+              </a:lnSpc>
+              <a:buFont typeface="Arial" panose="020B0604020202020204" pitchFamily="34" charset="0"/>
+              <a:buChar char="•"/>
+            </a:pPr>
+            <a:r>
+              <a:rPr lang="en-US" altLang="zh-CN" sz="2000" dirty="0">
+                <a:latin typeface="华文中宋" panose="02010600040101010101" pitchFamily="2" charset="-122"/>
+                <a:ea typeface="华文中宋" panose="02010600040101010101" pitchFamily="2" charset="-122"/>
+              </a:rPr>
+              <a:t>Effect of the Model Size</a:t>
+            </a:r>
+          </a:p>
+          <a:p>
+            <a:pPr marL="914400" lvl="1" indent="-457200">
+              <a:lnSpc>
+                <a:spcPct val="150000"/>
+              </a:lnSpc>
+              <a:buFont typeface="Arial" panose="020B0604020202020204" pitchFamily="34" charset="0"/>
+              <a:buChar char="•"/>
+            </a:pPr>
+            <a:r>
+              <a:rPr lang="en-US" altLang="zh-CN" sz="2000" dirty="0">
+                <a:latin typeface="华文中宋" panose="02010600040101010101" pitchFamily="2" charset="-122"/>
+                <a:ea typeface="华文中宋" panose="02010600040101010101" pitchFamily="2" charset="-122"/>
+              </a:rPr>
+              <a:t>Summary</a:t>
+            </a:r>
+            <a:r>
+              <a:rPr lang="zh-CN" altLang="en-US" sz="2000" dirty="0">
+                <a:latin typeface="华文中宋" panose="02010600040101010101" pitchFamily="2" charset="-122"/>
+                <a:ea typeface="华文中宋" panose="02010600040101010101" pitchFamily="2" charset="-122"/>
+              </a:rPr>
+              <a:t>：</a:t>
+            </a:r>
+            <a:r>
+              <a:rPr lang="en-US" altLang="zh-CN" sz="2000" dirty="0">
+                <a:latin typeface="华文中宋" panose="02010600040101010101" pitchFamily="2" charset="-122"/>
+                <a:ea typeface="华文中宋" panose="02010600040101010101" pitchFamily="2" charset="-122"/>
+              </a:rPr>
+              <a:t>As the model memorization of privacy data deepens, the aggregation of privacy neurons associated with privacy data becomes more pronounced</a:t>
+            </a:r>
+          </a:p>
+        </p:txBody>
+      </p:sp>
+    </p:spTree>
+    <p:extLst>
+      <p:ext uri="{BB962C8B-B14F-4D97-AF65-F5344CB8AC3E}">
+        <p14:creationId xmlns:p14="http://schemas.microsoft.com/office/powerpoint/2010/main" val="916825813"/>
+      </p:ext>
+    </p:extLst>
+  </p:cSld>
+  <p:clrMapOvr>
+    <a:masterClrMapping/>
+  </p:clrMapOvr>
+</p:sld>
+</file>
+
+<file path=ppt/slides/slide23.xml><?xml version="1.0" encoding="utf-8"?>
+<p:sld xmlns:a="http://schemas.openxmlformats.org/drawingml/2006/main" xmlns:r="http://schemas.openxmlformats.org/officeDocument/2006/relationships" xmlns:p="http://schemas.openxmlformats.org/presentationml/2006/main">
+  <p:cSld>
+    <p:spTree>
+      <p:nvGrpSpPr>
+        <p:cNvPr id="1" name=""/>
+        <p:cNvGrpSpPr/>
+        <p:nvPr/>
+      </p:nvGrpSpPr>
+      <p:grpSpPr>
+        <a:xfrm>
+          <a:off x="0" y="0"/>
+          <a:ext cx="0" cy="0"/>
+          <a:chOff x="0" y="0"/>
+          <a:chExt cx="0" cy="0"/>
+        </a:xfrm>
+      </p:grpSpPr>
+      <p:sp>
+        <p:nvSpPr>
+          <p:cNvPr id="2" name="标题 1"/>
+          <p:cNvSpPr>
+            <a:spLocks noGrp="1"/>
+          </p:cNvSpPr>
+          <p:nvPr>
+            <p:ph type="title"/>
+          </p:nvPr>
+        </p:nvSpPr>
+        <p:spPr/>
+        <p:txBody>
+          <a:bodyPr/>
+          <a:lstStyle/>
+          <a:p>
+            <a:r>
+              <a:rPr lang="en-US" altLang="zh-CN" b="1" dirty="0"/>
+              <a:t>Analysis</a:t>
+            </a:r>
+          </a:p>
+        </p:txBody>
+      </p:sp>
+      <p:sp>
+        <p:nvSpPr>
+          <p:cNvPr id="3" name="文本框 2"/>
+          <p:cNvSpPr txBox="1"/>
+          <p:nvPr/>
+        </p:nvSpPr>
+        <p:spPr>
+          <a:xfrm>
+            <a:off x="399190" y="971400"/>
+            <a:ext cx="11792809" cy="5497133"/>
+          </a:xfrm>
+          <a:prstGeom prst="rect">
+            <a:avLst/>
+          </a:prstGeom>
+          <a:noFill/>
+        </p:spPr>
+        <p:txBody>
+          <a:bodyPr wrap="square" rtlCol="0">
+            <a:noAutofit/>
+          </a:bodyPr>
+          <a:lstStyle/>
+          <a:p>
+            <a:pPr marL="457200" indent="-457200">
+              <a:lnSpc>
+                <a:spcPct val="150000"/>
+              </a:lnSpc>
+              <a:buFont typeface="Arial" panose="020B0604020202020204" pitchFamily="34" charset="0"/>
+              <a:buChar char="•"/>
+            </a:pPr>
+            <a:r>
+              <a:rPr lang="en-US" altLang="zh-CN" sz="2400" b="1" dirty="0">
+                <a:solidFill>
+                  <a:srgbClr val="802258"/>
+                </a:solidFill>
+                <a:latin typeface="华文中宋" panose="02010600040101010101" pitchFamily="2" charset="-122"/>
+                <a:ea typeface="华文中宋" panose="02010600040101010101" pitchFamily="2" charset="-122"/>
+              </a:rPr>
+              <a:t>Robustness Analysis</a:t>
+            </a:r>
+          </a:p>
+          <a:p>
+            <a:pPr marL="914400" lvl="1" indent="-457200">
+              <a:lnSpc>
+                <a:spcPct val="150000"/>
+              </a:lnSpc>
+              <a:buFont typeface="Arial" panose="020B0604020202020204" pitchFamily="34" charset="0"/>
+              <a:buChar char="•"/>
+            </a:pPr>
+            <a:r>
+              <a:rPr lang="en-US" altLang="zh-CN" sz="2000" dirty="0">
+                <a:latin typeface="华文中宋" panose="02010600040101010101" pitchFamily="2" charset="-122"/>
+                <a:ea typeface="华文中宋" panose="02010600040101010101" pitchFamily="2" charset="-122"/>
+              </a:rPr>
+              <a:t>Ablation Study</a:t>
+            </a:r>
+          </a:p>
+          <a:p>
+            <a:pPr marL="1371600" lvl="2" indent="-457200">
+              <a:lnSpc>
+                <a:spcPct val="150000"/>
+              </a:lnSpc>
+              <a:buFont typeface="Arial" panose="020B0604020202020204" pitchFamily="34" charset="0"/>
+              <a:buChar char="•"/>
+            </a:pPr>
+            <a:r>
+              <a:rPr lang="en-US" altLang="zh-CN" sz="2000" dirty="0">
+                <a:latin typeface="华文中宋" panose="02010600040101010101" pitchFamily="2" charset="-122"/>
+                <a:ea typeface="华文中宋" panose="02010600040101010101" pitchFamily="2" charset="-122"/>
+              </a:rPr>
+              <a:t>compare its performance with different neuron localization methods on phone number data</a:t>
+            </a:r>
+          </a:p>
+        </p:txBody>
+      </p:sp>
+      <p:pic>
+        <p:nvPicPr>
+          <p:cNvPr id="5" name="图片 4">
+            <a:extLst>
+              <a:ext uri="{FF2B5EF4-FFF2-40B4-BE49-F238E27FC236}">
+                <a16:creationId xmlns:a16="http://schemas.microsoft.com/office/drawing/2014/main" id="{20248F6E-B2BC-224A-A62B-E4E86C6EFDB3}"/>
+              </a:ext>
+            </a:extLst>
+          </p:cNvPr>
+          <p:cNvPicPr>
+            <a:picLocks noChangeAspect="1"/>
+          </p:cNvPicPr>
+          <p:nvPr/>
+        </p:nvPicPr>
+        <p:blipFill>
+          <a:blip r:embed="rId3"/>
+          <a:stretch>
+            <a:fillRect/>
+          </a:stretch>
+        </p:blipFill>
+        <p:spPr>
+          <a:xfrm>
+            <a:off x="3600450" y="3044190"/>
+            <a:ext cx="4991100" cy="1866900"/>
+          </a:xfrm>
+          <a:prstGeom prst="rect">
+            <a:avLst/>
+          </a:prstGeom>
+        </p:spPr>
+      </p:pic>
+    </p:spTree>
+    <p:extLst>
+      <p:ext uri="{BB962C8B-B14F-4D97-AF65-F5344CB8AC3E}">
+        <p14:creationId xmlns:p14="http://schemas.microsoft.com/office/powerpoint/2010/main" val="967702755"/>
+      </p:ext>
+    </p:extLst>
+  </p:cSld>
+  <p:clrMapOvr>
+    <a:masterClrMapping/>
+  </p:clrMapOvr>
+</p:sld>
+</file>
+
+<file path=ppt/slides/slide24.xml><?xml version="1.0" encoding="utf-8"?>
+<p:sld xmlns:a="http://schemas.openxmlformats.org/drawingml/2006/main" xmlns:r="http://schemas.openxmlformats.org/officeDocument/2006/relationships" xmlns:p="http://schemas.openxmlformats.org/presentationml/2006/main">
+  <p:cSld>
+    <p:spTree>
+      <p:nvGrpSpPr>
+        <p:cNvPr id="1" name=""/>
+        <p:cNvGrpSpPr/>
+        <p:nvPr/>
+      </p:nvGrpSpPr>
+      <p:grpSpPr>
+        <a:xfrm>
+          <a:off x="0" y="0"/>
+          <a:ext cx="0" cy="0"/>
+          <a:chOff x="0" y="0"/>
+          <a:chExt cx="0" cy="0"/>
+        </a:xfrm>
+      </p:grpSpPr>
+      <p:sp>
+        <p:nvSpPr>
+          <p:cNvPr id="2" name="标题 1"/>
+          <p:cNvSpPr>
+            <a:spLocks noGrp="1"/>
+          </p:cNvSpPr>
+          <p:nvPr>
+            <p:ph type="title"/>
+          </p:nvPr>
+        </p:nvSpPr>
+        <p:spPr/>
+        <p:txBody>
+          <a:bodyPr/>
+          <a:lstStyle/>
+          <a:p>
+            <a:r>
+              <a:rPr lang="en-US" altLang="zh-CN" b="1" dirty="0"/>
+              <a:t>Analysis</a:t>
+            </a:r>
+          </a:p>
+        </p:txBody>
+      </p:sp>
+      <p:sp>
+        <p:nvSpPr>
+          <p:cNvPr id="3" name="文本框 2"/>
+          <p:cNvSpPr txBox="1"/>
+          <p:nvPr/>
+        </p:nvSpPr>
+        <p:spPr>
+          <a:xfrm>
+            <a:off x="399190" y="971400"/>
+            <a:ext cx="11792809" cy="5497133"/>
+          </a:xfrm>
+          <a:prstGeom prst="rect">
+            <a:avLst/>
+          </a:prstGeom>
+          <a:noFill/>
+        </p:spPr>
+        <p:txBody>
+          <a:bodyPr wrap="square" rtlCol="0">
+            <a:noAutofit/>
+          </a:bodyPr>
+          <a:lstStyle/>
+          <a:p>
+            <a:pPr marL="457200" indent="-457200">
+              <a:lnSpc>
+                <a:spcPct val="150000"/>
+              </a:lnSpc>
+              <a:buFont typeface="Arial" panose="020B0604020202020204" pitchFamily="34" charset="0"/>
+              <a:buChar char="•"/>
+            </a:pPr>
+            <a:r>
+              <a:rPr lang="en-US" altLang="zh-CN" sz="2400" b="1" dirty="0">
+                <a:solidFill>
+                  <a:srgbClr val="802258"/>
+                </a:solidFill>
+                <a:latin typeface="华文中宋" panose="02010600040101010101" pitchFamily="2" charset="-122"/>
+                <a:ea typeface="华文中宋" panose="02010600040101010101" pitchFamily="2" charset="-122"/>
+              </a:rPr>
+              <a:t>Robustness Analysis</a:t>
+            </a:r>
+          </a:p>
+          <a:p>
+            <a:pPr marL="914400" lvl="1" indent="-457200">
+              <a:lnSpc>
+                <a:spcPct val="150000"/>
+              </a:lnSpc>
+              <a:buFont typeface="Arial" panose="020B0604020202020204" pitchFamily="34" charset="0"/>
+              <a:buChar char="•"/>
+            </a:pPr>
+            <a:r>
+              <a:rPr lang="en-US" altLang="zh-CN" sz="2000" dirty="0">
+                <a:latin typeface="华文中宋" panose="02010600040101010101" pitchFamily="2" charset="-122"/>
+                <a:ea typeface="华文中宋" panose="02010600040101010101" pitchFamily="2" charset="-122"/>
+              </a:rPr>
+              <a:t>Ablation Study</a:t>
+            </a:r>
+          </a:p>
+          <a:p>
+            <a:pPr marL="914400" lvl="1" indent="-457200">
+              <a:lnSpc>
+                <a:spcPct val="150000"/>
+              </a:lnSpc>
+              <a:buFont typeface="Arial" panose="020B0604020202020204" pitchFamily="34" charset="0"/>
+              <a:buChar char="•"/>
+            </a:pPr>
+            <a:r>
+              <a:rPr lang="en-US" altLang="zh-CN" sz="2000" dirty="0">
+                <a:latin typeface="华文中宋" panose="02010600040101010101" pitchFamily="2" charset="-122"/>
+                <a:ea typeface="华文中宋" panose="02010600040101010101" pitchFamily="2" charset="-122"/>
+              </a:rPr>
+              <a:t>Robustness to Different Prompts</a:t>
+            </a:r>
+          </a:p>
+          <a:p>
+            <a:pPr marL="1371600" lvl="2" indent="-457200">
+              <a:lnSpc>
+                <a:spcPct val="150000"/>
+              </a:lnSpc>
+              <a:buFont typeface="Arial" panose="020B0604020202020204" pitchFamily="34" charset="0"/>
+              <a:buChar char="•"/>
+            </a:pPr>
+            <a:r>
+              <a:rPr lang="en-US" altLang="zh-CN" sz="2000" dirty="0">
+                <a:latin typeface="华文中宋" panose="02010600040101010101" pitchFamily="2" charset="-122"/>
+                <a:ea typeface="华文中宋" panose="02010600040101010101" pitchFamily="2" charset="-122"/>
+              </a:rPr>
+              <a:t>perform privacy attacks during inference using different prompts</a:t>
+            </a:r>
+          </a:p>
+        </p:txBody>
+      </p:sp>
+      <p:pic>
+        <p:nvPicPr>
+          <p:cNvPr id="5" name="图片 4">
+            <a:extLst>
+              <a:ext uri="{FF2B5EF4-FFF2-40B4-BE49-F238E27FC236}">
+                <a16:creationId xmlns:a16="http://schemas.microsoft.com/office/drawing/2014/main" id="{F6557168-58BF-3949-9347-3A1E06DA6242}"/>
+              </a:ext>
+            </a:extLst>
+          </p:cNvPr>
+          <p:cNvPicPr>
+            <a:picLocks noChangeAspect="1"/>
+          </p:cNvPicPr>
+          <p:nvPr/>
+        </p:nvPicPr>
+        <p:blipFill>
+          <a:blip r:embed="rId3"/>
+          <a:stretch>
+            <a:fillRect/>
+          </a:stretch>
+        </p:blipFill>
+        <p:spPr>
+          <a:xfrm>
+            <a:off x="3625850" y="3066303"/>
+            <a:ext cx="4940300" cy="2984500"/>
+          </a:xfrm>
+          <a:prstGeom prst="rect">
+            <a:avLst/>
+          </a:prstGeom>
+        </p:spPr>
+      </p:pic>
+    </p:spTree>
+    <p:extLst>
+      <p:ext uri="{BB962C8B-B14F-4D97-AF65-F5344CB8AC3E}">
+        <p14:creationId xmlns:p14="http://schemas.microsoft.com/office/powerpoint/2010/main" val="3088364158"/>
+      </p:ext>
+    </p:extLst>
+  </p:cSld>
+  <p:clrMapOvr>
+    <a:masterClrMapping/>
+  </p:clrMapOvr>
+</p:sld>
+</file>
+
+<file path=ppt/slides/slide25.xml><?xml version="1.0" encoding="utf-8"?>
+<p:sld xmlns:a="http://schemas.openxmlformats.org/drawingml/2006/main" xmlns:r="http://schemas.openxmlformats.org/officeDocument/2006/relationships" xmlns:p="http://schemas.openxmlformats.org/presentationml/2006/main">
+  <p:cSld>
+    <p:spTree>
+      <p:nvGrpSpPr>
+        <p:cNvPr id="1" name=""/>
+        <p:cNvGrpSpPr/>
+        <p:nvPr/>
+      </p:nvGrpSpPr>
+      <p:grpSpPr>
+        <a:xfrm>
+          <a:off x="0" y="0"/>
+          <a:ext cx="0" cy="0"/>
+          <a:chOff x="0" y="0"/>
+          <a:chExt cx="0" cy="0"/>
+        </a:xfrm>
+      </p:grpSpPr>
+      <p:sp>
+        <p:nvSpPr>
+          <p:cNvPr id="2" name="标题 1"/>
+          <p:cNvSpPr>
+            <a:spLocks noGrp="1"/>
+          </p:cNvSpPr>
+          <p:nvPr>
+            <p:ph type="title"/>
+          </p:nvPr>
+        </p:nvSpPr>
+        <p:spPr/>
+        <p:txBody>
+          <a:bodyPr/>
+          <a:lstStyle/>
+          <a:p>
+            <a:r>
+              <a:rPr lang="en-US" altLang="zh-CN" b="1" dirty="0"/>
+              <a:t>Analysis</a:t>
+            </a:r>
+          </a:p>
+        </p:txBody>
+      </p:sp>
+      <p:sp>
+        <p:nvSpPr>
+          <p:cNvPr id="3" name="文本框 2"/>
+          <p:cNvSpPr txBox="1"/>
+          <p:nvPr/>
+        </p:nvSpPr>
+        <p:spPr>
+          <a:xfrm>
+            <a:off x="399190" y="971400"/>
+            <a:ext cx="11792809" cy="5497133"/>
+          </a:xfrm>
+          <a:prstGeom prst="rect">
+            <a:avLst/>
+          </a:prstGeom>
+          <a:noFill/>
+        </p:spPr>
+        <p:txBody>
+          <a:bodyPr wrap="square" rtlCol="0">
+            <a:noAutofit/>
+          </a:bodyPr>
+          <a:lstStyle/>
+          <a:p>
+            <a:pPr marL="457200" indent="-457200">
+              <a:lnSpc>
+                <a:spcPct val="150000"/>
+              </a:lnSpc>
+              <a:buFont typeface="Arial" panose="020B0604020202020204" pitchFamily="34" charset="0"/>
+              <a:buChar char="•"/>
+            </a:pPr>
+            <a:r>
+              <a:rPr lang="en-US" altLang="zh-CN" sz="2400" b="1" dirty="0">
+                <a:solidFill>
+                  <a:srgbClr val="802258"/>
+                </a:solidFill>
+                <a:latin typeface="华文中宋" panose="02010600040101010101" pitchFamily="2" charset="-122"/>
+                <a:ea typeface="华文中宋" panose="02010600040101010101" pitchFamily="2" charset="-122"/>
+              </a:rPr>
+              <a:t>Analysis on the Cost-Effectiveness of DEPN</a:t>
+            </a:r>
+          </a:p>
+          <a:p>
+            <a:pPr marL="914400" lvl="1" indent="-457200">
+              <a:lnSpc>
+                <a:spcPct val="150000"/>
+              </a:lnSpc>
+              <a:buFont typeface="Arial" panose="020B0604020202020204" pitchFamily="34" charset="0"/>
+              <a:buChar char="•"/>
+            </a:pPr>
+            <a:r>
+              <a:rPr lang="en-US" altLang="zh-CN" sz="2000" dirty="0">
+                <a:latin typeface="华文中宋" panose="02010600040101010101" pitchFamily="2" charset="-122"/>
+                <a:ea typeface="华文中宋" panose="02010600040101010101" pitchFamily="2" charset="-122"/>
+              </a:rPr>
+              <a:t>its dependency on the amount of private data to be erased</a:t>
+            </a:r>
+          </a:p>
+        </p:txBody>
+      </p:sp>
+      <p:pic>
+        <p:nvPicPr>
+          <p:cNvPr id="4" name="图片 3">
+            <a:extLst>
+              <a:ext uri="{FF2B5EF4-FFF2-40B4-BE49-F238E27FC236}">
+                <a16:creationId xmlns:a16="http://schemas.microsoft.com/office/drawing/2014/main" id="{3D361CC4-B33E-F240-83B7-13B580EE585E}"/>
+              </a:ext>
+            </a:extLst>
+          </p:cNvPr>
+          <p:cNvPicPr>
+            <a:picLocks noChangeAspect="1"/>
+          </p:cNvPicPr>
+          <p:nvPr/>
+        </p:nvPicPr>
+        <p:blipFill>
+          <a:blip r:embed="rId3"/>
+          <a:stretch>
+            <a:fillRect/>
+          </a:stretch>
+        </p:blipFill>
+        <p:spPr>
+          <a:xfrm>
+            <a:off x="2038350" y="2463800"/>
+            <a:ext cx="8115300" cy="1930400"/>
+          </a:xfrm>
+          <a:prstGeom prst="rect">
+            <a:avLst/>
+          </a:prstGeom>
+        </p:spPr>
+      </p:pic>
+    </p:spTree>
+    <p:extLst>
+      <p:ext uri="{BB962C8B-B14F-4D97-AF65-F5344CB8AC3E}">
+        <p14:creationId xmlns:p14="http://schemas.microsoft.com/office/powerpoint/2010/main" val="363268610"/>
+      </p:ext>
+    </p:extLst>
+  </p:cSld>
+  <p:clrMapOvr>
+    <a:masterClrMapping/>
+  </p:clrMapOvr>
+</p:sld>
+</file>
+
+<file path=ppt/slides/slide26.xml><?xml version="1.0" encoding="utf-8"?>
+<p:sld xmlns:a="http://schemas.openxmlformats.org/drawingml/2006/main" xmlns:r="http://schemas.openxmlformats.org/officeDocument/2006/relationships" xmlns:p="http://schemas.openxmlformats.org/presentationml/2006/main">
+  <p:cSld>
+    <p:spTree>
+      <p:nvGrpSpPr>
+        <p:cNvPr id="1" name=""/>
+        <p:cNvGrpSpPr/>
+        <p:nvPr/>
+      </p:nvGrpSpPr>
+      <p:grpSpPr>
+        <a:xfrm>
+          <a:off x="0" y="0"/>
+          <a:ext cx="0" cy="0"/>
+          <a:chOff x="0" y="0"/>
+          <a:chExt cx="0" cy="0"/>
+        </a:xfrm>
+      </p:grpSpPr>
+      <p:sp>
+        <p:nvSpPr>
+          <p:cNvPr id="2" name="标题 1"/>
+          <p:cNvSpPr>
+            <a:spLocks noGrp="1"/>
+          </p:cNvSpPr>
+          <p:nvPr>
+            <p:ph type="title"/>
+          </p:nvPr>
+        </p:nvSpPr>
+        <p:spPr/>
+        <p:txBody>
+          <a:bodyPr/>
+          <a:lstStyle/>
+          <a:p>
+            <a:r>
+              <a:rPr lang="en-US" altLang="zh-CN" b="1" dirty="0"/>
+              <a:t>Conclusion</a:t>
+            </a:r>
+          </a:p>
+        </p:txBody>
+      </p:sp>
+      <p:sp>
+        <p:nvSpPr>
+          <p:cNvPr id="3" name="文本框 2"/>
+          <p:cNvSpPr txBox="1"/>
+          <p:nvPr/>
+        </p:nvSpPr>
+        <p:spPr>
+          <a:xfrm>
+            <a:off x="399190" y="971400"/>
+            <a:ext cx="11792809" cy="5497133"/>
+          </a:xfrm>
+          <a:prstGeom prst="rect">
+            <a:avLst/>
+          </a:prstGeom>
+          <a:noFill/>
+        </p:spPr>
+        <p:txBody>
+          <a:bodyPr wrap="square" rtlCol="0">
+            <a:noAutofit/>
+          </a:bodyPr>
+          <a:lstStyle/>
+          <a:p>
+            <a:pPr marL="457200" indent="-457200">
+              <a:lnSpc>
+                <a:spcPct val="150000"/>
+              </a:lnSpc>
+              <a:buFont typeface="Arial" panose="020B0604020202020204" pitchFamily="34" charset="0"/>
+              <a:buChar char="•"/>
+            </a:pPr>
+            <a:r>
+              <a:rPr lang="en-US" altLang="zh-CN" sz="2400" b="1" dirty="0">
+                <a:solidFill>
+                  <a:srgbClr val="802258"/>
+                </a:solidFill>
+                <a:latin typeface="华文中宋" panose="02010600040101010101" pitchFamily="2" charset="-122"/>
+                <a:ea typeface="华文中宋" panose="02010600040101010101" pitchFamily="2" charset="-122"/>
+              </a:rPr>
+              <a:t>DEPN</a:t>
+            </a:r>
+          </a:p>
+          <a:p>
+            <a:pPr marL="914400" lvl="1" indent="-457200">
+              <a:lnSpc>
+                <a:spcPct val="150000"/>
+              </a:lnSpc>
+              <a:buFont typeface="Arial" panose="020B0604020202020204" pitchFamily="34" charset="0"/>
+              <a:buChar char="•"/>
+            </a:pPr>
+            <a:r>
+              <a:rPr lang="en-US" altLang="zh-CN" sz="2000" dirty="0">
+                <a:latin typeface="华文中宋" panose="02010600040101010101" pitchFamily="2" charset="-122"/>
+                <a:ea typeface="华文中宋" panose="02010600040101010101" pitchFamily="2" charset="-122"/>
+              </a:rPr>
+              <a:t>the privacy neuron detector based on the privacy attribution scoring method</a:t>
+            </a:r>
+          </a:p>
+          <a:p>
+            <a:pPr marL="1371600" lvl="2" indent="-457200">
+              <a:lnSpc>
+                <a:spcPct val="150000"/>
+              </a:lnSpc>
+              <a:buFont typeface="Arial" panose="020B0604020202020204" pitchFamily="34" charset="0"/>
+              <a:buChar char="•"/>
+            </a:pPr>
+            <a:r>
+              <a:rPr lang="en-US" altLang="zh-CN" sz="2000" dirty="0">
+                <a:latin typeface="华文中宋" panose="02010600040101010101" pitchFamily="2" charset="-122"/>
+                <a:ea typeface="华文中宋" panose="02010600040101010101" pitchFamily="2" charset="-122"/>
+              </a:rPr>
+              <a:t>the privacy neuron detector based on the privacy attribution scoring method</a:t>
+            </a:r>
+          </a:p>
+          <a:p>
+            <a:pPr marL="914400" lvl="1" indent="-457200">
+              <a:lnSpc>
+                <a:spcPct val="150000"/>
+              </a:lnSpc>
+              <a:buFont typeface="Arial" panose="020B0604020202020204" pitchFamily="34" charset="0"/>
+              <a:buChar char="•"/>
+            </a:pPr>
+            <a:r>
+              <a:rPr lang="en-US" altLang="zh-CN" sz="2000" dirty="0">
+                <a:latin typeface="华文中宋" panose="02010600040101010101" pitchFamily="2" charset="-122"/>
+                <a:ea typeface="华文中宋" panose="02010600040101010101" pitchFamily="2" charset="-122"/>
+              </a:rPr>
+              <a:t>privacy neuron editor</a:t>
+            </a:r>
+          </a:p>
+          <a:p>
+            <a:pPr marL="1371600" lvl="2" indent="-457200">
+              <a:lnSpc>
+                <a:spcPct val="150000"/>
+              </a:lnSpc>
+              <a:buFont typeface="Arial" panose="020B0604020202020204" pitchFamily="34" charset="0"/>
+              <a:buChar char="•"/>
+            </a:pPr>
+            <a:r>
+              <a:rPr lang="en-US" altLang="zh-CN" sz="2000" dirty="0">
+                <a:latin typeface="华文中宋" panose="02010600040101010101" pitchFamily="2" charset="-122"/>
+                <a:ea typeface="华文中宋" panose="02010600040101010101" pitchFamily="2" charset="-122"/>
+              </a:rPr>
+              <a:t>eliminate model memorization of private data</a:t>
+            </a:r>
+          </a:p>
+          <a:p>
+            <a:pPr marL="914400" lvl="1" indent="-457200">
+              <a:lnSpc>
+                <a:spcPct val="150000"/>
+              </a:lnSpc>
+              <a:buFont typeface="Arial" panose="020B0604020202020204" pitchFamily="34" charset="0"/>
+              <a:buChar char="•"/>
+            </a:pPr>
+            <a:r>
+              <a:rPr lang="en-US" altLang="zh-CN" sz="2000" dirty="0">
+                <a:latin typeface="华文中宋" panose="02010600040101010101" pitchFamily="2" charset="-122"/>
+                <a:ea typeface="华文中宋" panose="02010600040101010101" pitchFamily="2" charset="-122"/>
+              </a:rPr>
+              <a:t>Limitations</a:t>
+            </a:r>
+          </a:p>
+          <a:p>
+            <a:pPr marL="1371600" lvl="2" indent="-457200">
+              <a:lnSpc>
+                <a:spcPct val="150000"/>
+              </a:lnSpc>
+              <a:buFont typeface="Arial" panose="020B0604020202020204" pitchFamily="34" charset="0"/>
+              <a:buChar char="•"/>
+            </a:pPr>
+            <a:r>
+              <a:rPr lang="en-US" altLang="zh-CN" sz="2000" dirty="0">
+                <a:latin typeface="华文中宋" panose="02010600040101010101" pitchFamily="2" charset="-122"/>
+                <a:ea typeface="华文中宋" panose="02010600040101010101" pitchFamily="2" charset="-122"/>
+              </a:rPr>
+              <a:t>too many instances in a batch will reduce the effect of memorization erasure</a:t>
+            </a:r>
+          </a:p>
+          <a:p>
+            <a:pPr marL="1371600" lvl="2" indent="-457200">
+              <a:lnSpc>
+                <a:spcPct val="150000"/>
+              </a:lnSpc>
+              <a:buFont typeface="Arial" panose="020B0604020202020204" pitchFamily="34" charset="0"/>
+              <a:buChar char="•"/>
+            </a:pPr>
+            <a:r>
+              <a:rPr lang="en-US" altLang="zh-CN" sz="2000" dirty="0">
+                <a:latin typeface="华文中宋" panose="02010600040101010101" pitchFamily="2" charset="-122"/>
+                <a:ea typeface="华文中宋" panose="02010600040101010101" pitchFamily="2" charset="-122"/>
+              </a:rPr>
+              <a:t>a few types of private information</a:t>
+            </a:r>
+            <a:r>
+              <a:rPr lang="zh-CN" altLang="en-US" sz="2000" dirty="0">
+                <a:latin typeface="华文中宋" panose="02010600040101010101" pitchFamily="2" charset="-122"/>
+                <a:ea typeface="华文中宋" panose="02010600040101010101" pitchFamily="2" charset="-122"/>
+              </a:rPr>
+              <a:t> </a:t>
+            </a:r>
+            <a:r>
+              <a:rPr lang="en-US" altLang="zh-CN" sz="2000" dirty="0">
+                <a:latin typeface="华文中宋" panose="02010600040101010101" pitchFamily="2" charset="-122"/>
+                <a:ea typeface="华文中宋" panose="02010600040101010101" pitchFamily="2" charset="-122"/>
+              </a:rPr>
+              <a:t>for</a:t>
+            </a:r>
+            <a:r>
+              <a:rPr lang="zh-CN" altLang="en-US" sz="2000" dirty="0">
+                <a:latin typeface="华文中宋" panose="02010600040101010101" pitchFamily="2" charset="-122"/>
+                <a:ea typeface="华文中宋" panose="02010600040101010101" pitchFamily="2" charset="-122"/>
+              </a:rPr>
+              <a:t> </a:t>
+            </a:r>
+            <a:r>
+              <a:rPr lang="en-US" altLang="zh-CN" sz="2000" dirty="0">
+                <a:latin typeface="华文中宋" panose="02010600040101010101" pitchFamily="2" charset="-122"/>
+                <a:ea typeface="华文中宋" panose="02010600040101010101" pitchFamily="2" charset="-122"/>
+              </a:rPr>
+              <a:t>experiments</a:t>
+            </a:r>
+          </a:p>
+        </p:txBody>
+      </p:sp>
+    </p:spTree>
+    <p:extLst>
+      <p:ext uri="{BB962C8B-B14F-4D97-AF65-F5344CB8AC3E}">
+        <p14:creationId xmlns:p14="http://schemas.microsoft.com/office/powerpoint/2010/main" val="1698523259"/>
+      </p:ext>
+    </p:extLst>
+  </p:cSld>
+  <p:clrMapOvr>
+    <a:masterClrMapping/>
+  </p:clrMapOvr>
+</p:sld>
+</file>
+
+<file path=ppt/slides/slide27.xml><?xml version="1.0" encoding="utf-8"?>
+<p:sld xmlns:a="http://schemas.openxmlformats.org/drawingml/2006/main" xmlns:r="http://schemas.openxmlformats.org/officeDocument/2006/relationships" xmlns:p="http://schemas.openxmlformats.org/presentationml/2006/main">
+  <p:cSld>
+    <p:spTree>
+      <p:nvGrpSpPr>
+        <p:cNvPr id="1" name=""/>
+        <p:cNvGrpSpPr/>
+        <p:nvPr/>
+      </p:nvGrpSpPr>
+      <p:grpSpPr>
+        <a:xfrm>
+          <a:off x="0" y="0"/>
+          <a:ext cx="0" cy="0"/>
+          <a:chOff x="0" y="0"/>
+          <a:chExt cx="0" cy="0"/>
+        </a:xfrm>
+      </p:grpSpPr>
+      <p:sp>
+        <p:nvSpPr>
+          <p:cNvPr id="4" name="文本框 3"/>
+          <p:cNvSpPr txBox="1"/>
+          <p:nvPr/>
+        </p:nvSpPr>
+        <p:spPr>
+          <a:xfrm>
+            <a:off x="2172586" y="2008728"/>
+            <a:ext cx="7846828" cy="1107996"/>
+          </a:xfrm>
+          <a:prstGeom prst="rect">
+            <a:avLst/>
+          </a:prstGeom>
+          <a:noFill/>
+        </p:spPr>
+        <p:txBody>
+          <a:bodyPr wrap="square" rtlCol="0">
+            <a:spAutoFit/>
+          </a:bodyPr>
+          <a:lstStyle/>
+          <a:p>
+            <a:pPr algn="ctr"/>
+            <a:r>
+              <a:rPr lang="en-US" altLang="zh-CN" sz="6600" b="1" dirty="0">
+                <a:latin typeface="Times New Roman" panose="02020603050405020304" pitchFamily="18" charset="0"/>
+                <a:ea typeface="楷体" panose="02010609060101010101" pitchFamily="49" charset="-122"/>
+                <a:cs typeface="Times New Roman" panose="02020603050405020304" pitchFamily="18" charset="0"/>
+              </a:rPr>
+              <a:t>Thanks</a:t>
+            </a:r>
+          </a:p>
+        </p:txBody>
+      </p:sp>
+      <p:sp>
+        <p:nvSpPr>
+          <p:cNvPr id="5" name="文本框 4">
+            <a:extLst>
+              <a:ext uri="{FF2B5EF4-FFF2-40B4-BE49-F238E27FC236}">
+                <a16:creationId xmlns:a16="http://schemas.microsoft.com/office/drawing/2014/main" id="{621732C4-06FC-AD44-B805-24C2CCA6495D}"/>
+              </a:ext>
+            </a:extLst>
+          </p:cNvPr>
+          <p:cNvSpPr txBox="1"/>
+          <p:nvPr/>
+        </p:nvSpPr>
+        <p:spPr>
+          <a:xfrm>
+            <a:off x="5361025" y="6153598"/>
+            <a:ext cx="1469952" cy="575517"/>
+          </a:xfrm>
+          <a:prstGeom prst="rect">
+            <a:avLst/>
+          </a:prstGeom>
+          <a:noFill/>
+        </p:spPr>
+        <p:txBody>
+          <a:bodyPr wrap="square" rtlCol="0">
+            <a:noAutofit/>
+          </a:bodyPr>
+          <a:lstStyle/>
+          <a:p>
+            <a:pPr algn="ctr">
+              <a:lnSpc>
+                <a:spcPct val="150000"/>
+              </a:lnSpc>
+            </a:pPr>
+            <a:r>
+              <a:rPr lang="en-US" altLang="zh-CN" sz="2000" dirty="0">
+                <a:latin typeface="华文中宋" panose="02010600040101010101" pitchFamily="2" charset="-122"/>
+                <a:ea typeface="华文中宋" panose="02010600040101010101" pitchFamily="2" charset="-122"/>
+              </a:rPr>
+              <a:t>2024.5</a:t>
+            </a:r>
+          </a:p>
+        </p:txBody>
+      </p:sp>
+      <p:graphicFrame>
+        <p:nvGraphicFramePr>
+          <p:cNvPr id="6" name="表格 5">
+            <a:extLst>
+              <a:ext uri="{FF2B5EF4-FFF2-40B4-BE49-F238E27FC236}">
+                <a16:creationId xmlns:a16="http://schemas.microsoft.com/office/drawing/2014/main" id="{D0798E30-5446-084F-99F4-6A7699FCADC5}"/>
+              </a:ext>
+            </a:extLst>
+          </p:cNvPr>
+          <p:cNvGraphicFramePr>
+            <a:graphicFrameLocks noGrp="1"/>
+          </p:cNvGraphicFramePr>
+          <p:nvPr>
+            <p:extLst>
+              <p:ext uri="{D42A27DB-BD31-4B8C-83A1-F6EECF244321}">
+                <p14:modId xmlns:p14="http://schemas.microsoft.com/office/powerpoint/2010/main" val="1991495419"/>
+              </p:ext>
+            </p:extLst>
+          </p:nvPr>
+        </p:nvGraphicFramePr>
+        <p:xfrm>
+          <a:off x="3569531" y="4988255"/>
+          <a:ext cx="5052937" cy="1219200"/>
+        </p:xfrm>
+        <a:graphic>
+          <a:graphicData uri="http://schemas.openxmlformats.org/drawingml/2006/table">
+            <a:tbl>
+              <a:tblPr firstRow="1" bandRow="1">
+                <a:tableStyleId>{5C22544A-7EE6-4342-B048-85BDC9FD1C3A}</a:tableStyleId>
+              </a:tblPr>
+              <a:tblGrid>
+                <a:gridCol w="1182041">
+                  <a:extLst>
+                    <a:ext uri="{9D8B030D-6E8A-4147-A177-3AD203B41FA5}">
+                      <a16:colId xmlns:a16="http://schemas.microsoft.com/office/drawing/2014/main" val="577754717"/>
+                    </a:ext>
+                  </a:extLst>
+                </a:gridCol>
+                <a:gridCol w="839998">
+                  <a:extLst>
+                    <a:ext uri="{9D8B030D-6E8A-4147-A177-3AD203B41FA5}">
+                      <a16:colId xmlns:a16="http://schemas.microsoft.com/office/drawing/2014/main" val="1208414747"/>
+                    </a:ext>
+                  </a:extLst>
+                </a:gridCol>
+                <a:gridCol w="3030898">
+                  <a:extLst>
+                    <a:ext uri="{9D8B030D-6E8A-4147-A177-3AD203B41FA5}">
+                      <a16:colId xmlns:a16="http://schemas.microsoft.com/office/drawing/2014/main" val="2887465251"/>
+                    </a:ext>
+                  </a:extLst>
+                </a:gridCol>
+              </a:tblGrid>
+              <a:tr h="281174">
+                <a:tc>
+                  <a:txBody>
+                    <a:bodyPr/>
+                    <a:lstStyle/>
+                    <a:p>
+                      <a:pPr marL="0" algn="ctr" defTabSz="914400" rtl="0" eaLnBrk="1" latinLnBrk="0" hangingPunct="1"/>
+                      <a:r>
+                        <a:rPr lang="en-US" altLang="zh-CN" sz="1400" b="0" kern="1200" dirty="0">
+                          <a:solidFill>
+                            <a:schemeClr val="dk1"/>
+                          </a:solidFill>
+                          <a:latin typeface="Times New Roman" panose="02020603050405020304" pitchFamily="18" charset="0"/>
+                          <a:ea typeface="华文中宋" panose="02010600040101010101" pitchFamily="2" charset="-122"/>
+                          <a:cs typeface="Times New Roman" panose="02020603050405020304" pitchFamily="18" charset="0"/>
+                        </a:rPr>
+                        <a:t>Xiuming</a:t>
+                      </a:r>
+                      <a:r>
+                        <a:rPr lang="zh-CN" altLang="en-US" sz="1400" b="0" kern="1200" dirty="0">
+                          <a:solidFill>
+                            <a:schemeClr val="dk1"/>
+                          </a:solidFill>
+                          <a:latin typeface="Times New Roman" panose="02020603050405020304" pitchFamily="18" charset="0"/>
+                          <a:ea typeface="华文中宋" panose="02010600040101010101" pitchFamily="2" charset="-122"/>
+                          <a:cs typeface="Times New Roman" panose="02020603050405020304" pitchFamily="18" charset="0"/>
+                        </a:rPr>
+                        <a:t> </a:t>
+                      </a:r>
+                      <a:r>
+                        <a:rPr lang="en-US" altLang="zh-CN" sz="1400" b="0" kern="1200" dirty="0">
+                          <a:solidFill>
+                            <a:schemeClr val="dk1"/>
+                          </a:solidFill>
+                          <a:latin typeface="Times New Roman" panose="02020603050405020304" pitchFamily="18" charset="0"/>
+                          <a:ea typeface="华文中宋" panose="02010600040101010101" pitchFamily="2" charset="-122"/>
+                          <a:cs typeface="Times New Roman" panose="02020603050405020304" pitchFamily="18" charset="0"/>
+                        </a:rPr>
+                        <a:t>Liu</a:t>
+                      </a:r>
+                      <a:endParaRPr lang="zh-CN" altLang="en-US" sz="1400" b="0" kern="1200" dirty="0">
+                        <a:solidFill>
+                          <a:schemeClr val="dk1"/>
+                        </a:solidFill>
+                        <a:latin typeface="Times New Roman" panose="02020603050405020304" pitchFamily="18" charset="0"/>
+                        <a:ea typeface="华文中宋" panose="02010600040101010101" pitchFamily="2" charset="-122"/>
+                        <a:cs typeface="Times New Roman" panose="02020603050405020304" pitchFamily="18" charset="0"/>
+                      </a:endParaRPr>
+                    </a:p>
+                  </a:txBody>
+                  <a:tcPr anchor="ctr">
+                    <a:noFill/>
+                  </a:tcPr>
+                </a:tc>
+                <a:tc>
+                  <a:txBody>
+                    <a:bodyPr/>
+                    <a:lstStyle/>
+                    <a:p>
+                      <a:pPr marL="0" algn="ctr" defTabSz="914400" rtl="0" eaLnBrk="1" latinLnBrk="0" hangingPunct="1"/>
+                      <a:r>
+                        <a:rPr lang="en-US" altLang="zh-CN" sz="1400" b="0" kern="1200" dirty="0">
+                          <a:solidFill>
+                            <a:schemeClr val="dk1"/>
+                          </a:solidFill>
+                          <a:latin typeface="Times New Roman" panose="02020603050405020304" pitchFamily="18" charset="0"/>
+                          <a:ea typeface="华文中宋" panose="02010600040101010101" pitchFamily="2" charset="-122"/>
+                          <a:cs typeface="Times New Roman" panose="02020603050405020304" pitchFamily="18" charset="0"/>
+                        </a:rPr>
+                        <a:t>2112492</a:t>
+                      </a:r>
+                      <a:endParaRPr lang="zh-CN" altLang="en-US" sz="1400" b="0" kern="1200" dirty="0">
+                        <a:solidFill>
+                          <a:schemeClr val="dk1"/>
+                        </a:solidFill>
+                        <a:latin typeface="Times New Roman" panose="02020603050405020304" pitchFamily="18" charset="0"/>
+                        <a:ea typeface="华文中宋" panose="02010600040101010101" pitchFamily="2" charset="-122"/>
+                        <a:cs typeface="Times New Roman" panose="02020603050405020304" pitchFamily="18" charset="0"/>
+                      </a:endParaRPr>
+                    </a:p>
+                  </a:txBody>
+                  <a:tcPr anchor="ctr">
+                    <a:noFill/>
+                  </a:tcPr>
+                </a:tc>
+                <a:tc>
+                  <a:txBody>
+                    <a:bodyPr/>
+                    <a:lstStyle/>
+                    <a:p>
+                      <a:pPr marL="0" algn="ctr" defTabSz="914400" rtl="0" eaLnBrk="1" latinLnBrk="0" hangingPunct="1"/>
+                      <a:r>
+                        <a:rPr lang="en-US" altLang="zh-CN" sz="1400" b="0" kern="1200" dirty="0">
+                          <a:solidFill>
+                            <a:schemeClr val="dk1"/>
+                          </a:solidFill>
+                          <a:latin typeface="Times New Roman" panose="02020603050405020304" pitchFamily="18" charset="0"/>
+                          <a:ea typeface="华文中宋" panose="02010600040101010101" pitchFamily="2" charset="-122"/>
+                          <a:cs typeface="Times New Roman" panose="02020603050405020304" pitchFamily="18" charset="0"/>
+                        </a:rPr>
+                        <a:t>Information Security</a:t>
+                      </a:r>
+                      <a:endParaRPr lang="zh-CN" altLang="en-US" sz="1400" b="0" kern="1200" dirty="0">
+                        <a:solidFill>
+                          <a:schemeClr val="dk1"/>
+                        </a:solidFill>
+                        <a:latin typeface="Times New Roman" panose="02020603050405020304" pitchFamily="18" charset="0"/>
+                        <a:ea typeface="华文中宋" panose="02010600040101010101" pitchFamily="2" charset="-122"/>
+                        <a:cs typeface="Times New Roman" panose="02020603050405020304" pitchFamily="18" charset="0"/>
+                      </a:endParaRPr>
+                    </a:p>
+                  </a:txBody>
+                  <a:tcPr anchor="ctr">
+                    <a:noFill/>
+                  </a:tcPr>
+                </a:tc>
+                <a:extLst>
+                  <a:ext uri="{0D108BD9-81ED-4DB2-BD59-A6C34878D82A}">
+                    <a16:rowId xmlns:a16="http://schemas.microsoft.com/office/drawing/2014/main" val="3513765569"/>
+                  </a:ext>
+                </a:extLst>
+              </a:tr>
+              <a:tr h="281174">
+                <a:tc>
+                  <a:txBody>
+                    <a:bodyPr/>
+                    <a:lstStyle/>
+                    <a:p>
+                      <a:pPr marL="0" algn="ctr" defTabSz="914400" rtl="0" eaLnBrk="1" latinLnBrk="0" hangingPunct="1"/>
+                      <a:r>
+                        <a:rPr lang="en-US" altLang="zh-CN" sz="1400" b="0" kern="1200" dirty="0">
+                          <a:solidFill>
+                            <a:schemeClr val="dk1"/>
+                          </a:solidFill>
+                          <a:latin typeface="Times New Roman" panose="02020603050405020304" pitchFamily="18" charset="0"/>
+                          <a:ea typeface="华文中宋" panose="02010600040101010101" pitchFamily="2" charset="-122"/>
+                          <a:cs typeface="Times New Roman" panose="02020603050405020304" pitchFamily="18" charset="0"/>
+                          <a:sym typeface="+mn-ea"/>
+                        </a:rPr>
+                        <a:t>Yuchen</a:t>
+                      </a:r>
+                      <a:r>
+                        <a:rPr lang="zh-CN" altLang="en-US" sz="1400" b="0" kern="1200" dirty="0">
+                          <a:solidFill>
+                            <a:schemeClr val="dk1"/>
+                          </a:solidFill>
+                          <a:latin typeface="Times New Roman" panose="02020603050405020304" pitchFamily="18" charset="0"/>
+                          <a:ea typeface="华文中宋" panose="02010600040101010101" pitchFamily="2" charset="-122"/>
+                          <a:cs typeface="Times New Roman" panose="02020603050405020304" pitchFamily="18" charset="0"/>
+                          <a:sym typeface="+mn-ea"/>
+                        </a:rPr>
+                        <a:t> </a:t>
+                      </a:r>
+                      <a:r>
+                        <a:rPr lang="en-US" altLang="zh-CN" sz="1400" b="0" kern="1200" dirty="0">
+                          <a:solidFill>
+                            <a:schemeClr val="dk1"/>
+                          </a:solidFill>
+                          <a:latin typeface="Times New Roman" panose="02020603050405020304" pitchFamily="18" charset="0"/>
+                          <a:ea typeface="华文中宋" panose="02010600040101010101" pitchFamily="2" charset="-122"/>
+                          <a:cs typeface="Times New Roman" panose="02020603050405020304" pitchFamily="18" charset="0"/>
+                          <a:sym typeface="+mn-ea"/>
+                        </a:rPr>
+                        <a:t>Zhou</a:t>
+                      </a:r>
+                      <a:endParaRPr lang="zh-CN" altLang="en-US" sz="1400" b="0" kern="1200" dirty="0">
+                        <a:solidFill>
+                          <a:schemeClr val="dk1"/>
+                        </a:solidFill>
+                        <a:latin typeface="Times New Roman" panose="02020603050405020304" pitchFamily="18" charset="0"/>
+                        <a:ea typeface="华文中宋" panose="02010600040101010101" pitchFamily="2" charset="-122"/>
+                        <a:cs typeface="Times New Roman" panose="02020603050405020304" pitchFamily="18" charset="0"/>
+                      </a:endParaRPr>
+                    </a:p>
+                  </a:txBody>
+                  <a:tcPr anchor="ctr">
+                    <a:noFill/>
+                  </a:tcPr>
+                </a:tc>
+                <a:tc>
+                  <a:txBody>
+                    <a:bodyPr/>
+                    <a:lstStyle/>
+                    <a:p>
+                      <a:pPr marL="0" algn="ctr" defTabSz="914400" rtl="0" eaLnBrk="1" latinLnBrk="0" hangingPunct="1"/>
+                      <a:r>
+                        <a:rPr lang="en-US" altLang="zh-CN" sz="1400" b="0" kern="1200" dirty="0">
+                          <a:solidFill>
+                            <a:schemeClr val="dk1"/>
+                          </a:solidFill>
+                          <a:latin typeface="Times New Roman" panose="02020603050405020304" pitchFamily="18" charset="0"/>
+                          <a:ea typeface="华文中宋" panose="02010600040101010101" pitchFamily="2" charset="-122"/>
+                          <a:cs typeface="Times New Roman" panose="02020603050405020304" pitchFamily="18" charset="0"/>
+                        </a:rPr>
+                        <a:t>2111408</a:t>
+                      </a:r>
+                      <a:endParaRPr lang="zh-CN" altLang="en-US" sz="1400" b="0" kern="1200" dirty="0">
+                        <a:solidFill>
+                          <a:schemeClr val="dk1"/>
+                        </a:solidFill>
+                        <a:latin typeface="Times New Roman" panose="02020603050405020304" pitchFamily="18" charset="0"/>
+                        <a:ea typeface="华文中宋" panose="02010600040101010101" pitchFamily="2" charset="-122"/>
+                        <a:cs typeface="Times New Roman" panose="02020603050405020304" pitchFamily="18" charset="0"/>
+                      </a:endParaRPr>
+                    </a:p>
+                  </a:txBody>
+                  <a:tcPr anchor="ctr">
+                    <a:noFill/>
+                  </a:tcPr>
+                </a:tc>
+                <a:tc>
+                  <a:txBody>
+                    <a:bodyPr/>
+                    <a:lstStyle/>
+                    <a:p>
+                      <a:pPr marL="0" algn="ctr" defTabSz="914400" rtl="0" eaLnBrk="1" latinLnBrk="0" hangingPunct="1"/>
+                      <a:r>
+                        <a:rPr lang="en-US" altLang="zh-CN" sz="1400" b="0" kern="1200" dirty="0">
+                          <a:solidFill>
+                            <a:schemeClr val="dk1"/>
+                          </a:solidFill>
+                          <a:latin typeface="Times New Roman" panose="02020603050405020304" pitchFamily="18" charset="0"/>
+                          <a:ea typeface="华文中宋" panose="02010600040101010101" pitchFamily="2" charset="-122"/>
+                          <a:cs typeface="Times New Roman" panose="02020603050405020304" pitchFamily="18" charset="0"/>
+                        </a:rPr>
+                        <a:t>Information Security</a:t>
+                      </a:r>
+                      <a:endParaRPr lang="zh-CN" altLang="en-US" sz="1400" b="0" kern="1200" dirty="0">
+                        <a:solidFill>
+                          <a:schemeClr val="dk1"/>
+                        </a:solidFill>
+                        <a:latin typeface="Times New Roman" panose="02020603050405020304" pitchFamily="18" charset="0"/>
+                        <a:ea typeface="华文中宋" panose="02010600040101010101" pitchFamily="2" charset="-122"/>
+                        <a:cs typeface="Times New Roman" panose="02020603050405020304" pitchFamily="18" charset="0"/>
+                      </a:endParaRPr>
+                    </a:p>
+                  </a:txBody>
+                  <a:tcPr anchor="ctr">
+                    <a:noFill/>
+                  </a:tcPr>
+                </a:tc>
+                <a:extLst>
+                  <a:ext uri="{0D108BD9-81ED-4DB2-BD59-A6C34878D82A}">
+                    <a16:rowId xmlns:a16="http://schemas.microsoft.com/office/drawing/2014/main" val="1747075956"/>
+                  </a:ext>
+                </a:extLst>
+              </a:tr>
+              <a:tr h="281174">
+                <a:tc>
+                  <a:txBody>
+                    <a:bodyPr/>
+                    <a:lstStyle/>
+                    <a:p>
+                      <a:pPr marL="0" algn="ctr" defTabSz="914400" rtl="0" eaLnBrk="1" latinLnBrk="0" hangingPunct="1"/>
+                      <a:r>
+                        <a:rPr lang="en-US" altLang="zh-CN" sz="1400" b="0" kern="1200" dirty="0" err="1">
+                          <a:solidFill>
+                            <a:schemeClr val="dk1"/>
+                          </a:solidFill>
+                          <a:latin typeface="Times New Roman" panose="02020603050405020304" pitchFamily="18" charset="0"/>
+                          <a:ea typeface="华文中宋" panose="02010600040101010101" pitchFamily="2" charset="-122"/>
+                          <a:cs typeface="Times New Roman" panose="02020603050405020304" pitchFamily="18" charset="0"/>
+                        </a:rPr>
+                        <a:t>Mingjie</a:t>
+                      </a:r>
+                      <a:r>
+                        <a:rPr lang="en-US" altLang="zh-CN" sz="1400" b="0" kern="1200" dirty="0">
+                          <a:solidFill>
+                            <a:schemeClr val="dk1"/>
+                          </a:solidFill>
+                          <a:latin typeface="Times New Roman" panose="02020603050405020304" pitchFamily="18" charset="0"/>
+                          <a:ea typeface="华文中宋" panose="02010600040101010101" pitchFamily="2" charset="-122"/>
+                          <a:cs typeface="Times New Roman" panose="02020603050405020304" pitchFamily="18" charset="0"/>
+                        </a:rPr>
+                        <a:t> Qi</a:t>
+                      </a:r>
+                      <a:endParaRPr lang="zh-CN" altLang="en-US" sz="1400" b="0" kern="1200" dirty="0">
+                        <a:solidFill>
+                          <a:schemeClr val="dk1"/>
+                        </a:solidFill>
+                        <a:latin typeface="Times New Roman" panose="02020603050405020304" pitchFamily="18" charset="0"/>
+                        <a:ea typeface="华文中宋" panose="02010600040101010101" pitchFamily="2" charset="-122"/>
+                        <a:cs typeface="Times New Roman" panose="02020603050405020304" pitchFamily="18" charset="0"/>
+                      </a:endParaRPr>
+                    </a:p>
+                  </a:txBody>
+                  <a:tcPr anchor="ctr">
+                    <a:noFill/>
+                  </a:tcPr>
+                </a:tc>
+                <a:tc>
+                  <a:txBody>
+                    <a:bodyPr/>
+                    <a:lstStyle/>
+                    <a:p>
+                      <a:pPr marL="0" algn="ctr" defTabSz="914400" rtl="0" eaLnBrk="1" latinLnBrk="0" hangingPunct="1"/>
+                      <a:r>
+                        <a:rPr lang="en-US" altLang="zh-CN" sz="1400" b="0" kern="1200" dirty="0">
+                          <a:solidFill>
+                            <a:schemeClr val="dk1"/>
+                          </a:solidFill>
+                          <a:latin typeface="Times New Roman" panose="02020603050405020304" pitchFamily="18" charset="0"/>
+                          <a:ea typeface="华文中宋" panose="02010600040101010101" pitchFamily="2" charset="-122"/>
+                          <a:cs typeface="Times New Roman" panose="02020603050405020304" pitchFamily="18" charset="0"/>
+                        </a:rPr>
+                        <a:t>2113997</a:t>
+                      </a:r>
+                    </a:p>
+                  </a:txBody>
+                  <a:tcPr anchor="ctr">
+                    <a:noFill/>
+                  </a:tcPr>
+                </a:tc>
+                <a:tc>
+                  <a:txBody>
+                    <a:bodyPr/>
+                    <a:lstStyle/>
+                    <a:p>
+                      <a:pPr marL="0" algn="ctr" defTabSz="914400" rtl="0" eaLnBrk="1" latinLnBrk="0" hangingPunct="1"/>
+                      <a:r>
+                        <a:rPr lang="en-US" altLang="zh-CN" sz="1400" b="0" kern="1200" dirty="0">
+                          <a:solidFill>
+                            <a:schemeClr val="dk1"/>
+                          </a:solidFill>
+                          <a:latin typeface="Times New Roman" panose="02020603050405020304" pitchFamily="18" charset="0"/>
+                          <a:ea typeface="华文中宋" panose="02010600040101010101" pitchFamily="2" charset="-122"/>
+                          <a:cs typeface="Times New Roman" panose="02020603050405020304" pitchFamily="18" charset="0"/>
+                        </a:rPr>
+                        <a:t>Information Security</a:t>
+                      </a:r>
+                      <a:endParaRPr lang="zh-CN" altLang="en-US" sz="1400" b="0" kern="1200" dirty="0">
+                        <a:solidFill>
+                          <a:schemeClr val="dk1"/>
+                        </a:solidFill>
+                        <a:latin typeface="Times New Roman" panose="02020603050405020304" pitchFamily="18" charset="0"/>
+                        <a:ea typeface="华文中宋" panose="02010600040101010101" pitchFamily="2" charset="-122"/>
+                        <a:cs typeface="Times New Roman" panose="02020603050405020304" pitchFamily="18" charset="0"/>
+                      </a:endParaRPr>
+                    </a:p>
+                  </a:txBody>
+                  <a:tcPr anchor="ctr">
+                    <a:noFill/>
+                  </a:tcPr>
+                </a:tc>
+                <a:extLst>
+                  <a:ext uri="{0D108BD9-81ED-4DB2-BD59-A6C34878D82A}">
+                    <a16:rowId xmlns:a16="http://schemas.microsoft.com/office/drawing/2014/main" val="587174579"/>
+                  </a:ext>
+                </a:extLst>
+              </a:tr>
+              <a:tr h="281174">
+                <a:tc>
+                  <a:txBody>
+                    <a:bodyPr/>
+                    <a:lstStyle/>
+                    <a:p>
+                      <a:pPr marL="0" algn="ctr" defTabSz="914400" rtl="0" eaLnBrk="1" latinLnBrk="0" hangingPunct="1"/>
+                      <a:r>
+                        <a:rPr lang="en-US" altLang="zh-CN" sz="1400" b="0" kern="1200" dirty="0" err="1">
+                          <a:solidFill>
+                            <a:schemeClr val="dk1"/>
+                          </a:solidFill>
+                          <a:latin typeface="Times New Roman" panose="02020603050405020304" pitchFamily="18" charset="0"/>
+                          <a:ea typeface="华文中宋" panose="02010600040101010101" pitchFamily="2" charset="-122"/>
+                          <a:cs typeface="Times New Roman" panose="02020603050405020304" pitchFamily="18" charset="0"/>
+                          <a:sym typeface="+mn-ea"/>
+                        </a:rPr>
+                        <a:t>Xiaoyang</a:t>
+                      </a:r>
+                      <a:r>
+                        <a:rPr lang="zh-CN" altLang="en-US" sz="1400" b="0" kern="1200" dirty="0">
+                          <a:solidFill>
+                            <a:schemeClr val="dk1"/>
+                          </a:solidFill>
+                          <a:latin typeface="Times New Roman" panose="02020603050405020304" pitchFamily="18" charset="0"/>
+                          <a:ea typeface="华文中宋" panose="02010600040101010101" pitchFamily="2" charset="-122"/>
+                          <a:cs typeface="Times New Roman" panose="02020603050405020304" pitchFamily="18" charset="0"/>
+                          <a:sym typeface="+mn-ea"/>
+                        </a:rPr>
+                        <a:t> </a:t>
+                      </a:r>
+                      <a:r>
+                        <a:rPr lang="en-US" altLang="zh-CN" sz="1400" b="0" kern="1200" dirty="0">
+                          <a:solidFill>
+                            <a:schemeClr val="dk1"/>
+                          </a:solidFill>
+                          <a:latin typeface="Times New Roman" panose="02020603050405020304" pitchFamily="18" charset="0"/>
+                          <a:ea typeface="华文中宋" panose="02010600040101010101" pitchFamily="2" charset="-122"/>
+                          <a:cs typeface="Times New Roman" panose="02020603050405020304" pitchFamily="18" charset="0"/>
+                          <a:sym typeface="+mn-ea"/>
+                        </a:rPr>
+                        <a:t>Ji</a:t>
+                      </a:r>
+                      <a:endParaRPr lang="zh-CN" altLang="en-US" sz="1400" b="0" kern="1200" dirty="0">
+                        <a:solidFill>
+                          <a:schemeClr val="dk1"/>
+                        </a:solidFill>
+                        <a:latin typeface="Times New Roman" panose="02020603050405020304" pitchFamily="18" charset="0"/>
+                        <a:ea typeface="华文中宋" panose="02010600040101010101" pitchFamily="2" charset="-122"/>
+                        <a:cs typeface="Times New Roman" panose="02020603050405020304" pitchFamily="18" charset="0"/>
+                      </a:endParaRPr>
+                    </a:p>
+                  </a:txBody>
+                  <a:tcPr anchor="ctr">
+                    <a:noFill/>
+                  </a:tcPr>
+                </a:tc>
+                <a:tc>
+                  <a:txBody>
+                    <a:bodyPr/>
+                    <a:lstStyle/>
+                    <a:p>
+                      <a:pPr marL="0" algn="ctr" defTabSz="914400" rtl="0" eaLnBrk="1" latinLnBrk="0" hangingPunct="1"/>
+                      <a:r>
+                        <a:rPr lang="en-US" altLang="zh-CN" sz="1400" b="0" kern="1200" dirty="0">
+                          <a:solidFill>
+                            <a:schemeClr val="dk1"/>
+                          </a:solidFill>
+                          <a:latin typeface="Times New Roman" panose="02020603050405020304" pitchFamily="18" charset="0"/>
+                          <a:ea typeface="华文中宋" panose="02010600040101010101" pitchFamily="2" charset="-122"/>
+                          <a:cs typeface="Times New Roman" panose="02020603050405020304" pitchFamily="18" charset="0"/>
+                        </a:rPr>
+                        <a:t>2110611</a:t>
+                      </a:r>
+                      <a:endParaRPr lang="zh-CN" altLang="en-US" sz="1400" b="0" kern="1200" dirty="0">
+                        <a:solidFill>
+                          <a:schemeClr val="dk1"/>
+                        </a:solidFill>
+                        <a:latin typeface="Times New Roman" panose="02020603050405020304" pitchFamily="18" charset="0"/>
+                        <a:ea typeface="华文中宋" panose="02010600040101010101" pitchFamily="2" charset="-122"/>
+                        <a:cs typeface="Times New Roman" panose="02020603050405020304" pitchFamily="18" charset="0"/>
+                      </a:endParaRPr>
+                    </a:p>
+                  </a:txBody>
+                  <a:tcPr anchor="ctr">
+                    <a:noFill/>
+                  </a:tcPr>
+                </a:tc>
+                <a:tc>
+                  <a:txBody>
+                    <a:bodyPr/>
+                    <a:lstStyle/>
+                    <a:p>
+                      <a:pPr marL="0" algn="ctr" defTabSz="914400" rtl="0" eaLnBrk="1" latinLnBrk="0" hangingPunct="1"/>
+                      <a:r>
+                        <a:rPr lang="en-US" altLang="zh-CN" sz="1400" b="0" kern="1200" dirty="0">
+                          <a:solidFill>
+                            <a:schemeClr val="dk1"/>
+                          </a:solidFill>
+                          <a:latin typeface="Times New Roman" panose="02020603050405020304" pitchFamily="18" charset="0"/>
+                          <a:ea typeface="华文中宋" panose="02010600040101010101" pitchFamily="2" charset="-122"/>
+                          <a:cs typeface="Times New Roman" panose="02020603050405020304" pitchFamily="18" charset="0"/>
+                          <a:sym typeface="+mn-ea"/>
+                        </a:rPr>
+                        <a:t>Cryptographic Science and Technology</a:t>
+                      </a:r>
+                      <a:endParaRPr lang="zh-CN" altLang="en-US" sz="1400" b="0" kern="1200" dirty="0">
+                        <a:solidFill>
+                          <a:schemeClr val="dk1"/>
+                        </a:solidFill>
+                        <a:latin typeface="Times New Roman" panose="02020603050405020304" pitchFamily="18" charset="0"/>
+                        <a:ea typeface="华文中宋" panose="02010600040101010101" pitchFamily="2" charset="-122"/>
+                        <a:cs typeface="Times New Roman" panose="02020603050405020304" pitchFamily="18" charset="0"/>
+                      </a:endParaRPr>
+                    </a:p>
+                  </a:txBody>
+                  <a:tcPr anchor="ctr">
+                    <a:noFill/>
+                  </a:tcPr>
+                </a:tc>
+                <a:extLst>
+                  <a:ext uri="{0D108BD9-81ED-4DB2-BD59-A6C34878D82A}">
+                    <a16:rowId xmlns:a16="http://schemas.microsoft.com/office/drawing/2014/main" val="3851097379"/>
+                  </a:ext>
+                </a:extLst>
+              </a:tr>
+            </a:tbl>
+          </a:graphicData>
+        </a:graphic>
+      </p:graphicFrame>
+    </p:spTree>
+  </p:cSld>
+  <p:clrMapOvr>
+    <a:masterClrMapping/>
+  </p:clrMapOvr>
+</p:sld>
+</file>
+
 <file path=ppt/slides/slide3.xml><?xml version="1.0" encoding="utf-8"?>
 <p:sld xmlns:a="http://schemas.openxmlformats.org/drawingml/2006/main" xmlns:r="http://schemas.openxmlformats.org/officeDocument/2006/relationships" xmlns:p="http://schemas.openxmlformats.org/presentationml/2006/main">
   <p:cSld>
@@ -9555,6 +11904,54 @@
             </a:r>
           </a:p>
           <a:p>
+            <a:pPr marL="1371600" lvl="2" indent="-457200">
+              <a:lnSpc>
+                <a:spcPct val="150000"/>
+              </a:lnSpc>
+              <a:buFont typeface="Arial" panose="020B0604020202020204" pitchFamily="34" charset="0"/>
+              <a:buChar char="•"/>
+            </a:pPr>
+            <a:r>
+              <a:rPr lang="en-US" altLang="zh-CN" sz="2000" dirty="0">
+                <a:latin typeface="华文中宋" panose="02010600040101010101" pitchFamily="2" charset="-122"/>
+                <a:ea typeface="华文中宋" panose="02010600040101010101" pitchFamily="2" charset="-122"/>
+              </a:rPr>
+              <a:t>employ the context of private information as the input to the language model</a:t>
+            </a:r>
+          </a:p>
+          <a:p>
+            <a:pPr marL="1371600" lvl="2" indent="-457200">
+              <a:lnSpc>
+                <a:spcPct val="150000"/>
+              </a:lnSpc>
+              <a:buFont typeface="Arial" panose="020B0604020202020204" pitchFamily="34" charset="0"/>
+              <a:buChar char="•"/>
+            </a:pPr>
+            <a:r>
+              <a:rPr lang="en-US" altLang="zh-CN" sz="2000" dirty="0">
+                <a:latin typeface="华文中宋" panose="02010600040101010101" pitchFamily="2" charset="-122"/>
+                <a:ea typeface="华文中宋" panose="02010600040101010101" pitchFamily="2" charset="-122"/>
+              </a:rPr>
+              <a:t>calculate the risk of private information leakage</a:t>
+            </a:r>
+          </a:p>
+          <a:p>
+            <a:pPr marL="1371600" lvl="2" indent="-457200">
+              <a:lnSpc>
+                <a:spcPct val="150000"/>
+              </a:lnSpc>
+              <a:buFont typeface="Arial" panose="020B0604020202020204" pitchFamily="34" charset="0"/>
+              <a:buChar char="•"/>
+            </a:pPr>
+            <a:r>
+              <a:rPr lang="en-US" altLang="zh-CN" sz="2000" dirty="0">
+                <a:latin typeface="华文中宋" panose="02010600040101010101" pitchFamily="2" charset="-122"/>
+                <a:ea typeface="华文中宋" panose="02010600040101010101" pitchFamily="2" charset="-122"/>
+              </a:rPr>
+              <a:t>classify the information with a leakage risk exceeding predefined thresholds as having been memorized by the language model</a:t>
+            </a:r>
+          </a:p>
+          <a:p>
             <a:pPr marL="914400" lvl="1" indent="-457200">
               <a:lnSpc>
                 <a:spcPct val="150000"/>
@@ -9568,73 +11965,6 @@
                 <a:ea typeface="华文中宋" panose="02010600040101010101" pitchFamily="2" charset="-122"/>
               </a:rPr>
               <a:t>Sensitive information leakage</a:t>
-            </a:r>
-          </a:p>
-          <a:p>
-            <a:pPr marL="457200" indent="-457200">
-              <a:lnSpc>
-                <a:spcPct val="150000"/>
-              </a:lnSpc>
-              <a:buFont typeface="Arial" panose="020B0604020202020204" pitchFamily="34" charset="0"/>
-              <a:buChar char="•"/>
-            </a:pPr>
-            <a:r>
-              <a:rPr lang="en-US" altLang="zh-CN" sz="2400" b="1" dirty="0">
-                <a:solidFill>
-                  <a:srgbClr val="802258"/>
-                </a:solidFill>
-                <a:latin typeface="华文中宋" panose="02010600040101010101" pitchFamily="2" charset="-122"/>
-                <a:ea typeface="华文中宋" panose="02010600040101010101" pitchFamily="2" charset="-122"/>
-              </a:rPr>
-              <a:t>Privacy Risks</a:t>
-            </a:r>
-          </a:p>
-          <a:p>
-            <a:pPr marL="914400" lvl="1" indent="-457200">
-              <a:lnSpc>
-                <a:spcPct val="150000"/>
-              </a:lnSpc>
-              <a:buFont typeface="Arial" panose="020B0604020202020204" pitchFamily="34" charset="0"/>
-              <a:buChar char="•"/>
-            </a:pPr>
-            <a:r>
-              <a:rPr lang="en-US" altLang="zh-CN" sz="2000" dirty="0">
-                <a:latin typeface="华文中宋" panose="02010600040101010101" pitchFamily="2" charset="-122"/>
-                <a:ea typeface="华文中宋" panose="02010600040101010101" pitchFamily="2" charset="-122"/>
-              </a:rPr>
-              <a:t>Extracting personal info from outputs</a:t>
-            </a:r>
-          </a:p>
-          <a:p>
-            <a:pPr marL="914400" lvl="1" indent="-457200">
-              <a:lnSpc>
-                <a:spcPct val="150000"/>
-              </a:lnSpc>
-              <a:buFont typeface="Arial" panose="020B0604020202020204" pitchFamily="34" charset="0"/>
-              <a:buChar char="•"/>
-            </a:pPr>
-            <a:r>
-              <a:rPr lang="en-US" altLang="zh-CN" sz="2000" dirty="0">
-                <a:latin typeface="华文中宋" panose="02010600040101010101" pitchFamily="2" charset="-122"/>
-                <a:ea typeface="华文中宋" panose="02010600040101010101" pitchFamily="2" charset="-122"/>
-              </a:rPr>
-              <a:t>Inducing generation of personal info</a:t>
-            </a:r>
-          </a:p>
-          <a:p>
-            <a:pPr marL="914400" lvl="1" indent="-457200">
-              <a:lnSpc>
-                <a:spcPct val="150000"/>
-              </a:lnSpc>
-              <a:buFont typeface="Arial" panose="020B0604020202020204" pitchFamily="34" charset="0"/>
-              <a:buChar char="•"/>
-            </a:pPr>
-            <a:r>
-              <a:rPr lang="en-US" altLang="zh-CN" sz="2000" dirty="0">
-                <a:latin typeface="华文中宋" panose="02010600040101010101" pitchFamily="2" charset="-122"/>
-                <a:ea typeface="华文中宋" panose="02010600040101010101" pitchFamily="2" charset="-122"/>
-              </a:rPr>
-              <a:t>Training data memorization</a:t>
             </a:r>
           </a:p>
         </p:txBody>
@@ -9729,7 +12059,7 @@
                 <a:latin typeface="华文中宋" panose="02010600040101010101" pitchFamily="2" charset="-122"/>
                 <a:ea typeface="华文中宋" panose="02010600040101010101" pitchFamily="2" charset="-122"/>
               </a:rPr>
-              <a:t>Existing Methods</a:t>
+              <a:t>Privacy Risks</a:t>
             </a:r>
           </a:p>
           <a:p>
@@ -9745,7 +12075,7 @@
                 <a:latin typeface="华文中宋" panose="02010600040101010101" pitchFamily="2" charset="-122"/>
                 <a:ea typeface="华文中宋" panose="02010600040101010101" pitchFamily="2" charset="-122"/>
               </a:rPr>
-              <a:t>Data processing stage: remove sensitive info</a:t>
+              <a:t>Extracting personal info from outputs</a:t>
             </a:r>
           </a:p>
           <a:p>
@@ -9761,7 +12091,7 @@
                 <a:latin typeface="华文中宋" panose="02010600040101010101" pitchFamily="2" charset="-122"/>
                 <a:ea typeface="华文中宋" panose="02010600040101010101" pitchFamily="2" charset="-122"/>
               </a:rPr>
-              <a:t>Training stage: differential privacy, adversarial training</a:t>
+              <a:t>Inducing generation of personal info</a:t>
             </a:r>
           </a:p>
           <a:p>
@@ -9777,7 +12107,7 @@
                 <a:latin typeface="华文中宋" panose="02010600040101010101" pitchFamily="2" charset="-122"/>
                 <a:ea typeface="华文中宋" panose="02010600040101010101" pitchFamily="2" charset="-122"/>
               </a:rPr>
-              <a:t>Post-processing stage: parameter retraining, keyword filtering</a:t>
+              <a:t>Training data memorization</a:t>
             </a:r>
           </a:p>
           <a:p>
@@ -9796,7 +12126,7 @@
                 <a:latin typeface="华文中宋" panose="02010600040101010101" pitchFamily="2" charset="-122"/>
                 <a:ea typeface="华文中宋" panose="02010600040101010101" pitchFamily="2" charset="-122"/>
               </a:rPr>
-              <a:t>Limitations</a:t>
+              <a:t>Existing Methods</a:t>
             </a:r>
           </a:p>
           <a:p>
@@ -9812,7 +12142,7 @@
                 <a:latin typeface="华文中宋" panose="02010600040101010101" pitchFamily="2" charset="-122"/>
                 <a:ea typeface="华文中宋" panose="02010600040101010101" pitchFamily="2" charset="-122"/>
               </a:rPr>
-              <a:t>High computational cost</a:t>
+              <a:t>Data processing stage: remove sensitive info</a:t>
             </a:r>
           </a:p>
           <a:p>
@@ -9828,15 +12158,93 @@
                 <a:latin typeface="华文中宋" panose="02010600040101010101" pitchFamily="2" charset="-122"/>
                 <a:ea typeface="华文中宋" panose="02010600040101010101" pitchFamily="2" charset="-122"/>
               </a:rPr>
+              <a:t>Training stage: differential privacy, adversarial training</a:t>
+            </a:r>
+          </a:p>
+          <a:p>
+            <a:pPr marL="914400" lvl="1" indent="-457200">
+              <a:lnSpc>
+                <a:spcPct val="150000"/>
+              </a:lnSpc>
+              <a:buFont typeface="Arial" panose="020B0604020202020204" pitchFamily="34" charset="0"/>
+              <a:buChar char="•"/>
+            </a:pPr>
+            <a:r>
+              <a:rPr lang="en-US" altLang="zh-CN" sz="2000" dirty="0">
+                <a:latin typeface="华文中宋" panose="02010600040101010101" pitchFamily="2" charset="-122"/>
+                <a:ea typeface="华文中宋" panose="02010600040101010101" pitchFamily="2" charset="-122"/>
+              </a:rPr>
+              <a:t>Post-processing stage: parameter retraining, keyword filtering</a:t>
+            </a:r>
+          </a:p>
+          <a:p>
+            <a:pPr marL="457200" indent="-457200">
+              <a:lnSpc>
+                <a:spcPct val="150000"/>
+              </a:lnSpc>
+              <a:buFont typeface="Arial" panose="020B0604020202020204" pitchFamily="34" charset="0"/>
+              <a:buChar char="•"/>
+            </a:pPr>
+            <a:r>
+              <a:rPr lang="en-US" altLang="zh-CN" sz="2400" b="1" dirty="0">
+                <a:solidFill>
+                  <a:srgbClr val="802258"/>
+                </a:solidFill>
+                <a:latin typeface="华文中宋" panose="02010600040101010101" pitchFamily="2" charset="-122"/>
+                <a:ea typeface="华文中宋" panose="02010600040101010101" pitchFamily="2" charset="-122"/>
+              </a:rPr>
+              <a:t>Limitations</a:t>
+            </a:r>
+          </a:p>
+          <a:p>
+            <a:pPr marL="914400" lvl="1" indent="-457200">
+              <a:lnSpc>
+                <a:spcPct val="150000"/>
+              </a:lnSpc>
+              <a:buFont typeface="Arial" panose="020B0604020202020204" pitchFamily="34" charset="0"/>
+              <a:buChar char="•"/>
+            </a:pPr>
+            <a:r>
+              <a:rPr lang="en-US" altLang="zh-CN" sz="2000" dirty="0">
+                <a:latin typeface="华文中宋" panose="02010600040101010101" pitchFamily="2" charset="-122"/>
+                <a:ea typeface="华文中宋" panose="02010600040101010101" pitchFamily="2" charset="-122"/>
+              </a:rPr>
+              <a:t>High computational cost</a:t>
+            </a:r>
+          </a:p>
+          <a:p>
+            <a:pPr marL="914400" lvl="1" indent="-457200">
+              <a:lnSpc>
+                <a:spcPct val="150000"/>
+              </a:lnSpc>
+              <a:buFont typeface="Arial" panose="020B0604020202020204" pitchFamily="34" charset="0"/>
+              <a:buChar char="•"/>
+            </a:pPr>
+            <a:r>
+              <a:rPr lang="en-US" altLang="zh-CN" sz="2000" dirty="0">
+                <a:latin typeface="华文中宋" panose="02010600040101010101" pitchFamily="2" charset="-122"/>
+                <a:ea typeface="华文中宋" panose="02010600040101010101" pitchFamily="2" charset="-122"/>
+              </a:rPr>
               <a:t>Ineffectiveness post-training</a:t>
             </a:r>
+          </a:p>
+          <a:p>
+            <a:pPr>
+              <a:lnSpc>
+                <a:spcPct val="150000"/>
+              </a:lnSpc>
+            </a:pPr>
+            <a:endParaRPr lang="en-US" altLang="zh-CN" sz="2000" dirty="0">
+              <a:latin typeface="华文中宋" panose="02010600040101010101" pitchFamily="2" charset="-122"/>
+              <a:ea typeface="华文中宋" panose="02010600040101010101" pitchFamily="2" charset="-122"/>
+            </a:endParaRPr>
           </a:p>
         </p:txBody>
       </p:sp>
     </p:spTree>
     <p:extLst>
       <p:ext uri="{BB962C8B-B14F-4D97-AF65-F5344CB8AC3E}">
-        <p14:creationId xmlns:p14="http://schemas.microsoft.com/office/powerpoint/2010/main" val="283925298"/>
+        <p14:creationId xmlns:p14="http://schemas.microsoft.com/office/powerpoint/2010/main" val="2419002450"/>
       </p:ext>
     </p:extLst>
   </p:cSld>

--- a/lab7/report/slides.pptx
+++ b/lab7/report/slides.pptx
@@ -5,41 +5,42 @@
     <p:sldMasterId id="2147483648" r:id="rId1"/>
   </p:sldMasterIdLst>
   <p:notesMasterIdLst>
-    <p:notesMasterId r:id="rId29"/>
+    <p:notesMasterId r:id="rId4"/>
   </p:notesMasterIdLst>
   <p:sldIdLst>
-    <p:sldId id="256" r:id="rId2"/>
-    <p:sldId id="440" r:id="rId3"/>
-    <p:sldId id="441" r:id="rId4"/>
-    <p:sldId id="472" r:id="rId5"/>
-    <p:sldId id="447" r:id="rId6"/>
-    <p:sldId id="448" r:id="rId7"/>
-    <p:sldId id="451" r:id="rId8"/>
-    <p:sldId id="452" r:id="rId9"/>
-    <p:sldId id="449" r:id="rId10"/>
-    <p:sldId id="453" r:id="rId11"/>
-    <p:sldId id="456" r:id="rId12"/>
-    <p:sldId id="457" r:id="rId13"/>
-    <p:sldId id="458" r:id="rId14"/>
-    <p:sldId id="459" r:id="rId15"/>
-    <p:sldId id="471" r:id="rId16"/>
-    <p:sldId id="460" r:id="rId17"/>
-    <p:sldId id="461" r:id="rId18"/>
-    <p:sldId id="473" r:id="rId19"/>
-    <p:sldId id="462" r:id="rId20"/>
-    <p:sldId id="470" r:id="rId21"/>
-    <p:sldId id="464" r:id="rId22"/>
-    <p:sldId id="465" r:id="rId23"/>
-    <p:sldId id="466" r:id="rId24"/>
-    <p:sldId id="467" r:id="rId25"/>
-    <p:sldId id="468" r:id="rId26"/>
-    <p:sldId id="469" r:id="rId27"/>
-    <p:sldId id="328" r:id="rId28"/>
+    <p:sldId id="256" r:id="rId3"/>
+    <p:sldId id="440" r:id="rId5"/>
+    <p:sldId id="441" r:id="rId6"/>
+    <p:sldId id="472" r:id="rId7"/>
+    <p:sldId id="447" r:id="rId8"/>
+    <p:sldId id="448" r:id="rId9"/>
+    <p:sldId id="451" r:id="rId10"/>
+    <p:sldId id="452" r:id="rId11"/>
+    <p:sldId id="449" r:id="rId12"/>
+    <p:sldId id="453" r:id="rId13"/>
+    <p:sldId id="496" r:id="rId14"/>
+    <p:sldId id="456" r:id="rId15"/>
+    <p:sldId id="457" r:id="rId16"/>
+    <p:sldId id="458" r:id="rId17"/>
+    <p:sldId id="459" r:id="rId18"/>
+    <p:sldId id="471" r:id="rId19"/>
+    <p:sldId id="460" r:id="rId20"/>
+    <p:sldId id="461" r:id="rId21"/>
+    <p:sldId id="473" r:id="rId22"/>
+    <p:sldId id="462" r:id="rId23"/>
+    <p:sldId id="470" r:id="rId24"/>
+    <p:sldId id="464" r:id="rId25"/>
+    <p:sldId id="465" r:id="rId26"/>
+    <p:sldId id="466" r:id="rId27"/>
+    <p:sldId id="467" r:id="rId28"/>
+    <p:sldId id="468" r:id="rId29"/>
+    <p:sldId id="469" r:id="rId30"/>
+    <p:sldId id="328" r:id="rId31"/>
   </p:sldIdLst>
   <p:sldSz cx="12192000" cy="6858000"/>
   <p:notesSz cx="6858000" cy="9144000"/>
   <p:custDataLst>
-    <p:tags r:id="rId30"/>
+    <p:tags r:id="rId35"/>
   </p:custDataLst>
   <p:defaultTextStyle>
     <a:defPPr>
@@ -136,22 +137,6 @@
       </a:defRPr>
     </a:lvl9pPr>
   </p:defaultTextStyle>
-  <p:extLst>
-    <p:ext uri="{EFAFB233-063F-42B5-8137-9DF3F51BA10A}">
-      <p15:sldGuideLst xmlns:p15="http://schemas.microsoft.com/office/powerpoint/2012/main">
-        <p15:guide id="1" orient="horz" pos="2160" userDrawn="1">
-          <p15:clr>
-            <a:srgbClr val="A4A3A4"/>
-          </p15:clr>
-        </p15:guide>
-        <p15:guide id="2" pos="3839" userDrawn="1">
-          <p15:clr>
-            <a:srgbClr val="A4A3A4"/>
-          </p15:clr>
-        </p15:guide>
-      </p15:sldGuideLst>
-    </p:ext>
-  </p:extLst>
 </p:presentation>
 </file>
 
@@ -237,7 +222,6 @@
           <a:p>
             <a:fld id="{F93F4940-F995-4833-9F27-C67385BAD60D}" type="datetimeFigureOut">
               <a:rPr lang="zh-CN" altLang="en-US" smtClean="0"/>
-              <a:t>2024/5/21</a:t>
             </a:fld>
             <a:endParaRPr lang="zh-CN" altLang="en-US"/>
           </a:p>
@@ -304,6 +288,7 @@
               <a:rPr lang="zh-CN" altLang="en-US"/>
               <a:t>单击此处编辑母版文本样式</a:t>
             </a:r>
+            <a:endParaRPr lang="zh-CN" altLang="en-US"/>
           </a:p>
           <a:p>
             <a:pPr lvl="1"/>
@@ -311,6 +296,7 @@
               <a:rPr lang="zh-CN" altLang="en-US"/>
               <a:t>二级</a:t>
             </a:r>
+            <a:endParaRPr lang="zh-CN" altLang="en-US"/>
           </a:p>
           <a:p>
             <a:pPr lvl="2"/>
@@ -318,6 +304,7 @@
               <a:rPr lang="zh-CN" altLang="en-US"/>
               <a:t>三级</a:t>
             </a:r>
+            <a:endParaRPr lang="zh-CN" altLang="en-US"/>
           </a:p>
           <a:p>
             <a:pPr lvl="3"/>
@@ -325,6 +312,7 @@
               <a:rPr lang="zh-CN" altLang="en-US"/>
               <a:t>四级</a:t>
             </a:r>
+            <a:endParaRPr lang="zh-CN" altLang="en-US"/>
           </a:p>
           <a:p>
             <a:pPr lvl="4"/>
@@ -332,6 +320,7 @@
               <a:rPr lang="zh-CN" altLang="en-US"/>
               <a:t>五级</a:t>
             </a:r>
+            <a:endParaRPr lang="zh-CN" altLang="en-US"/>
           </a:p>
         </p:txBody>
       </p:sp>
@@ -395,7 +384,6 @@
           <a:p>
             <a:fld id="{6EDC296E-2C0A-4FFE-AF18-6ACF9EA98876}" type="slidenum">
               <a:rPr lang="zh-CN" altLang="en-US" smtClean="0"/>
-              <a:t>‹#›</a:t>
             </a:fld>
             <a:endParaRPr lang="zh-CN" altLang="en-US"/>
           </a:p>
@@ -564,7 +552,6 @@
           <a:p>
             <a:fld id="{6EDC296E-2C0A-4FFE-AF18-6ACF9EA98876}" type="slidenum">
               <a:rPr lang="zh-CN" altLang="en-US" smtClean="0"/>
-              <a:t>1</a:t>
             </a:fld>
             <a:endParaRPr lang="zh-CN" altLang="en-US"/>
           </a:p>
@@ -643,18 +630,12 @@
           <a:p>
             <a:fld id="{6EDC296E-2C0A-4FFE-AF18-6ACF9EA98876}" type="slidenum">
               <a:rPr lang="zh-CN" altLang="en-US" smtClean="0"/>
-              <a:t>10</a:t>
             </a:fld>
             <a:endParaRPr lang="zh-CN" altLang="en-US"/>
           </a:p>
         </p:txBody>
       </p:sp>
     </p:spTree>
-    <p:extLst>
-      <p:ext uri="{BB962C8B-B14F-4D97-AF65-F5344CB8AC3E}">
-        <p14:creationId xmlns:p14="http://schemas.microsoft.com/office/powerpoint/2010/main" val="2382027364"/>
-      </p:ext>
-    </p:extLst>
   </p:cSld>
   <p:clrMapOvr>
     <a:masterClrMapping/>
@@ -727,18 +708,12 @@
           <a:p>
             <a:fld id="{6EDC296E-2C0A-4FFE-AF18-6ACF9EA98876}" type="slidenum">
               <a:rPr lang="zh-CN" altLang="en-US" smtClean="0"/>
-              <a:t>11</a:t>
             </a:fld>
             <a:endParaRPr lang="zh-CN" altLang="en-US"/>
           </a:p>
         </p:txBody>
       </p:sp>
     </p:spTree>
-    <p:extLst>
-      <p:ext uri="{BB962C8B-B14F-4D97-AF65-F5344CB8AC3E}">
-        <p14:creationId xmlns:p14="http://schemas.microsoft.com/office/powerpoint/2010/main" val="4082260163"/>
-      </p:ext>
-    </p:extLst>
   </p:cSld>
   <p:clrMapOvr>
     <a:masterClrMapping/>
@@ -811,18 +786,12 @@
           <a:p>
             <a:fld id="{6EDC296E-2C0A-4FFE-AF18-6ACF9EA98876}" type="slidenum">
               <a:rPr lang="zh-CN" altLang="en-US" smtClean="0"/>
-              <a:t>12</a:t>
             </a:fld>
             <a:endParaRPr lang="zh-CN" altLang="en-US"/>
           </a:p>
         </p:txBody>
       </p:sp>
     </p:spTree>
-    <p:extLst>
-      <p:ext uri="{BB962C8B-B14F-4D97-AF65-F5344CB8AC3E}">
-        <p14:creationId xmlns:p14="http://schemas.microsoft.com/office/powerpoint/2010/main" val="2441351392"/>
-      </p:ext>
-    </p:extLst>
   </p:cSld>
   <p:clrMapOvr>
     <a:masterClrMapping/>
@@ -895,18 +864,12 @@
           <a:p>
             <a:fld id="{6EDC296E-2C0A-4FFE-AF18-6ACF9EA98876}" type="slidenum">
               <a:rPr lang="zh-CN" altLang="en-US" smtClean="0"/>
-              <a:t>13</a:t>
             </a:fld>
             <a:endParaRPr lang="zh-CN" altLang="en-US"/>
           </a:p>
         </p:txBody>
       </p:sp>
     </p:spTree>
-    <p:extLst>
-      <p:ext uri="{BB962C8B-B14F-4D97-AF65-F5344CB8AC3E}">
-        <p14:creationId xmlns:p14="http://schemas.microsoft.com/office/powerpoint/2010/main" val="1715732589"/>
-      </p:ext>
-    </p:extLst>
   </p:cSld>
   <p:clrMapOvr>
     <a:masterClrMapping/>
@@ -979,18 +942,12 @@
           <a:p>
             <a:fld id="{6EDC296E-2C0A-4FFE-AF18-6ACF9EA98876}" type="slidenum">
               <a:rPr lang="zh-CN" altLang="en-US" smtClean="0"/>
-              <a:t>14</a:t>
             </a:fld>
             <a:endParaRPr lang="zh-CN" altLang="en-US"/>
           </a:p>
         </p:txBody>
       </p:sp>
     </p:spTree>
-    <p:extLst>
-      <p:ext uri="{BB962C8B-B14F-4D97-AF65-F5344CB8AC3E}">
-        <p14:creationId xmlns:p14="http://schemas.microsoft.com/office/powerpoint/2010/main" val="1311492494"/>
-      </p:ext>
-    </p:extLst>
   </p:cSld>
   <p:clrMapOvr>
     <a:masterClrMapping/>
@@ -1063,18 +1020,12 @@
           <a:p>
             <a:fld id="{6EDC296E-2C0A-4FFE-AF18-6ACF9EA98876}" type="slidenum">
               <a:rPr lang="zh-CN" altLang="en-US" smtClean="0"/>
-              <a:t>15</a:t>
             </a:fld>
             <a:endParaRPr lang="zh-CN" altLang="en-US"/>
           </a:p>
         </p:txBody>
       </p:sp>
     </p:spTree>
-    <p:extLst>
-      <p:ext uri="{BB962C8B-B14F-4D97-AF65-F5344CB8AC3E}">
-        <p14:creationId xmlns:p14="http://schemas.microsoft.com/office/powerpoint/2010/main" val="3045250131"/>
-      </p:ext>
-    </p:extLst>
   </p:cSld>
   <p:clrMapOvr>
     <a:masterClrMapping/>
@@ -1147,18 +1098,12 @@
           <a:p>
             <a:fld id="{6EDC296E-2C0A-4FFE-AF18-6ACF9EA98876}" type="slidenum">
               <a:rPr lang="zh-CN" altLang="en-US" smtClean="0"/>
-              <a:t>16</a:t>
             </a:fld>
             <a:endParaRPr lang="zh-CN" altLang="en-US"/>
           </a:p>
         </p:txBody>
       </p:sp>
     </p:spTree>
-    <p:extLst>
-      <p:ext uri="{BB962C8B-B14F-4D97-AF65-F5344CB8AC3E}">
-        <p14:creationId xmlns:p14="http://schemas.microsoft.com/office/powerpoint/2010/main" val="2876342032"/>
-      </p:ext>
-    </p:extLst>
   </p:cSld>
   <p:clrMapOvr>
     <a:masterClrMapping/>
@@ -1231,18 +1176,12 @@
           <a:p>
             <a:fld id="{6EDC296E-2C0A-4FFE-AF18-6ACF9EA98876}" type="slidenum">
               <a:rPr lang="zh-CN" altLang="en-US" smtClean="0"/>
-              <a:t>17</a:t>
             </a:fld>
             <a:endParaRPr lang="zh-CN" altLang="en-US"/>
           </a:p>
         </p:txBody>
       </p:sp>
     </p:spTree>
-    <p:extLst>
-      <p:ext uri="{BB962C8B-B14F-4D97-AF65-F5344CB8AC3E}">
-        <p14:creationId xmlns:p14="http://schemas.microsoft.com/office/powerpoint/2010/main" val="2964405578"/>
-      </p:ext>
-    </p:extLst>
   </p:cSld>
   <p:clrMapOvr>
     <a:masterClrMapping/>
@@ -1315,18 +1254,12 @@
           <a:p>
             <a:fld id="{6EDC296E-2C0A-4FFE-AF18-6ACF9EA98876}" type="slidenum">
               <a:rPr lang="zh-CN" altLang="en-US" smtClean="0"/>
-              <a:t>18</a:t>
             </a:fld>
             <a:endParaRPr lang="zh-CN" altLang="en-US"/>
           </a:p>
         </p:txBody>
       </p:sp>
     </p:spTree>
-    <p:extLst>
-      <p:ext uri="{BB962C8B-B14F-4D97-AF65-F5344CB8AC3E}">
-        <p14:creationId xmlns:p14="http://schemas.microsoft.com/office/powerpoint/2010/main" val="4028276679"/>
-      </p:ext>
-    </p:extLst>
   </p:cSld>
   <p:clrMapOvr>
     <a:masterClrMapping/>
@@ -1399,18 +1332,12 @@
           <a:p>
             <a:fld id="{6EDC296E-2C0A-4FFE-AF18-6ACF9EA98876}" type="slidenum">
               <a:rPr lang="zh-CN" altLang="en-US" smtClean="0"/>
-              <a:t>19</a:t>
             </a:fld>
             <a:endParaRPr lang="zh-CN" altLang="en-US"/>
           </a:p>
         </p:txBody>
       </p:sp>
     </p:spTree>
-    <p:extLst>
-      <p:ext uri="{BB962C8B-B14F-4D97-AF65-F5344CB8AC3E}">
-        <p14:creationId xmlns:p14="http://schemas.microsoft.com/office/powerpoint/2010/main" val="3733474807"/>
-      </p:ext>
-    </p:extLst>
   </p:cSld>
   <p:clrMapOvr>
     <a:masterClrMapping/>
@@ -1483,18 +1410,12 @@
           <a:p>
             <a:fld id="{6EDC296E-2C0A-4FFE-AF18-6ACF9EA98876}" type="slidenum">
               <a:rPr lang="zh-CN" altLang="en-US" smtClean="0"/>
-              <a:t>2</a:t>
             </a:fld>
             <a:endParaRPr lang="zh-CN" altLang="en-US"/>
           </a:p>
         </p:txBody>
       </p:sp>
     </p:spTree>
-    <p:extLst>
-      <p:ext uri="{BB962C8B-B14F-4D97-AF65-F5344CB8AC3E}">
-        <p14:creationId xmlns:p14="http://schemas.microsoft.com/office/powerpoint/2010/main" val="1115874086"/>
-      </p:ext>
-    </p:extLst>
   </p:cSld>
   <p:clrMapOvr>
     <a:masterClrMapping/>
@@ -1567,18 +1488,12 @@
           <a:p>
             <a:fld id="{6EDC296E-2C0A-4FFE-AF18-6ACF9EA98876}" type="slidenum">
               <a:rPr lang="zh-CN" altLang="en-US" smtClean="0"/>
-              <a:t>20</a:t>
             </a:fld>
             <a:endParaRPr lang="zh-CN" altLang="en-US"/>
           </a:p>
         </p:txBody>
       </p:sp>
     </p:spTree>
-    <p:extLst>
-      <p:ext uri="{BB962C8B-B14F-4D97-AF65-F5344CB8AC3E}">
-        <p14:creationId xmlns:p14="http://schemas.microsoft.com/office/powerpoint/2010/main" val="4021785300"/>
-      </p:ext>
-    </p:extLst>
   </p:cSld>
   <p:clrMapOvr>
     <a:masterClrMapping/>
@@ -1651,18 +1566,12 @@
           <a:p>
             <a:fld id="{6EDC296E-2C0A-4FFE-AF18-6ACF9EA98876}" type="slidenum">
               <a:rPr lang="zh-CN" altLang="en-US" smtClean="0"/>
-              <a:t>21</a:t>
             </a:fld>
             <a:endParaRPr lang="zh-CN" altLang="en-US"/>
           </a:p>
         </p:txBody>
       </p:sp>
     </p:spTree>
-    <p:extLst>
-      <p:ext uri="{BB962C8B-B14F-4D97-AF65-F5344CB8AC3E}">
-        <p14:creationId xmlns:p14="http://schemas.microsoft.com/office/powerpoint/2010/main" val="421350826"/>
-      </p:ext>
-    </p:extLst>
   </p:cSld>
   <p:clrMapOvr>
     <a:masterClrMapping/>
@@ -1735,18 +1644,12 @@
           <a:p>
             <a:fld id="{6EDC296E-2C0A-4FFE-AF18-6ACF9EA98876}" type="slidenum">
               <a:rPr lang="zh-CN" altLang="en-US" smtClean="0"/>
-              <a:t>22</a:t>
             </a:fld>
             <a:endParaRPr lang="zh-CN" altLang="en-US"/>
           </a:p>
         </p:txBody>
       </p:sp>
     </p:spTree>
-    <p:extLst>
-      <p:ext uri="{BB962C8B-B14F-4D97-AF65-F5344CB8AC3E}">
-        <p14:creationId xmlns:p14="http://schemas.microsoft.com/office/powerpoint/2010/main" val="3857180883"/>
-      </p:ext>
-    </p:extLst>
   </p:cSld>
   <p:clrMapOvr>
     <a:masterClrMapping/>
@@ -1819,18 +1722,12 @@
           <a:p>
             <a:fld id="{6EDC296E-2C0A-4FFE-AF18-6ACF9EA98876}" type="slidenum">
               <a:rPr lang="zh-CN" altLang="en-US" smtClean="0"/>
-              <a:t>23</a:t>
             </a:fld>
             <a:endParaRPr lang="zh-CN" altLang="en-US"/>
           </a:p>
         </p:txBody>
       </p:sp>
     </p:spTree>
-    <p:extLst>
-      <p:ext uri="{BB962C8B-B14F-4D97-AF65-F5344CB8AC3E}">
-        <p14:creationId xmlns:p14="http://schemas.microsoft.com/office/powerpoint/2010/main" val="1873994057"/>
-      </p:ext>
-    </p:extLst>
   </p:cSld>
   <p:clrMapOvr>
     <a:masterClrMapping/>
@@ -1903,18 +1800,12 @@
           <a:p>
             <a:fld id="{6EDC296E-2C0A-4FFE-AF18-6ACF9EA98876}" type="slidenum">
               <a:rPr lang="zh-CN" altLang="en-US" smtClean="0"/>
-              <a:t>24</a:t>
             </a:fld>
             <a:endParaRPr lang="zh-CN" altLang="en-US"/>
           </a:p>
         </p:txBody>
       </p:sp>
     </p:spTree>
-    <p:extLst>
-      <p:ext uri="{BB962C8B-B14F-4D97-AF65-F5344CB8AC3E}">
-        <p14:creationId xmlns:p14="http://schemas.microsoft.com/office/powerpoint/2010/main" val="1640340459"/>
-      </p:ext>
-    </p:extLst>
   </p:cSld>
   <p:clrMapOvr>
     <a:masterClrMapping/>
@@ -1987,18 +1878,12 @@
           <a:p>
             <a:fld id="{6EDC296E-2C0A-4FFE-AF18-6ACF9EA98876}" type="slidenum">
               <a:rPr lang="zh-CN" altLang="en-US" smtClean="0"/>
-              <a:t>25</a:t>
             </a:fld>
             <a:endParaRPr lang="zh-CN" altLang="en-US"/>
           </a:p>
         </p:txBody>
       </p:sp>
     </p:spTree>
-    <p:extLst>
-      <p:ext uri="{BB962C8B-B14F-4D97-AF65-F5344CB8AC3E}">
-        <p14:creationId xmlns:p14="http://schemas.microsoft.com/office/powerpoint/2010/main" val="1144193171"/>
-      </p:ext>
-    </p:extLst>
   </p:cSld>
   <p:clrMapOvr>
     <a:masterClrMapping/>
@@ -2071,18 +1956,12 @@
           <a:p>
             <a:fld id="{6EDC296E-2C0A-4FFE-AF18-6ACF9EA98876}" type="slidenum">
               <a:rPr lang="zh-CN" altLang="en-US" smtClean="0"/>
-              <a:t>26</a:t>
             </a:fld>
             <a:endParaRPr lang="zh-CN" altLang="en-US"/>
           </a:p>
         </p:txBody>
       </p:sp>
     </p:spTree>
-    <p:extLst>
-      <p:ext uri="{BB962C8B-B14F-4D97-AF65-F5344CB8AC3E}">
-        <p14:creationId xmlns:p14="http://schemas.microsoft.com/office/powerpoint/2010/main" val="2032555078"/>
-      </p:ext>
-    </p:extLst>
   </p:cSld>
   <p:clrMapOvr>
     <a:masterClrMapping/>
@@ -2155,7 +2034,84 @@
           <a:p>
             <a:fld id="{6EDC296E-2C0A-4FFE-AF18-6ACF9EA98876}" type="slidenum">
               <a:rPr lang="zh-CN" altLang="en-US" smtClean="0"/>
-              <a:t>27</a:t>
+            </a:fld>
+            <a:endParaRPr lang="zh-CN" altLang="en-US"/>
+          </a:p>
+        </p:txBody>
+      </p:sp>
+    </p:spTree>
+  </p:cSld>
+  <p:clrMapOvr>
+    <a:masterClrMapping/>
+  </p:clrMapOvr>
+</p:notes>
+</file>
+
+<file path=ppt/notesSlides/notesSlide28.xml><?xml version="1.0" encoding="utf-8"?>
+<p:notes xmlns:a="http://schemas.openxmlformats.org/drawingml/2006/main" xmlns:r="http://schemas.openxmlformats.org/officeDocument/2006/relationships" xmlns:p="http://schemas.openxmlformats.org/presentationml/2006/main">
+  <p:cSld>
+    <p:spTree>
+      <p:nvGrpSpPr>
+        <p:cNvPr id="1" name=""/>
+        <p:cNvGrpSpPr/>
+        <p:nvPr/>
+      </p:nvGrpSpPr>
+      <p:grpSpPr>
+        <a:xfrm>
+          <a:off x="0" y="0"/>
+          <a:ext cx="0" cy="0"/>
+          <a:chOff x="0" y="0"/>
+          <a:chExt cx="0" cy="0"/>
+        </a:xfrm>
+      </p:grpSpPr>
+      <p:sp>
+        <p:nvSpPr>
+          <p:cNvPr id="2" name="幻灯片图像占位符 1"/>
+          <p:cNvSpPr>
+            <a:spLocks noGrp="1" noRot="1" noChangeAspect="1"/>
+          </p:cNvSpPr>
+          <p:nvPr>
+            <p:ph type="sldImg"/>
+          </p:nvPr>
+        </p:nvSpPr>
+        <p:spPr/>
+      </p:sp>
+      <p:sp>
+        <p:nvSpPr>
+          <p:cNvPr id="3" name="备注占位符 2"/>
+          <p:cNvSpPr>
+            <a:spLocks noGrp="1"/>
+          </p:cNvSpPr>
+          <p:nvPr>
+            <p:ph type="body" idx="1"/>
+          </p:nvPr>
+        </p:nvSpPr>
+        <p:spPr/>
+        <p:txBody>
+          <a:bodyPr/>
+          <a:lstStyle/>
+          <a:p>
+            <a:endParaRPr lang="zh-CN" altLang="en-US" dirty="0"/>
+          </a:p>
+        </p:txBody>
+      </p:sp>
+      <p:sp>
+        <p:nvSpPr>
+          <p:cNvPr id="4" name="灯片编号占位符 3"/>
+          <p:cNvSpPr>
+            <a:spLocks noGrp="1"/>
+          </p:cNvSpPr>
+          <p:nvPr>
+            <p:ph type="sldNum" sz="quarter" idx="5"/>
+          </p:nvPr>
+        </p:nvSpPr>
+        <p:spPr/>
+        <p:txBody>
+          <a:bodyPr/>
+          <a:lstStyle/>
+          <a:p>
+            <a:fld id="{6EDC296E-2C0A-4FFE-AF18-6ACF9EA98876}" type="slidenum">
+              <a:rPr lang="zh-CN" altLang="en-US" smtClean="0"/>
             </a:fld>
             <a:endParaRPr lang="zh-CN" altLang="en-US"/>
           </a:p>
@@ -2234,18 +2190,12 @@
           <a:p>
             <a:fld id="{6EDC296E-2C0A-4FFE-AF18-6ACF9EA98876}" type="slidenum">
               <a:rPr lang="zh-CN" altLang="en-US" smtClean="0"/>
-              <a:t>3</a:t>
             </a:fld>
             <a:endParaRPr lang="zh-CN" altLang="en-US"/>
           </a:p>
         </p:txBody>
       </p:sp>
     </p:spTree>
-    <p:extLst>
-      <p:ext uri="{BB962C8B-B14F-4D97-AF65-F5344CB8AC3E}">
-        <p14:creationId xmlns:p14="http://schemas.microsoft.com/office/powerpoint/2010/main" val="3914793109"/>
-      </p:ext>
-    </p:extLst>
   </p:cSld>
   <p:clrMapOvr>
     <a:masterClrMapping/>
@@ -2318,18 +2268,12 @@
           <a:p>
             <a:fld id="{6EDC296E-2C0A-4FFE-AF18-6ACF9EA98876}" type="slidenum">
               <a:rPr lang="zh-CN" altLang="en-US" smtClean="0"/>
-              <a:t>4</a:t>
             </a:fld>
             <a:endParaRPr lang="zh-CN" altLang="en-US"/>
           </a:p>
         </p:txBody>
       </p:sp>
     </p:spTree>
-    <p:extLst>
-      <p:ext uri="{BB962C8B-B14F-4D97-AF65-F5344CB8AC3E}">
-        <p14:creationId xmlns:p14="http://schemas.microsoft.com/office/powerpoint/2010/main" val="806781471"/>
-      </p:ext>
-    </p:extLst>
   </p:cSld>
   <p:clrMapOvr>
     <a:masterClrMapping/>
@@ -2402,18 +2346,12 @@
           <a:p>
             <a:fld id="{6EDC296E-2C0A-4FFE-AF18-6ACF9EA98876}" type="slidenum">
               <a:rPr lang="zh-CN" altLang="en-US" smtClean="0"/>
-              <a:t>5</a:t>
             </a:fld>
             <a:endParaRPr lang="zh-CN" altLang="en-US"/>
           </a:p>
         </p:txBody>
       </p:sp>
     </p:spTree>
-    <p:extLst>
-      <p:ext uri="{BB962C8B-B14F-4D97-AF65-F5344CB8AC3E}">
-        <p14:creationId xmlns:p14="http://schemas.microsoft.com/office/powerpoint/2010/main" val="416736955"/>
-      </p:ext>
-    </p:extLst>
   </p:cSld>
   <p:clrMapOvr>
     <a:masterClrMapping/>
@@ -2486,18 +2424,12 @@
           <a:p>
             <a:fld id="{6EDC296E-2C0A-4FFE-AF18-6ACF9EA98876}" type="slidenum">
               <a:rPr lang="zh-CN" altLang="en-US" smtClean="0"/>
-              <a:t>6</a:t>
             </a:fld>
             <a:endParaRPr lang="zh-CN" altLang="en-US"/>
           </a:p>
         </p:txBody>
       </p:sp>
     </p:spTree>
-    <p:extLst>
-      <p:ext uri="{BB962C8B-B14F-4D97-AF65-F5344CB8AC3E}">
-        <p14:creationId xmlns:p14="http://schemas.microsoft.com/office/powerpoint/2010/main" val="1328840232"/>
-      </p:ext>
-    </p:extLst>
   </p:cSld>
   <p:clrMapOvr>
     <a:masterClrMapping/>
@@ -2570,18 +2502,12 @@
           <a:p>
             <a:fld id="{6EDC296E-2C0A-4FFE-AF18-6ACF9EA98876}" type="slidenum">
               <a:rPr lang="zh-CN" altLang="en-US" smtClean="0"/>
-              <a:t>7</a:t>
             </a:fld>
             <a:endParaRPr lang="zh-CN" altLang="en-US"/>
           </a:p>
         </p:txBody>
       </p:sp>
     </p:spTree>
-    <p:extLst>
-      <p:ext uri="{BB962C8B-B14F-4D97-AF65-F5344CB8AC3E}">
-        <p14:creationId xmlns:p14="http://schemas.microsoft.com/office/powerpoint/2010/main" val="3514997978"/>
-      </p:ext>
-    </p:extLst>
   </p:cSld>
   <p:clrMapOvr>
     <a:masterClrMapping/>
@@ -2654,18 +2580,12 @@
           <a:p>
             <a:fld id="{6EDC296E-2C0A-4FFE-AF18-6ACF9EA98876}" type="slidenum">
               <a:rPr lang="zh-CN" altLang="en-US" smtClean="0"/>
-              <a:t>8</a:t>
             </a:fld>
             <a:endParaRPr lang="zh-CN" altLang="en-US"/>
           </a:p>
         </p:txBody>
       </p:sp>
     </p:spTree>
-    <p:extLst>
-      <p:ext uri="{BB962C8B-B14F-4D97-AF65-F5344CB8AC3E}">
-        <p14:creationId xmlns:p14="http://schemas.microsoft.com/office/powerpoint/2010/main" val="1815532403"/>
-      </p:ext>
-    </p:extLst>
   </p:cSld>
   <p:clrMapOvr>
     <a:masterClrMapping/>
@@ -2738,18 +2658,12 @@
           <a:p>
             <a:fld id="{6EDC296E-2C0A-4FFE-AF18-6ACF9EA98876}" type="slidenum">
               <a:rPr lang="zh-CN" altLang="en-US" smtClean="0"/>
-              <a:t>9</a:t>
             </a:fld>
             <a:endParaRPr lang="zh-CN" altLang="en-US"/>
           </a:p>
         </p:txBody>
       </p:sp>
     </p:spTree>
-    <p:extLst>
-      <p:ext uri="{BB962C8B-B14F-4D97-AF65-F5344CB8AC3E}">
-        <p14:creationId xmlns:p14="http://schemas.microsoft.com/office/powerpoint/2010/main" val="3012500221"/>
-      </p:ext>
-    </p:extLst>
   </p:cSld>
   <p:clrMapOvr>
     <a:masterClrMapping/>
@@ -2802,6 +2716,7 @@
               <a:rPr lang="zh-CN" altLang="en-US"/>
               <a:t>单击此处编辑母版标题样式</a:t>
             </a:r>
+            <a:endParaRPr lang="zh-CN" altLang="en-US"/>
           </a:p>
         </p:txBody>
       </p:sp>
@@ -2866,6 +2781,7 @@
               <a:rPr lang="zh-CN" altLang="en-US"/>
               <a:t>单击此处编辑母版副标题样式</a:t>
             </a:r>
+            <a:endParaRPr lang="zh-CN" altLang="en-US"/>
           </a:p>
         </p:txBody>
       </p:sp>
@@ -2886,7 +2802,6 @@
           <a:p>
             <a:fld id="{565B0915-895C-4C44-A1DD-A55731EAB444}" type="datetimeFigureOut">
               <a:rPr lang="zh-CN" altLang="en-US" smtClean="0"/>
-              <a:t>2024/5/21</a:t>
             </a:fld>
             <a:endParaRPr lang="zh-CN" altLang="en-US"/>
           </a:p>
@@ -2928,7 +2843,6 @@
           <a:p>
             <a:fld id="{0BB85088-3920-4DE5-A6A8-9E9F9926DED3}" type="slidenum">
               <a:rPr lang="zh-CN" altLang="en-US" smtClean="0"/>
-              <a:t>‹#›</a:t>
             </a:fld>
             <a:endParaRPr lang="zh-CN" altLang="en-US"/>
           </a:p>
@@ -2978,6 +2892,7 @@
               <a:rPr lang="zh-CN" altLang="en-US"/>
               <a:t>单击此处编辑母版标题样式</a:t>
             </a:r>
+            <a:endParaRPr lang="zh-CN" altLang="en-US"/>
           </a:p>
         </p:txBody>
       </p:sp>
@@ -3001,6 +2916,7 @@
               <a:rPr lang="zh-CN" altLang="en-US"/>
               <a:t>单击此处编辑母版文本样式</a:t>
             </a:r>
+            <a:endParaRPr lang="zh-CN" altLang="en-US"/>
           </a:p>
           <a:p>
             <a:pPr lvl="1"/>
@@ -3008,6 +2924,7 @@
               <a:rPr lang="zh-CN" altLang="en-US"/>
               <a:t>二级</a:t>
             </a:r>
+            <a:endParaRPr lang="zh-CN" altLang="en-US"/>
           </a:p>
           <a:p>
             <a:pPr lvl="2"/>
@@ -3015,6 +2932,7 @@
               <a:rPr lang="zh-CN" altLang="en-US"/>
               <a:t>三级</a:t>
             </a:r>
+            <a:endParaRPr lang="zh-CN" altLang="en-US"/>
           </a:p>
           <a:p>
             <a:pPr lvl="3"/>
@@ -3022,6 +2940,7 @@
               <a:rPr lang="zh-CN" altLang="en-US"/>
               <a:t>四级</a:t>
             </a:r>
+            <a:endParaRPr lang="zh-CN" altLang="en-US"/>
           </a:p>
           <a:p>
             <a:pPr lvl="4"/>
@@ -3029,6 +2948,7 @@
               <a:rPr lang="zh-CN" altLang="en-US"/>
               <a:t>五级</a:t>
             </a:r>
+            <a:endParaRPr lang="zh-CN" altLang="en-US"/>
           </a:p>
         </p:txBody>
       </p:sp>
@@ -3049,7 +2969,6 @@
           <a:p>
             <a:fld id="{565B0915-895C-4C44-A1DD-A55731EAB444}" type="datetimeFigureOut">
               <a:rPr lang="zh-CN" altLang="en-US" smtClean="0"/>
-              <a:t>2024/5/21</a:t>
             </a:fld>
             <a:endParaRPr lang="zh-CN" altLang="en-US"/>
           </a:p>
@@ -3091,7 +3010,6 @@
           <a:p>
             <a:fld id="{0BB85088-3920-4DE5-A6A8-9E9F9926DED3}" type="slidenum">
               <a:rPr lang="zh-CN" altLang="en-US" smtClean="0"/>
-              <a:t>‹#›</a:t>
             </a:fld>
             <a:endParaRPr lang="zh-CN" altLang="en-US"/>
           </a:p>
@@ -3146,6 +3064,7 @@
               <a:rPr lang="zh-CN" altLang="en-US"/>
               <a:t>单击此处编辑母版标题样式</a:t>
             </a:r>
+            <a:endParaRPr lang="zh-CN" altLang="en-US"/>
           </a:p>
         </p:txBody>
       </p:sp>
@@ -3174,6 +3093,7 @@
               <a:rPr lang="zh-CN" altLang="en-US"/>
               <a:t>单击此处编辑母版文本样式</a:t>
             </a:r>
+            <a:endParaRPr lang="zh-CN" altLang="en-US"/>
           </a:p>
           <a:p>
             <a:pPr lvl="1"/>
@@ -3181,6 +3101,7 @@
               <a:rPr lang="zh-CN" altLang="en-US"/>
               <a:t>二级</a:t>
             </a:r>
+            <a:endParaRPr lang="zh-CN" altLang="en-US"/>
           </a:p>
           <a:p>
             <a:pPr lvl="2"/>
@@ -3188,6 +3109,7 @@
               <a:rPr lang="zh-CN" altLang="en-US"/>
               <a:t>三级</a:t>
             </a:r>
+            <a:endParaRPr lang="zh-CN" altLang="en-US"/>
           </a:p>
           <a:p>
             <a:pPr lvl="3"/>
@@ -3195,6 +3117,7 @@
               <a:rPr lang="zh-CN" altLang="en-US"/>
               <a:t>四级</a:t>
             </a:r>
+            <a:endParaRPr lang="zh-CN" altLang="en-US"/>
           </a:p>
           <a:p>
             <a:pPr lvl="4"/>
@@ -3202,6 +3125,7 @@
               <a:rPr lang="zh-CN" altLang="en-US"/>
               <a:t>五级</a:t>
             </a:r>
+            <a:endParaRPr lang="zh-CN" altLang="en-US"/>
           </a:p>
         </p:txBody>
       </p:sp>
@@ -3222,7 +3146,6 @@
           <a:p>
             <a:fld id="{565B0915-895C-4C44-A1DD-A55731EAB444}" type="datetimeFigureOut">
               <a:rPr lang="zh-CN" altLang="en-US" smtClean="0"/>
-              <a:t>2024/5/21</a:t>
             </a:fld>
             <a:endParaRPr lang="zh-CN" altLang="en-US"/>
           </a:p>
@@ -3264,7 +3187,6 @@
           <a:p>
             <a:fld id="{0BB85088-3920-4DE5-A6A8-9E9F9926DED3}" type="slidenum">
               <a:rPr lang="zh-CN" altLang="en-US" smtClean="0"/>
-              <a:t>‹#›</a:t>
             </a:fld>
             <a:endParaRPr lang="zh-CN" altLang="en-US"/>
           </a:p>
@@ -3411,6 +3333,7 @@
               <a:rPr lang="zh-CN" altLang="en-US" dirty="0"/>
               <a:t>单击此处编辑母版标题样式</a:t>
             </a:r>
+            <a:endParaRPr lang="zh-CN" altLang="en-US" dirty="0"/>
           </a:p>
         </p:txBody>
       </p:sp>
@@ -3523,6 +3446,7 @@
               <a:rPr lang="zh-CN" altLang="en-US"/>
               <a:t>单击此处编辑母版标题样式</a:t>
             </a:r>
+            <a:endParaRPr lang="zh-CN" altLang="en-US"/>
           </a:p>
         </p:txBody>
       </p:sp>
@@ -3546,6 +3470,7 @@
               <a:rPr lang="zh-CN" altLang="en-US"/>
               <a:t>单击此处编辑母版文本样式</a:t>
             </a:r>
+            <a:endParaRPr lang="zh-CN" altLang="en-US"/>
           </a:p>
           <a:p>
             <a:pPr lvl="1"/>
@@ -3553,6 +3478,7 @@
               <a:rPr lang="zh-CN" altLang="en-US"/>
               <a:t>二级</a:t>
             </a:r>
+            <a:endParaRPr lang="zh-CN" altLang="en-US"/>
           </a:p>
           <a:p>
             <a:pPr lvl="2"/>
@@ -3560,6 +3486,7 @@
               <a:rPr lang="zh-CN" altLang="en-US"/>
               <a:t>三级</a:t>
             </a:r>
+            <a:endParaRPr lang="zh-CN" altLang="en-US"/>
           </a:p>
           <a:p>
             <a:pPr lvl="3"/>
@@ -3567,6 +3494,7 @@
               <a:rPr lang="zh-CN" altLang="en-US"/>
               <a:t>四级</a:t>
             </a:r>
+            <a:endParaRPr lang="zh-CN" altLang="en-US"/>
           </a:p>
           <a:p>
             <a:pPr lvl="4"/>
@@ -3574,6 +3502,7 @@
               <a:rPr lang="zh-CN" altLang="en-US"/>
               <a:t>五级</a:t>
             </a:r>
+            <a:endParaRPr lang="zh-CN" altLang="en-US"/>
           </a:p>
         </p:txBody>
       </p:sp>
@@ -3594,7 +3523,6 @@
           <a:p>
             <a:fld id="{565B0915-895C-4C44-A1DD-A55731EAB444}" type="datetimeFigureOut">
               <a:rPr lang="zh-CN" altLang="en-US" smtClean="0"/>
-              <a:t>2024/5/21</a:t>
             </a:fld>
             <a:endParaRPr lang="zh-CN" altLang="en-US"/>
           </a:p>
@@ -3636,7 +3564,6 @@
           <a:p>
             <a:fld id="{0BB85088-3920-4DE5-A6A8-9E9F9926DED3}" type="slidenum">
               <a:rPr lang="zh-CN" altLang="en-US" smtClean="0"/>
-              <a:t>‹#›</a:t>
             </a:fld>
             <a:endParaRPr lang="zh-CN" altLang="en-US"/>
           </a:p>
@@ -3695,6 +3622,7 @@
               <a:rPr lang="zh-CN" altLang="en-US"/>
               <a:t>单击此处编辑母版标题样式</a:t>
             </a:r>
+            <a:endParaRPr lang="zh-CN" altLang="en-US"/>
           </a:p>
         </p:txBody>
       </p:sp>
@@ -3814,6 +3742,7 @@
               <a:rPr lang="zh-CN" altLang="en-US"/>
               <a:t>单击此处编辑母版文本样式</a:t>
             </a:r>
+            <a:endParaRPr lang="zh-CN" altLang="en-US"/>
           </a:p>
         </p:txBody>
       </p:sp>
@@ -3834,7 +3763,6 @@
           <a:p>
             <a:fld id="{565B0915-895C-4C44-A1DD-A55731EAB444}" type="datetimeFigureOut">
               <a:rPr lang="zh-CN" altLang="en-US" smtClean="0"/>
-              <a:t>2024/5/21</a:t>
             </a:fld>
             <a:endParaRPr lang="zh-CN" altLang="en-US"/>
           </a:p>
@@ -3876,7 +3804,6 @@
           <a:p>
             <a:fld id="{0BB85088-3920-4DE5-A6A8-9E9F9926DED3}" type="slidenum">
               <a:rPr lang="zh-CN" altLang="en-US" smtClean="0"/>
-              <a:t>‹#›</a:t>
             </a:fld>
             <a:endParaRPr lang="zh-CN" altLang="en-US"/>
           </a:p>
@@ -3926,6 +3853,7 @@
               <a:rPr lang="zh-CN" altLang="en-US"/>
               <a:t>单击此处编辑母版标题样式</a:t>
             </a:r>
+            <a:endParaRPr lang="zh-CN" altLang="en-US"/>
           </a:p>
         </p:txBody>
       </p:sp>
@@ -3954,6 +3882,7 @@
               <a:rPr lang="zh-CN" altLang="en-US"/>
               <a:t>单击此处编辑母版文本样式</a:t>
             </a:r>
+            <a:endParaRPr lang="zh-CN" altLang="en-US"/>
           </a:p>
           <a:p>
             <a:pPr lvl="1"/>
@@ -3961,6 +3890,7 @@
               <a:rPr lang="zh-CN" altLang="en-US"/>
               <a:t>二级</a:t>
             </a:r>
+            <a:endParaRPr lang="zh-CN" altLang="en-US"/>
           </a:p>
           <a:p>
             <a:pPr lvl="2"/>
@@ -3968,6 +3898,7 @@
               <a:rPr lang="zh-CN" altLang="en-US"/>
               <a:t>三级</a:t>
             </a:r>
+            <a:endParaRPr lang="zh-CN" altLang="en-US"/>
           </a:p>
           <a:p>
             <a:pPr lvl="3"/>
@@ -3975,6 +3906,7 @@
               <a:rPr lang="zh-CN" altLang="en-US"/>
               <a:t>四级</a:t>
             </a:r>
+            <a:endParaRPr lang="zh-CN" altLang="en-US"/>
           </a:p>
           <a:p>
             <a:pPr lvl="4"/>
@@ -3982,6 +3914,7 @@
               <a:rPr lang="zh-CN" altLang="en-US"/>
               <a:t>五级</a:t>
             </a:r>
+            <a:endParaRPr lang="zh-CN" altLang="en-US"/>
           </a:p>
         </p:txBody>
       </p:sp>
@@ -4010,6 +3943,7 @@
               <a:rPr lang="zh-CN" altLang="en-US"/>
               <a:t>单击此处编辑母版文本样式</a:t>
             </a:r>
+            <a:endParaRPr lang="zh-CN" altLang="en-US"/>
           </a:p>
           <a:p>
             <a:pPr lvl="1"/>
@@ -4017,6 +3951,7 @@
               <a:rPr lang="zh-CN" altLang="en-US"/>
               <a:t>二级</a:t>
             </a:r>
+            <a:endParaRPr lang="zh-CN" altLang="en-US"/>
           </a:p>
           <a:p>
             <a:pPr lvl="2"/>
@@ -4024,6 +3959,7 @@
               <a:rPr lang="zh-CN" altLang="en-US"/>
               <a:t>三级</a:t>
             </a:r>
+            <a:endParaRPr lang="zh-CN" altLang="en-US"/>
           </a:p>
           <a:p>
             <a:pPr lvl="3"/>
@@ -4031,6 +3967,7 @@
               <a:rPr lang="zh-CN" altLang="en-US"/>
               <a:t>四级</a:t>
             </a:r>
+            <a:endParaRPr lang="zh-CN" altLang="en-US"/>
           </a:p>
           <a:p>
             <a:pPr lvl="4"/>
@@ -4038,6 +3975,7 @@
               <a:rPr lang="zh-CN" altLang="en-US"/>
               <a:t>五级</a:t>
             </a:r>
+            <a:endParaRPr lang="zh-CN" altLang="en-US"/>
           </a:p>
         </p:txBody>
       </p:sp>
@@ -4058,7 +3996,6 @@
           <a:p>
             <a:fld id="{565B0915-895C-4C44-A1DD-A55731EAB444}" type="datetimeFigureOut">
               <a:rPr lang="zh-CN" altLang="en-US" smtClean="0"/>
-              <a:t>2024/5/21</a:t>
             </a:fld>
             <a:endParaRPr lang="zh-CN" altLang="en-US"/>
           </a:p>
@@ -4100,7 +4037,6 @@
           <a:p>
             <a:fld id="{0BB85088-3920-4DE5-A6A8-9E9F9926DED3}" type="slidenum">
               <a:rPr lang="zh-CN" altLang="en-US" smtClean="0"/>
-              <a:t>‹#›</a:t>
             </a:fld>
             <a:endParaRPr lang="zh-CN" altLang="en-US"/>
           </a:p>
@@ -4155,6 +4091,7 @@
               <a:rPr lang="zh-CN" altLang="en-US"/>
               <a:t>单击此处编辑母版标题样式</a:t>
             </a:r>
+            <a:endParaRPr lang="zh-CN" altLang="en-US"/>
           </a:p>
         </p:txBody>
       </p:sp>
@@ -4220,6 +4157,7 @@
               <a:rPr lang="zh-CN" altLang="en-US"/>
               <a:t>单击此处编辑母版文本样式</a:t>
             </a:r>
+            <a:endParaRPr lang="zh-CN" altLang="en-US"/>
           </a:p>
         </p:txBody>
       </p:sp>
@@ -4248,6 +4186,7 @@
               <a:rPr lang="zh-CN" altLang="en-US"/>
               <a:t>单击此处编辑母版文本样式</a:t>
             </a:r>
+            <a:endParaRPr lang="zh-CN" altLang="en-US"/>
           </a:p>
           <a:p>
             <a:pPr lvl="1"/>
@@ -4255,6 +4194,7 @@
               <a:rPr lang="zh-CN" altLang="en-US"/>
               <a:t>二级</a:t>
             </a:r>
+            <a:endParaRPr lang="zh-CN" altLang="en-US"/>
           </a:p>
           <a:p>
             <a:pPr lvl="2"/>
@@ -4262,6 +4202,7 @@
               <a:rPr lang="zh-CN" altLang="en-US"/>
               <a:t>三级</a:t>
             </a:r>
+            <a:endParaRPr lang="zh-CN" altLang="en-US"/>
           </a:p>
           <a:p>
             <a:pPr lvl="3"/>
@@ -4269,6 +4210,7 @@
               <a:rPr lang="zh-CN" altLang="en-US"/>
               <a:t>四级</a:t>
             </a:r>
+            <a:endParaRPr lang="zh-CN" altLang="en-US"/>
           </a:p>
           <a:p>
             <a:pPr lvl="4"/>
@@ -4276,6 +4218,7 @@
               <a:rPr lang="zh-CN" altLang="en-US"/>
               <a:t>五级</a:t>
             </a:r>
+            <a:endParaRPr lang="zh-CN" altLang="en-US"/>
           </a:p>
         </p:txBody>
       </p:sp>
@@ -4341,6 +4284,7 @@
               <a:rPr lang="zh-CN" altLang="en-US"/>
               <a:t>单击此处编辑母版文本样式</a:t>
             </a:r>
+            <a:endParaRPr lang="zh-CN" altLang="en-US"/>
           </a:p>
         </p:txBody>
       </p:sp>
@@ -4369,6 +4313,7 @@
               <a:rPr lang="zh-CN" altLang="en-US"/>
               <a:t>单击此处编辑母版文本样式</a:t>
             </a:r>
+            <a:endParaRPr lang="zh-CN" altLang="en-US"/>
           </a:p>
           <a:p>
             <a:pPr lvl="1"/>
@@ -4376,6 +4321,7 @@
               <a:rPr lang="zh-CN" altLang="en-US"/>
               <a:t>二级</a:t>
             </a:r>
+            <a:endParaRPr lang="zh-CN" altLang="en-US"/>
           </a:p>
           <a:p>
             <a:pPr lvl="2"/>
@@ -4383,6 +4329,7 @@
               <a:rPr lang="zh-CN" altLang="en-US"/>
               <a:t>三级</a:t>
             </a:r>
+            <a:endParaRPr lang="zh-CN" altLang="en-US"/>
           </a:p>
           <a:p>
             <a:pPr lvl="3"/>
@@ -4390,6 +4337,7 @@
               <a:rPr lang="zh-CN" altLang="en-US"/>
               <a:t>四级</a:t>
             </a:r>
+            <a:endParaRPr lang="zh-CN" altLang="en-US"/>
           </a:p>
           <a:p>
             <a:pPr lvl="4"/>
@@ -4397,6 +4345,7 @@
               <a:rPr lang="zh-CN" altLang="en-US"/>
               <a:t>五级</a:t>
             </a:r>
+            <a:endParaRPr lang="zh-CN" altLang="en-US"/>
           </a:p>
         </p:txBody>
       </p:sp>
@@ -4417,7 +4366,6 @@
           <a:p>
             <a:fld id="{565B0915-895C-4C44-A1DD-A55731EAB444}" type="datetimeFigureOut">
               <a:rPr lang="zh-CN" altLang="en-US" smtClean="0"/>
-              <a:t>2024/5/21</a:t>
             </a:fld>
             <a:endParaRPr lang="zh-CN" altLang="en-US"/>
           </a:p>
@@ -4459,7 +4407,6 @@
           <a:p>
             <a:fld id="{0BB85088-3920-4DE5-A6A8-9E9F9926DED3}" type="slidenum">
               <a:rPr lang="zh-CN" altLang="en-US" smtClean="0"/>
-              <a:t>‹#›</a:t>
             </a:fld>
             <a:endParaRPr lang="zh-CN" altLang="en-US"/>
           </a:p>
@@ -4509,6 +4456,7 @@
               <a:rPr lang="zh-CN" altLang="en-US"/>
               <a:t>单击此处编辑母版标题样式</a:t>
             </a:r>
+            <a:endParaRPr lang="zh-CN" altLang="en-US"/>
           </a:p>
         </p:txBody>
       </p:sp>
@@ -4529,7 +4477,6 @@
           <a:p>
             <a:fld id="{565B0915-895C-4C44-A1DD-A55731EAB444}" type="datetimeFigureOut">
               <a:rPr lang="zh-CN" altLang="en-US" smtClean="0"/>
-              <a:t>2024/5/21</a:t>
             </a:fld>
             <a:endParaRPr lang="zh-CN" altLang="en-US"/>
           </a:p>
@@ -4571,7 +4518,6 @@
           <a:p>
             <a:fld id="{0BB85088-3920-4DE5-A6A8-9E9F9926DED3}" type="slidenum">
               <a:rPr lang="zh-CN" altLang="en-US" smtClean="0"/>
-              <a:t>‹#›</a:t>
             </a:fld>
             <a:endParaRPr lang="zh-CN" altLang="en-US"/>
           </a:p>
@@ -4619,7 +4565,6 @@
           <a:p>
             <a:fld id="{565B0915-895C-4C44-A1DD-A55731EAB444}" type="datetimeFigureOut">
               <a:rPr lang="zh-CN" altLang="en-US" smtClean="0"/>
-              <a:t>2024/5/21</a:t>
             </a:fld>
             <a:endParaRPr lang="zh-CN" altLang="en-US"/>
           </a:p>
@@ -4661,7 +4606,6 @@
           <a:p>
             <a:fld id="{0BB85088-3920-4DE5-A6A8-9E9F9926DED3}" type="slidenum">
               <a:rPr lang="zh-CN" altLang="en-US" smtClean="0"/>
-              <a:t>‹#›</a:t>
             </a:fld>
             <a:endParaRPr lang="zh-CN" altLang="en-US"/>
           </a:p>
@@ -4720,6 +4664,7 @@
               <a:rPr lang="zh-CN" altLang="en-US"/>
               <a:t>单击此处编辑母版标题样式</a:t>
             </a:r>
+            <a:endParaRPr lang="zh-CN" altLang="en-US"/>
           </a:p>
         </p:txBody>
       </p:sp>
@@ -4776,6 +4721,7 @@
               <a:rPr lang="zh-CN" altLang="en-US"/>
               <a:t>单击此处编辑母版文本样式</a:t>
             </a:r>
+            <a:endParaRPr lang="zh-CN" altLang="en-US"/>
           </a:p>
           <a:p>
             <a:pPr lvl="1"/>
@@ -4783,6 +4729,7 @@
               <a:rPr lang="zh-CN" altLang="en-US"/>
               <a:t>二级</a:t>
             </a:r>
+            <a:endParaRPr lang="zh-CN" altLang="en-US"/>
           </a:p>
           <a:p>
             <a:pPr lvl="2"/>
@@ -4790,6 +4737,7 @@
               <a:rPr lang="zh-CN" altLang="en-US"/>
               <a:t>三级</a:t>
             </a:r>
+            <a:endParaRPr lang="zh-CN" altLang="en-US"/>
           </a:p>
           <a:p>
             <a:pPr lvl="3"/>
@@ -4797,6 +4745,7 @@
               <a:rPr lang="zh-CN" altLang="en-US"/>
               <a:t>四级</a:t>
             </a:r>
+            <a:endParaRPr lang="zh-CN" altLang="en-US"/>
           </a:p>
           <a:p>
             <a:pPr lvl="4"/>
@@ -4804,6 +4753,7 @@
               <a:rPr lang="zh-CN" altLang="en-US"/>
               <a:t>五级</a:t>
             </a:r>
+            <a:endParaRPr lang="zh-CN" altLang="en-US"/>
           </a:p>
         </p:txBody>
       </p:sp>
@@ -4869,6 +4819,7 @@
               <a:rPr lang="zh-CN" altLang="en-US"/>
               <a:t>单击此处编辑母版文本样式</a:t>
             </a:r>
+            <a:endParaRPr lang="zh-CN" altLang="en-US"/>
           </a:p>
         </p:txBody>
       </p:sp>
@@ -4889,7 +4840,6 @@
           <a:p>
             <a:fld id="{565B0915-895C-4C44-A1DD-A55731EAB444}" type="datetimeFigureOut">
               <a:rPr lang="zh-CN" altLang="en-US" smtClean="0"/>
-              <a:t>2024/5/21</a:t>
             </a:fld>
             <a:endParaRPr lang="zh-CN" altLang="en-US"/>
           </a:p>
@@ -4931,7 +4881,6 @@
           <a:p>
             <a:fld id="{0BB85088-3920-4DE5-A6A8-9E9F9926DED3}" type="slidenum">
               <a:rPr lang="zh-CN" altLang="en-US" smtClean="0"/>
-              <a:t>‹#›</a:t>
             </a:fld>
             <a:endParaRPr lang="zh-CN" altLang="en-US"/>
           </a:p>
@@ -4990,6 +4939,7 @@
               <a:rPr lang="zh-CN" altLang="en-US"/>
               <a:t>单击此处编辑母版标题样式</a:t>
             </a:r>
+            <a:endParaRPr lang="zh-CN" altLang="en-US"/>
           </a:p>
         </p:txBody>
       </p:sp>
@@ -5116,6 +5066,7 @@
               <a:rPr lang="zh-CN" altLang="en-US"/>
               <a:t>单击此处编辑母版文本样式</a:t>
             </a:r>
+            <a:endParaRPr lang="zh-CN" altLang="en-US"/>
           </a:p>
         </p:txBody>
       </p:sp>
@@ -5136,7 +5087,6 @@
           <a:p>
             <a:fld id="{565B0915-895C-4C44-A1DD-A55731EAB444}" type="datetimeFigureOut">
               <a:rPr lang="zh-CN" altLang="en-US" smtClean="0"/>
-              <a:t>2024/5/21</a:t>
             </a:fld>
             <a:endParaRPr lang="zh-CN" altLang="en-US"/>
           </a:p>
@@ -5178,7 +5128,6 @@
           <a:p>
             <a:fld id="{0BB85088-3920-4DE5-A6A8-9E9F9926DED3}" type="slidenum">
               <a:rPr lang="zh-CN" altLang="en-US" smtClean="0"/>
-              <a:t>‹#›</a:t>
             </a:fld>
             <a:endParaRPr lang="zh-CN" altLang="en-US"/>
           </a:p>
@@ -5243,6 +5192,7 @@
               <a:rPr lang="zh-CN" altLang="en-US"/>
               <a:t>单击此处编辑母版标题样式</a:t>
             </a:r>
+            <a:endParaRPr lang="zh-CN" altLang="en-US"/>
           </a:p>
         </p:txBody>
       </p:sp>
@@ -5276,6 +5226,7 @@
               <a:rPr lang="zh-CN" altLang="en-US"/>
               <a:t>单击此处编辑母版文本样式</a:t>
             </a:r>
+            <a:endParaRPr lang="zh-CN" altLang="en-US"/>
           </a:p>
           <a:p>
             <a:pPr lvl="1"/>
@@ -5283,6 +5234,7 @@
               <a:rPr lang="zh-CN" altLang="en-US"/>
               <a:t>二级</a:t>
             </a:r>
+            <a:endParaRPr lang="zh-CN" altLang="en-US"/>
           </a:p>
           <a:p>
             <a:pPr lvl="2"/>
@@ -5290,6 +5242,7 @@
               <a:rPr lang="zh-CN" altLang="en-US"/>
               <a:t>三级</a:t>
             </a:r>
+            <a:endParaRPr lang="zh-CN" altLang="en-US"/>
           </a:p>
           <a:p>
             <a:pPr lvl="3"/>
@@ -5297,6 +5250,7 @@
               <a:rPr lang="zh-CN" altLang="en-US"/>
               <a:t>四级</a:t>
             </a:r>
+            <a:endParaRPr lang="zh-CN" altLang="en-US"/>
           </a:p>
           <a:p>
             <a:pPr lvl="4"/>
@@ -5304,6 +5258,7 @@
               <a:rPr lang="zh-CN" altLang="en-US"/>
               <a:t>五级</a:t>
             </a:r>
+            <a:endParaRPr lang="zh-CN" altLang="en-US"/>
           </a:p>
         </p:txBody>
       </p:sp>
@@ -5342,7 +5297,6 @@
           <a:p>
             <a:fld id="{565B0915-895C-4C44-A1DD-A55731EAB444}" type="datetimeFigureOut">
               <a:rPr lang="zh-CN" altLang="en-US" smtClean="0"/>
-              <a:t>2024/5/21</a:t>
             </a:fld>
             <a:endParaRPr lang="zh-CN" altLang="en-US"/>
           </a:p>
@@ -5420,7 +5374,6 @@
           <a:p>
             <a:fld id="{0BB85088-3920-4DE5-A6A8-9E9F9926DED3}" type="slidenum">
               <a:rPr lang="zh-CN" altLang="en-US" smtClean="0"/>
-              <a:t>‹#›</a:t>
             </a:fld>
             <a:endParaRPr lang="zh-CN" altLang="en-US"/>
           </a:p>
@@ -5798,6 +5751,11 @@
               </a:rPr>
               <a:t>）</a:t>
             </a:r>
+            <a:endParaRPr lang="zh-CN" altLang="en-US" sz="3200" dirty="0">
+              <a:latin typeface="Times New Roman" panose="02020603050405020304" pitchFamily="18" charset="0"/>
+              <a:ea typeface="楷体" panose="02010609060101010101" pitchFamily="49" charset="-122"/>
+              <a:cs typeface="Times New Roman" panose="02020603050405020304" pitchFamily="18" charset="0"/>
+            </a:endParaRPr>
           </a:p>
         </p:txBody>
       </p:sp>
@@ -5810,13 +5768,13 @@
           <p:nvPr/>
         </p:nvPicPr>
         <p:blipFill>
-          <a:blip r:embed="rId3">
+          <a:blip r:embed="rId1">
             <a:extLst>
               <a:ext uri="{28A0092B-C50C-407E-A947-70E740481C1C}">
                 <a14:useLocalDpi xmlns:a14="http://schemas.microsoft.com/office/drawing/2010/main" val="0"/>
               </a:ext>
               <a:ext uri="{96DAC541-7B7A-43D3-8B79-37D633B846F1}">
-                <asvg:svgBlip xmlns:asvg="http://schemas.microsoft.com/office/drawing/2016/SVG/main" r:embed="rId4"/>
+                <asvg:svgBlip xmlns:asvg="http://schemas.microsoft.com/office/drawing/2016/SVG/main" r:embed="rId2"/>
               </a:ext>
             </a:extLst>
           </a:blip>
@@ -5836,13 +5794,7 @@
       </p:pic>
       <p:sp>
         <p:nvSpPr>
-          <p:cNvPr id="6" name="文本框 5">
-            <a:extLst>
-              <a:ext uri="{FF2B5EF4-FFF2-40B4-BE49-F238E27FC236}">
-                <a16:creationId xmlns:a16="http://schemas.microsoft.com/office/drawing/2014/main" id="{086F369D-E521-CC44-A6E5-4898947B497D}"/>
-              </a:ext>
-            </a:extLst>
-          </p:cNvPr>
+          <p:cNvPr id="6" name="文本框 5"/>
           <p:cNvSpPr txBox="1"/>
           <p:nvPr/>
         </p:nvSpPr>
@@ -5993,13 +5945,7 @@
       </p:sp>
       <p:sp>
         <p:nvSpPr>
-          <p:cNvPr id="8" name="文本框 7">
-            <a:extLst>
-              <a:ext uri="{FF2B5EF4-FFF2-40B4-BE49-F238E27FC236}">
-                <a16:creationId xmlns:a16="http://schemas.microsoft.com/office/drawing/2014/main" id="{2F2CDA2C-10A9-79E1-2017-84ECA2C6BA7A}"/>
-              </a:ext>
-            </a:extLst>
-          </p:cNvPr>
+          <p:cNvPr id="8" name="文本框 7"/>
           <p:cNvSpPr txBox="1"/>
           <p:nvPr/>
         </p:nvSpPr>
@@ -6031,28 +5977,20 @@
               </a:rPr>
               <a:t>2024.5</a:t>
             </a:r>
+            <a:endParaRPr lang="en-US" altLang="zh-CN" sz="2000" dirty="0">
+              <a:latin typeface="华文中宋" panose="02010600040101010101" pitchFamily="2" charset="-122"/>
+              <a:ea typeface="华文中宋" panose="02010600040101010101" pitchFamily="2" charset="-122"/>
+            </a:endParaRPr>
           </a:p>
         </p:txBody>
       </p:sp>
       <p:graphicFrame>
         <p:nvGraphicFramePr>
-          <p:cNvPr id="9" name="表格 8">
-            <a:extLst>
-              <a:ext uri="{FF2B5EF4-FFF2-40B4-BE49-F238E27FC236}">
-                <a16:creationId xmlns:a16="http://schemas.microsoft.com/office/drawing/2014/main" id="{3C2B5C22-7AEA-2C46-B14F-AE5D89C73054}"/>
-              </a:ext>
-            </a:extLst>
-          </p:cNvPr>
+          <p:cNvPr id="9" name="表格 8"/>
           <p:cNvGraphicFramePr>
             <a:graphicFrameLocks noGrp="1"/>
           </p:cNvGraphicFramePr>
-          <p:nvPr>
-            <p:extLst>
-              <p:ext uri="{D42A27DB-BD31-4B8C-83A1-F6EECF244321}">
-                <p14:modId xmlns:p14="http://schemas.microsoft.com/office/powerpoint/2010/main" val="1921376285"/>
-              </p:ext>
-            </p:extLst>
-          </p:nvPr>
+          <p:nvPr/>
         </p:nvGraphicFramePr>
         <p:xfrm>
           <a:off x="3569531" y="4988255"/>
@@ -6065,27 +6003,9 @@
                 <a:tableStyleId>{5C22544A-7EE6-4342-B048-85BDC9FD1C3A}</a:tableStyleId>
               </a:tblPr>
               <a:tblGrid>
-                <a:gridCol w="1182041">
-                  <a:extLst>
-                    <a:ext uri="{9D8B030D-6E8A-4147-A177-3AD203B41FA5}">
-                      <a16:colId xmlns:a16="http://schemas.microsoft.com/office/drawing/2014/main" val="577754717"/>
-                    </a:ext>
-                  </a:extLst>
-                </a:gridCol>
-                <a:gridCol w="839998">
-                  <a:extLst>
-                    <a:ext uri="{9D8B030D-6E8A-4147-A177-3AD203B41FA5}">
-                      <a16:colId xmlns:a16="http://schemas.microsoft.com/office/drawing/2014/main" val="1208414747"/>
-                    </a:ext>
-                  </a:extLst>
-                </a:gridCol>
-                <a:gridCol w="3030898">
-                  <a:extLst>
-                    <a:ext uri="{9D8B030D-6E8A-4147-A177-3AD203B41FA5}">
-                      <a16:colId xmlns:a16="http://schemas.microsoft.com/office/drawing/2014/main" val="2887465251"/>
-                    </a:ext>
-                  </a:extLst>
-                </a:gridCol>
+                <a:gridCol w="1182041"/>
+                <a:gridCol w="839998"/>
+                <a:gridCol w="3030898"/>
               </a:tblGrid>
               <a:tr h="281174">
                 <a:tc>
@@ -6203,11 +6123,6 @@
                     <a:noFill/>
                   </a:tcPr>
                 </a:tc>
-                <a:extLst>
-                  <a:ext uri="{0D108BD9-81ED-4DB2-BD59-A6C34878D82A}">
-                    <a16:rowId xmlns:a16="http://schemas.microsoft.com/office/drawing/2014/main" val="3513765569"/>
-                  </a:ext>
-                </a:extLst>
               </a:tr>
               <a:tr h="281174">
                 <a:tc>
@@ -6328,11 +6243,6 @@
                     <a:noFill/>
                   </a:tcPr>
                 </a:tc>
-                <a:extLst>
-                  <a:ext uri="{0D108BD9-81ED-4DB2-BD59-A6C34878D82A}">
-                    <a16:rowId xmlns:a16="http://schemas.microsoft.com/office/drawing/2014/main" val="1747075956"/>
-                  </a:ext>
-                </a:extLst>
               </a:tr>
               <a:tr h="281174">
                 <a:tc>
@@ -6394,6 +6304,14 @@
                         </a:rPr>
                         <a:t>2113997</a:t>
                       </a:r>
+                      <a:endParaRPr lang="en-US" altLang="zh-CN" sz="1400" b="0" kern="1200" dirty="0">
+                        <a:solidFill>
+                          <a:schemeClr val="dk1"/>
+                        </a:solidFill>
+                        <a:latin typeface="Times New Roman" panose="02020603050405020304" pitchFamily="18" charset="0"/>
+                        <a:ea typeface="华文中宋" panose="02010600040101010101" pitchFamily="2" charset="-122"/>
+                        <a:cs typeface="Times New Roman" panose="02020603050405020304" pitchFamily="18" charset="0"/>
+                      </a:endParaRPr>
                     </a:p>
                   </a:txBody>
                   <a:tcPr anchor="ctr">
@@ -6431,11 +6349,6 @@
                     <a:noFill/>
                   </a:tcPr>
                 </a:tc>
-                <a:extLst>
-                  <a:ext uri="{0D108BD9-81ED-4DB2-BD59-A6C34878D82A}">
-                    <a16:rowId xmlns:a16="http://schemas.microsoft.com/office/drawing/2014/main" val="587174579"/>
-                  </a:ext>
-                </a:extLst>
               </a:tr>
               <a:tr h="281174">
                 <a:tc>
@@ -6557,11 +6470,6 @@
                     <a:noFill/>
                   </a:tcPr>
                 </a:tc>
-                <a:extLst>
-                  <a:ext uri="{0D108BD9-81ED-4DB2-BD59-A6C34878D82A}">
-                    <a16:rowId xmlns:a16="http://schemas.microsoft.com/office/drawing/2014/main" val="3851097379"/>
-                  </a:ext>
-                </a:extLst>
               </a:tr>
             </a:tbl>
           </a:graphicData>
@@ -6654,6 +6562,13 @@
               </a:rPr>
               <a:t>Privacy Neuron Detector</a:t>
             </a:r>
+            <a:endParaRPr lang="en-US" altLang="zh-CN" sz="2400" b="1" dirty="0">
+              <a:solidFill>
+                <a:srgbClr val="802258"/>
+              </a:solidFill>
+              <a:latin typeface="华文中宋" panose="02010600040101010101" pitchFamily="2" charset="-122"/>
+              <a:ea typeface="华文中宋" panose="02010600040101010101" pitchFamily="2" charset="-122"/>
+            </a:endParaRPr>
           </a:p>
           <a:p>
             <a:pPr marL="914400" lvl="1" indent="-457200">
@@ -6670,6 +6585,10 @@
               </a:rPr>
               <a:t>speculate that private information might be encoded in specific neurons</a:t>
             </a:r>
+            <a:endParaRPr lang="en-US" altLang="zh-CN" sz="2000" dirty="0">
+              <a:latin typeface="华文中宋" panose="02010600040101010101" pitchFamily="2" charset="-122"/>
+              <a:ea typeface="华文中宋" panose="02010600040101010101" pitchFamily="2" charset="-122"/>
+            </a:endParaRPr>
           </a:p>
           <a:p>
             <a:pPr marL="914400" lvl="1" indent="-457200">
@@ -6686,6 +6605,10 @@
               </a:rPr>
               <a:t>propose a privacy attribution method based on gradient integration</a:t>
             </a:r>
+            <a:endParaRPr lang="en-US" altLang="zh-CN" sz="2000" dirty="0">
+              <a:latin typeface="华文中宋" panose="02010600040101010101" pitchFamily="2" charset="-122"/>
+              <a:ea typeface="华文中宋" panose="02010600040101010101" pitchFamily="2" charset="-122"/>
+            </a:endParaRPr>
           </a:p>
           <a:p>
             <a:pPr marL="1371600" lvl="2" indent="-457200">
@@ -6808,25 +6731,23 @@
               </a:rPr>
               <a:t>the greater the privacy attribution score, the greater the privacy sensitivity of the neuron</a:t>
             </a:r>
+            <a:endParaRPr lang="en-US" altLang="zh-CN" sz="2000" dirty="0">
+              <a:latin typeface="华文中宋" panose="02010600040101010101" pitchFamily="2" charset="-122"/>
+              <a:ea typeface="华文中宋" panose="02010600040101010101" pitchFamily="2" charset="-122"/>
+            </a:endParaRPr>
           </a:p>
         </p:txBody>
       </p:sp>
       <p:pic>
         <p:nvPicPr>
-          <p:cNvPr id="5" name="图片 4">
-            <a:extLst>
-              <a:ext uri="{FF2B5EF4-FFF2-40B4-BE49-F238E27FC236}">
-                <a16:creationId xmlns:a16="http://schemas.microsoft.com/office/drawing/2014/main" id="{51CB06A2-EA0A-B579-09B9-B9B2DB24F730}"/>
-              </a:ext>
-            </a:extLst>
-          </p:cNvPr>
+          <p:cNvPr id="5" name="图片 4"/>
           <p:cNvPicPr>
             <a:picLocks noChangeAspect="1"/>
           </p:cNvPicPr>
           <p:nvPr/>
         </p:nvPicPr>
         <p:blipFill>
-          <a:blip r:embed="rId3"/>
+          <a:blip r:embed="rId1"/>
           <a:stretch>
             <a:fillRect/>
           </a:stretch>
@@ -6843,20 +6764,14 @@
       </p:pic>
       <p:pic>
         <p:nvPicPr>
-          <p:cNvPr id="13" name="图片 12">
-            <a:extLst>
-              <a:ext uri="{FF2B5EF4-FFF2-40B4-BE49-F238E27FC236}">
-                <a16:creationId xmlns:a16="http://schemas.microsoft.com/office/drawing/2014/main" id="{BA4F2F12-53B9-BA00-9A16-DF5FFDE1C034}"/>
-              </a:ext>
-            </a:extLst>
-          </p:cNvPr>
+          <p:cNvPr id="13" name="图片 12"/>
           <p:cNvPicPr>
             <a:picLocks noChangeAspect="1"/>
           </p:cNvPicPr>
           <p:nvPr/>
         </p:nvPicPr>
         <p:blipFill>
-          <a:blip r:embed="rId4"/>
+          <a:blip r:embed="rId2"/>
           <a:stretch>
             <a:fillRect/>
           </a:stretch>
@@ -6873,20 +6788,14 @@
       </p:pic>
       <p:pic>
         <p:nvPicPr>
-          <p:cNvPr id="15" name="图片 14">
-            <a:extLst>
-              <a:ext uri="{FF2B5EF4-FFF2-40B4-BE49-F238E27FC236}">
-                <a16:creationId xmlns:a16="http://schemas.microsoft.com/office/drawing/2014/main" id="{5ECC5D9D-6B08-326D-ABC6-8812D5904ECA}"/>
-              </a:ext>
-            </a:extLst>
-          </p:cNvPr>
+          <p:cNvPr id="15" name="图片 14"/>
           <p:cNvPicPr>
             <a:picLocks noChangeAspect="1"/>
           </p:cNvPicPr>
           <p:nvPr/>
         </p:nvPicPr>
         <p:blipFill>
-          <a:blip r:embed="rId5"/>
+          <a:blip r:embed="rId3"/>
           <a:stretch>
             <a:fillRect/>
           </a:stretch>
@@ -6903,13 +6812,7 @@
       </p:pic>
       <p:sp>
         <p:nvSpPr>
-          <p:cNvPr id="16" name="下箭头 11">
-            <a:extLst>
-              <a:ext uri="{FF2B5EF4-FFF2-40B4-BE49-F238E27FC236}">
-                <a16:creationId xmlns:a16="http://schemas.microsoft.com/office/drawing/2014/main" id="{3FEA8400-A72D-25BE-1D19-AAA1B88CEE1C}"/>
-              </a:ext>
-            </a:extLst>
-          </p:cNvPr>
+          <p:cNvPr id="16" name="下箭头 11"/>
           <p:cNvSpPr/>
           <p:nvPr/>
         </p:nvSpPr>
@@ -6954,11 +6857,6 @@
         </p:txBody>
       </p:sp>
     </p:spTree>
-    <p:extLst>
-      <p:ext uri="{BB962C8B-B14F-4D97-AF65-F5344CB8AC3E}">
-        <p14:creationId xmlns:p14="http://schemas.microsoft.com/office/powerpoint/2010/main" val="3105279882"/>
-      </p:ext>
-    </p:extLst>
   </p:cSld>
   <p:clrMapOvr>
     <a:masterClrMapping/>
@@ -7014,7 +6912,7 @@
         </p:nvSpPr>
         <p:spPr>
           <a:xfrm>
-            <a:off x="399191" y="971400"/>
+            <a:off x="472216" y="1286360"/>
             <a:ext cx="10891956" cy="4724973"/>
           </a:xfrm>
           <a:prstGeom prst="rect">
@@ -7035,41 +6933,238 @@
               <a:buFont typeface="Arial" panose="020B0604020202020204" pitchFamily="34" charset="0"/>
               <a:buChar char="•"/>
             </a:pPr>
-            <a:r>
-              <a:rPr lang="en-US" altLang="zh-CN" sz="2400" b="1" dirty="0">
-                <a:solidFill>
-                  <a:srgbClr val="802258"/>
-                </a:solidFill>
-                <a:latin typeface="华文中宋" panose="02010600040101010101" pitchFamily="2" charset="-122"/>
-                <a:ea typeface="华文中宋" panose="02010600040101010101" pitchFamily="2" charset="-122"/>
-              </a:rPr>
-              <a:t>Privacy Editor</a:t>
-            </a:r>
-          </a:p>
-          <a:p>
-            <a:pPr marL="914400" lvl="1" indent="-457200">
-              <a:lnSpc>
-                <a:spcPct val="150000"/>
-              </a:lnSpc>
-              <a:buFont typeface="Arial" panose="020B0604020202020204" pitchFamily="34" charset="0"/>
-              <a:buChar char="•"/>
-            </a:pPr>
-            <a:r>
-              <a:rPr lang="en-US" altLang="zh-CN" sz="2000" dirty="0">
-                <a:latin typeface="华文中宋" panose="02010600040101010101" pitchFamily="2" charset="-122"/>
-                <a:ea typeface="华文中宋" panose="02010600040101010101" pitchFamily="2" charset="-122"/>
-              </a:rPr>
-              <a:t>setting the activation values of the corresponding neurons to 0</a:t>
-            </a:r>
-          </a:p>
-        </p:txBody>
-      </p:sp>
+            <a:endParaRPr lang="en-US" altLang="zh-CN" sz="2000" dirty="0">
+              <a:latin typeface="华文中宋" panose="02010600040101010101" pitchFamily="2" charset="-122"/>
+              <a:ea typeface="华文中宋" panose="02010600040101010101" pitchFamily="2" charset="-122"/>
+            </a:endParaRPr>
+          </a:p>
+        </p:txBody>
+      </p:sp>
+      <p:pic>
+        <p:nvPicPr>
+          <p:cNvPr id="4" name="图片 3"/>
+          <p:cNvPicPr>
+            <a:picLocks noChangeAspect="1"/>
+          </p:cNvPicPr>
+          <p:nvPr/>
+        </p:nvPicPr>
+        <p:blipFill>
+          <a:blip r:embed="rId1"/>
+          <a:stretch>
+            <a:fillRect/>
+          </a:stretch>
+        </p:blipFill>
+        <p:spPr>
+          <a:xfrm>
+            <a:off x="1553131" y="1896174"/>
+            <a:ext cx="3073558" cy="736638"/>
+          </a:xfrm>
+          <a:prstGeom prst="rect">
+            <a:avLst/>
+          </a:prstGeom>
+        </p:spPr>
+      </p:pic>
+      <p:sp>
+        <p:nvSpPr>
+          <p:cNvPr id="6" name="下箭头 11"/>
+          <p:cNvSpPr/>
+          <p:nvPr/>
+        </p:nvSpPr>
+        <p:spPr>
+          <a:xfrm>
+            <a:off x="2652843" y="2977988"/>
+            <a:ext cx="613185" cy="711414"/>
+          </a:xfrm>
+          <a:prstGeom prst="downArrow">
+            <a:avLst/>
+          </a:prstGeom>
+          <a:solidFill>
+            <a:srgbClr val="802258"/>
+          </a:solidFill>
+          <a:ln>
+            <a:noFill/>
+          </a:ln>
+        </p:spPr>
+        <p:style>
+          <a:lnRef idx="2">
+            <a:schemeClr val="accent1">
+              <a:shade val="50000"/>
+            </a:schemeClr>
+          </a:lnRef>
+          <a:fillRef idx="1">
+            <a:schemeClr val="accent1"/>
+          </a:fillRef>
+          <a:effectRef idx="0">
+            <a:schemeClr val="accent1"/>
+          </a:effectRef>
+          <a:fontRef idx="minor">
+            <a:schemeClr val="lt1"/>
+          </a:fontRef>
+        </p:style>
+        <p:txBody>
+          <a:bodyPr rtlCol="0" anchor="ctr"/>
+          <a:p>
+            <a:pPr algn="ctr"/>
+            <a:endParaRPr kumimoji="1" lang="zh-CN" altLang="en-US"/>
+          </a:p>
+        </p:txBody>
+      </p:sp>
+      <p:sp>
+        <p:nvSpPr>
+          <p:cNvPr id="7" name="爆炸形 1 6"/>
+          <p:cNvSpPr/>
+          <p:nvPr/>
+        </p:nvSpPr>
+        <p:spPr>
+          <a:xfrm>
+            <a:off x="6502400" y="1455420"/>
+            <a:ext cx="4748530" cy="1873250"/>
+          </a:xfrm>
+          <a:prstGeom prst="irregularSeal1">
+            <a:avLst/>
+          </a:prstGeom>
+          <a:gradFill>
+            <a:gsLst>
+              <a:gs pos="0">
+                <a:srgbClr val="7B32B2"/>
+              </a:gs>
+              <a:gs pos="100000">
+                <a:srgbClr val="401A5D"/>
+              </a:gs>
+            </a:gsLst>
+            <a:lin scaled="0"/>
+          </a:gradFill>
+        </p:spPr>
+        <p:style>
+          <a:lnRef idx="2">
+            <a:schemeClr val="accent1">
+              <a:shade val="50000"/>
+            </a:schemeClr>
+          </a:lnRef>
+          <a:fillRef idx="1">
+            <a:schemeClr val="accent1"/>
+          </a:fillRef>
+          <a:effectRef idx="0">
+            <a:schemeClr val="accent1"/>
+          </a:effectRef>
+          <a:fontRef idx="minor">
+            <a:schemeClr val="lt1"/>
+          </a:fontRef>
+        </p:style>
+        <p:txBody>
+          <a:bodyPr rtlCol="0" anchor="ctr"/>
+          <a:p>
+            <a:pPr algn="ctr"/>
+            <a:r>
+              <a:rPr lang="en-US" altLang="zh-CN" sz="3600" b="1"/>
+              <a:t>Is it </a:t>
+            </a:r>
+            <a:r>
+              <a:rPr lang="en-US" altLang="zh-CN" sz="3600" b="1"/>
+              <a:t>true</a:t>
+            </a:r>
+            <a:r>
+              <a:rPr lang="zh-CN" altLang="en-US" sz="3600" b="1"/>
+              <a:t>？</a:t>
+            </a:r>
+            <a:endParaRPr lang="zh-CN" altLang="en-US" sz="3600" b="1"/>
+          </a:p>
+        </p:txBody>
+      </p:sp>
+      <p:pic>
+        <p:nvPicPr>
+          <p:cNvPr id="8" name="图片 7"/>
+          <p:cNvPicPr>
+            <a:picLocks noChangeAspect="1"/>
+          </p:cNvPicPr>
+          <p:nvPr/>
+        </p:nvPicPr>
+        <p:blipFill>
+          <a:blip r:embed="rId2"/>
+          <a:stretch>
+            <a:fillRect/>
+          </a:stretch>
+        </p:blipFill>
+        <p:spPr>
+          <a:xfrm>
+            <a:off x="985520" y="4034790"/>
+            <a:ext cx="4572000" cy="635000"/>
+          </a:xfrm>
+          <a:prstGeom prst="rect">
+            <a:avLst/>
+          </a:prstGeom>
+        </p:spPr>
+      </p:pic>
+      <p:sp>
+        <p:nvSpPr>
+          <p:cNvPr id="9" name="下箭头 11"/>
+          <p:cNvSpPr/>
+          <p:nvPr/>
+        </p:nvSpPr>
+        <p:spPr>
+          <a:xfrm rot="16200000">
+            <a:off x="5839908" y="3870798"/>
+            <a:ext cx="613185" cy="711414"/>
+          </a:xfrm>
+          <a:prstGeom prst="downArrow">
+            <a:avLst/>
+          </a:prstGeom>
+          <a:solidFill>
+            <a:srgbClr val="802258"/>
+          </a:solidFill>
+          <a:ln>
+            <a:noFill/>
+          </a:ln>
+        </p:spPr>
+        <p:style>
+          <a:lnRef idx="2">
+            <a:schemeClr val="accent1">
+              <a:shade val="50000"/>
+            </a:schemeClr>
+          </a:lnRef>
+          <a:fillRef idx="1">
+            <a:schemeClr val="accent1"/>
+          </a:fillRef>
+          <a:effectRef idx="0">
+            <a:schemeClr val="accent1"/>
+          </a:effectRef>
+          <a:fontRef idx="minor">
+            <a:schemeClr val="lt1"/>
+          </a:fontRef>
+        </p:style>
+        <p:txBody>
+          <a:bodyPr rtlCol="0" anchor="ctr"/>
+          <a:p>
+            <a:pPr algn="ctr"/>
+            <a:endParaRPr kumimoji="1" lang="zh-CN" altLang="en-US"/>
+          </a:p>
+        </p:txBody>
+      </p:sp>
+      <p:pic>
+        <p:nvPicPr>
+          <p:cNvPr id="10" name="图片 9"/>
+          <p:cNvPicPr>
+            <a:picLocks noChangeAspect="1"/>
+          </p:cNvPicPr>
+          <p:nvPr/>
+        </p:nvPicPr>
+        <p:blipFill>
+          <a:blip r:embed="rId3"/>
+          <a:stretch>
+            <a:fillRect/>
+          </a:stretch>
+        </p:blipFill>
+        <p:spPr>
+          <a:xfrm>
+            <a:off x="6825615" y="3592830"/>
+            <a:ext cx="4966335" cy="1391285"/>
+          </a:xfrm>
+          <a:prstGeom prst="rect">
+            <a:avLst/>
+          </a:prstGeom>
+        </p:spPr>
+      </p:pic>
     </p:spTree>
-    <p:extLst>
-      <p:ext uri="{BB962C8B-B14F-4D97-AF65-F5344CB8AC3E}">
-        <p14:creationId xmlns:p14="http://schemas.microsoft.com/office/powerpoint/2010/main" val="4138193118"/>
-      </p:ext>
-    </p:extLst>
   </p:cSld>
   <p:clrMapOvr>
     <a:masterClrMapping/>
@@ -7154,8 +7249,15 @@
                 <a:latin typeface="华文中宋" panose="02010600040101010101" pitchFamily="2" charset="-122"/>
                 <a:ea typeface="华文中宋" panose="02010600040101010101" pitchFamily="2" charset="-122"/>
               </a:rPr>
-              <a:t>Privacy Neuron Aggregator</a:t>
-            </a:r>
+              <a:t>Privacy Editor</a:t>
+            </a:r>
+            <a:endParaRPr lang="en-US" altLang="zh-CN" sz="2400" b="1" dirty="0">
+              <a:solidFill>
+                <a:srgbClr val="802258"/>
+              </a:solidFill>
+              <a:latin typeface="华文中宋" panose="02010600040101010101" pitchFamily="2" charset="-122"/>
+              <a:ea typeface="华文中宋" panose="02010600040101010101" pitchFamily="2" charset="-122"/>
+            </a:endParaRPr>
           </a:p>
           <a:p>
             <a:pPr marL="914400" lvl="1" indent="-457200">
@@ -7170,81 +7272,16 @@
                 <a:latin typeface="华文中宋" panose="02010600040101010101" pitchFamily="2" charset="-122"/>
                 <a:ea typeface="华文中宋" panose="02010600040101010101" pitchFamily="2" charset="-122"/>
               </a:rPr>
-              <a:t>erase privacy information encoded in the language model</a:t>
-            </a:r>
-          </a:p>
-          <a:p>
-            <a:pPr marL="914400" lvl="1" indent="-457200">
-              <a:lnSpc>
-                <a:spcPct val="150000"/>
-              </a:lnSpc>
-              <a:buFont typeface="Arial" panose="020B0604020202020204" pitchFamily="34" charset="0"/>
-              <a:buChar char="•"/>
-            </a:pPr>
-            <a:r>
-              <a:rPr lang="en-US" altLang="zh-CN" sz="2000" dirty="0">
-                <a:latin typeface="华文中宋" panose="02010600040101010101" pitchFamily="2" charset="-122"/>
-                <a:ea typeface="华文中宋" panose="02010600040101010101" pitchFamily="2" charset="-122"/>
-              </a:rPr>
-              <a:t>propose the privacy neuron aggregator</a:t>
-            </a:r>
-          </a:p>
-          <a:p>
-            <a:pPr marL="1371600" lvl="2" indent="-457200">
-              <a:lnSpc>
-                <a:spcPct val="150000"/>
-              </a:lnSpc>
-              <a:buFont typeface="Arial" panose="020B0604020202020204" pitchFamily="34" charset="0"/>
-              <a:buChar char="•"/>
-            </a:pPr>
-            <a:r>
-              <a:rPr lang="en-US" altLang="zh-CN" sz="2000" dirty="0">
-                <a:latin typeface="华文中宋" panose="02010600040101010101" pitchFamily="2" charset="-122"/>
-                <a:ea typeface="华文中宋" panose="02010600040101010101" pitchFamily="2" charset="-122"/>
-              </a:rPr>
-              <a:t>calculate the privacy attribution score matrix of each sequence in the batch</a:t>
-            </a:r>
-          </a:p>
-          <a:p>
-            <a:pPr marL="1371600" lvl="2" indent="-457200">
-              <a:lnSpc>
-                <a:spcPct val="150000"/>
-              </a:lnSpc>
-              <a:buFont typeface="Arial" panose="020B0604020202020204" pitchFamily="34" charset="0"/>
-              <a:buChar char="•"/>
-            </a:pPr>
-            <a:r>
-              <a:rPr lang="en-US" altLang="zh-CN" sz="2000" dirty="0">
-                <a:latin typeface="华文中宋" panose="02010600040101010101" pitchFamily="2" charset="-122"/>
-                <a:ea typeface="华文中宋" panose="02010600040101010101" pitchFamily="2" charset="-122"/>
-              </a:rPr>
-              <a:t>let each sequence vote for neurons according to their privacy attribution scores</a:t>
-            </a:r>
-          </a:p>
-          <a:p>
-            <a:pPr marL="1371600" lvl="2" indent="-457200">
-              <a:lnSpc>
-                <a:spcPct val="150000"/>
-              </a:lnSpc>
-              <a:buFont typeface="Arial" panose="020B0604020202020204" pitchFamily="34" charset="0"/>
-              <a:buChar char="•"/>
-            </a:pPr>
-            <a:r>
-              <a:rPr lang="en-US" altLang="zh-CN" sz="2000" dirty="0">
-                <a:latin typeface="华文中宋" panose="02010600040101010101" pitchFamily="2" charset="-122"/>
-                <a:ea typeface="华文中宋" panose="02010600040101010101" pitchFamily="2" charset="-122"/>
-              </a:rPr>
-              <a:t>select the top z neurons with the most votes</a:t>
-            </a:r>
+              <a:t>setting the activation values of the corresponding neurons to 0</a:t>
+            </a:r>
+            <a:endParaRPr lang="en-US" altLang="zh-CN" sz="2000" dirty="0">
+              <a:latin typeface="华文中宋" panose="02010600040101010101" pitchFamily="2" charset="-122"/>
+              <a:ea typeface="华文中宋" panose="02010600040101010101" pitchFamily="2" charset="-122"/>
+            </a:endParaRPr>
           </a:p>
         </p:txBody>
       </p:sp>
     </p:spTree>
-    <p:extLst>
-      <p:ext uri="{BB962C8B-B14F-4D97-AF65-F5344CB8AC3E}">
-        <p14:creationId xmlns:p14="http://schemas.microsoft.com/office/powerpoint/2010/main" val="3412095408"/>
-      </p:ext>
-    </p:extLst>
   </p:cSld>
   <p:clrMapOvr>
     <a:masterClrMapping/>
@@ -7285,8 +7322,8 @@
           <a:lstStyle/>
           <a:p>
             <a:r>
-              <a:rPr lang="en-US" altLang="zh-CN" b="1" dirty="0"/>
-              <a:t>Experiments</a:t>
+              <a:rPr lang="en-US" altLang="zh-CN" dirty="0"/>
+              <a:t>Methodology</a:t>
             </a:r>
             <a:endParaRPr lang="zh-CN" altLang="en-US" dirty="0"/>
           </a:p>
@@ -7300,8 +7337,8 @@
         </p:nvSpPr>
         <p:spPr>
           <a:xfrm>
-            <a:off x="399190" y="971400"/>
-            <a:ext cx="11792809" cy="4724973"/>
+            <a:off x="399191" y="971400"/>
+            <a:ext cx="10891956" cy="4724973"/>
           </a:xfrm>
           <a:prstGeom prst="rect">
             <a:avLst/>
@@ -7329,8 +7366,15 @@
                 <a:latin typeface="华文中宋" panose="02010600040101010101" pitchFamily="2" charset="-122"/>
                 <a:ea typeface="华文中宋" panose="02010600040101010101" pitchFamily="2" charset="-122"/>
               </a:rPr>
-              <a:t>Setup</a:t>
-            </a:r>
+              <a:t>Privacy Neuron Aggregator</a:t>
+            </a:r>
+            <a:endParaRPr lang="en-US" altLang="zh-CN" sz="2400" b="1" dirty="0">
+              <a:solidFill>
+                <a:srgbClr val="802258"/>
+              </a:solidFill>
+              <a:latin typeface="华文中宋" panose="02010600040101010101" pitchFamily="2" charset="-122"/>
+              <a:ea typeface="华文中宋" panose="02010600040101010101" pitchFamily="2" charset="-122"/>
+            </a:endParaRPr>
           </a:p>
           <a:p>
             <a:pPr marL="914400" lvl="1" indent="-457200">
@@ -7345,22 +7389,12 @@
                 <a:latin typeface="华文中宋" panose="02010600040101010101" pitchFamily="2" charset="-122"/>
                 <a:ea typeface="华文中宋" panose="02010600040101010101" pitchFamily="2" charset="-122"/>
               </a:rPr>
-              <a:t>Dataset</a:t>
-            </a:r>
-            <a:r>
-              <a:rPr lang="zh-CN" altLang="en-US" sz="2000" dirty="0">
-                <a:latin typeface="华文中宋" panose="02010600040101010101" pitchFamily="2" charset="-122"/>
-                <a:ea typeface="华文中宋" panose="02010600040101010101" pitchFamily="2" charset="-122"/>
-              </a:rPr>
-              <a:t>：</a:t>
-            </a:r>
-            <a:r>
-              <a:rPr lang="en-US" altLang="zh-CN" sz="2000" dirty="0">
-                <a:latin typeface="华文中宋" panose="02010600040101010101" pitchFamily="2" charset="-122"/>
-                <a:ea typeface="华文中宋" panose="02010600040101010101" pitchFamily="2" charset="-122"/>
-              </a:rPr>
-              <a:t>Enron</a:t>
-            </a:r>
+              <a:t>erase privacy information encoded in the language model</a:t>
+            </a:r>
+            <a:endParaRPr lang="en-US" altLang="zh-CN" sz="2000" dirty="0">
+              <a:latin typeface="华文中宋" panose="02010600040101010101" pitchFamily="2" charset="-122"/>
+              <a:ea typeface="华文中宋" panose="02010600040101010101" pitchFamily="2" charset="-122"/>
+            </a:endParaRPr>
           </a:p>
           <a:p>
             <a:pPr marL="914400" lvl="1" indent="-457200">
@@ -7375,8 +7409,12 @@
                 <a:latin typeface="华文中宋" panose="02010600040101010101" pitchFamily="2" charset="-122"/>
                 <a:ea typeface="华文中宋" panose="02010600040101010101" pitchFamily="2" charset="-122"/>
               </a:rPr>
-              <a:t>Private Information Sampling</a:t>
-            </a:r>
+              <a:t>propose the privacy neuron aggregator</a:t>
+            </a:r>
+            <a:endParaRPr lang="en-US" altLang="zh-CN" sz="2000" dirty="0">
+              <a:latin typeface="华文中宋" panose="02010600040101010101" pitchFamily="2" charset="-122"/>
+              <a:ea typeface="华文中宋" panose="02010600040101010101" pitchFamily="2" charset="-122"/>
+            </a:endParaRPr>
           </a:p>
           <a:p>
             <a:pPr marL="1371600" lvl="2" indent="-457200">
@@ -7391,54 +7429,12 @@
                 <a:latin typeface="华文中宋" panose="02010600040101010101" pitchFamily="2" charset="-122"/>
                 <a:ea typeface="华文中宋" panose="02010600040101010101" pitchFamily="2" charset="-122"/>
               </a:rPr>
-              <a:t>private phrases,</a:t>
-            </a:r>
-            <a:r>
-              <a:rPr lang="zh-CN" altLang="en-US" sz="2000" dirty="0">
-                <a:latin typeface="华文中宋" panose="02010600040101010101" pitchFamily="2" charset="-122"/>
-                <a:ea typeface="华文中宋" panose="02010600040101010101" pitchFamily="2" charset="-122"/>
-              </a:rPr>
-              <a:t> </a:t>
-            </a:r>
-            <a:r>
-              <a:rPr lang="en-US" altLang="zh-CN" sz="2000" dirty="0">
-                <a:latin typeface="华文中宋" panose="02010600040101010101" pitchFamily="2" charset="-122"/>
-                <a:ea typeface="华文中宋" panose="02010600040101010101" pitchFamily="2" charset="-122"/>
-              </a:rPr>
-              <a:t>for the narrow definition of privacy</a:t>
-            </a:r>
-          </a:p>
-          <a:p>
-            <a:pPr marL="1828800" lvl="3" indent="-457200">
-              <a:lnSpc>
-                <a:spcPct val="150000"/>
-              </a:lnSpc>
-              <a:buFont typeface="Arial" panose="020B0604020202020204" pitchFamily="34" charset="0"/>
-              <a:buChar char="•"/>
-            </a:pPr>
-            <a:r>
-              <a:rPr lang="en-US" altLang="zh-CN" sz="2000" dirty="0">
-                <a:latin typeface="华文中宋" panose="02010600040101010101" pitchFamily="2" charset="-122"/>
-                <a:ea typeface="华文中宋" panose="02010600040101010101" pitchFamily="2" charset="-122"/>
-              </a:rPr>
-              <a:t>Names: 20 unique names that are memorized by language models</a:t>
-            </a:r>
-          </a:p>
-          <a:p>
-            <a:pPr marL="1828800" lvl="3" indent="-457200">
-              <a:lnSpc>
-                <a:spcPct val="150000"/>
-              </a:lnSpc>
-              <a:buFont typeface="Arial" panose="020B0604020202020204" pitchFamily="34" charset="0"/>
-              <a:buChar char="•"/>
-            </a:pPr>
-            <a:r>
-              <a:rPr lang="en-US" altLang="zh-CN" sz="2000" dirty="0">
-                <a:latin typeface="华文中宋" panose="02010600040101010101" pitchFamily="2" charset="-122"/>
-                <a:ea typeface="华文中宋" panose="02010600040101010101" pitchFamily="2" charset="-122"/>
-              </a:rPr>
-              <a:t>Phone Numbers: 20 unique LM-memorized phone numbers</a:t>
-            </a:r>
+              <a:t>calculate the privacy attribution score matrix of each sequence in the batch</a:t>
+            </a:r>
+            <a:endParaRPr lang="en-US" altLang="zh-CN" sz="2000" dirty="0">
+              <a:latin typeface="华文中宋" panose="02010600040101010101" pitchFamily="2" charset="-122"/>
+              <a:ea typeface="华文中宋" panose="02010600040101010101" pitchFamily="2" charset="-122"/>
+            </a:endParaRPr>
           </a:p>
           <a:p>
             <a:pPr marL="1371600" lvl="2" indent="-457200">
@@ -7453,11 +7449,15 @@
                 <a:latin typeface="华文中宋" panose="02010600040101010101" pitchFamily="2" charset="-122"/>
                 <a:ea typeface="华文中宋" panose="02010600040101010101" pitchFamily="2" charset="-122"/>
               </a:rPr>
-              <a:t>a batch of randomly sampled sentences to be edit</a:t>
-            </a:r>
-          </a:p>
-          <a:p>
-            <a:pPr marL="1828800" lvl="3" indent="-457200">
+              <a:t>let each sequence vote for neurons according to their privacy attribution scores</a:t>
+            </a:r>
+            <a:endParaRPr lang="en-US" altLang="zh-CN" sz="2000" dirty="0">
+              <a:latin typeface="华文中宋" panose="02010600040101010101" pitchFamily="2" charset="-122"/>
+              <a:ea typeface="华文中宋" panose="02010600040101010101" pitchFamily="2" charset="-122"/>
+            </a:endParaRPr>
+          </a:p>
+          <a:p>
+            <a:pPr marL="1371600" lvl="2" indent="-457200">
               <a:lnSpc>
                 <a:spcPct val="150000"/>
               </a:lnSpc>
@@ -7469,17 +7469,16 @@
                 <a:latin typeface="华文中宋" panose="02010600040101010101" pitchFamily="2" charset="-122"/>
                 <a:ea typeface="华文中宋" panose="02010600040101010101" pitchFamily="2" charset="-122"/>
               </a:rPr>
-              <a:t>Private texts: 100 sentences that are not semantically overlapping with each other</a:t>
-            </a:r>
+              <a:t>select the top z neurons with the most votes</a:t>
+            </a:r>
+            <a:endParaRPr lang="en-US" altLang="zh-CN" sz="2000" dirty="0">
+              <a:latin typeface="华文中宋" panose="02010600040101010101" pitchFamily="2" charset="-122"/>
+              <a:ea typeface="华文中宋" panose="02010600040101010101" pitchFamily="2" charset="-122"/>
+            </a:endParaRPr>
           </a:p>
         </p:txBody>
       </p:sp>
     </p:spTree>
-    <p:extLst>
-      <p:ext uri="{BB962C8B-B14F-4D97-AF65-F5344CB8AC3E}">
-        <p14:creationId xmlns:p14="http://schemas.microsoft.com/office/powerpoint/2010/main" val="2468030"/>
-      </p:ext>
-    </p:extLst>
   </p:cSld>
   <p:clrMapOvr>
     <a:masterClrMapping/>
@@ -7536,7 +7535,7 @@
         <p:spPr>
           <a:xfrm>
             <a:off x="399190" y="971400"/>
-            <a:ext cx="11792809" cy="5497133"/>
+            <a:ext cx="11792809" cy="4724973"/>
           </a:xfrm>
           <a:prstGeom prst="rect">
             <a:avLst/>
@@ -7566,6 +7565,13 @@
               </a:rPr>
               <a:t>Setup</a:t>
             </a:r>
+            <a:endParaRPr lang="en-US" altLang="zh-CN" sz="2400" b="1" dirty="0">
+              <a:solidFill>
+                <a:srgbClr val="802258"/>
+              </a:solidFill>
+              <a:latin typeface="华文中宋" panose="02010600040101010101" pitchFamily="2" charset="-122"/>
+              <a:ea typeface="华文中宋" panose="02010600040101010101" pitchFamily="2" charset="-122"/>
+            </a:endParaRPr>
           </a:p>
           <a:p>
             <a:pPr marL="914400" lvl="1" indent="-457200">
@@ -7580,7 +7586,7 @@
                 <a:latin typeface="华文中宋" panose="02010600040101010101" pitchFamily="2" charset="-122"/>
                 <a:ea typeface="华文中宋" panose="02010600040101010101" pitchFamily="2" charset="-122"/>
               </a:rPr>
-              <a:t>Model Settings</a:t>
+              <a:t>Dataset</a:t>
             </a:r>
             <a:r>
               <a:rPr lang="zh-CN" altLang="en-US" sz="2000" dirty="0">
@@ -7594,8 +7600,12 @@
                 <a:latin typeface="华文中宋" panose="02010600040101010101" pitchFamily="2" charset="-122"/>
                 <a:ea typeface="华文中宋" panose="02010600040101010101" pitchFamily="2" charset="-122"/>
               </a:rPr>
-              <a:t>BERT-base, 12 transformer layers</a:t>
-            </a:r>
+              <a:t>Enron</a:t>
+            </a:r>
+            <a:endParaRPr lang="en-US" altLang="zh-CN" sz="2000" dirty="0">
+              <a:latin typeface="华文中宋" panose="02010600040101010101" pitchFamily="2" charset="-122"/>
+              <a:ea typeface="华文中宋" panose="02010600040101010101" pitchFamily="2" charset="-122"/>
+            </a:endParaRPr>
           </a:p>
           <a:p>
             <a:pPr marL="914400" lvl="1" indent="-457200">
@@ -7610,8 +7620,12 @@
                 <a:latin typeface="华文中宋" panose="02010600040101010101" pitchFamily="2" charset="-122"/>
                 <a:ea typeface="华文中宋" panose="02010600040101010101" pitchFamily="2" charset="-122"/>
               </a:rPr>
-              <a:t>Baseline</a:t>
-            </a:r>
+              <a:t>Private Information Sampling</a:t>
+            </a:r>
+            <a:endParaRPr lang="en-US" altLang="zh-CN" sz="2000" dirty="0">
+              <a:latin typeface="华文中宋" panose="02010600040101010101" pitchFamily="2" charset="-122"/>
+              <a:ea typeface="华文中宋" panose="02010600040101010101" pitchFamily="2" charset="-122"/>
+            </a:endParaRPr>
           </a:p>
           <a:p>
             <a:pPr marL="1371600" lvl="2" indent="-457200">
@@ -7626,8 +7640,66 @@
                 <a:latin typeface="华文中宋" panose="02010600040101010101" pitchFamily="2" charset="-122"/>
                 <a:ea typeface="华文中宋" panose="02010600040101010101" pitchFamily="2" charset="-122"/>
               </a:rPr>
-              <a:t>BERT-O: No Enron, an oracle for assessing the risk of privacy leakage</a:t>
-            </a:r>
+              <a:t>private phrases,</a:t>
+            </a:r>
+            <a:r>
+              <a:rPr lang="zh-CN" altLang="en-US" sz="2000" dirty="0">
+                <a:latin typeface="华文中宋" panose="02010600040101010101" pitchFamily="2" charset="-122"/>
+                <a:ea typeface="华文中宋" panose="02010600040101010101" pitchFamily="2" charset="-122"/>
+              </a:rPr>
+              <a:t> </a:t>
+            </a:r>
+            <a:r>
+              <a:rPr lang="en-US" altLang="zh-CN" sz="2000" dirty="0">
+                <a:latin typeface="华文中宋" panose="02010600040101010101" pitchFamily="2" charset="-122"/>
+                <a:ea typeface="华文中宋" panose="02010600040101010101" pitchFamily="2" charset="-122"/>
+              </a:rPr>
+              <a:t>for the narrow definition of privacy</a:t>
+            </a:r>
+            <a:endParaRPr lang="en-US" altLang="zh-CN" sz="2000" dirty="0">
+              <a:latin typeface="华文中宋" panose="02010600040101010101" pitchFamily="2" charset="-122"/>
+              <a:ea typeface="华文中宋" panose="02010600040101010101" pitchFamily="2" charset="-122"/>
+            </a:endParaRPr>
+          </a:p>
+          <a:p>
+            <a:pPr marL="1828800" lvl="3" indent="-457200">
+              <a:lnSpc>
+                <a:spcPct val="150000"/>
+              </a:lnSpc>
+              <a:buFont typeface="Arial" panose="020B0604020202020204" pitchFamily="34" charset="0"/>
+              <a:buChar char="•"/>
+            </a:pPr>
+            <a:r>
+              <a:rPr lang="en-US" altLang="zh-CN" sz="2000" dirty="0">
+                <a:latin typeface="华文中宋" panose="02010600040101010101" pitchFamily="2" charset="-122"/>
+                <a:ea typeface="华文中宋" panose="02010600040101010101" pitchFamily="2" charset="-122"/>
+              </a:rPr>
+              <a:t>Names: 20 unique names that are memorized by language models</a:t>
+            </a:r>
+            <a:endParaRPr lang="en-US" altLang="zh-CN" sz="2000" dirty="0">
+              <a:latin typeface="华文中宋" panose="02010600040101010101" pitchFamily="2" charset="-122"/>
+              <a:ea typeface="华文中宋" panose="02010600040101010101" pitchFamily="2" charset="-122"/>
+            </a:endParaRPr>
+          </a:p>
+          <a:p>
+            <a:pPr marL="1828800" lvl="3" indent="-457200">
+              <a:lnSpc>
+                <a:spcPct val="150000"/>
+              </a:lnSpc>
+              <a:buFont typeface="Arial" panose="020B0604020202020204" pitchFamily="34" charset="0"/>
+              <a:buChar char="•"/>
+            </a:pPr>
+            <a:r>
+              <a:rPr lang="en-US" altLang="zh-CN" sz="2000" dirty="0">
+                <a:latin typeface="华文中宋" panose="02010600040101010101" pitchFamily="2" charset="-122"/>
+                <a:ea typeface="华文中宋" panose="02010600040101010101" pitchFamily="2" charset="-122"/>
+              </a:rPr>
+              <a:t>Phone Numbers: 20 unique LM-memorized phone numbers</a:t>
+            </a:r>
+            <a:endParaRPr lang="en-US" altLang="zh-CN" sz="2000" dirty="0">
+              <a:latin typeface="华文中宋" panose="02010600040101010101" pitchFamily="2" charset="-122"/>
+              <a:ea typeface="华文中宋" panose="02010600040101010101" pitchFamily="2" charset="-122"/>
+            </a:endParaRPr>
           </a:p>
           <a:p>
             <a:pPr marL="1371600" lvl="2" indent="-457200">
@@ -7642,11 +7714,15 @@
                 <a:latin typeface="华文中宋" panose="02010600040101010101" pitchFamily="2" charset="-122"/>
                 <a:ea typeface="华文中宋" panose="02010600040101010101" pitchFamily="2" charset="-122"/>
               </a:rPr>
-              <a:t>BERT-F: Enron + BERT, best predictive performance on the Enron, has the greatest risk of privacy leakage</a:t>
-            </a:r>
-          </a:p>
-          <a:p>
-            <a:pPr marL="1371600" lvl="2" indent="-457200">
+              <a:t>a batch of randomly sampled sentences to be edit</a:t>
+            </a:r>
+            <a:endParaRPr lang="en-US" altLang="zh-CN" sz="2000" dirty="0">
+              <a:latin typeface="华文中宋" panose="02010600040101010101" pitchFamily="2" charset="-122"/>
+              <a:ea typeface="华文中宋" panose="02010600040101010101" pitchFamily="2" charset="-122"/>
+            </a:endParaRPr>
+          </a:p>
+          <a:p>
+            <a:pPr marL="1828800" lvl="3" indent="-457200">
               <a:lnSpc>
                 <a:spcPct val="150000"/>
               </a:lnSpc>
@@ -7658,17 +7734,16 @@
                 <a:latin typeface="华文中宋" panose="02010600040101010101" pitchFamily="2" charset="-122"/>
                 <a:ea typeface="华文中宋" panose="02010600040101010101" pitchFamily="2" charset="-122"/>
               </a:rPr>
-              <a:t>BERT-DP: Enron + BERT + differential privacy gradient descent</a:t>
-            </a:r>
+              <a:t>Private texts: 100 sentences that are not semantically overlapping with each other</a:t>
+            </a:r>
+            <a:endParaRPr lang="en-US" altLang="zh-CN" sz="2000" dirty="0">
+              <a:latin typeface="华文中宋" panose="02010600040101010101" pitchFamily="2" charset="-122"/>
+              <a:ea typeface="华文中宋" panose="02010600040101010101" pitchFamily="2" charset="-122"/>
+            </a:endParaRPr>
           </a:p>
         </p:txBody>
       </p:sp>
     </p:spTree>
-    <p:extLst>
-      <p:ext uri="{BB962C8B-B14F-4D97-AF65-F5344CB8AC3E}">
-        <p14:creationId xmlns:p14="http://schemas.microsoft.com/office/powerpoint/2010/main" val="4093196619"/>
-      </p:ext>
-    </p:extLst>
   </p:cSld>
   <p:clrMapOvr>
     <a:masterClrMapping/>
@@ -7755,6 +7830,13 @@
               </a:rPr>
               <a:t>Setup</a:t>
             </a:r>
+            <a:endParaRPr lang="en-US" altLang="zh-CN" sz="2400" b="1" dirty="0">
+              <a:solidFill>
+                <a:srgbClr val="802258"/>
+              </a:solidFill>
+              <a:latin typeface="华文中宋" panose="02010600040101010101" pitchFamily="2" charset="-122"/>
+              <a:ea typeface="华文中宋" panose="02010600040101010101" pitchFamily="2" charset="-122"/>
+            </a:endParaRPr>
           </a:p>
           <a:p>
             <a:pPr marL="914400" lvl="1" indent="-457200">
@@ -7769,8 +7851,46 @@
                 <a:latin typeface="华文中宋" panose="02010600040101010101" pitchFamily="2" charset="-122"/>
                 <a:ea typeface="华文中宋" panose="02010600040101010101" pitchFamily="2" charset="-122"/>
               </a:rPr>
-              <a:t>Metrics</a:t>
-            </a:r>
+              <a:t>Model Settings</a:t>
+            </a:r>
+            <a:r>
+              <a:rPr lang="zh-CN" altLang="en-US" sz="2000" dirty="0">
+                <a:latin typeface="华文中宋" panose="02010600040101010101" pitchFamily="2" charset="-122"/>
+                <a:ea typeface="华文中宋" panose="02010600040101010101" pitchFamily="2" charset="-122"/>
+              </a:rPr>
+              <a:t>：</a:t>
+            </a:r>
+            <a:r>
+              <a:rPr lang="en-US" altLang="zh-CN" sz="2000" dirty="0">
+                <a:latin typeface="华文中宋" panose="02010600040101010101" pitchFamily="2" charset="-122"/>
+                <a:ea typeface="华文中宋" panose="02010600040101010101" pitchFamily="2" charset="-122"/>
+              </a:rPr>
+              <a:t>BERT-base, 12 transformer layers</a:t>
+            </a:r>
+            <a:endParaRPr lang="en-US" altLang="zh-CN" sz="2000" dirty="0">
+              <a:latin typeface="华文中宋" panose="02010600040101010101" pitchFamily="2" charset="-122"/>
+              <a:ea typeface="华文中宋" panose="02010600040101010101" pitchFamily="2" charset="-122"/>
+            </a:endParaRPr>
+          </a:p>
+          <a:p>
+            <a:pPr marL="914400" lvl="1" indent="-457200">
+              <a:lnSpc>
+                <a:spcPct val="150000"/>
+              </a:lnSpc>
+              <a:buFont typeface="Arial" panose="020B0604020202020204" pitchFamily="34" charset="0"/>
+              <a:buChar char="•"/>
+            </a:pPr>
+            <a:r>
+              <a:rPr lang="en-US" altLang="zh-CN" sz="2000" dirty="0">
+                <a:latin typeface="华文中宋" panose="02010600040101010101" pitchFamily="2" charset="-122"/>
+                <a:ea typeface="华文中宋" panose="02010600040101010101" pitchFamily="2" charset="-122"/>
+              </a:rPr>
+              <a:t>Baseline</a:t>
+            </a:r>
+            <a:endParaRPr lang="en-US" altLang="zh-CN" sz="2000" dirty="0">
+              <a:latin typeface="华文中宋" panose="02010600040101010101" pitchFamily="2" charset="-122"/>
+              <a:ea typeface="华文中宋" panose="02010600040101010101" pitchFamily="2" charset="-122"/>
+            </a:endParaRPr>
           </a:p>
           <a:p>
             <a:pPr marL="1371600" lvl="2" indent="-457200">
@@ -7785,8 +7905,12 @@
                 <a:latin typeface="华文中宋" panose="02010600040101010101" pitchFamily="2" charset="-122"/>
                 <a:ea typeface="华文中宋" panose="02010600040101010101" pitchFamily="2" charset="-122"/>
               </a:rPr>
-              <a:t>Exposure: measure the exposure risk of phone numbers</a:t>
-            </a:r>
+              <a:t>BERT-O: No Enron, an oracle for assessing the risk of privacy leakage</a:t>
+            </a:r>
+            <a:endParaRPr lang="en-US" altLang="zh-CN" sz="2000" dirty="0">
+              <a:latin typeface="华文中宋" panose="02010600040101010101" pitchFamily="2" charset="-122"/>
+              <a:ea typeface="华文中宋" panose="02010600040101010101" pitchFamily="2" charset="-122"/>
+            </a:endParaRPr>
           </a:p>
           <a:p>
             <a:pPr marL="1371600" lvl="2" indent="-457200">
@@ -7801,8 +7925,12 @@
                 <a:latin typeface="华文中宋" panose="02010600040101010101" pitchFamily="2" charset="-122"/>
                 <a:ea typeface="华文中宋" panose="02010600040101010101" pitchFamily="2" charset="-122"/>
               </a:rPr>
-              <a:t>Mean Reciprocal Rank (MRR): measure the model's memorization of names</a:t>
-            </a:r>
+              <a:t>BERT-F: Enron + BERT, best predictive performance on the Enron, has the greatest risk of privacy leakage</a:t>
+            </a:r>
+            <a:endParaRPr lang="en-US" altLang="zh-CN" sz="2000" dirty="0">
+              <a:latin typeface="华文中宋" panose="02010600040101010101" pitchFamily="2" charset="-122"/>
+              <a:ea typeface="华文中宋" panose="02010600040101010101" pitchFamily="2" charset="-122"/>
+            </a:endParaRPr>
           </a:p>
           <a:p>
             <a:pPr marL="1371600" lvl="2" indent="-457200">
@@ -7812,108 +7940,21 @@
               <a:buFont typeface="Arial" panose="020B0604020202020204" pitchFamily="34" charset="0"/>
               <a:buChar char="•"/>
             </a:pPr>
+            <a:r>
+              <a:rPr lang="en-US" altLang="zh-CN" sz="2000" dirty="0">
+                <a:latin typeface="华文中宋" panose="02010600040101010101" pitchFamily="2" charset="-122"/>
+                <a:ea typeface="华文中宋" panose="02010600040101010101" pitchFamily="2" charset="-122"/>
+              </a:rPr>
+              <a:t>BERT-DP: Enron + BERT + differential privacy gradient descent</a:t>
+            </a:r>
             <a:endParaRPr lang="en-US" altLang="zh-CN" sz="2000" dirty="0">
               <a:latin typeface="华文中宋" panose="02010600040101010101" pitchFamily="2" charset="-122"/>
               <a:ea typeface="华文中宋" panose="02010600040101010101" pitchFamily="2" charset="-122"/>
             </a:endParaRPr>
           </a:p>
-          <a:p>
-            <a:pPr marL="1371600" lvl="2" indent="-457200">
-              <a:lnSpc>
-                <a:spcPct val="150000"/>
-              </a:lnSpc>
-              <a:buFont typeface="Arial" panose="020B0604020202020204" pitchFamily="34" charset="0"/>
-              <a:buChar char="•"/>
-            </a:pPr>
-            <a:endParaRPr lang="en-US" altLang="zh-CN" sz="2000" dirty="0">
-              <a:latin typeface="华文中宋" panose="02010600040101010101" pitchFamily="2" charset="-122"/>
-              <a:ea typeface="华文中宋" panose="02010600040101010101" pitchFamily="2" charset="-122"/>
-            </a:endParaRPr>
-          </a:p>
-          <a:p>
-            <a:pPr marL="1371600" lvl="2" indent="-457200">
-              <a:lnSpc>
-                <a:spcPct val="150000"/>
-              </a:lnSpc>
-              <a:buFont typeface="Arial" panose="020B0604020202020204" pitchFamily="34" charset="0"/>
-              <a:buChar char="•"/>
-            </a:pPr>
-            <a:r>
-              <a:rPr lang="en-US" altLang="zh-CN" sz="2000" dirty="0">
-                <a:latin typeface="华文中宋" panose="02010600040101010101" pitchFamily="2" charset="-122"/>
-                <a:ea typeface="华文中宋" panose="02010600040101010101" pitchFamily="2" charset="-122"/>
-              </a:rPr>
-              <a:t>Perplexity (PPL): measure the model memorization</a:t>
-            </a:r>
-          </a:p>
-        </p:txBody>
-      </p:sp>
-      <p:pic>
-        <p:nvPicPr>
-          <p:cNvPr id="5" name="图片 4">
-            <a:extLst>
-              <a:ext uri="{FF2B5EF4-FFF2-40B4-BE49-F238E27FC236}">
-                <a16:creationId xmlns:a16="http://schemas.microsoft.com/office/drawing/2014/main" id="{8EA75BCB-2BDA-0805-07EA-DD91502B22C5}"/>
-              </a:ext>
-            </a:extLst>
-          </p:cNvPr>
-          <p:cNvPicPr>
-            <a:picLocks noChangeAspect="1"/>
-          </p:cNvPicPr>
-          <p:nvPr/>
-        </p:nvPicPr>
-        <p:blipFill>
-          <a:blip r:embed="rId3"/>
-          <a:stretch>
-            <a:fillRect/>
-          </a:stretch>
-        </p:blipFill>
-        <p:spPr>
-          <a:xfrm>
-            <a:off x="8888108" y="2048407"/>
-            <a:ext cx="2760830" cy="434777"/>
-          </a:xfrm>
-          <a:prstGeom prst="rect">
-            <a:avLst/>
-          </a:prstGeom>
-        </p:spPr>
-      </p:pic>
-      <p:pic>
-        <p:nvPicPr>
-          <p:cNvPr id="7" name="图片 6">
-            <a:extLst>
-              <a:ext uri="{FF2B5EF4-FFF2-40B4-BE49-F238E27FC236}">
-                <a16:creationId xmlns:a16="http://schemas.microsoft.com/office/drawing/2014/main" id="{5DCC2485-E8F1-753A-E660-BAC3FA652D1C}"/>
-              </a:ext>
-            </a:extLst>
-          </p:cNvPr>
-          <p:cNvPicPr>
-            <a:picLocks noChangeAspect="1"/>
-          </p:cNvPicPr>
-          <p:nvPr/>
-        </p:nvPicPr>
-        <p:blipFill>
-          <a:blip r:embed="rId4"/>
-          <a:stretch>
-            <a:fillRect/>
-          </a:stretch>
-        </p:blipFill>
-        <p:spPr>
-          <a:xfrm>
-            <a:off x="1725356" y="3032849"/>
-            <a:ext cx="1952166" cy="792302"/>
-          </a:xfrm>
-          <a:prstGeom prst="rect">
-            <a:avLst/>
-          </a:prstGeom>
-        </p:spPr>
-      </p:pic>
+        </p:txBody>
+      </p:sp>
     </p:spTree>
-    <p:extLst>
-      <p:ext uri="{BB962C8B-B14F-4D97-AF65-F5344CB8AC3E}">
-        <p14:creationId xmlns:p14="http://schemas.microsoft.com/office/powerpoint/2010/main" val="2751668217"/>
-      </p:ext>
-    </p:extLst>
   </p:cSld>
   <p:clrMapOvr>
     <a:masterClrMapping/>
@@ -7970,6 +8011,257 @@
         <p:spPr>
           <a:xfrm>
             <a:off x="399190" y="971400"/>
+            <a:ext cx="11792809" cy="5497133"/>
+          </a:xfrm>
+          <a:prstGeom prst="rect">
+            <a:avLst/>
+          </a:prstGeom>
+          <a:noFill/>
+        </p:spPr>
+        <p:txBody>
+          <a:bodyPr wrap="square" rtlCol="0">
+            <a:noAutofit/>
+          </a:bodyPr>
+          <a:lstStyle/>
+          <a:p>
+            <a:pPr marL="457200" indent="-457200">
+              <a:lnSpc>
+                <a:spcPct val="150000"/>
+              </a:lnSpc>
+              <a:buFont typeface="Arial" panose="020B0604020202020204" pitchFamily="34" charset="0"/>
+              <a:buChar char="•"/>
+            </a:pPr>
+            <a:r>
+              <a:rPr lang="en-US" altLang="zh-CN" sz="2400" b="1" dirty="0">
+                <a:solidFill>
+                  <a:srgbClr val="802258"/>
+                </a:solidFill>
+                <a:latin typeface="华文中宋" panose="02010600040101010101" pitchFamily="2" charset="-122"/>
+                <a:ea typeface="华文中宋" panose="02010600040101010101" pitchFamily="2" charset="-122"/>
+              </a:rPr>
+              <a:t>Setup</a:t>
+            </a:r>
+            <a:endParaRPr lang="en-US" altLang="zh-CN" sz="2400" b="1" dirty="0">
+              <a:solidFill>
+                <a:srgbClr val="802258"/>
+              </a:solidFill>
+              <a:latin typeface="华文中宋" panose="02010600040101010101" pitchFamily="2" charset="-122"/>
+              <a:ea typeface="华文中宋" panose="02010600040101010101" pitchFamily="2" charset="-122"/>
+            </a:endParaRPr>
+          </a:p>
+          <a:p>
+            <a:pPr marL="914400" lvl="1" indent="-457200">
+              <a:lnSpc>
+                <a:spcPct val="150000"/>
+              </a:lnSpc>
+              <a:buFont typeface="Arial" panose="020B0604020202020204" pitchFamily="34" charset="0"/>
+              <a:buChar char="•"/>
+            </a:pPr>
+            <a:r>
+              <a:rPr lang="en-US" altLang="zh-CN" sz="2000" dirty="0">
+                <a:latin typeface="华文中宋" panose="02010600040101010101" pitchFamily="2" charset="-122"/>
+                <a:ea typeface="华文中宋" panose="02010600040101010101" pitchFamily="2" charset="-122"/>
+              </a:rPr>
+              <a:t>Metrics</a:t>
+            </a:r>
+            <a:endParaRPr lang="en-US" altLang="zh-CN" sz="2000" dirty="0">
+              <a:latin typeface="华文中宋" panose="02010600040101010101" pitchFamily="2" charset="-122"/>
+              <a:ea typeface="华文中宋" panose="02010600040101010101" pitchFamily="2" charset="-122"/>
+            </a:endParaRPr>
+          </a:p>
+          <a:p>
+            <a:pPr marL="1371600" lvl="2" indent="-457200">
+              <a:lnSpc>
+                <a:spcPct val="150000"/>
+              </a:lnSpc>
+              <a:buFont typeface="Arial" panose="020B0604020202020204" pitchFamily="34" charset="0"/>
+              <a:buChar char="•"/>
+            </a:pPr>
+            <a:r>
+              <a:rPr lang="en-US" altLang="zh-CN" sz="2000" dirty="0">
+                <a:latin typeface="华文中宋" panose="02010600040101010101" pitchFamily="2" charset="-122"/>
+                <a:ea typeface="华文中宋" panose="02010600040101010101" pitchFamily="2" charset="-122"/>
+              </a:rPr>
+              <a:t>Exposure: measure the exposure risk of phone numbers</a:t>
+            </a:r>
+            <a:endParaRPr lang="en-US" altLang="zh-CN" sz="2000" dirty="0">
+              <a:latin typeface="华文中宋" panose="02010600040101010101" pitchFamily="2" charset="-122"/>
+              <a:ea typeface="华文中宋" panose="02010600040101010101" pitchFamily="2" charset="-122"/>
+            </a:endParaRPr>
+          </a:p>
+          <a:p>
+            <a:pPr marL="1371600" lvl="2" indent="-457200">
+              <a:lnSpc>
+                <a:spcPct val="150000"/>
+              </a:lnSpc>
+              <a:buFont typeface="Arial" panose="020B0604020202020204" pitchFamily="34" charset="0"/>
+              <a:buChar char="•"/>
+            </a:pPr>
+            <a:r>
+              <a:rPr lang="en-US" altLang="zh-CN" sz="2000" dirty="0">
+                <a:latin typeface="华文中宋" panose="02010600040101010101" pitchFamily="2" charset="-122"/>
+                <a:ea typeface="华文中宋" panose="02010600040101010101" pitchFamily="2" charset="-122"/>
+              </a:rPr>
+              <a:t>Mean Reciprocal Rank (MRR): measure the model's memorization of names</a:t>
+            </a:r>
+            <a:endParaRPr lang="en-US" altLang="zh-CN" sz="2000" dirty="0">
+              <a:latin typeface="华文中宋" panose="02010600040101010101" pitchFamily="2" charset="-122"/>
+              <a:ea typeface="华文中宋" panose="02010600040101010101" pitchFamily="2" charset="-122"/>
+            </a:endParaRPr>
+          </a:p>
+          <a:p>
+            <a:pPr marL="1371600" lvl="2" indent="-457200">
+              <a:lnSpc>
+                <a:spcPct val="150000"/>
+              </a:lnSpc>
+              <a:buFont typeface="Arial" panose="020B0604020202020204" pitchFamily="34" charset="0"/>
+              <a:buChar char="•"/>
+            </a:pPr>
+            <a:endParaRPr lang="en-US" altLang="zh-CN" sz="2000" dirty="0">
+              <a:latin typeface="华文中宋" panose="02010600040101010101" pitchFamily="2" charset="-122"/>
+              <a:ea typeface="华文中宋" panose="02010600040101010101" pitchFamily="2" charset="-122"/>
+            </a:endParaRPr>
+          </a:p>
+          <a:p>
+            <a:pPr marL="1371600" lvl="2" indent="-457200">
+              <a:lnSpc>
+                <a:spcPct val="150000"/>
+              </a:lnSpc>
+              <a:buFont typeface="Arial" panose="020B0604020202020204" pitchFamily="34" charset="0"/>
+              <a:buChar char="•"/>
+            </a:pPr>
+            <a:endParaRPr lang="en-US" altLang="zh-CN" sz="2000" dirty="0">
+              <a:latin typeface="华文中宋" panose="02010600040101010101" pitchFamily="2" charset="-122"/>
+              <a:ea typeface="华文中宋" panose="02010600040101010101" pitchFamily="2" charset="-122"/>
+            </a:endParaRPr>
+          </a:p>
+          <a:p>
+            <a:pPr marL="1371600" lvl="2" indent="-457200">
+              <a:lnSpc>
+                <a:spcPct val="150000"/>
+              </a:lnSpc>
+              <a:buFont typeface="Arial" panose="020B0604020202020204" pitchFamily="34" charset="0"/>
+              <a:buChar char="•"/>
+            </a:pPr>
+            <a:r>
+              <a:rPr lang="en-US" altLang="zh-CN" sz="2000" dirty="0">
+                <a:latin typeface="华文中宋" panose="02010600040101010101" pitchFamily="2" charset="-122"/>
+                <a:ea typeface="华文中宋" panose="02010600040101010101" pitchFamily="2" charset="-122"/>
+              </a:rPr>
+              <a:t>Perplexity (PPL): measure the model memorization</a:t>
+            </a:r>
+            <a:endParaRPr lang="en-US" altLang="zh-CN" sz="2000" dirty="0">
+              <a:latin typeface="华文中宋" panose="02010600040101010101" pitchFamily="2" charset="-122"/>
+              <a:ea typeface="华文中宋" panose="02010600040101010101" pitchFamily="2" charset="-122"/>
+            </a:endParaRPr>
+          </a:p>
+        </p:txBody>
+      </p:sp>
+      <p:pic>
+        <p:nvPicPr>
+          <p:cNvPr id="5" name="图片 4"/>
+          <p:cNvPicPr>
+            <a:picLocks noChangeAspect="1"/>
+          </p:cNvPicPr>
+          <p:nvPr/>
+        </p:nvPicPr>
+        <p:blipFill>
+          <a:blip r:embed="rId1"/>
+          <a:stretch>
+            <a:fillRect/>
+          </a:stretch>
+        </p:blipFill>
+        <p:spPr>
+          <a:xfrm>
+            <a:off x="8888108" y="2048407"/>
+            <a:ext cx="2760830" cy="434777"/>
+          </a:xfrm>
+          <a:prstGeom prst="rect">
+            <a:avLst/>
+          </a:prstGeom>
+        </p:spPr>
+      </p:pic>
+      <p:pic>
+        <p:nvPicPr>
+          <p:cNvPr id="7" name="图片 6"/>
+          <p:cNvPicPr>
+            <a:picLocks noChangeAspect="1"/>
+          </p:cNvPicPr>
+          <p:nvPr/>
+        </p:nvPicPr>
+        <p:blipFill>
+          <a:blip r:embed="rId2"/>
+          <a:stretch>
+            <a:fillRect/>
+          </a:stretch>
+        </p:blipFill>
+        <p:spPr>
+          <a:xfrm>
+            <a:off x="1725356" y="3032849"/>
+            <a:ext cx="1952166" cy="792302"/>
+          </a:xfrm>
+          <a:prstGeom prst="rect">
+            <a:avLst/>
+          </a:prstGeom>
+        </p:spPr>
+      </p:pic>
+    </p:spTree>
+  </p:cSld>
+  <p:clrMapOvr>
+    <a:masterClrMapping/>
+  </p:clrMapOvr>
+</p:sld>
+</file>
+
+<file path=ppt/slides/slide17.xml><?xml version="1.0" encoding="utf-8"?>
+<p:sld xmlns:a="http://schemas.openxmlformats.org/drawingml/2006/main" xmlns:r="http://schemas.openxmlformats.org/officeDocument/2006/relationships" xmlns:p="http://schemas.openxmlformats.org/presentationml/2006/main">
+  <p:cSld>
+    <p:spTree>
+      <p:nvGrpSpPr>
+        <p:cNvPr id="1" name=""/>
+        <p:cNvGrpSpPr/>
+        <p:nvPr/>
+      </p:nvGrpSpPr>
+      <p:grpSpPr>
+        <a:xfrm>
+          <a:off x="0" y="0"/>
+          <a:ext cx="0" cy="0"/>
+          <a:chOff x="0" y="0"/>
+          <a:chExt cx="0" cy="0"/>
+        </a:xfrm>
+      </p:grpSpPr>
+      <p:sp>
+        <p:nvSpPr>
+          <p:cNvPr id="2" name="标题 1"/>
+          <p:cNvSpPr>
+            <a:spLocks noGrp="1"/>
+          </p:cNvSpPr>
+          <p:nvPr>
+            <p:ph type="title"/>
+          </p:nvPr>
+        </p:nvSpPr>
+        <p:spPr/>
+        <p:txBody>
+          <a:bodyPr/>
+          <a:lstStyle/>
+          <a:p>
+            <a:r>
+              <a:rPr lang="en-US" altLang="zh-CN" b="1" dirty="0"/>
+              <a:t>Experiments</a:t>
+            </a:r>
+            <a:endParaRPr lang="zh-CN" altLang="en-US" dirty="0"/>
+          </a:p>
+        </p:txBody>
+      </p:sp>
+      <p:sp>
+        <p:nvSpPr>
+          <p:cNvPr id="3" name="文本框 2"/>
+          <p:cNvSpPr txBox="1"/>
+          <p:nvPr/>
+        </p:nvSpPr>
+        <p:spPr>
+          <a:xfrm>
+            <a:off x="399190" y="971400"/>
             <a:ext cx="11792809" cy="681293"/>
           </a:xfrm>
           <a:prstGeom prst="rect">
@@ -8000,25 +8292,26 @@
               </a:rPr>
               <a:t>Main Results</a:t>
             </a:r>
+            <a:endParaRPr lang="en-US" altLang="zh-CN" sz="2400" b="1" dirty="0">
+              <a:solidFill>
+                <a:srgbClr val="802258"/>
+              </a:solidFill>
+              <a:latin typeface="华文中宋" panose="02010600040101010101" pitchFamily="2" charset="-122"/>
+              <a:ea typeface="华文中宋" panose="02010600040101010101" pitchFamily="2" charset="-122"/>
+            </a:endParaRPr>
           </a:p>
         </p:txBody>
       </p:sp>
       <p:pic>
         <p:nvPicPr>
-          <p:cNvPr id="6" name="图片 5">
-            <a:extLst>
-              <a:ext uri="{FF2B5EF4-FFF2-40B4-BE49-F238E27FC236}">
-                <a16:creationId xmlns:a16="http://schemas.microsoft.com/office/drawing/2014/main" id="{6C624072-D8A9-226F-D158-81AA026375BD}"/>
-              </a:ext>
-            </a:extLst>
-          </p:cNvPr>
+          <p:cNvPr id="6" name="图片 5"/>
           <p:cNvPicPr>
             <a:picLocks noChangeAspect="1"/>
           </p:cNvPicPr>
           <p:nvPr/>
         </p:nvPicPr>
         <p:blipFill>
-          <a:blip r:embed="rId3"/>
+          <a:blip r:embed="rId1"/>
           <a:stretch>
             <a:fillRect/>
           </a:stretch>
@@ -8035,13 +8328,7 @@
       </p:pic>
       <p:grpSp>
         <p:nvGrpSpPr>
-          <p:cNvPr id="20" name="组合 19">
-            <a:extLst>
-              <a:ext uri="{FF2B5EF4-FFF2-40B4-BE49-F238E27FC236}">
-                <a16:creationId xmlns:a16="http://schemas.microsoft.com/office/drawing/2014/main" id="{F58D8D15-22EC-95E5-573E-0CA6863F74E8}"/>
-              </a:ext>
-            </a:extLst>
-          </p:cNvPr>
+          <p:cNvPr id="20" name="组合 19"/>
           <p:cNvGrpSpPr/>
           <p:nvPr/>
         </p:nvGrpSpPr>
@@ -8055,13 +8342,7 @@
         </p:grpSpPr>
         <p:sp>
           <p:nvSpPr>
-            <p:cNvPr id="8" name="矩形 7">
-              <a:extLst>
-                <a:ext uri="{FF2B5EF4-FFF2-40B4-BE49-F238E27FC236}">
-                  <a16:creationId xmlns:a16="http://schemas.microsoft.com/office/drawing/2014/main" id="{86398A25-45ED-FE25-0247-BC8ADA7FEE15}"/>
-                </a:ext>
-              </a:extLst>
-            </p:cNvPr>
+            <p:cNvPr id="8" name="矩形 7"/>
             <p:cNvSpPr/>
             <p:nvPr/>
           </p:nvSpPr>
@@ -8107,13 +8388,7 @@
         </p:sp>
         <p:sp>
           <p:nvSpPr>
-            <p:cNvPr id="9" name="矩形 8">
-              <a:extLst>
-                <a:ext uri="{FF2B5EF4-FFF2-40B4-BE49-F238E27FC236}">
-                  <a16:creationId xmlns:a16="http://schemas.microsoft.com/office/drawing/2014/main" id="{B409F537-523B-5D3C-3086-A5E77DEC0B6B}"/>
-                </a:ext>
-              </a:extLst>
-            </p:cNvPr>
+            <p:cNvPr id="9" name="矩形 8"/>
             <p:cNvSpPr/>
             <p:nvPr/>
           </p:nvSpPr>
@@ -8159,13 +8434,7 @@
         </p:sp>
         <p:sp>
           <p:nvSpPr>
-            <p:cNvPr id="10" name="矩形 9">
-              <a:extLst>
-                <a:ext uri="{FF2B5EF4-FFF2-40B4-BE49-F238E27FC236}">
-                  <a16:creationId xmlns:a16="http://schemas.microsoft.com/office/drawing/2014/main" id="{771F43AE-B954-F188-7837-CAE44025819E}"/>
-                </a:ext>
-              </a:extLst>
-            </p:cNvPr>
+            <p:cNvPr id="10" name="矩形 9"/>
             <p:cNvSpPr/>
             <p:nvPr/>
           </p:nvSpPr>
@@ -8211,13 +8480,7 @@
         </p:sp>
         <p:sp>
           <p:nvSpPr>
-            <p:cNvPr id="11" name="矩形 10">
-              <a:extLst>
-                <a:ext uri="{FF2B5EF4-FFF2-40B4-BE49-F238E27FC236}">
-                  <a16:creationId xmlns:a16="http://schemas.microsoft.com/office/drawing/2014/main" id="{090726F9-E55D-A3D8-231D-2516001F56B8}"/>
-                </a:ext>
-              </a:extLst>
-            </p:cNvPr>
+            <p:cNvPr id="11" name="矩形 10"/>
             <p:cNvSpPr/>
             <p:nvPr/>
           </p:nvSpPr>
@@ -8263,13 +8526,7 @@
         </p:sp>
         <p:sp>
           <p:nvSpPr>
-            <p:cNvPr id="12" name="矩形 11">
-              <a:extLst>
-                <a:ext uri="{FF2B5EF4-FFF2-40B4-BE49-F238E27FC236}">
-                  <a16:creationId xmlns:a16="http://schemas.microsoft.com/office/drawing/2014/main" id="{C737E8A4-8404-4CBC-5A85-CBD637903A48}"/>
-                </a:ext>
-              </a:extLst>
-            </p:cNvPr>
+            <p:cNvPr id="12" name="矩形 11"/>
             <p:cNvSpPr/>
             <p:nvPr/>
           </p:nvSpPr>
@@ -8315,13 +8572,7 @@
         </p:sp>
         <p:sp>
           <p:nvSpPr>
-            <p:cNvPr id="13" name="矩形 12">
-              <a:extLst>
-                <a:ext uri="{FF2B5EF4-FFF2-40B4-BE49-F238E27FC236}">
-                  <a16:creationId xmlns:a16="http://schemas.microsoft.com/office/drawing/2014/main" id="{C6D93333-1148-A1AB-646F-959E5BB2F318}"/>
-                </a:ext>
-              </a:extLst>
-            </p:cNvPr>
+            <p:cNvPr id="13" name="矩形 12"/>
             <p:cNvSpPr/>
             <p:nvPr/>
           </p:nvSpPr>
@@ -8368,13 +8619,7 @@
       </p:grpSp>
       <p:grpSp>
         <p:nvGrpSpPr>
-          <p:cNvPr id="18" name="组合 17">
-            <a:extLst>
-              <a:ext uri="{FF2B5EF4-FFF2-40B4-BE49-F238E27FC236}">
-                <a16:creationId xmlns:a16="http://schemas.microsoft.com/office/drawing/2014/main" id="{2D7A5D1D-4984-8558-F4E9-CE76EB1E161E}"/>
-              </a:ext>
-            </a:extLst>
-          </p:cNvPr>
+          <p:cNvPr id="18" name="组合 17"/>
           <p:cNvGrpSpPr/>
           <p:nvPr/>
         </p:nvGrpSpPr>
@@ -8388,13 +8633,7 @@
         </p:grpSpPr>
         <p:sp>
           <p:nvSpPr>
-            <p:cNvPr id="14" name="矩形 13">
-              <a:extLst>
-                <a:ext uri="{FF2B5EF4-FFF2-40B4-BE49-F238E27FC236}">
-                  <a16:creationId xmlns:a16="http://schemas.microsoft.com/office/drawing/2014/main" id="{2216A2D8-A61B-A32E-489E-6D58DDE21D7A}"/>
-                </a:ext>
-              </a:extLst>
-            </p:cNvPr>
+            <p:cNvPr id="14" name="矩形 13"/>
             <p:cNvSpPr/>
             <p:nvPr/>
           </p:nvSpPr>
@@ -8440,13 +8679,7 @@
         </p:sp>
         <p:sp>
           <p:nvSpPr>
-            <p:cNvPr id="15" name="矩形 14">
-              <a:extLst>
-                <a:ext uri="{FF2B5EF4-FFF2-40B4-BE49-F238E27FC236}">
-                  <a16:creationId xmlns:a16="http://schemas.microsoft.com/office/drawing/2014/main" id="{3A385FD7-2A99-0C25-AE11-3990DAF1AD0F}"/>
-                </a:ext>
-              </a:extLst>
-            </p:cNvPr>
+            <p:cNvPr id="15" name="矩形 14"/>
             <p:cNvSpPr/>
             <p:nvPr/>
           </p:nvSpPr>
@@ -8492,13 +8725,7 @@
         </p:sp>
         <p:sp>
           <p:nvSpPr>
-            <p:cNvPr id="16" name="矩形 15">
-              <a:extLst>
-                <a:ext uri="{FF2B5EF4-FFF2-40B4-BE49-F238E27FC236}">
-                  <a16:creationId xmlns:a16="http://schemas.microsoft.com/office/drawing/2014/main" id="{959C43F9-4B6A-F3AB-1851-813343CC491D}"/>
-                </a:ext>
-              </a:extLst>
-            </p:cNvPr>
+            <p:cNvPr id="16" name="矩形 15"/>
             <p:cNvSpPr/>
             <p:nvPr/>
           </p:nvSpPr>
@@ -8545,13 +8772,7 @@
       </p:grpSp>
       <p:grpSp>
         <p:nvGrpSpPr>
-          <p:cNvPr id="26" name="组合 25">
-            <a:extLst>
-              <a:ext uri="{FF2B5EF4-FFF2-40B4-BE49-F238E27FC236}">
-                <a16:creationId xmlns:a16="http://schemas.microsoft.com/office/drawing/2014/main" id="{F25DDD6D-0E70-4A97-4988-E31648669E6D}"/>
-              </a:ext>
-            </a:extLst>
-          </p:cNvPr>
+          <p:cNvPr id="26" name="组合 25"/>
           <p:cNvGrpSpPr/>
           <p:nvPr/>
         </p:nvGrpSpPr>
@@ -8565,13 +8786,7 @@
         </p:grpSpPr>
         <p:sp>
           <p:nvSpPr>
-            <p:cNvPr id="19" name="矩形 18">
-              <a:extLst>
-                <a:ext uri="{FF2B5EF4-FFF2-40B4-BE49-F238E27FC236}">
-                  <a16:creationId xmlns:a16="http://schemas.microsoft.com/office/drawing/2014/main" id="{152DAD73-1556-0659-EC34-3E684B6CB885}"/>
-                </a:ext>
-              </a:extLst>
-            </p:cNvPr>
+            <p:cNvPr id="19" name="矩形 18"/>
             <p:cNvSpPr/>
             <p:nvPr/>
           </p:nvSpPr>
@@ -8617,13 +8832,7 @@
         </p:sp>
         <p:sp>
           <p:nvSpPr>
-            <p:cNvPr id="21" name="矩形 20">
-              <a:extLst>
-                <a:ext uri="{FF2B5EF4-FFF2-40B4-BE49-F238E27FC236}">
-                  <a16:creationId xmlns:a16="http://schemas.microsoft.com/office/drawing/2014/main" id="{FD2FCA24-111B-06D6-6DC6-115024CEBB18}"/>
-                </a:ext>
-              </a:extLst>
-            </p:cNvPr>
+            <p:cNvPr id="21" name="矩形 20"/>
             <p:cNvSpPr/>
             <p:nvPr/>
           </p:nvSpPr>
@@ -8669,13 +8878,7 @@
         </p:sp>
         <p:sp>
           <p:nvSpPr>
-            <p:cNvPr id="22" name="矩形 21">
-              <a:extLst>
-                <a:ext uri="{FF2B5EF4-FFF2-40B4-BE49-F238E27FC236}">
-                  <a16:creationId xmlns:a16="http://schemas.microsoft.com/office/drawing/2014/main" id="{61161A79-D68B-150A-8F0F-A61817BE3280}"/>
-                </a:ext>
-              </a:extLst>
-            </p:cNvPr>
+            <p:cNvPr id="22" name="矩形 21"/>
             <p:cNvSpPr/>
             <p:nvPr/>
           </p:nvSpPr>
@@ -8722,13 +8925,7 @@
       </p:grpSp>
       <p:grpSp>
         <p:nvGrpSpPr>
-          <p:cNvPr id="33" name="组合 32">
-            <a:extLst>
-              <a:ext uri="{FF2B5EF4-FFF2-40B4-BE49-F238E27FC236}">
-                <a16:creationId xmlns:a16="http://schemas.microsoft.com/office/drawing/2014/main" id="{394EDCE2-A7DC-426D-56DA-13839E3406C8}"/>
-              </a:ext>
-            </a:extLst>
-          </p:cNvPr>
+          <p:cNvPr id="33" name="组合 32"/>
           <p:cNvGrpSpPr/>
           <p:nvPr/>
         </p:nvGrpSpPr>
@@ -8742,13 +8939,7 @@
         </p:grpSpPr>
         <p:sp>
           <p:nvSpPr>
-            <p:cNvPr id="30" name="矩形 29">
-              <a:extLst>
-                <a:ext uri="{FF2B5EF4-FFF2-40B4-BE49-F238E27FC236}">
-                  <a16:creationId xmlns:a16="http://schemas.microsoft.com/office/drawing/2014/main" id="{2FA170C5-68A2-2AC0-A6C2-B1F281188DB8}"/>
-                </a:ext>
-              </a:extLst>
-            </p:cNvPr>
+            <p:cNvPr id="30" name="矩形 29"/>
             <p:cNvSpPr/>
             <p:nvPr/>
           </p:nvSpPr>
@@ -8794,13 +8985,7 @@
         </p:sp>
         <p:sp>
           <p:nvSpPr>
-            <p:cNvPr id="31" name="矩形 30">
-              <a:extLst>
-                <a:ext uri="{FF2B5EF4-FFF2-40B4-BE49-F238E27FC236}">
-                  <a16:creationId xmlns:a16="http://schemas.microsoft.com/office/drawing/2014/main" id="{BAFDF943-ADAD-B00E-5D11-18AEA659FC01}"/>
-                </a:ext>
-              </a:extLst>
-            </p:cNvPr>
+            <p:cNvPr id="31" name="矩形 30"/>
             <p:cNvSpPr/>
             <p:nvPr/>
           </p:nvSpPr>
@@ -8846,13 +9031,7 @@
         </p:sp>
         <p:sp>
           <p:nvSpPr>
-            <p:cNvPr id="32" name="矩形 31">
-              <a:extLst>
-                <a:ext uri="{FF2B5EF4-FFF2-40B4-BE49-F238E27FC236}">
-                  <a16:creationId xmlns:a16="http://schemas.microsoft.com/office/drawing/2014/main" id="{5DA60B6B-19C9-9A39-CB2D-663AC446F8BC}"/>
-                </a:ext>
-              </a:extLst>
-            </p:cNvPr>
+            <p:cNvPr id="32" name="矩形 31"/>
             <p:cNvSpPr/>
             <p:nvPr/>
           </p:nvSpPr>
@@ -8898,11 +9077,6 @@
         </p:sp>
       </p:grpSp>
     </p:spTree>
-    <p:extLst>
-      <p:ext uri="{BB962C8B-B14F-4D97-AF65-F5344CB8AC3E}">
-        <p14:creationId xmlns:p14="http://schemas.microsoft.com/office/powerpoint/2010/main" val="4212836861"/>
-      </p:ext>
-    </p:extLst>
   </p:cSld>
   <p:clrMapOvr>
     <a:masterClrMapping/>
@@ -9201,143 +9375,6 @@
 </p:sld>
 </file>
 
-<file path=ppt/slides/slide17.xml><?xml version="1.0" encoding="utf-8"?>
-<p:sld xmlns:a="http://schemas.openxmlformats.org/drawingml/2006/main" xmlns:r="http://schemas.openxmlformats.org/officeDocument/2006/relationships" xmlns:p="http://schemas.openxmlformats.org/presentationml/2006/main">
-  <p:cSld>
-    <p:spTree>
-      <p:nvGrpSpPr>
-        <p:cNvPr id="1" name=""/>
-        <p:cNvGrpSpPr/>
-        <p:nvPr/>
-      </p:nvGrpSpPr>
-      <p:grpSpPr>
-        <a:xfrm>
-          <a:off x="0" y="0"/>
-          <a:ext cx="0" cy="0"/>
-          <a:chOff x="0" y="0"/>
-          <a:chExt cx="0" cy="0"/>
-        </a:xfrm>
-      </p:grpSpPr>
-      <p:sp>
-        <p:nvSpPr>
-          <p:cNvPr id="2" name="标题 1"/>
-          <p:cNvSpPr>
-            <a:spLocks noGrp="1"/>
-          </p:cNvSpPr>
-          <p:nvPr>
-            <p:ph type="title"/>
-          </p:nvPr>
-        </p:nvSpPr>
-        <p:spPr/>
-        <p:txBody>
-          <a:bodyPr/>
-          <a:lstStyle/>
-          <a:p>
-            <a:r>
-              <a:rPr lang="en-US" altLang="zh-CN" b="1" dirty="0"/>
-              <a:t>Analysis</a:t>
-            </a:r>
-          </a:p>
-        </p:txBody>
-      </p:sp>
-      <p:sp>
-        <p:nvSpPr>
-          <p:cNvPr id="3" name="文本框 2"/>
-          <p:cNvSpPr txBox="1"/>
-          <p:nvPr/>
-        </p:nvSpPr>
-        <p:spPr>
-          <a:xfrm>
-            <a:off x="399190" y="971400"/>
-            <a:ext cx="11792809" cy="5497133"/>
-          </a:xfrm>
-          <a:prstGeom prst="rect">
-            <a:avLst/>
-          </a:prstGeom>
-          <a:noFill/>
-        </p:spPr>
-        <p:txBody>
-          <a:bodyPr wrap="square" rtlCol="0">
-            <a:noAutofit/>
-          </a:bodyPr>
-          <a:lstStyle/>
-          <a:p>
-            <a:pPr marL="457200" indent="-457200">
-              <a:lnSpc>
-                <a:spcPct val="150000"/>
-              </a:lnSpc>
-              <a:buFont typeface="Arial" panose="020B0604020202020204" pitchFamily="34" charset="0"/>
-              <a:buChar char="•"/>
-            </a:pPr>
-            <a:r>
-              <a:rPr lang="en-US" altLang="zh-CN" sz="2400" b="1" dirty="0">
-                <a:solidFill>
-                  <a:srgbClr val="802258"/>
-                </a:solidFill>
-                <a:latin typeface="华文中宋" panose="02010600040101010101" pitchFamily="2" charset="-122"/>
-                <a:ea typeface="华文中宋" panose="02010600040101010101" pitchFamily="2" charset="-122"/>
-              </a:rPr>
-              <a:t>Effect of the Hyperparameter</a:t>
-            </a:r>
-          </a:p>
-          <a:p>
-            <a:pPr marL="914400" lvl="1" indent="-457200">
-              <a:lnSpc>
-                <a:spcPct val="150000"/>
-              </a:lnSpc>
-              <a:buFont typeface="Arial" panose="020B0604020202020204" pitchFamily="34" charset="0"/>
-              <a:buChar char="•"/>
-            </a:pPr>
-            <a:endParaRPr lang="en-US" altLang="zh-CN" sz="2000" dirty="0">
-              <a:latin typeface="华文中宋" panose="02010600040101010101" pitchFamily="2" charset="-122"/>
-              <a:ea typeface="华文中宋" panose="02010600040101010101" pitchFamily="2" charset="-122"/>
-            </a:endParaRPr>
-          </a:p>
-        </p:txBody>
-      </p:sp>
-      <p:pic>
-        <p:nvPicPr>
-          <p:cNvPr id="4" name="图片 3">
-            <a:extLst>
-              <a:ext uri="{FF2B5EF4-FFF2-40B4-BE49-F238E27FC236}">
-                <a16:creationId xmlns:a16="http://schemas.microsoft.com/office/drawing/2014/main" id="{FE8DB3BF-B60E-C840-A6C3-3AAD3FB62440}"/>
-              </a:ext>
-            </a:extLst>
-          </p:cNvPr>
-          <p:cNvPicPr>
-            <a:picLocks noChangeAspect="1"/>
-          </p:cNvPicPr>
-          <p:nvPr/>
-        </p:nvPicPr>
-        <p:blipFill>
-          <a:blip r:embed="rId3"/>
-          <a:stretch>
-            <a:fillRect/>
-          </a:stretch>
-        </p:blipFill>
-        <p:spPr>
-          <a:xfrm>
-            <a:off x="1098548" y="1680692"/>
-            <a:ext cx="9994900" cy="4572000"/>
-          </a:xfrm>
-          <a:prstGeom prst="rect">
-            <a:avLst/>
-          </a:prstGeom>
-        </p:spPr>
-      </p:pic>
-    </p:spTree>
-    <p:extLst>
-      <p:ext uri="{BB962C8B-B14F-4D97-AF65-F5344CB8AC3E}">
-        <p14:creationId xmlns:p14="http://schemas.microsoft.com/office/powerpoint/2010/main" val="2088825589"/>
-      </p:ext>
-    </p:extLst>
-  </p:cSld>
-  <p:clrMapOvr>
-    <a:masterClrMapping/>
-  </p:clrMapOvr>
-</p:sld>
-</file>
-
 <file path=ppt/slides/slide18.xml><?xml version="1.0" encoding="utf-8"?>
 <p:sld xmlns:a="http://schemas.openxmlformats.org/drawingml/2006/main" xmlns:r="http://schemas.openxmlformats.org/officeDocument/2006/relationships" xmlns:p="http://schemas.openxmlformats.org/presentationml/2006/main">
   <p:cSld>
@@ -9374,6 +9411,7 @@
               <a:rPr lang="en-US" altLang="zh-CN" b="1" dirty="0"/>
               <a:t>Analysis</a:t>
             </a:r>
+            <a:endParaRPr lang="en-US" altLang="zh-CN" b="1" dirty="0"/>
           </a:p>
         </p:txBody>
       </p:sp>
@@ -9414,18 +9452,24 @@
                 <a:latin typeface="华文中宋" panose="02010600040101010101" pitchFamily="2" charset="-122"/>
                 <a:ea typeface="华文中宋" panose="02010600040101010101" pitchFamily="2" charset="-122"/>
               </a:rPr>
-              <a:t>Effect of the Frequency of Privacy Data </a:t>
-            </a:r>
-            <a:r>
-              <a:rPr lang="en-US" altLang="zh-CN" sz="2400" b="1" dirty="0" err="1">
-                <a:solidFill>
-                  <a:srgbClr val="802258"/>
-                </a:solidFill>
-                <a:latin typeface="华文中宋" panose="02010600040101010101" pitchFamily="2" charset="-122"/>
-                <a:ea typeface="华文中宋" panose="02010600040101010101" pitchFamily="2" charset="-122"/>
-              </a:rPr>
-              <a:t>Ocurrence</a:t>
-            </a:r>
+              <a:t>Effect of the Hyperparameter</a:t>
+            </a:r>
+            <a:endParaRPr lang="en-US" altLang="zh-CN" sz="2400" b="1" dirty="0">
+              <a:solidFill>
+                <a:srgbClr val="802258"/>
+              </a:solidFill>
+              <a:latin typeface="华文中宋" panose="02010600040101010101" pitchFamily="2" charset="-122"/>
+              <a:ea typeface="华文中宋" panose="02010600040101010101" pitchFamily="2" charset="-122"/>
+            </a:endParaRPr>
+          </a:p>
+          <a:p>
+            <a:pPr marL="914400" lvl="1" indent="-457200">
+              <a:lnSpc>
+                <a:spcPct val="150000"/>
+              </a:lnSpc>
+              <a:buFont typeface="Arial" panose="020B0604020202020204" pitchFamily="34" charset="0"/>
+              <a:buChar char="•"/>
+            </a:pPr>
             <a:endParaRPr lang="en-US" altLang="zh-CN" sz="2000" dirty="0">
               <a:latin typeface="华文中宋" panose="02010600040101010101" pitchFamily="2" charset="-122"/>
               <a:ea typeface="华文中宋" panose="02010600040101010101" pitchFamily="2" charset="-122"/>
@@ -9435,28 +9479,22 @@
       </p:sp>
       <p:pic>
         <p:nvPicPr>
-          <p:cNvPr id="5" name="图片 4">
-            <a:extLst>
-              <a:ext uri="{FF2B5EF4-FFF2-40B4-BE49-F238E27FC236}">
-                <a16:creationId xmlns:a16="http://schemas.microsoft.com/office/drawing/2014/main" id="{B0A43C94-AC84-A84B-8D85-47EB9A2A3A8F}"/>
-              </a:ext>
-            </a:extLst>
-          </p:cNvPr>
+          <p:cNvPr id="4" name="图片 3"/>
           <p:cNvPicPr>
             <a:picLocks noChangeAspect="1"/>
           </p:cNvPicPr>
           <p:nvPr/>
         </p:nvPicPr>
         <p:blipFill>
-          <a:blip r:embed="rId3"/>
+          <a:blip r:embed="rId1"/>
           <a:stretch>
             <a:fillRect/>
           </a:stretch>
         </p:blipFill>
         <p:spPr>
           <a:xfrm>
-            <a:off x="3657600" y="2540000"/>
-            <a:ext cx="4876800" cy="1778000"/>
+            <a:off x="1098548" y="1680692"/>
+            <a:ext cx="9994900" cy="4572000"/>
           </a:xfrm>
           <a:prstGeom prst="rect">
             <a:avLst/>
@@ -9464,11 +9502,6 @@
         </p:spPr>
       </p:pic>
     </p:spTree>
-    <p:extLst>
-      <p:ext uri="{BB962C8B-B14F-4D97-AF65-F5344CB8AC3E}">
-        <p14:creationId xmlns:p14="http://schemas.microsoft.com/office/powerpoint/2010/main" val="1894436804"/>
-      </p:ext>
-    </p:extLst>
   </p:cSld>
   <p:clrMapOvr>
     <a:masterClrMapping/>
@@ -9512,6 +9545,7 @@
               <a:rPr lang="en-US" altLang="zh-CN" b="1" dirty="0"/>
               <a:t>Analysis</a:t>
             </a:r>
+            <a:endParaRPr lang="en-US" altLang="zh-CN" b="1" dirty="0"/>
           </a:p>
         </p:txBody>
       </p:sp>
@@ -9552,51 +9586,43 @@
                 <a:latin typeface="华文中宋" panose="02010600040101010101" pitchFamily="2" charset="-122"/>
                 <a:ea typeface="华文中宋" panose="02010600040101010101" pitchFamily="2" charset="-122"/>
               </a:rPr>
-              <a:t>Relationship between Memorization And Privacy Neurons</a:t>
-            </a:r>
-          </a:p>
-          <a:p>
-            <a:pPr marL="914400" lvl="1" indent="-457200">
-              <a:lnSpc>
-                <a:spcPct val="150000"/>
-              </a:lnSpc>
-              <a:buFont typeface="Arial" panose="020B0604020202020204" pitchFamily="34" charset="0"/>
-              <a:buChar char="•"/>
-            </a:pPr>
-            <a:r>
-              <a:rPr lang="en-US" altLang="zh-CN" sz="2000" dirty="0">
-                <a:latin typeface="华文中宋" panose="02010600040101010101" pitchFamily="2" charset="-122"/>
-                <a:ea typeface="华文中宋" panose="02010600040101010101" pitchFamily="2" charset="-122"/>
-              </a:rPr>
-              <a:t>Impact of Training Time on Privacy Neuron Distribution over Layers</a:t>
-            </a:r>
+              <a:t>Effect of the Frequency of Privacy Data </a:t>
+            </a:r>
+            <a:r>
+              <a:rPr lang="en-US" altLang="zh-CN" sz="2400" b="1" dirty="0" err="1">
+                <a:solidFill>
+                  <a:srgbClr val="802258"/>
+                </a:solidFill>
+                <a:latin typeface="华文中宋" panose="02010600040101010101" pitchFamily="2" charset="-122"/>
+                <a:ea typeface="华文中宋" panose="02010600040101010101" pitchFamily="2" charset="-122"/>
+              </a:rPr>
+              <a:t>Ocurrence</a:t>
+            </a:r>
+            <a:endParaRPr lang="en-US" altLang="zh-CN" sz="2000" dirty="0">
+              <a:latin typeface="华文中宋" panose="02010600040101010101" pitchFamily="2" charset="-122"/>
+              <a:ea typeface="华文中宋" panose="02010600040101010101" pitchFamily="2" charset="-122"/>
+            </a:endParaRPr>
           </a:p>
         </p:txBody>
       </p:sp>
       <p:pic>
         <p:nvPicPr>
-          <p:cNvPr id="5" name="图片 4">
-            <a:extLst>
-              <a:ext uri="{FF2B5EF4-FFF2-40B4-BE49-F238E27FC236}">
-                <a16:creationId xmlns:a16="http://schemas.microsoft.com/office/drawing/2014/main" id="{3652A461-7C71-1042-8B99-F14C0583EEA2}"/>
-              </a:ext>
-            </a:extLst>
-          </p:cNvPr>
+          <p:cNvPr id="5" name="图片 4"/>
           <p:cNvPicPr>
             <a:picLocks noChangeAspect="1"/>
           </p:cNvPicPr>
           <p:nvPr/>
         </p:nvPicPr>
         <p:blipFill>
-          <a:blip r:embed="rId3"/>
+          <a:blip r:embed="rId1"/>
           <a:stretch>
             <a:fillRect/>
           </a:stretch>
         </p:blipFill>
         <p:spPr>
           <a:xfrm>
-            <a:off x="2117174" y="2107116"/>
-            <a:ext cx="7957648" cy="4186107"/>
+            <a:off x="3657600" y="2540000"/>
+            <a:ext cx="4876800" cy="1778000"/>
           </a:xfrm>
           <a:prstGeom prst="rect">
             <a:avLst/>
@@ -9604,11 +9630,6 @@
         </p:spPr>
       </p:pic>
     </p:spTree>
-    <p:extLst>
-      <p:ext uri="{BB962C8B-B14F-4D97-AF65-F5344CB8AC3E}">
-        <p14:creationId xmlns:p14="http://schemas.microsoft.com/office/powerpoint/2010/main" val="2147594649"/>
-      </p:ext>
-    </p:extLst>
   </p:cSld>
   <p:clrMapOvr>
     <a:masterClrMapping/>
@@ -9695,6 +9716,13 @@
               </a:rPr>
               <a:t>Tianjin University</a:t>
             </a:r>
+            <a:endParaRPr lang="en-US" altLang="zh-CN" sz="2400" b="1" dirty="0">
+              <a:solidFill>
+                <a:srgbClr val="802258"/>
+              </a:solidFill>
+              <a:latin typeface="华文中宋" panose="02010600040101010101" pitchFamily="2" charset="-122"/>
+              <a:ea typeface="华文中宋" panose="02010600040101010101" pitchFamily="2" charset="-122"/>
+            </a:endParaRPr>
           </a:p>
           <a:p>
             <a:pPr marL="914400" lvl="1" indent="-457200">
@@ -9810,20 +9838,14 @@
       </p:sp>
       <p:pic>
         <p:nvPicPr>
-          <p:cNvPr id="5" name="图片 4">
-            <a:extLst>
-              <a:ext uri="{FF2B5EF4-FFF2-40B4-BE49-F238E27FC236}">
-                <a16:creationId xmlns:a16="http://schemas.microsoft.com/office/drawing/2014/main" id="{0587DBFE-A001-7544-8CE6-92DE537D6F90}"/>
-              </a:ext>
-            </a:extLst>
-          </p:cNvPr>
+          <p:cNvPr id="5" name="图片 4"/>
           <p:cNvPicPr>
             <a:picLocks noChangeAspect="1"/>
           </p:cNvPicPr>
           <p:nvPr/>
         </p:nvPicPr>
         <p:blipFill>
-          <a:blip r:embed="rId3"/>
+          <a:blip r:embed="rId1"/>
           <a:stretch>
             <a:fillRect/>
           </a:stretch>
@@ -9839,11 +9861,6 @@
         </p:spPr>
       </p:pic>
     </p:spTree>
-    <p:extLst>
-      <p:ext uri="{BB962C8B-B14F-4D97-AF65-F5344CB8AC3E}">
-        <p14:creationId xmlns:p14="http://schemas.microsoft.com/office/powerpoint/2010/main" val="732006707"/>
-      </p:ext>
-    </p:extLst>
   </p:cSld>
   <p:clrMapOvr>
     <a:masterClrMapping/>
@@ -9887,6 +9904,7 @@
               <a:rPr lang="en-US" altLang="zh-CN" b="1" dirty="0"/>
               <a:t>Analysis</a:t>
             </a:r>
+            <a:endParaRPr lang="en-US" altLang="zh-CN" b="1" dirty="0"/>
           </a:p>
         </p:txBody>
       </p:sp>
@@ -9929,6 +9947,13 @@
               </a:rPr>
               <a:t>Relationship between Memorization And Privacy Neurons</a:t>
             </a:r>
+            <a:endParaRPr lang="en-US" altLang="zh-CN" sz="2400" b="1" dirty="0">
+              <a:solidFill>
+                <a:srgbClr val="802258"/>
+              </a:solidFill>
+              <a:latin typeface="华文中宋" panose="02010600040101010101" pitchFamily="2" charset="-122"/>
+              <a:ea typeface="华文中宋" panose="02010600040101010101" pitchFamily="2" charset="-122"/>
+            </a:endParaRPr>
           </a:p>
           <a:p>
             <a:pPr marL="914400" lvl="1" indent="-457200">
@@ -9945,49 +9970,31 @@
               </a:rPr>
               <a:t>Impact of Training Time on Privacy Neuron Distribution over Layers</a:t>
             </a:r>
-          </a:p>
-          <a:p>
-            <a:pPr marL="1371600" lvl="2" indent="-457200">
-              <a:lnSpc>
-                <a:spcPct val="150000"/>
-              </a:lnSpc>
-              <a:buFont typeface="Arial" panose="020B0604020202020204" pitchFamily="34" charset="0"/>
-              <a:buChar char="•"/>
-            </a:pPr>
-            <a:r>
-              <a:rPr lang="en-US" altLang="zh-CN" sz="2000" dirty="0">
-                <a:latin typeface="华文中宋" panose="02010600040101010101" pitchFamily="2" charset="-122"/>
-                <a:ea typeface="华文中宋" panose="02010600040101010101" pitchFamily="2" charset="-122"/>
-              </a:rPr>
-              <a:t>the changes in exposure before and after erasing privacy neurons in models with different training epochs</a:t>
-            </a:r>
+            <a:endParaRPr lang="en-US" altLang="zh-CN" sz="2000" dirty="0">
+              <a:latin typeface="华文中宋" panose="02010600040101010101" pitchFamily="2" charset="-122"/>
+              <a:ea typeface="华文中宋" panose="02010600040101010101" pitchFamily="2" charset="-122"/>
+            </a:endParaRPr>
           </a:p>
         </p:txBody>
       </p:sp>
       <p:pic>
         <p:nvPicPr>
-          <p:cNvPr id="6" name="图片 5">
-            <a:extLst>
-              <a:ext uri="{FF2B5EF4-FFF2-40B4-BE49-F238E27FC236}">
-                <a16:creationId xmlns:a16="http://schemas.microsoft.com/office/drawing/2014/main" id="{422919BF-51E7-D042-9052-44AE70954730}"/>
-              </a:ext>
-            </a:extLst>
-          </p:cNvPr>
+          <p:cNvPr id="5" name="图片 4"/>
           <p:cNvPicPr>
             <a:picLocks noChangeAspect="1"/>
           </p:cNvPicPr>
           <p:nvPr/>
         </p:nvPicPr>
         <p:blipFill>
-          <a:blip r:embed="rId3"/>
+          <a:blip r:embed="rId1"/>
           <a:stretch>
             <a:fillRect/>
           </a:stretch>
         </p:blipFill>
         <p:spPr>
           <a:xfrm>
-            <a:off x="4143379" y="2979868"/>
-            <a:ext cx="3905237" cy="3292848"/>
+            <a:off x="2117174" y="2107116"/>
+            <a:ext cx="7957648" cy="4186107"/>
           </a:xfrm>
           <a:prstGeom prst="rect">
             <a:avLst/>
@@ -9995,11 +10002,6 @@
         </p:spPr>
       </p:pic>
     </p:spTree>
-    <p:extLst>
-      <p:ext uri="{BB962C8B-B14F-4D97-AF65-F5344CB8AC3E}">
-        <p14:creationId xmlns:p14="http://schemas.microsoft.com/office/powerpoint/2010/main" val="493063071"/>
-      </p:ext>
-    </p:extLst>
   </p:cSld>
   <p:clrMapOvr>
     <a:masterClrMapping/>
@@ -10043,6 +10045,7 @@
               <a:rPr lang="en-US" altLang="zh-CN" b="1" dirty="0"/>
               <a:t>Analysis</a:t>
             </a:r>
+            <a:endParaRPr lang="en-US" altLang="zh-CN" b="1" dirty="0"/>
           </a:p>
         </p:txBody>
       </p:sp>
@@ -10085,6 +10088,13 @@
               </a:rPr>
               <a:t>Relationship between Memorization And Privacy Neurons</a:t>
             </a:r>
+            <a:endParaRPr lang="en-US" altLang="zh-CN" sz="2400" b="1" dirty="0">
+              <a:solidFill>
+                <a:srgbClr val="802258"/>
+              </a:solidFill>
+              <a:latin typeface="华文中宋" panose="02010600040101010101" pitchFamily="2" charset="-122"/>
+              <a:ea typeface="华文中宋" panose="02010600040101010101" pitchFamily="2" charset="-122"/>
+            </a:endParaRPr>
           </a:p>
           <a:p>
             <a:pPr marL="914400" lvl="1" indent="-457200">
@@ -10101,6 +10111,151 @@
               </a:rPr>
               <a:t>Impact of Training Time on Privacy Neuron Distribution over Layers</a:t>
             </a:r>
+            <a:endParaRPr lang="en-US" altLang="zh-CN" sz="2000" dirty="0">
+              <a:latin typeface="华文中宋" panose="02010600040101010101" pitchFamily="2" charset="-122"/>
+              <a:ea typeface="华文中宋" panose="02010600040101010101" pitchFamily="2" charset="-122"/>
+            </a:endParaRPr>
+          </a:p>
+          <a:p>
+            <a:pPr marL="1371600" lvl="2" indent="-457200">
+              <a:lnSpc>
+                <a:spcPct val="150000"/>
+              </a:lnSpc>
+              <a:buFont typeface="Arial" panose="020B0604020202020204" pitchFamily="34" charset="0"/>
+              <a:buChar char="•"/>
+            </a:pPr>
+            <a:r>
+              <a:rPr lang="en-US" altLang="zh-CN" sz="2000" dirty="0">
+                <a:latin typeface="华文中宋" panose="02010600040101010101" pitchFamily="2" charset="-122"/>
+                <a:ea typeface="华文中宋" panose="02010600040101010101" pitchFamily="2" charset="-122"/>
+              </a:rPr>
+              <a:t>the changes in exposure before and after erasing privacy neurons in models with different training epochs</a:t>
+            </a:r>
+            <a:endParaRPr lang="en-US" altLang="zh-CN" sz="2000" dirty="0">
+              <a:latin typeface="华文中宋" panose="02010600040101010101" pitchFamily="2" charset="-122"/>
+              <a:ea typeface="华文中宋" panose="02010600040101010101" pitchFamily="2" charset="-122"/>
+            </a:endParaRPr>
+          </a:p>
+        </p:txBody>
+      </p:sp>
+      <p:pic>
+        <p:nvPicPr>
+          <p:cNvPr id="6" name="图片 5"/>
+          <p:cNvPicPr>
+            <a:picLocks noChangeAspect="1"/>
+          </p:cNvPicPr>
+          <p:nvPr/>
+        </p:nvPicPr>
+        <p:blipFill>
+          <a:blip r:embed="rId1"/>
+          <a:stretch>
+            <a:fillRect/>
+          </a:stretch>
+        </p:blipFill>
+        <p:spPr>
+          <a:xfrm>
+            <a:off x="4143379" y="2979868"/>
+            <a:ext cx="3905237" cy="3292848"/>
+          </a:xfrm>
+          <a:prstGeom prst="rect">
+            <a:avLst/>
+          </a:prstGeom>
+        </p:spPr>
+      </p:pic>
+    </p:spTree>
+  </p:cSld>
+  <p:clrMapOvr>
+    <a:masterClrMapping/>
+  </p:clrMapOvr>
+</p:sld>
+</file>
+
+<file path=ppt/slides/slide22.xml><?xml version="1.0" encoding="utf-8"?>
+<p:sld xmlns:a="http://schemas.openxmlformats.org/drawingml/2006/main" xmlns:r="http://schemas.openxmlformats.org/officeDocument/2006/relationships" xmlns:p="http://schemas.openxmlformats.org/presentationml/2006/main">
+  <p:cSld>
+    <p:spTree>
+      <p:nvGrpSpPr>
+        <p:cNvPr id="1" name=""/>
+        <p:cNvGrpSpPr/>
+        <p:nvPr/>
+      </p:nvGrpSpPr>
+      <p:grpSpPr>
+        <a:xfrm>
+          <a:off x="0" y="0"/>
+          <a:ext cx="0" cy="0"/>
+          <a:chOff x="0" y="0"/>
+          <a:chExt cx="0" cy="0"/>
+        </a:xfrm>
+      </p:grpSpPr>
+      <p:sp>
+        <p:nvSpPr>
+          <p:cNvPr id="2" name="标题 1"/>
+          <p:cNvSpPr>
+            <a:spLocks noGrp="1"/>
+          </p:cNvSpPr>
+          <p:nvPr>
+            <p:ph type="title"/>
+          </p:nvPr>
+        </p:nvSpPr>
+        <p:spPr/>
+        <p:txBody>
+          <a:bodyPr/>
+          <a:lstStyle/>
+          <a:p>
+            <a:r>
+              <a:rPr lang="en-US" altLang="zh-CN" b="1" dirty="0"/>
+              <a:t>Analysis</a:t>
+            </a:r>
+            <a:endParaRPr lang="en-US" altLang="zh-CN" b="1" dirty="0"/>
+          </a:p>
+        </p:txBody>
+      </p:sp>
+      <p:sp>
+        <p:nvSpPr>
+          <p:cNvPr id="3" name="文本框 2"/>
+          <p:cNvSpPr txBox="1"/>
+          <p:nvPr/>
+        </p:nvSpPr>
+        <p:spPr>
+          <a:xfrm>
+            <a:off x="399190" y="971400"/>
+            <a:ext cx="11792809" cy="5497133"/>
+          </a:xfrm>
+          <a:prstGeom prst="rect">
+            <a:avLst/>
+          </a:prstGeom>
+          <a:noFill/>
+        </p:spPr>
+        <p:txBody>
+          <a:bodyPr wrap="square" rtlCol="0">
+            <a:noAutofit/>
+          </a:bodyPr>
+          <a:lstStyle/>
+          <a:p>
+            <a:pPr marL="457200" indent="-457200">
+              <a:lnSpc>
+                <a:spcPct val="150000"/>
+              </a:lnSpc>
+              <a:buFont typeface="Arial" panose="020B0604020202020204" pitchFamily="34" charset="0"/>
+              <a:buChar char="•"/>
+            </a:pPr>
+            <a:r>
+              <a:rPr lang="en-US" altLang="zh-CN" sz="2400" b="1" dirty="0">
+                <a:solidFill>
+                  <a:srgbClr val="802258"/>
+                </a:solidFill>
+                <a:latin typeface="华文中宋" panose="02010600040101010101" pitchFamily="2" charset="-122"/>
+                <a:ea typeface="华文中宋" panose="02010600040101010101" pitchFamily="2" charset="-122"/>
+              </a:rPr>
+              <a:t>Relationship between Memorization And Privacy Neurons</a:t>
+            </a:r>
+            <a:endParaRPr lang="en-US" altLang="zh-CN" sz="2400" b="1" dirty="0">
+              <a:solidFill>
+                <a:srgbClr val="802258"/>
+              </a:solidFill>
+              <a:latin typeface="华文中宋" panose="02010600040101010101" pitchFamily="2" charset="-122"/>
+              <a:ea typeface="华文中宋" panose="02010600040101010101" pitchFamily="2" charset="-122"/>
+            </a:endParaRPr>
           </a:p>
           <a:p>
             <a:pPr marL="914400" lvl="1" indent="-457200">
@@ -10115,8 +10270,32 @@
                 <a:latin typeface="华文中宋" panose="02010600040101010101" pitchFamily="2" charset="-122"/>
                 <a:ea typeface="华文中宋" panose="02010600040101010101" pitchFamily="2" charset="-122"/>
               </a:rPr>
+              <a:t>Impact of Training Time on Privacy Neuron Distribution over Layers</a:t>
+            </a:r>
+            <a:endParaRPr lang="en-US" altLang="zh-CN" sz="2000" dirty="0">
+              <a:latin typeface="华文中宋" panose="02010600040101010101" pitchFamily="2" charset="-122"/>
+              <a:ea typeface="华文中宋" panose="02010600040101010101" pitchFamily="2" charset="-122"/>
+            </a:endParaRPr>
+          </a:p>
+          <a:p>
+            <a:pPr marL="914400" lvl="1" indent="-457200">
+              <a:lnSpc>
+                <a:spcPct val="150000"/>
+              </a:lnSpc>
+              <a:buFont typeface="Arial" panose="020B0604020202020204" pitchFamily="34" charset="0"/>
+              <a:buChar char="•"/>
+            </a:pPr>
+            <a:r>
+              <a:rPr lang="en-US" altLang="zh-CN" sz="2000" dirty="0">
+                <a:latin typeface="华文中宋" panose="02010600040101010101" pitchFamily="2" charset="-122"/>
+                <a:ea typeface="华文中宋" panose="02010600040101010101" pitchFamily="2" charset="-122"/>
+              </a:rPr>
               <a:t>Effect of the Model Size</a:t>
             </a:r>
+            <a:endParaRPr lang="en-US" altLang="zh-CN" sz="2000" dirty="0">
+              <a:latin typeface="华文中宋" panose="02010600040101010101" pitchFamily="2" charset="-122"/>
+              <a:ea typeface="华文中宋" panose="02010600040101010101" pitchFamily="2" charset="-122"/>
+            </a:endParaRPr>
           </a:p>
           <a:p>
             <a:pPr marL="1371600" lvl="2" indent="-457200">
@@ -10133,6 +10312,10 @@
               </a:rPr>
               <a:t>10 epochs</a:t>
             </a:r>
+            <a:endParaRPr lang="en-US" altLang="zh-CN" sz="2000" dirty="0">
+              <a:latin typeface="华文中宋" panose="02010600040101010101" pitchFamily="2" charset="-122"/>
+              <a:ea typeface="华文中宋" panose="02010600040101010101" pitchFamily="2" charset="-122"/>
+            </a:endParaRPr>
           </a:p>
           <a:p>
             <a:pPr marL="1371600" lvl="2" indent="-457200">
@@ -10149,25 +10332,23 @@
               </a:rPr>
               <a:t>the optimal hyperparameter settings</a:t>
             </a:r>
+            <a:endParaRPr lang="en-US" altLang="zh-CN" sz="2000" dirty="0">
+              <a:latin typeface="华文中宋" panose="02010600040101010101" pitchFamily="2" charset="-122"/>
+              <a:ea typeface="华文中宋" panose="02010600040101010101" pitchFamily="2" charset="-122"/>
+            </a:endParaRPr>
           </a:p>
         </p:txBody>
       </p:sp>
       <p:pic>
         <p:nvPicPr>
-          <p:cNvPr id="4" name="图片 3">
-            <a:extLst>
-              <a:ext uri="{FF2B5EF4-FFF2-40B4-BE49-F238E27FC236}">
-                <a16:creationId xmlns:a16="http://schemas.microsoft.com/office/drawing/2014/main" id="{19B2043A-E800-0C4E-A848-C43140B65A7F}"/>
-              </a:ext>
-            </a:extLst>
-          </p:cNvPr>
+          <p:cNvPr id="4" name="图片 3"/>
           <p:cNvPicPr>
             <a:picLocks noChangeAspect="1"/>
           </p:cNvPicPr>
           <p:nvPr/>
         </p:nvPicPr>
         <p:blipFill>
-          <a:blip r:embed="rId3"/>
+          <a:blip r:embed="rId1"/>
           <a:stretch>
             <a:fillRect/>
           </a:stretch>
@@ -10184,13 +10365,7 @@
       </p:pic>
       <p:sp>
         <p:nvSpPr>
-          <p:cNvPr id="6" name="矩形 5">
-            <a:extLst>
-              <a:ext uri="{FF2B5EF4-FFF2-40B4-BE49-F238E27FC236}">
-                <a16:creationId xmlns:a16="http://schemas.microsoft.com/office/drawing/2014/main" id="{4B4BCFAF-A1C4-3B4B-BE2D-63D19BF05A3D}"/>
-              </a:ext>
-            </a:extLst>
-          </p:cNvPr>
+          <p:cNvPr id="6" name="矩形 5"/>
           <p:cNvSpPr/>
           <p:nvPr/>
         </p:nvSpPr>
@@ -10235,167 +10410,6 @@
         </p:txBody>
       </p:sp>
     </p:spTree>
-    <p:extLst>
-      <p:ext uri="{BB962C8B-B14F-4D97-AF65-F5344CB8AC3E}">
-        <p14:creationId xmlns:p14="http://schemas.microsoft.com/office/powerpoint/2010/main" val="1105268623"/>
-      </p:ext>
-    </p:extLst>
-  </p:cSld>
-  <p:clrMapOvr>
-    <a:masterClrMapping/>
-  </p:clrMapOvr>
-</p:sld>
-</file>
-
-<file path=ppt/slides/slide22.xml><?xml version="1.0" encoding="utf-8"?>
-<p:sld xmlns:a="http://schemas.openxmlformats.org/drawingml/2006/main" xmlns:r="http://schemas.openxmlformats.org/officeDocument/2006/relationships" xmlns:p="http://schemas.openxmlformats.org/presentationml/2006/main">
-  <p:cSld>
-    <p:spTree>
-      <p:nvGrpSpPr>
-        <p:cNvPr id="1" name=""/>
-        <p:cNvGrpSpPr/>
-        <p:nvPr/>
-      </p:nvGrpSpPr>
-      <p:grpSpPr>
-        <a:xfrm>
-          <a:off x="0" y="0"/>
-          <a:ext cx="0" cy="0"/>
-          <a:chOff x="0" y="0"/>
-          <a:chExt cx="0" cy="0"/>
-        </a:xfrm>
-      </p:grpSpPr>
-      <p:sp>
-        <p:nvSpPr>
-          <p:cNvPr id="2" name="标题 1"/>
-          <p:cNvSpPr>
-            <a:spLocks noGrp="1"/>
-          </p:cNvSpPr>
-          <p:nvPr>
-            <p:ph type="title"/>
-          </p:nvPr>
-        </p:nvSpPr>
-        <p:spPr/>
-        <p:txBody>
-          <a:bodyPr/>
-          <a:lstStyle/>
-          <a:p>
-            <a:r>
-              <a:rPr lang="en-US" altLang="zh-CN" b="1" dirty="0"/>
-              <a:t>Analysis</a:t>
-            </a:r>
-          </a:p>
-        </p:txBody>
-      </p:sp>
-      <p:sp>
-        <p:nvSpPr>
-          <p:cNvPr id="3" name="文本框 2"/>
-          <p:cNvSpPr txBox="1"/>
-          <p:nvPr/>
-        </p:nvSpPr>
-        <p:spPr>
-          <a:xfrm>
-            <a:off x="399190" y="971400"/>
-            <a:ext cx="11792809" cy="5497133"/>
-          </a:xfrm>
-          <a:prstGeom prst="rect">
-            <a:avLst/>
-          </a:prstGeom>
-          <a:noFill/>
-        </p:spPr>
-        <p:txBody>
-          <a:bodyPr wrap="square" rtlCol="0">
-            <a:noAutofit/>
-          </a:bodyPr>
-          <a:lstStyle/>
-          <a:p>
-            <a:pPr marL="457200" indent="-457200">
-              <a:lnSpc>
-                <a:spcPct val="150000"/>
-              </a:lnSpc>
-              <a:buFont typeface="Arial" panose="020B0604020202020204" pitchFamily="34" charset="0"/>
-              <a:buChar char="•"/>
-            </a:pPr>
-            <a:r>
-              <a:rPr lang="en-US" altLang="zh-CN" sz="2400" b="1" dirty="0">
-                <a:solidFill>
-                  <a:srgbClr val="802258"/>
-                </a:solidFill>
-                <a:latin typeface="华文中宋" panose="02010600040101010101" pitchFamily="2" charset="-122"/>
-                <a:ea typeface="华文中宋" panose="02010600040101010101" pitchFamily="2" charset="-122"/>
-              </a:rPr>
-              <a:t>Relationship between Memorization And Privacy Neurons</a:t>
-            </a:r>
-          </a:p>
-          <a:p>
-            <a:pPr marL="914400" lvl="1" indent="-457200">
-              <a:lnSpc>
-                <a:spcPct val="150000"/>
-              </a:lnSpc>
-              <a:buFont typeface="Arial" panose="020B0604020202020204" pitchFamily="34" charset="0"/>
-              <a:buChar char="•"/>
-            </a:pPr>
-            <a:r>
-              <a:rPr lang="en-US" altLang="zh-CN" sz="2000" dirty="0">
-                <a:latin typeface="华文中宋" panose="02010600040101010101" pitchFamily="2" charset="-122"/>
-                <a:ea typeface="华文中宋" panose="02010600040101010101" pitchFamily="2" charset="-122"/>
-              </a:rPr>
-              <a:t>Impact of Training Time on Privacy Neuron Distribution over Layers</a:t>
-            </a:r>
-          </a:p>
-          <a:p>
-            <a:pPr marL="914400" lvl="1" indent="-457200">
-              <a:lnSpc>
-                <a:spcPct val="150000"/>
-              </a:lnSpc>
-              <a:buFont typeface="Arial" panose="020B0604020202020204" pitchFamily="34" charset="0"/>
-              <a:buChar char="•"/>
-            </a:pPr>
-            <a:r>
-              <a:rPr lang="en-US" altLang="zh-CN" sz="2000" dirty="0">
-                <a:latin typeface="华文中宋" panose="02010600040101010101" pitchFamily="2" charset="-122"/>
-                <a:ea typeface="华文中宋" panose="02010600040101010101" pitchFamily="2" charset="-122"/>
-              </a:rPr>
-              <a:t>Effect of the Model Size</a:t>
-            </a:r>
-          </a:p>
-          <a:p>
-            <a:pPr marL="914400" lvl="1" indent="-457200">
-              <a:lnSpc>
-                <a:spcPct val="150000"/>
-              </a:lnSpc>
-              <a:buFont typeface="Arial" panose="020B0604020202020204" pitchFamily="34" charset="0"/>
-              <a:buChar char="•"/>
-            </a:pPr>
-            <a:r>
-              <a:rPr lang="en-US" altLang="zh-CN" sz="2000" dirty="0">
-                <a:latin typeface="华文中宋" panose="02010600040101010101" pitchFamily="2" charset="-122"/>
-                <a:ea typeface="华文中宋" panose="02010600040101010101" pitchFamily="2" charset="-122"/>
-              </a:rPr>
-              <a:t>Summary</a:t>
-            </a:r>
-            <a:r>
-              <a:rPr lang="zh-CN" altLang="en-US" sz="2000" dirty="0">
-                <a:latin typeface="华文中宋" panose="02010600040101010101" pitchFamily="2" charset="-122"/>
-                <a:ea typeface="华文中宋" panose="02010600040101010101" pitchFamily="2" charset="-122"/>
-              </a:rPr>
-              <a:t>：</a:t>
-            </a:r>
-            <a:r>
-              <a:rPr lang="en-US" altLang="zh-CN" sz="2000" dirty="0">
-                <a:latin typeface="华文中宋" panose="02010600040101010101" pitchFamily="2" charset="-122"/>
-                <a:ea typeface="华文中宋" panose="02010600040101010101" pitchFamily="2" charset="-122"/>
-              </a:rPr>
-              <a:t>As the model memorization of privacy data deepens, the aggregation of privacy neurons associated with privacy data becomes more pronounced</a:t>
-            </a:r>
-          </a:p>
-        </p:txBody>
-      </p:sp>
-    </p:spTree>
-    <p:extLst>
-      <p:ext uri="{BB962C8B-B14F-4D97-AF65-F5344CB8AC3E}">
-        <p14:creationId xmlns:p14="http://schemas.microsoft.com/office/powerpoint/2010/main" val="916825813"/>
-      </p:ext>
-    </p:extLst>
   </p:cSld>
   <p:clrMapOvr>
     <a:masterClrMapping/>
@@ -10439,6 +10453,7 @@
               <a:rPr lang="en-US" altLang="zh-CN" b="1" dirty="0"/>
               <a:t>Analysis</a:t>
             </a:r>
+            <a:endParaRPr lang="en-US" altLang="zh-CN" b="1" dirty="0"/>
           </a:p>
         </p:txBody>
       </p:sp>
@@ -10479,8 +10494,15 @@
                 <a:latin typeface="华文中宋" panose="02010600040101010101" pitchFamily="2" charset="-122"/>
                 <a:ea typeface="华文中宋" panose="02010600040101010101" pitchFamily="2" charset="-122"/>
               </a:rPr>
-              <a:t>Robustness Analysis</a:t>
-            </a:r>
+              <a:t>Relationship between Memorization And Privacy Neurons</a:t>
+            </a:r>
+            <a:endParaRPr lang="en-US" altLang="zh-CN" sz="2400" b="1" dirty="0">
+              <a:solidFill>
+                <a:srgbClr val="802258"/>
+              </a:solidFill>
+              <a:latin typeface="华文中宋" panose="02010600040101010101" pitchFamily="2" charset="-122"/>
+              <a:ea typeface="华文中宋" panose="02010600040101010101" pitchFamily="2" charset="-122"/>
+            </a:endParaRPr>
           </a:p>
           <a:p>
             <a:pPr marL="914400" lvl="1" indent="-457200">
@@ -10495,11 +10517,15 @@
                 <a:latin typeface="华文中宋" panose="02010600040101010101" pitchFamily="2" charset="-122"/>
                 <a:ea typeface="华文中宋" panose="02010600040101010101" pitchFamily="2" charset="-122"/>
               </a:rPr>
-              <a:t>Ablation Study</a:t>
-            </a:r>
-          </a:p>
-          <a:p>
-            <a:pPr marL="1371600" lvl="2" indent="-457200">
+              <a:t>Impact of Training Time on Privacy Neuron Distribution over Layers</a:t>
+            </a:r>
+            <a:endParaRPr lang="en-US" altLang="zh-CN" sz="2000" dirty="0">
+              <a:latin typeface="华文中宋" panose="02010600040101010101" pitchFamily="2" charset="-122"/>
+              <a:ea typeface="华文中宋" panose="02010600040101010101" pitchFamily="2" charset="-122"/>
+            </a:endParaRPr>
+          </a:p>
+          <a:p>
+            <a:pPr marL="914400" lvl="1" indent="-457200">
               <a:lnSpc>
                 <a:spcPct val="150000"/>
               </a:lnSpc>
@@ -10511,47 +10537,50 @@
                 <a:latin typeface="华文中宋" panose="02010600040101010101" pitchFamily="2" charset="-122"/>
                 <a:ea typeface="华文中宋" panose="02010600040101010101" pitchFamily="2" charset="-122"/>
               </a:rPr>
-              <a:t>compare its performance with different neuron localization methods on phone number data</a:t>
-            </a:r>
-          </a:p>
-        </p:txBody>
-      </p:sp>
-      <p:pic>
-        <p:nvPicPr>
-          <p:cNvPr id="5" name="图片 4">
-            <a:extLst>
-              <a:ext uri="{FF2B5EF4-FFF2-40B4-BE49-F238E27FC236}">
-                <a16:creationId xmlns:a16="http://schemas.microsoft.com/office/drawing/2014/main" id="{20248F6E-B2BC-224A-A62B-E4E86C6EFDB3}"/>
-              </a:ext>
-            </a:extLst>
-          </p:cNvPr>
-          <p:cNvPicPr>
-            <a:picLocks noChangeAspect="1"/>
-          </p:cNvPicPr>
-          <p:nvPr/>
-        </p:nvPicPr>
-        <p:blipFill>
-          <a:blip r:embed="rId3"/>
-          <a:stretch>
-            <a:fillRect/>
-          </a:stretch>
-        </p:blipFill>
-        <p:spPr>
-          <a:xfrm>
-            <a:off x="3600450" y="3044190"/>
-            <a:ext cx="4991100" cy="1866900"/>
-          </a:xfrm>
-          <a:prstGeom prst="rect">
-            <a:avLst/>
-          </a:prstGeom>
-        </p:spPr>
-      </p:pic>
+              <a:t>Effect of the Model Size</a:t>
+            </a:r>
+            <a:endParaRPr lang="en-US" altLang="zh-CN" sz="2000" dirty="0">
+              <a:latin typeface="华文中宋" panose="02010600040101010101" pitchFamily="2" charset="-122"/>
+              <a:ea typeface="华文中宋" panose="02010600040101010101" pitchFamily="2" charset="-122"/>
+            </a:endParaRPr>
+          </a:p>
+          <a:p>
+            <a:pPr marL="914400" lvl="1" indent="-457200">
+              <a:lnSpc>
+                <a:spcPct val="150000"/>
+              </a:lnSpc>
+              <a:buFont typeface="Arial" panose="020B0604020202020204" pitchFamily="34" charset="0"/>
+              <a:buChar char="•"/>
+            </a:pPr>
+            <a:r>
+              <a:rPr lang="en-US" altLang="zh-CN" sz="2000" dirty="0">
+                <a:latin typeface="华文中宋" panose="02010600040101010101" pitchFamily="2" charset="-122"/>
+                <a:ea typeface="华文中宋" panose="02010600040101010101" pitchFamily="2" charset="-122"/>
+              </a:rPr>
+              <a:t>Summary</a:t>
+            </a:r>
+            <a:r>
+              <a:rPr lang="zh-CN" altLang="en-US" sz="2000" dirty="0">
+                <a:latin typeface="华文中宋" panose="02010600040101010101" pitchFamily="2" charset="-122"/>
+                <a:ea typeface="华文中宋" panose="02010600040101010101" pitchFamily="2" charset="-122"/>
+              </a:rPr>
+              <a:t>：</a:t>
+            </a:r>
+            <a:r>
+              <a:rPr lang="en-US" altLang="zh-CN" sz="2000" dirty="0">
+                <a:latin typeface="华文中宋" panose="02010600040101010101" pitchFamily="2" charset="-122"/>
+                <a:ea typeface="华文中宋" panose="02010600040101010101" pitchFamily="2" charset="-122"/>
+              </a:rPr>
+              <a:t>As the model memorization of privacy data deepens, the aggregation of privacy neurons associated with privacy data becomes more pronounced</a:t>
+            </a:r>
+            <a:endParaRPr lang="en-US" altLang="zh-CN" sz="2000" dirty="0">
+              <a:latin typeface="华文中宋" panose="02010600040101010101" pitchFamily="2" charset="-122"/>
+              <a:ea typeface="华文中宋" panose="02010600040101010101" pitchFamily="2" charset="-122"/>
+            </a:endParaRPr>
+          </a:p>
+        </p:txBody>
+      </p:sp>
     </p:spTree>
-    <p:extLst>
-      <p:ext uri="{BB962C8B-B14F-4D97-AF65-F5344CB8AC3E}">
-        <p14:creationId xmlns:p14="http://schemas.microsoft.com/office/powerpoint/2010/main" val="967702755"/>
-      </p:ext>
-    </p:extLst>
   </p:cSld>
   <p:clrMapOvr>
     <a:masterClrMapping/>
@@ -10595,6 +10624,7 @@
               <a:rPr lang="en-US" altLang="zh-CN" b="1" dirty="0"/>
               <a:t>Analysis</a:t>
             </a:r>
+            <a:endParaRPr lang="en-US" altLang="zh-CN" b="1" dirty="0"/>
           </a:p>
         </p:txBody>
       </p:sp>
@@ -10637,6 +10667,13 @@
               </a:rPr>
               <a:t>Robustness Analysis</a:t>
             </a:r>
+            <a:endParaRPr lang="en-US" altLang="zh-CN" sz="2400" b="1" dirty="0">
+              <a:solidFill>
+                <a:srgbClr val="802258"/>
+              </a:solidFill>
+              <a:latin typeface="华文中宋" panose="02010600040101010101" pitchFamily="2" charset="-122"/>
+              <a:ea typeface="华文中宋" panose="02010600040101010101" pitchFamily="2" charset="-122"/>
+            </a:endParaRPr>
           </a:p>
           <a:p>
             <a:pPr marL="914400" lvl="1" indent="-457200">
@@ -10653,22 +10690,10 @@
               </a:rPr>
               <a:t>Ablation Study</a:t>
             </a:r>
-          </a:p>
-          <a:p>
-            <a:pPr marL="914400" lvl="1" indent="-457200">
-              <a:lnSpc>
-                <a:spcPct val="150000"/>
-              </a:lnSpc>
-              <a:buFont typeface="Arial" panose="020B0604020202020204" pitchFamily="34" charset="0"/>
-              <a:buChar char="•"/>
-            </a:pPr>
-            <a:r>
-              <a:rPr lang="en-US" altLang="zh-CN" sz="2000" dirty="0">
-                <a:latin typeface="华文中宋" panose="02010600040101010101" pitchFamily="2" charset="-122"/>
-                <a:ea typeface="华文中宋" panose="02010600040101010101" pitchFamily="2" charset="-122"/>
-              </a:rPr>
-              <a:t>Robustness to Different Prompts</a:t>
-            </a:r>
+            <a:endParaRPr lang="en-US" altLang="zh-CN" sz="2000" dirty="0">
+              <a:latin typeface="华文中宋" panose="02010600040101010101" pitchFamily="2" charset="-122"/>
+              <a:ea typeface="华文中宋" panose="02010600040101010101" pitchFamily="2" charset="-122"/>
+            </a:endParaRPr>
           </a:p>
           <a:p>
             <a:pPr marL="1371600" lvl="2" indent="-457200">
@@ -10683,35 +10708,33 @@
                 <a:latin typeface="华文中宋" panose="02010600040101010101" pitchFamily="2" charset="-122"/>
                 <a:ea typeface="华文中宋" panose="02010600040101010101" pitchFamily="2" charset="-122"/>
               </a:rPr>
-              <a:t>perform privacy attacks during inference using different prompts</a:t>
-            </a:r>
+              <a:t>compare its performance with different neuron localization methods on phone number data</a:t>
+            </a:r>
+            <a:endParaRPr lang="en-US" altLang="zh-CN" sz="2000" dirty="0">
+              <a:latin typeface="华文中宋" panose="02010600040101010101" pitchFamily="2" charset="-122"/>
+              <a:ea typeface="华文中宋" panose="02010600040101010101" pitchFamily="2" charset="-122"/>
+            </a:endParaRPr>
           </a:p>
         </p:txBody>
       </p:sp>
       <p:pic>
         <p:nvPicPr>
-          <p:cNvPr id="5" name="图片 4">
-            <a:extLst>
-              <a:ext uri="{FF2B5EF4-FFF2-40B4-BE49-F238E27FC236}">
-                <a16:creationId xmlns:a16="http://schemas.microsoft.com/office/drawing/2014/main" id="{F6557168-58BF-3949-9347-3A1E06DA6242}"/>
-              </a:ext>
-            </a:extLst>
-          </p:cNvPr>
+          <p:cNvPr id="5" name="图片 4"/>
           <p:cNvPicPr>
             <a:picLocks noChangeAspect="1"/>
           </p:cNvPicPr>
           <p:nvPr/>
         </p:nvPicPr>
         <p:blipFill>
-          <a:blip r:embed="rId3"/>
+          <a:blip r:embed="rId1"/>
           <a:stretch>
             <a:fillRect/>
           </a:stretch>
         </p:blipFill>
         <p:spPr>
           <a:xfrm>
-            <a:off x="3625850" y="3066303"/>
-            <a:ext cx="4940300" cy="2984500"/>
+            <a:off x="3600450" y="3044190"/>
+            <a:ext cx="4991100" cy="1866900"/>
           </a:xfrm>
           <a:prstGeom prst="rect">
             <a:avLst/>
@@ -10719,11 +10742,6 @@
         </p:spPr>
       </p:pic>
     </p:spTree>
-    <p:extLst>
-      <p:ext uri="{BB962C8B-B14F-4D97-AF65-F5344CB8AC3E}">
-        <p14:creationId xmlns:p14="http://schemas.microsoft.com/office/powerpoint/2010/main" val="3088364158"/>
-      </p:ext>
-    </p:extLst>
   </p:cSld>
   <p:clrMapOvr>
     <a:masterClrMapping/>
@@ -10767,6 +10785,7 @@
               <a:rPr lang="en-US" altLang="zh-CN" b="1" dirty="0"/>
               <a:t>Analysis</a:t>
             </a:r>
+            <a:endParaRPr lang="en-US" altLang="zh-CN" b="1" dirty="0"/>
           </a:p>
         </p:txBody>
       </p:sp>
@@ -10807,8 +10826,15 @@
                 <a:latin typeface="华文中宋" panose="02010600040101010101" pitchFamily="2" charset="-122"/>
                 <a:ea typeface="华文中宋" panose="02010600040101010101" pitchFamily="2" charset="-122"/>
               </a:rPr>
-              <a:t>Analysis on the Cost-Effectiveness of DEPN</a:t>
-            </a:r>
+              <a:t>Robustness Analysis</a:t>
+            </a:r>
+            <a:endParaRPr lang="en-US" altLang="zh-CN" sz="2400" b="1" dirty="0">
+              <a:solidFill>
+                <a:srgbClr val="802258"/>
+              </a:solidFill>
+              <a:latin typeface="华文中宋" panose="02010600040101010101" pitchFamily="2" charset="-122"/>
+              <a:ea typeface="华文中宋" panose="02010600040101010101" pitchFamily="2" charset="-122"/>
+            </a:endParaRPr>
           </a:p>
           <a:p>
             <a:pPr marL="914400" lvl="1" indent="-457200">
@@ -10823,35 +10849,73 @@
                 <a:latin typeface="华文中宋" panose="02010600040101010101" pitchFamily="2" charset="-122"/>
                 <a:ea typeface="华文中宋" panose="02010600040101010101" pitchFamily="2" charset="-122"/>
               </a:rPr>
-              <a:t>its dependency on the amount of private data to be erased</a:t>
-            </a:r>
+              <a:t>Ablation Study</a:t>
+            </a:r>
+            <a:endParaRPr lang="en-US" altLang="zh-CN" sz="2000" dirty="0">
+              <a:latin typeface="华文中宋" panose="02010600040101010101" pitchFamily="2" charset="-122"/>
+              <a:ea typeface="华文中宋" panose="02010600040101010101" pitchFamily="2" charset="-122"/>
+            </a:endParaRPr>
+          </a:p>
+          <a:p>
+            <a:pPr marL="914400" lvl="1" indent="-457200">
+              <a:lnSpc>
+                <a:spcPct val="150000"/>
+              </a:lnSpc>
+              <a:buFont typeface="Arial" panose="020B0604020202020204" pitchFamily="34" charset="0"/>
+              <a:buChar char="•"/>
+            </a:pPr>
+            <a:r>
+              <a:rPr lang="en-US" altLang="zh-CN" sz="2000" dirty="0">
+                <a:latin typeface="华文中宋" panose="02010600040101010101" pitchFamily="2" charset="-122"/>
+                <a:ea typeface="华文中宋" panose="02010600040101010101" pitchFamily="2" charset="-122"/>
+              </a:rPr>
+              <a:t>Robustness to Different Prompts</a:t>
+            </a:r>
+            <a:endParaRPr lang="en-US" altLang="zh-CN" sz="2000" dirty="0">
+              <a:latin typeface="华文中宋" panose="02010600040101010101" pitchFamily="2" charset="-122"/>
+              <a:ea typeface="华文中宋" panose="02010600040101010101" pitchFamily="2" charset="-122"/>
+            </a:endParaRPr>
+          </a:p>
+          <a:p>
+            <a:pPr marL="1371600" lvl="2" indent="-457200">
+              <a:lnSpc>
+                <a:spcPct val="150000"/>
+              </a:lnSpc>
+              <a:buFont typeface="Arial" panose="020B0604020202020204" pitchFamily="34" charset="0"/>
+              <a:buChar char="•"/>
+            </a:pPr>
+            <a:r>
+              <a:rPr lang="en-US" altLang="zh-CN" sz="2000" dirty="0">
+                <a:latin typeface="华文中宋" panose="02010600040101010101" pitchFamily="2" charset="-122"/>
+                <a:ea typeface="华文中宋" panose="02010600040101010101" pitchFamily="2" charset="-122"/>
+              </a:rPr>
+              <a:t>perform privacy attacks during inference using different prompts</a:t>
+            </a:r>
+            <a:endParaRPr lang="en-US" altLang="zh-CN" sz="2000" dirty="0">
+              <a:latin typeface="华文中宋" panose="02010600040101010101" pitchFamily="2" charset="-122"/>
+              <a:ea typeface="华文中宋" panose="02010600040101010101" pitchFamily="2" charset="-122"/>
+            </a:endParaRPr>
           </a:p>
         </p:txBody>
       </p:sp>
       <p:pic>
         <p:nvPicPr>
-          <p:cNvPr id="4" name="图片 3">
-            <a:extLst>
-              <a:ext uri="{FF2B5EF4-FFF2-40B4-BE49-F238E27FC236}">
-                <a16:creationId xmlns:a16="http://schemas.microsoft.com/office/drawing/2014/main" id="{3D361CC4-B33E-F240-83B7-13B580EE585E}"/>
-              </a:ext>
-            </a:extLst>
-          </p:cNvPr>
+          <p:cNvPr id="5" name="图片 4"/>
           <p:cNvPicPr>
             <a:picLocks noChangeAspect="1"/>
           </p:cNvPicPr>
           <p:nvPr/>
         </p:nvPicPr>
         <p:blipFill>
-          <a:blip r:embed="rId3"/>
+          <a:blip r:embed="rId1"/>
           <a:stretch>
             <a:fillRect/>
           </a:stretch>
         </p:blipFill>
         <p:spPr>
           <a:xfrm>
-            <a:off x="2038350" y="2463800"/>
-            <a:ext cx="8115300" cy="1930400"/>
+            <a:off x="3625850" y="3066303"/>
+            <a:ext cx="4940300" cy="2984500"/>
           </a:xfrm>
           <a:prstGeom prst="rect">
             <a:avLst/>
@@ -10859,11 +10923,6 @@
         </p:spPr>
       </p:pic>
     </p:spTree>
-    <p:extLst>
-      <p:ext uri="{BB962C8B-B14F-4D97-AF65-F5344CB8AC3E}">
-        <p14:creationId xmlns:p14="http://schemas.microsoft.com/office/powerpoint/2010/main" val="363268610"/>
-      </p:ext>
-    </p:extLst>
   </p:cSld>
   <p:clrMapOvr>
     <a:masterClrMapping/>
@@ -10905,8 +10964,9 @@
           <a:p>
             <a:r>
               <a:rPr lang="en-US" altLang="zh-CN" b="1" dirty="0"/>
-              <a:t>Conclusion</a:t>
-            </a:r>
+              <a:t>Analysis</a:t>
+            </a:r>
+            <a:endParaRPr lang="en-US" altLang="zh-CN" b="1" dirty="0"/>
           </a:p>
         </p:txBody>
       </p:sp>
@@ -10947,8 +11007,15 @@
                 <a:latin typeface="华文中宋" panose="02010600040101010101" pitchFamily="2" charset="-122"/>
                 <a:ea typeface="华文中宋" panose="02010600040101010101" pitchFamily="2" charset="-122"/>
               </a:rPr>
-              <a:t>DEPN</a:t>
-            </a:r>
+              <a:t>Analysis on the Cost-Effectiveness of DEPN</a:t>
+            </a:r>
+            <a:endParaRPr lang="en-US" altLang="zh-CN" sz="2400" b="1" dirty="0">
+              <a:solidFill>
+                <a:srgbClr val="802258"/>
+              </a:solidFill>
+              <a:latin typeface="华文中宋" panose="02010600040101010101" pitchFamily="2" charset="-122"/>
+              <a:ea typeface="华文中宋" panose="02010600040101010101" pitchFamily="2" charset="-122"/>
+            </a:endParaRPr>
           </a:p>
           <a:p>
             <a:pPr marL="914400" lvl="1" indent="-457200">
@@ -10963,141 +11030,40 @@
                 <a:latin typeface="华文中宋" panose="02010600040101010101" pitchFamily="2" charset="-122"/>
                 <a:ea typeface="华文中宋" panose="02010600040101010101" pitchFamily="2" charset="-122"/>
               </a:rPr>
-              <a:t>the privacy neuron detector based on the privacy attribution scoring method</a:t>
-            </a:r>
-          </a:p>
-          <a:p>
-            <a:pPr marL="1371600" lvl="2" indent="-457200">
-              <a:lnSpc>
-                <a:spcPct val="150000"/>
-              </a:lnSpc>
-              <a:buFont typeface="Arial" panose="020B0604020202020204" pitchFamily="34" charset="0"/>
-              <a:buChar char="•"/>
-            </a:pPr>
-            <a:r>
-              <a:rPr lang="en-US" altLang="zh-CN" sz="2000" dirty="0">
-                <a:latin typeface="华文中宋" panose="02010600040101010101" pitchFamily="2" charset="-122"/>
-                <a:ea typeface="华文中宋" panose="02010600040101010101" pitchFamily="2" charset="-122"/>
-              </a:rPr>
-              <a:t>the privacy neuron detector based on the privacy attribution scoring method</a:t>
-            </a:r>
-          </a:p>
-          <a:p>
-            <a:pPr marL="914400" lvl="1" indent="-457200">
-              <a:lnSpc>
-                <a:spcPct val="150000"/>
-              </a:lnSpc>
-              <a:buFont typeface="Arial" panose="020B0604020202020204" pitchFamily="34" charset="0"/>
-              <a:buChar char="•"/>
-            </a:pPr>
-            <a:r>
-              <a:rPr lang="en-US" altLang="zh-CN" sz="2000" dirty="0">
-                <a:latin typeface="华文中宋" panose="02010600040101010101" pitchFamily="2" charset="-122"/>
-                <a:ea typeface="华文中宋" panose="02010600040101010101" pitchFamily="2" charset="-122"/>
-              </a:rPr>
-              <a:t>privacy neuron editor</a:t>
-            </a:r>
-          </a:p>
-          <a:p>
-            <a:pPr marL="1371600" lvl="2" indent="-457200">
-              <a:lnSpc>
-                <a:spcPct val="150000"/>
-              </a:lnSpc>
-              <a:buFont typeface="Arial" panose="020B0604020202020204" pitchFamily="34" charset="0"/>
-              <a:buChar char="•"/>
-            </a:pPr>
-            <a:r>
-              <a:rPr lang="en-US" altLang="zh-CN" sz="2000" dirty="0">
-                <a:latin typeface="华文中宋" panose="02010600040101010101" pitchFamily="2" charset="-122"/>
-                <a:ea typeface="华文中宋" panose="02010600040101010101" pitchFamily="2" charset="-122"/>
-              </a:rPr>
-              <a:t>eliminate model memorization of private data</a:t>
-            </a:r>
-          </a:p>
-          <a:p>
-            <a:pPr marL="914400" lvl="1" indent="-457200">
-              <a:lnSpc>
-                <a:spcPct val="150000"/>
-              </a:lnSpc>
-              <a:buFont typeface="Arial" panose="020B0604020202020204" pitchFamily="34" charset="0"/>
-              <a:buChar char="•"/>
-            </a:pPr>
-            <a:r>
-              <a:rPr lang="en-US" altLang="zh-CN" sz="2000" dirty="0">
-                <a:latin typeface="华文中宋" panose="02010600040101010101" pitchFamily="2" charset="-122"/>
-                <a:ea typeface="华文中宋" panose="02010600040101010101" pitchFamily="2" charset="-122"/>
-              </a:rPr>
-              <a:t>Limitations</a:t>
-            </a:r>
-          </a:p>
-          <a:p>
-            <a:pPr marL="1371600" lvl="2" indent="-457200">
-              <a:lnSpc>
-                <a:spcPct val="150000"/>
-              </a:lnSpc>
-              <a:buFont typeface="Arial" panose="020B0604020202020204" pitchFamily="34" charset="0"/>
-              <a:buChar char="•"/>
-            </a:pPr>
-            <a:r>
-              <a:rPr lang="en-US" altLang="zh-CN" sz="2000" dirty="0">
-                <a:latin typeface="华文中宋" panose="02010600040101010101" pitchFamily="2" charset="-122"/>
-                <a:ea typeface="华文中宋" panose="02010600040101010101" pitchFamily="2" charset="-122"/>
-              </a:rPr>
-              <a:t>too many instances in a batch will reduce the effect of memorization erasure</a:t>
-            </a:r>
-          </a:p>
-          <a:p>
-            <a:pPr marL="1371600" lvl="2" indent="-457200">
-              <a:lnSpc>
-                <a:spcPct val="150000"/>
-              </a:lnSpc>
-              <a:buFont typeface="Arial" panose="020B0604020202020204" pitchFamily="34" charset="0"/>
-              <a:buChar char="•"/>
-            </a:pPr>
-            <a:r>
-              <a:rPr lang="en-US" altLang="zh-CN" sz="2000" dirty="0">
-                <a:latin typeface="华文中宋" panose="02010600040101010101" pitchFamily="2" charset="-122"/>
-                <a:ea typeface="华文中宋" panose="02010600040101010101" pitchFamily="2" charset="-122"/>
-              </a:rPr>
-              <a:t>a few types of private information</a:t>
-            </a:r>
-            <a:r>
-              <a:rPr lang="zh-CN" altLang="en-US" sz="2000" dirty="0">
-                <a:latin typeface="华文中宋" panose="02010600040101010101" pitchFamily="2" charset="-122"/>
-                <a:ea typeface="华文中宋" panose="02010600040101010101" pitchFamily="2" charset="-122"/>
-              </a:rPr>
-              <a:t> </a:t>
-            </a:r>
-            <a:r>
-              <a:rPr lang="en-US" altLang="zh-CN" sz="2000" dirty="0">
-                <a:latin typeface="华文中宋" panose="02010600040101010101" pitchFamily="2" charset="-122"/>
-                <a:ea typeface="华文中宋" panose="02010600040101010101" pitchFamily="2" charset="-122"/>
-              </a:rPr>
-              <a:t>for</a:t>
-            </a:r>
-            <a:r>
-              <a:rPr lang="zh-CN" altLang="en-US" sz="2000" dirty="0">
-                <a:latin typeface="华文中宋" panose="02010600040101010101" pitchFamily="2" charset="-122"/>
-                <a:ea typeface="华文中宋" panose="02010600040101010101" pitchFamily="2" charset="-122"/>
-              </a:rPr>
-              <a:t> </a:t>
-            </a:r>
-            <a:r>
-              <a:rPr lang="en-US" altLang="zh-CN" sz="2000" dirty="0">
-                <a:latin typeface="华文中宋" panose="02010600040101010101" pitchFamily="2" charset="-122"/>
-                <a:ea typeface="华文中宋" panose="02010600040101010101" pitchFamily="2" charset="-122"/>
-              </a:rPr>
-              <a:t>experiments</a:t>
-            </a:r>
-          </a:p>
-        </p:txBody>
-      </p:sp>
+              <a:t>its dependency on the amount of private data to be erased</a:t>
+            </a:r>
+            <a:endParaRPr lang="en-US" altLang="zh-CN" sz="2000" dirty="0">
+              <a:latin typeface="华文中宋" panose="02010600040101010101" pitchFamily="2" charset="-122"/>
+              <a:ea typeface="华文中宋" panose="02010600040101010101" pitchFamily="2" charset="-122"/>
+            </a:endParaRPr>
+          </a:p>
+        </p:txBody>
+      </p:sp>
+      <p:pic>
+        <p:nvPicPr>
+          <p:cNvPr id="4" name="图片 3"/>
+          <p:cNvPicPr>
+            <a:picLocks noChangeAspect="1"/>
+          </p:cNvPicPr>
+          <p:nvPr/>
+        </p:nvPicPr>
+        <p:blipFill>
+          <a:blip r:embed="rId1"/>
+          <a:stretch>
+            <a:fillRect/>
+          </a:stretch>
+        </p:blipFill>
+        <p:spPr>
+          <a:xfrm>
+            <a:off x="2038350" y="2463800"/>
+            <a:ext cx="8115300" cy="1930400"/>
+          </a:xfrm>
+          <a:prstGeom prst="rect">
+            <a:avLst/>
+          </a:prstGeom>
+        </p:spPr>
+      </p:pic>
     </p:spTree>
-    <p:extLst>
-      <p:ext uri="{BB962C8B-B14F-4D97-AF65-F5344CB8AC3E}">
-        <p14:creationId xmlns:p14="http://schemas.microsoft.com/office/powerpoint/2010/main" val="1698523259"/>
-      </p:ext>
-    </p:extLst>
   </p:cSld>
   <p:clrMapOvr>
     <a:masterClrMapping/>
@@ -11124,6 +11090,271 @@
       </p:grpSpPr>
       <p:sp>
         <p:nvSpPr>
+          <p:cNvPr id="2" name="标题 1"/>
+          <p:cNvSpPr>
+            <a:spLocks noGrp="1"/>
+          </p:cNvSpPr>
+          <p:nvPr>
+            <p:ph type="title"/>
+          </p:nvPr>
+        </p:nvSpPr>
+        <p:spPr/>
+        <p:txBody>
+          <a:bodyPr/>
+          <a:lstStyle/>
+          <a:p>
+            <a:r>
+              <a:rPr lang="en-US" altLang="zh-CN" b="1" dirty="0"/>
+              <a:t>Conclusion</a:t>
+            </a:r>
+            <a:endParaRPr lang="en-US" altLang="zh-CN" b="1" dirty="0"/>
+          </a:p>
+        </p:txBody>
+      </p:sp>
+      <p:sp>
+        <p:nvSpPr>
+          <p:cNvPr id="3" name="文本框 2"/>
+          <p:cNvSpPr txBox="1"/>
+          <p:nvPr/>
+        </p:nvSpPr>
+        <p:spPr>
+          <a:xfrm>
+            <a:off x="399190" y="971400"/>
+            <a:ext cx="11792809" cy="5497133"/>
+          </a:xfrm>
+          <a:prstGeom prst="rect">
+            <a:avLst/>
+          </a:prstGeom>
+          <a:noFill/>
+        </p:spPr>
+        <p:txBody>
+          <a:bodyPr wrap="square" rtlCol="0">
+            <a:noAutofit/>
+          </a:bodyPr>
+          <a:lstStyle/>
+          <a:p>
+            <a:pPr marL="457200" indent="-457200">
+              <a:lnSpc>
+                <a:spcPct val="150000"/>
+              </a:lnSpc>
+              <a:buFont typeface="Arial" panose="020B0604020202020204" pitchFamily="34" charset="0"/>
+              <a:buChar char="•"/>
+            </a:pPr>
+            <a:r>
+              <a:rPr lang="en-US" altLang="zh-CN" sz="2400" b="1" dirty="0">
+                <a:solidFill>
+                  <a:srgbClr val="802258"/>
+                </a:solidFill>
+                <a:latin typeface="华文中宋" panose="02010600040101010101" pitchFamily="2" charset="-122"/>
+                <a:ea typeface="华文中宋" panose="02010600040101010101" pitchFamily="2" charset="-122"/>
+              </a:rPr>
+              <a:t>DEPN</a:t>
+            </a:r>
+            <a:endParaRPr lang="en-US" altLang="zh-CN" sz="2400" b="1" dirty="0">
+              <a:solidFill>
+                <a:srgbClr val="802258"/>
+              </a:solidFill>
+              <a:latin typeface="华文中宋" panose="02010600040101010101" pitchFamily="2" charset="-122"/>
+              <a:ea typeface="华文中宋" panose="02010600040101010101" pitchFamily="2" charset="-122"/>
+            </a:endParaRPr>
+          </a:p>
+          <a:p>
+            <a:pPr marL="914400" lvl="1" indent="-457200">
+              <a:lnSpc>
+                <a:spcPct val="150000"/>
+              </a:lnSpc>
+              <a:buFont typeface="Arial" panose="020B0604020202020204" pitchFamily="34" charset="0"/>
+              <a:buChar char="•"/>
+            </a:pPr>
+            <a:r>
+              <a:rPr lang="en-US" altLang="zh-CN" sz="2000" dirty="0">
+                <a:latin typeface="华文中宋" panose="02010600040101010101" pitchFamily="2" charset="-122"/>
+                <a:ea typeface="华文中宋" panose="02010600040101010101" pitchFamily="2" charset="-122"/>
+              </a:rPr>
+              <a:t>the privacy neuron detector based on the privacy attribution scoring method</a:t>
+            </a:r>
+            <a:endParaRPr lang="en-US" altLang="zh-CN" sz="2000" dirty="0">
+              <a:latin typeface="华文中宋" panose="02010600040101010101" pitchFamily="2" charset="-122"/>
+              <a:ea typeface="华文中宋" panose="02010600040101010101" pitchFamily="2" charset="-122"/>
+            </a:endParaRPr>
+          </a:p>
+          <a:p>
+            <a:pPr marL="1371600" lvl="2" indent="-457200">
+              <a:lnSpc>
+                <a:spcPct val="150000"/>
+              </a:lnSpc>
+              <a:buFont typeface="Arial" panose="020B0604020202020204" pitchFamily="34" charset="0"/>
+              <a:buChar char="•"/>
+            </a:pPr>
+            <a:r>
+              <a:rPr lang="en-US" altLang="zh-CN" sz="2000" dirty="0">
+                <a:latin typeface="华文中宋" panose="02010600040101010101" pitchFamily="2" charset="-122"/>
+                <a:ea typeface="华文中宋" panose="02010600040101010101" pitchFamily="2" charset="-122"/>
+              </a:rPr>
+              <a:t>the privacy neuron detector based on the privacy attribution scoring method</a:t>
+            </a:r>
+            <a:endParaRPr lang="en-US" altLang="zh-CN" sz="2000" dirty="0">
+              <a:latin typeface="华文中宋" panose="02010600040101010101" pitchFamily="2" charset="-122"/>
+              <a:ea typeface="华文中宋" panose="02010600040101010101" pitchFamily="2" charset="-122"/>
+            </a:endParaRPr>
+          </a:p>
+          <a:p>
+            <a:pPr marL="914400" lvl="1" indent="-457200">
+              <a:lnSpc>
+                <a:spcPct val="150000"/>
+              </a:lnSpc>
+              <a:buFont typeface="Arial" panose="020B0604020202020204" pitchFamily="34" charset="0"/>
+              <a:buChar char="•"/>
+            </a:pPr>
+            <a:r>
+              <a:rPr lang="en-US" altLang="zh-CN" sz="2000" dirty="0">
+                <a:latin typeface="华文中宋" panose="02010600040101010101" pitchFamily="2" charset="-122"/>
+                <a:ea typeface="华文中宋" panose="02010600040101010101" pitchFamily="2" charset="-122"/>
+              </a:rPr>
+              <a:t>privacy neuron editor</a:t>
+            </a:r>
+            <a:endParaRPr lang="en-US" altLang="zh-CN" sz="2000" dirty="0">
+              <a:latin typeface="华文中宋" panose="02010600040101010101" pitchFamily="2" charset="-122"/>
+              <a:ea typeface="华文中宋" panose="02010600040101010101" pitchFamily="2" charset="-122"/>
+            </a:endParaRPr>
+          </a:p>
+          <a:p>
+            <a:pPr marL="1371600" lvl="2" indent="-457200">
+              <a:lnSpc>
+                <a:spcPct val="150000"/>
+              </a:lnSpc>
+              <a:buFont typeface="Arial" panose="020B0604020202020204" pitchFamily="34" charset="0"/>
+              <a:buChar char="•"/>
+            </a:pPr>
+            <a:r>
+              <a:rPr lang="en-US" altLang="zh-CN" sz="2000" dirty="0">
+                <a:latin typeface="华文中宋" panose="02010600040101010101" pitchFamily="2" charset="-122"/>
+                <a:ea typeface="华文中宋" panose="02010600040101010101" pitchFamily="2" charset="-122"/>
+              </a:rPr>
+              <a:t>eliminate model memorization of private data</a:t>
+            </a:r>
+            <a:endParaRPr lang="en-US" altLang="zh-CN" sz="2000" dirty="0">
+              <a:latin typeface="华文中宋" panose="02010600040101010101" pitchFamily="2" charset="-122"/>
+              <a:ea typeface="华文中宋" panose="02010600040101010101" pitchFamily="2" charset="-122"/>
+            </a:endParaRPr>
+          </a:p>
+          <a:p>
+            <a:pPr marL="914400" lvl="1" indent="-457200">
+              <a:lnSpc>
+                <a:spcPct val="150000"/>
+              </a:lnSpc>
+              <a:buFont typeface="Arial" panose="020B0604020202020204" pitchFamily="34" charset="0"/>
+              <a:buChar char="•"/>
+            </a:pPr>
+            <a:r>
+              <a:rPr lang="en-US" altLang="zh-CN" sz="2000" dirty="0">
+                <a:latin typeface="华文中宋" panose="02010600040101010101" pitchFamily="2" charset="-122"/>
+                <a:ea typeface="华文中宋" panose="02010600040101010101" pitchFamily="2" charset="-122"/>
+              </a:rPr>
+              <a:t>Limitations</a:t>
+            </a:r>
+            <a:endParaRPr lang="en-US" altLang="zh-CN" sz="2000" dirty="0">
+              <a:latin typeface="华文中宋" panose="02010600040101010101" pitchFamily="2" charset="-122"/>
+              <a:ea typeface="华文中宋" panose="02010600040101010101" pitchFamily="2" charset="-122"/>
+            </a:endParaRPr>
+          </a:p>
+          <a:p>
+            <a:pPr marL="1371600" lvl="2" indent="-457200">
+              <a:lnSpc>
+                <a:spcPct val="150000"/>
+              </a:lnSpc>
+              <a:buFont typeface="Arial" panose="020B0604020202020204" pitchFamily="34" charset="0"/>
+              <a:buChar char="•"/>
+            </a:pPr>
+            <a:r>
+              <a:rPr lang="en-US" altLang="zh-CN" sz="2000" dirty="0">
+                <a:latin typeface="华文中宋" panose="02010600040101010101" pitchFamily="2" charset="-122"/>
+                <a:ea typeface="华文中宋" panose="02010600040101010101" pitchFamily="2" charset="-122"/>
+              </a:rPr>
+              <a:t>too many instances in a batch will reduce the effect of memorization erasure</a:t>
+            </a:r>
+            <a:endParaRPr lang="en-US" altLang="zh-CN" sz="2000" dirty="0">
+              <a:latin typeface="华文中宋" panose="02010600040101010101" pitchFamily="2" charset="-122"/>
+              <a:ea typeface="华文中宋" panose="02010600040101010101" pitchFamily="2" charset="-122"/>
+            </a:endParaRPr>
+          </a:p>
+          <a:p>
+            <a:pPr marL="1371600" lvl="2" indent="-457200">
+              <a:lnSpc>
+                <a:spcPct val="150000"/>
+              </a:lnSpc>
+              <a:buFont typeface="Arial" panose="020B0604020202020204" pitchFamily="34" charset="0"/>
+              <a:buChar char="•"/>
+            </a:pPr>
+            <a:r>
+              <a:rPr lang="en-US" altLang="zh-CN" sz="2000" dirty="0">
+                <a:latin typeface="华文中宋" panose="02010600040101010101" pitchFamily="2" charset="-122"/>
+                <a:ea typeface="华文中宋" panose="02010600040101010101" pitchFamily="2" charset="-122"/>
+              </a:rPr>
+              <a:t>a few types of private information</a:t>
+            </a:r>
+            <a:r>
+              <a:rPr lang="zh-CN" altLang="en-US" sz="2000" dirty="0">
+                <a:latin typeface="华文中宋" panose="02010600040101010101" pitchFamily="2" charset="-122"/>
+                <a:ea typeface="华文中宋" panose="02010600040101010101" pitchFamily="2" charset="-122"/>
+              </a:rPr>
+              <a:t> </a:t>
+            </a:r>
+            <a:r>
+              <a:rPr lang="en-US" altLang="zh-CN" sz="2000" dirty="0">
+                <a:latin typeface="华文中宋" panose="02010600040101010101" pitchFamily="2" charset="-122"/>
+                <a:ea typeface="华文中宋" panose="02010600040101010101" pitchFamily="2" charset="-122"/>
+              </a:rPr>
+              <a:t>for</a:t>
+            </a:r>
+            <a:r>
+              <a:rPr lang="zh-CN" altLang="en-US" sz="2000" dirty="0">
+                <a:latin typeface="华文中宋" panose="02010600040101010101" pitchFamily="2" charset="-122"/>
+                <a:ea typeface="华文中宋" panose="02010600040101010101" pitchFamily="2" charset="-122"/>
+              </a:rPr>
+              <a:t> </a:t>
+            </a:r>
+            <a:r>
+              <a:rPr lang="en-US" altLang="zh-CN" sz="2000" dirty="0">
+                <a:latin typeface="华文中宋" panose="02010600040101010101" pitchFamily="2" charset="-122"/>
+                <a:ea typeface="华文中宋" panose="02010600040101010101" pitchFamily="2" charset="-122"/>
+              </a:rPr>
+              <a:t>experiments</a:t>
+            </a:r>
+            <a:endParaRPr lang="en-US" altLang="zh-CN" sz="2000" dirty="0">
+              <a:latin typeface="华文中宋" panose="02010600040101010101" pitchFamily="2" charset="-122"/>
+              <a:ea typeface="华文中宋" panose="02010600040101010101" pitchFamily="2" charset="-122"/>
+            </a:endParaRPr>
+          </a:p>
+        </p:txBody>
+      </p:sp>
+    </p:spTree>
+  </p:cSld>
+  <p:clrMapOvr>
+    <a:masterClrMapping/>
+  </p:clrMapOvr>
+</p:sld>
+</file>
+
+<file path=ppt/slides/slide28.xml><?xml version="1.0" encoding="utf-8"?>
+<p:sld xmlns:a="http://schemas.openxmlformats.org/drawingml/2006/main" xmlns:r="http://schemas.openxmlformats.org/officeDocument/2006/relationships" xmlns:p="http://schemas.openxmlformats.org/presentationml/2006/main">
+  <p:cSld>
+    <p:spTree>
+      <p:nvGrpSpPr>
+        <p:cNvPr id="1" name=""/>
+        <p:cNvGrpSpPr/>
+        <p:nvPr/>
+      </p:nvGrpSpPr>
+      <p:grpSpPr>
+        <a:xfrm>
+          <a:off x="0" y="0"/>
+          <a:ext cx="0" cy="0"/>
+          <a:chOff x="0" y="0"/>
+          <a:chExt cx="0" cy="0"/>
+        </a:xfrm>
+      </p:grpSpPr>
+      <p:sp>
+        <p:nvSpPr>
           <p:cNvPr id="4" name="文本框 3"/>
           <p:cNvSpPr txBox="1"/>
           <p:nvPr/>
@@ -11153,18 +11384,17 @@
               </a:rPr>
               <a:t>Thanks</a:t>
             </a:r>
-          </a:p>
-        </p:txBody>
-      </p:sp>
-      <p:sp>
-        <p:nvSpPr>
-          <p:cNvPr id="5" name="文本框 4">
-            <a:extLst>
-              <a:ext uri="{FF2B5EF4-FFF2-40B4-BE49-F238E27FC236}">
-                <a16:creationId xmlns:a16="http://schemas.microsoft.com/office/drawing/2014/main" id="{621732C4-06FC-AD44-B805-24C2CCA6495D}"/>
-              </a:ext>
-            </a:extLst>
-          </p:cNvPr>
+            <a:endParaRPr lang="en-US" altLang="zh-CN" sz="6600" b="1" dirty="0">
+              <a:latin typeface="Times New Roman" panose="02020603050405020304" pitchFamily="18" charset="0"/>
+              <a:ea typeface="楷体" panose="02010609060101010101" pitchFamily="49" charset="-122"/>
+              <a:cs typeface="Times New Roman" panose="02020603050405020304" pitchFamily="18" charset="0"/>
+            </a:endParaRPr>
+          </a:p>
+        </p:txBody>
+      </p:sp>
+      <p:sp>
+        <p:nvSpPr>
+          <p:cNvPr id="5" name="文本框 4"/>
           <p:cNvSpPr txBox="1"/>
           <p:nvPr/>
         </p:nvSpPr>
@@ -11196,28 +11426,20 @@
               </a:rPr>
               <a:t>2024.5</a:t>
             </a:r>
+            <a:endParaRPr lang="en-US" altLang="zh-CN" sz="2000" dirty="0">
+              <a:latin typeface="华文中宋" panose="02010600040101010101" pitchFamily="2" charset="-122"/>
+              <a:ea typeface="华文中宋" panose="02010600040101010101" pitchFamily="2" charset="-122"/>
+            </a:endParaRPr>
           </a:p>
         </p:txBody>
       </p:sp>
       <p:graphicFrame>
         <p:nvGraphicFramePr>
-          <p:cNvPr id="6" name="表格 5">
-            <a:extLst>
-              <a:ext uri="{FF2B5EF4-FFF2-40B4-BE49-F238E27FC236}">
-                <a16:creationId xmlns:a16="http://schemas.microsoft.com/office/drawing/2014/main" id="{D0798E30-5446-084F-99F4-6A7699FCADC5}"/>
-              </a:ext>
-            </a:extLst>
-          </p:cNvPr>
+          <p:cNvPr id="6" name="表格 5"/>
           <p:cNvGraphicFramePr>
             <a:graphicFrameLocks noGrp="1"/>
           </p:cNvGraphicFramePr>
-          <p:nvPr>
-            <p:extLst>
-              <p:ext uri="{D42A27DB-BD31-4B8C-83A1-F6EECF244321}">
-                <p14:modId xmlns:p14="http://schemas.microsoft.com/office/powerpoint/2010/main" val="1991495419"/>
-              </p:ext>
-            </p:extLst>
-          </p:nvPr>
+          <p:nvPr/>
         </p:nvGraphicFramePr>
         <p:xfrm>
           <a:off x="3569531" y="4988255"/>
@@ -11230,27 +11452,9 @@
                 <a:tableStyleId>{5C22544A-7EE6-4342-B048-85BDC9FD1C3A}</a:tableStyleId>
               </a:tblPr>
               <a:tblGrid>
-                <a:gridCol w="1182041">
-                  <a:extLst>
-                    <a:ext uri="{9D8B030D-6E8A-4147-A177-3AD203B41FA5}">
-                      <a16:colId xmlns:a16="http://schemas.microsoft.com/office/drawing/2014/main" val="577754717"/>
-                    </a:ext>
-                  </a:extLst>
-                </a:gridCol>
-                <a:gridCol w="839998">
-                  <a:extLst>
-                    <a:ext uri="{9D8B030D-6E8A-4147-A177-3AD203B41FA5}">
-                      <a16:colId xmlns:a16="http://schemas.microsoft.com/office/drawing/2014/main" val="1208414747"/>
-                    </a:ext>
-                  </a:extLst>
-                </a:gridCol>
-                <a:gridCol w="3030898">
-                  <a:extLst>
-                    <a:ext uri="{9D8B030D-6E8A-4147-A177-3AD203B41FA5}">
-                      <a16:colId xmlns:a16="http://schemas.microsoft.com/office/drawing/2014/main" val="2887465251"/>
-                    </a:ext>
-                  </a:extLst>
-                </a:gridCol>
+                <a:gridCol w="1182041"/>
+                <a:gridCol w="839998"/>
+                <a:gridCol w="3030898"/>
               </a:tblGrid>
               <a:tr h="281174">
                 <a:tc>
@@ -11368,11 +11572,6 @@
                     <a:noFill/>
                   </a:tcPr>
                 </a:tc>
-                <a:extLst>
-                  <a:ext uri="{0D108BD9-81ED-4DB2-BD59-A6C34878D82A}">
-                    <a16:rowId xmlns:a16="http://schemas.microsoft.com/office/drawing/2014/main" val="3513765569"/>
-                  </a:ext>
-                </a:extLst>
               </a:tr>
               <a:tr h="281174">
                 <a:tc>
@@ -11493,11 +11692,6 @@
                     <a:noFill/>
                   </a:tcPr>
                 </a:tc>
-                <a:extLst>
-                  <a:ext uri="{0D108BD9-81ED-4DB2-BD59-A6C34878D82A}">
-                    <a16:rowId xmlns:a16="http://schemas.microsoft.com/office/drawing/2014/main" val="1747075956"/>
-                  </a:ext>
-                </a:extLst>
               </a:tr>
               <a:tr h="281174">
                 <a:tc>
@@ -11559,6 +11753,14 @@
                         </a:rPr>
                         <a:t>2113997</a:t>
                       </a:r>
+                      <a:endParaRPr lang="en-US" altLang="zh-CN" sz="1400" b="0" kern="1200" dirty="0">
+                        <a:solidFill>
+                          <a:schemeClr val="dk1"/>
+                        </a:solidFill>
+                        <a:latin typeface="Times New Roman" panose="02020603050405020304" pitchFamily="18" charset="0"/>
+                        <a:ea typeface="华文中宋" panose="02010600040101010101" pitchFamily="2" charset="-122"/>
+                        <a:cs typeface="Times New Roman" panose="02020603050405020304" pitchFamily="18" charset="0"/>
+                      </a:endParaRPr>
                     </a:p>
                   </a:txBody>
                   <a:tcPr anchor="ctr">
@@ -11596,11 +11798,6 @@
                     <a:noFill/>
                   </a:tcPr>
                 </a:tc>
-                <a:extLst>
-                  <a:ext uri="{0D108BD9-81ED-4DB2-BD59-A6C34878D82A}">
-                    <a16:rowId xmlns:a16="http://schemas.microsoft.com/office/drawing/2014/main" val="587174579"/>
-                  </a:ext>
-                </a:extLst>
               </a:tr>
               <a:tr h="281174">
                 <a:tc>
@@ -11722,11 +11919,6 @@
                     <a:noFill/>
                   </a:tcPr>
                 </a:tc>
-                <a:extLst>
-                  <a:ext uri="{0D108BD9-81ED-4DB2-BD59-A6C34878D82A}">
-                    <a16:rowId xmlns:a16="http://schemas.microsoft.com/office/drawing/2014/main" val="3851097379"/>
-                  </a:ext>
-                </a:extLst>
               </a:tr>
             </a:tbl>
           </a:graphicData>
@@ -11819,6 +12011,13 @@
               </a:rPr>
               <a:t>Pretrained Language Models (LLMs)</a:t>
             </a:r>
+            <a:endParaRPr lang="en-US" altLang="zh-CN" sz="2400" b="1" dirty="0">
+              <a:solidFill>
+                <a:srgbClr val="802258"/>
+              </a:solidFill>
+              <a:latin typeface="华文中宋" panose="02010600040101010101" pitchFamily="2" charset="-122"/>
+              <a:ea typeface="华文中宋" panose="02010600040101010101" pitchFamily="2" charset="-122"/>
+            </a:endParaRPr>
           </a:p>
           <a:p>
             <a:pPr marL="914400" lvl="1" indent="-457200">
@@ -11835,6 +12034,10 @@
               </a:rPr>
               <a:t>GPT-3, BERT, etc.</a:t>
             </a:r>
+            <a:endParaRPr lang="en-US" altLang="zh-CN" sz="2000" dirty="0">
+              <a:latin typeface="华文中宋" panose="02010600040101010101" pitchFamily="2" charset="-122"/>
+              <a:ea typeface="华文中宋" panose="02010600040101010101" pitchFamily="2" charset="-122"/>
+            </a:endParaRPr>
           </a:p>
           <a:p>
             <a:pPr marL="914400" lvl="1" indent="-457200">
@@ -11851,6 +12054,10 @@
               </a:rPr>
               <a:t>Vast data training</a:t>
             </a:r>
+            <a:endParaRPr lang="en-US" altLang="zh-CN" sz="2000" dirty="0">
+              <a:latin typeface="华文中宋" panose="02010600040101010101" pitchFamily="2" charset="-122"/>
+              <a:ea typeface="华文中宋" panose="02010600040101010101" pitchFamily="2" charset="-122"/>
+            </a:endParaRPr>
           </a:p>
           <a:p>
             <a:pPr marL="914400" lvl="1" indent="-457200">
@@ -11867,6 +12074,10 @@
               </a:rPr>
               <a:t>Rich knowledge capture</a:t>
             </a:r>
+            <a:endParaRPr lang="en-US" altLang="zh-CN" sz="2000" dirty="0">
+              <a:latin typeface="华文中宋" panose="02010600040101010101" pitchFamily="2" charset="-122"/>
+              <a:ea typeface="华文中宋" panose="02010600040101010101" pitchFamily="2" charset="-122"/>
+            </a:endParaRPr>
           </a:p>
           <a:p>
             <a:pPr marL="457200" indent="-457200">
@@ -11886,6 +12097,13 @@
               </a:rPr>
               <a:t>Privacy and Security Concerns</a:t>
             </a:r>
+            <a:endParaRPr lang="en-US" altLang="zh-CN" sz="2400" b="1" dirty="0">
+              <a:solidFill>
+                <a:srgbClr val="802258"/>
+              </a:solidFill>
+              <a:latin typeface="华文中宋" panose="02010600040101010101" pitchFamily="2" charset="-122"/>
+              <a:ea typeface="华文中宋" panose="02010600040101010101" pitchFamily="2" charset="-122"/>
+            </a:endParaRPr>
           </a:p>
           <a:p>
             <a:pPr marL="914400" lvl="1" indent="-457200">
@@ -11902,6 +12120,10 @@
               </a:rPr>
               <a:t>Memorization of training data</a:t>
             </a:r>
+            <a:endParaRPr lang="en-US" altLang="zh-CN" sz="2000" dirty="0">
+              <a:latin typeface="华文中宋" panose="02010600040101010101" pitchFamily="2" charset="-122"/>
+              <a:ea typeface="华文中宋" panose="02010600040101010101" pitchFamily="2" charset="-122"/>
+            </a:endParaRPr>
           </a:p>
           <a:p>
             <a:pPr marL="1371600" lvl="2" indent="-457200">
@@ -11918,6 +12140,10 @@
               </a:rPr>
               <a:t>employ the context of private information as the input to the language model</a:t>
             </a:r>
+            <a:endParaRPr lang="en-US" altLang="zh-CN" sz="2000" dirty="0">
+              <a:latin typeface="华文中宋" panose="02010600040101010101" pitchFamily="2" charset="-122"/>
+              <a:ea typeface="华文中宋" panose="02010600040101010101" pitchFamily="2" charset="-122"/>
+            </a:endParaRPr>
           </a:p>
           <a:p>
             <a:pPr marL="1371600" lvl="2" indent="-457200">
@@ -11934,6 +12160,10 @@
               </a:rPr>
               <a:t>calculate the risk of private information leakage</a:t>
             </a:r>
+            <a:endParaRPr lang="en-US" altLang="zh-CN" sz="2000" dirty="0">
+              <a:latin typeface="华文中宋" panose="02010600040101010101" pitchFamily="2" charset="-122"/>
+              <a:ea typeface="华文中宋" panose="02010600040101010101" pitchFamily="2" charset="-122"/>
+            </a:endParaRPr>
           </a:p>
           <a:p>
             <a:pPr marL="1371600" lvl="2" indent="-457200">
@@ -11950,6 +12180,10 @@
               </a:rPr>
               <a:t>classify the information with a leakage risk exceeding predefined thresholds as having been memorized by the language model</a:t>
             </a:r>
+            <a:endParaRPr lang="en-US" altLang="zh-CN" sz="2000" dirty="0">
+              <a:latin typeface="华文中宋" panose="02010600040101010101" pitchFamily="2" charset="-122"/>
+              <a:ea typeface="华文中宋" panose="02010600040101010101" pitchFamily="2" charset="-122"/>
+            </a:endParaRPr>
           </a:p>
           <a:p>
             <a:pPr marL="914400" lvl="1" indent="-457200">
@@ -11966,15 +12200,14 @@
               </a:rPr>
               <a:t>Sensitive information leakage</a:t>
             </a:r>
+            <a:endParaRPr lang="en-US" altLang="zh-CN" sz="2000" dirty="0">
+              <a:latin typeface="华文中宋" panose="02010600040101010101" pitchFamily="2" charset="-122"/>
+              <a:ea typeface="华文中宋" panose="02010600040101010101" pitchFamily="2" charset="-122"/>
+            </a:endParaRPr>
           </a:p>
         </p:txBody>
       </p:sp>
     </p:spTree>
-    <p:extLst>
-      <p:ext uri="{BB962C8B-B14F-4D97-AF65-F5344CB8AC3E}">
-        <p14:creationId xmlns:p14="http://schemas.microsoft.com/office/powerpoint/2010/main" val="3766233347"/>
-      </p:ext>
-    </p:extLst>
   </p:cSld>
   <p:clrMapOvr>
     <a:masterClrMapping/>
@@ -12061,6 +12294,13 @@
               </a:rPr>
               <a:t>Privacy Risks</a:t>
             </a:r>
+            <a:endParaRPr lang="en-US" altLang="zh-CN" sz="2400" b="1" dirty="0">
+              <a:solidFill>
+                <a:srgbClr val="802258"/>
+              </a:solidFill>
+              <a:latin typeface="华文中宋" panose="02010600040101010101" pitchFamily="2" charset="-122"/>
+              <a:ea typeface="华文中宋" panose="02010600040101010101" pitchFamily="2" charset="-122"/>
+            </a:endParaRPr>
           </a:p>
           <a:p>
             <a:pPr marL="914400" lvl="1" indent="-457200">
@@ -12077,6 +12317,10 @@
               </a:rPr>
               <a:t>Extracting personal info from outputs</a:t>
             </a:r>
+            <a:endParaRPr lang="en-US" altLang="zh-CN" sz="2000" dirty="0">
+              <a:latin typeface="华文中宋" panose="02010600040101010101" pitchFamily="2" charset="-122"/>
+              <a:ea typeface="华文中宋" panose="02010600040101010101" pitchFamily="2" charset="-122"/>
+            </a:endParaRPr>
           </a:p>
           <a:p>
             <a:pPr marL="914400" lvl="1" indent="-457200">
@@ -12093,6 +12337,10 @@
               </a:rPr>
               <a:t>Inducing generation of personal info</a:t>
             </a:r>
+            <a:endParaRPr lang="en-US" altLang="zh-CN" sz="2000" dirty="0">
+              <a:latin typeface="华文中宋" panose="02010600040101010101" pitchFamily="2" charset="-122"/>
+              <a:ea typeface="华文中宋" panose="02010600040101010101" pitchFamily="2" charset="-122"/>
+            </a:endParaRPr>
           </a:p>
           <a:p>
             <a:pPr marL="914400" lvl="1" indent="-457200">
@@ -12109,6 +12357,10 @@
               </a:rPr>
               <a:t>Training data memorization</a:t>
             </a:r>
+            <a:endParaRPr lang="en-US" altLang="zh-CN" sz="2000" dirty="0">
+              <a:latin typeface="华文中宋" panose="02010600040101010101" pitchFamily="2" charset="-122"/>
+              <a:ea typeface="华文中宋" panose="02010600040101010101" pitchFamily="2" charset="-122"/>
+            </a:endParaRPr>
           </a:p>
           <a:p>
             <a:pPr marL="457200" indent="-457200">
@@ -12128,6 +12380,13 @@
               </a:rPr>
               <a:t>Existing Methods</a:t>
             </a:r>
+            <a:endParaRPr lang="en-US" altLang="zh-CN" sz="2400" b="1" dirty="0">
+              <a:solidFill>
+                <a:srgbClr val="802258"/>
+              </a:solidFill>
+              <a:latin typeface="华文中宋" panose="02010600040101010101" pitchFamily="2" charset="-122"/>
+              <a:ea typeface="华文中宋" panose="02010600040101010101" pitchFamily="2" charset="-122"/>
+            </a:endParaRPr>
           </a:p>
           <a:p>
             <a:pPr marL="914400" lvl="1" indent="-457200">
@@ -12144,6 +12403,10 @@
               </a:rPr>
               <a:t>Data processing stage: remove sensitive info</a:t>
             </a:r>
+            <a:endParaRPr lang="en-US" altLang="zh-CN" sz="2000" dirty="0">
+              <a:latin typeface="华文中宋" panose="02010600040101010101" pitchFamily="2" charset="-122"/>
+              <a:ea typeface="华文中宋" panose="02010600040101010101" pitchFamily="2" charset="-122"/>
+            </a:endParaRPr>
           </a:p>
           <a:p>
             <a:pPr marL="914400" lvl="1" indent="-457200">
@@ -12160,6 +12423,10 @@
               </a:rPr>
               <a:t>Training stage: differential privacy, adversarial training</a:t>
             </a:r>
+            <a:endParaRPr lang="en-US" altLang="zh-CN" sz="2000" dirty="0">
+              <a:latin typeface="华文中宋" panose="02010600040101010101" pitchFamily="2" charset="-122"/>
+              <a:ea typeface="华文中宋" panose="02010600040101010101" pitchFamily="2" charset="-122"/>
+            </a:endParaRPr>
           </a:p>
           <a:p>
             <a:pPr marL="914400" lvl="1" indent="-457200">
@@ -12176,6 +12443,10 @@
               </a:rPr>
               <a:t>Post-processing stage: parameter retraining, keyword filtering</a:t>
             </a:r>
+            <a:endParaRPr lang="en-US" altLang="zh-CN" sz="2000" dirty="0">
+              <a:latin typeface="华文中宋" panose="02010600040101010101" pitchFamily="2" charset="-122"/>
+              <a:ea typeface="华文中宋" panose="02010600040101010101" pitchFamily="2" charset="-122"/>
+            </a:endParaRPr>
           </a:p>
           <a:p>
             <a:pPr marL="457200" indent="-457200">
@@ -12195,6 +12466,13 @@
               </a:rPr>
               <a:t>Limitations</a:t>
             </a:r>
+            <a:endParaRPr lang="en-US" altLang="zh-CN" sz="2400" b="1" dirty="0">
+              <a:solidFill>
+                <a:srgbClr val="802258"/>
+              </a:solidFill>
+              <a:latin typeface="华文中宋" panose="02010600040101010101" pitchFamily="2" charset="-122"/>
+              <a:ea typeface="华文中宋" panose="02010600040101010101" pitchFamily="2" charset="-122"/>
+            </a:endParaRPr>
           </a:p>
           <a:p>
             <a:pPr marL="914400" lvl="1" indent="-457200">
@@ -12211,6 +12489,10 @@
               </a:rPr>
               <a:t>High computational cost</a:t>
             </a:r>
+            <a:endParaRPr lang="en-US" altLang="zh-CN" sz="2000" dirty="0">
+              <a:latin typeface="华文中宋" panose="02010600040101010101" pitchFamily="2" charset="-122"/>
+              <a:ea typeface="华文中宋" panose="02010600040101010101" pitchFamily="2" charset="-122"/>
+            </a:endParaRPr>
           </a:p>
           <a:p>
             <a:pPr marL="914400" lvl="1" indent="-457200">
@@ -12227,6 +12509,10 @@
               </a:rPr>
               <a:t>Ineffectiveness post-training</a:t>
             </a:r>
+            <a:endParaRPr lang="en-US" altLang="zh-CN" sz="2000" dirty="0">
+              <a:latin typeface="华文中宋" panose="02010600040101010101" pitchFamily="2" charset="-122"/>
+              <a:ea typeface="华文中宋" panose="02010600040101010101" pitchFamily="2" charset="-122"/>
+            </a:endParaRPr>
           </a:p>
           <a:p>
             <a:pPr>
@@ -12242,11 +12528,6 @@
         </p:txBody>
       </p:sp>
     </p:spTree>
-    <p:extLst>
-      <p:ext uri="{BB962C8B-B14F-4D97-AF65-F5344CB8AC3E}">
-        <p14:creationId xmlns:p14="http://schemas.microsoft.com/office/powerpoint/2010/main" val="2419002450"/>
-      </p:ext>
-    </p:extLst>
   </p:cSld>
   <p:clrMapOvr>
     <a:masterClrMapping/>
@@ -12333,6 +12614,13 @@
               </a:rPr>
               <a:t>DEPN</a:t>
             </a:r>
+            <a:endParaRPr lang="en-US" altLang="zh-CN" sz="2400" b="1" dirty="0">
+              <a:solidFill>
+                <a:srgbClr val="802258"/>
+              </a:solidFill>
+              <a:latin typeface="华文中宋" panose="02010600040101010101" pitchFamily="2" charset="-122"/>
+              <a:ea typeface="华文中宋" panose="02010600040101010101" pitchFamily="2" charset="-122"/>
+            </a:endParaRPr>
           </a:p>
           <a:p>
             <a:pPr marL="914400" lvl="1" indent="-457200">
@@ -12377,6 +12665,10 @@
               </a:rPr>
               <a:t>. </a:t>
             </a:r>
+            <a:endParaRPr lang="en-US" altLang="zh-CN" sz="2000" dirty="0">
+              <a:latin typeface="华文中宋" panose="02010600040101010101" pitchFamily="2" charset="-122"/>
+              <a:ea typeface="华文中宋" panose="02010600040101010101" pitchFamily="2" charset="-122"/>
+            </a:endParaRPr>
           </a:p>
           <a:p>
             <a:pPr marL="914400" lvl="1" indent="-457200">
@@ -12407,6 +12699,10 @@
               </a:rPr>
               <a:t> privacy information. </a:t>
             </a:r>
+            <a:endParaRPr lang="en-US" altLang="zh-CN" sz="2000" dirty="0">
+              <a:latin typeface="华文中宋" panose="02010600040101010101" pitchFamily="2" charset="-122"/>
+              <a:ea typeface="华文中宋" panose="02010600040101010101" pitchFamily="2" charset="-122"/>
+            </a:endParaRPr>
           </a:p>
           <a:p>
             <a:pPr marL="914400" lvl="1" indent="-457200">
@@ -12431,11 +12727,6 @@
         </p:txBody>
       </p:sp>
     </p:spTree>
-    <p:extLst>
-      <p:ext uri="{BB962C8B-B14F-4D97-AF65-F5344CB8AC3E}">
-        <p14:creationId xmlns:p14="http://schemas.microsoft.com/office/powerpoint/2010/main" val="1750048204"/>
-      </p:ext>
-    </p:extLst>
   </p:cSld>
   <p:clrMapOvr>
     <a:masterClrMapping/>
@@ -12479,6 +12770,7 @@
               <a:rPr lang="en-US" altLang="zh-CN" b="1" dirty="0"/>
               <a:t>Preliminary</a:t>
             </a:r>
+            <a:endParaRPr lang="en-US" altLang="zh-CN" b="1" dirty="0"/>
           </a:p>
         </p:txBody>
       </p:sp>
@@ -12521,6 +12813,13 @@
               </a:rPr>
               <a:t>Privacy Definition</a:t>
             </a:r>
+            <a:endParaRPr lang="en-US" altLang="zh-CN" sz="2400" b="1" dirty="0">
+              <a:solidFill>
+                <a:srgbClr val="802258"/>
+              </a:solidFill>
+              <a:latin typeface="华文中宋" panose="02010600040101010101" pitchFamily="2" charset="-122"/>
+              <a:ea typeface="华文中宋" panose="02010600040101010101" pitchFamily="2" charset="-122"/>
+            </a:endParaRPr>
           </a:p>
           <a:p>
             <a:pPr marL="914400" lvl="1" indent="-457200">
@@ -12537,6 +12836,10 @@
               </a:rPr>
               <a:t>great concern in the era of pretrained language models</a:t>
             </a:r>
+            <a:endParaRPr lang="en-US" altLang="zh-CN" sz="2000" dirty="0">
+              <a:latin typeface="华文中宋" panose="02010600040101010101" pitchFamily="2" charset="-122"/>
+              <a:ea typeface="华文中宋" panose="02010600040101010101" pitchFamily="2" charset="-122"/>
+            </a:endParaRPr>
           </a:p>
           <a:p>
             <a:pPr marL="914400" lvl="1" indent="-457200">
@@ -12553,6 +12856,10 @@
               </a:rPr>
               <a:t>closely related to its context and discourse</a:t>
             </a:r>
+            <a:endParaRPr lang="en-US" altLang="zh-CN" sz="2000" dirty="0">
+              <a:latin typeface="华文中宋" panose="02010600040101010101" pitchFamily="2" charset="-122"/>
+              <a:ea typeface="华文中宋" panose="02010600040101010101" pitchFamily="2" charset="-122"/>
+            </a:endParaRPr>
           </a:p>
           <a:p>
             <a:pPr marL="914400" lvl="1" indent="-457200">
@@ -12569,15 +12876,14 @@
               </a:rPr>
               <a:t>a narrow definition of privacy</a:t>
             </a:r>
+            <a:endParaRPr lang="en-US" altLang="zh-CN" sz="2000" dirty="0">
+              <a:latin typeface="华文中宋" panose="02010600040101010101" pitchFamily="2" charset="-122"/>
+              <a:ea typeface="华文中宋" panose="02010600040101010101" pitchFamily="2" charset="-122"/>
+            </a:endParaRPr>
           </a:p>
         </p:txBody>
       </p:sp>
     </p:spTree>
-    <p:extLst>
-      <p:ext uri="{BB962C8B-B14F-4D97-AF65-F5344CB8AC3E}">
-        <p14:creationId xmlns:p14="http://schemas.microsoft.com/office/powerpoint/2010/main" val="2554599209"/>
-      </p:ext>
-    </p:extLst>
   </p:cSld>
   <p:clrMapOvr>
     <a:masterClrMapping/>
@@ -12621,6 +12927,7 @@
               <a:rPr lang="en-US" altLang="zh-CN" b="1" dirty="0"/>
               <a:t>Preliminary</a:t>
             </a:r>
+            <a:endParaRPr lang="en-US" altLang="zh-CN" b="1" dirty="0"/>
           </a:p>
         </p:txBody>
       </p:sp>
@@ -12663,6 +12970,13 @@
               </a:rPr>
               <a:t>Model Editing</a:t>
             </a:r>
+            <a:endParaRPr lang="en-US" altLang="zh-CN" sz="2400" b="1" dirty="0">
+              <a:solidFill>
+                <a:srgbClr val="802258"/>
+              </a:solidFill>
+              <a:latin typeface="华文中宋" panose="02010600040101010101" pitchFamily="2" charset="-122"/>
+              <a:ea typeface="华文中宋" panose="02010600040101010101" pitchFamily="2" charset="-122"/>
+            </a:endParaRPr>
           </a:p>
           <a:p>
             <a:pPr marL="914400" lvl="1" indent="-457200">
@@ -12679,6 +12993,10 @@
               </a:rPr>
               <a:t>a key-value memory</a:t>
             </a:r>
+            <a:endParaRPr lang="en-US" altLang="zh-CN" sz="2000" dirty="0">
+              <a:latin typeface="华文中宋" panose="02010600040101010101" pitchFamily="2" charset="-122"/>
+              <a:ea typeface="华文中宋" panose="02010600040101010101" pitchFamily="2" charset="-122"/>
+            </a:endParaRPr>
           </a:p>
           <a:p>
             <a:pPr marL="1371600" lvl="2" indent="-457200">
@@ -12709,6 +13027,10 @@
               </a:rPr>
               <a:t>a text pattern</a:t>
             </a:r>
+            <a:endParaRPr lang="en-US" altLang="zh-CN" sz="2000" dirty="0">
+              <a:latin typeface="华文中宋" panose="02010600040101010101" pitchFamily="2" charset="-122"/>
+              <a:ea typeface="华文中宋" panose="02010600040101010101" pitchFamily="2" charset="-122"/>
+            </a:endParaRPr>
           </a:p>
           <a:p>
             <a:pPr marL="1371600" lvl="2" indent="-457200">
@@ -12739,6 +13061,10 @@
               </a:rPr>
               <a:t>a distribution over the vocabulary</a:t>
             </a:r>
+            <a:endParaRPr lang="en-US" altLang="zh-CN" sz="2000" dirty="0">
+              <a:latin typeface="华文中宋" panose="02010600040101010101" pitchFamily="2" charset="-122"/>
+              <a:ea typeface="华文中宋" panose="02010600040101010101" pitchFamily="2" charset="-122"/>
+            </a:endParaRPr>
           </a:p>
           <a:p>
             <a:pPr marL="914400" lvl="1" indent="-457200">
@@ -12755,6 +13081,10 @@
               </a:rPr>
               <a:t>edit factual knowledge encoded by locating neurons related to the entities of factual knowledge</a:t>
             </a:r>
+            <a:endParaRPr lang="en-US" altLang="zh-CN" sz="2000" dirty="0">
+              <a:latin typeface="华文中宋" panose="02010600040101010101" pitchFamily="2" charset="-122"/>
+              <a:ea typeface="华文中宋" panose="02010600040101010101" pitchFamily="2" charset="-122"/>
+            </a:endParaRPr>
           </a:p>
           <a:p>
             <a:pPr marL="914400" lvl="1" indent="-457200">
@@ -12785,6 +13115,10 @@
               </a:rPr>
               <a:t>observe the changes</a:t>
             </a:r>
+            <a:endParaRPr lang="en-US" altLang="zh-CN" sz="2000" dirty="0">
+              <a:latin typeface="华文中宋" panose="02010600040101010101" pitchFamily="2" charset="-122"/>
+              <a:ea typeface="华文中宋" panose="02010600040101010101" pitchFamily="2" charset="-122"/>
+            </a:endParaRPr>
           </a:p>
           <a:p>
             <a:pPr marL="1371600" lvl="2" indent="-457200">
@@ -12801,6 +13135,10 @@
               </a:rPr>
               <a:t>greater influence, more closely</a:t>
             </a:r>
+            <a:endParaRPr lang="en-US" altLang="zh-CN" sz="2000" dirty="0">
+              <a:latin typeface="华文中宋" panose="02010600040101010101" pitchFamily="2" charset="-122"/>
+              <a:ea typeface="华文中宋" panose="02010600040101010101" pitchFamily="2" charset="-122"/>
+            </a:endParaRPr>
           </a:p>
           <a:p>
             <a:pPr marL="1371600" lvl="2" indent="-457200">
@@ -12817,15 +13155,14 @@
               </a:rPr>
               <a:t>Limitations: only observe the probability change of one token at a time</a:t>
             </a:r>
+            <a:endParaRPr lang="en-US" altLang="zh-CN" sz="2000" dirty="0">
+              <a:latin typeface="华文中宋" panose="02010600040101010101" pitchFamily="2" charset="-122"/>
+              <a:ea typeface="华文中宋" panose="02010600040101010101" pitchFamily="2" charset="-122"/>
+            </a:endParaRPr>
           </a:p>
         </p:txBody>
       </p:sp>
     </p:spTree>
-    <p:extLst>
-      <p:ext uri="{BB962C8B-B14F-4D97-AF65-F5344CB8AC3E}">
-        <p14:creationId xmlns:p14="http://schemas.microsoft.com/office/powerpoint/2010/main" val="253572046"/>
-      </p:ext>
-    </p:extLst>
   </p:cSld>
   <p:clrMapOvr>
     <a:masterClrMapping/>
@@ -12912,6 +13249,13 @@
               </a:rPr>
               <a:t>DEPN</a:t>
             </a:r>
+            <a:endParaRPr lang="en-US" altLang="zh-CN" sz="2400" b="1" dirty="0">
+              <a:solidFill>
+                <a:srgbClr val="802258"/>
+              </a:solidFill>
+              <a:latin typeface="华文中宋" panose="02010600040101010101" pitchFamily="2" charset="-122"/>
+              <a:ea typeface="华文中宋" panose="02010600040101010101" pitchFamily="2" charset="-122"/>
+            </a:endParaRPr>
           </a:p>
           <a:p>
             <a:pPr marL="914400" lvl="1" indent="-457200">
@@ -12935,6 +13279,10 @@
               </a:rPr>
               <a:t>: Locate neurons associated with private information</a:t>
             </a:r>
+            <a:endParaRPr lang="en-US" altLang="zh-CN" sz="2000" dirty="0">
+              <a:latin typeface="华文中宋" panose="02010600040101010101" pitchFamily="2" charset="-122"/>
+              <a:ea typeface="华文中宋" panose="02010600040101010101" pitchFamily="2" charset="-122"/>
+            </a:endParaRPr>
           </a:p>
           <a:p>
             <a:pPr marL="914400" lvl="1" indent="-457200">
@@ -12958,6 +13306,10 @@
               </a:rPr>
               <a:t>: Process privacy information in batches</a:t>
             </a:r>
+            <a:endParaRPr lang="en-US" altLang="zh-CN" sz="2000" dirty="0">
+              <a:latin typeface="华文中宋" panose="02010600040101010101" pitchFamily="2" charset="-122"/>
+              <a:ea typeface="华文中宋" panose="02010600040101010101" pitchFamily="2" charset="-122"/>
+            </a:endParaRPr>
           </a:p>
           <a:p>
             <a:pPr marL="914400" lvl="1" indent="-457200">
@@ -12981,25 +13333,23 @@
               </a:rPr>
               <a:t>: Set the activation values of these neurons to zero</a:t>
             </a:r>
+            <a:endParaRPr lang="en-US" altLang="zh-CN" sz="2000" dirty="0">
+              <a:latin typeface="华文中宋" panose="02010600040101010101" pitchFamily="2" charset="-122"/>
+              <a:ea typeface="华文中宋" panose="02010600040101010101" pitchFamily="2" charset="-122"/>
+            </a:endParaRPr>
           </a:p>
         </p:txBody>
       </p:sp>
       <p:pic>
         <p:nvPicPr>
-          <p:cNvPr id="4" name="图片 3">
-            <a:extLst>
-              <a:ext uri="{FF2B5EF4-FFF2-40B4-BE49-F238E27FC236}">
-                <a16:creationId xmlns:a16="http://schemas.microsoft.com/office/drawing/2014/main" id="{F7090EA8-8C49-D043-8601-A4F87457E4B3}"/>
-              </a:ext>
-            </a:extLst>
-          </p:cNvPr>
+          <p:cNvPr id="4" name="图片 3"/>
           <p:cNvPicPr>
             <a:picLocks noChangeAspect="1"/>
           </p:cNvPicPr>
           <p:nvPr/>
         </p:nvPicPr>
         <p:blipFill>
-          <a:blip r:embed="rId3"/>
+          <a:blip r:embed="rId1"/>
           <a:stretch>
             <a:fillRect/>
           </a:stretch>
@@ -13015,11 +13365,6 @@
         </p:spPr>
       </p:pic>
     </p:spTree>
-    <p:extLst>
-      <p:ext uri="{BB962C8B-B14F-4D97-AF65-F5344CB8AC3E}">
-        <p14:creationId xmlns:p14="http://schemas.microsoft.com/office/powerpoint/2010/main" val="2705520063"/>
-      </p:ext>
-    </p:extLst>
   </p:cSld>
   <p:clrMapOvr>
     <a:masterClrMapping/>
@@ -13106,25 +13451,26 @@
               </a:rPr>
               <a:t>Privacy Prediction Task</a:t>
             </a:r>
+            <a:endParaRPr lang="en-US" altLang="zh-CN" sz="2400" b="1" dirty="0">
+              <a:solidFill>
+                <a:srgbClr val="802258"/>
+              </a:solidFill>
+              <a:latin typeface="华文中宋" panose="02010600040101010101" pitchFamily="2" charset="-122"/>
+              <a:ea typeface="华文中宋" panose="02010600040101010101" pitchFamily="2" charset="-122"/>
+            </a:endParaRPr>
           </a:p>
         </p:txBody>
       </p:sp>
       <p:pic>
         <p:nvPicPr>
-          <p:cNvPr id="6" name="图片 5">
-            <a:extLst>
-              <a:ext uri="{FF2B5EF4-FFF2-40B4-BE49-F238E27FC236}">
-                <a16:creationId xmlns:a16="http://schemas.microsoft.com/office/drawing/2014/main" id="{DB47C15C-7787-DD44-994C-F08FF94ED0BD}"/>
-              </a:ext>
-            </a:extLst>
-          </p:cNvPr>
+          <p:cNvPr id="6" name="图片 5"/>
           <p:cNvPicPr>
             <a:picLocks noChangeAspect="1"/>
           </p:cNvPicPr>
           <p:nvPr/>
         </p:nvPicPr>
         <p:blipFill>
-          <a:blip r:embed="rId3"/>
+          <a:blip r:embed="rId1"/>
           <a:stretch>
             <a:fillRect/>
           </a:stretch>
@@ -13141,13 +13487,7 @@
       </p:pic>
       <p:sp>
         <p:nvSpPr>
-          <p:cNvPr id="8" name="文本框 7">
-            <a:extLst>
-              <a:ext uri="{FF2B5EF4-FFF2-40B4-BE49-F238E27FC236}">
-                <a16:creationId xmlns:a16="http://schemas.microsoft.com/office/drawing/2014/main" id="{C6EF8D94-13FC-8748-84BD-526261EC8595}"/>
-              </a:ext>
-            </a:extLst>
-          </p:cNvPr>
+          <p:cNvPr id="8" name="文本框 7"/>
           <p:cNvSpPr txBox="1"/>
           <p:nvPr/>
         </p:nvSpPr>
@@ -13241,13 +13581,7 @@
       </p:sp>
       <p:sp>
         <p:nvSpPr>
-          <p:cNvPr id="9" name="文本框 8">
-            <a:extLst>
-              <a:ext uri="{FF2B5EF4-FFF2-40B4-BE49-F238E27FC236}">
-                <a16:creationId xmlns:a16="http://schemas.microsoft.com/office/drawing/2014/main" id="{865C307B-32A1-AC4A-8E89-950399493482}"/>
-              </a:ext>
-            </a:extLst>
-          </p:cNvPr>
+          <p:cNvPr id="9" name="文本框 8"/>
           <p:cNvSpPr txBox="1"/>
           <p:nvPr/>
         </p:nvSpPr>
@@ -13279,18 +13613,16 @@
               </a:rPr>
               <a:t>"_ _ is a senior writer at ESPN.com" reduce the probability of privacy leakage</a:t>
             </a:r>
-          </a:p>
-        </p:txBody>
-      </p:sp>
-      <p:sp>
-        <p:nvSpPr>
-          <p:cNvPr id="10" name="文本框 9">
-            <a:extLst>
-              <a:ext uri="{FF2B5EF4-FFF2-40B4-BE49-F238E27FC236}">
-                <a16:creationId xmlns:a16="http://schemas.microsoft.com/office/drawing/2014/main" id="{139D7534-EAAE-9C46-9B4F-1A09D3AF473D}"/>
-              </a:ext>
-            </a:extLst>
-          </p:cNvPr>
+            <a:endParaRPr lang="en-US" altLang="zh-CN" sz="2000" dirty="0">
+              <a:latin typeface="华文中宋" panose="02010600040101010101" pitchFamily="2" charset="-122"/>
+              <a:ea typeface="华文中宋" panose="02010600040101010101" pitchFamily="2" charset="-122"/>
+            </a:endParaRPr>
+          </a:p>
+        </p:txBody>
+      </p:sp>
+      <p:sp>
+        <p:nvSpPr>
+          <p:cNvPr id="10" name="文本框 9"/>
           <p:cNvSpPr txBox="1"/>
           <p:nvPr/>
         </p:nvSpPr>
@@ -13322,18 +13654,16 @@
               </a:rPr>
               <a:t>minimizing the probability of predicting "An■" and "Ka■" </a:t>
             </a:r>
-          </a:p>
-        </p:txBody>
-      </p:sp>
-      <p:sp>
-        <p:nvSpPr>
-          <p:cNvPr id="11" name="下箭头 10">
-            <a:extLst>
-              <a:ext uri="{FF2B5EF4-FFF2-40B4-BE49-F238E27FC236}">
-                <a16:creationId xmlns:a16="http://schemas.microsoft.com/office/drawing/2014/main" id="{6BB2A320-334B-7A43-8B8A-DD2713DE1400}"/>
-              </a:ext>
-            </a:extLst>
-          </p:cNvPr>
+            <a:endParaRPr lang="en-US" altLang="zh-CN" sz="2000" dirty="0">
+              <a:latin typeface="华文中宋" panose="02010600040101010101" pitchFamily="2" charset="-122"/>
+              <a:ea typeface="华文中宋" panose="02010600040101010101" pitchFamily="2" charset="-122"/>
+            </a:endParaRPr>
+          </a:p>
+        </p:txBody>
+      </p:sp>
+      <p:sp>
+        <p:nvSpPr>
+          <p:cNvPr id="11" name="下箭头 10"/>
           <p:cNvSpPr/>
           <p:nvPr/>
         </p:nvSpPr>
@@ -13379,13 +13709,7 @@
       </p:sp>
       <p:sp>
         <p:nvSpPr>
-          <p:cNvPr id="12" name="下箭头 11">
-            <a:extLst>
-              <a:ext uri="{FF2B5EF4-FFF2-40B4-BE49-F238E27FC236}">
-                <a16:creationId xmlns:a16="http://schemas.microsoft.com/office/drawing/2014/main" id="{6382BE84-BD58-D146-A178-5A856BB4D78C}"/>
-              </a:ext>
-            </a:extLst>
-          </p:cNvPr>
+          <p:cNvPr id="12" name="下箭头 11"/>
           <p:cNvSpPr/>
           <p:nvPr/>
         </p:nvSpPr>
@@ -13430,11 +13754,6 @@
         </p:txBody>
       </p:sp>
     </p:spTree>
-    <p:extLst>
-      <p:ext uri="{BB962C8B-B14F-4D97-AF65-F5344CB8AC3E}">
-        <p14:creationId xmlns:p14="http://schemas.microsoft.com/office/powerpoint/2010/main" val="1280405837"/>
-      </p:ext>
-    </p:extLst>
   </p:cSld>
   <p:clrMapOvr>
     <a:masterClrMapping/>
@@ -13443,8 +13762,9 @@
 </file>
 
 <file path=ppt/tags/tag1.xml><?xml version="1.0" encoding="utf-8"?>
-<p:tagLst xmlns:a="http://schemas.openxmlformats.org/drawingml/2006/main" xmlns:r="http://schemas.openxmlformats.org/officeDocument/2006/relationships" xmlns:p="http://schemas.openxmlformats.org/presentationml/2006/main">
-  <p:tag name="COMMONDATA" val="eyJoZGlkIjoiMmY2YWE2NWZlMGNjNzg1YmY0NmI2YTkxODY3NDZjZDMifQ=="/>
+<p:tagLst xmlns:p="http://schemas.openxmlformats.org/presentationml/2006/main">
+  <p:tag name="COMMONDATA" val="eyJoZGlkIjoiOGRkMDkyOWRlOTE2NmY3NDMyM2QyN2ZiMGI1Y2QwYzUifQ=="/>
+  <p:tag name="KSO_WPP_MARK_KEY" val="1de7cdab-8532-4825-b9b1-58d16515245a"/>
 </p:tagLst>
 </file>
 
@@ -13699,8 +14019,6 @@
       </a:bgFillStyleLst>
     </a:fmtScheme>
   </a:themeElements>
-  <a:objectDefaults/>
-  <a:extraClrSchemeLst/>
   <a:extLst>
     <a:ext uri="{05A4C25C-085E-4340-85A3-A5531E510DB2}">
       <thm15:themeFamily xmlns:thm15="http://schemas.microsoft.com/office/thememl/2012/main" name="Office Theme" id="{62F939B6-93AF-4DB8-9C6B-D6C7DFDC589F}" vid="{4A3C46E8-61CC-4603-A589-7422A47A8E4A}"/>
@@ -13960,8 +14278,6 @@
       </a:bgFillStyleLst>
     </a:fmtScheme>
   </a:themeElements>
-  <a:objectDefaults/>
-  <a:extraClrSchemeLst/>
   <a:extLst>
     <a:ext uri="{05A4C25C-085E-4340-85A3-A5531E510DB2}">
       <thm15:themeFamily xmlns:thm15="http://schemas.microsoft.com/office/thememl/2012/main" name="Office Theme" id="{62F939B6-93AF-4DB8-9C6B-D6C7DFDC589F}" vid="{4A3C46E8-61CC-4603-A589-7422A47A8E4A}"/>

--- a/lab7/report/slides.pptx
+++ b/lab7/report/slides.pptx
@@ -5,42 +5,42 @@
     <p:sldMasterId id="2147483648" r:id="rId1"/>
   </p:sldMasterIdLst>
   <p:notesMasterIdLst>
-    <p:notesMasterId r:id="rId4"/>
+    <p:notesMasterId r:id="rId30"/>
   </p:notesMasterIdLst>
   <p:sldIdLst>
-    <p:sldId id="256" r:id="rId3"/>
-    <p:sldId id="440" r:id="rId5"/>
-    <p:sldId id="441" r:id="rId6"/>
-    <p:sldId id="472" r:id="rId7"/>
-    <p:sldId id="447" r:id="rId8"/>
-    <p:sldId id="448" r:id="rId9"/>
-    <p:sldId id="451" r:id="rId10"/>
-    <p:sldId id="452" r:id="rId11"/>
-    <p:sldId id="449" r:id="rId12"/>
-    <p:sldId id="453" r:id="rId13"/>
-    <p:sldId id="496" r:id="rId14"/>
-    <p:sldId id="456" r:id="rId15"/>
-    <p:sldId id="457" r:id="rId16"/>
-    <p:sldId id="458" r:id="rId17"/>
-    <p:sldId id="459" r:id="rId18"/>
-    <p:sldId id="471" r:id="rId19"/>
-    <p:sldId id="460" r:id="rId20"/>
-    <p:sldId id="461" r:id="rId21"/>
-    <p:sldId id="473" r:id="rId22"/>
-    <p:sldId id="462" r:id="rId23"/>
-    <p:sldId id="470" r:id="rId24"/>
-    <p:sldId id="464" r:id="rId25"/>
-    <p:sldId id="465" r:id="rId26"/>
-    <p:sldId id="466" r:id="rId27"/>
-    <p:sldId id="467" r:id="rId28"/>
-    <p:sldId id="468" r:id="rId29"/>
-    <p:sldId id="469" r:id="rId30"/>
-    <p:sldId id="328" r:id="rId31"/>
+    <p:sldId id="256" r:id="rId2"/>
+    <p:sldId id="440" r:id="rId3"/>
+    <p:sldId id="441" r:id="rId4"/>
+    <p:sldId id="472" r:id="rId5"/>
+    <p:sldId id="447" r:id="rId6"/>
+    <p:sldId id="448" r:id="rId7"/>
+    <p:sldId id="451" r:id="rId8"/>
+    <p:sldId id="452" r:id="rId9"/>
+    <p:sldId id="449" r:id="rId10"/>
+    <p:sldId id="453" r:id="rId11"/>
+    <p:sldId id="496" r:id="rId12"/>
+    <p:sldId id="456" r:id="rId13"/>
+    <p:sldId id="457" r:id="rId14"/>
+    <p:sldId id="458" r:id="rId15"/>
+    <p:sldId id="459" r:id="rId16"/>
+    <p:sldId id="471" r:id="rId17"/>
+    <p:sldId id="460" r:id="rId18"/>
+    <p:sldId id="461" r:id="rId19"/>
+    <p:sldId id="473" r:id="rId20"/>
+    <p:sldId id="462" r:id="rId21"/>
+    <p:sldId id="470" r:id="rId22"/>
+    <p:sldId id="464" r:id="rId23"/>
+    <p:sldId id="465" r:id="rId24"/>
+    <p:sldId id="466" r:id="rId25"/>
+    <p:sldId id="467" r:id="rId26"/>
+    <p:sldId id="468" r:id="rId27"/>
+    <p:sldId id="469" r:id="rId28"/>
+    <p:sldId id="328" r:id="rId29"/>
   </p:sldIdLst>
   <p:sldSz cx="12192000" cy="6858000"/>
   <p:notesSz cx="6858000" cy="9144000"/>
   <p:custDataLst>
-    <p:tags r:id="rId35"/>
+    <p:tags r:id="rId31"/>
   </p:custDataLst>
   <p:defaultTextStyle>
     <a:defPPr>
@@ -137,6 +137,22 @@
       </a:defRPr>
     </a:lvl9pPr>
   </p:defaultTextStyle>
+  <p:extLst>
+    <p:ext uri="{EFAFB233-063F-42B5-8137-9DF3F51BA10A}">
+      <p15:sldGuideLst xmlns:p15="http://schemas.microsoft.com/office/powerpoint/2012/main">
+        <p15:guide id="1" orient="horz" pos="2132">
+          <p15:clr>
+            <a:srgbClr val="A4A3A4"/>
+          </p15:clr>
+        </p15:guide>
+        <p15:guide id="2" pos="3840">
+          <p15:clr>
+            <a:srgbClr val="A4A3A4"/>
+          </p15:clr>
+        </p15:guide>
+      </p15:sldGuideLst>
+    </p:ext>
+  </p:extLst>
 </p:presentation>
 </file>
 
@@ -222,6 +238,7 @@
           <a:p>
             <a:fld id="{F93F4940-F995-4833-9F27-C67385BAD60D}" type="datetimeFigureOut">
               <a:rPr lang="zh-CN" altLang="en-US" smtClean="0"/>
+              <a:t>2024/6/8</a:t>
             </a:fld>
             <a:endParaRPr lang="zh-CN" altLang="en-US"/>
           </a:p>
@@ -288,7 +305,6 @@
               <a:rPr lang="zh-CN" altLang="en-US"/>
               <a:t>单击此处编辑母版文本样式</a:t>
             </a:r>
-            <a:endParaRPr lang="zh-CN" altLang="en-US"/>
           </a:p>
           <a:p>
             <a:pPr lvl="1"/>
@@ -296,7 +312,6 @@
               <a:rPr lang="zh-CN" altLang="en-US"/>
               <a:t>二级</a:t>
             </a:r>
-            <a:endParaRPr lang="zh-CN" altLang="en-US"/>
           </a:p>
           <a:p>
             <a:pPr lvl="2"/>
@@ -304,7 +319,6 @@
               <a:rPr lang="zh-CN" altLang="en-US"/>
               <a:t>三级</a:t>
             </a:r>
-            <a:endParaRPr lang="zh-CN" altLang="en-US"/>
           </a:p>
           <a:p>
             <a:pPr lvl="3"/>
@@ -312,7 +326,6 @@
               <a:rPr lang="zh-CN" altLang="en-US"/>
               <a:t>四级</a:t>
             </a:r>
-            <a:endParaRPr lang="zh-CN" altLang="en-US"/>
           </a:p>
           <a:p>
             <a:pPr lvl="4"/>
@@ -320,7 +333,6 @@
               <a:rPr lang="zh-CN" altLang="en-US"/>
               <a:t>五级</a:t>
             </a:r>
-            <a:endParaRPr lang="zh-CN" altLang="en-US"/>
           </a:p>
         </p:txBody>
       </p:sp>
@@ -384,6 +396,7 @@
           <a:p>
             <a:fld id="{6EDC296E-2C0A-4FFE-AF18-6ACF9EA98876}" type="slidenum">
               <a:rPr lang="zh-CN" altLang="en-US" smtClean="0"/>
+              <a:t>‹#›</a:t>
             </a:fld>
             <a:endParaRPr lang="zh-CN" altLang="en-US"/>
           </a:p>
@@ -552,6 +565,7 @@
           <a:p>
             <a:fld id="{6EDC296E-2C0A-4FFE-AF18-6ACF9EA98876}" type="slidenum">
               <a:rPr lang="zh-CN" altLang="en-US" smtClean="0"/>
+              <a:t>1</a:t>
             </a:fld>
             <a:endParaRPr lang="zh-CN" altLang="en-US"/>
           </a:p>
@@ -630,6 +644,7 @@
           <a:p>
             <a:fld id="{6EDC296E-2C0A-4FFE-AF18-6ACF9EA98876}" type="slidenum">
               <a:rPr lang="zh-CN" altLang="en-US" smtClean="0"/>
+              <a:t>10</a:t>
             </a:fld>
             <a:endParaRPr lang="zh-CN" altLang="en-US"/>
           </a:p>
@@ -708,6 +723,7 @@
           <a:p>
             <a:fld id="{6EDC296E-2C0A-4FFE-AF18-6ACF9EA98876}" type="slidenum">
               <a:rPr lang="zh-CN" altLang="en-US" smtClean="0"/>
+              <a:t>11</a:t>
             </a:fld>
             <a:endParaRPr lang="zh-CN" altLang="en-US"/>
           </a:p>
@@ -786,6 +802,7 @@
           <a:p>
             <a:fld id="{6EDC296E-2C0A-4FFE-AF18-6ACF9EA98876}" type="slidenum">
               <a:rPr lang="zh-CN" altLang="en-US" smtClean="0"/>
+              <a:t>12</a:t>
             </a:fld>
             <a:endParaRPr lang="zh-CN" altLang="en-US"/>
           </a:p>
@@ -864,6 +881,7 @@
           <a:p>
             <a:fld id="{6EDC296E-2C0A-4FFE-AF18-6ACF9EA98876}" type="slidenum">
               <a:rPr lang="zh-CN" altLang="en-US" smtClean="0"/>
+              <a:t>13</a:t>
             </a:fld>
             <a:endParaRPr lang="zh-CN" altLang="en-US"/>
           </a:p>
@@ -942,6 +960,7 @@
           <a:p>
             <a:fld id="{6EDC296E-2C0A-4FFE-AF18-6ACF9EA98876}" type="slidenum">
               <a:rPr lang="zh-CN" altLang="en-US" smtClean="0"/>
+              <a:t>14</a:t>
             </a:fld>
             <a:endParaRPr lang="zh-CN" altLang="en-US"/>
           </a:p>
@@ -1020,6 +1039,7 @@
           <a:p>
             <a:fld id="{6EDC296E-2C0A-4FFE-AF18-6ACF9EA98876}" type="slidenum">
               <a:rPr lang="zh-CN" altLang="en-US" smtClean="0"/>
+              <a:t>15</a:t>
             </a:fld>
             <a:endParaRPr lang="zh-CN" altLang="en-US"/>
           </a:p>
@@ -1098,6 +1118,7 @@
           <a:p>
             <a:fld id="{6EDC296E-2C0A-4FFE-AF18-6ACF9EA98876}" type="slidenum">
               <a:rPr lang="zh-CN" altLang="en-US" smtClean="0"/>
+              <a:t>16</a:t>
             </a:fld>
             <a:endParaRPr lang="zh-CN" altLang="en-US"/>
           </a:p>
@@ -1176,6 +1197,7 @@
           <a:p>
             <a:fld id="{6EDC296E-2C0A-4FFE-AF18-6ACF9EA98876}" type="slidenum">
               <a:rPr lang="zh-CN" altLang="en-US" smtClean="0"/>
+              <a:t>17</a:t>
             </a:fld>
             <a:endParaRPr lang="zh-CN" altLang="en-US"/>
           </a:p>
@@ -1254,6 +1276,7 @@
           <a:p>
             <a:fld id="{6EDC296E-2C0A-4FFE-AF18-6ACF9EA98876}" type="slidenum">
               <a:rPr lang="zh-CN" altLang="en-US" smtClean="0"/>
+              <a:t>18</a:t>
             </a:fld>
             <a:endParaRPr lang="zh-CN" altLang="en-US"/>
           </a:p>
@@ -1332,6 +1355,7 @@
           <a:p>
             <a:fld id="{6EDC296E-2C0A-4FFE-AF18-6ACF9EA98876}" type="slidenum">
               <a:rPr lang="zh-CN" altLang="en-US" smtClean="0"/>
+              <a:t>19</a:t>
             </a:fld>
             <a:endParaRPr lang="zh-CN" altLang="en-US"/>
           </a:p>
@@ -1410,6 +1434,7 @@
           <a:p>
             <a:fld id="{6EDC296E-2C0A-4FFE-AF18-6ACF9EA98876}" type="slidenum">
               <a:rPr lang="zh-CN" altLang="en-US" smtClean="0"/>
+              <a:t>2</a:t>
             </a:fld>
             <a:endParaRPr lang="zh-CN" altLang="en-US"/>
           </a:p>
@@ -1488,6 +1513,7 @@
           <a:p>
             <a:fld id="{6EDC296E-2C0A-4FFE-AF18-6ACF9EA98876}" type="slidenum">
               <a:rPr lang="zh-CN" altLang="en-US" smtClean="0"/>
+              <a:t>20</a:t>
             </a:fld>
             <a:endParaRPr lang="zh-CN" altLang="en-US"/>
           </a:p>
@@ -1566,6 +1592,7 @@
           <a:p>
             <a:fld id="{6EDC296E-2C0A-4FFE-AF18-6ACF9EA98876}" type="slidenum">
               <a:rPr lang="zh-CN" altLang="en-US" smtClean="0"/>
+              <a:t>21</a:t>
             </a:fld>
             <a:endParaRPr lang="zh-CN" altLang="en-US"/>
           </a:p>
@@ -1644,6 +1671,7 @@
           <a:p>
             <a:fld id="{6EDC296E-2C0A-4FFE-AF18-6ACF9EA98876}" type="slidenum">
               <a:rPr lang="zh-CN" altLang="en-US" smtClean="0"/>
+              <a:t>22</a:t>
             </a:fld>
             <a:endParaRPr lang="zh-CN" altLang="en-US"/>
           </a:p>
@@ -1722,6 +1750,7 @@
           <a:p>
             <a:fld id="{6EDC296E-2C0A-4FFE-AF18-6ACF9EA98876}" type="slidenum">
               <a:rPr lang="zh-CN" altLang="en-US" smtClean="0"/>
+              <a:t>23</a:t>
             </a:fld>
             <a:endParaRPr lang="zh-CN" altLang="en-US"/>
           </a:p>
@@ -1800,6 +1829,7 @@
           <a:p>
             <a:fld id="{6EDC296E-2C0A-4FFE-AF18-6ACF9EA98876}" type="slidenum">
               <a:rPr lang="zh-CN" altLang="en-US" smtClean="0"/>
+              <a:t>24</a:t>
             </a:fld>
             <a:endParaRPr lang="zh-CN" altLang="en-US"/>
           </a:p>
@@ -1878,6 +1908,7 @@
           <a:p>
             <a:fld id="{6EDC296E-2C0A-4FFE-AF18-6ACF9EA98876}" type="slidenum">
               <a:rPr lang="zh-CN" altLang="en-US" smtClean="0"/>
+              <a:t>25</a:t>
             </a:fld>
             <a:endParaRPr lang="zh-CN" altLang="en-US"/>
           </a:p>
@@ -1956,6 +1987,7 @@
           <a:p>
             <a:fld id="{6EDC296E-2C0A-4FFE-AF18-6ACF9EA98876}" type="slidenum">
               <a:rPr lang="zh-CN" altLang="en-US" smtClean="0"/>
+              <a:t>26</a:t>
             </a:fld>
             <a:endParaRPr lang="zh-CN" altLang="en-US"/>
           </a:p>
@@ -2034,6 +2066,7 @@
           <a:p>
             <a:fld id="{6EDC296E-2C0A-4FFE-AF18-6ACF9EA98876}" type="slidenum">
               <a:rPr lang="zh-CN" altLang="en-US" smtClean="0"/>
+              <a:t>27</a:t>
             </a:fld>
             <a:endParaRPr lang="zh-CN" altLang="en-US"/>
           </a:p>
@@ -2112,6 +2145,7 @@
           <a:p>
             <a:fld id="{6EDC296E-2C0A-4FFE-AF18-6ACF9EA98876}" type="slidenum">
               <a:rPr lang="zh-CN" altLang="en-US" smtClean="0"/>
+              <a:t>28</a:t>
             </a:fld>
             <a:endParaRPr lang="zh-CN" altLang="en-US"/>
           </a:p>
@@ -2190,6 +2224,7 @@
           <a:p>
             <a:fld id="{6EDC296E-2C0A-4FFE-AF18-6ACF9EA98876}" type="slidenum">
               <a:rPr lang="zh-CN" altLang="en-US" smtClean="0"/>
+              <a:t>3</a:t>
             </a:fld>
             <a:endParaRPr lang="zh-CN" altLang="en-US"/>
           </a:p>
@@ -2268,6 +2303,7 @@
           <a:p>
             <a:fld id="{6EDC296E-2C0A-4FFE-AF18-6ACF9EA98876}" type="slidenum">
               <a:rPr lang="zh-CN" altLang="en-US" smtClean="0"/>
+              <a:t>4</a:t>
             </a:fld>
             <a:endParaRPr lang="zh-CN" altLang="en-US"/>
           </a:p>
@@ -2346,6 +2382,7 @@
           <a:p>
             <a:fld id="{6EDC296E-2C0A-4FFE-AF18-6ACF9EA98876}" type="slidenum">
               <a:rPr lang="zh-CN" altLang="en-US" smtClean="0"/>
+              <a:t>5</a:t>
             </a:fld>
             <a:endParaRPr lang="zh-CN" altLang="en-US"/>
           </a:p>
@@ -2424,6 +2461,7 @@
           <a:p>
             <a:fld id="{6EDC296E-2C0A-4FFE-AF18-6ACF9EA98876}" type="slidenum">
               <a:rPr lang="zh-CN" altLang="en-US" smtClean="0"/>
+              <a:t>6</a:t>
             </a:fld>
             <a:endParaRPr lang="zh-CN" altLang="en-US"/>
           </a:p>
@@ -2502,6 +2540,7 @@
           <a:p>
             <a:fld id="{6EDC296E-2C0A-4FFE-AF18-6ACF9EA98876}" type="slidenum">
               <a:rPr lang="zh-CN" altLang="en-US" smtClean="0"/>
+              <a:t>7</a:t>
             </a:fld>
             <a:endParaRPr lang="zh-CN" altLang="en-US"/>
           </a:p>
@@ -2580,6 +2619,7 @@
           <a:p>
             <a:fld id="{6EDC296E-2C0A-4FFE-AF18-6ACF9EA98876}" type="slidenum">
               <a:rPr lang="zh-CN" altLang="en-US" smtClean="0"/>
+              <a:t>8</a:t>
             </a:fld>
             <a:endParaRPr lang="zh-CN" altLang="en-US"/>
           </a:p>
@@ -2658,6 +2698,7 @@
           <a:p>
             <a:fld id="{6EDC296E-2C0A-4FFE-AF18-6ACF9EA98876}" type="slidenum">
               <a:rPr lang="zh-CN" altLang="en-US" smtClean="0"/>
+              <a:t>9</a:t>
             </a:fld>
             <a:endParaRPr lang="zh-CN" altLang="en-US"/>
           </a:p>
@@ -2716,7 +2757,6 @@
               <a:rPr lang="zh-CN" altLang="en-US"/>
               <a:t>单击此处编辑母版标题样式</a:t>
             </a:r>
-            <a:endParaRPr lang="zh-CN" altLang="en-US"/>
           </a:p>
         </p:txBody>
       </p:sp>
@@ -2781,7 +2821,6 @@
               <a:rPr lang="zh-CN" altLang="en-US"/>
               <a:t>单击此处编辑母版副标题样式</a:t>
             </a:r>
-            <a:endParaRPr lang="zh-CN" altLang="en-US"/>
           </a:p>
         </p:txBody>
       </p:sp>
@@ -2802,6 +2841,7 @@
           <a:p>
             <a:fld id="{565B0915-895C-4C44-A1DD-A55731EAB444}" type="datetimeFigureOut">
               <a:rPr lang="zh-CN" altLang="en-US" smtClean="0"/>
+              <a:t>2024/6/8</a:t>
             </a:fld>
             <a:endParaRPr lang="zh-CN" altLang="en-US"/>
           </a:p>
@@ -2843,6 +2883,7 @@
           <a:p>
             <a:fld id="{0BB85088-3920-4DE5-A6A8-9E9F9926DED3}" type="slidenum">
               <a:rPr lang="zh-CN" altLang="en-US" smtClean="0"/>
+              <a:t>‹#›</a:t>
             </a:fld>
             <a:endParaRPr lang="zh-CN" altLang="en-US"/>
           </a:p>
@@ -2892,7 +2933,6 @@
               <a:rPr lang="zh-CN" altLang="en-US"/>
               <a:t>单击此处编辑母版标题样式</a:t>
             </a:r>
-            <a:endParaRPr lang="zh-CN" altLang="en-US"/>
           </a:p>
         </p:txBody>
       </p:sp>
@@ -2916,7 +2956,6 @@
               <a:rPr lang="zh-CN" altLang="en-US"/>
               <a:t>单击此处编辑母版文本样式</a:t>
             </a:r>
-            <a:endParaRPr lang="zh-CN" altLang="en-US"/>
           </a:p>
           <a:p>
             <a:pPr lvl="1"/>
@@ -2924,7 +2963,6 @@
               <a:rPr lang="zh-CN" altLang="en-US"/>
               <a:t>二级</a:t>
             </a:r>
-            <a:endParaRPr lang="zh-CN" altLang="en-US"/>
           </a:p>
           <a:p>
             <a:pPr lvl="2"/>
@@ -2932,7 +2970,6 @@
               <a:rPr lang="zh-CN" altLang="en-US"/>
               <a:t>三级</a:t>
             </a:r>
-            <a:endParaRPr lang="zh-CN" altLang="en-US"/>
           </a:p>
           <a:p>
             <a:pPr lvl="3"/>
@@ -2940,7 +2977,6 @@
               <a:rPr lang="zh-CN" altLang="en-US"/>
               <a:t>四级</a:t>
             </a:r>
-            <a:endParaRPr lang="zh-CN" altLang="en-US"/>
           </a:p>
           <a:p>
             <a:pPr lvl="4"/>
@@ -2948,7 +2984,6 @@
               <a:rPr lang="zh-CN" altLang="en-US"/>
               <a:t>五级</a:t>
             </a:r>
-            <a:endParaRPr lang="zh-CN" altLang="en-US"/>
           </a:p>
         </p:txBody>
       </p:sp>
@@ -2969,6 +3004,7 @@
           <a:p>
             <a:fld id="{565B0915-895C-4C44-A1DD-A55731EAB444}" type="datetimeFigureOut">
               <a:rPr lang="zh-CN" altLang="en-US" smtClean="0"/>
+              <a:t>2024/6/8</a:t>
             </a:fld>
             <a:endParaRPr lang="zh-CN" altLang="en-US"/>
           </a:p>
@@ -3010,6 +3046,7 @@
           <a:p>
             <a:fld id="{0BB85088-3920-4DE5-A6A8-9E9F9926DED3}" type="slidenum">
               <a:rPr lang="zh-CN" altLang="en-US" smtClean="0"/>
+              <a:t>‹#›</a:t>
             </a:fld>
             <a:endParaRPr lang="zh-CN" altLang="en-US"/>
           </a:p>
@@ -3064,7 +3101,6 @@
               <a:rPr lang="zh-CN" altLang="en-US"/>
               <a:t>单击此处编辑母版标题样式</a:t>
             </a:r>
-            <a:endParaRPr lang="zh-CN" altLang="en-US"/>
           </a:p>
         </p:txBody>
       </p:sp>
@@ -3093,7 +3129,6 @@
               <a:rPr lang="zh-CN" altLang="en-US"/>
               <a:t>单击此处编辑母版文本样式</a:t>
             </a:r>
-            <a:endParaRPr lang="zh-CN" altLang="en-US"/>
           </a:p>
           <a:p>
             <a:pPr lvl="1"/>
@@ -3101,7 +3136,6 @@
               <a:rPr lang="zh-CN" altLang="en-US"/>
               <a:t>二级</a:t>
             </a:r>
-            <a:endParaRPr lang="zh-CN" altLang="en-US"/>
           </a:p>
           <a:p>
             <a:pPr lvl="2"/>
@@ -3109,7 +3143,6 @@
               <a:rPr lang="zh-CN" altLang="en-US"/>
               <a:t>三级</a:t>
             </a:r>
-            <a:endParaRPr lang="zh-CN" altLang="en-US"/>
           </a:p>
           <a:p>
             <a:pPr lvl="3"/>
@@ -3117,7 +3150,6 @@
               <a:rPr lang="zh-CN" altLang="en-US"/>
               <a:t>四级</a:t>
             </a:r>
-            <a:endParaRPr lang="zh-CN" altLang="en-US"/>
           </a:p>
           <a:p>
             <a:pPr lvl="4"/>
@@ -3125,7 +3157,6 @@
               <a:rPr lang="zh-CN" altLang="en-US"/>
               <a:t>五级</a:t>
             </a:r>
-            <a:endParaRPr lang="zh-CN" altLang="en-US"/>
           </a:p>
         </p:txBody>
       </p:sp>
@@ -3146,6 +3177,7 @@
           <a:p>
             <a:fld id="{565B0915-895C-4C44-A1DD-A55731EAB444}" type="datetimeFigureOut">
               <a:rPr lang="zh-CN" altLang="en-US" smtClean="0"/>
+              <a:t>2024/6/8</a:t>
             </a:fld>
             <a:endParaRPr lang="zh-CN" altLang="en-US"/>
           </a:p>
@@ -3187,6 +3219,7 @@
           <a:p>
             <a:fld id="{0BB85088-3920-4DE5-A6A8-9E9F9926DED3}" type="slidenum">
               <a:rPr lang="zh-CN" altLang="en-US" smtClean="0"/>
+              <a:t>‹#›</a:t>
             </a:fld>
             <a:endParaRPr lang="zh-CN" altLang="en-US"/>
           </a:p>
@@ -3333,7 +3366,6 @@
               <a:rPr lang="zh-CN" altLang="en-US" dirty="0"/>
               <a:t>单击此处编辑母版标题样式</a:t>
             </a:r>
-            <a:endParaRPr lang="zh-CN" altLang="en-US" dirty="0"/>
           </a:p>
         </p:txBody>
       </p:sp>
@@ -3446,7 +3478,6 @@
               <a:rPr lang="zh-CN" altLang="en-US"/>
               <a:t>单击此处编辑母版标题样式</a:t>
             </a:r>
-            <a:endParaRPr lang="zh-CN" altLang="en-US"/>
           </a:p>
         </p:txBody>
       </p:sp>
@@ -3470,7 +3501,6 @@
               <a:rPr lang="zh-CN" altLang="en-US"/>
               <a:t>单击此处编辑母版文本样式</a:t>
             </a:r>
-            <a:endParaRPr lang="zh-CN" altLang="en-US"/>
           </a:p>
           <a:p>
             <a:pPr lvl="1"/>
@@ -3478,7 +3508,6 @@
               <a:rPr lang="zh-CN" altLang="en-US"/>
               <a:t>二级</a:t>
             </a:r>
-            <a:endParaRPr lang="zh-CN" altLang="en-US"/>
           </a:p>
           <a:p>
             <a:pPr lvl="2"/>
@@ -3486,7 +3515,6 @@
               <a:rPr lang="zh-CN" altLang="en-US"/>
               <a:t>三级</a:t>
             </a:r>
-            <a:endParaRPr lang="zh-CN" altLang="en-US"/>
           </a:p>
           <a:p>
             <a:pPr lvl="3"/>
@@ -3494,7 +3522,6 @@
               <a:rPr lang="zh-CN" altLang="en-US"/>
               <a:t>四级</a:t>
             </a:r>
-            <a:endParaRPr lang="zh-CN" altLang="en-US"/>
           </a:p>
           <a:p>
             <a:pPr lvl="4"/>
@@ -3502,7 +3529,6 @@
               <a:rPr lang="zh-CN" altLang="en-US"/>
               <a:t>五级</a:t>
             </a:r>
-            <a:endParaRPr lang="zh-CN" altLang="en-US"/>
           </a:p>
         </p:txBody>
       </p:sp>
@@ -3523,6 +3549,7 @@
           <a:p>
             <a:fld id="{565B0915-895C-4C44-A1DD-A55731EAB444}" type="datetimeFigureOut">
               <a:rPr lang="zh-CN" altLang="en-US" smtClean="0"/>
+              <a:t>2024/6/8</a:t>
             </a:fld>
             <a:endParaRPr lang="zh-CN" altLang="en-US"/>
           </a:p>
@@ -3564,6 +3591,7 @@
           <a:p>
             <a:fld id="{0BB85088-3920-4DE5-A6A8-9E9F9926DED3}" type="slidenum">
               <a:rPr lang="zh-CN" altLang="en-US" smtClean="0"/>
+              <a:t>‹#›</a:t>
             </a:fld>
             <a:endParaRPr lang="zh-CN" altLang="en-US"/>
           </a:p>
@@ -3622,7 +3650,6 @@
               <a:rPr lang="zh-CN" altLang="en-US"/>
               <a:t>单击此处编辑母版标题样式</a:t>
             </a:r>
-            <a:endParaRPr lang="zh-CN" altLang="en-US"/>
           </a:p>
         </p:txBody>
       </p:sp>
@@ -3742,7 +3769,6 @@
               <a:rPr lang="zh-CN" altLang="en-US"/>
               <a:t>单击此处编辑母版文本样式</a:t>
             </a:r>
-            <a:endParaRPr lang="zh-CN" altLang="en-US"/>
           </a:p>
         </p:txBody>
       </p:sp>
@@ -3763,6 +3789,7 @@
           <a:p>
             <a:fld id="{565B0915-895C-4C44-A1DD-A55731EAB444}" type="datetimeFigureOut">
               <a:rPr lang="zh-CN" altLang="en-US" smtClean="0"/>
+              <a:t>2024/6/8</a:t>
             </a:fld>
             <a:endParaRPr lang="zh-CN" altLang="en-US"/>
           </a:p>
@@ -3804,6 +3831,7 @@
           <a:p>
             <a:fld id="{0BB85088-3920-4DE5-A6A8-9E9F9926DED3}" type="slidenum">
               <a:rPr lang="zh-CN" altLang="en-US" smtClean="0"/>
+              <a:t>‹#›</a:t>
             </a:fld>
             <a:endParaRPr lang="zh-CN" altLang="en-US"/>
           </a:p>
@@ -3853,7 +3881,6 @@
               <a:rPr lang="zh-CN" altLang="en-US"/>
               <a:t>单击此处编辑母版标题样式</a:t>
             </a:r>
-            <a:endParaRPr lang="zh-CN" altLang="en-US"/>
           </a:p>
         </p:txBody>
       </p:sp>
@@ -3882,7 +3909,6 @@
               <a:rPr lang="zh-CN" altLang="en-US"/>
               <a:t>单击此处编辑母版文本样式</a:t>
             </a:r>
-            <a:endParaRPr lang="zh-CN" altLang="en-US"/>
           </a:p>
           <a:p>
             <a:pPr lvl="1"/>
@@ -3890,7 +3916,6 @@
               <a:rPr lang="zh-CN" altLang="en-US"/>
               <a:t>二级</a:t>
             </a:r>
-            <a:endParaRPr lang="zh-CN" altLang="en-US"/>
           </a:p>
           <a:p>
             <a:pPr lvl="2"/>
@@ -3898,7 +3923,6 @@
               <a:rPr lang="zh-CN" altLang="en-US"/>
               <a:t>三级</a:t>
             </a:r>
-            <a:endParaRPr lang="zh-CN" altLang="en-US"/>
           </a:p>
           <a:p>
             <a:pPr lvl="3"/>
@@ -3906,7 +3930,6 @@
               <a:rPr lang="zh-CN" altLang="en-US"/>
               <a:t>四级</a:t>
             </a:r>
-            <a:endParaRPr lang="zh-CN" altLang="en-US"/>
           </a:p>
           <a:p>
             <a:pPr lvl="4"/>
@@ -3914,7 +3937,6 @@
               <a:rPr lang="zh-CN" altLang="en-US"/>
               <a:t>五级</a:t>
             </a:r>
-            <a:endParaRPr lang="zh-CN" altLang="en-US"/>
           </a:p>
         </p:txBody>
       </p:sp>
@@ -3943,7 +3965,6 @@
               <a:rPr lang="zh-CN" altLang="en-US"/>
               <a:t>单击此处编辑母版文本样式</a:t>
             </a:r>
-            <a:endParaRPr lang="zh-CN" altLang="en-US"/>
           </a:p>
           <a:p>
             <a:pPr lvl="1"/>
@@ -3951,7 +3972,6 @@
               <a:rPr lang="zh-CN" altLang="en-US"/>
               <a:t>二级</a:t>
             </a:r>
-            <a:endParaRPr lang="zh-CN" altLang="en-US"/>
           </a:p>
           <a:p>
             <a:pPr lvl="2"/>
@@ -3959,7 +3979,6 @@
               <a:rPr lang="zh-CN" altLang="en-US"/>
               <a:t>三级</a:t>
             </a:r>
-            <a:endParaRPr lang="zh-CN" altLang="en-US"/>
           </a:p>
           <a:p>
             <a:pPr lvl="3"/>
@@ -3967,7 +3986,6 @@
               <a:rPr lang="zh-CN" altLang="en-US"/>
               <a:t>四级</a:t>
             </a:r>
-            <a:endParaRPr lang="zh-CN" altLang="en-US"/>
           </a:p>
           <a:p>
             <a:pPr lvl="4"/>
@@ -3975,7 +3993,6 @@
               <a:rPr lang="zh-CN" altLang="en-US"/>
               <a:t>五级</a:t>
             </a:r>
-            <a:endParaRPr lang="zh-CN" altLang="en-US"/>
           </a:p>
         </p:txBody>
       </p:sp>
@@ -3996,6 +4013,7 @@
           <a:p>
             <a:fld id="{565B0915-895C-4C44-A1DD-A55731EAB444}" type="datetimeFigureOut">
               <a:rPr lang="zh-CN" altLang="en-US" smtClean="0"/>
+              <a:t>2024/6/8</a:t>
             </a:fld>
             <a:endParaRPr lang="zh-CN" altLang="en-US"/>
           </a:p>
@@ -4037,6 +4055,7 @@
           <a:p>
             <a:fld id="{0BB85088-3920-4DE5-A6A8-9E9F9926DED3}" type="slidenum">
               <a:rPr lang="zh-CN" altLang="en-US" smtClean="0"/>
+              <a:t>‹#›</a:t>
             </a:fld>
             <a:endParaRPr lang="zh-CN" altLang="en-US"/>
           </a:p>
@@ -4091,7 +4110,6 @@
               <a:rPr lang="zh-CN" altLang="en-US"/>
               <a:t>单击此处编辑母版标题样式</a:t>
             </a:r>
-            <a:endParaRPr lang="zh-CN" altLang="en-US"/>
           </a:p>
         </p:txBody>
       </p:sp>
@@ -4157,7 +4175,6 @@
               <a:rPr lang="zh-CN" altLang="en-US"/>
               <a:t>单击此处编辑母版文本样式</a:t>
             </a:r>
-            <a:endParaRPr lang="zh-CN" altLang="en-US"/>
           </a:p>
         </p:txBody>
       </p:sp>
@@ -4186,7 +4203,6 @@
               <a:rPr lang="zh-CN" altLang="en-US"/>
               <a:t>单击此处编辑母版文本样式</a:t>
             </a:r>
-            <a:endParaRPr lang="zh-CN" altLang="en-US"/>
           </a:p>
           <a:p>
             <a:pPr lvl="1"/>
@@ -4194,7 +4210,6 @@
               <a:rPr lang="zh-CN" altLang="en-US"/>
               <a:t>二级</a:t>
             </a:r>
-            <a:endParaRPr lang="zh-CN" altLang="en-US"/>
           </a:p>
           <a:p>
             <a:pPr lvl="2"/>
@@ -4202,7 +4217,6 @@
               <a:rPr lang="zh-CN" altLang="en-US"/>
               <a:t>三级</a:t>
             </a:r>
-            <a:endParaRPr lang="zh-CN" altLang="en-US"/>
           </a:p>
           <a:p>
             <a:pPr lvl="3"/>
@@ -4210,7 +4224,6 @@
               <a:rPr lang="zh-CN" altLang="en-US"/>
               <a:t>四级</a:t>
             </a:r>
-            <a:endParaRPr lang="zh-CN" altLang="en-US"/>
           </a:p>
           <a:p>
             <a:pPr lvl="4"/>
@@ -4218,7 +4231,6 @@
               <a:rPr lang="zh-CN" altLang="en-US"/>
               <a:t>五级</a:t>
             </a:r>
-            <a:endParaRPr lang="zh-CN" altLang="en-US"/>
           </a:p>
         </p:txBody>
       </p:sp>
@@ -4284,7 +4296,6 @@
               <a:rPr lang="zh-CN" altLang="en-US"/>
               <a:t>单击此处编辑母版文本样式</a:t>
             </a:r>
-            <a:endParaRPr lang="zh-CN" altLang="en-US"/>
           </a:p>
         </p:txBody>
       </p:sp>
@@ -4313,7 +4324,6 @@
               <a:rPr lang="zh-CN" altLang="en-US"/>
               <a:t>单击此处编辑母版文本样式</a:t>
             </a:r>
-            <a:endParaRPr lang="zh-CN" altLang="en-US"/>
           </a:p>
           <a:p>
             <a:pPr lvl="1"/>
@@ -4321,7 +4331,6 @@
               <a:rPr lang="zh-CN" altLang="en-US"/>
               <a:t>二级</a:t>
             </a:r>
-            <a:endParaRPr lang="zh-CN" altLang="en-US"/>
           </a:p>
           <a:p>
             <a:pPr lvl="2"/>
@@ -4329,7 +4338,6 @@
               <a:rPr lang="zh-CN" altLang="en-US"/>
               <a:t>三级</a:t>
             </a:r>
-            <a:endParaRPr lang="zh-CN" altLang="en-US"/>
           </a:p>
           <a:p>
             <a:pPr lvl="3"/>
@@ -4337,7 +4345,6 @@
               <a:rPr lang="zh-CN" altLang="en-US"/>
               <a:t>四级</a:t>
             </a:r>
-            <a:endParaRPr lang="zh-CN" altLang="en-US"/>
           </a:p>
           <a:p>
             <a:pPr lvl="4"/>
@@ -4345,7 +4352,6 @@
               <a:rPr lang="zh-CN" altLang="en-US"/>
               <a:t>五级</a:t>
             </a:r>
-            <a:endParaRPr lang="zh-CN" altLang="en-US"/>
           </a:p>
         </p:txBody>
       </p:sp>
@@ -4366,6 +4372,7 @@
           <a:p>
             <a:fld id="{565B0915-895C-4C44-A1DD-A55731EAB444}" type="datetimeFigureOut">
               <a:rPr lang="zh-CN" altLang="en-US" smtClean="0"/>
+              <a:t>2024/6/8</a:t>
             </a:fld>
             <a:endParaRPr lang="zh-CN" altLang="en-US"/>
           </a:p>
@@ -4407,6 +4414,7 @@
           <a:p>
             <a:fld id="{0BB85088-3920-4DE5-A6A8-9E9F9926DED3}" type="slidenum">
               <a:rPr lang="zh-CN" altLang="en-US" smtClean="0"/>
+              <a:t>‹#›</a:t>
             </a:fld>
             <a:endParaRPr lang="zh-CN" altLang="en-US"/>
           </a:p>
@@ -4456,7 +4464,6 @@
               <a:rPr lang="zh-CN" altLang="en-US"/>
               <a:t>单击此处编辑母版标题样式</a:t>
             </a:r>
-            <a:endParaRPr lang="zh-CN" altLang="en-US"/>
           </a:p>
         </p:txBody>
       </p:sp>
@@ -4477,6 +4484,7 @@
           <a:p>
             <a:fld id="{565B0915-895C-4C44-A1DD-A55731EAB444}" type="datetimeFigureOut">
               <a:rPr lang="zh-CN" altLang="en-US" smtClean="0"/>
+              <a:t>2024/6/8</a:t>
             </a:fld>
             <a:endParaRPr lang="zh-CN" altLang="en-US"/>
           </a:p>
@@ -4518,6 +4526,7 @@
           <a:p>
             <a:fld id="{0BB85088-3920-4DE5-A6A8-9E9F9926DED3}" type="slidenum">
               <a:rPr lang="zh-CN" altLang="en-US" smtClean="0"/>
+              <a:t>‹#›</a:t>
             </a:fld>
             <a:endParaRPr lang="zh-CN" altLang="en-US"/>
           </a:p>
@@ -4565,6 +4574,7 @@
           <a:p>
             <a:fld id="{565B0915-895C-4C44-A1DD-A55731EAB444}" type="datetimeFigureOut">
               <a:rPr lang="zh-CN" altLang="en-US" smtClean="0"/>
+              <a:t>2024/6/8</a:t>
             </a:fld>
             <a:endParaRPr lang="zh-CN" altLang="en-US"/>
           </a:p>
@@ -4606,6 +4616,7 @@
           <a:p>
             <a:fld id="{0BB85088-3920-4DE5-A6A8-9E9F9926DED3}" type="slidenum">
               <a:rPr lang="zh-CN" altLang="en-US" smtClean="0"/>
+              <a:t>‹#›</a:t>
             </a:fld>
             <a:endParaRPr lang="zh-CN" altLang="en-US"/>
           </a:p>
@@ -4664,7 +4675,6 @@
               <a:rPr lang="zh-CN" altLang="en-US"/>
               <a:t>单击此处编辑母版标题样式</a:t>
             </a:r>
-            <a:endParaRPr lang="zh-CN" altLang="en-US"/>
           </a:p>
         </p:txBody>
       </p:sp>
@@ -4721,7 +4731,6 @@
               <a:rPr lang="zh-CN" altLang="en-US"/>
               <a:t>单击此处编辑母版文本样式</a:t>
             </a:r>
-            <a:endParaRPr lang="zh-CN" altLang="en-US"/>
           </a:p>
           <a:p>
             <a:pPr lvl="1"/>
@@ -4729,7 +4738,6 @@
               <a:rPr lang="zh-CN" altLang="en-US"/>
               <a:t>二级</a:t>
             </a:r>
-            <a:endParaRPr lang="zh-CN" altLang="en-US"/>
           </a:p>
           <a:p>
             <a:pPr lvl="2"/>
@@ -4737,7 +4745,6 @@
               <a:rPr lang="zh-CN" altLang="en-US"/>
               <a:t>三级</a:t>
             </a:r>
-            <a:endParaRPr lang="zh-CN" altLang="en-US"/>
           </a:p>
           <a:p>
             <a:pPr lvl="3"/>
@@ -4745,7 +4752,6 @@
               <a:rPr lang="zh-CN" altLang="en-US"/>
               <a:t>四级</a:t>
             </a:r>
-            <a:endParaRPr lang="zh-CN" altLang="en-US"/>
           </a:p>
           <a:p>
             <a:pPr lvl="4"/>
@@ -4753,7 +4759,6 @@
               <a:rPr lang="zh-CN" altLang="en-US"/>
               <a:t>五级</a:t>
             </a:r>
-            <a:endParaRPr lang="zh-CN" altLang="en-US"/>
           </a:p>
         </p:txBody>
       </p:sp>
@@ -4819,7 +4824,6 @@
               <a:rPr lang="zh-CN" altLang="en-US"/>
               <a:t>单击此处编辑母版文本样式</a:t>
             </a:r>
-            <a:endParaRPr lang="zh-CN" altLang="en-US"/>
           </a:p>
         </p:txBody>
       </p:sp>
@@ -4840,6 +4844,7 @@
           <a:p>
             <a:fld id="{565B0915-895C-4C44-A1DD-A55731EAB444}" type="datetimeFigureOut">
               <a:rPr lang="zh-CN" altLang="en-US" smtClean="0"/>
+              <a:t>2024/6/8</a:t>
             </a:fld>
             <a:endParaRPr lang="zh-CN" altLang="en-US"/>
           </a:p>
@@ -4881,6 +4886,7 @@
           <a:p>
             <a:fld id="{0BB85088-3920-4DE5-A6A8-9E9F9926DED3}" type="slidenum">
               <a:rPr lang="zh-CN" altLang="en-US" smtClean="0"/>
+              <a:t>‹#›</a:t>
             </a:fld>
             <a:endParaRPr lang="zh-CN" altLang="en-US"/>
           </a:p>
@@ -4939,7 +4945,6 @@
               <a:rPr lang="zh-CN" altLang="en-US"/>
               <a:t>单击此处编辑母版标题样式</a:t>
             </a:r>
-            <a:endParaRPr lang="zh-CN" altLang="en-US"/>
           </a:p>
         </p:txBody>
       </p:sp>
@@ -5066,7 +5071,6 @@
               <a:rPr lang="zh-CN" altLang="en-US"/>
               <a:t>单击此处编辑母版文本样式</a:t>
             </a:r>
-            <a:endParaRPr lang="zh-CN" altLang="en-US"/>
           </a:p>
         </p:txBody>
       </p:sp>
@@ -5087,6 +5091,7 @@
           <a:p>
             <a:fld id="{565B0915-895C-4C44-A1DD-A55731EAB444}" type="datetimeFigureOut">
               <a:rPr lang="zh-CN" altLang="en-US" smtClean="0"/>
+              <a:t>2024/6/8</a:t>
             </a:fld>
             <a:endParaRPr lang="zh-CN" altLang="en-US"/>
           </a:p>
@@ -5128,6 +5133,7 @@
           <a:p>
             <a:fld id="{0BB85088-3920-4DE5-A6A8-9E9F9926DED3}" type="slidenum">
               <a:rPr lang="zh-CN" altLang="en-US" smtClean="0"/>
+              <a:t>‹#›</a:t>
             </a:fld>
             <a:endParaRPr lang="zh-CN" altLang="en-US"/>
           </a:p>
@@ -5192,7 +5198,6 @@
               <a:rPr lang="zh-CN" altLang="en-US"/>
               <a:t>单击此处编辑母版标题样式</a:t>
             </a:r>
-            <a:endParaRPr lang="zh-CN" altLang="en-US"/>
           </a:p>
         </p:txBody>
       </p:sp>
@@ -5226,7 +5231,6 @@
               <a:rPr lang="zh-CN" altLang="en-US"/>
               <a:t>单击此处编辑母版文本样式</a:t>
             </a:r>
-            <a:endParaRPr lang="zh-CN" altLang="en-US"/>
           </a:p>
           <a:p>
             <a:pPr lvl="1"/>
@@ -5234,7 +5238,6 @@
               <a:rPr lang="zh-CN" altLang="en-US"/>
               <a:t>二级</a:t>
             </a:r>
-            <a:endParaRPr lang="zh-CN" altLang="en-US"/>
           </a:p>
           <a:p>
             <a:pPr lvl="2"/>
@@ -5242,7 +5245,6 @@
               <a:rPr lang="zh-CN" altLang="en-US"/>
               <a:t>三级</a:t>
             </a:r>
-            <a:endParaRPr lang="zh-CN" altLang="en-US"/>
           </a:p>
           <a:p>
             <a:pPr lvl="3"/>
@@ -5250,7 +5252,6 @@
               <a:rPr lang="zh-CN" altLang="en-US"/>
               <a:t>四级</a:t>
             </a:r>
-            <a:endParaRPr lang="zh-CN" altLang="en-US"/>
           </a:p>
           <a:p>
             <a:pPr lvl="4"/>
@@ -5258,7 +5259,6 @@
               <a:rPr lang="zh-CN" altLang="en-US"/>
               <a:t>五级</a:t>
             </a:r>
-            <a:endParaRPr lang="zh-CN" altLang="en-US"/>
           </a:p>
         </p:txBody>
       </p:sp>
@@ -5297,6 +5297,7 @@
           <a:p>
             <a:fld id="{565B0915-895C-4C44-A1DD-A55731EAB444}" type="datetimeFigureOut">
               <a:rPr lang="zh-CN" altLang="en-US" smtClean="0"/>
+              <a:t>2024/6/8</a:t>
             </a:fld>
             <a:endParaRPr lang="zh-CN" altLang="en-US"/>
           </a:p>
@@ -5374,6 +5375,7 @@
           <a:p>
             <a:fld id="{0BB85088-3920-4DE5-A6A8-9E9F9926DED3}" type="slidenum">
               <a:rPr lang="zh-CN" altLang="en-US" smtClean="0"/>
+              <a:t>‹#›</a:t>
             </a:fld>
             <a:endParaRPr lang="zh-CN" altLang="en-US"/>
           </a:p>
@@ -5751,11 +5753,6 @@
               </a:rPr>
               <a:t>）</a:t>
             </a:r>
-            <a:endParaRPr lang="zh-CN" altLang="en-US" sz="3200" dirty="0">
-              <a:latin typeface="Times New Roman" panose="02020603050405020304" pitchFamily="18" charset="0"/>
-              <a:ea typeface="楷体" panose="02010609060101010101" pitchFamily="49" charset="-122"/>
-              <a:cs typeface="Times New Roman" panose="02020603050405020304" pitchFamily="18" charset="0"/>
-            </a:endParaRPr>
           </a:p>
         </p:txBody>
       </p:sp>
@@ -5768,13 +5765,13 @@
           <p:nvPr/>
         </p:nvPicPr>
         <p:blipFill>
-          <a:blip r:embed="rId1">
+          <a:blip r:embed="rId3">
             <a:extLst>
               <a:ext uri="{28A0092B-C50C-407E-A947-70E740481C1C}">
                 <a14:useLocalDpi xmlns:a14="http://schemas.microsoft.com/office/drawing/2010/main" val="0"/>
               </a:ext>
               <a:ext uri="{96DAC541-7B7A-43D3-8B79-37D633B846F1}">
-                <asvg:svgBlip xmlns:asvg="http://schemas.microsoft.com/office/drawing/2016/SVG/main" r:embed="rId2"/>
+                <asvg:svgBlip xmlns:asvg="http://schemas.microsoft.com/office/drawing/2016/SVG/main" r:embed="rId4"/>
               </a:ext>
             </a:extLst>
           </a:blip>
@@ -5977,10 +5974,6 @@
               </a:rPr>
               <a:t>2024.5</a:t>
             </a:r>
-            <a:endParaRPr lang="en-US" altLang="zh-CN" sz="2000" dirty="0">
-              <a:latin typeface="华文中宋" panose="02010600040101010101" pitchFamily="2" charset="-122"/>
-              <a:ea typeface="华文中宋" panose="02010600040101010101" pitchFamily="2" charset="-122"/>
-            </a:endParaRPr>
           </a:p>
         </p:txBody>
       </p:sp>
@@ -6003,9 +5996,27 @@
                 <a:tableStyleId>{5C22544A-7EE6-4342-B048-85BDC9FD1C3A}</a:tableStyleId>
               </a:tblPr>
               <a:tblGrid>
-                <a:gridCol w="1182041"/>
-                <a:gridCol w="839998"/>
-                <a:gridCol w="3030898"/>
+                <a:gridCol w="1182041">
+                  <a:extLst>
+                    <a:ext uri="{9D8B030D-6E8A-4147-A177-3AD203B41FA5}">
+                      <a16:colId xmlns:a16="http://schemas.microsoft.com/office/drawing/2014/main" val="20000"/>
+                    </a:ext>
+                  </a:extLst>
+                </a:gridCol>
+                <a:gridCol w="839998">
+                  <a:extLst>
+                    <a:ext uri="{9D8B030D-6E8A-4147-A177-3AD203B41FA5}">
+                      <a16:colId xmlns:a16="http://schemas.microsoft.com/office/drawing/2014/main" val="20001"/>
+                    </a:ext>
+                  </a:extLst>
+                </a:gridCol>
+                <a:gridCol w="3030898">
+                  <a:extLst>
+                    <a:ext uri="{9D8B030D-6E8A-4147-A177-3AD203B41FA5}">
+                      <a16:colId xmlns:a16="http://schemas.microsoft.com/office/drawing/2014/main" val="20002"/>
+                    </a:ext>
+                  </a:extLst>
+                </a:gridCol>
               </a:tblGrid>
               <a:tr h="281174">
                 <a:tc>
@@ -6123,6 +6134,11 @@
                     <a:noFill/>
                   </a:tcPr>
                 </a:tc>
+                <a:extLst>
+                  <a:ext uri="{0D108BD9-81ED-4DB2-BD59-A6C34878D82A}">
+                    <a16:rowId xmlns:a16="http://schemas.microsoft.com/office/drawing/2014/main" val="10000"/>
+                  </a:ext>
+                </a:extLst>
               </a:tr>
               <a:tr h="281174">
                 <a:tc>
@@ -6243,6 +6259,11 @@
                     <a:noFill/>
                   </a:tcPr>
                 </a:tc>
+                <a:extLst>
+                  <a:ext uri="{0D108BD9-81ED-4DB2-BD59-A6C34878D82A}">
+                    <a16:rowId xmlns:a16="http://schemas.microsoft.com/office/drawing/2014/main" val="10001"/>
+                  </a:ext>
+                </a:extLst>
               </a:tr>
               <a:tr h="281174">
                 <a:tc>
@@ -6304,14 +6325,6 @@
                         </a:rPr>
                         <a:t>2113997</a:t>
                       </a:r>
-                      <a:endParaRPr lang="en-US" altLang="zh-CN" sz="1400" b="0" kern="1200" dirty="0">
-                        <a:solidFill>
-                          <a:schemeClr val="dk1"/>
-                        </a:solidFill>
-                        <a:latin typeface="Times New Roman" panose="02020603050405020304" pitchFamily="18" charset="0"/>
-                        <a:ea typeface="华文中宋" panose="02010600040101010101" pitchFamily="2" charset="-122"/>
-                        <a:cs typeface="Times New Roman" panose="02020603050405020304" pitchFamily="18" charset="0"/>
-                      </a:endParaRPr>
                     </a:p>
                   </a:txBody>
                   <a:tcPr anchor="ctr">
@@ -6349,6 +6362,11 @@
                     <a:noFill/>
                   </a:tcPr>
                 </a:tc>
+                <a:extLst>
+                  <a:ext uri="{0D108BD9-81ED-4DB2-BD59-A6C34878D82A}">
+                    <a16:rowId xmlns:a16="http://schemas.microsoft.com/office/drawing/2014/main" val="10002"/>
+                  </a:ext>
+                </a:extLst>
               </a:tr>
               <a:tr h="281174">
                 <a:tc>
@@ -6470,6 +6488,11 @@
                     <a:noFill/>
                   </a:tcPr>
                 </a:tc>
+                <a:extLst>
+                  <a:ext uri="{0D108BD9-81ED-4DB2-BD59-A6C34878D82A}">
+                    <a16:rowId xmlns:a16="http://schemas.microsoft.com/office/drawing/2014/main" val="10003"/>
+                  </a:ext>
+                </a:extLst>
               </a:tr>
             </a:tbl>
           </a:graphicData>
@@ -6562,13 +6585,6 @@
               </a:rPr>
               <a:t>Privacy Neuron Detector</a:t>
             </a:r>
-            <a:endParaRPr lang="en-US" altLang="zh-CN" sz="2400" b="1" dirty="0">
-              <a:solidFill>
-                <a:srgbClr val="802258"/>
-              </a:solidFill>
-              <a:latin typeface="华文中宋" panose="02010600040101010101" pitchFamily="2" charset="-122"/>
-              <a:ea typeface="华文中宋" panose="02010600040101010101" pitchFamily="2" charset="-122"/>
-            </a:endParaRPr>
           </a:p>
           <a:p>
             <a:pPr marL="914400" lvl="1" indent="-457200">
@@ -6585,10 +6601,6 @@
               </a:rPr>
               <a:t>speculate that private information might be encoded in specific neurons</a:t>
             </a:r>
-            <a:endParaRPr lang="en-US" altLang="zh-CN" sz="2000" dirty="0">
-              <a:latin typeface="华文中宋" panose="02010600040101010101" pitchFamily="2" charset="-122"/>
-              <a:ea typeface="华文中宋" panose="02010600040101010101" pitchFamily="2" charset="-122"/>
-            </a:endParaRPr>
           </a:p>
           <a:p>
             <a:pPr marL="914400" lvl="1" indent="-457200">
@@ -6605,10 +6617,6 @@
               </a:rPr>
               <a:t>propose a privacy attribution method based on gradient integration</a:t>
             </a:r>
-            <a:endParaRPr lang="en-US" altLang="zh-CN" sz="2000" dirty="0">
-              <a:latin typeface="华文中宋" panose="02010600040101010101" pitchFamily="2" charset="-122"/>
-              <a:ea typeface="华文中宋" panose="02010600040101010101" pitchFamily="2" charset="-122"/>
-            </a:endParaRPr>
           </a:p>
           <a:p>
             <a:pPr marL="1371600" lvl="2" indent="-457200">
@@ -6731,10 +6739,6 @@
               </a:rPr>
               <a:t>the greater the privacy attribution score, the greater the privacy sensitivity of the neuron</a:t>
             </a:r>
-            <a:endParaRPr lang="en-US" altLang="zh-CN" sz="2000" dirty="0">
-              <a:latin typeface="华文中宋" panose="02010600040101010101" pitchFamily="2" charset="-122"/>
-              <a:ea typeface="华文中宋" panose="02010600040101010101" pitchFamily="2" charset="-122"/>
-            </a:endParaRPr>
           </a:p>
         </p:txBody>
       </p:sp>
@@ -6747,7 +6751,7 @@
           <p:nvPr/>
         </p:nvPicPr>
         <p:blipFill>
-          <a:blip r:embed="rId1"/>
+          <a:blip r:embed="rId3"/>
           <a:stretch>
             <a:fillRect/>
           </a:stretch>
@@ -6771,7 +6775,7 @@
           <p:nvPr/>
         </p:nvPicPr>
         <p:blipFill>
-          <a:blip r:embed="rId2"/>
+          <a:blip r:embed="rId4"/>
           <a:stretch>
             <a:fillRect/>
           </a:stretch>
@@ -6795,7 +6799,7 @@
           <p:nvPr/>
         </p:nvPicPr>
         <p:blipFill>
-          <a:blip r:embed="rId3"/>
+          <a:blip r:embed="rId5"/>
           <a:stretch>
             <a:fillRect/>
           </a:stretch>
@@ -6949,7 +6953,7 @@
           <p:nvPr/>
         </p:nvPicPr>
         <p:blipFill>
-          <a:blip r:embed="rId1"/>
+          <a:blip r:embed="rId3"/>
           <a:stretch>
             <a:fillRect/>
           </a:stretch>
@@ -7003,6 +7007,7 @@
         </p:style>
         <p:txBody>
           <a:bodyPr rtlCol="0" anchor="ctr"/>
+          <a:lstStyle/>
           <a:p>
             <a:pPr algn="ctr"/>
             <a:endParaRPr kumimoji="1" lang="zh-CN" altLang="en-US"/>
@@ -7053,21 +7058,17 @@
         </p:style>
         <p:txBody>
           <a:bodyPr rtlCol="0" anchor="ctr"/>
+          <a:lstStyle/>
           <a:p>
             <a:pPr algn="ctr"/>
             <a:r>
               <a:rPr lang="en-US" altLang="zh-CN" sz="3600" b="1"/>
-              <a:t>Is it </a:t>
-            </a:r>
-            <a:r>
-              <a:rPr lang="en-US" altLang="zh-CN" sz="3600" b="1"/>
-              <a:t>true</a:t>
+              <a:t>Is it true</a:t>
             </a:r>
             <a:r>
               <a:rPr lang="zh-CN" altLang="en-US" sz="3600" b="1"/>
               <a:t>？</a:t>
             </a:r>
-            <a:endParaRPr lang="zh-CN" altLang="en-US" sz="3600" b="1"/>
           </a:p>
         </p:txBody>
       </p:sp>
@@ -7080,7 +7081,7 @@
           <p:nvPr/>
         </p:nvPicPr>
         <p:blipFill>
-          <a:blip r:embed="rId2"/>
+          <a:blip r:embed="rId4"/>
           <a:stretch>
             <a:fillRect/>
           </a:stretch>
@@ -7134,6 +7135,7 @@
         </p:style>
         <p:txBody>
           <a:bodyPr rtlCol="0" anchor="ctr"/>
+          <a:lstStyle/>
           <a:p>
             <a:pPr algn="ctr"/>
             <a:endParaRPr kumimoji="1" lang="zh-CN" altLang="en-US"/>
@@ -7149,7 +7151,7 @@
           <p:nvPr/>
         </p:nvPicPr>
         <p:blipFill>
-          <a:blip r:embed="rId3"/>
+          <a:blip r:embed="rId5"/>
           <a:stretch>
             <a:fillRect/>
           </a:stretch>
@@ -7158,6 +7160,36 @@
           <a:xfrm>
             <a:off x="6825615" y="3592830"/>
             <a:ext cx="4966335" cy="1391285"/>
+          </a:xfrm>
+          <a:prstGeom prst="rect">
+            <a:avLst/>
+          </a:prstGeom>
+        </p:spPr>
+      </p:pic>
+      <p:pic>
+        <p:nvPicPr>
+          <p:cNvPr id="11" name="图片 10">
+            <a:extLst>
+              <a:ext uri="{FF2B5EF4-FFF2-40B4-BE49-F238E27FC236}">
+                <a16:creationId xmlns:a16="http://schemas.microsoft.com/office/drawing/2014/main" id="{C6D5CC1A-83BB-6601-6D97-4B25C4B8590B}"/>
+              </a:ext>
+            </a:extLst>
+          </p:cNvPr>
+          <p:cNvPicPr>
+            <a:picLocks noChangeAspect="1"/>
+          </p:cNvPicPr>
+          <p:nvPr/>
+        </p:nvPicPr>
+        <p:blipFill>
+          <a:blip r:embed="rId6"/>
+          <a:stretch>
+            <a:fillRect/>
+          </a:stretch>
+        </p:blipFill>
+        <p:spPr>
+          <a:xfrm>
+            <a:off x="3266028" y="4848293"/>
+            <a:ext cx="6050804" cy="1143099"/>
           </a:xfrm>
           <a:prstGeom prst="rect">
             <a:avLst/>
@@ -7251,13 +7283,6 @@
               </a:rPr>
               <a:t>Privacy Editor</a:t>
             </a:r>
-            <a:endParaRPr lang="en-US" altLang="zh-CN" sz="2400" b="1" dirty="0">
-              <a:solidFill>
-                <a:srgbClr val="802258"/>
-              </a:solidFill>
-              <a:latin typeface="华文中宋" panose="02010600040101010101" pitchFamily="2" charset="-122"/>
-              <a:ea typeface="华文中宋" panose="02010600040101010101" pitchFamily="2" charset="-122"/>
-            </a:endParaRPr>
           </a:p>
           <a:p>
             <a:pPr marL="914400" lvl="1" indent="-457200">
@@ -7274,10 +7299,6 @@
               </a:rPr>
               <a:t>setting the activation values of the corresponding neurons to 0</a:t>
             </a:r>
-            <a:endParaRPr lang="en-US" altLang="zh-CN" sz="2000" dirty="0">
-              <a:latin typeface="华文中宋" panose="02010600040101010101" pitchFamily="2" charset="-122"/>
-              <a:ea typeface="华文中宋" panose="02010600040101010101" pitchFamily="2" charset="-122"/>
-            </a:endParaRPr>
           </a:p>
         </p:txBody>
       </p:sp>
@@ -7368,13 +7389,6 @@
               </a:rPr>
               <a:t>Privacy Neuron Aggregator</a:t>
             </a:r>
-            <a:endParaRPr lang="en-US" altLang="zh-CN" sz="2400" b="1" dirty="0">
-              <a:solidFill>
-                <a:srgbClr val="802258"/>
-              </a:solidFill>
-              <a:latin typeface="华文中宋" panose="02010600040101010101" pitchFamily="2" charset="-122"/>
-              <a:ea typeface="华文中宋" panose="02010600040101010101" pitchFamily="2" charset="-122"/>
-            </a:endParaRPr>
           </a:p>
           <a:p>
             <a:pPr marL="914400" lvl="1" indent="-457200">
@@ -7391,10 +7405,6 @@
               </a:rPr>
               <a:t>erase privacy information encoded in the language model</a:t>
             </a:r>
-            <a:endParaRPr lang="en-US" altLang="zh-CN" sz="2000" dirty="0">
-              <a:latin typeface="华文中宋" panose="02010600040101010101" pitchFamily="2" charset="-122"/>
-              <a:ea typeface="华文中宋" panose="02010600040101010101" pitchFamily="2" charset="-122"/>
-            </a:endParaRPr>
           </a:p>
           <a:p>
             <a:pPr marL="914400" lvl="1" indent="-457200">
@@ -7411,10 +7421,6 @@
               </a:rPr>
               <a:t>propose the privacy neuron aggregator</a:t>
             </a:r>
-            <a:endParaRPr lang="en-US" altLang="zh-CN" sz="2000" dirty="0">
-              <a:latin typeface="华文中宋" panose="02010600040101010101" pitchFamily="2" charset="-122"/>
-              <a:ea typeface="华文中宋" panose="02010600040101010101" pitchFamily="2" charset="-122"/>
-            </a:endParaRPr>
           </a:p>
           <a:p>
             <a:pPr marL="1371600" lvl="2" indent="-457200">
@@ -7431,10 +7437,6 @@
               </a:rPr>
               <a:t>calculate the privacy attribution score matrix of each sequence in the batch</a:t>
             </a:r>
-            <a:endParaRPr lang="en-US" altLang="zh-CN" sz="2000" dirty="0">
-              <a:latin typeface="华文中宋" panose="02010600040101010101" pitchFamily="2" charset="-122"/>
-              <a:ea typeface="华文中宋" panose="02010600040101010101" pitchFamily="2" charset="-122"/>
-            </a:endParaRPr>
           </a:p>
           <a:p>
             <a:pPr marL="1371600" lvl="2" indent="-457200">
@@ -7451,10 +7453,6 @@
               </a:rPr>
               <a:t>let each sequence vote for neurons according to their privacy attribution scores</a:t>
             </a:r>
-            <a:endParaRPr lang="en-US" altLang="zh-CN" sz="2000" dirty="0">
-              <a:latin typeface="华文中宋" panose="02010600040101010101" pitchFamily="2" charset="-122"/>
-              <a:ea typeface="华文中宋" panose="02010600040101010101" pitchFamily="2" charset="-122"/>
-            </a:endParaRPr>
           </a:p>
           <a:p>
             <a:pPr marL="1371600" lvl="2" indent="-457200">
@@ -7471,10 +7469,6 @@
               </a:rPr>
               <a:t>select the top z neurons with the most votes</a:t>
             </a:r>
-            <a:endParaRPr lang="en-US" altLang="zh-CN" sz="2000" dirty="0">
-              <a:latin typeface="华文中宋" panose="02010600040101010101" pitchFamily="2" charset="-122"/>
-              <a:ea typeface="华文中宋" panose="02010600040101010101" pitchFamily="2" charset="-122"/>
-            </a:endParaRPr>
           </a:p>
         </p:txBody>
       </p:sp>
@@ -7565,13 +7559,6 @@
               </a:rPr>
               <a:t>Setup</a:t>
             </a:r>
-            <a:endParaRPr lang="en-US" altLang="zh-CN" sz="2400" b="1" dirty="0">
-              <a:solidFill>
-                <a:srgbClr val="802258"/>
-              </a:solidFill>
-              <a:latin typeface="华文中宋" panose="02010600040101010101" pitchFamily="2" charset="-122"/>
-              <a:ea typeface="华文中宋" panose="02010600040101010101" pitchFamily="2" charset="-122"/>
-            </a:endParaRPr>
           </a:p>
           <a:p>
             <a:pPr marL="914400" lvl="1" indent="-457200">
@@ -7602,10 +7589,6 @@
               </a:rPr>
               <a:t>Enron</a:t>
             </a:r>
-            <a:endParaRPr lang="en-US" altLang="zh-CN" sz="2000" dirty="0">
-              <a:latin typeface="华文中宋" panose="02010600040101010101" pitchFamily="2" charset="-122"/>
-              <a:ea typeface="华文中宋" panose="02010600040101010101" pitchFamily="2" charset="-122"/>
-            </a:endParaRPr>
           </a:p>
           <a:p>
             <a:pPr marL="914400" lvl="1" indent="-457200">
@@ -7622,10 +7605,6 @@
               </a:rPr>
               <a:t>Private Information Sampling</a:t>
             </a:r>
-            <a:endParaRPr lang="en-US" altLang="zh-CN" sz="2000" dirty="0">
-              <a:latin typeface="华文中宋" panose="02010600040101010101" pitchFamily="2" charset="-122"/>
-              <a:ea typeface="华文中宋" panose="02010600040101010101" pitchFamily="2" charset="-122"/>
-            </a:endParaRPr>
           </a:p>
           <a:p>
             <a:pPr marL="1371600" lvl="2" indent="-457200">
@@ -7656,10 +7635,6 @@
               </a:rPr>
               <a:t>for the narrow definition of privacy</a:t>
             </a:r>
-            <a:endParaRPr lang="en-US" altLang="zh-CN" sz="2000" dirty="0">
-              <a:latin typeface="华文中宋" panose="02010600040101010101" pitchFamily="2" charset="-122"/>
-              <a:ea typeface="华文中宋" panose="02010600040101010101" pitchFamily="2" charset="-122"/>
-            </a:endParaRPr>
           </a:p>
           <a:p>
             <a:pPr marL="1828800" lvl="3" indent="-457200">
@@ -7676,10 +7651,6 @@
               </a:rPr>
               <a:t>Names: 20 unique names that are memorized by language models</a:t>
             </a:r>
-            <a:endParaRPr lang="en-US" altLang="zh-CN" sz="2000" dirty="0">
-              <a:latin typeface="华文中宋" panose="02010600040101010101" pitchFamily="2" charset="-122"/>
-              <a:ea typeface="华文中宋" panose="02010600040101010101" pitchFamily="2" charset="-122"/>
-            </a:endParaRPr>
           </a:p>
           <a:p>
             <a:pPr marL="1828800" lvl="3" indent="-457200">
@@ -7696,10 +7667,6 @@
               </a:rPr>
               <a:t>Phone Numbers: 20 unique LM-memorized phone numbers</a:t>
             </a:r>
-            <a:endParaRPr lang="en-US" altLang="zh-CN" sz="2000" dirty="0">
-              <a:latin typeface="华文中宋" panose="02010600040101010101" pitchFamily="2" charset="-122"/>
-              <a:ea typeface="华文中宋" panose="02010600040101010101" pitchFamily="2" charset="-122"/>
-            </a:endParaRPr>
           </a:p>
           <a:p>
             <a:pPr marL="1371600" lvl="2" indent="-457200">
@@ -7716,10 +7683,6 @@
               </a:rPr>
               <a:t>a batch of randomly sampled sentences to be edit</a:t>
             </a:r>
-            <a:endParaRPr lang="en-US" altLang="zh-CN" sz="2000" dirty="0">
-              <a:latin typeface="华文中宋" panose="02010600040101010101" pitchFamily="2" charset="-122"/>
-              <a:ea typeface="华文中宋" panose="02010600040101010101" pitchFamily="2" charset="-122"/>
-            </a:endParaRPr>
           </a:p>
           <a:p>
             <a:pPr marL="1828800" lvl="3" indent="-457200">
@@ -7736,10 +7699,6 @@
               </a:rPr>
               <a:t>Private texts: 100 sentences that are not semantically overlapping with each other</a:t>
             </a:r>
-            <a:endParaRPr lang="en-US" altLang="zh-CN" sz="2000" dirty="0">
-              <a:latin typeface="华文中宋" panose="02010600040101010101" pitchFamily="2" charset="-122"/>
-              <a:ea typeface="华文中宋" panose="02010600040101010101" pitchFamily="2" charset="-122"/>
-            </a:endParaRPr>
           </a:p>
         </p:txBody>
       </p:sp>
@@ -7830,13 +7789,6 @@
               </a:rPr>
               <a:t>Setup</a:t>
             </a:r>
-            <a:endParaRPr lang="en-US" altLang="zh-CN" sz="2400" b="1" dirty="0">
-              <a:solidFill>
-                <a:srgbClr val="802258"/>
-              </a:solidFill>
-              <a:latin typeface="华文中宋" panose="02010600040101010101" pitchFamily="2" charset="-122"/>
-              <a:ea typeface="华文中宋" panose="02010600040101010101" pitchFamily="2" charset="-122"/>
-            </a:endParaRPr>
           </a:p>
           <a:p>
             <a:pPr marL="914400" lvl="1" indent="-457200">
@@ -7867,10 +7819,6 @@
               </a:rPr>
               <a:t>BERT-base, 12 transformer layers</a:t>
             </a:r>
-            <a:endParaRPr lang="en-US" altLang="zh-CN" sz="2000" dirty="0">
-              <a:latin typeface="华文中宋" panose="02010600040101010101" pitchFamily="2" charset="-122"/>
-              <a:ea typeface="华文中宋" panose="02010600040101010101" pitchFamily="2" charset="-122"/>
-            </a:endParaRPr>
           </a:p>
           <a:p>
             <a:pPr marL="914400" lvl="1" indent="-457200">
@@ -7887,10 +7835,6 @@
               </a:rPr>
               <a:t>Baseline</a:t>
             </a:r>
-            <a:endParaRPr lang="en-US" altLang="zh-CN" sz="2000" dirty="0">
-              <a:latin typeface="华文中宋" panose="02010600040101010101" pitchFamily="2" charset="-122"/>
-              <a:ea typeface="华文中宋" panose="02010600040101010101" pitchFamily="2" charset="-122"/>
-            </a:endParaRPr>
           </a:p>
           <a:p>
             <a:pPr marL="1371600" lvl="2" indent="-457200">
@@ -7907,10 +7851,6 @@
               </a:rPr>
               <a:t>BERT-O: No Enron, an oracle for assessing the risk of privacy leakage</a:t>
             </a:r>
-            <a:endParaRPr lang="en-US" altLang="zh-CN" sz="2000" dirty="0">
-              <a:latin typeface="华文中宋" panose="02010600040101010101" pitchFamily="2" charset="-122"/>
-              <a:ea typeface="华文中宋" panose="02010600040101010101" pitchFamily="2" charset="-122"/>
-            </a:endParaRPr>
           </a:p>
           <a:p>
             <a:pPr marL="1371600" lvl="2" indent="-457200">
@@ -7927,10 +7867,6 @@
               </a:rPr>
               <a:t>BERT-F: Enron + BERT, best predictive performance on the Enron, has the greatest risk of privacy leakage</a:t>
             </a:r>
-            <a:endParaRPr lang="en-US" altLang="zh-CN" sz="2000" dirty="0">
-              <a:latin typeface="华文中宋" panose="02010600040101010101" pitchFamily="2" charset="-122"/>
-              <a:ea typeface="华文中宋" panose="02010600040101010101" pitchFamily="2" charset="-122"/>
-            </a:endParaRPr>
           </a:p>
           <a:p>
             <a:pPr marL="1371600" lvl="2" indent="-457200">
@@ -7946,6 +7882,29 @@
                 <a:ea typeface="华文中宋" panose="02010600040101010101" pitchFamily="2" charset="-122"/>
               </a:rPr>
               <a:t>BERT-DP: Enron + BERT + differential privacy gradient descent</a:t>
+            </a:r>
+          </a:p>
+          <a:p>
+            <a:pPr marL="1371600" lvl="2" indent="-457200">
+              <a:lnSpc>
+                <a:spcPct val="150000"/>
+              </a:lnSpc>
+              <a:buFont typeface="Arial" panose="020B0604020202020204" pitchFamily="34" charset="0"/>
+              <a:buChar char="•"/>
+            </a:pPr>
+            <a:r>
+              <a:rPr lang="en-US" altLang="zh-CN" sz="2000" dirty="0">
+                <a:latin typeface="华文中宋" panose="02010600040101010101" pitchFamily="2" charset="-122"/>
+                <a:ea typeface="华文中宋" panose="02010600040101010101" pitchFamily="2" charset="-122"/>
+              </a:rPr>
+              <a:t>BERT-FE</a:t>
+            </a:r>
+            <a:r>
+              <a:rPr lang="en-US" altLang="zh-CN" sz="2000">
+                <a:latin typeface="华文中宋" panose="02010600040101010101" pitchFamily="2" charset="-122"/>
+                <a:ea typeface="华文中宋" panose="02010600040101010101" pitchFamily="2" charset="-122"/>
+              </a:rPr>
+              <a:t>: Enron + BERT + DEFN</a:t>
             </a:r>
             <a:endParaRPr lang="en-US" altLang="zh-CN" sz="2000" dirty="0">
               <a:latin typeface="华文中宋" panose="02010600040101010101" pitchFamily="2" charset="-122"/>
@@ -8041,13 +8000,6 @@
               </a:rPr>
               <a:t>Setup</a:t>
             </a:r>
-            <a:endParaRPr lang="en-US" altLang="zh-CN" sz="2400" b="1" dirty="0">
-              <a:solidFill>
-                <a:srgbClr val="802258"/>
-              </a:solidFill>
-              <a:latin typeface="华文中宋" panose="02010600040101010101" pitchFamily="2" charset="-122"/>
-              <a:ea typeface="华文中宋" panose="02010600040101010101" pitchFamily="2" charset="-122"/>
-            </a:endParaRPr>
           </a:p>
           <a:p>
             <a:pPr marL="914400" lvl="1" indent="-457200">
@@ -8064,10 +8016,6 @@
               </a:rPr>
               <a:t>Metrics</a:t>
             </a:r>
-            <a:endParaRPr lang="en-US" altLang="zh-CN" sz="2000" dirty="0">
-              <a:latin typeface="华文中宋" panose="02010600040101010101" pitchFamily="2" charset="-122"/>
-              <a:ea typeface="华文中宋" panose="02010600040101010101" pitchFamily="2" charset="-122"/>
-            </a:endParaRPr>
           </a:p>
           <a:p>
             <a:pPr marL="1371600" lvl="2" indent="-457200">
@@ -8084,10 +8032,6 @@
               </a:rPr>
               <a:t>Exposure: measure the exposure risk of phone numbers</a:t>
             </a:r>
-            <a:endParaRPr lang="en-US" altLang="zh-CN" sz="2000" dirty="0">
-              <a:latin typeface="华文中宋" panose="02010600040101010101" pitchFamily="2" charset="-122"/>
-              <a:ea typeface="华文中宋" panose="02010600040101010101" pitchFamily="2" charset="-122"/>
-            </a:endParaRPr>
           </a:p>
           <a:p>
             <a:pPr marL="1371600" lvl="2" indent="-457200">
@@ -8104,10 +8048,6 @@
               </a:rPr>
               <a:t>Mean Reciprocal Rank (MRR): measure the model's memorization of names</a:t>
             </a:r>
-            <a:endParaRPr lang="en-US" altLang="zh-CN" sz="2000" dirty="0">
-              <a:latin typeface="华文中宋" panose="02010600040101010101" pitchFamily="2" charset="-122"/>
-              <a:ea typeface="华文中宋" panose="02010600040101010101" pitchFamily="2" charset="-122"/>
-            </a:endParaRPr>
           </a:p>
           <a:p>
             <a:pPr marL="1371600" lvl="2" indent="-457200">
@@ -8150,10 +8090,6 @@
               </a:rPr>
               <a:t>Perplexity (PPL): measure the model memorization</a:t>
             </a:r>
-            <a:endParaRPr lang="en-US" altLang="zh-CN" sz="2000" dirty="0">
-              <a:latin typeface="华文中宋" panose="02010600040101010101" pitchFamily="2" charset="-122"/>
-              <a:ea typeface="华文中宋" panose="02010600040101010101" pitchFamily="2" charset="-122"/>
-            </a:endParaRPr>
           </a:p>
         </p:txBody>
       </p:sp>
@@ -8166,7 +8102,7 @@
           <p:nvPr/>
         </p:nvPicPr>
         <p:blipFill>
-          <a:blip r:embed="rId1"/>
+          <a:blip r:embed="rId3"/>
           <a:stretch>
             <a:fillRect/>
           </a:stretch>
@@ -8190,7 +8126,7 @@
           <p:nvPr/>
         </p:nvPicPr>
         <p:blipFill>
-          <a:blip r:embed="rId2"/>
+          <a:blip r:embed="rId4"/>
           <a:stretch>
             <a:fillRect/>
           </a:stretch>
@@ -8292,13 +8228,6 @@
               </a:rPr>
               <a:t>Main Results</a:t>
             </a:r>
-            <a:endParaRPr lang="en-US" altLang="zh-CN" sz="2400" b="1" dirty="0">
-              <a:solidFill>
-                <a:srgbClr val="802258"/>
-              </a:solidFill>
-              <a:latin typeface="华文中宋" panose="02010600040101010101" pitchFamily="2" charset="-122"/>
-              <a:ea typeface="华文中宋" panose="02010600040101010101" pitchFamily="2" charset="-122"/>
-            </a:endParaRPr>
           </a:p>
         </p:txBody>
       </p:sp>
@@ -8311,7 +8240,7 @@
           <p:nvPr/>
         </p:nvPicPr>
         <p:blipFill>
-          <a:blip r:embed="rId1"/>
+          <a:blip r:embed="rId3"/>
           <a:stretch>
             <a:fillRect/>
           </a:stretch>
@@ -9411,7 +9340,6 @@
               <a:rPr lang="en-US" altLang="zh-CN" b="1" dirty="0"/>
               <a:t>Analysis</a:t>
             </a:r>
-            <a:endParaRPr lang="en-US" altLang="zh-CN" b="1" dirty="0"/>
           </a:p>
         </p:txBody>
       </p:sp>
@@ -9454,13 +9382,6 @@
               </a:rPr>
               <a:t>Effect of the Hyperparameter</a:t>
             </a:r>
-            <a:endParaRPr lang="en-US" altLang="zh-CN" sz="2400" b="1" dirty="0">
-              <a:solidFill>
-                <a:srgbClr val="802258"/>
-              </a:solidFill>
-              <a:latin typeface="华文中宋" panose="02010600040101010101" pitchFamily="2" charset="-122"/>
-              <a:ea typeface="华文中宋" panose="02010600040101010101" pitchFamily="2" charset="-122"/>
-            </a:endParaRPr>
           </a:p>
           <a:p>
             <a:pPr marL="914400" lvl="1" indent="-457200">
@@ -9486,7 +9407,7 @@
           <p:nvPr/>
         </p:nvPicPr>
         <p:blipFill>
-          <a:blip r:embed="rId1"/>
+          <a:blip r:embed="rId3"/>
           <a:stretch>
             <a:fillRect/>
           </a:stretch>
@@ -9545,7 +9466,6 @@
               <a:rPr lang="en-US" altLang="zh-CN" b="1" dirty="0"/>
               <a:t>Analysis</a:t>
             </a:r>
-            <a:endParaRPr lang="en-US" altLang="zh-CN" b="1" dirty="0"/>
           </a:p>
         </p:txBody>
       </p:sp>
@@ -9614,7 +9534,7 @@
           <p:nvPr/>
         </p:nvPicPr>
         <p:blipFill>
-          <a:blip r:embed="rId1"/>
+          <a:blip r:embed="rId3"/>
           <a:stretch>
             <a:fillRect/>
           </a:stretch>
@@ -9716,13 +9636,6 @@
               </a:rPr>
               <a:t>Tianjin University</a:t>
             </a:r>
-            <a:endParaRPr lang="en-US" altLang="zh-CN" sz="2400" b="1" dirty="0">
-              <a:solidFill>
-                <a:srgbClr val="802258"/>
-              </a:solidFill>
-              <a:latin typeface="华文中宋" panose="02010600040101010101" pitchFamily="2" charset="-122"/>
-              <a:ea typeface="华文中宋" panose="02010600040101010101" pitchFamily="2" charset="-122"/>
-            </a:endParaRPr>
           </a:p>
           <a:p>
             <a:pPr marL="914400" lvl="1" indent="-457200">
@@ -9845,7 +9758,7 @@
           <p:nvPr/>
         </p:nvPicPr>
         <p:blipFill>
-          <a:blip r:embed="rId1"/>
+          <a:blip r:embed="rId3"/>
           <a:stretch>
             <a:fillRect/>
           </a:stretch>
@@ -9904,7 +9817,6 @@
               <a:rPr lang="en-US" altLang="zh-CN" b="1" dirty="0"/>
               <a:t>Analysis</a:t>
             </a:r>
-            <a:endParaRPr lang="en-US" altLang="zh-CN" b="1" dirty="0"/>
           </a:p>
         </p:txBody>
       </p:sp>
@@ -9947,13 +9859,6 @@
               </a:rPr>
               <a:t>Relationship between Memorization And Privacy Neurons</a:t>
             </a:r>
-            <a:endParaRPr lang="en-US" altLang="zh-CN" sz="2400" b="1" dirty="0">
-              <a:solidFill>
-                <a:srgbClr val="802258"/>
-              </a:solidFill>
-              <a:latin typeface="华文中宋" panose="02010600040101010101" pitchFamily="2" charset="-122"/>
-              <a:ea typeface="华文中宋" panose="02010600040101010101" pitchFamily="2" charset="-122"/>
-            </a:endParaRPr>
           </a:p>
           <a:p>
             <a:pPr marL="914400" lvl="1" indent="-457200">
@@ -9970,10 +9875,6 @@
               </a:rPr>
               <a:t>Impact of Training Time on Privacy Neuron Distribution over Layers</a:t>
             </a:r>
-            <a:endParaRPr lang="en-US" altLang="zh-CN" sz="2000" dirty="0">
-              <a:latin typeface="华文中宋" panose="02010600040101010101" pitchFamily="2" charset="-122"/>
-              <a:ea typeface="华文中宋" panose="02010600040101010101" pitchFamily="2" charset="-122"/>
-            </a:endParaRPr>
           </a:p>
         </p:txBody>
       </p:sp>
@@ -9986,7 +9887,7 @@
           <p:nvPr/>
         </p:nvPicPr>
         <p:blipFill>
-          <a:blip r:embed="rId1"/>
+          <a:blip r:embed="rId3"/>
           <a:stretch>
             <a:fillRect/>
           </a:stretch>
@@ -10045,7 +9946,6 @@
               <a:rPr lang="en-US" altLang="zh-CN" b="1" dirty="0"/>
               <a:t>Analysis</a:t>
             </a:r>
-            <a:endParaRPr lang="en-US" altLang="zh-CN" b="1" dirty="0"/>
           </a:p>
         </p:txBody>
       </p:sp>
@@ -10088,13 +9988,6 @@
               </a:rPr>
               <a:t>Relationship between Memorization And Privacy Neurons</a:t>
             </a:r>
-            <a:endParaRPr lang="en-US" altLang="zh-CN" sz="2400" b="1" dirty="0">
-              <a:solidFill>
-                <a:srgbClr val="802258"/>
-              </a:solidFill>
-              <a:latin typeface="华文中宋" panose="02010600040101010101" pitchFamily="2" charset="-122"/>
-              <a:ea typeface="华文中宋" panose="02010600040101010101" pitchFamily="2" charset="-122"/>
-            </a:endParaRPr>
           </a:p>
           <a:p>
             <a:pPr marL="914400" lvl="1" indent="-457200">
@@ -10111,10 +10004,6 @@
               </a:rPr>
               <a:t>Impact of Training Time on Privacy Neuron Distribution over Layers</a:t>
             </a:r>
-            <a:endParaRPr lang="en-US" altLang="zh-CN" sz="2000" dirty="0">
-              <a:latin typeface="华文中宋" panose="02010600040101010101" pitchFamily="2" charset="-122"/>
-              <a:ea typeface="华文中宋" panose="02010600040101010101" pitchFamily="2" charset="-122"/>
-            </a:endParaRPr>
           </a:p>
           <a:p>
             <a:pPr marL="1371600" lvl="2" indent="-457200">
@@ -10131,10 +10020,6 @@
               </a:rPr>
               <a:t>the changes in exposure before and after erasing privacy neurons in models with different training epochs</a:t>
             </a:r>
-            <a:endParaRPr lang="en-US" altLang="zh-CN" sz="2000" dirty="0">
-              <a:latin typeface="华文中宋" panose="02010600040101010101" pitchFamily="2" charset="-122"/>
-              <a:ea typeface="华文中宋" panose="02010600040101010101" pitchFamily="2" charset="-122"/>
-            </a:endParaRPr>
           </a:p>
         </p:txBody>
       </p:sp>
@@ -10147,7 +10032,7 @@
           <p:nvPr/>
         </p:nvPicPr>
         <p:blipFill>
-          <a:blip r:embed="rId1"/>
+          <a:blip r:embed="rId3"/>
           <a:stretch>
             <a:fillRect/>
           </a:stretch>
@@ -10206,7 +10091,6 @@
               <a:rPr lang="en-US" altLang="zh-CN" b="1" dirty="0"/>
               <a:t>Analysis</a:t>
             </a:r>
-            <a:endParaRPr lang="en-US" altLang="zh-CN" b="1" dirty="0"/>
           </a:p>
         </p:txBody>
       </p:sp>
@@ -10249,13 +10133,6 @@
               </a:rPr>
               <a:t>Relationship between Memorization And Privacy Neurons</a:t>
             </a:r>
-            <a:endParaRPr lang="en-US" altLang="zh-CN" sz="2400" b="1" dirty="0">
-              <a:solidFill>
-                <a:srgbClr val="802258"/>
-              </a:solidFill>
-              <a:latin typeface="华文中宋" panose="02010600040101010101" pitchFamily="2" charset="-122"/>
-              <a:ea typeface="华文中宋" panose="02010600040101010101" pitchFamily="2" charset="-122"/>
-            </a:endParaRPr>
           </a:p>
           <a:p>
             <a:pPr marL="914400" lvl="1" indent="-457200">
@@ -10272,10 +10149,6 @@
               </a:rPr>
               <a:t>Impact of Training Time on Privacy Neuron Distribution over Layers</a:t>
             </a:r>
-            <a:endParaRPr lang="en-US" altLang="zh-CN" sz="2000" dirty="0">
-              <a:latin typeface="华文中宋" panose="02010600040101010101" pitchFamily="2" charset="-122"/>
-              <a:ea typeface="华文中宋" panose="02010600040101010101" pitchFamily="2" charset="-122"/>
-            </a:endParaRPr>
           </a:p>
           <a:p>
             <a:pPr marL="914400" lvl="1" indent="-457200">
@@ -10292,10 +10165,6 @@
               </a:rPr>
               <a:t>Effect of the Model Size</a:t>
             </a:r>
-            <a:endParaRPr lang="en-US" altLang="zh-CN" sz="2000" dirty="0">
-              <a:latin typeface="华文中宋" panose="02010600040101010101" pitchFamily="2" charset="-122"/>
-              <a:ea typeface="华文中宋" panose="02010600040101010101" pitchFamily="2" charset="-122"/>
-            </a:endParaRPr>
           </a:p>
           <a:p>
             <a:pPr marL="1371600" lvl="2" indent="-457200">
@@ -10312,10 +10181,6 @@
               </a:rPr>
               <a:t>10 epochs</a:t>
             </a:r>
-            <a:endParaRPr lang="en-US" altLang="zh-CN" sz="2000" dirty="0">
-              <a:latin typeface="华文中宋" panose="02010600040101010101" pitchFamily="2" charset="-122"/>
-              <a:ea typeface="华文中宋" panose="02010600040101010101" pitchFamily="2" charset="-122"/>
-            </a:endParaRPr>
           </a:p>
           <a:p>
             <a:pPr marL="1371600" lvl="2" indent="-457200">
@@ -10332,10 +10197,6 @@
               </a:rPr>
               <a:t>the optimal hyperparameter settings</a:t>
             </a:r>
-            <a:endParaRPr lang="en-US" altLang="zh-CN" sz="2000" dirty="0">
-              <a:latin typeface="华文中宋" panose="02010600040101010101" pitchFamily="2" charset="-122"/>
-              <a:ea typeface="华文中宋" panose="02010600040101010101" pitchFamily="2" charset="-122"/>
-            </a:endParaRPr>
           </a:p>
         </p:txBody>
       </p:sp>
@@ -10348,7 +10209,7 @@
           <p:nvPr/>
         </p:nvPicPr>
         <p:blipFill>
-          <a:blip r:embed="rId1"/>
+          <a:blip r:embed="rId3"/>
           <a:stretch>
             <a:fillRect/>
           </a:stretch>
@@ -10453,7 +10314,6 @@
               <a:rPr lang="en-US" altLang="zh-CN" b="1" dirty="0"/>
               <a:t>Analysis</a:t>
             </a:r>
-            <a:endParaRPr lang="en-US" altLang="zh-CN" b="1" dirty="0"/>
           </a:p>
         </p:txBody>
       </p:sp>
@@ -10496,13 +10356,6 @@
               </a:rPr>
               <a:t>Relationship between Memorization And Privacy Neurons</a:t>
             </a:r>
-            <a:endParaRPr lang="en-US" altLang="zh-CN" sz="2400" b="1" dirty="0">
-              <a:solidFill>
-                <a:srgbClr val="802258"/>
-              </a:solidFill>
-              <a:latin typeface="华文中宋" panose="02010600040101010101" pitchFamily="2" charset="-122"/>
-              <a:ea typeface="华文中宋" panose="02010600040101010101" pitchFamily="2" charset="-122"/>
-            </a:endParaRPr>
           </a:p>
           <a:p>
             <a:pPr marL="914400" lvl="1" indent="-457200">
@@ -10519,10 +10372,6 @@
               </a:rPr>
               <a:t>Impact of Training Time on Privacy Neuron Distribution over Layers</a:t>
             </a:r>
-            <a:endParaRPr lang="en-US" altLang="zh-CN" sz="2000" dirty="0">
-              <a:latin typeface="华文中宋" panose="02010600040101010101" pitchFamily="2" charset="-122"/>
-              <a:ea typeface="华文中宋" panose="02010600040101010101" pitchFamily="2" charset="-122"/>
-            </a:endParaRPr>
           </a:p>
           <a:p>
             <a:pPr marL="914400" lvl="1" indent="-457200">
@@ -10539,10 +10388,6 @@
               </a:rPr>
               <a:t>Effect of the Model Size</a:t>
             </a:r>
-            <a:endParaRPr lang="en-US" altLang="zh-CN" sz="2000" dirty="0">
-              <a:latin typeface="华文中宋" panose="02010600040101010101" pitchFamily="2" charset="-122"/>
-              <a:ea typeface="华文中宋" panose="02010600040101010101" pitchFamily="2" charset="-122"/>
-            </a:endParaRPr>
           </a:p>
           <a:p>
             <a:pPr marL="914400" lvl="1" indent="-457200">
@@ -10573,10 +10418,6 @@
               </a:rPr>
               <a:t>As the model memorization of privacy data deepens, the aggregation of privacy neurons associated with privacy data becomes more pronounced</a:t>
             </a:r>
-            <a:endParaRPr lang="en-US" altLang="zh-CN" sz="2000" dirty="0">
-              <a:latin typeface="华文中宋" panose="02010600040101010101" pitchFamily="2" charset="-122"/>
-              <a:ea typeface="华文中宋" panose="02010600040101010101" pitchFamily="2" charset="-122"/>
-            </a:endParaRPr>
           </a:p>
         </p:txBody>
       </p:sp>
@@ -10624,7 +10465,6 @@
               <a:rPr lang="en-US" altLang="zh-CN" b="1" dirty="0"/>
               <a:t>Analysis</a:t>
             </a:r>
-            <a:endParaRPr lang="en-US" altLang="zh-CN" b="1" dirty="0"/>
           </a:p>
         </p:txBody>
       </p:sp>
@@ -10667,13 +10507,6 @@
               </a:rPr>
               <a:t>Robustness Analysis</a:t>
             </a:r>
-            <a:endParaRPr lang="en-US" altLang="zh-CN" sz="2400" b="1" dirty="0">
-              <a:solidFill>
-                <a:srgbClr val="802258"/>
-              </a:solidFill>
-              <a:latin typeface="华文中宋" panose="02010600040101010101" pitchFamily="2" charset="-122"/>
-              <a:ea typeface="华文中宋" panose="02010600040101010101" pitchFamily="2" charset="-122"/>
-            </a:endParaRPr>
           </a:p>
           <a:p>
             <a:pPr marL="914400" lvl="1" indent="-457200">
@@ -10690,10 +10523,6 @@
               </a:rPr>
               <a:t>Ablation Study</a:t>
             </a:r>
-            <a:endParaRPr lang="en-US" altLang="zh-CN" sz="2000" dirty="0">
-              <a:latin typeface="华文中宋" panose="02010600040101010101" pitchFamily="2" charset="-122"/>
-              <a:ea typeface="华文中宋" panose="02010600040101010101" pitchFamily="2" charset="-122"/>
-            </a:endParaRPr>
           </a:p>
           <a:p>
             <a:pPr marL="1371600" lvl="2" indent="-457200">
@@ -10710,10 +10539,6 @@
               </a:rPr>
               <a:t>compare its performance with different neuron localization methods on phone number data</a:t>
             </a:r>
-            <a:endParaRPr lang="en-US" altLang="zh-CN" sz="2000" dirty="0">
-              <a:latin typeface="华文中宋" panose="02010600040101010101" pitchFamily="2" charset="-122"/>
-              <a:ea typeface="华文中宋" panose="02010600040101010101" pitchFamily="2" charset="-122"/>
-            </a:endParaRPr>
           </a:p>
         </p:txBody>
       </p:sp>
@@ -10726,7 +10551,7 @@
           <p:nvPr/>
         </p:nvPicPr>
         <p:blipFill>
-          <a:blip r:embed="rId1"/>
+          <a:blip r:embed="rId3"/>
           <a:stretch>
             <a:fillRect/>
           </a:stretch>
@@ -10785,7 +10610,6 @@
               <a:rPr lang="en-US" altLang="zh-CN" b="1" dirty="0"/>
               <a:t>Analysis</a:t>
             </a:r>
-            <a:endParaRPr lang="en-US" altLang="zh-CN" b="1" dirty="0"/>
           </a:p>
         </p:txBody>
       </p:sp>
@@ -10828,13 +10652,6 @@
               </a:rPr>
               <a:t>Robustness Analysis</a:t>
             </a:r>
-            <a:endParaRPr lang="en-US" altLang="zh-CN" sz="2400" b="1" dirty="0">
-              <a:solidFill>
-                <a:srgbClr val="802258"/>
-              </a:solidFill>
-              <a:latin typeface="华文中宋" panose="02010600040101010101" pitchFamily="2" charset="-122"/>
-              <a:ea typeface="华文中宋" panose="02010600040101010101" pitchFamily="2" charset="-122"/>
-            </a:endParaRPr>
           </a:p>
           <a:p>
             <a:pPr marL="914400" lvl="1" indent="-457200">
@@ -10851,10 +10668,6 @@
               </a:rPr>
               <a:t>Ablation Study</a:t>
             </a:r>
-            <a:endParaRPr lang="en-US" altLang="zh-CN" sz="2000" dirty="0">
-              <a:latin typeface="华文中宋" panose="02010600040101010101" pitchFamily="2" charset="-122"/>
-              <a:ea typeface="华文中宋" panose="02010600040101010101" pitchFamily="2" charset="-122"/>
-            </a:endParaRPr>
           </a:p>
           <a:p>
             <a:pPr marL="914400" lvl="1" indent="-457200">
@@ -10871,10 +10684,6 @@
               </a:rPr>
               <a:t>Robustness to Different Prompts</a:t>
             </a:r>
-            <a:endParaRPr lang="en-US" altLang="zh-CN" sz="2000" dirty="0">
-              <a:latin typeface="华文中宋" panose="02010600040101010101" pitchFamily="2" charset="-122"/>
-              <a:ea typeface="华文中宋" panose="02010600040101010101" pitchFamily="2" charset="-122"/>
-            </a:endParaRPr>
           </a:p>
           <a:p>
             <a:pPr marL="1371600" lvl="2" indent="-457200">
@@ -10891,10 +10700,6 @@
               </a:rPr>
               <a:t>perform privacy attacks during inference using different prompts</a:t>
             </a:r>
-            <a:endParaRPr lang="en-US" altLang="zh-CN" sz="2000" dirty="0">
-              <a:latin typeface="华文中宋" panose="02010600040101010101" pitchFamily="2" charset="-122"/>
-              <a:ea typeface="华文中宋" panose="02010600040101010101" pitchFamily="2" charset="-122"/>
-            </a:endParaRPr>
           </a:p>
         </p:txBody>
       </p:sp>
@@ -10907,7 +10712,7 @@
           <p:nvPr/>
         </p:nvPicPr>
         <p:blipFill>
-          <a:blip r:embed="rId1"/>
+          <a:blip r:embed="rId3"/>
           <a:stretch>
             <a:fillRect/>
           </a:stretch>
@@ -10966,7 +10771,6 @@
               <a:rPr lang="en-US" altLang="zh-CN" b="1" dirty="0"/>
               <a:t>Analysis</a:t>
             </a:r>
-            <a:endParaRPr lang="en-US" altLang="zh-CN" b="1" dirty="0"/>
           </a:p>
         </p:txBody>
       </p:sp>
@@ -11009,13 +10813,6 @@
               </a:rPr>
               <a:t>Analysis on the Cost-Effectiveness of DEPN</a:t>
             </a:r>
-            <a:endParaRPr lang="en-US" altLang="zh-CN" sz="2400" b="1" dirty="0">
-              <a:solidFill>
-                <a:srgbClr val="802258"/>
-              </a:solidFill>
-              <a:latin typeface="华文中宋" panose="02010600040101010101" pitchFamily="2" charset="-122"/>
-              <a:ea typeface="华文中宋" panose="02010600040101010101" pitchFamily="2" charset="-122"/>
-            </a:endParaRPr>
           </a:p>
           <a:p>
             <a:pPr marL="914400" lvl="1" indent="-457200">
@@ -11032,10 +10829,6 @@
               </a:rPr>
               <a:t>its dependency on the amount of private data to be erased</a:t>
             </a:r>
-            <a:endParaRPr lang="en-US" altLang="zh-CN" sz="2000" dirty="0">
-              <a:latin typeface="华文中宋" panose="02010600040101010101" pitchFamily="2" charset="-122"/>
-              <a:ea typeface="华文中宋" panose="02010600040101010101" pitchFamily="2" charset="-122"/>
-            </a:endParaRPr>
           </a:p>
         </p:txBody>
       </p:sp>
@@ -11048,7 +10841,7 @@
           <p:nvPr/>
         </p:nvPicPr>
         <p:blipFill>
-          <a:blip r:embed="rId1"/>
+          <a:blip r:embed="rId3"/>
           <a:stretch>
             <a:fillRect/>
           </a:stretch>
@@ -11107,7 +10900,6 @@
               <a:rPr lang="en-US" altLang="zh-CN" b="1" dirty="0"/>
               <a:t>Conclusion</a:t>
             </a:r>
-            <a:endParaRPr lang="en-US" altLang="zh-CN" b="1" dirty="0"/>
           </a:p>
         </p:txBody>
       </p:sp>
@@ -11150,13 +10942,6 @@
               </a:rPr>
               <a:t>DEPN</a:t>
             </a:r>
-            <a:endParaRPr lang="en-US" altLang="zh-CN" sz="2400" b="1" dirty="0">
-              <a:solidFill>
-                <a:srgbClr val="802258"/>
-              </a:solidFill>
-              <a:latin typeface="华文中宋" panose="02010600040101010101" pitchFamily="2" charset="-122"/>
-              <a:ea typeface="华文中宋" panose="02010600040101010101" pitchFamily="2" charset="-122"/>
-            </a:endParaRPr>
           </a:p>
           <a:p>
             <a:pPr marL="914400" lvl="1" indent="-457200">
@@ -11173,10 +10958,6 @@
               </a:rPr>
               <a:t>the privacy neuron detector based on the privacy attribution scoring method</a:t>
             </a:r>
-            <a:endParaRPr lang="en-US" altLang="zh-CN" sz="2000" dirty="0">
-              <a:latin typeface="华文中宋" panose="02010600040101010101" pitchFamily="2" charset="-122"/>
-              <a:ea typeface="华文中宋" panose="02010600040101010101" pitchFamily="2" charset="-122"/>
-            </a:endParaRPr>
           </a:p>
           <a:p>
             <a:pPr marL="1371600" lvl="2" indent="-457200">
@@ -11193,10 +10974,6 @@
               </a:rPr>
               <a:t>the privacy neuron detector based on the privacy attribution scoring method</a:t>
             </a:r>
-            <a:endParaRPr lang="en-US" altLang="zh-CN" sz="2000" dirty="0">
-              <a:latin typeface="华文中宋" panose="02010600040101010101" pitchFamily="2" charset="-122"/>
-              <a:ea typeface="华文中宋" panose="02010600040101010101" pitchFamily="2" charset="-122"/>
-            </a:endParaRPr>
           </a:p>
           <a:p>
             <a:pPr marL="914400" lvl="1" indent="-457200">
@@ -11213,10 +10990,6 @@
               </a:rPr>
               <a:t>privacy neuron editor</a:t>
             </a:r>
-            <a:endParaRPr lang="en-US" altLang="zh-CN" sz="2000" dirty="0">
-              <a:latin typeface="华文中宋" panose="02010600040101010101" pitchFamily="2" charset="-122"/>
-              <a:ea typeface="华文中宋" panose="02010600040101010101" pitchFamily="2" charset="-122"/>
-            </a:endParaRPr>
           </a:p>
           <a:p>
             <a:pPr marL="1371600" lvl="2" indent="-457200">
@@ -11233,10 +11006,6 @@
               </a:rPr>
               <a:t>eliminate model memorization of private data</a:t>
             </a:r>
-            <a:endParaRPr lang="en-US" altLang="zh-CN" sz="2000" dirty="0">
-              <a:latin typeface="华文中宋" panose="02010600040101010101" pitchFamily="2" charset="-122"/>
-              <a:ea typeface="华文中宋" panose="02010600040101010101" pitchFamily="2" charset="-122"/>
-            </a:endParaRPr>
           </a:p>
           <a:p>
             <a:pPr marL="914400" lvl="1" indent="-457200">
@@ -11253,10 +11022,6 @@
               </a:rPr>
               <a:t>Limitations</a:t>
             </a:r>
-            <a:endParaRPr lang="en-US" altLang="zh-CN" sz="2000" dirty="0">
-              <a:latin typeface="华文中宋" panose="02010600040101010101" pitchFamily="2" charset="-122"/>
-              <a:ea typeface="华文中宋" panose="02010600040101010101" pitchFamily="2" charset="-122"/>
-            </a:endParaRPr>
           </a:p>
           <a:p>
             <a:pPr marL="1371600" lvl="2" indent="-457200">
@@ -11273,10 +11038,6 @@
               </a:rPr>
               <a:t>too many instances in a batch will reduce the effect of memorization erasure</a:t>
             </a:r>
-            <a:endParaRPr lang="en-US" altLang="zh-CN" sz="2000" dirty="0">
-              <a:latin typeface="华文中宋" panose="02010600040101010101" pitchFamily="2" charset="-122"/>
-              <a:ea typeface="华文中宋" panose="02010600040101010101" pitchFamily="2" charset="-122"/>
-            </a:endParaRPr>
           </a:p>
           <a:p>
             <a:pPr marL="1371600" lvl="2" indent="-457200">
@@ -11321,10 +11082,6 @@
               </a:rPr>
               <a:t>experiments</a:t>
             </a:r>
-            <a:endParaRPr lang="en-US" altLang="zh-CN" sz="2000" dirty="0">
-              <a:latin typeface="华文中宋" panose="02010600040101010101" pitchFamily="2" charset="-122"/>
-              <a:ea typeface="华文中宋" panose="02010600040101010101" pitchFamily="2" charset="-122"/>
-            </a:endParaRPr>
           </a:p>
         </p:txBody>
       </p:sp>
@@ -11384,11 +11141,6 @@
               </a:rPr>
               <a:t>Thanks</a:t>
             </a:r>
-            <a:endParaRPr lang="en-US" altLang="zh-CN" sz="6600" b="1" dirty="0">
-              <a:latin typeface="Times New Roman" panose="02020603050405020304" pitchFamily="18" charset="0"/>
-              <a:ea typeface="楷体" panose="02010609060101010101" pitchFamily="49" charset="-122"/>
-              <a:cs typeface="Times New Roman" panose="02020603050405020304" pitchFamily="18" charset="0"/>
-            </a:endParaRPr>
           </a:p>
         </p:txBody>
       </p:sp>
@@ -11426,10 +11178,6 @@
               </a:rPr>
               <a:t>2024.5</a:t>
             </a:r>
-            <a:endParaRPr lang="en-US" altLang="zh-CN" sz="2000" dirty="0">
-              <a:latin typeface="华文中宋" panose="02010600040101010101" pitchFamily="2" charset="-122"/>
-              <a:ea typeface="华文中宋" panose="02010600040101010101" pitchFamily="2" charset="-122"/>
-            </a:endParaRPr>
           </a:p>
         </p:txBody>
       </p:sp>
@@ -11452,9 +11200,27 @@
                 <a:tableStyleId>{5C22544A-7EE6-4342-B048-85BDC9FD1C3A}</a:tableStyleId>
               </a:tblPr>
               <a:tblGrid>
-                <a:gridCol w="1182041"/>
-                <a:gridCol w="839998"/>
-                <a:gridCol w="3030898"/>
+                <a:gridCol w="1182041">
+                  <a:extLst>
+                    <a:ext uri="{9D8B030D-6E8A-4147-A177-3AD203B41FA5}">
+                      <a16:colId xmlns:a16="http://schemas.microsoft.com/office/drawing/2014/main" val="20000"/>
+                    </a:ext>
+                  </a:extLst>
+                </a:gridCol>
+                <a:gridCol w="839998">
+                  <a:extLst>
+                    <a:ext uri="{9D8B030D-6E8A-4147-A177-3AD203B41FA5}">
+                      <a16:colId xmlns:a16="http://schemas.microsoft.com/office/drawing/2014/main" val="20001"/>
+                    </a:ext>
+                  </a:extLst>
+                </a:gridCol>
+                <a:gridCol w="3030898">
+                  <a:extLst>
+                    <a:ext uri="{9D8B030D-6E8A-4147-A177-3AD203B41FA5}">
+                      <a16:colId xmlns:a16="http://schemas.microsoft.com/office/drawing/2014/main" val="20002"/>
+                    </a:ext>
+                  </a:extLst>
+                </a:gridCol>
               </a:tblGrid>
               <a:tr h="281174">
                 <a:tc>
@@ -11572,6 +11338,11 @@
                     <a:noFill/>
                   </a:tcPr>
                 </a:tc>
+                <a:extLst>
+                  <a:ext uri="{0D108BD9-81ED-4DB2-BD59-A6C34878D82A}">
+                    <a16:rowId xmlns:a16="http://schemas.microsoft.com/office/drawing/2014/main" val="10000"/>
+                  </a:ext>
+                </a:extLst>
               </a:tr>
               <a:tr h="281174">
                 <a:tc>
@@ -11692,6 +11463,11 @@
                     <a:noFill/>
                   </a:tcPr>
                 </a:tc>
+                <a:extLst>
+                  <a:ext uri="{0D108BD9-81ED-4DB2-BD59-A6C34878D82A}">
+                    <a16:rowId xmlns:a16="http://schemas.microsoft.com/office/drawing/2014/main" val="10001"/>
+                  </a:ext>
+                </a:extLst>
               </a:tr>
               <a:tr h="281174">
                 <a:tc>
@@ -11753,14 +11529,6 @@
                         </a:rPr>
                         <a:t>2113997</a:t>
                       </a:r>
-                      <a:endParaRPr lang="en-US" altLang="zh-CN" sz="1400" b="0" kern="1200" dirty="0">
-                        <a:solidFill>
-                          <a:schemeClr val="dk1"/>
-                        </a:solidFill>
-                        <a:latin typeface="Times New Roman" panose="02020603050405020304" pitchFamily="18" charset="0"/>
-                        <a:ea typeface="华文中宋" panose="02010600040101010101" pitchFamily="2" charset="-122"/>
-                        <a:cs typeface="Times New Roman" panose="02020603050405020304" pitchFamily="18" charset="0"/>
-                      </a:endParaRPr>
                     </a:p>
                   </a:txBody>
                   <a:tcPr anchor="ctr">
@@ -11798,6 +11566,11 @@
                     <a:noFill/>
                   </a:tcPr>
                 </a:tc>
+                <a:extLst>
+                  <a:ext uri="{0D108BD9-81ED-4DB2-BD59-A6C34878D82A}">
+                    <a16:rowId xmlns:a16="http://schemas.microsoft.com/office/drawing/2014/main" val="10002"/>
+                  </a:ext>
+                </a:extLst>
               </a:tr>
               <a:tr h="281174">
                 <a:tc>
@@ -11919,6 +11692,11 @@
                     <a:noFill/>
                   </a:tcPr>
                 </a:tc>
+                <a:extLst>
+                  <a:ext uri="{0D108BD9-81ED-4DB2-BD59-A6C34878D82A}">
+                    <a16:rowId xmlns:a16="http://schemas.microsoft.com/office/drawing/2014/main" val="10003"/>
+                  </a:ext>
+                </a:extLst>
               </a:tr>
             </a:tbl>
           </a:graphicData>
@@ -12011,13 +11789,6 @@
               </a:rPr>
               <a:t>Pretrained Language Models (LLMs)</a:t>
             </a:r>
-            <a:endParaRPr lang="en-US" altLang="zh-CN" sz="2400" b="1" dirty="0">
-              <a:solidFill>
-                <a:srgbClr val="802258"/>
-              </a:solidFill>
-              <a:latin typeface="华文中宋" panose="02010600040101010101" pitchFamily="2" charset="-122"/>
-              <a:ea typeface="华文中宋" panose="02010600040101010101" pitchFamily="2" charset="-122"/>
-            </a:endParaRPr>
           </a:p>
           <a:p>
             <a:pPr marL="914400" lvl="1" indent="-457200">
@@ -12034,10 +11805,6 @@
               </a:rPr>
               <a:t>GPT-3, BERT, etc.</a:t>
             </a:r>
-            <a:endParaRPr lang="en-US" altLang="zh-CN" sz="2000" dirty="0">
-              <a:latin typeface="华文中宋" panose="02010600040101010101" pitchFamily="2" charset="-122"/>
-              <a:ea typeface="华文中宋" panose="02010600040101010101" pitchFamily="2" charset="-122"/>
-            </a:endParaRPr>
           </a:p>
           <a:p>
             <a:pPr marL="914400" lvl="1" indent="-457200">
@@ -12054,10 +11821,6 @@
               </a:rPr>
               <a:t>Vast data training</a:t>
             </a:r>
-            <a:endParaRPr lang="en-US" altLang="zh-CN" sz="2000" dirty="0">
-              <a:latin typeface="华文中宋" panose="02010600040101010101" pitchFamily="2" charset="-122"/>
-              <a:ea typeface="华文中宋" panose="02010600040101010101" pitchFamily="2" charset="-122"/>
-            </a:endParaRPr>
           </a:p>
           <a:p>
             <a:pPr marL="914400" lvl="1" indent="-457200">
@@ -12074,10 +11837,6 @@
               </a:rPr>
               <a:t>Rich knowledge capture</a:t>
             </a:r>
-            <a:endParaRPr lang="en-US" altLang="zh-CN" sz="2000" dirty="0">
-              <a:latin typeface="华文中宋" panose="02010600040101010101" pitchFamily="2" charset="-122"/>
-              <a:ea typeface="华文中宋" panose="02010600040101010101" pitchFamily="2" charset="-122"/>
-            </a:endParaRPr>
           </a:p>
           <a:p>
             <a:pPr marL="457200" indent="-457200">
@@ -12097,13 +11856,6 @@
               </a:rPr>
               <a:t>Privacy and Security Concerns</a:t>
             </a:r>
-            <a:endParaRPr lang="en-US" altLang="zh-CN" sz="2400" b="1" dirty="0">
-              <a:solidFill>
-                <a:srgbClr val="802258"/>
-              </a:solidFill>
-              <a:latin typeface="华文中宋" panose="02010600040101010101" pitchFamily="2" charset="-122"/>
-              <a:ea typeface="华文中宋" panose="02010600040101010101" pitchFamily="2" charset="-122"/>
-            </a:endParaRPr>
           </a:p>
           <a:p>
             <a:pPr marL="914400" lvl="1" indent="-457200">
@@ -12120,10 +11872,6 @@
               </a:rPr>
               <a:t>Memorization of training data</a:t>
             </a:r>
-            <a:endParaRPr lang="en-US" altLang="zh-CN" sz="2000" dirty="0">
-              <a:latin typeface="华文中宋" panose="02010600040101010101" pitchFamily="2" charset="-122"/>
-              <a:ea typeface="华文中宋" panose="02010600040101010101" pitchFamily="2" charset="-122"/>
-            </a:endParaRPr>
           </a:p>
           <a:p>
             <a:pPr marL="1371600" lvl="2" indent="-457200">
@@ -12140,10 +11888,6 @@
               </a:rPr>
               <a:t>employ the context of private information as the input to the language model</a:t>
             </a:r>
-            <a:endParaRPr lang="en-US" altLang="zh-CN" sz="2000" dirty="0">
-              <a:latin typeface="华文中宋" panose="02010600040101010101" pitchFamily="2" charset="-122"/>
-              <a:ea typeface="华文中宋" panose="02010600040101010101" pitchFamily="2" charset="-122"/>
-            </a:endParaRPr>
           </a:p>
           <a:p>
             <a:pPr marL="1371600" lvl="2" indent="-457200">
@@ -12160,10 +11904,6 @@
               </a:rPr>
               <a:t>calculate the risk of private information leakage</a:t>
             </a:r>
-            <a:endParaRPr lang="en-US" altLang="zh-CN" sz="2000" dirty="0">
-              <a:latin typeface="华文中宋" panose="02010600040101010101" pitchFamily="2" charset="-122"/>
-              <a:ea typeface="华文中宋" panose="02010600040101010101" pitchFamily="2" charset="-122"/>
-            </a:endParaRPr>
           </a:p>
           <a:p>
             <a:pPr marL="1371600" lvl="2" indent="-457200">
@@ -12180,10 +11920,6 @@
               </a:rPr>
               <a:t>classify the information with a leakage risk exceeding predefined thresholds as having been memorized by the language model</a:t>
             </a:r>
-            <a:endParaRPr lang="en-US" altLang="zh-CN" sz="2000" dirty="0">
-              <a:latin typeface="华文中宋" panose="02010600040101010101" pitchFamily="2" charset="-122"/>
-              <a:ea typeface="华文中宋" panose="02010600040101010101" pitchFamily="2" charset="-122"/>
-            </a:endParaRPr>
           </a:p>
           <a:p>
             <a:pPr marL="914400" lvl="1" indent="-457200">
@@ -12200,10 +11936,6 @@
               </a:rPr>
               <a:t>Sensitive information leakage</a:t>
             </a:r>
-            <a:endParaRPr lang="en-US" altLang="zh-CN" sz="2000" dirty="0">
-              <a:latin typeface="华文中宋" panose="02010600040101010101" pitchFamily="2" charset="-122"/>
-              <a:ea typeface="华文中宋" panose="02010600040101010101" pitchFamily="2" charset="-122"/>
-            </a:endParaRPr>
           </a:p>
         </p:txBody>
       </p:sp>
@@ -12294,13 +12026,6 @@
               </a:rPr>
               <a:t>Privacy Risks</a:t>
             </a:r>
-            <a:endParaRPr lang="en-US" altLang="zh-CN" sz="2400" b="1" dirty="0">
-              <a:solidFill>
-                <a:srgbClr val="802258"/>
-              </a:solidFill>
-              <a:latin typeface="华文中宋" panose="02010600040101010101" pitchFamily="2" charset="-122"/>
-              <a:ea typeface="华文中宋" panose="02010600040101010101" pitchFamily="2" charset="-122"/>
-            </a:endParaRPr>
           </a:p>
           <a:p>
             <a:pPr marL="914400" lvl="1" indent="-457200">
@@ -12317,10 +12042,6 @@
               </a:rPr>
               <a:t>Extracting personal info from outputs</a:t>
             </a:r>
-            <a:endParaRPr lang="en-US" altLang="zh-CN" sz="2000" dirty="0">
-              <a:latin typeface="华文中宋" panose="02010600040101010101" pitchFamily="2" charset="-122"/>
-              <a:ea typeface="华文中宋" panose="02010600040101010101" pitchFamily="2" charset="-122"/>
-            </a:endParaRPr>
           </a:p>
           <a:p>
             <a:pPr marL="914400" lvl="1" indent="-457200">
@@ -12337,10 +12058,6 @@
               </a:rPr>
               <a:t>Inducing generation of personal info</a:t>
             </a:r>
-            <a:endParaRPr lang="en-US" altLang="zh-CN" sz="2000" dirty="0">
-              <a:latin typeface="华文中宋" panose="02010600040101010101" pitchFamily="2" charset="-122"/>
-              <a:ea typeface="华文中宋" panose="02010600040101010101" pitchFamily="2" charset="-122"/>
-            </a:endParaRPr>
           </a:p>
           <a:p>
             <a:pPr marL="914400" lvl="1" indent="-457200">
@@ -12357,10 +12074,6 @@
               </a:rPr>
               <a:t>Training data memorization</a:t>
             </a:r>
-            <a:endParaRPr lang="en-US" altLang="zh-CN" sz="2000" dirty="0">
-              <a:latin typeface="华文中宋" panose="02010600040101010101" pitchFamily="2" charset="-122"/>
-              <a:ea typeface="华文中宋" panose="02010600040101010101" pitchFamily="2" charset="-122"/>
-            </a:endParaRPr>
           </a:p>
           <a:p>
             <a:pPr marL="457200" indent="-457200">
@@ -12380,13 +12093,6 @@
               </a:rPr>
               <a:t>Existing Methods</a:t>
             </a:r>
-            <a:endParaRPr lang="en-US" altLang="zh-CN" sz="2400" b="1" dirty="0">
-              <a:solidFill>
-                <a:srgbClr val="802258"/>
-              </a:solidFill>
-              <a:latin typeface="华文中宋" panose="02010600040101010101" pitchFamily="2" charset="-122"/>
-              <a:ea typeface="华文中宋" panose="02010600040101010101" pitchFamily="2" charset="-122"/>
-            </a:endParaRPr>
           </a:p>
           <a:p>
             <a:pPr marL="914400" lvl="1" indent="-457200">
@@ -12403,10 +12109,6 @@
               </a:rPr>
               <a:t>Data processing stage: remove sensitive info</a:t>
             </a:r>
-            <a:endParaRPr lang="en-US" altLang="zh-CN" sz="2000" dirty="0">
-              <a:latin typeface="华文中宋" panose="02010600040101010101" pitchFamily="2" charset="-122"/>
-              <a:ea typeface="华文中宋" panose="02010600040101010101" pitchFamily="2" charset="-122"/>
-            </a:endParaRPr>
           </a:p>
           <a:p>
             <a:pPr marL="914400" lvl="1" indent="-457200">
@@ -12423,10 +12125,6 @@
               </a:rPr>
               <a:t>Training stage: differential privacy, adversarial training</a:t>
             </a:r>
-            <a:endParaRPr lang="en-US" altLang="zh-CN" sz="2000" dirty="0">
-              <a:latin typeface="华文中宋" panose="02010600040101010101" pitchFamily="2" charset="-122"/>
-              <a:ea typeface="华文中宋" panose="02010600040101010101" pitchFamily="2" charset="-122"/>
-            </a:endParaRPr>
           </a:p>
           <a:p>
             <a:pPr marL="914400" lvl="1" indent="-457200">
@@ -12443,10 +12141,6 @@
               </a:rPr>
               <a:t>Post-processing stage: parameter retraining, keyword filtering</a:t>
             </a:r>
-            <a:endParaRPr lang="en-US" altLang="zh-CN" sz="2000" dirty="0">
-              <a:latin typeface="华文中宋" panose="02010600040101010101" pitchFamily="2" charset="-122"/>
-              <a:ea typeface="华文中宋" panose="02010600040101010101" pitchFamily="2" charset="-122"/>
-            </a:endParaRPr>
           </a:p>
           <a:p>
             <a:pPr marL="457200" indent="-457200">
@@ -12466,13 +12160,6 @@
               </a:rPr>
               <a:t>Limitations</a:t>
             </a:r>
-            <a:endParaRPr lang="en-US" altLang="zh-CN" sz="2400" b="1" dirty="0">
-              <a:solidFill>
-                <a:srgbClr val="802258"/>
-              </a:solidFill>
-              <a:latin typeface="华文中宋" panose="02010600040101010101" pitchFamily="2" charset="-122"/>
-              <a:ea typeface="华文中宋" panose="02010600040101010101" pitchFamily="2" charset="-122"/>
-            </a:endParaRPr>
           </a:p>
           <a:p>
             <a:pPr marL="914400" lvl="1" indent="-457200">
@@ -12489,10 +12176,6 @@
               </a:rPr>
               <a:t>High computational cost</a:t>
             </a:r>
-            <a:endParaRPr lang="en-US" altLang="zh-CN" sz="2000" dirty="0">
-              <a:latin typeface="华文中宋" panose="02010600040101010101" pitchFamily="2" charset="-122"/>
-              <a:ea typeface="华文中宋" panose="02010600040101010101" pitchFamily="2" charset="-122"/>
-            </a:endParaRPr>
           </a:p>
           <a:p>
             <a:pPr marL="914400" lvl="1" indent="-457200">
@@ -12509,10 +12192,6 @@
               </a:rPr>
               <a:t>Ineffectiveness post-training</a:t>
             </a:r>
-            <a:endParaRPr lang="en-US" altLang="zh-CN" sz="2000" dirty="0">
-              <a:latin typeface="华文中宋" panose="02010600040101010101" pitchFamily="2" charset="-122"/>
-              <a:ea typeface="华文中宋" panose="02010600040101010101" pitchFamily="2" charset="-122"/>
-            </a:endParaRPr>
           </a:p>
           <a:p>
             <a:pPr>
@@ -12614,13 +12293,6 @@
               </a:rPr>
               <a:t>DEPN</a:t>
             </a:r>
-            <a:endParaRPr lang="en-US" altLang="zh-CN" sz="2400" b="1" dirty="0">
-              <a:solidFill>
-                <a:srgbClr val="802258"/>
-              </a:solidFill>
-              <a:latin typeface="华文中宋" panose="02010600040101010101" pitchFamily="2" charset="-122"/>
-              <a:ea typeface="华文中宋" panose="02010600040101010101" pitchFamily="2" charset="-122"/>
-            </a:endParaRPr>
           </a:p>
           <a:p>
             <a:pPr marL="914400" lvl="1" indent="-457200">
@@ -12649,26 +12321,8 @@
                 <a:latin typeface="华文中宋" panose="02010600040101010101" pitchFamily="2" charset="-122"/>
                 <a:ea typeface="华文中宋" panose="02010600040101010101" pitchFamily="2" charset="-122"/>
               </a:rPr>
-              <a:t>eliminate model </a:t>
-            </a:r>
-            <a:r>
-              <a:rPr lang="en-US" altLang="zh-CN" sz="2000" dirty="0" err="1">
-                <a:latin typeface="华文中宋" panose="02010600040101010101" pitchFamily="2" charset="-122"/>
-                <a:ea typeface="华文中宋" panose="02010600040101010101" pitchFamily="2" charset="-122"/>
-              </a:rPr>
-              <a:t>memorizatio</a:t>
-            </a:r>
-            <a:r>
-              <a:rPr lang="en-US" altLang="zh-CN" sz="2000" dirty="0">
-                <a:latin typeface="华文中宋" panose="02010600040101010101" pitchFamily="2" charset="-122"/>
-                <a:ea typeface="华文中宋" panose="02010600040101010101" pitchFamily="2" charset="-122"/>
-              </a:rPr>
-              <a:t>. </a:t>
-            </a:r>
-            <a:endParaRPr lang="en-US" altLang="zh-CN" sz="2000" dirty="0">
-              <a:latin typeface="华文中宋" panose="02010600040101010101" pitchFamily="2" charset="-122"/>
-              <a:ea typeface="华文中宋" panose="02010600040101010101" pitchFamily="2" charset="-122"/>
-            </a:endParaRPr>
+              <a:t>eliminate model memorization. </a:t>
+            </a:r>
           </a:p>
           <a:p>
             <a:pPr marL="914400" lvl="1" indent="-457200">
@@ -12699,10 +12353,6 @@
               </a:rPr>
               <a:t> privacy information. </a:t>
             </a:r>
-            <a:endParaRPr lang="en-US" altLang="zh-CN" sz="2000" dirty="0">
-              <a:latin typeface="华文中宋" panose="02010600040101010101" pitchFamily="2" charset="-122"/>
-              <a:ea typeface="华文中宋" panose="02010600040101010101" pitchFamily="2" charset="-122"/>
-            </a:endParaRPr>
           </a:p>
           <a:p>
             <a:pPr marL="914400" lvl="1" indent="-457200">
@@ -12717,7 +12367,14 @@
                 <a:latin typeface="华文中宋" panose="02010600040101010101" pitchFamily="2" charset="-122"/>
                 <a:ea typeface="华文中宋" panose="02010600040101010101" pitchFamily="2" charset="-122"/>
               </a:rPr>
-              <a:t>Experiments</a:t>
+              <a:t>Experiments to demonstrate that the proposed framework is capable of protecting privacy leakage form pretrained </a:t>
+            </a:r>
+            <a:r>
+              <a:rPr lang="en-US" altLang="zh-CN" sz="2000">
+                <a:latin typeface="华文中宋" panose="02010600040101010101" pitchFamily="2" charset="-122"/>
+                <a:ea typeface="华文中宋" panose="02010600040101010101" pitchFamily="2" charset="-122"/>
+              </a:rPr>
+              <a:t>language models.</a:t>
             </a:r>
             <a:endParaRPr lang="en-US" altLang="zh-CN" dirty="0">
               <a:latin typeface="华文中宋" panose="02010600040101010101" pitchFamily="2" charset="-122"/>
@@ -12770,7 +12427,6 @@
               <a:rPr lang="en-US" altLang="zh-CN" b="1" dirty="0"/>
               <a:t>Preliminary</a:t>
             </a:r>
-            <a:endParaRPr lang="en-US" altLang="zh-CN" b="1" dirty="0"/>
           </a:p>
         </p:txBody>
       </p:sp>
@@ -12813,13 +12469,6 @@
               </a:rPr>
               <a:t>Privacy Definition</a:t>
             </a:r>
-            <a:endParaRPr lang="en-US" altLang="zh-CN" sz="2400" b="1" dirty="0">
-              <a:solidFill>
-                <a:srgbClr val="802258"/>
-              </a:solidFill>
-              <a:latin typeface="华文中宋" panose="02010600040101010101" pitchFamily="2" charset="-122"/>
-              <a:ea typeface="华文中宋" panose="02010600040101010101" pitchFamily="2" charset="-122"/>
-            </a:endParaRPr>
           </a:p>
           <a:p>
             <a:pPr marL="914400" lvl="1" indent="-457200">
@@ -12836,10 +12485,6 @@
               </a:rPr>
               <a:t>great concern in the era of pretrained language models</a:t>
             </a:r>
-            <a:endParaRPr lang="en-US" altLang="zh-CN" sz="2000" dirty="0">
-              <a:latin typeface="华文中宋" panose="02010600040101010101" pitchFamily="2" charset="-122"/>
-              <a:ea typeface="华文中宋" panose="02010600040101010101" pitchFamily="2" charset="-122"/>
-            </a:endParaRPr>
           </a:p>
           <a:p>
             <a:pPr marL="914400" lvl="1" indent="-457200">
@@ -12856,10 +12501,6 @@
               </a:rPr>
               <a:t>closely related to its context and discourse</a:t>
             </a:r>
-            <a:endParaRPr lang="en-US" altLang="zh-CN" sz="2000" dirty="0">
-              <a:latin typeface="华文中宋" panose="02010600040101010101" pitchFamily="2" charset="-122"/>
-              <a:ea typeface="华文中宋" panose="02010600040101010101" pitchFamily="2" charset="-122"/>
-            </a:endParaRPr>
           </a:p>
           <a:p>
             <a:pPr marL="914400" lvl="1" indent="-457200">
@@ -12876,10 +12517,6 @@
               </a:rPr>
               <a:t>a narrow definition of privacy</a:t>
             </a:r>
-            <a:endParaRPr lang="en-US" altLang="zh-CN" sz="2000" dirty="0">
-              <a:latin typeface="华文中宋" panose="02010600040101010101" pitchFamily="2" charset="-122"/>
-              <a:ea typeface="华文中宋" panose="02010600040101010101" pitchFamily="2" charset="-122"/>
-            </a:endParaRPr>
           </a:p>
         </p:txBody>
       </p:sp>
@@ -12927,7 +12564,6 @@
               <a:rPr lang="en-US" altLang="zh-CN" b="1" dirty="0"/>
               <a:t>Preliminary</a:t>
             </a:r>
-            <a:endParaRPr lang="en-US" altLang="zh-CN" b="1" dirty="0"/>
           </a:p>
         </p:txBody>
       </p:sp>
@@ -12970,13 +12606,6 @@
               </a:rPr>
               <a:t>Model Editing</a:t>
             </a:r>
-            <a:endParaRPr lang="en-US" altLang="zh-CN" sz="2400" b="1" dirty="0">
-              <a:solidFill>
-                <a:srgbClr val="802258"/>
-              </a:solidFill>
-              <a:latin typeface="华文中宋" panose="02010600040101010101" pitchFamily="2" charset="-122"/>
-              <a:ea typeface="华文中宋" panose="02010600040101010101" pitchFamily="2" charset="-122"/>
-            </a:endParaRPr>
           </a:p>
           <a:p>
             <a:pPr marL="914400" lvl="1" indent="-457200">
@@ -12993,10 +12622,27 @@
               </a:rPr>
               <a:t>a key-value memory</a:t>
             </a:r>
-            <a:endParaRPr lang="en-US" altLang="zh-CN" sz="2000" dirty="0">
-              <a:latin typeface="华文中宋" panose="02010600040101010101" pitchFamily="2" charset="-122"/>
-              <a:ea typeface="华文中宋" panose="02010600040101010101" pitchFamily="2" charset="-122"/>
-            </a:endParaRPr>
+            <a:r>
+              <a:rPr lang="zh-CN" altLang="en-US" sz="2000" dirty="0">
+                <a:latin typeface="华文中宋" panose="02010600040101010101" pitchFamily="2" charset="-122"/>
+                <a:ea typeface="华文中宋" panose="02010600040101010101" pitchFamily="2" charset="-122"/>
+              </a:rPr>
+              <a:t>（</a:t>
+            </a:r>
+            <a:r>
+              <a:rPr lang="en-US" altLang="zh-CN" sz="2000" dirty="0" err="1">
+                <a:latin typeface="华文中宋" panose="02010600040101010101" pitchFamily="2" charset="-122"/>
+                <a:ea typeface="华文中宋" panose="02010600040101010101" pitchFamily="2" charset="-122"/>
+              </a:rPr>
+              <a:t>Transformer:FFN</a:t>
+            </a:r>
+            <a:r>
+              <a:rPr lang="en-US" altLang="zh-CN" sz="2000" dirty="0">
+                <a:latin typeface="华文中宋" panose="02010600040101010101" pitchFamily="2" charset="-122"/>
+                <a:ea typeface="华文中宋" panose="02010600040101010101" pitchFamily="2" charset="-122"/>
+              </a:rPr>
+              <a:t>)</a:t>
+            </a:r>
           </a:p>
           <a:p>
             <a:pPr marL="1371600" lvl="2" indent="-457200">
@@ -13027,10 +12673,6 @@
               </a:rPr>
               <a:t>a text pattern</a:t>
             </a:r>
-            <a:endParaRPr lang="en-US" altLang="zh-CN" sz="2000" dirty="0">
-              <a:latin typeface="华文中宋" panose="02010600040101010101" pitchFamily="2" charset="-122"/>
-              <a:ea typeface="华文中宋" panose="02010600040101010101" pitchFamily="2" charset="-122"/>
-            </a:endParaRPr>
           </a:p>
           <a:p>
             <a:pPr marL="1371600" lvl="2" indent="-457200">
@@ -13061,10 +12703,6 @@
               </a:rPr>
               <a:t>a distribution over the vocabulary</a:t>
             </a:r>
-            <a:endParaRPr lang="en-US" altLang="zh-CN" sz="2000" dirty="0">
-              <a:latin typeface="华文中宋" panose="02010600040101010101" pitchFamily="2" charset="-122"/>
-              <a:ea typeface="华文中宋" panose="02010600040101010101" pitchFamily="2" charset="-122"/>
-            </a:endParaRPr>
           </a:p>
           <a:p>
             <a:pPr marL="914400" lvl="1" indent="-457200">
@@ -13081,10 +12719,6 @@
               </a:rPr>
               <a:t>edit factual knowledge encoded by locating neurons related to the entities of factual knowledge</a:t>
             </a:r>
-            <a:endParaRPr lang="en-US" altLang="zh-CN" sz="2000" dirty="0">
-              <a:latin typeface="华文中宋" panose="02010600040101010101" pitchFamily="2" charset="-122"/>
-              <a:ea typeface="华文中宋" panose="02010600040101010101" pitchFamily="2" charset="-122"/>
-            </a:endParaRPr>
           </a:p>
           <a:p>
             <a:pPr marL="914400" lvl="1" indent="-457200">
@@ -13115,10 +12749,6 @@
               </a:rPr>
               <a:t>observe the changes</a:t>
             </a:r>
-            <a:endParaRPr lang="en-US" altLang="zh-CN" sz="2000" dirty="0">
-              <a:latin typeface="华文中宋" panose="02010600040101010101" pitchFamily="2" charset="-122"/>
-              <a:ea typeface="华文中宋" panose="02010600040101010101" pitchFamily="2" charset="-122"/>
-            </a:endParaRPr>
           </a:p>
           <a:p>
             <a:pPr marL="1371600" lvl="2" indent="-457200">
@@ -13135,10 +12765,6 @@
               </a:rPr>
               <a:t>greater influence, more closely</a:t>
             </a:r>
-            <a:endParaRPr lang="en-US" altLang="zh-CN" sz="2000" dirty="0">
-              <a:latin typeface="华文中宋" panose="02010600040101010101" pitchFamily="2" charset="-122"/>
-              <a:ea typeface="华文中宋" panose="02010600040101010101" pitchFamily="2" charset="-122"/>
-            </a:endParaRPr>
           </a:p>
           <a:p>
             <a:pPr marL="1371600" lvl="2" indent="-457200">
@@ -13155,10 +12781,6 @@
               </a:rPr>
               <a:t>Limitations: only observe the probability change of one token at a time</a:t>
             </a:r>
-            <a:endParaRPr lang="en-US" altLang="zh-CN" sz="2000" dirty="0">
-              <a:latin typeface="华文中宋" panose="02010600040101010101" pitchFamily="2" charset="-122"/>
-              <a:ea typeface="华文中宋" panose="02010600040101010101" pitchFamily="2" charset="-122"/>
-            </a:endParaRPr>
           </a:p>
         </p:txBody>
       </p:sp>
@@ -13249,13 +12871,6 @@
               </a:rPr>
               <a:t>DEPN</a:t>
             </a:r>
-            <a:endParaRPr lang="en-US" altLang="zh-CN" sz="2400" b="1" dirty="0">
-              <a:solidFill>
-                <a:srgbClr val="802258"/>
-              </a:solidFill>
-              <a:latin typeface="华文中宋" panose="02010600040101010101" pitchFamily="2" charset="-122"/>
-              <a:ea typeface="华文中宋" panose="02010600040101010101" pitchFamily="2" charset="-122"/>
-            </a:endParaRPr>
           </a:p>
           <a:p>
             <a:pPr marL="914400" lvl="1" indent="-457200">
@@ -13279,10 +12894,6 @@
               </a:rPr>
               <a:t>: Locate neurons associated with private information</a:t>
             </a:r>
-            <a:endParaRPr lang="en-US" altLang="zh-CN" sz="2000" dirty="0">
-              <a:latin typeface="华文中宋" panose="02010600040101010101" pitchFamily="2" charset="-122"/>
-              <a:ea typeface="华文中宋" panose="02010600040101010101" pitchFamily="2" charset="-122"/>
-            </a:endParaRPr>
           </a:p>
           <a:p>
             <a:pPr marL="914400" lvl="1" indent="-457200">
@@ -13306,10 +12917,6 @@
               </a:rPr>
               <a:t>: Process privacy information in batches</a:t>
             </a:r>
-            <a:endParaRPr lang="en-US" altLang="zh-CN" sz="2000" dirty="0">
-              <a:latin typeface="华文中宋" panose="02010600040101010101" pitchFamily="2" charset="-122"/>
-              <a:ea typeface="华文中宋" panose="02010600040101010101" pitchFamily="2" charset="-122"/>
-            </a:endParaRPr>
           </a:p>
           <a:p>
             <a:pPr marL="914400" lvl="1" indent="-457200">
@@ -13333,10 +12940,6 @@
               </a:rPr>
               <a:t>: Set the activation values of these neurons to zero</a:t>
             </a:r>
-            <a:endParaRPr lang="en-US" altLang="zh-CN" sz="2000" dirty="0">
-              <a:latin typeface="华文中宋" panose="02010600040101010101" pitchFamily="2" charset="-122"/>
-              <a:ea typeface="华文中宋" panose="02010600040101010101" pitchFamily="2" charset="-122"/>
-            </a:endParaRPr>
           </a:p>
         </p:txBody>
       </p:sp>
@@ -13349,7 +12952,7 @@
           <p:nvPr/>
         </p:nvPicPr>
         <p:blipFill>
-          <a:blip r:embed="rId1"/>
+          <a:blip r:embed="rId3"/>
           <a:stretch>
             <a:fillRect/>
           </a:stretch>
@@ -13451,13 +13054,6 @@
               </a:rPr>
               <a:t>Privacy Prediction Task</a:t>
             </a:r>
-            <a:endParaRPr lang="en-US" altLang="zh-CN" sz="2400" b="1" dirty="0">
-              <a:solidFill>
-                <a:srgbClr val="802258"/>
-              </a:solidFill>
-              <a:latin typeface="华文中宋" panose="02010600040101010101" pitchFamily="2" charset="-122"/>
-              <a:ea typeface="华文中宋" panose="02010600040101010101" pitchFamily="2" charset="-122"/>
-            </a:endParaRPr>
           </a:p>
         </p:txBody>
       </p:sp>
@@ -13470,7 +13066,7 @@
           <p:nvPr/>
         </p:nvPicPr>
         <p:blipFill>
-          <a:blip r:embed="rId1"/>
+          <a:blip r:embed="rId3"/>
           <a:stretch>
             <a:fillRect/>
           </a:stretch>
@@ -13613,10 +13209,6 @@
               </a:rPr>
               <a:t>"_ _ is a senior writer at ESPN.com" reduce the probability of privacy leakage</a:t>
             </a:r>
-            <a:endParaRPr lang="en-US" altLang="zh-CN" sz="2000" dirty="0">
-              <a:latin typeface="华文中宋" panose="02010600040101010101" pitchFamily="2" charset="-122"/>
-              <a:ea typeface="华文中宋" panose="02010600040101010101" pitchFamily="2" charset="-122"/>
-            </a:endParaRPr>
           </a:p>
         </p:txBody>
       </p:sp>
@@ -13654,10 +13246,6 @@
               </a:rPr>
               <a:t>minimizing the probability of predicting "An■" and "Ka■" </a:t>
             </a:r>
-            <a:endParaRPr lang="en-US" altLang="zh-CN" sz="2000" dirty="0">
-              <a:latin typeface="华文中宋" panose="02010600040101010101" pitchFamily="2" charset="-122"/>
-              <a:ea typeface="华文中宋" panose="02010600040101010101" pitchFamily="2" charset="-122"/>
-            </a:endParaRPr>
           </a:p>
         </p:txBody>
       </p:sp>
@@ -13762,7 +13350,7 @@
 </file>
 
 <file path=ppt/tags/tag1.xml><?xml version="1.0" encoding="utf-8"?>
-<p:tagLst xmlns:p="http://schemas.openxmlformats.org/presentationml/2006/main">
+<p:tagLst xmlns:a="http://schemas.openxmlformats.org/drawingml/2006/main" xmlns:r="http://schemas.openxmlformats.org/officeDocument/2006/relationships" xmlns:p="http://schemas.openxmlformats.org/presentationml/2006/main">
   <p:tag name="COMMONDATA" val="eyJoZGlkIjoiOGRkMDkyOWRlOTE2NmY3NDMyM2QyN2ZiMGI1Y2QwYzUifQ=="/>
   <p:tag name="KSO_WPP_MARK_KEY" val="1de7cdab-8532-4825-b9b1-58d16515245a"/>
 </p:tagLst>
@@ -14019,6 +13607,8 @@
       </a:bgFillStyleLst>
     </a:fmtScheme>
   </a:themeElements>
+  <a:objectDefaults/>
+  <a:extraClrSchemeLst/>
   <a:extLst>
     <a:ext uri="{05A4C25C-085E-4340-85A3-A5531E510DB2}">
       <thm15:themeFamily xmlns:thm15="http://schemas.microsoft.com/office/thememl/2012/main" name="Office Theme" id="{62F939B6-93AF-4DB8-9C6B-D6C7DFDC589F}" vid="{4A3C46E8-61CC-4603-A589-7422A47A8E4A}"/>
@@ -14278,6 +13868,8 @@
       </a:bgFillStyleLst>
     </a:fmtScheme>
   </a:themeElements>
+  <a:objectDefaults/>
+  <a:extraClrSchemeLst/>
   <a:extLst>
     <a:ext uri="{05A4C25C-085E-4340-85A3-A5531E510DB2}">
       <thm15:themeFamily xmlns:thm15="http://schemas.microsoft.com/office/thememl/2012/main" name="Office Theme" id="{62F939B6-93AF-4DB8-9C6B-D6C7DFDC589F}" vid="{4A3C46E8-61CC-4603-A589-7422A47A8E4A}"/>
